--- a/Presentation/Social_Media_Impact_final_ppt.pptx
+++ b/Presentation/Social_Media_Impact_final_ppt.pptx
@@ -14,19 +14,21 @@
     <p:sldId id="262" r:id="rId8"/>
     <p:sldId id="268" r:id="rId9"/>
     <p:sldId id="269" r:id="rId10"/>
-    <p:sldId id="270" r:id="rId11"/>
-    <p:sldId id="263" r:id="rId12"/>
-    <p:sldId id="273" r:id="rId13"/>
-    <p:sldId id="264" r:id="rId14"/>
-    <p:sldId id="272" r:id="rId15"/>
-    <p:sldId id="274" r:id="rId16"/>
-    <p:sldId id="261" r:id="rId17"/>
-    <p:sldId id="275" r:id="rId18"/>
-    <p:sldId id="276" r:id="rId19"/>
-    <p:sldId id="277" r:id="rId20"/>
-    <p:sldId id="279" r:id="rId21"/>
-    <p:sldId id="278" r:id="rId22"/>
-    <p:sldId id="280" r:id="rId23"/>
+    <p:sldId id="273" r:id="rId11"/>
+    <p:sldId id="281" r:id="rId12"/>
+    <p:sldId id="282" r:id="rId13"/>
+    <p:sldId id="270" r:id="rId14"/>
+    <p:sldId id="264" r:id="rId15"/>
+    <p:sldId id="283" r:id="rId16"/>
+    <p:sldId id="284" r:id="rId17"/>
+    <p:sldId id="274" r:id="rId18"/>
+    <p:sldId id="261" r:id="rId19"/>
+    <p:sldId id="275" r:id="rId20"/>
+    <p:sldId id="276" r:id="rId21"/>
+    <p:sldId id="277" r:id="rId22"/>
+    <p:sldId id="279" r:id="rId23"/>
+    <p:sldId id="278" r:id="rId24"/>
+    <p:sldId id="280" r:id="rId25"/>
   </p:sldIdLst>
   <p:sldSz cx="12192000" cy="6858000"/>
   <p:notesSz cx="6858000" cy="9144000"/>
@@ -127,7 +129,7 @@
   </p:defaultTextStyle>
   <p:extLst>
     <p:ext uri="{EFAFB233-063F-42B5-8137-9DF3F51BA10A}">
-      <p15:sldGuideLst xmlns:p15="http://schemas.microsoft.com/office/powerpoint/2012/main"/>
+      <p15:sldGuideLst xmlns:p15="http://schemas.microsoft.com/office/powerpoint/2012/main" xmlns=""/>
     </p:ext>
   </p:extLst>
 </p:presentation>
@@ -274,7 +276,7 @@
             <a:fld id="{3F9AFA87-1417-4992-ABD9-27C3BC8CC883}" type="datetimeFigureOut">
               <a:rPr lang="en-US" smtClean="0"/>
               <a:pPr algn="r"/>
-              <a:t>2022-04-01</a:t>
+              <a:t>4/2/2022</a:t>
             </a:fld>
             <a:endParaRPr lang="en-US" dirty="0"/>
           </a:p>
@@ -486,7 +488,7 @@
           <a:p>
             <a:fld id="{3F9AFA87-1417-4992-ABD9-27C3BC8CC883}" type="datetimeFigureOut">
               <a:rPr lang="en-US" smtClean="0"/>
-              <a:t>2022-04-01</a:t>
+              <a:t>4/2/2022</a:t>
             </a:fld>
             <a:endParaRPr lang="en-US"/>
           </a:p>
@@ -701,7 +703,7 @@
           <a:p>
             <a:fld id="{3F9AFA87-1417-4992-ABD9-27C3BC8CC883}" type="datetimeFigureOut">
               <a:rPr lang="en-US" smtClean="0"/>
-              <a:t>2022-04-01</a:t>
+              <a:t>4/2/2022</a:t>
             </a:fld>
             <a:endParaRPr lang="en-US"/>
           </a:p>
@@ -902,7 +904,7 @@
           <a:p>
             <a:fld id="{3F9AFA87-1417-4992-ABD9-27C3BC8CC883}" type="datetimeFigureOut">
               <a:rPr lang="en-US" smtClean="0"/>
-              <a:t>2022-04-01</a:t>
+              <a:t>4/2/2022</a:t>
             </a:fld>
             <a:endParaRPr lang="en-US"/>
           </a:p>
@@ -1181,7 +1183,7 @@
           <a:p>
             <a:fld id="{3F9AFA87-1417-4992-ABD9-27C3BC8CC883}" type="datetimeFigureOut">
               <a:rPr lang="en-US" smtClean="0"/>
-              <a:t>2022-04-01</a:t>
+              <a:t>4/2/2022</a:t>
             </a:fld>
             <a:endParaRPr lang="en-US"/>
           </a:p>
@@ -1449,7 +1451,7 @@
           <a:p>
             <a:fld id="{3F9AFA87-1417-4992-ABD9-27C3BC8CC883}" type="datetimeFigureOut">
               <a:rPr lang="en-US" smtClean="0"/>
-              <a:t>2022-04-01</a:t>
+              <a:t>4/2/2022</a:t>
             </a:fld>
             <a:endParaRPr lang="en-US" dirty="0"/>
           </a:p>
@@ -1865,7 +1867,7 @@
           <a:p>
             <a:fld id="{3F9AFA87-1417-4992-ABD9-27C3BC8CC883}" type="datetimeFigureOut">
               <a:rPr lang="en-US" smtClean="0"/>
-              <a:t>2022-04-01</a:t>
+              <a:t>4/2/2022</a:t>
             </a:fld>
             <a:endParaRPr lang="en-US"/>
           </a:p>
@@ -2014,7 +2016,7 @@
           <a:p>
             <a:fld id="{3F9AFA87-1417-4992-ABD9-27C3BC8CC883}" type="datetimeFigureOut">
               <a:rPr lang="en-US" smtClean="0"/>
-              <a:t>2022-04-01</a:t>
+              <a:t>4/2/2022</a:t>
             </a:fld>
             <a:endParaRPr lang="en-US"/>
           </a:p>
@@ -2140,7 +2142,7 @@
           <a:p>
             <a:fld id="{3F9AFA87-1417-4992-ABD9-27C3BC8CC883}" type="datetimeFigureOut">
               <a:rPr lang="en-US" smtClean="0"/>
-              <a:t>2022-04-01</a:t>
+              <a:t>4/2/2022</a:t>
             </a:fld>
             <a:endParaRPr lang="en-US"/>
           </a:p>
@@ -2391,7 +2393,7 @@
           <a:p>
             <a:fld id="{3F9AFA87-1417-4992-ABD9-27C3BC8CC883}" type="datetimeFigureOut">
               <a:rPr lang="en-US" smtClean="0"/>
-              <a:t>2022-04-01</a:t>
+              <a:t>4/2/2022</a:t>
             </a:fld>
             <a:endParaRPr lang="en-US"/>
           </a:p>
@@ -2836,7 +2838,7 @@
           <a:p>
             <a:fld id="{3F9AFA87-1417-4992-ABD9-27C3BC8CC883}" type="datetimeFigureOut">
               <a:rPr lang="en-US" smtClean="0"/>
-              <a:t>2022-04-01</a:t>
+              <a:t>4/2/2022</a:t>
             </a:fld>
             <a:endParaRPr lang="en-US"/>
           </a:p>
@@ -3165,7 +3167,7 @@
             <a:fld id="{3F9AFA87-1417-4992-ABD9-27C3BC8CC883}" type="datetimeFigureOut">
               <a:rPr lang="en-US" smtClean="0"/>
               <a:pPr algn="r"/>
-              <a:t>2022-04-01</a:t>
+              <a:t>4/2/2022</a:t>
             </a:fld>
             <a:endParaRPr lang="en-US" dirty="0"/>
           </a:p>
@@ -3681,10 +3683,10 @@
           <p:cNvPr id="7" name="Rectangle 6">
             <a:extLst>
               <a:ext uri="{FF2B5EF4-FFF2-40B4-BE49-F238E27FC236}">
-                <a16:creationId xmlns:a16="http://schemas.microsoft.com/office/drawing/2014/main" id="{23522FE7-5A29-4EF6-B1EF-2CA55748A772}"/>
+                <a16:creationId xmlns:a16="http://schemas.microsoft.com/office/drawing/2014/main" xmlns="" id="{23522FE7-5A29-4EF6-B1EF-2CA55748A772}"/>
               </a:ext>
               <a:ext uri="{C183D7F6-B498-43B3-948B-1728B52AA6E4}">
-                <adec:decorative xmlns:adec="http://schemas.microsoft.com/office/drawing/2017/decorative" val="1"/>
+                <adec:decorative xmlns:adec="http://schemas.microsoft.com/office/drawing/2017/decorative" xmlns="" val="1"/>
               </a:ext>
             </a:extLst>
           </p:cNvPr>
@@ -3694,7 +3696,7 @@
           <p:nvPr>
             <p:extLst>
               <p:ext uri="{386F3935-93C4-4BCD-93E2-E3B085C9AB24}">
-                <p16:designElem xmlns:p16="http://schemas.microsoft.com/office/powerpoint/2015/main" val="1"/>
+                <p16:designElem xmlns:p16="http://schemas.microsoft.com/office/powerpoint/2015/main" xmlns="" val="1"/>
               </p:ext>
             </p:extLst>
           </p:nvPr>
@@ -3747,10 +3749,10 @@
           <p:cNvPr id="9" name="Picture 8">
             <a:extLst>
               <a:ext uri="{FF2B5EF4-FFF2-40B4-BE49-F238E27FC236}">
-                <a16:creationId xmlns:a16="http://schemas.microsoft.com/office/drawing/2014/main" id="{C2192E09-EBC7-416C-B887-DFF915D7F43D}"/>
+                <a16:creationId xmlns:a16="http://schemas.microsoft.com/office/drawing/2014/main" xmlns="" id="{C2192E09-EBC7-416C-B887-DFF915D7F43D}"/>
               </a:ext>
               <a:ext uri="{C183D7F6-B498-43B3-948B-1728B52AA6E4}">
-                <adec:decorative xmlns:adec="http://schemas.microsoft.com/office/drawing/2017/decorative" val="1"/>
+                <adec:decorative xmlns:adec="http://schemas.microsoft.com/office/drawing/2017/decorative" xmlns="" val="1"/>
               </a:ext>
             </a:extLst>
           </p:cNvPr>
@@ -3760,7 +3762,7 @@
           <p:nvPr>
             <p:extLst>
               <p:ext uri="{386F3935-93C4-4BCD-93E2-E3B085C9AB24}">
-                <p16:designElem xmlns:p16="http://schemas.microsoft.com/office/powerpoint/2015/main" val="1"/>
+                <p16:designElem xmlns:p16="http://schemas.microsoft.com/office/powerpoint/2015/main" xmlns="" val="1"/>
               </p:ext>
             </p:extLst>
           </p:nvPr>
@@ -3791,10 +3793,10 @@
           <p:cNvPr id="11" name="Straight Connector 10">
             <a:extLst>
               <a:ext uri="{FF2B5EF4-FFF2-40B4-BE49-F238E27FC236}">
-                <a16:creationId xmlns:a16="http://schemas.microsoft.com/office/drawing/2014/main" id="{2924498D-E084-44BE-A196-CFCE35564350}"/>
+                <a16:creationId xmlns:a16="http://schemas.microsoft.com/office/drawing/2014/main" xmlns="" id="{2924498D-E084-44BE-A196-CFCE35564350}"/>
               </a:ext>
               <a:ext uri="{C183D7F6-B498-43B3-948B-1728B52AA6E4}">
-                <adec:decorative xmlns:adec="http://schemas.microsoft.com/office/drawing/2017/decorative" val="1"/>
+                <adec:decorative xmlns:adec="http://schemas.microsoft.com/office/drawing/2017/decorative" xmlns="" val="1"/>
               </a:ext>
             </a:extLst>
           </p:cNvPr>
@@ -3804,7 +3806,7 @@
           <p:nvPr>
             <p:extLst>
               <p:ext uri="{386F3935-93C4-4BCD-93E2-E3B085C9AB24}">
-                <p16:designElem xmlns:p16="http://schemas.microsoft.com/office/powerpoint/2015/main" val="1"/>
+                <p16:designElem xmlns:p16="http://schemas.microsoft.com/office/powerpoint/2015/main" xmlns="" val="1"/>
               </p:ext>
             </p:extLst>
           </p:nvPr>
@@ -3845,10 +3847,10 @@
           <p:cNvPr id="13" name="Straight Connector 12">
             <a:extLst>
               <a:ext uri="{FF2B5EF4-FFF2-40B4-BE49-F238E27FC236}">
-                <a16:creationId xmlns:a16="http://schemas.microsoft.com/office/drawing/2014/main" id="{3BBC7667-C352-4842-9AFD-E5C16AD002F4}"/>
+                <a16:creationId xmlns:a16="http://schemas.microsoft.com/office/drawing/2014/main" xmlns="" id="{3BBC7667-C352-4842-9AFD-E5C16AD002F4}"/>
               </a:ext>
               <a:ext uri="{C183D7F6-B498-43B3-948B-1728B52AA6E4}">
-                <adec:decorative xmlns:adec="http://schemas.microsoft.com/office/drawing/2017/decorative" val="1"/>
+                <adec:decorative xmlns:adec="http://schemas.microsoft.com/office/drawing/2017/decorative" xmlns="" val="1"/>
               </a:ext>
             </a:extLst>
           </p:cNvPr>
@@ -3858,7 +3860,7 @@
           <p:nvPr>
             <p:extLst>
               <p:ext uri="{386F3935-93C4-4BCD-93E2-E3B085C9AB24}">
-                <p16:designElem xmlns:p16="http://schemas.microsoft.com/office/powerpoint/2015/main" val="1"/>
+                <p16:designElem xmlns:p16="http://schemas.microsoft.com/office/powerpoint/2015/main" xmlns="" val="1"/>
               </p:ext>
             </p:extLst>
           </p:nvPr>
@@ -3893,10 +3895,10 @@
           <p:cNvPr id="15" name="Rectangle 14">
             <a:extLst>
               <a:ext uri="{FF2B5EF4-FFF2-40B4-BE49-F238E27FC236}">
-                <a16:creationId xmlns:a16="http://schemas.microsoft.com/office/drawing/2014/main" id="{F0AB17F6-592B-45CB-96F6-705C9825AFBC}"/>
+                <a16:creationId xmlns:a16="http://schemas.microsoft.com/office/drawing/2014/main" xmlns="" id="{F0AB17F6-592B-45CB-96F6-705C9825AFBC}"/>
               </a:ext>
               <a:ext uri="{C183D7F6-B498-43B3-948B-1728B52AA6E4}">
-                <adec:decorative xmlns:adec="http://schemas.microsoft.com/office/drawing/2017/decorative" val="1"/>
+                <adec:decorative xmlns:adec="http://schemas.microsoft.com/office/drawing/2017/decorative" xmlns="" val="1"/>
               </a:ext>
             </a:extLst>
           </p:cNvPr>
@@ -3906,7 +3908,7 @@
           <p:nvPr>
             <p:extLst>
               <p:ext uri="{386F3935-93C4-4BCD-93E2-E3B085C9AB24}">
-                <p16:designElem xmlns:p16="http://schemas.microsoft.com/office/powerpoint/2015/main" val="1"/>
+                <p16:designElem xmlns:p16="http://schemas.microsoft.com/office/powerpoint/2015/main" xmlns="" val="1"/>
               </p:ext>
             </p:extLst>
           </p:nvPr>
@@ -3953,7 +3955,7 @@
           <p:cNvPr id="2" name="Title 1">
             <a:extLst>
               <a:ext uri="{FF2B5EF4-FFF2-40B4-BE49-F238E27FC236}">
-                <a16:creationId xmlns:a16="http://schemas.microsoft.com/office/drawing/2014/main" id="{6FC29038-DDBC-4BFF-89F4-CE1EC9E6EEB3}"/>
+                <a16:creationId xmlns:a16="http://schemas.microsoft.com/office/drawing/2014/main" xmlns="" id="{6FC29038-DDBC-4BFF-89F4-CE1EC9E6EEB3}"/>
               </a:ext>
             </a:extLst>
           </p:cNvPr>
@@ -3989,10 +3991,10 @@
           <p:cNvPr id="17" name="Straight Connector 16">
             <a:extLst>
               <a:ext uri="{FF2B5EF4-FFF2-40B4-BE49-F238E27FC236}">
-                <a16:creationId xmlns:a16="http://schemas.microsoft.com/office/drawing/2014/main" id="{5A9284E7-0823-472D-9963-18D89DFEB8B4}"/>
+                <a16:creationId xmlns:a16="http://schemas.microsoft.com/office/drawing/2014/main" xmlns="" id="{5A9284E7-0823-472D-9963-18D89DFEB8B4}"/>
               </a:ext>
               <a:ext uri="{C183D7F6-B498-43B3-948B-1728B52AA6E4}">
-                <adec:decorative xmlns:adec="http://schemas.microsoft.com/office/drawing/2017/decorative" val="1"/>
+                <adec:decorative xmlns:adec="http://schemas.microsoft.com/office/drawing/2017/decorative" xmlns="" val="1"/>
               </a:ext>
             </a:extLst>
           </p:cNvPr>
@@ -4002,7 +4004,7 @@
           <p:nvPr>
             <p:extLst>
               <p:ext uri="{386F3935-93C4-4BCD-93E2-E3B085C9AB24}">
-                <p16:designElem xmlns:p16="http://schemas.microsoft.com/office/powerpoint/2015/main" val="1"/>
+                <p16:designElem xmlns:p16="http://schemas.microsoft.com/office/powerpoint/2015/main" xmlns="" val="1"/>
               </p:ext>
             </p:extLst>
           </p:nvPr>
@@ -4091,10 +4093,10 @@
           <p:cNvPr id="7" name="Rectangle 6">
             <a:extLst>
               <a:ext uri="{FF2B5EF4-FFF2-40B4-BE49-F238E27FC236}">
-                <a16:creationId xmlns:a16="http://schemas.microsoft.com/office/drawing/2014/main" id="{23522FE7-5A29-4EF6-B1EF-2CA55748A772}"/>
+                <a16:creationId xmlns:a16="http://schemas.microsoft.com/office/drawing/2014/main" xmlns="" id="{23522FE7-5A29-4EF6-B1EF-2CA55748A772}"/>
               </a:ext>
               <a:ext uri="{C183D7F6-B498-43B3-948B-1728B52AA6E4}">
-                <adec:decorative xmlns:adec="http://schemas.microsoft.com/office/drawing/2017/decorative" val="1"/>
+                <adec:decorative xmlns:adec="http://schemas.microsoft.com/office/drawing/2017/decorative" xmlns="" val="1"/>
               </a:ext>
             </a:extLst>
           </p:cNvPr>
@@ -4104,7 +4106,7 @@
           <p:nvPr>
             <p:extLst>
               <p:ext uri="{386F3935-93C4-4BCD-93E2-E3B085C9AB24}">
-                <p16:designElem xmlns:p16="http://schemas.microsoft.com/office/powerpoint/2015/main" val="1"/>
+                <p16:designElem xmlns:p16="http://schemas.microsoft.com/office/powerpoint/2015/main" xmlns="" val="1"/>
               </p:ext>
             </p:extLst>
           </p:nvPr>
@@ -4157,10 +4159,10 @@
           <p:cNvPr id="9" name="Picture 8">
             <a:extLst>
               <a:ext uri="{FF2B5EF4-FFF2-40B4-BE49-F238E27FC236}">
-                <a16:creationId xmlns:a16="http://schemas.microsoft.com/office/drawing/2014/main" id="{C2192E09-EBC7-416C-B887-DFF915D7F43D}"/>
+                <a16:creationId xmlns:a16="http://schemas.microsoft.com/office/drawing/2014/main" xmlns="" id="{C2192E09-EBC7-416C-B887-DFF915D7F43D}"/>
               </a:ext>
               <a:ext uri="{C183D7F6-B498-43B3-948B-1728B52AA6E4}">
-                <adec:decorative xmlns:adec="http://schemas.microsoft.com/office/drawing/2017/decorative" val="1"/>
+                <adec:decorative xmlns:adec="http://schemas.microsoft.com/office/drawing/2017/decorative" xmlns="" val="1"/>
               </a:ext>
             </a:extLst>
           </p:cNvPr>
@@ -4170,7 +4172,7 @@
           <p:nvPr>
             <p:extLst>
               <p:ext uri="{386F3935-93C4-4BCD-93E2-E3B085C9AB24}">
-                <p16:designElem xmlns:p16="http://schemas.microsoft.com/office/powerpoint/2015/main" val="1"/>
+                <p16:designElem xmlns:p16="http://schemas.microsoft.com/office/powerpoint/2015/main" xmlns="" val="1"/>
               </p:ext>
             </p:extLst>
           </p:nvPr>
@@ -4201,10 +4203,10 @@
           <p:cNvPr id="11" name="Straight Connector 10">
             <a:extLst>
               <a:ext uri="{FF2B5EF4-FFF2-40B4-BE49-F238E27FC236}">
-                <a16:creationId xmlns:a16="http://schemas.microsoft.com/office/drawing/2014/main" id="{2924498D-E084-44BE-A196-CFCE35564350}"/>
+                <a16:creationId xmlns:a16="http://schemas.microsoft.com/office/drawing/2014/main" xmlns="" id="{2924498D-E084-44BE-A196-CFCE35564350}"/>
               </a:ext>
               <a:ext uri="{C183D7F6-B498-43B3-948B-1728B52AA6E4}">
-                <adec:decorative xmlns:adec="http://schemas.microsoft.com/office/drawing/2017/decorative" val="1"/>
+                <adec:decorative xmlns:adec="http://schemas.microsoft.com/office/drawing/2017/decorative" xmlns="" val="1"/>
               </a:ext>
             </a:extLst>
           </p:cNvPr>
@@ -4214,7 +4216,7 @@
           <p:nvPr>
             <p:extLst>
               <p:ext uri="{386F3935-93C4-4BCD-93E2-E3B085C9AB24}">
-                <p16:designElem xmlns:p16="http://schemas.microsoft.com/office/powerpoint/2015/main" val="1"/>
+                <p16:designElem xmlns:p16="http://schemas.microsoft.com/office/powerpoint/2015/main" xmlns="" val="1"/>
               </p:ext>
             </p:extLst>
           </p:nvPr>
@@ -4255,10 +4257,10 @@
           <p:cNvPr id="13" name="Straight Connector 12">
             <a:extLst>
               <a:ext uri="{FF2B5EF4-FFF2-40B4-BE49-F238E27FC236}">
-                <a16:creationId xmlns:a16="http://schemas.microsoft.com/office/drawing/2014/main" id="{3BBC7667-C352-4842-9AFD-E5C16AD002F4}"/>
+                <a16:creationId xmlns:a16="http://schemas.microsoft.com/office/drawing/2014/main" xmlns="" id="{3BBC7667-C352-4842-9AFD-E5C16AD002F4}"/>
               </a:ext>
               <a:ext uri="{C183D7F6-B498-43B3-948B-1728B52AA6E4}">
-                <adec:decorative xmlns:adec="http://schemas.microsoft.com/office/drawing/2017/decorative" val="1"/>
+                <adec:decorative xmlns:adec="http://schemas.microsoft.com/office/drawing/2017/decorative" xmlns="" val="1"/>
               </a:ext>
             </a:extLst>
           </p:cNvPr>
@@ -4268,7 +4270,7 @@
           <p:nvPr>
             <p:extLst>
               <p:ext uri="{386F3935-93C4-4BCD-93E2-E3B085C9AB24}">
-                <p16:designElem xmlns:p16="http://schemas.microsoft.com/office/powerpoint/2015/main" val="1"/>
+                <p16:designElem xmlns:p16="http://schemas.microsoft.com/office/powerpoint/2015/main" xmlns="" val="1"/>
               </p:ext>
             </p:extLst>
           </p:nvPr>
@@ -4303,10 +4305,10 @@
           <p:cNvPr id="15" name="Rectangle 14">
             <a:extLst>
               <a:ext uri="{FF2B5EF4-FFF2-40B4-BE49-F238E27FC236}">
-                <a16:creationId xmlns:a16="http://schemas.microsoft.com/office/drawing/2014/main" id="{F0AB17F6-592B-45CB-96F6-705C9825AFBC}"/>
+                <a16:creationId xmlns:a16="http://schemas.microsoft.com/office/drawing/2014/main" xmlns="" id="{F0AB17F6-592B-45CB-96F6-705C9825AFBC}"/>
               </a:ext>
               <a:ext uri="{C183D7F6-B498-43B3-948B-1728B52AA6E4}">
-                <adec:decorative xmlns:adec="http://schemas.microsoft.com/office/drawing/2017/decorative" val="1"/>
+                <adec:decorative xmlns:adec="http://schemas.microsoft.com/office/drawing/2017/decorative" xmlns="" val="1"/>
               </a:ext>
             </a:extLst>
           </p:cNvPr>
@@ -4316,7 +4318,7 @@
           <p:nvPr>
             <p:extLst>
               <p:ext uri="{386F3935-93C4-4BCD-93E2-E3B085C9AB24}">
-                <p16:designElem xmlns:p16="http://schemas.microsoft.com/office/powerpoint/2015/main" val="1"/>
+                <p16:designElem xmlns:p16="http://schemas.microsoft.com/office/powerpoint/2015/main" xmlns="" val="1"/>
               </p:ext>
             </p:extLst>
           </p:nvPr>
@@ -4363,7 +4365,7 @@
           <p:cNvPr id="2" name="Title 1">
             <a:extLst>
               <a:ext uri="{FF2B5EF4-FFF2-40B4-BE49-F238E27FC236}">
-                <a16:creationId xmlns:a16="http://schemas.microsoft.com/office/drawing/2014/main" id="{6FC29038-DDBC-4BFF-89F4-CE1EC9E6EEB3}"/>
+                <a16:creationId xmlns:a16="http://schemas.microsoft.com/office/drawing/2014/main" xmlns="" id="{6FC29038-DDBC-4BFF-89F4-CE1EC9E6EEB3}"/>
               </a:ext>
             </a:extLst>
           </p:cNvPr>
@@ -4389,11 +4391,15 @@
             <a:pPr marL="1143000" indent="-1143000"/>
             <a:r>
               <a:rPr lang="en-US" sz="6600" dirty="0"/>
-              <a:t>5. </a:t>
+              <a:t>5</a:t>
+            </a:r>
+            <a:r>
+              <a:rPr lang="en-US" sz="6600" dirty="0" smtClean="0"/>
+              <a:t>. </a:t>
             </a:r>
             <a:r>
               <a:rPr lang="en-US" sz="5800" dirty="0"/>
-              <a:t>Data analysis</a:t>
+              <a:t>Data exploration</a:t>
             </a:r>
           </a:p>
         </p:txBody>
@@ -4403,10 +4409,10 @@
           <p:cNvPr id="17" name="Straight Connector 16">
             <a:extLst>
               <a:ext uri="{FF2B5EF4-FFF2-40B4-BE49-F238E27FC236}">
-                <a16:creationId xmlns:a16="http://schemas.microsoft.com/office/drawing/2014/main" id="{5A9284E7-0823-472D-9963-18D89DFEB8B4}"/>
+                <a16:creationId xmlns:a16="http://schemas.microsoft.com/office/drawing/2014/main" xmlns="" id="{5A9284E7-0823-472D-9963-18D89DFEB8B4}"/>
               </a:ext>
               <a:ext uri="{C183D7F6-B498-43B3-948B-1728B52AA6E4}">
-                <adec:decorative xmlns:adec="http://schemas.microsoft.com/office/drawing/2017/decorative" val="1"/>
+                <adec:decorative xmlns:adec="http://schemas.microsoft.com/office/drawing/2017/decorative" xmlns="" val="1"/>
               </a:ext>
             </a:extLst>
           </p:cNvPr>
@@ -4416,7 +4422,7 @@
           <p:nvPr>
             <p:extLst>
               <p:ext uri="{386F3935-93C4-4BCD-93E2-E3B085C9AB24}">
-                <p16:designElem xmlns:p16="http://schemas.microsoft.com/office/powerpoint/2015/main" val="1"/>
+                <p16:designElem xmlns:p16="http://schemas.microsoft.com/office/powerpoint/2015/main" xmlns="" val="1"/>
               </p:ext>
             </p:extLst>
           </p:nvPr>
@@ -4449,43 +4455,26 @@
     </p:spTree>
     <p:extLst>
       <p:ext uri="{BB962C8B-B14F-4D97-AF65-F5344CB8AC3E}">
-        <p14:creationId xmlns:p14="http://schemas.microsoft.com/office/powerpoint/2010/main" val="1047180839"/>
+        <p14:creationId xmlns:p14="http://schemas.microsoft.com/office/powerpoint/2010/main" val="3962991913"/>
       </p:ext>
     </p:extLst>
   </p:cSld>
   <p:clrMapOvr>
     <a:overrideClrMapping bg1="dk1" tx1="lt1" bg2="dk2" tx2="lt2" accent1="accent1" accent2="accent2" accent3="accent3" accent4="accent4" accent5="accent5" accent6="accent6" hlink="hlink" folHlink="folHlink"/>
   </p:clrMapOvr>
+  <p:timing>
+    <p:tnLst>
+      <p:par>
+        <p:cTn id="1" dur="indefinite" restart="never" nodeType="tmRoot"/>
+      </p:par>
+    </p:tnLst>
+  </p:timing>
 </p:sld>
 </file>
 
 <file path=ppt/slides/slide11.xml><?xml version="1.0" encoding="utf-8"?>
 <p:sld xmlns:a="http://schemas.openxmlformats.org/drawingml/2006/main" xmlns:r="http://schemas.openxmlformats.org/officeDocument/2006/relationships" xmlns:p="http://schemas.openxmlformats.org/presentationml/2006/main">
   <p:cSld>
-    <p:bg>
-      <p:bgPr>
-        <a:gradFill rotWithShape="1">
-          <a:gsLst>
-            <a:gs pos="0">
-              <a:schemeClr val="bg2">
-                <a:tint val="94000"/>
-                <a:satMod val="80000"/>
-                <a:lumMod val="106000"/>
-              </a:schemeClr>
-            </a:gs>
-            <a:gs pos="100000">
-              <a:schemeClr val="bg2">
-                <a:shade val="80000"/>
-              </a:schemeClr>
-            </a:gs>
-          </a:gsLst>
-          <a:path path="circle">
-            <a:fillToRect l="43000" r="43000" b="100000"/>
-          </a:path>
-        </a:gradFill>
-        <a:effectLst/>
-      </p:bgPr>
-    </p:bg>
     <p:spTree>
       <p:nvGrpSpPr>
         <p:cNvPr id="1" name=""/>
@@ -4500,120 +4489,12 @@
           <a:chExt cx="0" cy="0"/>
         </a:xfrm>
       </p:grpSpPr>
-      <p:sp useBgFill="1">
-        <p:nvSpPr>
-          <p:cNvPr id="26" name="Rectangle 25">
-            <a:extLst>
-              <a:ext uri="{FF2B5EF4-FFF2-40B4-BE49-F238E27FC236}">
-                <a16:creationId xmlns:a16="http://schemas.microsoft.com/office/drawing/2014/main" id="{01E8EC89-86BC-4558-B010-53DF36A5AB2E}"/>
-              </a:ext>
-              <a:ext uri="{C183D7F6-B498-43B3-948B-1728B52AA6E4}">
-                <adec:decorative xmlns:adec="http://schemas.microsoft.com/office/drawing/2017/decorative" val="1"/>
-              </a:ext>
-            </a:extLst>
-          </p:cNvPr>
-          <p:cNvSpPr>
-            <a:spLocks noGrp="1" noRot="1" noChangeAspect="1" noMove="1" noResize="1" noEditPoints="1" noAdjustHandles="1" noChangeArrowheads="1" noChangeShapeType="1" noTextEdit="1"/>
-          </p:cNvSpPr>
-          <p:nvPr>
-            <p:extLst>
-              <p:ext uri="{386F3935-93C4-4BCD-93E2-E3B085C9AB24}">
-                <p16:designElem xmlns:p16="http://schemas.microsoft.com/office/powerpoint/2015/main" val="1"/>
-              </p:ext>
-            </p:extLst>
-          </p:nvPr>
-        </p:nvSpPr>
-        <p:spPr>
-          <a:xfrm>
-            <a:off x="2" y="0"/>
-            <a:ext cx="12191695" cy="6858000"/>
-          </a:xfrm>
-          <a:prstGeom prst="rect">
-            <a:avLst/>
-          </a:prstGeom>
-          <a:ln>
-            <a:noFill/>
-          </a:ln>
-        </p:spPr>
-        <p:style>
-          <a:lnRef idx="2">
-            <a:schemeClr val="accent1">
-              <a:shade val="50000"/>
-            </a:schemeClr>
-          </a:lnRef>
-          <a:fillRef idx="1">
-            <a:schemeClr val="accent1"/>
-          </a:fillRef>
-          <a:effectRef idx="0">
-            <a:schemeClr val="accent1"/>
-          </a:effectRef>
-          <a:fontRef idx="minor">
-            <a:schemeClr val="lt1"/>
-          </a:fontRef>
-        </p:style>
-        <p:txBody>
-          <a:bodyPr rtlCol="0" anchor="ctr"/>
-          <a:lstStyle/>
-          <a:p>
-            <a:pPr algn="ctr"/>
-            <a:endParaRPr lang="en-US"/>
-          </a:p>
-        </p:txBody>
-      </p:sp>
-      <p:cxnSp>
-        <p:nvCxnSpPr>
-          <p:cNvPr id="28" name="Straight Connector 27">
-            <a:extLst>
-              <a:ext uri="{FF2B5EF4-FFF2-40B4-BE49-F238E27FC236}">
-                <a16:creationId xmlns:a16="http://schemas.microsoft.com/office/drawing/2014/main" id="{4CCCDDFF-B9CC-494C-8BEE-2451CD79A093}"/>
-              </a:ext>
-              <a:ext uri="{C183D7F6-B498-43B3-948B-1728B52AA6E4}">
-                <adec:decorative xmlns:adec="http://schemas.microsoft.com/office/drawing/2017/decorative" val="1"/>
-              </a:ext>
-            </a:extLst>
-          </p:cNvPr>
-          <p:cNvCxnSpPr>
-            <a:cxnSpLocks noGrp="1" noRot="1" noChangeAspect="1" noMove="1" noResize="1" noEditPoints="1" noAdjustHandles="1" noChangeArrowheads="1" noChangeShapeType="1"/>
-          </p:cNvCxnSpPr>
-          <p:nvPr>
-            <p:extLst>
-              <p:ext uri="{386F3935-93C4-4BCD-93E2-E3B085C9AB24}">
-                <p16:designElem xmlns:p16="http://schemas.microsoft.com/office/powerpoint/2015/main" val="1"/>
-              </p:ext>
-            </p:extLst>
-          </p:nvPr>
-        </p:nvCxnSpPr>
-        <p:spPr>
-          <a:xfrm>
-            <a:off x="1453897" y="1847088"/>
-            <a:ext cx="3523712" cy="0"/>
-          </a:xfrm>
-          <a:prstGeom prst="line">
-            <a:avLst/>
-          </a:prstGeom>
-          <a:ln w="31750"/>
-        </p:spPr>
-        <p:style>
-          <a:lnRef idx="3">
-            <a:schemeClr val="accent1"/>
-          </a:lnRef>
-          <a:fillRef idx="0">
-            <a:schemeClr val="accent1"/>
-          </a:fillRef>
-          <a:effectRef idx="2">
-            <a:schemeClr val="accent1"/>
-          </a:effectRef>
-          <a:fontRef idx="minor">
-            <a:schemeClr val="tx1"/>
-          </a:fontRef>
-        </p:style>
-      </p:cxnSp>
       <p:sp>
         <p:nvSpPr>
           <p:cNvPr id="2" name="Title 1">
             <a:extLst>
               <a:ext uri="{FF2B5EF4-FFF2-40B4-BE49-F238E27FC236}">
-                <a16:creationId xmlns:a16="http://schemas.microsoft.com/office/drawing/2014/main" id="{F01D79B6-8945-4B13-8E99-94D3944484CC}"/>
+                <a16:creationId xmlns:a16="http://schemas.microsoft.com/office/drawing/2014/main" xmlns="" id="{8889499D-19E6-427B-B727-0C2FA93DD911}"/>
               </a:ext>
             </a:extLst>
           </p:cNvPr>
@@ -4626,8 +4507,8 @@
         </p:nvSpPr>
         <p:spPr>
           <a:xfrm>
-            <a:off x="1451580" y="729587"/>
-            <a:ext cx="3525184" cy="1124168"/>
+            <a:off x="1451579" y="804519"/>
+            <a:ext cx="9603275" cy="1049235"/>
           </a:xfrm>
         </p:spPr>
         <p:txBody>
@@ -4636,131 +4517,10 @@
           </a:bodyPr>
           <a:lstStyle/>
           <a:p>
+            <a:pPr algn="ctr"/>
             <a:r>
-              <a:rPr lang="en-US" sz="2200" b="0" i="0" cap="none" dirty="0">
-                <a:effectLst/>
-                <a:latin typeface="-apple-system"/>
-              </a:rPr>
-              <a:t>Data info on each columns non-null count and its data type</a:t>
-            </a:r>
-            <a:endParaRPr lang="en-US" sz="2200" cap="none" dirty="0"/>
-          </a:p>
-        </p:txBody>
-      </p:sp>
-      <p:sp>
-        <p:nvSpPr>
-          <p:cNvPr id="30" name="Rectangle 29">
-            <a:extLst>
-              <a:ext uri="{FF2B5EF4-FFF2-40B4-BE49-F238E27FC236}">
-                <a16:creationId xmlns:a16="http://schemas.microsoft.com/office/drawing/2014/main" id="{54977EF3-E0BF-4719-9C15-8564B7D68F83}"/>
-              </a:ext>
-              <a:ext uri="{C183D7F6-B498-43B3-948B-1728B52AA6E4}">
-                <adec:decorative xmlns:adec="http://schemas.microsoft.com/office/drawing/2017/decorative" val="1"/>
-              </a:ext>
-            </a:extLst>
-          </p:cNvPr>
-          <p:cNvSpPr>
-            <a:spLocks noGrp="1" noRot="1" noChangeAspect="1" noMove="1" noResize="1" noEditPoints="1" noAdjustHandles="1" noChangeArrowheads="1" noChangeShapeType="1" noTextEdit="1"/>
-          </p:cNvSpPr>
-          <p:nvPr>
-            <p:extLst>
-              <p:ext uri="{386F3935-93C4-4BCD-93E2-E3B085C9AB24}">
-                <p16:designElem xmlns:p16="http://schemas.microsoft.com/office/powerpoint/2015/main" val="1"/>
-              </p:ext>
-            </p:extLst>
-          </p:nvPr>
-        </p:nvSpPr>
-        <p:spPr>
-          <a:xfrm>
-            <a:off x="0" y="2019476"/>
-            <a:ext cx="12192000" cy="4105941"/>
-          </a:xfrm>
-          <a:prstGeom prst="rect">
-            <a:avLst/>
-          </a:prstGeom>
-          <a:gradFill flip="none" rotWithShape="1">
-            <a:gsLst>
-              <a:gs pos="0">
-                <a:schemeClr val="bg2">
-                  <a:alpha val="0"/>
-                </a:schemeClr>
-              </a:gs>
-              <a:gs pos="100000">
-                <a:schemeClr val="bg2"/>
-              </a:gs>
-            </a:gsLst>
-            <a:lin ang="5400000" scaled="0"/>
-            <a:tileRect/>
-          </a:gradFill>
-          <a:ln>
-            <a:noFill/>
-          </a:ln>
-        </p:spPr>
-        <p:style>
-          <a:lnRef idx="2">
-            <a:schemeClr val="accent1">
-              <a:shade val="50000"/>
-            </a:schemeClr>
-          </a:lnRef>
-          <a:fillRef idx="1">
-            <a:schemeClr val="accent1"/>
-          </a:fillRef>
-          <a:effectRef idx="0">
-            <a:schemeClr val="accent1"/>
-          </a:effectRef>
-          <a:fontRef idx="minor">
-            <a:schemeClr val="lt1"/>
-          </a:fontRef>
-        </p:style>
-        <p:txBody>
-          <a:bodyPr rtlCol="0" anchor="ctr"/>
-          <a:lstStyle/>
-          <a:p>
-            <a:pPr lvl="0" algn="ctr"/>
-            <a:endParaRPr lang="en-US"/>
-          </a:p>
-        </p:txBody>
-      </p:sp>
-      <p:sp>
-        <p:nvSpPr>
-          <p:cNvPr id="10" name="Content Placeholder 9">
-            <a:extLst>
-              <a:ext uri="{FF2B5EF4-FFF2-40B4-BE49-F238E27FC236}">
-                <a16:creationId xmlns:a16="http://schemas.microsoft.com/office/drawing/2014/main" id="{BF3D4BDB-C234-0377-1D91-5643AE4A049F}"/>
-              </a:ext>
-            </a:extLst>
-          </p:cNvPr>
-          <p:cNvSpPr>
-            <a:spLocks noGrp="1"/>
-          </p:cNvSpPr>
-          <p:nvPr>
-            <p:ph idx="1"/>
-          </p:nvPr>
-        </p:nvSpPr>
-        <p:spPr>
-          <a:xfrm>
-            <a:off x="5078064" y="1789312"/>
-            <a:ext cx="3017002" cy="3654898"/>
-          </a:xfrm>
-        </p:spPr>
-        <p:txBody>
-          <a:bodyPr>
-            <a:normAutofit/>
-          </a:bodyPr>
-          <a:lstStyle/>
-          <a:p>
-            <a:pPr marL="0" indent="0">
-              <a:buNone/>
-            </a:pPr>
-            <a:r>
-              <a:rPr lang="en-US" b="0" i="0" dirty="0">
-                <a:solidFill>
-                  <a:srgbClr val="24292F"/>
-                </a:solidFill>
-                <a:effectLst/>
-                <a:latin typeface="-apple-system"/>
-              </a:rPr>
-              <a:t>we plotted “year” versus “suicides_100k_pop” on a scatter plot to determine any trend. Based on the scatter plot, we saw a linear trend, which is best suited for machine learning regression models.</a:t>
+              <a:rPr lang="en-US" dirty="0" smtClean="0"/>
+              <a:t>Pandas Info and describe Functions</a:t>
             </a:r>
             <a:endParaRPr lang="en-US" dirty="0"/>
           </a:p>
@@ -4768,15 +4528,9 @@
       </p:sp>
       <p:pic>
         <p:nvPicPr>
-          <p:cNvPr id="5" name="Content Placeholder 4" descr="Table&#10;&#10;Description automatically generated">
-            <a:extLst>
-              <a:ext uri="{FF2B5EF4-FFF2-40B4-BE49-F238E27FC236}">
-                <a16:creationId xmlns:a16="http://schemas.microsoft.com/office/drawing/2014/main" id="{B66ECBA2-6CC1-43EB-AEAB-30D59388E228}"/>
-              </a:ext>
-            </a:extLst>
-          </p:cNvPr>
+          <p:cNvPr id="1026" name="Picture 2" descr="C:\Users\quang\Desktop\Class\Social_media_impact\Jupyter_Notebook\analysis\info.PNG"/>
           <p:cNvPicPr>
-            <a:picLocks noChangeAspect="1"/>
+            <a:picLocks noChangeAspect="1" noChangeArrowheads="1"/>
           </p:cNvPicPr>
           <p:nvPr/>
         </p:nvPicPr>
@@ -4788,31 +4542,36 @@
               </a:ext>
             </a:extLst>
           </a:blip>
+          <a:srcRect/>
           <a:stretch>
             <a:fillRect/>
           </a:stretch>
         </p:blipFill>
-        <p:spPr>
-          <a:xfrm>
-            <a:off x="1451580" y="1902620"/>
-            <a:ext cx="3588448" cy="3654898"/>
+        <p:spPr bwMode="auto">
+          <a:xfrm>
+            <a:off x="206208" y="2010246"/>
+            <a:ext cx="3954463" cy="3154362"/>
           </a:xfrm>
           <a:prstGeom prst="rect">
             <a:avLst/>
           </a:prstGeom>
+          <a:noFill/>
+          <a:extLst>
+            <a:ext uri="{909E8E84-426E-40DD-AFC4-6F175D3DCCD1}">
+              <a14:hiddenFill xmlns:a14="http://schemas.microsoft.com/office/drawing/2010/main">
+                <a:solidFill>
+                  <a:srgbClr val="FFFFFF"/>
+                </a:solidFill>
+              </a14:hiddenFill>
+            </a:ext>
+          </a:extLst>
         </p:spPr>
       </p:pic>
       <p:pic>
         <p:nvPicPr>
-          <p:cNvPr id="6" name="Picture 5" descr="Calendar&#10;&#10;Description automatically generated">
-            <a:extLst>
-              <a:ext uri="{FF2B5EF4-FFF2-40B4-BE49-F238E27FC236}">
-                <a16:creationId xmlns:a16="http://schemas.microsoft.com/office/drawing/2014/main" id="{E00F78D9-AED0-4D9F-A82E-8C6FCAFD1729}"/>
-              </a:ext>
-            </a:extLst>
-          </p:cNvPr>
+          <p:cNvPr id="1027" name="Picture 3" descr="C:\Users\quang\Desktop\Class\Social_media_impact\Images\df_describe.png"/>
           <p:cNvPicPr>
-            <a:picLocks noChangeAspect="1"/>
+            <a:picLocks noChangeAspect="1" noChangeArrowheads="1"/>
           </p:cNvPicPr>
           <p:nvPr/>
         </p:nvPicPr>
@@ -4824,132 +4583,154 @@
               </a:ext>
             </a:extLst>
           </a:blip>
+          <a:srcRect/>
           <a:stretch>
             <a:fillRect/>
           </a:stretch>
         </p:blipFill>
-        <p:spPr>
-          <a:xfrm>
-            <a:off x="8158330" y="602439"/>
-            <a:ext cx="3850790" cy="4945140"/>
+        <p:spPr bwMode="auto">
+          <a:xfrm>
+            <a:off x="4389669" y="2277777"/>
+            <a:ext cx="7589838" cy="2312988"/>
           </a:xfrm>
           <a:prstGeom prst="rect">
             <a:avLst/>
           </a:prstGeom>
+          <a:noFill/>
+          <a:extLst>
+            <a:ext uri="{909E8E84-426E-40DD-AFC4-6F175D3DCCD1}">
+              <a14:hiddenFill xmlns:a14="http://schemas.microsoft.com/office/drawing/2010/main">
+                <a:solidFill>
+                  <a:srgbClr val="FFFFFF"/>
+                </a:solidFill>
+              </a14:hiddenFill>
+            </a:ext>
+          </a:extLst>
         </p:spPr>
       </p:pic>
-      <p:pic>
-        <p:nvPicPr>
-          <p:cNvPr id="32" name="Picture 31">
-            <a:extLst>
-              <a:ext uri="{FF2B5EF4-FFF2-40B4-BE49-F238E27FC236}">
-                <a16:creationId xmlns:a16="http://schemas.microsoft.com/office/drawing/2014/main" id="{A5DC397C-2B77-4200-B02F-47CA26CA2AC4}"/>
-              </a:ext>
-              <a:ext uri="{C183D7F6-B498-43B3-948B-1728B52AA6E4}">
-                <adec:decorative xmlns:adec="http://schemas.microsoft.com/office/drawing/2017/decorative" val="1"/>
-              </a:ext>
-            </a:extLst>
-          </p:cNvPr>
-          <p:cNvPicPr>
-            <a:picLocks noGrp="1" noRot="1" noChangeAspect="1" noMove="1" noResize="1" noEditPoints="1" noAdjustHandles="1" noChangeArrowheads="1" noChangeShapeType="1" noCrop="1"/>
-          </p:cNvPicPr>
-          <p:nvPr>
-            <p:extLst>
-              <p:ext uri="{386F3935-93C4-4BCD-93E2-E3B085C9AB24}">
-                <p16:designElem xmlns:p16="http://schemas.microsoft.com/office/powerpoint/2015/main" val="1"/>
-              </p:ext>
-            </p:extLst>
-          </p:nvPr>
-        </p:nvPicPr>
-        <p:blipFill rotWithShape="1">
-          <a:blip r:embed="rId4">
-            <a:extLst>
-              <a:ext uri="{28A0092B-C50C-407E-A947-70E740481C1C}">
-                <a14:useLocalDpi xmlns:a14="http://schemas.microsoft.com/office/drawing/2010/main" val="0"/>
-              </a:ext>
-            </a:extLst>
-          </a:blip>
-          <a:srcRect t="1538" b="-1538"/>
-          <a:stretch/>
-        </p:blipFill>
-        <p:spPr bwMode="black">
-          <a:xfrm>
-            <a:off x="0" y="6126480"/>
-            <a:ext cx="12192000" cy="742950"/>
-          </a:xfrm>
-          <a:prstGeom prst="rect">
-            <a:avLst/>
-          </a:prstGeom>
-        </p:spPr>
-      </p:pic>
-      <p:cxnSp>
-        <p:nvCxnSpPr>
-          <p:cNvPr id="34" name="Straight Connector 33">
-            <a:extLst>
-              <a:ext uri="{FF2B5EF4-FFF2-40B4-BE49-F238E27FC236}">
-                <a16:creationId xmlns:a16="http://schemas.microsoft.com/office/drawing/2014/main" id="{13AFA304-05B8-441F-BA73-B92E08BD6E04}"/>
-              </a:ext>
-              <a:ext uri="{C183D7F6-B498-43B3-948B-1728B52AA6E4}">
-                <adec:decorative xmlns:adec="http://schemas.microsoft.com/office/drawing/2017/decorative" val="1"/>
-              </a:ext>
-            </a:extLst>
-          </p:cNvPr>
-          <p:cNvCxnSpPr>
-            <a:cxnSpLocks noGrp="1" noRot="1" noChangeAspect="1" noMove="1" noResize="1" noEditPoints="1" noAdjustHandles="1" noChangeArrowheads="1" noChangeShapeType="1"/>
-          </p:cNvCxnSpPr>
-          <p:nvPr>
-            <p:extLst>
-              <p:ext uri="{386F3935-93C4-4BCD-93E2-E3B085C9AB24}">
-                <p16:designElem xmlns:p16="http://schemas.microsoft.com/office/powerpoint/2015/main" val="1"/>
-              </p:ext>
-            </p:extLst>
-          </p:nvPr>
-        </p:nvCxnSpPr>
-        <p:spPr>
-          <a:xfrm>
-            <a:off x="0" y="6128413"/>
-            <a:ext cx="12192000" cy="0"/>
-          </a:xfrm>
-          <a:prstGeom prst="line">
-            <a:avLst/>
-          </a:prstGeom>
-          <a:ln w="12700">
-            <a:solidFill>
-              <a:srgbClr val="000001">
-                <a:alpha val="20000"/>
-              </a:srgbClr>
-            </a:solidFill>
-          </a:ln>
-        </p:spPr>
-        <p:style>
-          <a:lnRef idx="1">
-            <a:schemeClr val="accent1"/>
-          </a:lnRef>
-          <a:fillRef idx="0">
-            <a:schemeClr val="accent1"/>
-          </a:fillRef>
-          <a:effectRef idx="0">
-            <a:schemeClr val="accent1"/>
-          </a:effectRef>
-          <a:fontRef idx="minor">
-            <a:schemeClr val="tx1"/>
-          </a:fontRef>
-        </p:style>
-      </p:cxnSp>
     </p:spTree>
     <p:extLst>
       <p:ext uri="{BB962C8B-B14F-4D97-AF65-F5344CB8AC3E}">
-        <p14:creationId xmlns:p14="http://schemas.microsoft.com/office/powerpoint/2010/main" val="4080826630"/>
+        <p14:creationId xmlns:p14="http://schemas.microsoft.com/office/powerpoint/2010/main" val="3825090282"/>
       </p:ext>
     </p:extLst>
   </p:cSld>
   <p:clrMapOvr>
     <a:masterClrMapping/>
   </p:clrMapOvr>
+  <p:timing>
+    <p:tnLst>
+      <p:par>
+        <p:cTn id="1" dur="indefinite" restart="never" nodeType="tmRoot"/>
+      </p:par>
+    </p:tnLst>
+  </p:timing>
 </p:sld>
 </file>
 
 <file path=ppt/slides/slide12.xml><?xml version="1.0" encoding="utf-8"?>
+<p:sld xmlns:a="http://schemas.openxmlformats.org/drawingml/2006/main" xmlns:r="http://schemas.openxmlformats.org/officeDocument/2006/relationships" xmlns:p="http://schemas.openxmlformats.org/presentationml/2006/main">
+  <p:cSld>
+    <p:spTree>
+      <p:nvGrpSpPr>
+        <p:cNvPr id="1" name=""/>
+        <p:cNvGrpSpPr/>
+        <p:nvPr/>
+      </p:nvGrpSpPr>
+      <p:grpSpPr>
+        <a:xfrm>
+          <a:off x="0" y="0"/>
+          <a:ext cx="0" cy="0"/>
+          <a:chOff x="0" y="0"/>
+          <a:chExt cx="0" cy="0"/>
+        </a:xfrm>
+      </p:grpSpPr>
+      <p:sp>
+        <p:nvSpPr>
+          <p:cNvPr id="2" name="Title 1"/>
+          <p:cNvSpPr>
+            <a:spLocks noGrp="1"/>
+          </p:cNvSpPr>
+          <p:nvPr>
+            <p:ph type="title"/>
+          </p:nvPr>
+        </p:nvSpPr>
+        <p:spPr/>
+        <p:txBody>
+          <a:bodyPr/>
+          <a:lstStyle/>
+          <a:p>
+            <a:pPr algn="ctr"/>
+            <a:r>
+              <a:rPr lang="en-US" dirty="0" smtClean="0"/>
+              <a:t>Visual Exploratory data Analysis</a:t>
+            </a:r>
+            <a:endParaRPr lang="en-US" dirty="0"/>
+          </a:p>
+        </p:txBody>
+      </p:sp>
+      <p:pic>
+        <p:nvPicPr>
+          <p:cNvPr id="2050" name="Picture 2" descr="C:\Users\quang\Desktop\Class\Social_media_impact\Jupyter_Notebook\analysis\Fig1.png"/>
+          <p:cNvPicPr>
+            <a:picLocks noChangeAspect="1" noChangeArrowheads="1"/>
+          </p:cNvPicPr>
+          <p:nvPr/>
+        </p:nvPicPr>
+        <p:blipFill>
+          <a:blip r:embed="rId2">
+            <a:extLst>
+              <a:ext uri="{28A0092B-C50C-407E-A947-70E740481C1C}">
+                <a14:useLocalDpi xmlns:a14="http://schemas.microsoft.com/office/drawing/2010/main" val="0"/>
+              </a:ext>
+            </a:extLst>
+          </a:blip>
+          <a:srcRect/>
+          <a:stretch>
+            <a:fillRect/>
+          </a:stretch>
+        </p:blipFill>
+        <p:spPr bwMode="auto">
+          <a:xfrm>
+            <a:off x="3026535" y="2026379"/>
+            <a:ext cx="5798690" cy="3865793"/>
+          </a:xfrm>
+          <a:prstGeom prst="rect">
+            <a:avLst/>
+          </a:prstGeom>
+          <a:noFill/>
+          <a:extLst>
+            <a:ext uri="{909E8E84-426E-40DD-AFC4-6F175D3DCCD1}">
+              <a14:hiddenFill xmlns:a14="http://schemas.microsoft.com/office/drawing/2010/main">
+                <a:solidFill>
+                  <a:srgbClr val="FFFFFF"/>
+                </a:solidFill>
+              </a14:hiddenFill>
+            </a:ext>
+          </a:extLst>
+        </p:spPr>
+      </p:pic>
+    </p:spTree>
+    <p:extLst>
+      <p:ext uri="{BB962C8B-B14F-4D97-AF65-F5344CB8AC3E}">
+        <p14:creationId xmlns:p14="http://schemas.microsoft.com/office/powerpoint/2010/main" val="1773768050"/>
+      </p:ext>
+    </p:extLst>
+  </p:cSld>
+  <p:clrMapOvr>
+    <a:masterClrMapping/>
+  </p:clrMapOvr>
+  <p:timing>
+    <p:tnLst>
+      <p:par>
+        <p:cTn id="1" dur="indefinite" restart="never" nodeType="tmRoot"/>
+      </p:par>
+    </p:tnLst>
+  </p:timing>
+</p:sld>
+</file>
+
+<file path=ppt/slides/slide13.xml><?xml version="1.0" encoding="utf-8"?>
 <p:sld xmlns:a="http://schemas.openxmlformats.org/drawingml/2006/main" xmlns:r="http://schemas.openxmlformats.org/officeDocument/2006/relationships" xmlns:p="http://schemas.openxmlformats.org/presentationml/2006/main">
   <p:cSld>
     <p:bg>
@@ -4995,10 +4776,10 @@
           <p:cNvPr id="7" name="Rectangle 6">
             <a:extLst>
               <a:ext uri="{FF2B5EF4-FFF2-40B4-BE49-F238E27FC236}">
-                <a16:creationId xmlns:a16="http://schemas.microsoft.com/office/drawing/2014/main" id="{23522FE7-5A29-4EF6-B1EF-2CA55748A772}"/>
+                <a16:creationId xmlns:a16="http://schemas.microsoft.com/office/drawing/2014/main" xmlns="" id="{23522FE7-5A29-4EF6-B1EF-2CA55748A772}"/>
               </a:ext>
               <a:ext uri="{C183D7F6-B498-43B3-948B-1728B52AA6E4}">
-                <adec:decorative xmlns:adec="http://schemas.microsoft.com/office/drawing/2017/decorative" val="1"/>
+                <adec:decorative xmlns:adec="http://schemas.microsoft.com/office/drawing/2017/decorative" xmlns="" val="1"/>
               </a:ext>
             </a:extLst>
           </p:cNvPr>
@@ -5008,7 +4789,7 @@
           <p:nvPr>
             <p:extLst>
               <p:ext uri="{386F3935-93C4-4BCD-93E2-E3B085C9AB24}">
-                <p16:designElem xmlns:p16="http://schemas.microsoft.com/office/powerpoint/2015/main" val="1"/>
+                <p16:designElem xmlns:p16="http://schemas.microsoft.com/office/powerpoint/2015/main" xmlns="" val="1"/>
               </p:ext>
             </p:extLst>
           </p:nvPr>
@@ -5061,10 +4842,10 @@
           <p:cNvPr id="9" name="Picture 8">
             <a:extLst>
               <a:ext uri="{FF2B5EF4-FFF2-40B4-BE49-F238E27FC236}">
-                <a16:creationId xmlns:a16="http://schemas.microsoft.com/office/drawing/2014/main" id="{C2192E09-EBC7-416C-B887-DFF915D7F43D}"/>
+                <a16:creationId xmlns:a16="http://schemas.microsoft.com/office/drawing/2014/main" xmlns="" id="{C2192E09-EBC7-416C-B887-DFF915D7F43D}"/>
               </a:ext>
               <a:ext uri="{C183D7F6-B498-43B3-948B-1728B52AA6E4}">
-                <adec:decorative xmlns:adec="http://schemas.microsoft.com/office/drawing/2017/decorative" val="1"/>
+                <adec:decorative xmlns:adec="http://schemas.microsoft.com/office/drawing/2017/decorative" xmlns="" val="1"/>
               </a:ext>
             </a:extLst>
           </p:cNvPr>
@@ -5074,7 +4855,7 @@
           <p:nvPr>
             <p:extLst>
               <p:ext uri="{386F3935-93C4-4BCD-93E2-E3B085C9AB24}">
-                <p16:designElem xmlns:p16="http://schemas.microsoft.com/office/powerpoint/2015/main" val="1"/>
+                <p16:designElem xmlns:p16="http://schemas.microsoft.com/office/powerpoint/2015/main" xmlns="" val="1"/>
               </p:ext>
             </p:extLst>
           </p:nvPr>
@@ -5105,10 +4886,10 @@
           <p:cNvPr id="11" name="Straight Connector 10">
             <a:extLst>
               <a:ext uri="{FF2B5EF4-FFF2-40B4-BE49-F238E27FC236}">
-                <a16:creationId xmlns:a16="http://schemas.microsoft.com/office/drawing/2014/main" id="{2924498D-E084-44BE-A196-CFCE35564350}"/>
+                <a16:creationId xmlns:a16="http://schemas.microsoft.com/office/drawing/2014/main" xmlns="" id="{2924498D-E084-44BE-A196-CFCE35564350}"/>
               </a:ext>
               <a:ext uri="{C183D7F6-B498-43B3-948B-1728B52AA6E4}">
-                <adec:decorative xmlns:adec="http://schemas.microsoft.com/office/drawing/2017/decorative" val="1"/>
+                <adec:decorative xmlns:adec="http://schemas.microsoft.com/office/drawing/2017/decorative" xmlns="" val="1"/>
               </a:ext>
             </a:extLst>
           </p:cNvPr>
@@ -5118,7 +4899,7 @@
           <p:nvPr>
             <p:extLst>
               <p:ext uri="{386F3935-93C4-4BCD-93E2-E3B085C9AB24}">
-                <p16:designElem xmlns:p16="http://schemas.microsoft.com/office/powerpoint/2015/main" val="1"/>
+                <p16:designElem xmlns:p16="http://schemas.microsoft.com/office/powerpoint/2015/main" xmlns="" val="1"/>
               </p:ext>
             </p:extLst>
           </p:nvPr>
@@ -5159,10 +4940,10 @@
           <p:cNvPr id="13" name="Straight Connector 12">
             <a:extLst>
               <a:ext uri="{FF2B5EF4-FFF2-40B4-BE49-F238E27FC236}">
-                <a16:creationId xmlns:a16="http://schemas.microsoft.com/office/drawing/2014/main" id="{3BBC7667-C352-4842-9AFD-E5C16AD002F4}"/>
+                <a16:creationId xmlns:a16="http://schemas.microsoft.com/office/drawing/2014/main" xmlns="" id="{3BBC7667-C352-4842-9AFD-E5C16AD002F4}"/>
               </a:ext>
               <a:ext uri="{C183D7F6-B498-43B3-948B-1728B52AA6E4}">
-                <adec:decorative xmlns:adec="http://schemas.microsoft.com/office/drawing/2017/decorative" val="1"/>
+                <adec:decorative xmlns:adec="http://schemas.microsoft.com/office/drawing/2017/decorative" xmlns="" val="1"/>
               </a:ext>
             </a:extLst>
           </p:cNvPr>
@@ -5172,7 +4953,7 @@
           <p:nvPr>
             <p:extLst>
               <p:ext uri="{386F3935-93C4-4BCD-93E2-E3B085C9AB24}">
-                <p16:designElem xmlns:p16="http://schemas.microsoft.com/office/powerpoint/2015/main" val="1"/>
+                <p16:designElem xmlns:p16="http://schemas.microsoft.com/office/powerpoint/2015/main" xmlns="" val="1"/>
               </p:ext>
             </p:extLst>
           </p:nvPr>
@@ -5207,10 +4988,10 @@
           <p:cNvPr id="15" name="Rectangle 14">
             <a:extLst>
               <a:ext uri="{FF2B5EF4-FFF2-40B4-BE49-F238E27FC236}">
-                <a16:creationId xmlns:a16="http://schemas.microsoft.com/office/drawing/2014/main" id="{F0AB17F6-592B-45CB-96F6-705C9825AFBC}"/>
+                <a16:creationId xmlns:a16="http://schemas.microsoft.com/office/drawing/2014/main" xmlns="" id="{F0AB17F6-592B-45CB-96F6-705C9825AFBC}"/>
               </a:ext>
               <a:ext uri="{C183D7F6-B498-43B3-948B-1728B52AA6E4}">
-                <adec:decorative xmlns:adec="http://schemas.microsoft.com/office/drawing/2017/decorative" val="1"/>
+                <adec:decorative xmlns:adec="http://schemas.microsoft.com/office/drawing/2017/decorative" xmlns="" val="1"/>
               </a:ext>
             </a:extLst>
           </p:cNvPr>
@@ -5220,7 +5001,7 @@
           <p:nvPr>
             <p:extLst>
               <p:ext uri="{386F3935-93C4-4BCD-93E2-E3B085C9AB24}">
-                <p16:designElem xmlns:p16="http://schemas.microsoft.com/office/powerpoint/2015/main" val="1"/>
+                <p16:designElem xmlns:p16="http://schemas.microsoft.com/office/powerpoint/2015/main" xmlns="" val="1"/>
               </p:ext>
             </p:extLst>
           </p:nvPr>
@@ -5267,7 +5048,7 @@
           <p:cNvPr id="2" name="Title 1">
             <a:extLst>
               <a:ext uri="{FF2B5EF4-FFF2-40B4-BE49-F238E27FC236}">
-                <a16:creationId xmlns:a16="http://schemas.microsoft.com/office/drawing/2014/main" id="{6FC29038-DDBC-4BFF-89F4-CE1EC9E6EEB3}"/>
+                <a16:creationId xmlns:a16="http://schemas.microsoft.com/office/drawing/2014/main" xmlns="" id="{6FC29038-DDBC-4BFF-89F4-CE1EC9E6EEB3}"/>
               </a:ext>
             </a:extLst>
           </p:cNvPr>
@@ -5293,11 +5074,15 @@
             <a:pPr marL="1143000" indent="-1143000"/>
             <a:r>
               <a:rPr lang="en-US" sz="6600" dirty="0"/>
-              <a:t>6. </a:t>
+              <a:t>6</a:t>
+            </a:r>
+            <a:r>
+              <a:rPr lang="en-US" sz="6600" dirty="0" smtClean="0"/>
+              <a:t>. </a:t>
             </a:r>
             <a:r>
               <a:rPr lang="en-US" sz="5800" dirty="0"/>
-              <a:t>Data exploration</a:t>
+              <a:t>Data analysis</a:t>
             </a:r>
           </a:p>
         </p:txBody>
@@ -5307,10 +5092,10 @@
           <p:cNvPr id="17" name="Straight Connector 16">
             <a:extLst>
               <a:ext uri="{FF2B5EF4-FFF2-40B4-BE49-F238E27FC236}">
-                <a16:creationId xmlns:a16="http://schemas.microsoft.com/office/drawing/2014/main" id="{5A9284E7-0823-472D-9963-18D89DFEB8B4}"/>
+                <a16:creationId xmlns:a16="http://schemas.microsoft.com/office/drawing/2014/main" xmlns="" id="{5A9284E7-0823-472D-9963-18D89DFEB8B4}"/>
               </a:ext>
               <a:ext uri="{C183D7F6-B498-43B3-948B-1728B52AA6E4}">
-                <adec:decorative xmlns:adec="http://schemas.microsoft.com/office/drawing/2017/decorative" val="1"/>
+                <adec:decorative xmlns:adec="http://schemas.microsoft.com/office/drawing/2017/decorative" xmlns="" val="1"/>
               </a:ext>
             </a:extLst>
           </p:cNvPr>
@@ -5320,7 +5105,7 @@
           <p:nvPr>
             <p:extLst>
               <p:ext uri="{386F3935-93C4-4BCD-93E2-E3B085C9AB24}">
-                <p16:designElem xmlns:p16="http://schemas.microsoft.com/office/powerpoint/2015/main" val="1"/>
+                <p16:designElem xmlns:p16="http://schemas.microsoft.com/office/powerpoint/2015/main" xmlns="" val="1"/>
               </p:ext>
             </p:extLst>
           </p:nvPr>
@@ -5353,180 +5138,20 @@
     </p:spTree>
     <p:extLst>
       <p:ext uri="{BB962C8B-B14F-4D97-AF65-F5344CB8AC3E}">
-        <p14:creationId xmlns:p14="http://schemas.microsoft.com/office/powerpoint/2010/main" val="3962991913"/>
+        <p14:creationId xmlns:p14="http://schemas.microsoft.com/office/powerpoint/2010/main" val="1047180839"/>
       </p:ext>
     </p:extLst>
   </p:cSld>
   <p:clrMapOvr>
     <a:overrideClrMapping bg1="dk1" tx1="lt1" bg2="dk2" tx2="lt2" accent1="accent1" accent2="accent2" accent3="accent3" accent4="accent4" accent5="accent5" accent6="accent6" hlink="hlink" folHlink="folHlink"/>
   </p:clrMapOvr>
-</p:sld>
-</file>
-
-<file path=ppt/slides/slide13.xml><?xml version="1.0" encoding="utf-8"?>
-<p:sld xmlns:a="http://schemas.openxmlformats.org/drawingml/2006/main" xmlns:r="http://schemas.openxmlformats.org/officeDocument/2006/relationships" xmlns:p="http://schemas.openxmlformats.org/presentationml/2006/main">
-  <p:cSld>
-    <p:bg>
-      <p:bgPr>
-        <a:gradFill rotWithShape="1">
-          <a:gsLst>
-            <a:gs pos="0">
-              <a:schemeClr val="bg2">
-                <a:tint val="94000"/>
-                <a:satMod val="80000"/>
-                <a:lumMod val="106000"/>
-              </a:schemeClr>
-            </a:gs>
-            <a:gs pos="100000">
-              <a:schemeClr val="bg2">
-                <a:shade val="80000"/>
-              </a:schemeClr>
-            </a:gs>
-          </a:gsLst>
-          <a:path path="circle">
-            <a:fillToRect l="43000" r="43000" b="100000"/>
-          </a:path>
-        </a:gradFill>
-        <a:effectLst/>
-      </p:bgPr>
-    </p:bg>
-    <p:spTree>
-      <p:nvGrpSpPr>
-        <p:cNvPr id="1" name=""/>
-        <p:cNvGrpSpPr/>
-        <p:nvPr/>
-      </p:nvGrpSpPr>
-      <p:grpSpPr>
-        <a:xfrm>
-          <a:off x="0" y="0"/>
-          <a:ext cx="0" cy="0"/>
-          <a:chOff x="0" y="0"/>
-          <a:chExt cx="0" cy="0"/>
-        </a:xfrm>
-      </p:grpSpPr>
-      <p:sp>
-        <p:nvSpPr>
-          <p:cNvPr id="2" name="Title 1">
-            <a:extLst>
-              <a:ext uri="{FF2B5EF4-FFF2-40B4-BE49-F238E27FC236}">
-                <a16:creationId xmlns:a16="http://schemas.microsoft.com/office/drawing/2014/main" id="{F01D79B6-8945-4B13-8E99-94D3944484CC}"/>
-              </a:ext>
-            </a:extLst>
-          </p:cNvPr>
-          <p:cNvSpPr>
-            <a:spLocks noGrp="1"/>
-          </p:cNvSpPr>
-          <p:nvPr>
-            <p:ph type="title"/>
-          </p:nvPr>
-        </p:nvSpPr>
-        <p:spPr>
-          <a:xfrm>
-            <a:off x="1451579" y="804519"/>
-            <a:ext cx="9603275" cy="1049235"/>
-          </a:xfrm>
-        </p:spPr>
-        <p:txBody>
-          <a:bodyPr>
-            <a:normAutofit/>
-          </a:bodyPr>
-          <a:lstStyle/>
-          <a:p>
-            <a:r>
-              <a:rPr lang="en-US"/>
-              <a:t>Machine learning –linear Regression Model</a:t>
-            </a:r>
-          </a:p>
-        </p:txBody>
-      </p:sp>
-      <p:sp>
-        <p:nvSpPr>
-          <p:cNvPr id="62" name="Content Placeholder 61">
-            <a:extLst>
-              <a:ext uri="{FF2B5EF4-FFF2-40B4-BE49-F238E27FC236}">
-                <a16:creationId xmlns:a16="http://schemas.microsoft.com/office/drawing/2014/main" id="{197D4776-45F9-93C9-A54F-76CB03469F81}"/>
-              </a:ext>
-            </a:extLst>
-          </p:cNvPr>
-          <p:cNvSpPr>
-            <a:spLocks noGrp="1"/>
-          </p:cNvSpPr>
-          <p:nvPr>
-            <p:ph idx="1"/>
-          </p:nvPr>
-        </p:nvSpPr>
-        <p:spPr>
-          <a:xfrm>
-            <a:off x="1451579" y="2015734"/>
-            <a:ext cx="4162555" cy="3450613"/>
-          </a:xfrm>
-        </p:spPr>
-        <p:txBody>
-          <a:bodyPr>
-            <a:normAutofit/>
-          </a:bodyPr>
-          <a:lstStyle/>
-          <a:p>
-            <a:pPr marL="0" indent="0">
-              <a:buNone/>
-            </a:pPr>
-            <a:r>
-              <a:rPr lang="en-US" b="0" i="0" dirty="0">
-                <a:effectLst/>
-                <a:latin typeface="-apple-system"/>
-              </a:rPr>
-              <a:t>We can see in the linear regression residual plot; the difference is between the ranges of negative 15 to 10.</a:t>
-            </a:r>
-            <a:endParaRPr lang="en-US" dirty="0"/>
-          </a:p>
-        </p:txBody>
-      </p:sp>
-      <p:pic>
-        <p:nvPicPr>
-          <p:cNvPr id="5" name="Content Placeholder 4" descr="Chart, scatter chart&#10;&#10;Description automatically generated">
-            <a:extLst>
-              <a:ext uri="{FF2B5EF4-FFF2-40B4-BE49-F238E27FC236}">
-                <a16:creationId xmlns:a16="http://schemas.microsoft.com/office/drawing/2014/main" id="{8DF5F5DF-264C-46CB-AECF-330259D40938}"/>
-              </a:ext>
-            </a:extLst>
-          </p:cNvPr>
-          <p:cNvPicPr>
-            <a:picLocks noChangeAspect="1"/>
-          </p:cNvPicPr>
-          <p:nvPr/>
-        </p:nvPicPr>
-        <p:blipFill>
-          <a:blip r:embed="rId2">
-            <a:extLst>
-              <a:ext uri="{28A0092B-C50C-407E-A947-70E740481C1C}">
-                <a14:useLocalDpi xmlns:a14="http://schemas.microsoft.com/office/drawing/2010/main" val="0"/>
-              </a:ext>
-            </a:extLst>
-          </a:blip>
-          <a:stretch>
-            <a:fillRect/>
-          </a:stretch>
-        </p:blipFill>
-        <p:spPr>
-          <a:xfrm>
-            <a:off x="5394960" y="2015734"/>
-            <a:ext cx="5659895" cy="3450613"/>
-          </a:xfrm>
-          <a:prstGeom prst="rect">
-            <a:avLst/>
-          </a:prstGeom>
-        </p:spPr>
-      </p:pic>
-    </p:spTree>
-    <p:extLst>
-      <p:ext uri="{BB962C8B-B14F-4D97-AF65-F5344CB8AC3E}">
-        <p14:creationId xmlns:p14="http://schemas.microsoft.com/office/powerpoint/2010/main" val="913417766"/>
-      </p:ext>
-    </p:extLst>
-  </p:cSld>
-  <p:clrMapOvr>
-    <a:masterClrMapping/>
-  </p:clrMapOvr>
+  <p:timing>
+    <p:tnLst>
+      <p:par>
+        <p:cTn id="1" dur="indefinite" restart="never" nodeType="tmRoot"/>
+      </p:par>
+    </p:tnLst>
+  </p:timing>
 </p:sld>
 </file>
 
@@ -5576,7 +5201,7 @@
           <p:cNvPr id="2" name="Title 1">
             <a:extLst>
               <a:ext uri="{FF2B5EF4-FFF2-40B4-BE49-F238E27FC236}">
-                <a16:creationId xmlns:a16="http://schemas.microsoft.com/office/drawing/2014/main" id="{F01D79B6-8945-4B13-8E99-94D3944484CC}"/>
+                <a16:creationId xmlns:a16="http://schemas.microsoft.com/office/drawing/2014/main" xmlns="" id="{F01D79B6-8945-4B13-8E99-94D3944484CC}"/>
               </a:ext>
             </a:extLst>
           </p:cNvPr>
@@ -5599,9 +5224,18 @@
           </a:bodyPr>
           <a:lstStyle/>
           <a:p>
+            <a:pPr algn="ctr"/>
             <a:r>
               <a:rPr lang="en-US" dirty="0"/>
-              <a:t>Machine learning –random forest regressor Model</a:t>
+              <a:t>Machine </a:t>
+            </a:r>
+            <a:r>
+              <a:rPr lang="en-US" dirty="0" smtClean="0"/>
+              <a:t>learning - linear </a:t>
+            </a:r>
+            <a:r>
+              <a:rPr lang="en-US" dirty="0"/>
+              <a:t>Regression Model</a:t>
             </a:r>
           </a:p>
         </p:txBody>
@@ -5611,7 +5245,7 @@
           <p:cNvPr id="62" name="Content Placeholder 61">
             <a:extLst>
               <a:ext uri="{FF2B5EF4-FFF2-40B4-BE49-F238E27FC236}">
-                <a16:creationId xmlns:a16="http://schemas.microsoft.com/office/drawing/2014/main" id="{197D4776-45F9-93C9-A54F-76CB03469F81}"/>
+                <a16:creationId xmlns:a16="http://schemas.microsoft.com/office/drawing/2014/main" xmlns="" id="{197D4776-45F9-93C9-A54F-76CB03469F81}"/>
               </a:ext>
             </a:extLst>
           </p:cNvPr>
@@ -5634,42 +5268,53 @@
           </a:bodyPr>
           <a:lstStyle/>
           <a:p>
-            <a:pPr marL="0" indent="0" algn="l">
-              <a:buNone/>
-            </a:pPr>
             <a:r>
-              <a:rPr lang="en-US" b="0" i="0" dirty="0">
-                <a:solidFill>
-                  <a:srgbClr val="24292F"/>
-                </a:solidFill>
-                <a:effectLst/>
+              <a:rPr lang="en-US" dirty="0" smtClean="0">
                 <a:latin typeface="-apple-system"/>
               </a:rPr>
-              <a:t>In the random forest regressor residual plot, the ranges improve by decreasing to a range of negative 2 to 1.5.</a:t>
+              <a:t>“Best Fit” line through all data points</a:t>
             </a:r>
           </a:p>
           <a:p>
-            <a:pPr marL="0" indent="0">
-              <a:buNone/>
-            </a:pPr>
-            <a:br>
-              <a:rPr lang="en-US" dirty="0"/>
-            </a:br>
+            <a:r>
+              <a:rPr lang="en-US" dirty="0" smtClean="0">
+                <a:latin typeface="-apple-system"/>
+              </a:rPr>
+              <a:t>MSE: 24.55</a:t>
+            </a:r>
+          </a:p>
+          <a:p>
+            <a:r>
+              <a:rPr lang="en-US" dirty="0" smtClean="0">
+                <a:latin typeface="-apple-system"/>
+              </a:rPr>
+              <a:t>R-squared: 0.8315</a:t>
+            </a:r>
+          </a:p>
+          <a:p>
+            <a:r>
+              <a:rPr lang="en-US" dirty="0" smtClean="0">
+                <a:latin typeface="-apple-system"/>
+              </a:rPr>
+              <a:t>Training Score: 0.9120</a:t>
+            </a:r>
+          </a:p>
+          <a:p>
+            <a:r>
+              <a:rPr lang="en-US" dirty="0" smtClean="0">
+                <a:latin typeface="-apple-system"/>
+              </a:rPr>
+              <a:t>Testing Score: 0.8315</a:t>
+            </a:r>
             <a:endParaRPr lang="en-US" dirty="0"/>
           </a:p>
         </p:txBody>
       </p:sp>
       <p:pic>
         <p:nvPicPr>
-          <p:cNvPr id="4" name="Picture 3" descr="Chart, scatter chart&#10;&#10;Description automatically generated">
-            <a:extLst>
-              <a:ext uri="{FF2B5EF4-FFF2-40B4-BE49-F238E27FC236}">
-                <a16:creationId xmlns:a16="http://schemas.microsoft.com/office/drawing/2014/main" id="{74EA0B39-7E39-4FC2-8E61-8E72EA5FA64B}"/>
-              </a:ext>
-            </a:extLst>
-          </p:cNvPr>
+          <p:cNvPr id="3074" name="Picture 2" descr="C:\Users\quang\Desktop\Class\Social_media_impact\Jupyter_Notebook\analysis\Fig2.png"/>
           <p:cNvPicPr>
-            <a:picLocks noChangeAspect="1"/>
+            <a:picLocks noChangeAspect="1" noChangeArrowheads="1"/>
           </p:cNvPicPr>
           <p:nvPr/>
         </p:nvPicPr>
@@ -5681,34 +5326,375 @@
               </a:ext>
             </a:extLst>
           </a:blip>
+          <a:srcRect/>
           <a:stretch>
             <a:fillRect/>
           </a:stretch>
         </p:blipFill>
-        <p:spPr>
-          <a:xfrm>
-            <a:off x="5496560" y="2015734"/>
-            <a:ext cx="5558295" cy="3623066"/>
+        <p:spPr bwMode="auto">
+          <a:xfrm>
+            <a:off x="5602065" y="1970734"/>
+            <a:ext cx="5486400" cy="3657600"/>
           </a:xfrm>
           <a:prstGeom prst="rect">
             <a:avLst/>
           </a:prstGeom>
+          <a:noFill/>
+          <a:extLst>
+            <a:ext uri="{909E8E84-426E-40DD-AFC4-6F175D3DCCD1}">
+              <a14:hiddenFill xmlns:a14="http://schemas.microsoft.com/office/drawing/2010/main">
+                <a:solidFill>
+                  <a:srgbClr val="FFFFFF"/>
+                </a:solidFill>
+              </a14:hiddenFill>
+            </a:ext>
+          </a:extLst>
         </p:spPr>
       </p:pic>
     </p:spTree>
     <p:extLst>
       <p:ext uri="{BB962C8B-B14F-4D97-AF65-F5344CB8AC3E}">
-        <p14:creationId xmlns:p14="http://schemas.microsoft.com/office/powerpoint/2010/main" val="1814485948"/>
+        <p14:creationId xmlns:p14="http://schemas.microsoft.com/office/powerpoint/2010/main" val="913417766"/>
       </p:ext>
     </p:extLst>
   </p:cSld>
   <p:clrMapOvr>
     <a:masterClrMapping/>
   </p:clrMapOvr>
+  <p:timing>
+    <p:tnLst>
+      <p:par>
+        <p:cTn id="1" dur="indefinite" restart="never" nodeType="tmRoot"/>
+      </p:par>
+    </p:tnLst>
+  </p:timing>
 </p:sld>
 </file>
 
 <file path=ppt/slides/slide15.xml><?xml version="1.0" encoding="utf-8"?>
+<p:sld xmlns:a="http://schemas.openxmlformats.org/drawingml/2006/main" xmlns:r="http://schemas.openxmlformats.org/officeDocument/2006/relationships" xmlns:p="http://schemas.openxmlformats.org/presentationml/2006/main">
+  <p:cSld>
+    <p:spTree>
+      <p:nvGrpSpPr>
+        <p:cNvPr id="1" name=""/>
+        <p:cNvGrpSpPr/>
+        <p:nvPr/>
+      </p:nvGrpSpPr>
+      <p:grpSpPr>
+        <a:xfrm>
+          <a:off x="0" y="0"/>
+          <a:ext cx="0" cy="0"/>
+          <a:chOff x="0" y="0"/>
+          <a:chExt cx="0" cy="0"/>
+        </a:xfrm>
+      </p:grpSpPr>
+      <p:sp>
+        <p:nvSpPr>
+          <p:cNvPr id="2" name="Title 1">
+            <a:extLst>
+              <a:ext uri="{FF2B5EF4-FFF2-40B4-BE49-F238E27FC236}">
+                <a16:creationId xmlns:a16="http://schemas.microsoft.com/office/drawing/2014/main" xmlns="" id="{F01D79B6-8945-4B13-8E99-94D3944484CC}"/>
+              </a:ext>
+            </a:extLst>
+          </p:cNvPr>
+          <p:cNvSpPr>
+            <a:spLocks noGrp="1"/>
+          </p:cNvSpPr>
+          <p:nvPr>
+            <p:ph type="title"/>
+          </p:nvPr>
+        </p:nvSpPr>
+        <p:spPr>
+          <a:xfrm>
+            <a:off x="1451579" y="804519"/>
+            <a:ext cx="9603275" cy="1049235"/>
+          </a:xfrm>
+        </p:spPr>
+        <p:txBody>
+          <a:bodyPr>
+            <a:normAutofit/>
+          </a:bodyPr>
+          <a:lstStyle/>
+          <a:p>
+            <a:pPr algn="ctr"/>
+            <a:r>
+              <a:rPr lang="en-US" dirty="0"/>
+              <a:t>Machine </a:t>
+            </a:r>
+            <a:r>
+              <a:rPr lang="en-US" dirty="0" smtClean="0"/>
+              <a:t>learning - random forest </a:t>
+            </a:r>
+            <a:r>
+              <a:rPr lang="en-US" dirty="0" err="1" smtClean="0"/>
+              <a:t>regressor</a:t>
+            </a:r>
+            <a:r>
+              <a:rPr lang="en-US" dirty="0" smtClean="0"/>
+              <a:t> Model</a:t>
+            </a:r>
+            <a:endParaRPr lang="en-US" dirty="0"/>
+          </a:p>
+        </p:txBody>
+      </p:sp>
+      <p:sp>
+        <p:nvSpPr>
+          <p:cNvPr id="62" name="Content Placeholder 61">
+            <a:extLst>
+              <a:ext uri="{FF2B5EF4-FFF2-40B4-BE49-F238E27FC236}">
+                <a16:creationId xmlns:a16="http://schemas.microsoft.com/office/drawing/2014/main" xmlns="" id="{197D4776-45F9-93C9-A54F-76CB03469F81}"/>
+              </a:ext>
+            </a:extLst>
+          </p:cNvPr>
+          <p:cNvSpPr>
+            <a:spLocks noGrp="1"/>
+          </p:cNvSpPr>
+          <p:nvPr>
+            <p:ph idx="1"/>
+          </p:nvPr>
+        </p:nvSpPr>
+        <p:spPr>
+          <a:xfrm>
+            <a:off x="1451579" y="2015734"/>
+            <a:ext cx="4162555" cy="3450613"/>
+          </a:xfrm>
+        </p:spPr>
+        <p:txBody>
+          <a:bodyPr>
+            <a:normAutofit/>
+          </a:bodyPr>
+          <a:lstStyle/>
+          <a:p>
+            <a:r>
+              <a:rPr lang="en-US" dirty="0" smtClean="0">
+                <a:latin typeface="-apple-system"/>
+              </a:rPr>
+              <a:t>Averages of weaker Decision Trees</a:t>
+            </a:r>
+            <a:endParaRPr lang="en-US" dirty="0" smtClean="0">
+              <a:latin typeface="-apple-system"/>
+            </a:endParaRPr>
+          </a:p>
+          <a:p>
+            <a:r>
+              <a:rPr lang="en-US" dirty="0" smtClean="0">
+                <a:latin typeface="-apple-system"/>
+              </a:rPr>
+              <a:t>MSE: 0.8826</a:t>
+            </a:r>
+          </a:p>
+          <a:p>
+            <a:r>
+              <a:rPr lang="en-US" dirty="0" smtClean="0">
+                <a:latin typeface="-apple-system"/>
+              </a:rPr>
+              <a:t>R-squared: 0.9939</a:t>
+            </a:r>
+          </a:p>
+          <a:p>
+            <a:r>
+              <a:rPr lang="en-US" dirty="0" smtClean="0">
+                <a:latin typeface="-apple-system"/>
+              </a:rPr>
+              <a:t>Training Score: 0.9994</a:t>
+            </a:r>
+          </a:p>
+          <a:p>
+            <a:r>
+              <a:rPr lang="en-US" dirty="0" smtClean="0">
+                <a:latin typeface="-apple-system"/>
+              </a:rPr>
+              <a:t>Testing Score: 0.9939</a:t>
+            </a:r>
+            <a:endParaRPr lang="en-US" dirty="0"/>
+          </a:p>
+        </p:txBody>
+      </p:sp>
+      <p:pic>
+        <p:nvPicPr>
+          <p:cNvPr id="4098" name="Picture 2" descr="C:\Users\quang\Desktop\Class\Social_media_impact\Jupyter_Notebook\analysis\Fig3.png"/>
+          <p:cNvPicPr>
+            <a:picLocks noChangeAspect="1" noChangeArrowheads="1"/>
+          </p:cNvPicPr>
+          <p:nvPr/>
+        </p:nvPicPr>
+        <p:blipFill>
+          <a:blip r:embed="rId2">
+            <a:extLst>
+              <a:ext uri="{28A0092B-C50C-407E-A947-70E740481C1C}">
+                <a14:useLocalDpi xmlns:a14="http://schemas.microsoft.com/office/drawing/2010/main" val="0"/>
+              </a:ext>
+            </a:extLst>
+          </a:blip>
+          <a:srcRect/>
+          <a:stretch>
+            <a:fillRect/>
+          </a:stretch>
+        </p:blipFill>
+        <p:spPr bwMode="auto">
+          <a:xfrm>
+            <a:off x="5582657" y="1970712"/>
+            <a:ext cx="5486400" cy="3657600"/>
+          </a:xfrm>
+          <a:prstGeom prst="rect">
+            <a:avLst/>
+          </a:prstGeom>
+          <a:noFill/>
+          <a:extLst>
+            <a:ext uri="{909E8E84-426E-40DD-AFC4-6F175D3DCCD1}">
+              <a14:hiddenFill xmlns:a14="http://schemas.microsoft.com/office/drawing/2010/main">
+                <a:solidFill>
+                  <a:srgbClr val="FFFFFF"/>
+                </a:solidFill>
+              </a14:hiddenFill>
+            </a:ext>
+          </a:extLst>
+        </p:spPr>
+      </p:pic>
+    </p:spTree>
+    <p:extLst>
+      <p:ext uri="{BB962C8B-B14F-4D97-AF65-F5344CB8AC3E}">
+        <p14:creationId xmlns:p14="http://schemas.microsoft.com/office/powerpoint/2010/main" val="2086890254"/>
+      </p:ext>
+    </p:extLst>
+  </p:cSld>
+  <p:clrMapOvr>
+    <a:masterClrMapping/>
+  </p:clrMapOvr>
+  <p:timing>
+    <p:tnLst>
+      <p:par>
+        <p:cTn id="1" dur="indefinite" restart="never" nodeType="tmRoot"/>
+      </p:par>
+    </p:tnLst>
+  </p:timing>
+</p:sld>
+</file>
+
+<file path=ppt/slides/slide16.xml><?xml version="1.0" encoding="utf-8"?>
+<p:sld xmlns:a="http://schemas.openxmlformats.org/drawingml/2006/main" xmlns:r="http://schemas.openxmlformats.org/officeDocument/2006/relationships" xmlns:p="http://schemas.openxmlformats.org/presentationml/2006/main">
+  <p:cSld>
+    <p:spTree>
+      <p:nvGrpSpPr>
+        <p:cNvPr id="1" name=""/>
+        <p:cNvGrpSpPr/>
+        <p:nvPr/>
+      </p:nvGrpSpPr>
+      <p:grpSpPr>
+        <a:xfrm>
+          <a:off x="0" y="0"/>
+          <a:ext cx="0" cy="0"/>
+          <a:chOff x="0" y="0"/>
+          <a:chExt cx="0" cy="0"/>
+        </a:xfrm>
+      </p:grpSpPr>
+      <p:sp>
+        <p:nvSpPr>
+          <p:cNvPr id="2" name="Title 1">
+            <a:extLst>
+              <a:ext uri="{FF2B5EF4-FFF2-40B4-BE49-F238E27FC236}">
+                <a16:creationId xmlns:a16="http://schemas.microsoft.com/office/drawing/2014/main" xmlns="" id="{F01D79B6-8945-4B13-8E99-94D3944484CC}"/>
+              </a:ext>
+            </a:extLst>
+          </p:cNvPr>
+          <p:cNvSpPr>
+            <a:spLocks noGrp="1"/>
+          </p:cNvSpPr>
+          <p:nvPr>
+            <p:ph type="title"/>
+          </p:nvPr>
+        </p:nvSpPr>
+        <p:spPr>
+          <a:xfrm>
+            <a:off x="1451579" y="804519"/>
+            <a:ext cx="9603275" cy="1049235"/>
+          </a:xfrm>
+        </p:spPr>
+        <p:txBody>
+          <a:bodyPr>
+            <a:normAutofit/>
+          </a:bodyPr>
+          <a:lstStyle/>
+          <a:p>
+            <a:pPr algn="ctr"/>
+            <a:r>
+              <a:rPr lang="en-US" dirty="0" smtClean="0"/>
+              <a:t>random forest </a:t>
+            </a:r>
+            <a:r>
+              <a:rPr lang="en-US" dirty="0" err="1" smtClean="0"/>
+              <a:t>regressor</a:t>
+            </a:r>
+            <a:r>
+              <a:rPr lang="en-US" dirty="0" smtClean="0"/>
+              <a:t> feature Importance</a:t>
+            </a:r>
+            <a:endParaRPr lang="en-US" dirty="0"/>
+          </a:p>
+        </p:txBody>
+      </p:sp>
+      <p:pic>
+        <p:nvPicPr>
+          <p:cNvPr id="5122" name="Picture 2" descr="C:\Users\quang\Desktop\Class\Social_media_impact\Jupyter_Notebook\analysis\Fig4.png"/>
+          <p:cNvPicPr>
+            <a:picLocks noChangeAspect="1" noChangeArrowheads="1"/>
+          </p:cNvPicPr>
+          <p:nvPr/>
+        </p:nvPicPr>
+        <p:blipFill>
+          <a:blip r:embed="rId2">
+            <a:extLst>
+              <a:ext uri="{28A0092B-C50C-407E-A947-70E740481C1C}">
+                <a14:useLocalDpi xmlns:a14="http://schemas.microsoft.com/office/drawing/2010/main" val="0"/>
+              </a:ext>
+            </a:extLst>
+          </a:blip>
+          <a:srcRect/>
+          <a:stretch>
+            <a:fillRect/>
+          </a:stretch>
+        </p:blipFill>
+        <p:spPr bwMode="auto">
+          <a:xfrm>
+            <a:off x="3258356" y="1971236"/>
+            <a:ext cx="5785386" cy="3856924"/>
+          </a:xfrm>
+          <a:prstGeom prst="rect">
+            <a:avLst/>
+          </a:prstGeom>
+          <a:noFill/>
+          <a:extLst>
+            <a:ext uri="{909E8E84-426E-40DD-AFC4-6F175D3DCCD1}">
+              <a14:hiddenFill xmlns:a14="http://schemas.microsoft.com/office/drawing/2010/main">
+                <a:solidFill>
+                  <a:srgbClr val="FFFFFF"/>
+                </a:solidFill>
+              </a14:hiddenFill>
+            </a:ext>
+          </a:extLst>
+        </p:spPr>
+      </p:pic>
+    </p:spTree>
+    <p:extLst>
+      <p:ext uri="{BB962C8B-B14F-4D97-AF65-F5344CB8AC3E}">
+        <p14:creationId xmlns:p14="http://schemas.microsoft.com/office/powerpoint/2010/main" val="2674000701"/>
+      </p:ext>
+    </p:extLst>
+  </p:cSld>
+  <p:clrMapOvr>
+    <a:masterClrMapping/>
+  </p:clrMapOvr>
+  <p:timing>
+    <p:tnLst>
+      <p:par>
+        <p:cTn id="1" dur="indefinite" restart="never" nodeType="tmRoot"/>
+      </p:par>
+    </p:tnLst>
+  </p:timing>
+</p:sld>
+</file>
+
+<file path=ppt/slides/slide17.xml><?xml version="1.0" encoding="utf-8"?>
 <p:sld xmlns:a="http://schemas.openxmlformats.org/drawingml/2006/main" xmlns:r="http://schemas.openxmlformats.org/officeDocument/2006/relationships" xmlns:p="http://schemas.openxmlformats.org/presentationml/2006/main">
   <p:cSld>
     <p:bg>
@@ -5754,10 +5740,10 @@
           <p:cNvPr id="7" name="Rectangle 6">
             <a:extLst>
               <a:ext uri="{FF2B5EF4-FFF2-40B4-BE49-F238E27FC236}">
-                <a16:creationId xmlns:a16="http://schemas.microsoft.com/office/drawing/2014/main" id="{23522FE7-5A29-4EF6-B1EF-2CA55748A772}"/>
+                <a16:creationId xmlns:a16="http://schemas.microsoft.com/office/drawing/2014/main" xmlns="" id="{23522FE7-5A29-4EF6-B1EF-2CA55748A772}"/>
               </a:ext>
               <a:ext uri="{C183D7F6-B498-43B3-948B-1728B52AA6E4}">
-                <adec:decorative xmlns:adec="http://schemas.microsoft.com/office/drawing/2017/decorative" val="1"/>
+                <adec:decorative xmlns:adec="http://schemas.microsoft.com/office/drawing/2017/decorative" xmlns="" val="1"/>
               </a:ext>
             </a:extLst>
           </p:cNvPr>
@@ -5767,7 +5753,7 @@
           <p:nvPr>
             <p:extLst>
               <p:ext uri="{386F3935-93C4-4BCD-93E2-E3B085C9AB24}">
-                <p16:designElem xmlns:p16="http://schemas.microsoft.com/office/powerpoint/2015/main" val="1"/>
+                <p16:designElem xmlns:p16="http://schemas.microsoft.com/office/powerpoint/2015/main" xmlns="" val="1"/>
               </p:ext>
             </p:extLst>
           </p:nvPr>
@@ -5820,10 +5806,10 @@
           <p:cNvPr id="9" name="Picture 8">
             <a:extLst>
               <a:ext uri="{FF2B5EF4-FFF2-40B4-BE49-F238E27FC236}">
-                <a16:creationId xmlns:a16="http://schemas.microsoft.com/office/drawing/2014/main" id="{C2192E09-EBC7-416C-B887-DFF915D7F43D}"/>
+                <a16:creationId xmlns:a16="http://schemas.microsoft.com/office/drawing/2014/main" xmlns="" id="{C2192E09-EBC7-416C-B887-DFF915D7F43D}"/>
               </a:ext>
               <a:ext uri="{C183D7F6-B498-43B3-948B-1728B52AA6E4}">
-                <adec:decorative xmlns:adec="http://schemas.microsoft.com/office/drawing/2017/decorative" val="1"/>
+                <adec:decorative xmlns:adec="http://schemas.microsoft.com/office/drawing/2017/decorative" xmlns="" val="1"/>
               </a:ext>
             </a:extLst>
           </p:cNvPr>
@@ -5833,7 +5819,7 @@
           <p:nvPr>
             <p:extLst>
               <p:ext uri="{386F3935-93C4-4BCD-93E2-E3B085C9AB24}">
-                <p16:designElem xmlns:p16="http://schemas.microsoft.com/office/powerpoint/2015/main" val="1"/>
+                <p16:designElem xmlns:p16="http://schemas.microsoft.com/office/powerpoint/2015/main" xmlns="" val="1"/>
               </p:ext>
             </p:extLst>
           </p:nvPr>
@@ -5864,10 +5850,10 @@
           <p:cNvPr id="11" name="Straight Connector 10">
             <a:extLst>
               <a:ext uri="{FF2B5EF4-FFF2-40B4-BE49-F238E27FC236}">
-                <a16:creationId xmlns:a16="http://schemas.microsoft.com/office/drawing/2014/main" id="{2924498D-E084-44BE-A196-CFCE35564350}"/>
+                <a16:creationId xmlns:a16="http://schemas.microsoft.com/office/drawing/2014/main" xmlns="" id="{2924498D-E084-44BE-A196-CFCE35564350}"/>
               </a:ext>
               <a:ext uri="{C183D7F6-B498-43B3-948B-1728B52AA6E4}">
-                <adec:decorative xmlns:adec="http://schemas.microsoft.com/office/drawing/2017/decorative" val="1"/>
+                <adec:decorative xmlns:adec="http://schemas.microsoft.com/office/drawing/2017/decorative" xmlns="" val="1"/>
               </a:ext>
             </a:extLst>
           </p:cNvPr>
@@ -5877,7 +5863,7 @@
           <p:nvPr>
             <p:extLst>
               <p:ext uri="{386F3935-93C4-4BCD-93E2-E3B085C9AB24}">
-                <p16:designElem xmlns:p16="http://schemas.microsoft.com/office/powerpoint/2015/main" val="1"/>
+                <p16:designElem xmlns:p16="http://schemas.microsoft.com/office/powerpoint/2015/main" xmlns="" val="1"/>
               </p:ext>
             </p:extLst>
           </p:nvPr>
@@ -5918,10 +5904,10 @@
           <p:cNvPr id="13" name="Straight Connector 12">
             <a:extLst>
               <a:ext uri="{FF2B5EF4-FFF2-40B4-BE49-F238E27FC236}">
-                <a16:creationId xmlns:a16="http://schemas.microsoft.com/office/drawing/2014/main" id="{3BBC7667-C352-4842-9AFD-E5C16AD002F4}"/>
+                <a16:creationId xmlns:a16="http://schemas.microsoft.com/office/drawing/2014/main" xmlns="" id="{3BBC7667-C352-4842-9AFD-E5C16AD002F4}"/>
               </a:ext>
               <a:ext uri="{C183D7F6-B498-43B3-948B-1728B52AA6E4}">
-                <adec:decorative xmlns:adec="http://schemas.microsoft.com/office/drawing/2017/decorative" val="1"/>
+                <adec:decorative xmlns:adec="http://schemas.microsoft.com/office/drawing/2017/decorative" xmlns="" val="1"/>
               </a:ext>
             </a:extLst>
           </p:cNvPr>
@@ -5931,7 +5917,7 @@
           <p:nvPr>
             <p:extLst>
               <p:ext uri="{386F3935-93C4-4BCD-93E2-E3B085C9AB24}">
-                <p16:designElem xmlns:p16="http://schemas.microsoft.com/office/powerpoint/2015/main" val="1"/>
+                <p16:designElem xmlns:p16="http://schemas.microsoft.com/office/powerpoint/2015/main" xmlns="" val="1"/>
               </p:ext>
             </p:extLst>
           </p:nvPr>
@@ -5966,10 +5952,10 @@
           <p:cNvPr id="15" name="Rectangle 14">
             <a:extLst>
               <a:ext uri="{FF2B5EF4-FFF2-40B4-BE49-F238E27FC236}">
-                <a16:creationId xmlns:a16="http://schemas.microsoft.com/office/drawing/2014/main" id="{F0AB17F6-592B-45CB-96F6-705C9825AFBC}"/>
+                <a16:creationId xmlns:a16="http://schemas.microsoft.com/office/drawing/2014/main" xmlns="" id="{F0AB17F6-592B-45CB-96F6-705C9825AFBC}"/>
               </a:ext>
               <a:ext uri="{C183D7F6-B498-43B3-948B-1728B52AA6E4}">
-                <adec:decorative xmlns:adec="http://schemas.microsoft.com/office/drawing/2017/decorative" val="1"/>
+                <adec:decorative xmlns:adec="http://schemas.microsoft.com/office/drawing/2017/decorative" xmlns="" val="1"/>
               </a:ext>
             </a:extLst>
           </p:cNvPr>
@@ -5979,7 +5965,7 @@
           <p:nvPr>
             <p:extLst>
               <p:ext uri="{386F3935-93C4-4BCD-93E2-E3B085C9AB24}">
-                <p16:designElem xmlns:p16="http://schemas.microsoft.com/office/powerpoint/2015/main" val="1"/>
+                <p16:designElem xmlns:p16="http://schemas.microsoft.com/office/powerpoint/2015/main" xmlns="" val="1"/>
               </p:ext>
             </p:extLst>
           </p:nvPr>
@@ -6026,7 +6012,7 @@
           <p:cNvPr id="2" name="Title 1">
             <a:extLst>
               <a:ext uri="{FF2B5EF4-FFF2-40B4-BE49-F238E27FC236}">
-                <a16:creationId xmlns:a16="http://schemas.microsoft.com/office/drawing/2014/main" id="{6FC29038-DDBC-4BFF-89F4-CE1EC9E6EEB3}"/>
+                <a16:creationId xmlns:a16="http://schemas.microsoft.com/office/drawing/2014/main" xmlns="" id="{6FC29038-DDBC-4BFF-89F4-CE1EC9E6EEB3}"/>
               </a:ext>
             </a:extLst>
           </p:cNvPr>
@@ -6066,10 +6052,10 @@
           <p:cNvPr id="17" name="Straight Connector 16">
             <a:extLst>
               <a:ext uri="{FF2B5EF4-FFF2-40B4-BE49-F238E27FC236}">
-                <a16:creationId xmlns:a16="http://schemas.microsoft.com/office/drawing/2014/main" id="{5A9284E7-0823-472D-9963-18D89DFEB8B4}"/>
+                <a16:creationId xmlns:a16="http://schemas.microsoft.com/office/drawing/2014/main" xmlns="" id="{5A9284E7-0823-472D-9963-18D89DFEB8B4}"/>
               </a:ext>
               <a:ext uri="{C183D7F6-B498-43B3-948B-1728B52AA6E4}">
-                <adec:decorative xmlns:adec="http://schemas.microsoft.com/office/drawing/2017/decorative" val="1"/>
+                <adec:decorative xmlns:adec="http://schemas.microsoft.com/office/drawing/2017/decorative" xmlns="" val="1"/>
               </a:ext>
             </a:extLst>
           </p:cNvPr>
@@ -6079,7 +6065,7 @@
           <p:nvPr>
             <p:extLst>
               <p:ext uri="{386F3935-93C4-4BCD-93E2-E3B085C9AB24}">
-                <p16:designElem xmlns:p16="http://schemas.microsoft.com/office/powerpoint/2015/main" val="1"/>
+                <p16:designElem xmlns:p16="http://schemas.microsoft.com/office/powerpoint/2015/main" xmlns="" val="1"/>
               </p:ext>
             </p:extLst>
           </p:nvPr>
@@ -6119,10 +6105,17 @@
   <p:clrMapOvr>
     <a:overrideClrMapping bg1="dk1" tx1="lt1" bg2="dk2" tx2="lt2" accent1="accent1" accent2="accent2" accent3="accent3" accent4="accent4" accent5="accent5" accent6="accent6" hlink="hlink" folHlink="folHlink"/>
   </p:clrMapOvr>
+  <p:timing>
+    <p:tnLst>
+      <p:par>
+        <p:cTn id="1" dur="indefinite" restart="never" nodeType="tmRoot"/>
+      </p:par>
+    </p:tnLst>
+  </p:timing>
 </p:sld>
 </file>
 
-<file path=ppt/slides/slide16.xml><?xml version="1.0" encoding="utf-8"?>
+<file path=ppt/slides/slide18.xml><?xml version="1.0" encoding="utf-8"?>
 <p:sld xmlns:a="http://schemas.openxmlformats.org/drawingml/2006/main" xmlns:r="http://schemas.openxmlformats.org/officeDocument/2006/relationships" xmlns:p="http://schemas.openxmlformats.org/presentationml/2006/main">
   <p:cSld>
     <p:bg>
@@ -6168,10 +6161,10 @@
           <p:cNvPr id="64" name="Rectangle 63">
             <a:extLst>
               <a:ext uri="{FF2B5EF4-FFF2-40B4-BE49-F238E27FC236}">
-                <a16:creationId xmlns:a16="http://schemas.microsoft.com/office/drawing/2014/main" id="{84C75E2B-CACA-478C-B26B-182AF87A18E3}"/>
+                <a16:creationId xmlns:a16="http://schemas.microsoft.com/office/drawing/2014/main" xmlns="" id="{84C75E2B-CACA-478C-B26B-182AF87A18E3}"/>
               </a:ext>
               <a:ext uri="{C183D7F6-B498-43B3-948B-1728B52AA6E4}">
-                <adec:decorative xmlns:adec="http://schemas.microsoft.com/office/drawing/2017/decorative" val="1"/>
+                <adec:decorative xmlns:adec="http://schemas.microsoft.com/office/drawing/2017/decorative" xmlns="" val="1"/>
               </a:ext>
             </a:extLst>
           </p:cNvPr>
@@ -6181,7 +6174,7 @@
           <p:nvPr>
             <p:extLst>
               <p:ext uri="{386F3935-93C4-4BCD-93E2-E3B085C9AB24}">
-                <p16:designElem xmlns:p16="http://schemas.microsoft.com/office/powerpoint/2015/main" val="1"/>
+                <p16:designElem xmlns:p16="http://schemas.microsoft.com/office/powerpoint/2015/main" xmlns="" val="1"/>
               </p:ext>
             </p:extLst>
           </p:nvPr>
@@ -6234,10 +6227,10 @@
           <p:cNvPr id="66" name="Picture 65">
             <a:extLst>
               <a:ext uri="{FF2B5EF4-FFF2-40B4-BE49-F238E27FC236}">
-                <a16:creationId xmlns:a16="http://schemas.microsoft.com/office/drawing/2014/main" id="{50FF2874-547C-4D14-9E18-28B19002FB8C}"/>
+                <a16:creationId xmlns:a16="http://schemas.microsoft.com/office/drawing/2014/main" xmlns="" id="{50FF2874-547C-4D14-9E18-28B19002FB8C}"/>
               </a:ext>
               <a:ext uri="{C183D7F6-B498-43B3-948B-1728B52AA6E4}">
-                <adec:decorative xmlns:adec="http://schemas.microsoft.com/office/drawing/2017/decorative" val="1"/>
+                <adec:decorative xmlns:adec="http://schemas.microsoft.com/office/drawing/2017/decorative" xmlns="" val="1"/>
               </a:ext>
             </a:extLst>
           </p:cNvPr>
@@ -6247,7 +6240,7 @@
           <p:nvPr>
             <p:extLst>
               <p:ext uri="{386F3935-93C4-4BCD-93E2-E3B085C9AB24}">
-                <p16:designElem xmlns:p16="http://schemas.microsoft.com/office/powerpoint/2015/main" val="1"/>
+                <p16:designElem xmlns:p16="http://schemas.microsoft.com/office/powerpoint/2015/main" xmlns="" val="1"/>
               </p:ext>
             </p:extLst>
           </p:nvPr>
@@ -6278,10 +6271,10 @@
           <p:cNvPr id="68" name="Straight Connector 67">
             <a:extLst>
               <a:ext uri="{FF2B5EF4-FFF2-40B4-BE49-F238E27FC236}">
-                <a16:creationId xmlns:a16="http://schemas.microsoft.com/office/drawing/2014/main" id="{36CF827D-A163-47F7-BD87-34EB4FA7D696}"/>
+                <a16:creationId xmlns:a16="http://schemas.microsoft.com/office/drawing/2014/main" xmlns="" id="{36CF827D-A163-47F7-BD87-34EB4FA7D696}"/>
               </a:ext>
               <a:ext uri="{C183D7F6-B498-43B3-948B-1728B52AA6E4}">
-                <adec:decorative xmlns:adec="http://schemas.microsoft.com/office/drawing/2017/decorative" val="1"/>
+                <adec:decorative xmlns:adec="http://schemas.microsoft.com/office/drawing/2017/decorative" xmlns="" val="1"/>
               </a:ext>
             </a:extLst>
           </p:cNvPr>
@@ -6291,7 +6284,7 @@
           <p:nvPr>
             <p:extLst>
               <p:ext uri="{386F3935-93C4-4BCD-93E2-E3B085C9AB24}">
-                <p16:designElem xmlns:p16="http://schemas.microsoft.com/office/powerpoint/2015/main" val="1"/>
+                <p16:designElem xmlns:p16="http://schemas.microsoft.com/office/powerpoint/2015/main" xmlns="" val="1"/>
               </p:ext>
             </p:extLst>
           </p:nvPr>
@@ -6332,10 +6325,10 @@
           <p:cNvPr id="70" name="Straight Connector 69">
             <a:extLst>
               <a:ext uri="{FF2B5EF4-FFF2-40B4-BE49-F238E27FC236}">
-                <a16:creationId xmlns:a16="http://schemas.microsoft.com/office/drawing/2014/main" id="{D299D9A9-1DA8-433D-A9BC-FB48D93D4217}"/>
+                <a16:creationId xmlns:a16="http://schemas.microsoft.com/office/drawing/2014/main" xmlns="" id="{D299D9A9-1DA8-433D-A9BC-FB48D93D4217}"/>
               </a:ext>
               <a:ext uri="{C183D7F6-B498-43B3-948B-1728B52AA6E4}">
-                <adec:decorative xmlns:adec="http://schemas.microsoft.com/office/drawing/2017/decorative" val="1"/>
+                <adec:decorative xmlns:adec="http://schemas.microsoft.com/office/drawing/2017/decorative" xmlns="" val="1"/>
               </a:ext>
             </a:extLst>
           </p:cNvPr>
@@ -6345,7 +6338,7 @@
           <p:nvPr>
             <p:extLst>
               <p:ext uri="{386F3935-93C4-4BCD-93E2-E3B085C9AB24}">
-                <p16:designElem xmlns:p16="http://schemas.microsoft.com/office/powerpoint/2015/main" val="1"/>
+                <p16:designElem xmlns:p16="http://schemas.microsoft.com/office/powerpoint/2015/main" xmlns="" val="1"/>
               </p:ext>
             </p:extLst>
           </p:nvPr>
@@ -6380,10 +6373,10 @@
           <p:cNvPr id="72" name="Rectangle 71">
             <a:extLst>
               <a:ext uri="{FF2B5EF4-FFF2-40B4-BE49-F238E27FC236}">
-                <a16:creationId xmlns:a16="http://schemas.microsoft.com/office/drawing/2014/main" id="{593D0D1F-C0CE-416A-883C-BF1E03F63B4B}"/>
+                <a16:creationId xmlns:a16="http://schemas.microsoft.com/office/drawing/2014/main" xmlns="" id="{593D0D1F-C0CE-416A-883C-BF1E03F63B4B}"/>
               </a:ext>
               <a:ext uri="{C183D7F6-B498-43B3-948B-1728B52AA6E4}">
-                <adec:decorative xmlns:adec="http://schemas.microsoft.com/office/drawing/2017/decorative" val="1"/>
+                <adec:decorative xmlns:adec="http://schemas.microsoft.com/office/drawing/2017/decorative" xmlns="" val="1"/>
               </a:ext>
             </a:extLst>
           </p:cNvPr>
@@ -6393,7 +6386,7 @@
           <p:nvPr>
             <p:extLst>
               <p:ext uri="{386F3935-93C4-4BCD-93E2-E3B085C9AB24}">
-                <p16:designElem xmlns:p16="http://schemas.microsoft.com/office/powerpoint/2015/main" val="1"/>
+                <p16:designElem xmlns:p16="http://schemas.microsoft.com/office/powerpoint/2015/main" xmlns="" val="1"/>
               </p:ext>
             </p:extLst>
           </p:nvPr>
@@ -6440,10 +6433,10 @@
           <p:cNvPr id="74" name="Rectangle 73">
             <a:extLst>
               <a:ext uri="{FF2B5EF4-FFF2-40B4-BE49-F238E27FC236}">
-                <a16:creationId xmlns:a16="http://schemas.microsoft.com/office/drawing/2014/main" id="{94BB6862-3393-46CC-9A80-E400B3206A09}"/>
+                <a16:creationId xmlns:a16="http://schemas.microsoft.com/office/drawing/2014/main" xmlns="" id="{94BB6862-3393-46CC-9A80-E400B3206A09}"/>
               </a:ext>
               <a:ext uri="{C183D7F6-B498-43B3-948B-1728B52AA6E4}">
-                <adec:decorative xmlns:adec="http://schemas.microsoft.com/office/drawing/2017/decorative" val="1"/>
+                <adec:decorative xmlns:adec="http://schemas.microsoft.com/office/drawing/2017/decorative" xmlns="" val="1"/>
               </a:ext>
             </a:extLst>
           </p:cNvPr>
@@ -6453,7 +6446,7 @@
           <p:nvPr>
             <p:extLst>
               <p:ext uri="{386F3935-93C4-4BCD-93E2-E3B085C9AB24}">
-                <p16:designElem xmlns:p16="http://schemas.microsoft.com/office/powerpoint/2015/main" val="1"/>
+                <p16:designElem xmlns:p16="http://schemas.microsoft.com/office/powerpoint/2015/main" xmlns="" val="1"/>
               </p:ext>
             </p:extLst>
           </p:nvPr>
@@ -6514,7 +6507,7 @@
           <p:cNvPr id="2" name="Title 1">
             <a:extLst>
               <a:ext uri="{FF2B5EF4-FFF2-40B4-BE49-F238E27FC236}">
-                <a16:creationId xmlns:a16="http://schemas.microsoft.com/office/drawing/2014/main" id="{9C888BC2-5FB8-4A00-9D2C-ABE5250D796C}"/>
+                <a16:creationId xmlns:a16="http://schemas.microsoft.com/office/drawing/2014/main" xmlns="" id="{9C888BC2-5FB8-4A00-9D2C-ABE5250D796C}"/>
               </a:ext>
             </a:extLst>
           </p:cNvPr>
@@ -6544,6 +6537,10 @@
             <a:br>
               <a:rPr lang="en-US" sz="2200"/>
             </a:br>
+            <a:r>
+              <a:rPr lang="en-US" sz="2200"/>
+              <a:t/>
+            </a:r>
             <a:br>
               <a:rPr lang="en-US" sz="2200"/>
             </a:br>
@@ -6556,10 +6553,10 @@
           <p:cNvPr id="76" name="Group 75">
             <a:extLst>
               <a:ext uri="{FF2B5EF4-FFF2-40B4-BE49-F238E27FC236}">
-                <a16:creationId xmlns:a16="http://schemas.microsoft.com/office/drawing/2014/main" id="{ECD36A4A-123D-46E3-8A64-13B8B3F019BD}"/>
+                <a16:creationId xmlns:a16="http://schemas.microsoft.com/office/drawing/2014/main" xmlns="" id="{ECD36A4A-123D-46E3-8A64-13B8B3F019BD}"/>
               </a:ext>
               <a:ext uri="{C183D7F6-B498-43B3-948B-1728B52AA6E4}">
-                <adec:decorative xmlns:adec="http://schemas.microsoft.com/office/drawing/2017/decorative" val="1"/>
+                <adec:decorative xmlns:adec="http://schemas.microsoft.com/office/drawing/2017/decorative" xmlns="" val="1"/>
               </a:ext>
             </a:extLst>
           </p:cNvPr>
@@ -6569,7 +6566,7 @@
           <p:nvPr>
             <p:extLst>
               <p:ext uri="{386F3935-93C4-4BCD-93E2-E3B085C9AB24}">
-                <p16:designElem xmlns:p16="http://schemas.microsoft.com/office/powerpoint/2015/main" val="1"/>
+                <p16:designElem xmlns:p16="http://schemas.microsoft.com/office/powerpoint/2015/main" xmlns="" val="1"/>
               </p:ext>
             </p:extLst>
           </p:nvPr>
@@ -6587,10 +6584,10 @@
             <p:cNvPr id="77" name="Rectangle 76">
               <a:extLst>
                 <a:ext uri="{FF2B5EF4-FFF2-40B4-BE49-F238E27FC236}">
-                  <a16:creationId xmlns:a16="http://schemas.microsoft.com/office/drawing/2014/main" id="{612E2361-DAF1-4420-BBBD-218F4138ED2F}"/>
+                  <a16:creationId xmlns:a16="http://schemas.microsoft.com/office/drawing/2014/main" xmlns="" id="{612E2361-DAF1-4420-BBBD-218F4138ED2F}"/>
                 </a:ext>
                 <a:ext uri="{C183D7F6-B498-43B3-948B-1728B52AA6E4}">
-                  <adec:decorative xmlns:adec="http://schemas.microsoft.com/office/drawing/2017/decorative" val="1"/>
+                  <adec:decorative xmlns:adec="http://schemas.microsoft.com/office/drawing/2017/decorative" xmlns="" val="1"/>
                 </a:ext>
               </a:extLst>
             </p:cNvPr>
@@ -6598,7 +6595,7 @@
             <p:nvPr>
               <p:extLst>
                 <p:ext uri="{386F3935-93C4-4BCD-93E2-E3B085C9AB24}">
-                  <p16:designElem xmlns:p16="http://schemas.microsoft.com/office/powerpoint/2015/main" val="1"/>
+                  <p16:designElem xmlns:p16="http://schemas.microsoft.com/office/powerpoint/2015/main" xmlns="" val="1"/>
                 </p:ext>
               </p:extLst>
             </p:nvPr>
@@ -6668,10 +6665,10 @@
             <p:cNvPr id="78" name="Rectangle 77">
               <a:extLst>
                 <a:ext uri="{FF2B5EF4-FFF2-40B4-BE49-F238E27FC236}">
-                  <a16:creationId xmlns:a16="http://schemas.microsoft.com/office/drawing/2014/main" id="{1D6F994B-14BC-49BA-B34D-17DF3069A404}"/>
+                  <a16:creationId xmlns:a16="http://schemas.microsoft.com/office/drawing/2014/main" xmlns="" id="{1D6F994B-14BC-49BA-B34D-17DF3069A404}"/>
                 </a:ext>
                 <a:ext uri="{C183D7F6-B498-43B3-948B-1728B52AA6E4}">
-                  <adec:decorative xmlns:adec="http://schemas.microsoft.com/office/drawing/2017/decorative" val="1"/>
+                  <adec:decorative xmlns:adec="http://schemas.microsoft.com/office/drawing/2017/decorative" xmlns="" val="1"/>
                 </a:ext>
               </a:extLst>
             </p:cNvPr>
@@ -6679,7 +6676,7 @@
             <p:nvPr>
               <p:extLst>
                 <p:ext uri="{386F3935-93C4-4BCD-93E2-E3B085C9AB24}">
-                  <p16:designElem xmlns:p16="http://schemas.microsoft.com/office/powerpoint/2015/main" val="1"/>
+                  <p16:designElem xmlns:p16="http://schemas.microsoft.com/office/powerpoint/2015/main" xmlns="" val="1"/>
                 </p:ext>
               </p:extLst>
             </p:nvPr>
@@ -6753,7 +6750,7 @@
           <p:cNvPr id="5" name="Content Placeholder 4" descr="Graphical user interface, website&#10;&#10;Description automatically generated">
             <a:extLst>
               <a:ext uri="{FF2B5EF4-FFF2-40B4-BE49-F238E27FC236}">
-                <a16:creationId xmlns:a16="http://schemas.microsoft.com/office/drawing/2014/main" id="{7384D192-A3C5-452B-AF13-8700E7B80ADF}"/>
+                <a16:creationId xmlns:a16="http://schemas.microsoft.com/office/drawing/2014/main" xmlns="" id="{7384D192-A3C5-452B-AF13-8700E7B80ADF}"/>
               </a:ext>
             </a:extLst>
           </p:cNvPr>
@@ -6765,7 +6762,7 @@
           </p:nvPr>
         </p:nvPicPr>
         <p:blipFill>
-          <a:blip r:embed="rId3">
+          <a:blip r:embed="rId3" cstate="print">
             <a:extLst>
               <a:ext uri="{28A0092B-C50C-407E-A947-70E740481C1C}">
                 <a14:useLocalDpi xmlns:a14="http://schemas.microsoft.com/office/drawing/2010/main" val="0"/>
@@ -6791,10 +6788,10 @@
           <p:cNvPr id="80" name="Picture 79">
             <a:extLst>
               <a:ext uri="{FF2B5EF4-FFF2-40B4-BE49-F238E27FC236}">
-                <a16:creationId xmlns:a16="http://schemas.microsoft.com/office/drawing/2014/main" id="{55EC7096-D0A6-471D-AE28-B68D70388E32}"/>
+                <a16:creationId xmlns:a16="http://schemas.microsoft.com/office/drawing/2014/main" xmlns="" id="{55EC7096-D0A6-471D-AE28-B68D70388E32}"/>
               </a:ext>
               <a:ext uri="{C183D7F6-B498-43B3-948B-1728B52AA6E4}">
-                <adec:decorative xmlns:adec="http://schemas.microsoft.com/office/drawing/2017/decorative" val="1"/>
+                <adec:decorative xmlns:adec="http://schemas.microsoft.com/office/drawing/2017/decorative" xmlns="" val="1"/>
               </a:ext>
             </a:extLst>
           </p:cNvPr>
@@ -6804,7 +6801,7 @@
           <p:nvPr>
             <p:extLst>
               <p:ext uri="{386F3935-93C4-4BCD-93E2-E3B085C9AB24}">
-                <p16:designElem xmlns:p16="http://schemas.microsoft.com/office/powerpoint/2015/main" val="1"/>
+                <p16:designElem xmlns:p16="http://schemas.microsoft.com/office/powerpoint/2015/main" xmlns="" val="1"/>
               </p:ext>
             </p:extLst>
           </p:nvPr>
@@ -6835,10 +6832,10 @@
           <p:cNvPr id="82" name="Straight Connector 81">
             <a:extLst>
               <a:ext uri="{FF2B5EF4-FFF2-40B4-BE49-F238E27FC236}">
-                <a16:creationId xmlns:a16="http://schemas.microsoft.com/office/drawing/2014/main" id="{2E98EB88-99B6-483D-B203-0D5D63100504}"/>
+                <a16:creationId xmlns:a16="http://schemas.microsoft.com/office/drawing/2014/main" xmlns="" id="{2E98EB88-99B6-483D-B203-0D5D63100504}"/>
               </a:ext>
               <a:ext uri="{C183D7F6-B498-43B3-948B-1728B52AA6E4}">
-                <adec:decorative xmlns:adec="http://schemas.microsoft.com/office/drawing/2017/decorative" val="1"/>
+                <adec:decorative xmlns:adec="http://schemas.microsoft.com/office/drawing/2017/decorative" xmlns="" val="1"/>
               </a:ext>
             </a:extLst>
           </p:cNvPr>
@@ -6848,7 +6845,7 @@
           <p:nvPr>
             <p:extLst>
               <p:ext uri="{386F3935-93C4-4BCD-93E2-E3B085C9AB24}">
-                <p16:designElem xmlns:p16="http://schemas.microsoft.com/office/powerpoint/2015/main" val="1"/>
+                <p16:designElem xmlns:p16="http://schemas.microsoft.com/office/powerpoint/2015/main" xmlns="" val="1"/>
               </p:ext>
             </p:extLst>
           </p:nvPr>
@@ -6894,558 +6891,13 @@
   <p:clrMapOvr>
     <a:masterClrMapping/>
   </p:clrMapOvr>
-</p:sld>
-</file>
-
-<file path=ppt/slides/slide17.xml><?xml version="1.0" encoding="utf-8"?>
-<p:sld xmlns:a="http://schemas.openxmlformats.org/drawingml/2006/main" xmlns:r="http://schemas.openxmlformats.org/officeDocument/2006/relationships" xmlns:p="http://schemas.openxmlformats.org/presentationml/2006/main">
-  <p:cSld>
-    <p:bg>
-      <p:bgPr>
-        <a:gradFill rotWithShape="1">
-          <a:gsLst>
-            <a:gs pos="0">
-              <a:schemeClr val="bg1">
-                <a:tint val="94000"/>
-                <a:satMod val="80000"/>
-                <a:lumMod val="106000"/>
-              </a:schemeClr>
-            </a:gs>
-            <a:gs pos="100000">
-              <a:schemeClr val="bg1">
-                <a:shade val="80000"/>
-              </a:schemeClr>
-            </a:gs>
-          </a:gsLst>
-          <a:path path="circle">
-            <a:fillToRect l="50000" t="50000" r="50000" b="50000"/>
-          </a:path>
-        </a:gradFill>
-        <a:effectLst/>
-      </p:bgPr>
-    </p:bg>
-    <p:spTree>
-      <p:nvGrpSpPr>
-        <p:cNvPr id="1" name=""/>
-        <p:cNvGrpSpPr/>
-        <p:nvPr/>
-      </p:nvGrpSpPr>
-      <p:grpSpPr>
-        <a:xfrm>
-          <a:off x="0" y="0"/>
-          <a:ext cx="0" cy="0"/>
-          <a:chOff x="0" y="0"/>
-          <a:chExt cx="0" cy="0"/>
-        </a:xfrm>
-      </p:grpSpPr>
-      <p:sp>
-        <p:nvSpPr>
-          <p:cNvPr id="7" name="Rectangle 6">
-            <a:extLst>
-              <a:ext uri="{FF2B5EF4-FFF2-40B4-BE49-F238E27FC236}">
-                <a16:creationId xmlns:a16="http://schemas.microsoft.com/office/drawing/2014/main" id="{23522FE7-5A29-4EF6-B1EF-2CA55748A772}"/>
-              </a:ext>
-              <a:ext uri="{C183D7F6-B498-43B3-948B-1728B52AA6E4}">
-                <adec:decorative xmlns:adec="http://schemas.microsoft.com/office/drawing/2017/decorative" val="1"/>
-              </a:ext>
-            </a:extLst>
-          </p:cNvPr>
-          <p:cNvSpPr>
-            <a:spLocks noGrp="1" noRot="1" noChangeAspect="1" noMove="1" noResize="1" noEditPoints="1" noAdjustHandles="1" noChangeArrowheads="1" noChangeShapeType="1" noTextEdit="1"/>
-          </p:cNvSpPr>
-          <p:nvPr>
-            <p:extLst>
-              <p:ext uri="{386F3935-93C4-4BCD-93E2-E3B085C9AB24}">
-                <p16:designElem xmlns:p16="http://schemas.microsoft.com/office/powerpoint/2015/main" val="1"/>
-              </p:ext>
-            </p:extLst>
-          </p:nvPr>
-        </p:nvSpPr>
-        <p:spPr>
-          <a:xfrm>
-            <a:off x="0" y="2019476"/>
-            <a:ext cx="12192000" cy="4105941"/>
-          </a:xfrm>
-          <a:prstGeom prst="rect">
-            <a:avLst/>
-          </a:prstGeom>
-          <a:gradFill flip="none" rotWithShape="1">
-            <a:gsLst>
-              <a:gs pos="0">
-                <a:schemeClr val="bg2">
-                  <a:alpha val="0"/>
-                </a:schemeClr>
-              </a:gs>
-              <a:gs pos="100000">
-                <a:schemeClr val="bg2"/>
-              </a:gs>
-            </a:gsLst>
-            <a:lin ang="5400000" scaled="0"/>
-            <a:tileRect/>
-          </a:gradFill>
-          <a:ln>
-            <a:noFill/>
-          </a:ln>
-        </p:spPr>
-        <p:style>
-          <a:lnRef idx="2">
-            <a:schemeClr val="accent1">
-              <a:shade val="50000"/>
-            </a:schemeClr>
-          </a:lnRef>
-          <a:fillRef idx="1">
-            <a:schemeClr val="accent1"/>
-          </a:fillRef>
-          <a:effectRef idx="0">
-            <a:schemeClr val="accent1"/>
-          </a:effectRef>
-          <a:fontRef idx="minor">
-            <a:schemeClr val="lt1"/>
-          </a:fontRef>
-        </p:style>
-      </p:sp>
-      <p:pic>
-        <p:nvPicPr>
-          <p:cNvPr id="9" name="Picture 8">
-            <a:extLst>
-              <a:ext uri="{FF2B5EF4-FFF2-40B4-BE49-F238E27FC236}">
-                <a16:creationId xmlns:a16="http://schemas.microsoft.com/office/drawing/2014/main" id="{C2192E09-EBC7-416C-B887-DFF915D7F43D}"/>
-              </a:ext>
-              <a:ext uri="{C183D7F6-B498-43B3-948B-1728B52AA6E4}">
-                <adec:decorative xmlns:adec="http://schemas.microsoft.com/office/drawing/2017/decorative" val="1"/>
-              </a:ext>
-            </a:extLst>
-          </p:cNvPr>
-          <p:cNvPicPr>
-            <a:picLocks noGrp="1" noRot="1" noChangeAspect="1" noMove="1" noResize="1" noEditPoints="1" noAdjustHandles="1" noChangeArrowheads="1" noChangeShapeType="1" noCrop="1"/>
-          </p:cNvPicPr>
-          <p:nvPr>
-            <p:extLst>
-              <p:ext uri="{386F3935-93C4-4BCD-93E2-E3B085C9AB24}">
-                <p16:designElem xmlns:p16="http://schemas.microsoft.com/office/powerpoint/2015/main" val="1"/>
-              </p:ext>
-            </p:extLst>
-          </p:nvPr>
-        </p:nvPicPr>
-        <p:blipFill rotWithShape="1">
-          <a:blip r:embed="rId2">
-            <a:extLst>
-              <a:ext uri="{28A0092B-C50C-407E-A947-70E740481C1C}">
-                <a14:useLocalDpi xmlns:a14="http://schemas.microsoft.com/office/drawing/2010/main" val="0"/>
-              </a:ext>
-            </a:extLst>
-          </a:blip>
-          <a:srcRect t="1538" b="-1538"/>
-          <a:stretch/>
-        </p:blipFill>
-        <p:spPr bwMode="black">
-          <a:xfrm>
-            <a:off x="0" y="6126480"/>
-            <a:ext cx="12192000" cy="742950"/>
-          </a:xfrm>
-          <a:prstGeom prst="rect">
-            <a:avLst/>
-          </a:prstGeom>
-        </p:spPr>
-      </p:pic>
-      <p:cxnSp>
-        <p:nvCxnSpPr>
-          <p:cNvPr id="11" name="Straight Connector 10">
-            <a:extLst>
-              <a:ext uri="{FF2B5EF4-FFF2-40B4-BE49-F238E27FC236}">
-                <a16:creationId xmlns:a16="http://schemas.microsoft.com/office/drawing/2014/main" id="{2924498D-E084-44BE-A196-CFCE35564350}"/>
-              </a:ext>
-              <a:ext uri="{C183D7F6-B498-43B3-948B-1728B52AA6E4}">
-                <adec:decorative xmlns:adec="http://schemas.microsoft.com/office/drawing/2017/decorative" val="1"/>
-              </a:ext>
-            </a:extLst>
-          </p:cNvPr>
-          <p:cNvCxnSpPr>
-            <a:cxnSpLocks noGrp="1" noRot="1" noChangeAspect="1" noMove="1" noResize="1" noEditPoints="1" noAdjustHandles="1" noChangeArrowheads="1" noChangeShapeType="1"/>
-          </p:cNvCxnSpPr>
-          <p:nvPr>
-            <p:extLst>
-              <p:ext uri="{386F3935-93C4-4BCD-93E2-E3B085C9AB24}">
-                <p16:designElem xmlns:p16="http://schemas.microsoft.com/office/powerpoint/2015/main" val="1"/>
-              </p:ext>
-            </p:extLst>
-          </p:nvPr>
-        </p:nvCxnSpPr>
-        <p:spPr>
-          <a:xfrm>
-            <a:off x="0" y="6128413"/>
-            <a:ext cx="12192000" cy="0"/>
-          </a:xfrm>
-          <a:prstGeom prst="line">
-            <a:avLst/>
-          </a:prstGeom>
-          <a:ln w="12700">
-            <a:solidFill>
-              <a:srgbClr val="000001">
-                <a:alpha val="20000"/>
-              </a:srgbClr>
-            </a:solidFill>
-          </a:ln>
-        </p:spPr>
-        <p:style>
-          <a:lnRef idx="1">
-            <a:schemeClr val="accent1"/>
-          </a:lnRef>
-          <a:fillRef idx="0">
-            <a:schemeClr val="accent1"/>
-          </a:fillRef>
-          <a:effectRef idx="0">
-            <a:schemeClr val="accent1"/>
-          </a:effectRef>
-          <a:fontRef idx="minor">
-            <a:schemeClr val="tx1"/>
-          </a:fontRef>
-        </p:style>
-      </p:cxnSp>
-      <p:cxnSp>
-        <p:nvCxnSpPr>
-          <p:cNvPr id="13" name="Straight Connector 12">
-            <a:extLst>
-              <a:ext uri="{FF2B5EF4-FFF2-40B4-BE49-F238E27FC236}">
-                <a16:creationId xmlns:a16="http://schemas.microsoft.com/office/drawing/2014/main" id="{3BBC7667-C352-4842-9AFD-E5C16AD002F4}"/>
-              </a:ext>
-              <a:ext uri="{C183D7F6-B498-43B3-948B-1728B52AA6E4}">
-                <adec:decorative xmlns:adec="http://schemas.microsoft.com/office/drawing/2017/decorative" val="1"/>
-              </a:ext>
-            </a:extLst>
-          </p:cNvPr>
-          <p:cNvCxnSpPr>
-            <a:cxnSpLocks noGrp="1" noRot="1" noChangeAspect="1" noMove="1" noResize="1" noEditPoints="1" noAdjustHandles="1" noChangeArrowheads="1" noChangeShapeType="1"/>
-          </p:cNvCxnSpPr>
-          <p:nvPr>
-            <p:extLst>
-              <p:ext uri="{386F3935-93C4-4BCD-93E2-E3B085C9AB24}">
-                <p16:designElem xmlns:p16="http://schemas.microsoft.com/office/powerpoint/2015/main" val="1"/>
-              </p:ext>
-            </p:extLst>
-          </p:nvPr>
-        </p:nvCxnSpPr>
-        <p:spPr>
-          <a:xfrm>
-            <a:off x="2417780" y="3528542"/>
-            <a:ext cx="8637072" cy="0"/>
-          </a:xfrm>
-          <a:prstGeom prst="line">
-            <a:avLst/>
-          </a:prstGeom>
-          <a:ln w="31750"/>
-        </p:spPr>
-        <p:style>
-          <a:lnRef idx="3">
-            <a:schemeClr val="accent1"/>
-          </a:lnRef>
-          <a:fillRef idx="0">
-            <a:schemeClr val="accent1"/>
-          </a:fillRef>
-          <a:effectRef idx="2">
-            <a:schemeClr val="accent1"/>
-          </a:effectRef>
-          <a:fontRef idx="minor">
-            <a:schemeClr val="tx1"/>
-          </a:fontRef>
-        </p:style>
-      </p:cxnSp>
-      <p:sp useBgFill="1">
-        <p:nvSpPr>
-          <p:cNvPr id="15" name="Rectangle 14">
-            <a:extLst>
-              <a:ext uri="{FF2B5EF4-FFF2-40B4-BE49-F238E27FC236}">
-                <a16:creationId xmlns:a16="http://schemas.microsoft.com/office/drawing/2014/main" id="{F0AB17F6-592B-45CB-96F6-705C9825AFBC}"/>
-              </a:ext>
-              <a:ext uri="{C183D7F6-B498-43B3-948B-1728B52AA6E4}">
-                <adec:decorative xmlns:adec="http://schemas.microsoft.com/office/drawing/2017/decorative" val="1"/>
-              </a:ext>
-            </a:extLst>
-          </p:cNvPr>
-          <p:cNvSpPr>
-            <a:spLocks noGrp="1" noRot="1" noChangeAspect="1" noMove="1" noResize="1" noEditPoints="1" noAdjustHandles="1" noChangeArrowheads="1" noChangeShapeType="1" noTextEdit="1"/>
-          </p:cNvSpPr>
-          <p:nvPr>
-            <p:extLst>
-              <p:ext uri="{386F3935-93C4-4BCD-93E2-E3B085C9AB24}">
-                <p16:designElem xmlns:p16="http://schemas.microsoft.com/office/powerpoint/2015/main" val="1"/>
-              </p:ext>
-            </p:extLst>
-          </p:nvPr>
-        </p:nvSpPr>
-        <p:spPr>
-          <a:xfrm>
-            <a:off x="2" y="0"/>
-            <a:ext cx="12191695" cy="6858000"/>
-          </a:xfrm>
-          <a:prstGeom prst="rect">
-            <a:avLst/>
-          </a:prstGeom>
-          <a:ln>
-            <a:noFill/>
-          </a:ln>
-        </p:spPr>
-        <p:style>
-          <a:lnRef idx="2">
-            <a:schemeClr val="accent1">
-              <a:shade val="50000"/>
-            </a:schemeClr>
-          </a:lnRef>
-          <a:fillRef idx="1">
-            <a:schemeClr val="accent1"/>
-          </a:fillRef>
-          <a:effectRef idx="0">
-            <a:schemeClr val="accent1"/>
-          </a:effectRef>
-          <a:fontRef idx="minor">
-            <a:schemeClr val="lt1"/>
-          </a:fontRef>
-        </p:style>
-        <p:txBody>
-          <a:bodyPr rtlCol="0" anchor="ctr"/>
-          <a:lstStyle/>
-          <a:p>
-            <a:pPr algn="ctr"/>
-            <a:endParaRPr lang="en-US"/>
-          </a:p>
-        </p:txBody>
-      </p:sp>
-      <p:sp>
-        <p:nvSpPr>
-          <p:cNvPr id="2" name="Title 1">
-            <a:extLst>
-              <a:ext uri="{FF2B5EF4-FFF2-40B4-BE49-F238E27FC236}">
-                <a16:creationId xmlns:a16="http://schemas.microsoft.com/office/drawing/2014/main" id="{6FC29038-DDBC-4BFF-89F4-CE1EC9E6EEB3}"/>
-              </a:ext>
-            </a:extLst>
-          </p:cNvPr>
-          <p:cNvSpPr>
-            <a:spLocks noGrp="1"/>
-          </p:cNvSpPr>
-          <p:nvPr>
-            <p:ph type="title"/>
-          </p:nvPr>
-        </p:nvSpPr>
-        <p:spPr>
-          <a:xfrm>
-            <a:off x="4890051" y="802298"/>
-            <a:ext cx="5536097" cy="5116985"/>
-          </a:xfrm>
-        </p:spPr>
-        <p:txBody>
-          <a:bodyPr vert="horz" lIns="91440" tIns="45720" rIns="91440" bIns="0" rtlCol="0" anchor="ctr">
-            <a:normAutofit/>
-          </a:bodyPr>
-          <a:lstStyle/>
-          <a:p>
-            <a:pPr marL="1143000" indent="-1143000"/>
-            <a:r>
-              <a:rPr lang="en-US" sz="6600" dirty="0"/>
-              <a:t>8. </a:t>
-            </a:r>
-            <a:r>
-              <a:rPr lang="en-US" sz="5800" dirty="0"/>
-              <a:t>Results of analysis</a:t>
-            </a:r>
-          </a:p>
-        </p:txBody>
-      </p:sp>
-      <p:cxnSp>
-        <p:nvCxnSpPr>
-          <p:cNvPr id="17" name="Straight Connector 16">
-            <a:extLst>
-              <a:ext uri="{FF2B5EF4-FFF2-40B4-BE49-F238E27FC236}">
-                <a16:creationId xmlns:a16="http://schemas.microsoft.com/office/drawing/2014/main" id="{5A9284E7-0823-472D-9963-18D89DFEB8B4}"/>
-              </a:ext>
-              <a:ext uri="{C183D7F6-B498-43B3-948B-1728B52AA6E4}">
-                <adec:decorative xmlns:adec="http://schemas.microsoft.com/office/drawing/2017/decorative" val="1"/>
-              </a:ext>
-            </a:extLst>
-          </p:cNvPr>
-          <p:cNvCxnSpPr>
-            <a:cxnSpLocks noGrp="1" noRot="1" noChangeAspect="1" noMove="1" noResize="1" noEditPoints="1" noAdjustHandles="1" noChangeArrowheads="1" noChangeShapeType="1"/>
-          </p:cNvCxnSpPr>
-          <p:nvPr>
-            <p:extLst>
-              <p:ext uri="{386F3935-93C4-4BCD-93E2-E3B085C9AB24}">
-                <p16:designElem xmlns:p16="http://schemas.microsoft.com/office/powerpoint/2015/main" val="1"/>
-              </p:ext>
-            </p:extLst>
-          </p:nvPr>
-        </p:nvCxnSpPr>
-        <p:spPr>
-          <a:xfrm>
-            <a:off x="4654296" y="1760590"/>
-            <a:ext cx="0" cy="3200400"/>
-          </a:xfrm>
-          <a:prstGeom prst="line">
-            <a:avLst/>
-          </a:prstGeom>
-          <a:ln w="34925"/>
-        </p:spPr>
-        <p:style>
-          <a:lnRef idx="1">
-            <a:schemeClr val="accent1"/>
-          </a:lnRef>
-          <a:fillRef idx="0">
-            <a:schemeClr val="accent1"/>
-          </a:fillRef>
-          <a:effectRef idx="0">
-            <a:schemeClr val="accent1"/>
-          </a:effectRef>
-          <a:fontRef idx="minor">
-            <a:schemeClr val="tx1"/>
-          </a:fontRef>
-        </p:style>
-      </p:cxnSp>
-    </p:spTree>
-    <p:extLst>
-      <p:ext uri="{BB962C8B-B14F-4D97-AF65-F5344CB8AC3E}">
-        <p14:creationId xmlns:p14="http://schemas.microsoft.com/office/powerpoint/2010/main" val="3801121056"/>
-      </p:ext>
-    </p:extLst>
-  </p:cSld>
-  <p:clrMapOvr>
-    <a:overrideClrMapping bg1="dk1" tx1="lt1" bg2="dk2" tx2="lt2" accent1="accent1" accent2="accent2" accent3="accent3" accent4="accent4" accent5="accent5" accent6="accent6" hlink="hlink" folHlink="folHlink"/>
-  </p:clrMapOvr>
-</p:sld>
-</file>
-
-<file path=ppt/slides/slide18.xml><?xml version="1.0" encoding="utf-8"?>
-<p:sld xmlns:a="http://schemas.openxmlformats.org/drawingml/2006/main" xmlns:r="http://schemas.openxmlformats.org/officeDocument/2006/relationships" xmlns:p="http://schemas.openxmlformats.org/presentationml/2006/main">
-  <p:cSld>
-    <p:spTree>
-      <p:nvGrpSpPr>
-        <p:cNvPr id="1" name=""/>
-        <p:cNvGrpSpPr/>
-        <p:nvPr/>
-      </p:nvGrpSpPr>
-      <p:grpSpPr>
-        <a:xfrm>
-          <a:off x="0" y="0"/>
-          <a:ext cx="0" cy="0"/>
-          <a:chOff x="0" y="0"/>
-          <a:chExt cx="0" cy="0"/>
-        </a:xfrm>
-      </p:grpSpPr>
-      <p:sp>
-        <p:nvSpPr>
-          <p:cNvPr id="2" name="Title 1">
-            <a:extLst>
-              <a:ext uri="{FF2B5EF4-FFF2-40B4-BE49-F238E27FC236}">
-                <a16:creationId xmlns:a16="http://schemas.microsoft.com/office/drawing/2014/main" id="{427A07C9-2785-487F-8E6F-0A9136FD3D69}"/>
-              </a:ext>
-            </a:extLst>
-          </p:cNvPr>
-          <p:cNvSpPr>
-            <a:spLocks noGrp="1"/>
-          </p:cNvSpPr>
-          <p:nvPr>
-            <p:ph type="title"/>
-          </p:nvPr>
-        </p:nvSpPr>
-        <p:spPr>
-          <a:xfrm>
-            <a:off x="1441419" y="652119"/>
-            <a:ext cx="9603275" cy="1049235"/>
-          </a:xfrm>
-        </p:spPr>
-        <p:txBody>
-          <a:bodyPr/>
-          <a:lstStyle/>
-          <a:p>
-            <a:pPr algn="ctr"/>
-            <a:r>
-              <a:rPr lang="en-US" dirty="0">
-                <a:hlinkClick r:id="rId2"/>
-              </a:rPr>
-              <a:t>Tableau Dashboard</a:t>
-            </a:r>
-            <a:endParaRPr lang="en-US" dirty="0"/>
-          </a:p>
-        </p:txBody>
-      </p:sp>
-      <p:pic>
-        <p:nvPicPr>
-          <p:cNvPr id="5" name="Content Placeholder 4" descr="Chart, line chart&#10;&#10;Description automatically generated">
-            <a:extLst>
-              <a:ext uri="{FF2B5EF4-FFF2-40B4-BE49-F238E27FC236}">
-                <a16:creationId xmlns:a16="http://schemas.microsoft.com/office/drawing/2014/main" id="{34E48286-229E-4067-B2AB-1D5904998C9A}"/>
-              </a:ext>
-            </a:extLst>
-          </p:cNvPr>
-          <p:cNvPicPr>
-            <a:picLocks noGrp="1" noChangeAspect="1"/>
-          </p:cNvPicPr>
-          <p:nvPr>
-            <p:ph idx="1"/>
-          </p:nvPr>
-        </p:nvPicPr>
-        <p:blipFill>
-          <a:blip r:embed="rId3">
-            <a:extLst>
-              <a:ext uri="{28A0092B-C50C-407E-A947-70E740481C1C}">
-                <a14:useLocalDpi xmlns:a14="http://schemas.microsoft.com/office/drawing/2010/main" val="0"/>
-              </a:ext>
-            </a:extLst>
-          </a:blip>
-          <a:stretch>
-            <a:fillRect/>
-          </a:stretch>
-        </p:blipFill>
-        <p:spPr>
-          <a:xfrm>
-            <a:off x="1441418" y="1853564"/>
-            <a:ext cx="4856639" cy="3521558"/>
-          </a:xfrm>
-        </p:spPr>
-      </p:pic>
-      <p:pic>
-        <p:nvPicPr>
-          <p:cNvPr id="9" name="Picture 8" descr="Chart, bar chart&#10;&#10;Description automatically generated">
-            <a:extLst>
-              <a:ext uri="{FF2B5EF4-FFF2-40B4-BE49-F238E27FC236}">
-                <a16:creationId xmlns:a16="http://schemas.microsoft.com/office/drawing/2014/main" id="{8CAC0F8C-D838-45EB-A2C8-129EFE843693}"/>
-              </a:ext>
-            </a:extLst>
-          </p:cNvPr>
-          <p:cNvPicPr>
-            <a:picLocks noChangeAspect="1"/>
-          </p:cNvPicPr>
-          <p:nvPr/>
-        </p:nvPicPr>
-        <p:blipFill>
-          <a:blip r:embed="rId4">
-            <a:extLst>
-              <a:ext uri="{28A0092B-C50C-407E-A947-70E740481C1C}">
-                <a14:useLocalDpi xmlns:a14="http://schemas.microsoft.com/office/drawing/2010/main" val="0"/>
-              </a:ext>
-            </a:extLst>
-          </a:blip>
-          <a:stretch>
-            <a:fillRect/>
-          </a:stretch>
-        </p:blipFill>
-        <p:spPr>
-          <a:xfrm>
-            <a:off x="6298057" y="1869897"/>
-            <a:ext cx="4746637" cy="3505225"/>
-          </a:xfrm>
-          <a:prstGeom prst="rect">
-            <a:avLst/>
-          </a:prstGeom>
-        </p:spPr>
-      </p:pic>
-    </p:spTree>
-    <p:extLst>
-      <p:ext uri="{BB962C8B-B14F-4D97-AF65-F5344CB8AC3E}">
-        <p14:creationId xmlns:p14="http://schemas.microsoft.com/office/powerpoint/2010/main" val="2978256746"/>
-      </p:ext>
-    </p:extLst>
-  </p:cSld>
-  <p:clrMapOvr>
-    <a:masterClrMapping/>
-  </p:clrMapOvr>
+  <p:timing>
+    <p:tnLst>
+      <p:par>
+        <p:cTn id="1" dur="indefinite" restart="never" nodeType="tmRoot"/>
+      </p:par>
+    </p:tnLst>
+  </p:timing>
 </p:sld>
 </file>
 
@@ -7495,10 +6947,10 @@
           <p:cNvPr id="7" name="Rectangle 6">
             <a:extLst>
               <a:ext uri="{FF2B5EF4-FFF2-40B4-BE49-F238E27FC236}">
-                <a16:creationId xmlns:a16="http://schemas.microsoft.com/office/drawing/2014/main" id="{23522FE7-5A29-4EF6-B1EF-2CA55748A772}"/>
+                <a16:creationId xmlns:a16="http://schemas.microsoft.com/office/drawing/2014/main" xmlns="" id="{23522FE7-5A29-4EF6-B1EF-2CA55748A772}"/>
               </a:ext>
               <a:ext uri="{C183D7F6-B498-43B3-948B-1728B52AA6E4}">
-                <adec:decorative xmlns:adec="http://schemas.microsoft.com/office/drawing/2017/decorative" val="1"/>
+                <adec:decorative xmlns:adec="http://schemas.microsoft.com/office/drawing/2017/decorative" xmlns="" val="1"/>
               </a:ext>
             </a:extLst>
           </p:cNvPr>
@@ -7508,7 +6960,7 @@
           <p:nvPr>
             <p:extLst>
               <p:ext uri="{386F3935-93C4-4BCD-93E2-E3B085C9AB24}">
-                <p16:designElem xmlns:p16="http://schemas.microsoft.com/office/powerpoint/2015/main" val="1"/>
+                <p16:designElem xmlns:p16="http://schemas.microsoft.com/office/powerpoint/2015/main" xmlns="" val="1"/>
               </p:ext>
             </p:extLst>
           </p:nvPr>
@@ -7561,10 +7013,10 @@
           <p:cNvPr id="9" name="Picture 8">
             <a:extLst>
               <a:ext uri="{FF2B5EF4-FFF2-40B4-BE49-F238E27FC236}">
-                <a16:creationId xmlns:a16="http://schemas.microsoft.com/office/drawing/2014/main" id="{C2192E09-EBC7-416C-B887-DFF915D7F43D}"/>
+                <a16:creationId xmlns:a16="http://schemas.microsoft.com/office/drawing/2014/main" xmlns="" id="{C2192E09-EBC7-416C-B887-DFF915D7F43D}"/>
               </a:ext>
               <a:ext uri="{C183D7F6-B498-43B3-948B-1728B52AA6E4}">
-                <adec:decorative xmlns:adec="http://schemas.microsoft.com/office/drawing/2017/decorative" val="1"/>
+                <adec:decorative xmlns:adec="http://schemas.microsoft.com/office/drawing/2017/decorative" xmlns="" val="1"/>
               </a:ext>
             </a:extLst>
           </p:cNvPr>
@@ -7574,7 +7026,7 @@
           <p:nvPr>
             <p:extLst>
               <p:ext uri="{386F3935-93C4-4BCD-93E2-E3B085C9AB24}">
-                <p16:designElem xmlns:p16="http://schemas.microsoft.com/office/powerpoint/2015/main" val="1"/>
+                <p16:designElem xmlns:p16="http://schemas.microsoft.com/office/powerpoint/2015/main" xmlns="" val="1"/>
               </p:ext>
             </p:extLst>
           </p:nvPr>
@@ -7605,10 +7057,10 @@
           <p:cNvPr id="11" name="Straight Connector 10">
             <a:extLst>
               <a:ext uri="{FF2B5EF4-FFF2-40B4-BE49-F238E27FC236}">
-                <a16:creationId xmlns:a16="http://schemas.microsoft.com/office/drawing/2014/main" id="{2924498D-E084-44BE-A196-CFCE35564350}"/>
+                <a16:creationId xmlns:a16="http://schemas.microsoft.com/office/drawing/2014/main" xmlns="" id="{2924498D-E084-44BE-A196-CFCE35564350}"/>
               </a:ext>
               <a:ext uri="{C183D7F6-B498-43B3-948B-1728B52AA6E4}">
-                <adec:decorative xmlns:adec="http://schemas.microsoft.com/office/drawing/2017/decorative" val="1"/>
+                <adec:decorative xmlns:adec="http://schemas.microsoft.com/office/drawing/2017/decorative" xmlns="" val="1"/>
               </a:ext>
             </a:extLst>
           </p:cNvPr>
@@ -7618,7 +7070,7 @@
           <p:nvPr>
             <p:extLst>
               <p:ext uri="{386F3935-93C4-4BCD-93E2-E3B085C9AB24}">
-                <p16:designElem xmlns:p16="http://schemas.microsoft.com/office/powerpoint/2015/main" val="1"/>
+                <p16:designElem xmlns:p16="http://schemas.microsoft.com/office/powerpoint/2015/main" xmlns="" val="1"/>
               </p:ext>
             </p:extLst>
           </p:nvPr>
@@ -7659,10 +7111,10 @@
           <p:cNvPr id="13" name="Straight Connector 12">
             <a:extLst>
               <a:ext uri="{FF2B5EF4-FFF2-40B4-BE49-F238E27FC236}">
-                <a16:creationId xmlns:a16="http://schemas.microsoft.com/office/drawing/2014/main" id="{3BBC7667-C352-4842-9AFD-E5C16AD002F4}"/>
+                <a16:creationId xmlns:a16="http://schemas.microsoft.com/office/drawing/2014/main" xmlns="" id="{3BBC7667-C352-4842-9AFD-E5C16AD002F4}"/>
               </a:ext>
               <a:ext uri="{C183D7F6-B498-43B3-948B-1728B52AA6E4}">
-                <adec:decorative xmlns:adec="http://schemas.microsoft.com/office/drawing/2017/decorative" val="1"/>
+                <adec:decorative xmlns:adec="http://schemas.microsoft.com/office/drawing/2017/decorative" xmlns="" val="1"/>
               </a:ext>
             </a:extLst>
           </p:cNvPr>
@@ -7672,7 +7124,7 @@
           <p:nvPr>
             <p:extLst>
               <p:ext uri="{386F3935-93C4-4BCD-93E2-E3B085C9AB24}">
-                <p16:designElem xmlns:p16="http://schemas.microsoft.com/office/powerpoint/2015/main" val="1"/>
+                <p16:designElem xmlns:p16="http://schemas.microsoft.com/office/powerpoint/2015/main" xmlns="" val="1"/>
               </p:ext>
             </p:extLst>
           </p:nvPr>
@@ -7707,10 +7159,10 @@
           <p:cNvPr id="15" name="Rectangle 14">
             <a:extLst>
               <a:ext uri="{FF2B5EF4-FFF2-40B4-BE49-F238E27FC236}">
-                <a16:creationId xmlns:a16="http://schemas.microsoft.com/office/drawing/2014/main" id="{F0AB17F6-592B-45CB-96F6-705C9825AFBC}"/>
+                <a16:creationId xmlns:a16="http://schemas.microsoft.com/office/drawing/2014/main" xmlns="" id="{F0AB17F6-592B-45CB-96F6-705C9825AFBC}"/>
               </a:ext>
               <a:ext uri="{C183D7F6-B498-43B3-948B-1728B52AA6E4}">
-                <adec:decorative xmlns:adec="http://schemas.microsoft.com/office/drawing/2017/decorative" val="1"/>
+                <adec:decorative xmlns:adec="http://schemas.microsoft.com/office/drawing/2017/decorative" xmlns="" val="1"/>
               </a:ext>
             </a:extLst>
           </p:cNvPr>
@@ -7720,7 +7172,7 @@
           <p:nvPr>
             <p:extLst>
               <p:ext uri="{386F3935-93C4-4BCD-93E2-E3B085C9AB24}">
-                <p16:designElem xmlns:p16="http://schemas.microsoft.com/office/powerpoint/2015/main" val="1"/>
+                <p16:designElem xmlns:p16="http://schemas.microsoft.com/office/powerpoint/2015/main" xmlns="" val="1"/>
               </p:ext>
             </p:extLst>
           </p:nvPr>
@@ -7767,7 +7219,7 @@
           <p:cNvPr id="2" name="Title 1">
             <a:extLst>
               <a:ext uri="{FF2B5EF4-FFF2-40B4-BE49-F238E27FC236}">
-                <a16:creationId xmlns:a16="http://schemas.microsoft.com/office/drawing/2014/main" id="{6FC29038-DDBC-4BFF-89F4-CE1EC9E6EEB3}"/>
+                <a16:creationId xmlns:a16="http://schemas.microsoft.com/office/drawing/2014/main" xmlns="" id="{6FC29038-DDBC-4BFF-89F4-CE1EC9E6EEB3}"/>
               </a:ext>
             </a:extLst>
           </p:cNvPr>
@@ -7780,8 +7232,8 @@
         </p:nvSpPr>
         <p:spPr>
           <a:xfrm>
-            <a:off x="4780727" y="802298"/>
-            <a:ext cx="5923716" cy="5116985"/>
+            <a:off x="4890051" y="802298"/>
+            <a:ext cx="5536097" cy="5116985"/>
           </a:xfrm>
         </p:spPr>
         <p:txBody>
@@ -7793,11 +7245,11 @@
             <a:pPr marL="1143000" indent="-1143000"/>
             <a:r>
               <a:rPr lang="en-US" sz="6600" dirty="0"/>
-              <a:t>9. </a:t>
+              <a:t>8. </a:t>
             </a:r>
             <a:r>
-              <a:rPr lang="en-US" sz="3500" dirty="0"/>
-              <a:t>Recommendations for future analysis</a:t>
+              <a:rPr lang="en-US" sz="5800" dirty="0"/>
+              <a:t>Results of analysis</a:t>
             </a:r>
           </a:p>
         </p:txBody>
@@ -7807,10 +7259,10 @@
           <p:cNvPr id="17" name="Straight Connector 16">
             <a:extLst>
               <a:ext uri="{FF2B5EF4-FFF2-40B4-BE49-F238E27FC236}">
-                <a16:creationId xmlns:a16="http://schemas.microsoft.com/office/drawing/2014/main" id="{5A9284E7-0823-472D-9963-18D89DFEB8B4}"/>
+                <a16:creationId xmlns:a16="http://schemas.microsoft.com/office/drawing/2014/main" xmlns="" id="{5A9284E7-0823-472D-9963-18D89DFEB8B4}"/>
               </a:ext>
               <a:ext uri="{C183D7F6-B498-43B3-948B-1728B52AA6E4}">
-                <adec:decorative xmlns:adec="http://schemas.microsoft.com/office/drawing/2017/decorative" val="1"/>
+                <adec:decorative xmlns:adec="http://schemas.microsoft.com/office/drawing/2017/decorative" xmlns="" val="1"/>
               </a:ext>
             </a:extLst>
           </p:cNvPr>
@@ -7820,7 +7272,7 @@
           <p:nvPr>
             <p:extLst>
               <p:ext uri="{386F3935-93C4-4BCD-93E2-E3B085C9AB24}">
-                <p16:designElem xmlns:p16="http://schemas.microsoft.com/office/powerpoint/2015/main" val="1"/>
+                <p16:designElem xmlns:p16="http://schemas.microsoft.com/office/powerpoint/2015/main" xmlns="" val="1"/>
               </p:ext>
             </p:extLst>
           </p:nvPr>
@@ -7853,13 +7305,20 @@
     </p:spTree>
     <p:extLst>
       <p:ext uri="{BB962C8B-B14F-4D97-AF65-F5344CB8AC3E}">
-        <p14:creationId xmlns:p14="http://schemas.microsoft.com/office/powerpoint/2010/main" val="3686660874"/>
+        <p14:creationId xmlns:p14="http://schemas.microsoft.com/office/powerpoint/2010/main" val="3801121056"/>
       </p:ext>
     </p:extLst>
   </p:cSld>
   <p:clrMapOvr>
     <a:overrideClrMapping bg1="dk1" tx1="lt1" bg2="dk2" tx2="lt2" accent1="accent1" accent2="accent2" accent3="accent3" accent4="accent4" accent5="accent5" accent6="accent6" hlink="hlink" folHlink="folHlink"/>
   </p:clrMapOvr>
+  <p:timing>
+    <p:tnLst>
+      <p:par>
+        <p:cTn id="1" dur="indefinite" restart="never" nodeType="tmRoot"/>
+      </p:par>
+    </p:tnLst>
+  </p:timing>
 </p:sld>
 </file>
 
@@ -7909,10 +7368,10 @@
           <p:cNvPr id="90" name="Rectangle 89">
             <a:extLst>
               <a:ext uri="{FF2B5EF4-FFF2-40B4-BE49-F238E27FC236}">
-                <a16:creationId xmlns:a16="http://schemas.microsoft.com/office/drawing/2014/main" id="{9AB26DBC-1F7F-4AC0-A88C-69712701E629}"/>
+                <a16:creationId xmlns:a16="http://schemas.microsoft.com/office/drawing/2014/main" xmlns="" id="{9AB26DBC-1F7F-4AC0-A88C-69712701E629}"/>
               </a:ext>
               <a:ext uri="{C183D7F6-B498-43B3-948B-1728B52AA6E4}">
-                <adec:decorative xmlns:adec="http://schemas.microsoft.com/office/drawing/2017/decorative" val="1"/>
+                <adec:decorative xmlns:adec="http://schemas.microsoft.com/office/drawing/2017/decorative" xmlns="" val="1"/>
               </a:ext>
             </a:extLst>
           </p:cNvPr>
@@ -7922,7 +7381,7 @@
           <p:nvPr>
             <p:extLst>
               <p:ext uri="{386F3935-93C4-4BCD-93E2-E3B085C9AB24}">
-                <p16:designElem xmlns:p16="http://schemas.microsoft.com/office/powerpoint/2015/main" val="1"/>
+                <p16:designElem xmlns:p16="http://schemas.microsoft.com/office/powerpoint/2015/main" xmlns="" val="1"/>
               </p:ext>
             </p:extLst>
           </p:nvPr>
@@ -7969,10 +7428,10 @@
           <p:cNvPr id="92" name="Rectangle 91">
             <a:extLst>
               <a:ext uri="{FF2B5EF4-FFF2-40B4-BE49-F238E27FC236}">
-                <a16:creationId xmlns:a16="http://schemas.microsoft.com/office/drawing/2014/main" id="{6F099884-7695-4976-8EBD-ECB5AF05355F}"/>
+                <a16:creationId xmlns:a16="http://schemas.microsoft.com/office/drawing/2014/main" xmlns="" id="{6F099884-7695-4976-8EBD-ECB5AF05355F}"/>
               </a:ext>
               <a:ext uri="{C183D7F6-B498-43B3-948B-1728B52AA6E4}">
-                <adec:decorative xmlns:adec="http://schemas.microsoft.com/office/drawing/2017/decorative" val="1"/>
+                <adec:decorative xmlns:adec="http://schemas.microsoft.com/office/drawing/2017/decorative" xmlns="" val="1"/>
               </a:ext>
             </a:extLst>
           </p:cNvPr>
@@ -7982,7 +7441,7 @@
           <p:nvPr>
             <p:extLst>
               <p:ext uri="{386F3935-93C4-4BCD-93E2-E3B085C9AB24}">
-                <p16:designElem xmlns:p16="http://schemas.microsoft.com/office/powerpoint/2015/main" val="1"/>
+                <p16:designElem xmlns:p16="http://schemas.microsoft.com/office/powerpoint/2015/main" xmlns="" val="1"/>
               </p:ext>
             </p:extLst>
           </p:nvPr>
@@ -8043,7 +7502,7 @@
           <p:cNvPr id="2" name="Title 1">
             <a:extLst>
               <a:ext uri="{FF2B5EF4-FFF2-40B4-BE49-F238E27FC236}">
-                <a16:creationId xmlns:a16="http://schemas.microsoft.com/office/drawing/2014/main" id="{2E025604-A81D-4F18-82B3-98894BAF829C}"/>
+                <a16:creationId xmlns:a16="http://schemas.microsoft.com/office/drawing/2014/main" xmlns="" id="{2E025604-A81D-4F18-82B3-98894BAF829C}"/>
               </a:ext>
             </a:extLst>
           </p:cNvPr>
@@ -8079,7 +7538,7 @@
           <p:cNvPr id="3" name="Subtitle 2">
             <a:extLst>
               <a:ext uri="{FF2B5EF4-FFF2-40B4-BE49-F238E27FC236}">
-                <a16:creationId xmlns:a16="http://schemas.microsoft.com/office/drawing/2014/main" id="{E9D15432-801C-4592-9DCE-0CB4042BB4CA}"/>
+                <a16:creationId xmlns:a16="http://schemas.microsoft.com/office/drawing/2014/main" xmlns="" id="{E9D15432-801C-4592-9DCE-0CB4042BB4CA}"/>
               </a:ext>
             </a:extLst>
           </p:cNvPr>
@@ -8204,10 +7663,10 @@
           <p:cNvPr id="94" name="Group 93">
             <a:extLst>
               <a:ext uri="{FF2B5EF4-FFF2-40B4-BE49-F238E27FC236}">
-                <a16:creationId xmlns:a16="http://schemas.microsoft.com/office/drawing/2014/main" id="{32F6B6B9-C579-41A6-A7D1-A7AB4AA6D233}"/>
+                <a16:creationId xmlns:a16="http://schemas.microsoft.com/office/drawing/2014/main" xmlns="" id="{32F6B6B9-C579-41A6-A7D1-A7AB4AA6D233}"/>
               </a:ext>
               <a:ext uri="{C183D7F6-B498-43B3-948B-1728B52AA6E4}">
-                <adec:decorative xmlns:adec="http://schemas.microsoft.com/office/drawing/2017/decorative" val="1"/>
+                <adec:decorative xmlns:adec="http://schemas.microsoft.com/office/drawing/2017/decorative" xmlns="" val="1"/>
               </a:ext>
             </a:extLst>
           </p:cNvPr>
@@ -8217,7 +7676,7 @@
           <p:nvPr>
             <p:extLst>
               <p:ext uri="{386F3935-93C4-4BCD-93E2-E3B085C9AB24}">
-                <p16:designElem xmlns:p16="http://schemas.microsoft.com/office/powerpoint/2015/main" val="1"/>
+                <p16:designElem xmlns:p16="http://schemas.microsoft.com/office/powerpoint/2015/main" xmlns="" val="1"/>
               </p:ext>
             </p:extLst>
           </p:nvPr>
@@ -8235,10 +7694,10 @@
             <p:cNvPr id="95" name="Rectangle 94">
               <a:extLst>
                 <a:ext uri="{FF2B5EF4-FFF2-40B4-BE49-F238E27FC236}">
-                  <a16:creationId xmlns:a16="http://schemas.microsoft.com/office/drawing/2014/main" id="{DC0B55B5-5A26-423B-ACDC-B151A280A1D6}"/>
+                  <a16:creationId xmlns:a16="http://schemas.microsoft.com/office/drawing/2014/main" xmlns="" id="{DC0B55B5-5A26-423B-ACDC-B151A280A1D6}"/>
                 </a:ext>
                 <a:ext uri="{C183D7F6-B498-43B3-948B-1728B52AA6E4}">
-                  <adec:decorative xmlns:adec="http://schemas.microsoft.com/office/drawing/2017/decorative" val="1"/>
+                  <adec:decorative xmlns:adec="http://schemas.microsoft.com/office/drawing/2017/decorative" xmlns="" val="1"/>
                 </a:ext>
               </a:extLst>
             </p:cNvPr>
@@ -8246,7 +7705,7 @@
             <p:nvPr>
               <p:extLst>
                 <p:ext uri="{386F3935-93C4-4BCD-93E2-E3B085C9AB24}">
-                  <p16:designElem xmlns:p16="http://schemas.microsoft.com/office/powerpoint/2015/main" val="1"/>
+                  <p16:designElem xmlns:p16="http://schemas.microsoft.com/office/powerpoint/2015/main" xmlns="" val="1"/>
                 </p:ext>
               </p:extLst>
             </p:nvPr>
@@ -8316,10 +7775,10 @@
             <p:cNvPr id="96" name="Rectangle 95">
               <a:extLst>
                 <a:ext uri="{FF2B5EF4-FFF2-40B4-BE49-F238E27FC236}">
-                  <a16:creationId xmlns:a16="http://schemas.microsoft.com/office/drawing/2014/main" id="{8AD2DF8D-6B65-43EB-86A8-9DB52572A032}"/>
+                  <a16:creationId xmlns:a16="http://schemas.microsoft.com/office/drawing/2014/main" xmlns="" id="{8AD2DF8D-6B65-43EB-86A8-9DB52572A032}"/>
                 </a:ext>
                 <a:ext uri="{C183D7F6-B498-43B3-948B-1728B52AA6E4}">
-                  <adec:decorative xmlns:adec="http://schemas.microsoft.com/office/drawing/2017/decorative" val="1"/>
+                  <adec:decorative xmlns:adec="http://schemas.microsoft.com/office/drawing/2017/decorative" xmlns="" val="1"/>
                 </a:ext>
               </a:extLst>
             </p:cNvPr>
@@ -8327,7 +7786,7 @@
             <p:nvPr>
               <p:extLst>
                 <p:ext uri="{386F3935-93C4-4BCD-93E2-E3B085C9AB24}">
-                  <p16:designElem xmlns:p16="http://schemas.microsoft.com/office/powerpoint/2015/main" val="1"/>
+                  <p16:designElem xmlns:p16="http://schemas.microsoft.com/office/powerpoint/2015/main" xmlns="" val="1"/>
                 </p:ext>
               </p:extLst>
             </p:nvPr>
@@ -8401,10 +7860,10 @@
           <p:cNvPr id="98" name="Rectangle 97">
             <a:extLst>
               <a:ext uri="{FF2B5EF4-FFF2-40B4-BE49-F238E27FC236}">
-                <a16:creationId xmlns:a16="http://schemas.microsoft.com/office/drawing/2014/main" id="{74163961-0280-48BA-BC84-97E03B009955}"/>
+                <a16:creationId xmlns:a16="http://schemas.microsoft.com/office/drawing/2014/main" xmlns="" id="{74163961-0280-48BA-BC84-97E03B009955}"/>
               </a:ext>
               <a:ext uri="{C183D7F6-B498-43B3-948B-1728B52AA6E4}">
-                <adec:decorative xmlns:adec="http://schemas.microsoft.com/office/drawing/2017/decorative" val="1"/>
+                <adec:decorative xmlns:adec="http://schemas.microsoft.com/office/drawing/2017/decorative" xmlns="" val="1"/>
               </a:ext>
             </a:extLst>
           </p:cNvPr>
@@ -8414,7 +7873,7 @@
           <p:nvPr>
             <p:extLst>
               <p:ext uri="{386F3935-93C4-4BCD-93E2-E3B085C9AB24}">
-                <p16:designElem xmlns:p16="http://schemas.microsoft.com/office/powerpoint/2015/main" val="1"/>
+                <p16:designElem xmlns:p16="http://schemas.microsoft.com/office/powerpoint/2015/main" xmlns="" val="1"/>
               </p:ext>
             </p:extLst>
           </p:nvPr>
@@ -8466,7 +7925,7 @@
           <p:cNvPr id="31" name="Picture 3" descr="Scribbles on a notebook">
             <a:extLst>
               <a:ext uri="{FF2B5EF4-FFF2-40B4-BE49-F238E27FC236}">
-                <a16:creationId xmlns:a16="http://schemas.microsoft.com/office/drawing/2014/main" id="{552BC37F-B83E-0A14-C568-9D7AF3908C92}"/>
+                <a16:creationId xmlns:a16="http://schemas.microsoft.com/office/drawing/2014/main" xmlns="" id="{552BC37F-B83E-0A14-C568-9D7AF3908C92}"/>
               </a:ext>
             </a:extLst>
           </p:cNvPr>
@@ -8495,10 +7954,10 @@
           <p:cNvPr id="100" name="Straight Connector 99">
             <a:extLst>
               <a:ext uri="{FF2B5EF4-FFF2-40B4-BE49-F238E27FC236}">
-                <a16:creationId xmlns:a16="http://schemas.microsoft.com/office/drawing/2014/main" id="{BFAC20BB-5902-4D8F-9A2A-E4B516EF39DE}"/>
+                <a16:creationId xmlns:a16="http://schemas.microsoft.com/office/drawing/2014/main" xmlns="" id="{BFAC20BB-5902-4D8F-9A2A-E4B516EF39DE}"/>
               </a:ext>
               <a:ext uri="{C183D7F6-B498-43B3-948B-1728B52AA6E4}">
-                <adec:decorative xmlns:adec="http://schemas.microsoft.com/office/drawing/2017/decorative" val="1"/>
+                <adec:decorative xmlns:adec="http://schemas.microsoft.com/office/drawing/2017/decorative" xmlns="" val="1"/>
               </a:ext>
             </a:extLst>
           </p:cNvPr>
@@ -8508,7 +7967,7 @@
           <p:nvPr>
             <p:extLst>
               <p:ext uri="{386F3935-93C4-4BCD-93E2-E3B085C9AB24}">
-                <p16:designElem xmlns:p16="http://schemas.microsoft.com/office/powerpoint/2015/main" val="1"/>
+                <p16:designElem xmlns:p16="http://schemas.microsoft.com/office/powerpoint/2015/main" xmlns="" val="1"/>
               </p:ext>
             </p:extLst>
           </p:nvPr>
@@ -8543,10 +8002,10 @@
           <p:cNvPr id="159" name="Picture 101">
             <a:extLst>
               <a:ext uri="{FF2B5EF4-FFF2-40B4-BE49-F238E27FC236}">
-                <a16:creationId xmlns:a16="http://schemas.microsoft.com/office/drawing/2014/main" id="{FC7852F8-6371-4D0E-ADF1-AD67B8FD8F9E}"/>
+                <a16:creationId xmlns:a16="http://schemas.microsoft.com/office/drawing/2014/main" xmlns="" id="{FC7852F8-6371-4D0E-ADF1-AD67B8FD8F9E}"/>
               </a:ext>
               <a:ext uri="{C183D7F6-B498-43B3-948B-1728B52AA6E4}">
-                <adec:decorative xmlns:adec="http://schemas.microsoft.com/office/drawing/2017/decorative" val="1"/>
+                <adec:decorative xmlns:adec="http://schemas.microsoft.com/office/drawing/2017/decorative" xmlns="" val="1"/>
               </a:ext>
             </a:extLst>
           </p:cNvPr>
@@ -8556,7 +8015,7 @@
           <p:nvPr>
             <p:extLst>
               <p:ext uri="{386F3935-93C4-4BCD-93E2-E3B085C9AB24}">
-                <p16:designElem xmlns:p16="http://schemas.microsoft.com/office/powerpoint/2015/main" val="1"/>
+                <p16:designElem xmlns:p16="http://schemas.microsoft.com/office/powerpoint/2015/main" xmlns="" val="1"/>
               </p:ext>
             </p:extLst>
           </p:nvPr>
@@ -8587,10 +8046,10 @@
           <p:cNvPr id="160" name="Straight Connector 103">
             <a:extLst>
               <a:ext uri="{FF2B5EF4-FFF2-40B4-BE49-F238E27FC236}">
-                <a16:creationId xmlns:a16="http://schemas.microsoft.com/office/drawing/2014/main" id="{60356817-A471-4572-AE96-579F6D6BFD9B}"/>
+                <a16:creationId xmlns:a16="http://schemas.microsoft.com/office/drawing/2014/main" xmlns="" id="{60356817-A471-4572-AE96-579F6D6BFD9B}"/>
               </a:ext>
               <a:ext uri="{C183D7F6-B498-43B3-948B-1728B52AA6E4}">
-                <adec:decorative xmlns:adec="http://schemas.microsoft.com/office/drawing/2017/decorative" val="1"/>
+                <adec:decorative xmlns:adec="http://schemas.microsoft.com/office/drawing/2017/decorative" xmlns="" val="1"/>
               </a:ext>
             </a:extLst>
           </p:cNvPr>
@@ -8600,7 +8059,7 @@
           <p:nvPr>
             <p:extLst>
               <p:ext uri="{386F3935-93C4-4BCD-93E2-E3B085C9AB24}">
-                <p16:designElem xmlns:p16="http://schemas.microsoft.com/office/powerpoint/2015/main" val="1"/>
+                <p16:designElem xmlns:p16="http://schemas.microsoft.com/office/powerpoint/2015/main" xmlns="" val="1"/>
               </p:ext>
             </p:extLst>
           </p:nvPr>
@@ -9111,30 +8570,6 @@
 <file path=ppt/slides/slide20.xml><?xml version="1.0" encoding="utf-8"?>
 <p:sld xmlns:a="http://schemas.openxmlformats.org/drawingml/2006/main" xmlns:r="http://schemas.openxmlformats.org/officeDocument/2006/relationships" xmlns:p="http://schemas.openxmlformats.org/presentationml/2006/main">
   <p:cSld>
-    <p:bg>
-      <p:bgPr>
-        <a:gradFill rotWithShape="1">
-          <a:gsLst>
-            <a:gs pos="0">
-              <a:schemeClr val="bg2">
-                <a:tint val="94000"/>
-                <a:satMod val="80000"/>
-                <a:lumMod val="106000"/>
-              </a:schemeClr>
-            </a:gs>
-            <a:gs pos="100000">
-              <a:schemeClr val="bg2">
-                <a:shade val="80000"/>
-              </a:schemeClr>
-            </a:gs>
-          </a:gsLst>
-          <a:path path="circle">
-            <a:fillToRect l="43000" r="43000" b="100000"/>
-          </a:path>
-        </a:gradFill>
-        <a:effectLst/>
-      </p:bgPr>
-    </p:bg>
     <p:spTree>
       <p:nvGrpSpPr>
         <p:cNvPr id="1" name=""/>
@@ -9151,174 +8586,47 @@
       </p:grpSpPr>
       <p:sp>
         <p:nvSpPr>
-          <p:cNvPr id="54" name="Rectangle 53">
-            <a:extLst>
-              <a:ext uri="{FF2B5EF4-FFF2-40B4-BE49-F238E27FC236}">
-                <a16:creationId xmlns:a16="http://schemas.microsoft.com/office/drawing/2014/main" id="{2FAC8C30-93FA-4F99-80C4-C952D83A4950}"/>
-              </a:ext>
-              <a:ext uri="{C183D7F6-B498-43B3-948B-1728B52AA6E4}">
-                <adec:decorative xmlns:adec="http://schemas.microsoft.com/office/drawing/2017/decorative" val="1"/>
+          <p:cNvPr id="2" name="Title 1">
+            <a:extLst>
+              <a:ext uri="{FF2B5EF4-FFF2-40B4-BE49-F238E27FC236}">
+                <a16:creationId xmlns:a16="http://schemas.microsoft.com/office/drawing/2014/main" xmlns="" id="{427A07C9-2785-487F-8E6F-0A9136FD3D69}"/>
               </a:ext>
             </a:extLst>
           </p:cNvPr>
           <p:cNvSpPr>
-            <a:spLocks noGrp="1" noRot="1" noChangeAspect="1" noMove="1" noResize="1" noEditPoints="1" noAdjustHandles="1" noChangeArrowheads="1" noChangeShapeType="1" noTextEdit="1"/>
+            <a:spLocks noGrp="1"/>
           </p:cNvSpPr>
           <p:nvPr>
-            <p:extLst>
-              <p:ext uri="{386F3935-93C4-4BCD-93E2-E3B085C9AB24}">
-                <p16:designElem xmlns:p16="http://schemas.microsoft.com/office/powerpoint/2015/main" val="1"/>
-              </p:ext>
-            </p:extLst>
+            <p:ph type="title"/>
           </p:nvPr>
         </p:nvSpPr>
         <p:spPr>
           <a:xfrm>
-            <a:off x="0" y="2019476"/>
-            <a:ext cx="12192000" cy="4105941"/>
-          </a:xfrm>
-          <a:prstGeom prst="rect">
-            <a:avLst/>
-          </a:prstGeom>
-          <a:gradFill flip="none" rotWithShape="1">
-            <a:gsLst>
-              <a:gs pos="0">
-                <a:schemeClr val="bg2">
-                  <a:alpha val="0"/>
-                </a:schemeClr>
-              </a:gs>
-              <a:gs pos="100000">
-                <a:schemeClr val="bg2"/>
-              </a:gs>
-            </a:gsLst>
-            <a:lin ang="5400000" scaled="0"/>
-            <a:tileRect/>
-          </a:gradFill>
-          <a:ln>
-            <a:noFill/>
-          </a:ln>
-        </p:spPr>
-        <p:style>
-          <a:lnRef idx="2">
-            <a:schemeClr val="accent1">
-              <a:shade val="50000"/>
-            </a:schemeClr>
-          </a:lnRef>
-          <a:fillRef idx="1">
-            <a:schemeClr val="accent1"/>
-          </a:fillRef>
-          <a:effectRef idx="0">
-            <a:schemeClr val="accent1"/>
-          </a:effectRef>
-          <a:fontRef idx="minor">
-            <a:schemeClr val="lt1"/>
-          </a:fontRef>
-        </p:style>
+            <a:off x="1441419" y="652119"/>
+            <a:ext cx="9603275" cy="1049235"/>
+          </a:xfrm>
+        </p:spPr>
+        <p:txBody>
+          <a:bodyPr/>
+          <a:lstStyle/>
+          <a:p>
+            <a:pPr algn="ctr"/>
+            <a:r>
+              <a:rPr lang="en-US" dirty="0">
+                <a:hlinkClick r:id="rId2"/>
+              </a:rPr>
+              <a:t>Tableau Dashboard</a:t>
+            </a:r>
+            <a:endParaRPr lang="en-US" dirty="0"/>
+          </a:p>
+        </p:txBody>
       </p:sp>
       <p:pic>
         <p:nvPicPr>
-          <p:cNvPr id="56" name="Picture 55">
-            <a:extLst>
-              <a:ext uri="{FF2B5EF4-FFF2-40B4-BE49-F238E27FC236}">
-                <a16:creationId xmlns:a16="http://schemas.microsoft.com/office/drawing/2014/main" id="{F3ACDE2A-6BC1-4786-87B1-F7DA35351E7A}"/>
-              </a:ext>
-              <a:ext uri="{C183D7F6-B498-43B3-948B-1728B52AA6E4}">
-                <adec:decorative xmlns:adec="http://schemas.microsoft.com/office/drawing/2017/decorative" val="1"/>
-              </a:ext>
-            </a:extLst>
-          </p:cNvPr>
-          <p:cNvPicPr>
-            <a:picLocks noGrp="1" noRot="1" noChangeAspect="1" noMove="1" noResize="1" noEditPoints="1" noAdjustHandles="1" noChangeArrowheads="1" noChangeShapeType="1" noCrop="1"/>
-          </p:cNvPicPr>
-          <p:nvPr>
-            <p:extLst>
-              <p:ext uri="{386F3935-93C4-4BCD-93E2-E3B085C9AB24}">
-                <p16:designElem xmlns:p16="http://schemas.microsoft.com/office/powerpoint/2015/main" val="1"/>
-              </p:ext>
-            </p:extLst>
-          </p:nvPr>
-        </p:nvPicPr>
-        <p:blipFill rotWithShape="1">
-          <a:blip r:embed="rId2">
-            <a:extLst>
-              <a:ext uri="{28A0092B-C50C-407E-A947-70E740481C1C}">
-                <a14:useLocalDpi xmlns:a14="http://schemas.microsoft.com/office/drawing/2010/main" val="0"/>
-              </a:ext>
-            </a:extLst>
-          </a:blip>
-          <a:srcRect t="1538" b="-1538"/>
-          <a:stretch/>
-        </p:blipFill>
-        <p:spPr bwMode="black">
-          <a:xfrm>
-            <a:off x="0" y="6126480"/>
-            <a:ext cx="12192000" cy="742950"/>
-          </a:xfrm>
-          <a:prstGeom prst="rect">
-            <a:avLst/>
-          </a:prstGeom>
-        </p:spPr>
-      </p:pic>
-      <p:cxnSp>
-        <p:nvCxnSpPr>
-          <p:cNvPr id="58" name="Straight Connector 57">
-            <a:extLst>
-              <a:ext uri="{FF2B5EF4-FFF2-40B4-BE49-F238E27FC236}">
-                <a16:creationId xmlns:a16="http://schemas.microsoft.com/office/drawing/2014/main" id="{0A2CC8B5-9886-4AFA-BE09-6178A4ED301A}"/>
-              </a:ext>
-              <a:ext uri="{C183D7F6-B498-43B3-948B-1728B52AA6E4}">
-                <adec:decorative xmlns:adec="http://schemas.microsoft.com/office/drawing/2017/decorative" val="1"/>
-              </a:ext>
-            </a:extLst>
-          </p:cNvPr>
-          <p:cNvCxnSpPr>
-            <a:cxnSpLocks noGrp="1" noRot="1" noChangeAspect="1" noMove="1" noResize="1" noEditPoints="1" noAdjustHandles="1" noChangeArrowheads="1" noChangeShapeType="1"/>
-          </p:cNvCxnSpPr>
-          <p:nvPr>
-            <p:extLst>
-              <p:ext uri="{386F3935-93C4-4BCD-93E2-E3B085C9AB24}">
-                <p16:designElem xmlns:p16="http://schemas.microsoft.com/office/powerpoint/2015/main" val="1"/>
-              </p:ext>
-            </p:extLst>
-          </p:nvPr>
-        </p:nvCxnSpPr>
-        <p:spPr>
-          <a:xfrm>
-            <a:off x="0" y="6128413"/>
-            <a:ext cx="12192000" cy="0"/>
-          </a:xfrm>
-          <a:prstGeom prst="line">
-            <a:avLst/>
-          </a:prstGeom>
-          <a:ln w="12700">
-            <a:solidFill>
-              <a:srgbClr val="000001">
-                <a:alpha val="20000"/>
-              </a:srgbClr>
-            </a:solidFill>
-          </a:ln>
-        </p:spPr>
-        <p:style>
-          <a:lnRef idx="1">
-            <a:schemeClr val="accent1"/>
-          </a:lnRef>
-          <a:fillRef idx="0">
-            <a:schemeClr val="accent1"/>
-          </a:fillRef>
-          <a:effectRef idx="0">
-            <a:schemeClr val="accent1"/>
-          </a:effectRef>
-          <a:fontRef idx="minor">
-            <a:schemeClr val="tx1"/>
-          </a:fontRef>
-        </p:style>
-      </p:cxnSp>
-      <p:pic>
-        <p:nvPicPr>
-          <p:cNvPr id="5" name="Content Placeholder 4" descr="Chart, bar chart&#10;&#10;Description automatically generated">
-            <a:extLst>
-              <a:ext uri="{FF2B5EF4-FFF2-40B4-BE49-F238E27FC236}">
-                <a16:creationId xmlns:a16="http://schemas.microsoft.com/office/drawing/2014/main" id="{547E7EDD-C720-46E5-AC32-ED481B39FEE0}"/>
+          <p:cNvPr id="5" name="Content Placeholder 4" descr="Chart, line chart&#10;&#10;Description automatically generated">
+            <a:extLst>
+              <a:ext uri="{FF2B5EF4-FFF2-40B4-BE49-F238E27FC236}">
+                <a16:creationId xmlns:a16="http://schemas.microsoft.com/office/drawing/2014/main" xmlns="" id="{34E48286-229E-4067-B2AB-1D5904998C9A}"/>
               </a:ext>
             </a:extLst>
           </p:cNvPr>
@@ -9330,7 +8638,7 @@
           </p:nvPr>
         </p:nvPicPr>
         <p:blipFill>
-          <a:blip r:embed="rId3">
+          <a:blip r:embed="rId3" cstate="print">
             <a:extLst>
               <a:ext uri="{28A0092B-C50C-407E-A947-70E740481C1C}">
                 <a14:useLocalDpi xmlns:a14="http://schemas.microsoft.com/office/drawing/2010/main" val="0"/>
@@ -9343,27 +8651,17 @@
         </p:blipFill>
         <p:spPr>
           <a:xfrm>
-            <a:off x="585716" y="1054849"/>
-            <a:ext cx="5159675" cy="4011645"/>
-          </a:xfrm>
-          <a:prstGeom prst="rect">
-            <a:avLst/>
-          </a:prstGeom>
-          <a:effectLst>
-            <a:outerShdw blurRad="50800" dist="38100" dir="2700000" algn="tl" rotWithShape="0">
-              <a:prstClr val="black">
-                <a:alpha val="40000"/>
-              </a:prstClr>
-            </a:outerShdw>
-          </a:effectLst>
+            <a:off x="1441418" y="1853564"/>
+            <a:ext cx="4856639" cy="3521558"/>
+          </a:xfrm>
         </p:spPr>
       </p:pic>
       <p:pic>
         <p:nvPicPr>
-          <p:cNvPr id="7" name="Picture 6" descr="Text&#10;&#10;Description automatically generated">
-            <a:extLst>
-              <a:ext uri="{FF2B5EF4-FFF2-40B4-BE49-F238E27FC236}">
-                <a16:creationId xmlns:a16="http://schemas.microsoft.com/office/drawing/2014/main" id="{332F66FF-0952-48DF-9EB1-159C6F78CC00}"/>
+          <p:cNvPr id="9" name="Picture 8" descr="Chart, bar chart&#10;&#10;Description automatically generated">
+            <a:extLst>
+              <a:ext uri="{FF2B5EF4-FFF2-40B4-BE49-F238E27FC236}">
+                <a16:creationId xmlns:a16="http://schemas.microsoft.com/office/drawing/2014/main" xmlns="" id="{8CAC0F8C-D838-45EB-A2C8-129EFE843693}"/>
               </a:ext>
             </a:extLst>
           </p:cNvPr>
@@ -9373,7 +8671,7 @@
           <p:nvPr/>
         </p:nvPicPr>
         <p:blipFill>
-          <a:blip r:embed="rId4">
+          <a:blip r:embed="rId4" cstate="print">
             <a:extLst>
               <a:ext uri="{28A0092B-C50C-407E-A947-70E740481C1C}">
                 <a14:useLocalDpi xmlns:a14="http://schemas.microsoft.com/office/drawing/2010/main" val="0"/>
@@ -9386,25 +8684,18 @@
         </p:blipFill>
         <p:spPr>
           <a:xfrm>
-            <a:off x="6388857" y="1177391"/>
-            <a:ext cx="5159676" cy="3766562"/>
+            <a:off x="6298057" y="1869897"/>
+            <a:ext cx="4746637" cy="3505225"/>
           </a:xfrm>
           <a:prstGeom prst="rect">
             <a:avLst/>
           </a:prstGeom>
-          <a:effectLst>
-            <a:outerShdw blurRad="50800" dist="38100" dir="2700000" algn="tl" rotWithShape="0">
-              <a:prstClr val="black">
-                <a:alpha val="40000"/>
-              </a:prstClr>
-            </a:outerShdw>
-          </a:effectLst>
         </p:spPr>
       </p:pic>
     </p:spTree>
     <p:extLst>
       <p:ext uri="{BB962C8B-B14F-4D97-AF65-F5344CB8AC3E}">
-        <p14:creationId xmlns:p14="http://schemas.microsoft.com/office/powerpoint/2010/main" val="590277654"/>
+        <p14:creationId xmlns:p14="http://schemas.microsoft.com/office/powerpoint/2010/main" val="2978256746"/>
       </p:ext>
     </p:extLst>
   </p:cSld>
@@ -9460,10 +8751,10 @@
           <p:cNvPr id="7" name="Rectangle 6">
             <a:extLst>
               <a:ext uri="{FF2B5EF4-FFF2-40B4-BE49-F238E27FC236}">
-                <a16:creationId xmlns:a16="http://schemas.microsoft.com/office/drawing/2014/main" id="{23522FE7-5A29-4EF6-B1EF-2CA55748A772}"/>
+                <a16:creationId xmlns:a16="http://schemas.microsoft.com/office/drawing/2014/main" xmlns="" id="{23522FE7-5A29-4EF6-B1EF-2CA55748A772}"/>
               </a:ext>
               <a:ext uri="{C183D7F6-B498-43B3-948B-1728B52AA6E4}">
-                <adec:decorative xmlns:adec="http://schemas.microsoft.com/office/drawing/2017/decorative" val="1"/>
+                <adec:decorative xmlns:adec="http://schemas.microsoft.com/office/drawing/2017/decorative" xmlns="" val="1"/>
               </a:ext>
             </a:extLst>
           </p:cNvPr>
@@ -9473,7 +8764,7 @@
           <p:nvPr>
             <p:extLst>
               <p:ext uri="{386F3935-93C4-4BCD-93E2-E3B085C9AB24}">
-                <p16:designElem xmlns:p16="http://schemas.microsoft.com/office/powerpoint/2015/main" val="1"/>
+                <p16:designElem xmlns:p16="http://schemas.microsoft.com/office/powerpoint/2015/main" xmlns="" val="1"/>
               </p:ext>
             </p:extLst>
           </p:nvPr>
@@ -9526,10 +8817,10 @@
           <p:cNvPr id="9" name="Picture 8">
             <a:extLst>
               <a:ext uri="{FF2B5EF4-FFF2-40B4-BE49-F238E27FC236}">
-                <a16:creationId xmlns:a16="http://schemas.microsoft.com/office/drawing/2014/main" id="{C2192E09-EBC7-416C-B887-DFF915D7F43D}"/>
+                <a16:creationId xmlns:a16="http://schemas.microsoft.com/office/drawing/2014/main" xmlns="" id="{C2192E09-EBC7-416C-B887-DFF915D7F43D}"/>
               </a:ext>
               <a:ext uri="{C183D7F6-B498-43B3-948B-1728B52AA6E4}">
-                <adec:decorative xmlns:adec="http://schemas.microsoft.com/office/drawing/2017/decorative" val="1"/>
+                <adec:decorative xmlns:adec="http://schemas.microsoft.com/office/drawing/2017/decorative" xmlns="" val="1"/>
               </a:ext>
             </a:extLst>
           </p:cNvPr>
@@ -9539,7 +8830,7 @@
           <p:nvPr>
             <p:extLst>
               <p:ext uri="{386F3935-93C4-4BCD-93E2-E3B085C9AB24}">
-                <p16:designElem xmlns:p16="http://schemas.microsoft.com/office/powerpoint/2015/main" val="1"/>
+                <p16:designElem xmlns:p16="http://schemas.microsoft.com/office/powerpoint/2015/main" xmlns="" val="1"/>
               </p:ext>
             </p:extLst>
           </p:nvPr>
@@ -9570,10 +8861,10 @@
           <p:cNvPr id="11" name="Straight Connector 10">
             <a:extLst>
               <a:ext uri="{FF2B5EF4-FFF2-40B4-BE49-F238E27FC236}">
-                <a16:creationId xmlns:a16="http://schemas.microsoft.com/office/drawing/2014/main" id="{2924498D-E084-44BE-A196-CFCE35564350}"/>
+                <a16:creationId xmlns:a16="http://schemas.microsoft.com/office/drawing/2014/main" xmlns="" id="{2924498D-E084-44BE-A196-CFCE35564350}"/>
               </a:ext>
               <a:ext uri="{C183D7F6-B498-43B3-948B-1728B52AA6E4}">
-                <adec:decorative xmlns:adec="http://schemas.microsoft.com/office/drawing/2017/decorative" val="1"/>
+                <adec:decorative xmlns:adec="http://schemas.microsoft.com/office/drawing/2017/decorative" xmlns="" val="1"/>
               </a:ext>
             </a:extLst>
           </p:cNvPr>
@@ -9583,7 +8874,7 @@
           <p:nvPr>
             <p:extLst>
               <p:ext uri="{386F3935-93C4-4BCD-93E2-E3B085C9AB24}">
-                <p16:designElem xmlns:p16="http://schemas.microsoft.com/office/powerpoint/2015/main" val="1"/>
+                <p16:designElem xmlns:p16="http://schemas.microsoft.com/office/powerpoint/2015/main" xmlns="" val="1"/>
               </p:ext>
             </p:extLst>
           </p:nvPr>
@@ -9624,10 +8915,10 @@
           <p:cNvPr id="13" name="Straight Connector 12">
             <a:extLst>
               <a:ext uri="{FF2B5EF4-FFF2-40B4-BE49-F238E27FC236}">
-                <a16:creationId xmlns:a16="http://schemas.microsoft.com/office/drawing/2014/main" id="{3BBC7667-C352-4842-9AFD-E5C16AD002F4}"/>
+                <a16:creationId xmlns:a16="http://schemas.microsoft.com/office/drawing/2014/main" xmlns="" id="{3BBC7667-C352-4842-9AFD-E5C16AD002F4}"/>
               </a:ext>
               <a:ext uri="{C183D7F6-B498-43B3-948B-1728B52AA6E4}">
-                <adec:decorative xmlns:adec="http://schemas.microsoft.com/office/drawing/2017/decorative" val="1"/>
+                <adec:decorative xmlns:adec="http://schemas.microsoft.com/office/drawing/2017/decorative" xmlns="" val="1"/>
               </a:ext>
             </a:extLst>
           </p:cNvPr>
@@ -9637,7 +8928,7 @@
           <p:nvPr>
             <p:extLst>
               <p:ext uri="{386F3935-93C4-4BCD-93E2-E3B085C9AB24}">
-                <p16:designElem xmlns:p16="http://schemas.microsoft.com/office/powerpoint/2015/main" val="1"/>
+                <p16:designElem xmlns:p16="http://schemas.microsoft.com/office/powerpoint/2015/main" xmlns="" val="1"/>
               </p:ext>
             </p:extLst>
           </p:nvPr>
@@ -9672,10 +8963,10 @@
           <p:cNvPr id="15" name="Rectangle 14">
             <a:extLst>
               <a:ext uri="{FF2B5EF4-FFF2-40B4-BE49-F238E27FC236}">
-                <a16:creationId xmlns:a16="http://schemas.microsoft.com/office/drawing/2014/main" id="{F0AB17F6-592B-45CB-96F6-705C9825AFBC}"/>
+                <a16:creationId xmlns:a16="http://schemas.microsoft.com/office/drawing/2014/main" xmlns="" id="{F0AB17F6-592B-45CB-96F6-705C9825AFBC}"/>
               </a:ext>
               <a:ext uri="{C183D7F6-B498-43B3-948B-1728B52AA6E4}">
-                <adec:decorative xmlns:adec="http://schemas.microsoft.com/office/drawing/2017/decorative" val="1"/>
+                <adec:decorative xmlns:adec="http://schemas.microsoft.com/office/drawing/2017/decorative" xmlns="" val="1"/>
               </a:ext>
             </a:extLst>
           </p:cNvPr>
@@ -9685,7 +8976,7 @@
           <p:nvPr>
             <p:extLst>
               <p:ext uri="{386F3935-93C4-4BCD-93E2-E3B085C9AB24}">
-                <p16:designElem xmlns:p16="http://schemas.microsoft.com/office/powerpoint/2015/main" val="1"/>
+                <p16:designElem xmlns:p16="http://schemas.microsoft.com/office/powerpoint/2015/main" xmlns="" val="1"/>
               </p:ext>
             </p:extLst>
           </p:nvPr>
@@ -9732,7 +9023,7 @@
           <p:cNvPr id="2" name="Title 1">
             <a:extLst>
               <a:ext uri="{FF2B5EF4-FFF2-40B4-BE49-F238E27FC236}">
-                <a16:creationId xmlns:a16="http://schemas.microsoft.com/office/drawing/2014/main" id="{6FC29038-DDBC-4BFF-89F4-CE1EC9E6EEB3}"/>
+                <a16:creationId xmlns:a16="http://schemas.microsoft.com/office/drawing/2014/main" xmlns="" id="{6FC29038-DDBC-4BFF-89F4-CE1EC9E6EEB3}"/>
               </a:ext>
             </a:extLst>
           </p:cNvPr>
@@ -9758,11 +9049,11 @@
             <a:pPr marL="1143000" indent="-1143000"/>
             <a:r>
               <a:rPr lang="en-US" sz="6600" dirty="0"/>
-              <a:t>10. </a:t>
+              <a:t>9. </a:t>
             </a:r>
             <a:r>
-              <a:rPr lang="en-US" sz="6000" dirty="0"/>
-              <a:t>On contrary</a:t>
+              <a:rPr lang="en-US" sz="3500" dirty="0"/>
+              <a:t>Recommendations for future analysis</a:t>
             </a:r>
           </a:p>
         </p:txBody>
@@ -9772,10 +9063,10 @@
           <p:cNvPr id="17" name="Straight Connector 16">
             <a:extLst>
               <a:ext uri="{FF2B5EF4-FFF2-40B4-BE49-F238E27FC236}">
-                <a16:creationId xmlns:a16="http://schemas.microsoft.com/office/drawing/2014/main" id="{5A9284E7-0823-472D-9963-18D89DFEB8B4}"/>
+                <a16:creationId xmlns:a16="http://schemas.microsoft.com/office/drawing/2014/main" xmlns="" id="{5A9284E7-0823-472D-9963-18D89DFEB8B4}"/>
               </a:ext>
               <a:ext uri="{C183D7F6-B498-43B3-948B-1728B52AA6E4}">
-                <adec:decorative xmlns:adec="http://schemas.microsoft.com/office/drawing/2017/decorative" val="1"/>
+                <adec:decorative xmlns:adec="http://schemas.microsoft.com/office/drawing/2017/decorative" xmlns="" val="1"/>
               </a:ext>
             </a:extLst>
           </p:cNvPr>
@@ -9785,7 +9076,7 @@
           <p:nvPr>
             <p:extLst>
               <p:ext uri="{386F3935-93C4-4BCD-93E2-E3B085C9AB24}">
-                <p16:designElem xmlns:p16="http://schemas.microsoft.com/office/powerpoint/2015/main" val="1"/>
+                <p16:designElem xmlns:p16="http://schemas.microsoft.com/office/powerpoint/2015/main" xmlns="" val="1"/>
               </p:ext>
             </p:extLst>
           </p:nvPr>
@@ -9818,7 +9109,7 @@
     </p:spTree>
     <p:extLst>
       <p:ext uri="{BB962C8B-B14F-4D97-AF65-F5344CB8AC3E}">
-        <p14:creationId xmlns:p14="http://schemas.microsoft.com/office/powerpoint/2010/main" val="2435367869"/>
+        <p14:creationId xmlns:p14="http://schemas.microsoft.com/office/powerpoint/2010/main" val="3686660874"/>
       </p:ext>
     </p:extLst>
   </p:cSld>
@@ -9871,13 +9162,13 @@
       </p:grpSpPr>
       <p:sp>
         <p:nvSpPr>
-          <p:cNvPr id="11" name="Rectangle 10">
-            <a:extLst>
-              <a:ext uri="{FF2B5EF4-FFF2-40B4-BE49-F238E27FC236}">
-                <a16:creationId xmlns:a16="http://schemas.microsoft.com/office/drawing/2014/main" id="{6738F172-08B9-4BA5-B753-7D93472C0B11}"/>
+          <p:cNvPr id="54" name="Rectangle 53">
+            <a:extLst>
+              <a:ext uri="{FF2B5EF4-FFF2-40B4-BE49-F238E27FC236}">
+                <a16:creationId xmlns:a16="http://schemas.microsoft.com/office/drawing/2014/main" xmlns="" id="{2FAC8C30-93FA-4F99-80C4-C952D83A4950}"/>
               </a:ext>
               <a:ext uri="{C183D7F6-B498-43B3-948B-1728B52AA6E4}">
-                <adec:decorative xmlns:adec="http://schemas.microsoft.com/office/drawing/2017/decorative" val="1"/>
+                <adec:decorative xmlns:adec="http://schemas.microsoft.com/office/drawing/2017/decorative" xmlns="" val="1"/>
               </a:ext>
             </a:extLst>
           </p:cNvPr>
@@ -9887,7 +9178,7 @@
           <p:nvPr>
             <p:extLst>
               <p:ext uri="{386F3935-93C4-4BCD-93E2-E3B085C9AB24}">
-                <p16:designElem xmlns:p16="http://schemas.microsoft.com/office/powerpoint/2015/main" val="1"/>
+                <p16:designElem xmlns:p16="http://schemas.microsoft.com/office/powerpoint/2015/main" xmlns="" val="1"/>
               </p:ext>
             </p:extLst>
           </p:nvPr>
@@ -9937,13 +9228,13 @@
       </p:sp>
       <p:pic>
         <p:nvPicPr>
-          <p:cNvPr id="13" name="Picture 12">
-            <a:extLst>
-              <a:ext uri="{FF2B5EF4-FFF2-40B4-BE49-F238E27FC236}">
-                <a16:creationId xmlns:a16="http://schemas.microsoft.com/office/drawing/2014/main" id="{C900681B-C4FD-40B3-B5BC-C33231614C91}"/>
+          <p:cNvPr id="56" name="Picture 55">
+            <a:extLst>
+              <a:ext uri="{FF2B5EF4-FFF2-40B4-BE49-F238E27FC236}">
+                <a16:creationId xmlns:a16="http://schemas.microsoft.com/office/drawing/2014/main" xmlns="" id="{F3ACDE2A-6BC1-4786-87B1-F7DA35351E7A}"/>
               </a:ext>
               <a:ext uri="{C183D7F6-B498-43B3-948B-1728B52AA6E4}">
-                <adec:decorative xmlns:adec="http://schemas.microsoft.com/office/drawing/2017/decorative" val="1"/>
+                <adec:decorative xmlns:adec="http://schemas.microsoft.com/office/drawing/2017/decorative" xmlns="" val="1"/>
               </a:ext>
             </a:extLst>
           </p:cNvPr>
@@ -9953,7 +9244,7 @@
           <p:nvPr>
             <p:extLst>
               <p:ext uri="{386F3935-93C4-4BCD-93E2-E3B085C9AB24}">
-                <p16:designElem xmlns:p16="http://schemas.microsoft.com/office/powerpoint/2015/main" val="1"/>
+                <p16:designElem xmlns:p16="http://schemas.microsoft.com/office/powerpoint/2015/main" xmlns="" val="1"/>
               </p:ext>
             </p:extLst>
           </p:nvPr>
@@ -9981,13 +9272,13 @@
       </p:pic>
       <p:cxnSp>
         <p:nvCxnSpPr>
-          <p:cNvPr id="15" name="Straight Connector 14">
-            <a:extLst>
-              <a:ext uri="{FF2B5EF4-FFF2-40B4-BE49-F238E27FC236}">
-                <a16:creationId xmlns:a16="http://schemas.microsoft.com/office/drawing/2014/main" id="{FEAACD67-2FB5-4530-9B74-8D946F1CE9E3}"/>
+          <p:cNvPr id="58" name="Straight Connector 57">
+            <a:extLst>
+              <a:ext uri="{FF2B5EF4-FFF2-40B4-BE49-F238E27FC236}">
+                <a16:creationId xmlns:a16="http://schemas.microsoft.com/office/drawing/2014/main" xmlns="" id="{0A2CC8B5-9886-4AFA-BE09-6178A4ED301A}"/>
               </a:ext>
               <a:ext uri="{C183D7F6-B498-43B3-948B-1728B52AA6E4}">
-                <adec:decorative xmlns:adec="http://schemas.microsoft.com/office/drawing/2017/decorative" val="1"/>
+                <adec:decorative xmlns:adec="http://schemas.microsoft.com/office/drawing/2017/decorative" xmlns="" val="1"/>
               </a:ext>
             </a:extLst>
           </p:cNvPr>
@@ -9997,7 +9288,7 @@
           <p:nvPr>
             <p:extLst>
               <p:ext uri="{386F3935-93C4-4BCD-93E2-E3B085C9AB24}">
-                <p16:designElem xmlns:p16="http://schemas.microsoft.com/office/powerpoint/2015/main" val="1"/>
+                <p16:designElem xmlns:p16="http://schemas.microsoft.com/office/powerpoint/2015/main" xmlns="" val="1"/>
               </p:ext>
             </p:extLst>
           </p:nvPr>
@@ -10035,10 +9326,730 @@
       </p:cxnSp>
       <p:pic>
         <p:nvPicPr>
+          <p:cNvPr id="5" name="Content Placeholder 4" descr="Chart, bar chart&#10;&#10;Description automatically generated">
+            <a:extLst>
+              <a:ext uri="{FF2B5EF4-FFF2-40B4-BE49-F238E27FC236}">
+                <a16:creationId xmlns:a16="http://schemas.microsoft.com/office/drawing/2014/main" xmlns="" id="{547E7EDD-C720-46E5-AC32-ED481B39FEE0}"/>
+              </a:ext>
+            </a:extLst>
+          </p:cNvPr>
+          <p:cNvPicPr>
+            <a:picLocks noGrp="1" noChangeAspect="1"/>
+          </p:cNvPicPr>
+          <p:nvPr>
+            <p:ph idx="1"/>
+          </p:nvPr>
+        </p:nvPicPr>
+        <p:blipFill>
+          <a:blip r:embed="rId3">
+            <a:extLst>
+              <a:ext uri="{28A0092B-C50C-407E-A947-70E740481C1C}">
+                <a14:useLocalDpi xmlns:a14="http://schemas.microsoft.com/office/drawing/2010/main" val="0"/>
+              </a:ext>
+            </a:extLst>
+          </a:blip>
+          <a:stretch>
+            <a:fillRect/>
+          </a:stretch>
+        </p:blipFill>
+        <p:spPr>
+          <a:xfrm>
+            <a:off x="585716" y="1054849"/>
+            <a:ext cx="5159675" cy="4011645"/>
+          </a:xfrm>
+          <a:prstGeom prst="rect">
+            <a:avLst/>
+          </a:prstGeom>
+          <a:effectLst>
+            <a:outerShdw blurRad="50800" dist="38100" dir="2700000" algn="tl" rotWithShape="0">
+              <a:prstClr val="black">
+                <a:alpha val="40000"/>
+              </a:prstClr>
+            </a:outerShdw>
+          </a:effectLst>
+        </p:spPr>
+      </p:pic>
+      <p:pic>
+        <p:nvPicPr>
+          <p:cNvPr id="7" name="Picture 6" descr="Text&#10;&#10;Description automatically generated">
+            <a:extLst>
+              <a:ext uri="{FF2B5EF4-FFF2-40B4-BE49-F238E27FC236}">
+                <a16:creationId xmlns:a16="http://schemas.microsoft.com/office/drawing/2014/main" xmlns="" id="{332F66FF-0952-48DF-9EB1-159C6F78CC00}"/>
+              </a:ext>
+            </a:extLst>
+          </p:cNvPr>
+          <p:cNvPicPr>
+            <a:picLocks noChangeAspect="1"/>
+          </p:cNvPicPr>
+          <p:nvPr/>
+        </p:nvPicPr>
+        <p:blipFill>
+          <a:blip r:embed="rId4">
+            <a:extLst>
+              <a:ext uri="{28A0092B-C50C-407E-A947-70E740481C1C}">
+                <a14:useLocalDpi xmlns:a14="http://schemas.microsoft.com/office/drawing/2010/main" val="0"/>
+              </a:ext>
+            </a:extLst>
+          </a:blip>
+          <a:stretch>
+            <a:fillRect/>
+          </a:stretch>
+        </p:blipFill>
+        <p:spPr>
+          <a:xfrm>
+            <a:off x="6388857" y="1177391"/>
+            <a:ext cx="5159676" cy="3766562"/>
+          </a:xfrm>
+          <a:prstGeom prst="rect">
+            <a:avLst/>
+          </a:prstGeom>
+          <a:effectLst>
+            <a:outerShdw blurRad="50800" dist="38100" dir="2700000" algn="tl" rotWithShape="0">
+              <a:prstClr val="black">
+                <a:alpha val="40000"/>
+              </a:prstClr>
+            </a:outerShdw>
+          </a:effectLst>
+        </p:spPr>
+      </p:pic>
+    </p:spTree>
+    <p:extLst>
+      <p:ext uri="{BB962C8B-B14F-4D97-AF65-F5344CB8AC3E}">
+        <p14:creationId xmlns:p14="http://schemas.microsoft.com/office/powerpoint/2010/main" val="590277654"/>
+      </p:ext>
+    </p:extLst>
+  </p:cSld>
+  <p:clrMapOvr>
+    <a:masterClrMapping/>
+  </p:clrMapOvr>
+</p:sld>
+</file>
+
+<file path=ppt/slides/slide23.xml><?xml version="1.0" encoding="utf-8"?>
+<p:sld xmlns:a="http://schemas.openxmlformats.org/drawingml/2006/main" xmlns:r="http://schemas.openxmlformats.org/officeDocument/2006/relationships" xmlns:p="http://schemas.openxmlformats.org/presentationml/2006/main">
+  <p:cSld>
+    <p:bg>
+      <p:bgPr>
+        <a:gradFill rotWithShape="1">
+          <a:gsLst>
+            <a:gs pos="0">
+              <a:schemeClr val="bg1">
+                <a:tint val="94000"/>
+                <a:satMod val="80000"/>
+                <a:lumMod val="106000"/>
+              </a:schemeClr>
+            </a:gs>
+            <a:gs pos="100000">
+              <a:schemeClr val="bg1">
+                <a:shade val="80000"/>
+              </a:schemeClr>
+            </a:gs>
+          </a:gsLst>
+          <a:path path="circle">
+            <a:fillToRect l="50000" t="50000" r="50000" b="50000"/>
+          </a:path>
+        </a:gradFill>
+        <a:effectLst/>
+      </p:bgPr>
+    </p:bg>
+    <p:spTree>
+      <p:nvGrpSpPr>
+        <p:cNvPr id="1" name=""/>
+        <p:cNvGrpSpPr/>
+        <p:nvPr/>
+      </p:nvGrpSpPr>
+      <p:grpSpPr>
+        <a:xfrm>
+          <a:off x="0" y="0"/>
+          <a:ext cx="0" cy="0"/>
+          <a:chOff x="0" y="0"/>
+          <a:chExt cx="0" cy="0"/>
+        </a:xfrm>
+      </p:grpSpPr>
+      <p:sp>
+        <p:nvSpPr>
+          <p:cNvPr id="7" name="Rectangle 6">
+            <a:extLst>
+              <a:ext uri="{FF2B5EF4-FFF2-40B4-BE49-F238E27FC236}">
+                <a16:creationId xmlns:a16="http://schemas.microsoft.com/office/drawing/2014/main" xmlns="" id="{23522FE7-5A29-4EF6-B1EF-2CA55748A772}"/>
+              </a:ext>
+              <a:ext uri="{C183D7F6-B498-43B3-948B-1728B52AA6E4}">
+                <adec:decorative xmlns:adec="http://schemas.microsoft.com/office/drawing/2017/decorative" xmlns="" val="1"/>
+              </a:ext>
+            </a:extLst>
+          </p:cNvPr>
+          <p:cNvSpPr>
+            <a:spLocks noGrp="1" noRot="1" noChangeAspect="1" noMove="1" noResize="1" noEditPoints="1" noAdjustHandles="1" noChangeArrowheads="1" noChangeShapeType="1" noTextEdit="1"/>
+          </p:cNvSpPr>
+          <p:nvPr>
+            <p:extLst>
+              <p:ext uri="{386F3935-93C4-4BCD-93E2-E3B085C9AB24}">
+                <p16:designElem xmlns:p16="http://schemas.microsoft.com/office/powerpoint/2015/main" xmlns="" val="1"/>
+              </p:ext>
+            </p:extLst>
+          </p:nvPr>
+        </p:nvSpPr>
+        <p:spPr>
+          <a:xfrm>
+            <a:off x="0" y="2019476"/>
+            <a:ext cx="12192000" cy="4105941"/>
+          </a:xfrm>
+          <a:prstGeom prst="rect">
+            <a:avLst/>
+          </a:prstGeom>
+          <a:gradFill flip="none" rotWithShape="1">
+            <a:gsLst>
+              <a:gs pos="0">
+                <a:schemeClr val="bg2">
+                  <a:alpha val="0"/>
+                </a:schemeClr>
+              </a:gs>
+              <a:gs pos="100000">
+                <a:schemeClr val="bg2"/>
+              </a:gs>
+            </a:gsLst>
+            <a:lin ang="5400000" scaled="0"/>
+            <a:tileRect/>
+          </a:gradFill>
+          <a:ln>
+            <a:noFill/>
+          </a:ln>
+        </p:spPr>
+        <p:style>
+          <a:lnRef idx="2">
+            <a:schemeClr val="accent1">
+              <a:shade val="50000"/>
+            </a:schemeClr>
+          </a:lnRef>
+          <a:fillRef idx="1">
+            <a:schemeClr val="accent1"/>
+          </a:fillRef>
+          <a:effectRef idx="0">
+            <a:schemeClr val="accent1"/>
+          </a:effectRef>
+          <a:fontRef idx="minor">
+            <a:schemeClr val="lt1"/>
+          </a:fontRef>
+        </p:style>
+      </p:sp>
+      <p:pic>
+        <p:nvPicPr>
+          <p:cNvPr id="9" name="Picture 8">
+            <a:extLst>
+              <a:ext uri="{FF2B5EF4-FFF2-40B4-BE49-F238E27FC236}">
+                <a16:creationId xmlns:a16="http://schemas.microsoft.com/office/drawing/2014/main" xmlns="" id="{C2192E09-EBC7-416C-B887-DFF915D7F43D}"/>
+              </a:ext>
+              <a:ext uri="{C183D7F6-B498-43B3-948B-1728B52AA6E4}">
+                <adec:decorative xmlns:adec="http://schemas.microsoft.com/office/drawing/2017/decorative" xmlns="" val="1"/>
+              </a:ext>
+            </a:extLst>
+          </p:cNvPr>
+          <p:cNvPicPr>
+            <a:picLocks noGrp="1" noRot="1" noChangeAspect="1" noMove="1" noResize="1" noEditPoints="1" noAdjustHandles="1" noChangeArrowheads="1" noChangeShapeType="1" noCrop="1"/>
+          </p:cNvPicPr>
+          <p:nvPr>
+            <p:extLst>
+              <p:ext uri="{386F3935-93C4-4BCD-93E2-E3B085C9AB24}">
+                <p16:designElem xmlns:p16="http://schemas.microsoft.com/office/powerpoint/2015/main" xmlns="" val="1"/>
+              </p:ext>
+            </p:extLst>
+          </p:nvPr>
+        </p:nvPicPr>
+        <p:blipFill rotWithShape="1">
+          <a:blip r:embed="rId2">
+            <a:extLst>
+              <a:ext uri="{28A0092B-C50C-407E-A947-70E740481C1C}">
+                <a14:useLocalDpi xmlns:a14="http://schemas.microsoft.com/office/drawing/2010/main" val="0"/>
+              </a:ext>
+            </a:extLst>
+          </a:blip>
+          <a:srcRect t="1538" b="-1538"/>
+          <a:stretch/>
+        </p:blipFill>
+        <p:spPr bwMode="black">
+          <a:xfrm>
+            <a:off x="0" y="6126480"/>
+            <a:ext cx="12192000" cy="742950"/>
+          </a:xfrm>
+          <a:prstGeom prst="rect">
+            <a:avLst/>
+          </a:prstGeom>
+        </p:spPr>
+      </p:pic>
+      <p:cxnSp>
+        <p:nvCxnSpPr>
+          <p:cNvPr id="11" name="Straight Connector 10">
+            <a:extLst>
+              <a:ext uri="{FF2B5EF4-FFF2-40B4-BE49-F238E27FC236}">
+                <a16:creationId xmlns:a16="http://schemas.microsoft.com/office/drawing/2014/main" xmlns="" id="{2924498D-E084-44BE-A196-CFCE35564350}"/>
+              </a:ext>
+              <a:ext uri="{C183D7F6-B498-43B3-948B-1728B52AA6E4}">
+                <adec:decorative xmlns:adec="http://schemas.microsoft.com/office/drawing/2017/decorative" xmlns="" val="1"/>
+              </a:ext>
+            </a:extLst>
+          </p:cNvPr>
+          <p:cNvCxnSpPr>
+            <a:cxnSpLocks noGrp="1" noRot="1" noChangeAspect="1" noMove="1" noResize="1" noEditPoints="1" noAdjustHandles="1" noChangeArrowheads="1" noChangeShapeType="1"/>
+          </p:cNvCxnSpPr>
+          <p:nvPr>
+            <p:extLst>
+              <p:ext uri="{386F3935-93C4-4BCD-93E2-E3B085C9AB24}">
+                <p16:designElem xmlns:p16="http://schemas.microsoft.com/office/powerpoint/2015/main" xmlns="" val="1"/>
+              </p:ext>
+            </p:extLst>
+          </p:nvPr>
+        </p:nvCxnSpPr>
+        <p:spPr>
+          <a:xfrm>
+            <a:off x="0" y="6128413"/>
+            <a:ext cx="12192000" cy="0"/>
+          </a:xfrm>
+          <a:prstGeom prst="line">
+            <a:avLst/>
+          </a:prstGeom>
+          <a:ln w="12700">
+            <a:solidFill>
+              <a:srgbClr val="000001">
+                <a:alpha val="20000"/>
+              </a:srgbClr>
+            </a:solidFill>
+          </a:ln>
+        </p:spPr>
+        <p:style>
+          <a:lnRef idx="1">
+            <a:schemeClr val="accent1"/>
+          </a:lnRef>
+          <a:fillRef idx="0">
+            <a:schemeClr val="accent1"/>
+          </a:fillRef>
+          <a:effectRef idx="0">
+            <a:schemeClr val="accent1"/>
+          </a:effectRef>
+          <a:fontRef idx="minor">
+            <a:schemeClr val="tx1"/>
+          </a:fontRef>
+        </p:style>
+      </p:cxnSp>
+      <p:cxnSp>
+        <p:nvCxnSpPr>
+          <p:cNvPr id="13" name="Straight Connector 12">
+            <a:extLst>
+              <a:ext uri="{FF2B5EF4-FFF2-40B4-BE49-F238E27FC236}">
+                <a16:creationId xmlns:a16="http://schemas.microsoft.com/office/drawing/2014/main" xmlns="" id="{3BBC7667-C352-4842-9AFD-E5C16AD002F4}"/>
+              </a:ext>
+              <a:ext uri="{C183D7F6-B498-43B3-948B-1728B52AA6E4}">
+                <adec:decorative xmlns:adec="http://schemas.microsoft.com/office/drawing/2017/decorative" xmlns="" val="1"/>
+              </a:ext>
+            </a:extLst>
+          </p:cNvPr>
+          <p:cNvCxnSpPr>
+            <a:cxnSpLocks noGrp="1" noRot="1" noChangeAspect="1" noMove="1" noResize="1" noEditPoints="1" noAdjustHandles="1" noChangeArrowheads="1" noChangeShapeType="1"/>
+          </p:cNvCxnSpPr>
+          <p:nvPr>
+            <p:extLst>
+              <p:ext uri="{386F3935-93C4-4BCD-93E2-E3B085C9AB24}">
+                <p16:designElem xmlns:p16="http://schemas.microsoft.com/office/powerpoint/2015/main" xmlns="" val="1"/>
+              </p:ext>
+            </p:extLst>
+          </p:nvPr>
+        </p:nvCxnSpPr>
+        <p:spPr>
+          <a:xfrm>
+            <a:off x="2417780" y="3528542"/>
+            <a:ext cx="8637072" cy="0"/>
+          </a:xfrm>
+          <a:prstGeom prst="line">
+            <a:avLst/>
+          </a:prstGeom>
+          <a:ln w="31750"/>
+        </p:spPr>
+        <p:style>
+          <a:lnRef idx="3">
+            <a:schemeClr val="accent1"/>
+          </a:lnRef>
+          <a:fillRef idx="0">
+            <a:schemeClr val="accent1"/>
+          </a:fillRef>
+          <a:effectRef idx="2">
+            <a:schemeClr val="accent1"/>
+          </a:effectRef>
+          <a:fontRef idx="minor">
+            <a:schemeClr val="tx1"/>
+          </a:fontRef>
+        </p:style>
+      </p:cxnSp>
+      <p:sp useBgFill="1">
+        <p:nvSpPr>
+          <p:cNvPr id="15" name="Rectangle 14">
+            <a:extLst>
+              <a:ext uri="{FF2B5EF4-FFF2-40B4-BE49-F238E27FC236}">
+                <a16:creationId xmlns:a16="http://schemas.microsoft.com/office/drawing/2014/main" xmlns="" id="{F0AB17F6-592B-45CB-96F6-705C9825AFBC}"/>
+              </a:ext>
+              <a:ext uri="{C183D7F6-B498-43B3-948B-1728B52AA6E4}">
+                <adec:decorative xmlns:adec="http://schemas.microsoft.com/office/drawing/2017/decorative" xmlns="" val="1"/>
+              </a:ext>
+            </a:extLst>
+          </p:cNvPr>
+          <p:cNvSpPr>
+            <a:spLocks noGrp="1" noRot="1" noChangeAspect="1" noMove="1" noResize="1" noEditPoints="1" noAdjustHandles="1" noChangeArrowheads="1" noChangeShapeType="1" noTextEdit="1"/>
+          </p:cNvSpPr>
+          <p:nvPr>
+            <p:extLst>
+              <p:ext uri="{386F3935-93C4-4BCD-93E2-E3B085C9AB24}">
+                <p16:designElem xmlns:p16="http://schemas.microsoft.com/office/powerpoint/2015/main" xmlns="" val="1"/>
+              </p:ext>
+            </p:extLst>
+          </p:nvPr>
+        </p:nvSpPr>
+        <p:spPr>
+          <a:xfrm>
+            <a:off x="2" y="0"/>
+            <a:ext cx="12191695" cy="6858000"/>
+          </a:xfrm>
+          <a:prstGeom prst="rect">
+            <a:avLst/>
+          </a:prstGeom>
+          <a:ln>
+            <a:noFill/>
+          </a:ln>
+        </p:spPr>
+        <p:style>
+          <a:lnRef idx="2">
+            <a:schemeClr val="accent1">
+              <a:shade val="50000"/>
+            </a:schemeClr>
+          </a:lnRef>
+          <a:fillRef idx="1">
+            <a:schemeClr val="accent1"/>
+          </a:fillRef>
+          <a:effectRef idx="0">
+            <a:schemeClr val="accent1"/>
+          </a:effectRef>
+          <a:fontRef idx="minor">
+            <a:schemeClr val="lt1"/>
+          </a:fontRef>
+        </p:style>
+        <p:txBody>
+          <a:bodyPr rtlCol="0" anchor="ctr"/>
+          <a:lstStyle/>
+          <a:p>
+            <a:pPr algn="ctr"/>
+            <a:endParaRPr lang="en-US"/>
+          </a:p>
+        </p:txBody>
+      </p:sp>
+      <p:sp>
+        <p:nvSpPr>
+          <p:cNvPr id="2" name="Title 1">
+            <a:extLst>
+              <a:ext uri="{FF2B5EF4-FFF2-40B4-BE49-F238E27FC236}">
+                <a16:creationId xmlns:a16="http://schemas.microsoft.com/office/drawing/2014/main" xmlns="" id="{6FC29038-DDBC-4BFF-89F4-CE1EC9E6EEB3}"/>
+              </a:ext>
+            </a:extLst>
+          </p:cNvPr>
+          <p:cNvSpPr>
+            <a:spLocks noGrp="1"/>
+          </p:cNvSpPr>
+          <p:nvPr>
+            <p:ph type="title"/>
+          </p:nvPr>
+        </p:nvSpPr>
+        <p:spPr>
+          <a:xfrm>
+            <a:off x="4780727" y="802298"/>
+            <a:ext cx="5923716" cy="5116985"/>
+          </a:xfrm>
+        </p:spPr>
+        <p:txBody>
+          <a:bodyPr vert="horz" lIns="91440" tIns="45720" rIns="91440" bIns="0" rtlCol="0" anchor="ctr">
+            <a:normAutofit/>
+          </a:bodyPr>
+          <a:lstStyle/>
+          <a:p>
+            <a:pPr marL="1143000" indent="-1143000"/>
+            <a:r>
+              <a:rPr lang="en-US" sz="6600" dirty="0"/>
+              <a:t>10. </a:t>
+            </a:r>
+            <a:r>
+              <a:rPr lang="en-US" sz="6000" dirty="0"/>
+              <a:t>On contrary</a:t>
+            </a:r>
+          </a:p>
+        </p:txBody>
+      </p:sp>
+      <p:cxnSp>
+        <p:nvCxnSpPr>
+          <p:cNvPr id="17" name="Straight Connector 16">
+            <a:extLst>
+              <a:ext uri="{FF2B5EF4-FFF2-40B4-BE49-F238E27FC236}">
+                <a16:creationId xmlns:a16="http://schemas.microsoft.com/office/drawing/2014/main" xmlns="" id="{5A9284E7-0823-472D-9963-18D89DFEB8B4}"/>
+              </a:ext>
+              <a:ext uri="{C183D7F6-B498-43B3-948B-1728B52AA6E4}">
+                <adec:decorative xmlns:adec="http://schemas.microsoft.com/office/drawing/2017/decorative" xmlns="" val="1"/>
+              </a:ext>
+            </a:extLst>
+          </p:cNvPr>
+          <p:cNvCxnSpPr>
+            <a:cxnSpLocks noGrp="1" noRot="1" noChangeAspect="1" noMove="1" noResize="1" noEditPoints="1" noAdjustHandles="1" noChangeArrowheads="1" noChangeShapeType="1"/>
+          </p:cNvCxnSpPr>
+          <p:nvPr>
+            <p:extLst>
+              <p:ext uri="{386F3935-93C4-4BCD-93E2-E3B085C9AB24}">
+                <p16:designElem xmlns:p16="http://schemas.microsoft.com/office/powerpoint/2015/main" xmlns="" val="1"/>
+              </p:ext>
+            </p:extLst>
+          </p:nvPr>
+        </p:nvCxnSpPr>
+        <p:spPr>
+          <a:xfrm>
+            <a:off x="4654296" y="1760590"/>
+            <a:ext cx="0" cy="3200400"/>
+          </a:xfrm>
+          <a:prstGeom prst="line">
+            <a:avLst/>
+          </a:prstGeom>
+          <a:ln w="34925"/>
+        </p:spPr>
+        <p:style>
+          <a:lnRef idx="1">
+            <a:schemeClr val="accent1"/>
+          </a:lnRef>
+          <a:fillRef idx="0">
+            <a:schemeClr val="accent1"/>
+          </a:fillRef>
+          <a:effectRef idx="0">
+            <a:schemeClr val="accent1"/>
+          </a:effectRef>
+          <a:fontRef idx="minor">
+            <a:schemeClr val="tx1"/>
+          </a:fontRef>
+        </p:style>
+      </p:cxnSp>
+    </p:spTree>
+    <p:extLst>
+      <p:ext uri="{BB962C8B-B14F-4D97-AF65-F5344CB8AC3E}">
+        <p14:creationId xmlns:p14="http://schemas.microsoft.com/office/powerpoint/2010/main" val="2435367869"/>
+      </p:ext>
+    </p:extLst>
+  </p:cSld>
+  <p:clrMapOvr>
+    <a:overrideClrMapping bg1="dk1" tx1="lt1" bg2="dk2" tx2="lt2" accent1="accent1" accent2="accent2" accent3="accent3" accent4="accent4" accent5="accent5" accent6="accent6" hlink="hlink" folHlink="folHlink"/>
+  </p:clrMapOvr>
+</p:sld>
+</file>
+
+<file path=ppt/slides/slide24.xml><?xml version="1.0" encoding="utf-8"?>
+<p:sld xmlns:a="http://schemas.openxmlformats.org/drawingml/2006/main" xmlns:r="http://schemas.openxmlformats.org/officeDocument/2006/relationships" xmlns:p="http://schemas.openxmlformats.org/presentationml/2006/main">
+  <p:cSld>
+    <p:bg>
+      <p:bgPr>
+        <a:gradFill rotWithShape="1">
+          <a:gsLst>
+            <a:gs pos="0">
+              <a:schemeClr val="bg2">
+                <a:tint val="94000"/>
+                <a:satMod val="80000"/>
+                <a:lumMod val="106000"/>
+              </a:schemeClr>
+            </a:gs>
+            <a:gs pos="100000">
+              <a:schemeClr val="bg2">
+                <a:shade val="80000"/>
+              </a:schemeClr>
+            </a:gs>
+          </a:gsLst>
+          <a:path path="circle">
+            <a:fillToRect l="43000" r="43000" b="100000"/>
+          </a:path>
+        </a:gradFill>
+        <a:effectLst/>
+      </p:bgPr>
+    </p:bg>
+    <p:spTree>
+      <p:nvGrpSpPr>
+        <p:cNvPr id="1" name=""/>
+        <p:cNvGrpSpPr/>
+        <p:nvPr/>
+      </p:nvGrpSpPr>
+      <p:grpSpPr>
+        <a:xfrm>
+          <a:off x="0" y="0"/>
+          <a:ext cx="0" cy="0"/>
+          <a:chOff x="0" y="0"/>
+          <a:chExt cx="0" cy="0"/>
+        </a:xfrm>
+      </p:grpSpPr>
+      <p:sp>
+        <p:nvSpPr>
+          <p:cNvPr id="11" name="Rectangle 10">
+            <a:extLst>
+              <a:ext uri="{FF2B5EF4-FFF2-40B4-BE49-F238E27FC236}">
+                <a16:creationId xmlns:a16="http://schemas.microsoft.com/office/drawing/2014/main" xmlns="" id="{6738F172-08B9-4BA5-B753-7D93472C0B11}"/>
+              </a:ext>
+              <a:ext uri="{C183D7F6-B498-43B3-948B-1728B52AA6E4}">
+                <adec:decorative xmlns:adec="http://schemas.microsoft.com/office/drawing/2017/decorative" xmlns="" val="1"/>
+              </a:ext>
+            </a:extLst>
+          </p:cNvPr>
+          <p:cNvSpPr>
+            <a:spLocks noGrp="1" noRot="1" noChangeAspect="1" noMove="1" noResize="1" noEditPoints="1" noAdjustHandles="1" noChangeArrowheads="1" noChangeShapeType="1" noTextEdit="1"/>
+          </p:cNvSpPr>
+          <p:nvPr>
+            <p:extLst>
+              <p:ext uri="{386F3935-93C4-4BCD-93E2-E3B085C9AB24}">
+                <p16:designElem xmlns:p16="http://schemas.microsoft.com/office/powerpoint/2015/main" xmlns="" val="1"/>
+              </p:ext>
+            </p:extLst>
+          </p:nvPr>
+        </p:nvSpPr>
+        <p:spPr>
+          <a:xfrm>
+            <a:off x="0" y="2019476"/>
+            <a:ext cx="12192000" cy="4105941"/>
+          </a:xfrm>
+          <a:prstGeom prst="rect">
+            <a:avLst/>
+          </a:prstGeom>
+          <a:gradFill flip="none" rotWithShape="1">
+            <a:gsLst>
+              <a:gs pos="0">
+                <a:schemeClr val="bg2">
+                  <a:alpha val="0"/>
+                </a:schemeClr>
+              </a:gs>
+              <a:gs pos="100000">
+                <a:schemeClr val="bg2"/>
+              </a:gs>
+            </a:gsLst>
+            <a:lin ang="5400000" scaled="0"/>
+            <a:tileRect/>
+          </a:gradFill>
+          <a:ln>
+            <a:noFill/>
+          </a:ln>
+        </p:spPr>
+        <p:style>
+          <a:lnRef idx="2">
+            <a:schemeClr val="accent1">
+              <a:shade val="50000"/>
+            </a:schemeClr>
+          </a:lnRef>
+          <a:fillRef idx="1">
+            <a:schemeClr val="accent1"/>
+          </a:fillRef>
+          <a:effectRef idx="0">
+            <a:schemeClr val="accent1"/>
+          </a:effectRef>
+          <a:fontRef idx="minor">
+            <a:schemeClr val="lt1"/>
+          </a:fontRef>
+        </p:style>
+      </p:sp>
+      <p:pic>
+        <p:nvPicPr>
+          <p:cNvPr id="13" name="Picture 12">
+            <a:extLst>
+              <a:ext uri="{FF2B5EF4-FFF2-40B4-BE49-F238E27FC236}">
+                <a16:creationId xmlns:a16="http://schemas.microsoft.com/office/drawing/2014/main" xmlns="" id="{C900681B-C4FD-40B3-B5BC-C33231614C91}"/>
+              </a:ext>
+              <a:ext uri="{C183D7F6-B498-43B3-948B-1728B52AA6E4}">
+                <adec:decorative xmlns:adec="http://schemas.microsoft.com/office/drawing/2017/decorative" xmlns="" val="1"/>
+              </a:ext>
+            </a:extLst>
+          </p:cNvPr>
+          <p:cNvPicPr>
+            <a:picLocks noGrp="1" noRot="1" noChangeAspect="1" noMove="1" noResize="1" noEditPoints="1" noAdjustHandles="1" noChangeArrowheads="1" noChangeShapeType="1" noCrop="1"/>
+          </p:cNvPicPr>
+          <p:nvPr>
+            <p:extLst>
+              <p:ext uri="{386F3935-93C4-4BCD-93E2-E3B085C9AB24}">
+                <p16:designElem xmlns:p16="http://schemas.microsoft.com/office/powerpoint/2015/main" xmlns="" val="1"/>
+              </p:ext>
+            </p:extLst>
+          </p:nvPr>
+        </p:nvPicPr>
+        <p:blipFill rotWithShape="1">
+          <a:blip r:embed="rId2">
+            <a:extLst>
+              <a:ext uri="{28A0092B-C50C-407E-A947-70E740481C1C}">
+                <a14:useLocalDpi xmlns:a14="http://schemas.microsoft.com/office/drawing/2010/main" val="0"/>
+              </a:ext>
+            </a:extLst>
+          </a:blip>
+          <a:srcRect t="1538" b="-1538"/>
+          <a:stretch/>
+        </p:blipFill>
+        <p:spPr bwMode="black">
+          <a:xfrm>
+            <a:off x="0" y="6126480"/>
+            <a:ext cx="12192000" cy="742950"/>
+          </a:xfrm>
+          <a:prstGeom prst="rect">
+            <a:avLst/>
+          </a:prstGeom>
+        </p:spPr>
+      </p:pic>
+      <p:cxnSp>
+        <p:nvCxnSpPr>
+          <p:cNvPr id="15" name="Straight Connector 14">
+            <a:extLst>
+              <a:ext uri="{FF2B5EF4-FFF2-40B4-BE49-F238E27FC236}">
+                <a16:creationId xmlns:a16="http://schemas.microsoft.com/office/drawing/2014/main" xmlns="" id="{FEAACD67-2FB5-4530-9B74-8D946F1CE9E3}"/>
+              </a:ext>
+              <a:ext uri="{C183D7F6-B498-43B3-948B-1728B52AA6E4}">
+                <adec:decorative xmlns:adec="http://schemas.microsoft.com/office/drawing/2017/decorative" xmlns="" val="1"/>
+              </a:ext>
+            </a:extLst>
+          </p:cNvPr>
+          <p:cNvCxnSpPr>
+            <a:cxnSpLocks noGrp="1" noRot="1" noChangeAspect="1" noMove="1" noResize="1" noEditPoints="1" noAdjustHandles="1" noChangeArrowheads="1" noChangeShapeType="1"/>
+          </p:cNvCxnSpPr>
+          <p:nvPr>
+            <p:extLst>
+              <p:ext uri="{386F3935-93C4-4BCD-93E2-E3B085C9AB24}">
+                <p16:designElem xmlns:p16="http://schemas.microsoft.com/office/powerpoint/2015/main" xmlns="" val="1"/>
+              </p:ext>
+            </p:extLst>
+          </p:nvPr>
+        </p:nvCxnSpPr>
+        <p:spPr>
+          <a:xfrm>
+            <a:off x="0" y="6128413"/>
+            <a:ext cx="12192000" cy="0"/>
+          </a:xfrm>
+          <a:prstGeom prst="line">
+            <a:avLst/>
+          </a:prstGeom>
+          <a:ln w="12700">
+            <a:solidFill>
+              <a:srgbClr val="000001">
+                <a:alpha val="20000"/>
+              </a:srgbClr>
+            </a:solidFill>
+          </a:ln>
+        </p:spPr>
+        <p:style>
+          <a:lnRef idx="1">
+            <a:schemeClr val="accent1"/>
+          </a:lnRef>
+          <a:fillRef idx="0">
+            <a:schemeClr val="accent1"/>
+          </a:fillRef>
+          <a:effectRef idx="0">
+            <a:schemeClr val="accent1"/>
+          </a:effectRef>
+          <a:fontRef idx="minor">
+            <a:schemeClr val="tx1"/>
+          </a:fontRef>
+        </p:style>
+      </p:cxnSp>
+      <p:pic>
+        <p:nvPicPr>
           <p:cNvPr id="6" name="Content Placeholder 5" descr="Icon&#10;&#10;Description automatically generated">
             <a:extLst>
               <a:ext uri="{FF2B5EF4-FFF2-40B4-BE49-F238E27FC236}">
-                <a16:creationId xmlns:a16="http://schemas.microsoft.com/office/drawing/2014/main" id="{4B369CB3-9EB4-40BF-BFE9-4CD7D398D1E6}"/>
+                <a16:creationId xmlns:a16="http://schemas.microsoft.com/office/drawing/2014/main" xmlns="" id="{4B369CB3-9EB4-40BF-BFE9-4CD7D398D1E6}"/>
               </a:ext>
             </a:extLst>
           </p:cNvPr>
@@ -10129,10 +10140,10 @@
           <p:cNvPr id="7" name="Rectangle 6">
             <a:extLst>
               <a:ext uri="{FF2B5EF4-FFF2-40B4-BE49-F238E27FC236}">
-                <a16:creationId xmlns:a16="http://schemas.microsoft.com/office/drawing/2014/main" id="{23522FE7-5A29-4EF6-B1EF-2CA55748A772}"/>
+                <a16:creationId xmlns:a16="http://schemas.microsoft.com/office/drawing/2014/main" xmlns="" id="{23522FE7-5A29-4EF6-B1EF-2CA55748A772}"/>
               </a:ext>
               <a:ext uri="{C183D7F6-B498-43B3-948B-1728B52AA6E4}">
-                <adec:decorative xmlns:adec="http://schemas.microsoft.com/office/drawing/2017/decorative" val="1"/>
+                <adec:decorative xmlns:adec="http://schemas.microsoft.com/office/drawing/2017/decorative" xmlns="" val="1"/>
               </a:ext>
             </a:extLst>
           </p:cNvPr>
@@ -10142,7 +10153,7 @@
           <p:nvPr>
             <p:extLst>
               <p:ext uri="{386F3935-93C4-4BCD-93E2-E3B085C9AB24}">
-                <p16:designElem xmlns:p16="http://schemas.microsoft.com/office/powerpoint/2015/main" val="1"/>
+                <p16:designElem xmlns:p16="http://schemas.microsoft.com/office/powerpoint/2015/main" xmlns="" val="1"/>
               </p:ext>
             </p:extLst>
           </p:nvPr>
@@ -10195,10 +10206,10 @@
           <p:cNvPr id="9" name="Picture 8">
             <a:extLst>
               <a:ext uri="{FF2B5EF4-FFF2-40B4-BE49-F238E27FC236}">
-                <a16:creationId xmlns:a16="http://schemas.microsoft.com/office/drawing/2014/main" id="{C2192E09-EBC7-416C-B887-DFF915D7F43D}"/>
+                <a16:creationId xmlns:a16="http://schemas.microsoft.com/office/drawing/2014/main" xmlns="" id="{C2192E09-EBC7-416C-B887-DFF915D7F43D}"/>
               </a:ext>
               <a:ext uri="{C183D7F6-B498-43B3-948B-1728B52AA6E4}">
-                <adec:decorative xmlns:adec="http://schemas.microsoft.com/office/drawing/2017/decorative" val="1"/>
+                <adec:decorative xmlns:adec="http://schemas.microsoft.com/office/drawing/2017/decorative" xmlns="" val="1"/>
               </a:ext>
             </a:extLst>
           </p:cNvPr>
@@ -10208,7 +10219,7 @@
           <p:nvPr>
             <p:extLst>
               <p:ext uri="{386F3935-93C4-4BCD-93E2-E3B085C9AB24}">
-                <p16:designElem xmlns:p16="http://schemas.microsoft.com/office/powerpoint/2015/main" val="1"/>
+                <p16:designElem xmlns:p16="http://schemas.microsoft.com/office/powerpoint/2015/main" xmlns="" val="1"/>
               </p:ext>
             </p:extLst>
           </p:nvPr>
@@ -10239,10 +10250,10 @@
           <p:cNvPr id="11" name="Straight Connector 10">
             <a:extLst>
               <a:ext uri="{FF2B5EF4-FFF2-40B4-BE49-F238E27FC236}">
-                <a16:creationId xmlns:a16="http://schemas.microsoft.com/office/drawing/2014/main" id="{2924498D-E084-44BE-A196-CFCE35564350}"/>
+                <a16:creationId xmlns:a16="http://schemas.microsoft.com/office/drawing/2014/main" xmlns="" id="{2924498D-E084-44BE-A196-CFCE35564350}"/>
               </a:ext>
               <a:ext uri="{C183D7F6-B498-43B3-948B-1728B52AA6E4}">
-                <adec:decorative xmlns:adec="http://schemas.microsoft.com/office/drawing/2017/decorative" val="1"/>
+                <adec:decorative xmlns:adec="http://schemas.microsoft.com/office/drawing/2017/decorative" xmlns="" val="1"/>
               </a:ext>
             </a:extLst>
           </p:cNvPr>
@@ -10252,7 +10263,7 @@
           <p:nvPr>
             <p:extLst>
               <p:ext uri="{386F3935-93C4-4BCD-93E2-E3B085C9AB24}">
-                <p16:designElem xmlns:p16="http://schemas.microsoft.com/office/powerpoint/2015/main" val="1"/>
+                <p16:designElem xmlns:p16="http://schemas.microsoft.com/office/powerpoint/2015/main" xmlns="" val="1"/>
               </p:ext>
             </p:extLst>
           </p:nvPr>
@@ -10293,10 +10304,10 @@
           <p:cNvPr id="13" name="Straight Connector 12">
             <a:extLst>
               <a:ext uri="{FF2B5EF4-FFF2-40B4-BE49-F238E27FC236}">
-                <a16:creationId xmlns:a16="http://schemas.microsoft.com/office/drawing/2014/main" id="{3BBC7667-C352-4842-9AFD-E5C16AD002F4}"/>
+                <a16:creationId xmlns:a16="http://schemas.microsoft.com/office/drawing/2014/main" xmlns="" id="{3BBC7667-C352-4842-9AFD-E5C16AD002F4}"/>
               </a:ext>
               <a:ext uri="{C183D7F6-B498-43B3-948B-1728B52AA6E4}">
-                <adec:decorative xmlns:adec="http://schemas.microsoft.com/office/drawing/2017/decorative" val="1"/>
+                <adec:decorative xmlns:adec="http://schemas.microsoft.com/office/drawing/2017/decorative" xmlns="" val="1"/>
               </a:ext>
             </a:extLst>
           </p:cNvPr>
@@ -10306,7 +10317,7 @@
           <p:nvPr>
             <p:extLst>
               <p:ext uri="{386F3935-93C4-4BCD-93E2-E3B085C9AB24}">
-                <p16:designElem xmlns:p16="http://schemas.microsoft.com/office/powerpoint/2015/main" val="1"/>
+                <p16:designElem xmlns:p16="http://schemas.microsoft.com/office/powerpoint/2015/main" xmlns="" val="1"/>
               </p:ext>
             </p:extLst>
           </p:nvPr>
@@ -10341,10 +10352,10 @@
           <p:cNvPr id="15" name="Rectangle 14">
             <a:extLst>
               <a:ext uri="{FF2B5EF4-FFF2-40B4-BE49-F238E27FC236}">
-                <a16:creationId xmlns:a16="http://schemas.microsoft.com/office/drawing/2014/main" id="{F0AB17F6-592B-45CB-96F6-705C9825AFBC}"/>
+                <a16:creationId xmlns:a16="http://schemas.microsoft.com/office/drawing/2014/main" xmlns="" id="{F0AB17F6-592B-45CB-96F6-705C9825AFBC}"/>
               </a:ext>
               <a:ext uri="{C183D7F6-B498-43B3-948B-1728B52AA6E4}">
-                <adec:decorative xmlns:adec="http://schemas.microsoft.com/office/drawing/2017/decorative" val="1"/>
+                <adec:decorative xmlns:adec="http://schemas.microsoft.com/office/drawing/2017/decorative" xmlns="" val="1"/>
               </a:ext>
             </a:extLst>
           </p:cNvPr>
@@ -10354,7 +10365,7 @@
           <p:nvPr>
             <p:extLst>
               <p:ext uri="{386F3935-93C4-4BCD-93E2-E3B085C9AB24}">
-                <p16:designElem xmlns:p16="http://schemas.microsoft.com/office/powerpoint/2015/main" val="1"/>
+                <p16:designElem xmlns:p16="http://schemas.microsoft.com/office/powerpoint/2015/main" xmlns="" val="1"/>
               </p:ext>
             </p:extLst>
           </p:nvPr>
@@ -10401,7 +10412,7 @@
           <p:cNvPr id="2" name="Title 1">
             <a:extLst>
               <a:ext uri="{FF2B5EF4-FFF2-40B4-BE49-F238E27FC236}">
-                <a16:creationId xmlns:a16="http://schemas.microsoft.com/office/drawing/2014/main" id="{6FC29038-DDBC-4BFF-89F4-CE1EC9E6EEB3}"/>
+                <a16:creationId xmlns:a16="http://schemas.microsoft.com/office/drawing/2014/main" xmlns="" id="{6FC29038-DDBC-4BFF-89F4-CE1EC9E6EEB3}"/>
               </a:ext>
             </a:extLst>
           </p:cNvPr>
@@ -10441,10 +10452,10 @@
           <p:cNvPr id="17" name="Straight Connector 16">
             <a:extLst>
               <a:ext uri="{FF2B5EF4-FFF2-40B4-BE49-F238E27FC236}">
-                <a16:creationId xmlns:a16="http://schemas.microsoft.com/office/drawing/2014/main" id="{5A9284E7-0823-472D-9963-18D89DFEB8B4}"/>
+                <a16:creationId xmlns:a16="http://schemas.microsoft.com/office/drawing/2014/main" xmlns="" id="{5A9284E7-0823-472D-9963-18D89DFEB8B4}"/>
               </a:ext>
               <a:ext uri="{C183D7F6-B498-43B3-948B-1728B52AA6E4}">
-                <adec:decorative xmlns:adec="http://schemas.microsoft.com/office/drawing/2017/decorative" val="1"/>
+                <adec:decorative xmlns:adec="http://schemas.microsoft.com/office/drawing/2017/decorative" xmlns="" val="1"/>
               </a:ext>
             </a:extLst>
           </p:cNvPr>
@@ -10454,7 +10465,7 @@
           <p:nvPr>
             <p:extLst>
               <p:ext uri="{386F3935-93C4-4BCD-93E2-E3B085C9AB24}">
-                <p16:designElem xmlns:p16="http://schemas.microsoft.com/office/powerpoint/2015/main" val="1"/>
+                <p16:designElem xmlns:p16="http://schemas.microsoft.com/office/powerpoint/2015/main" xmlns="" val="1"/>
               </p:ext>
             </p:extLst>
           </p:nvPr>
@@ -10543,10 +10554,10 @@
           <p:cNvPr id="49" name="Rectangle 28">
             <a:extLst>
               <a:ext uri="{FF2B5EF4-FFF2-40B4-BE49-F238E27FC236}">
-                <a16:creationId xmlns:a16="http://schemas.microsoft.com/office/drawing/2014/main" id="{021A4066-B261-49FE-952E-A0FE3EE75CD2}"/>
+                <a16:creationId xmlns:a16="http://schemas.microsoft.com/office/drawing/2014/main" xmlns="" id="{021A4066-B261-49FE-952E-A0FE3EE75CD2}"/>
               </a:ext>
               <a:ext uri="{C183D7F6-B498-43B3-948B-1728B52AA6E4}">
-                <adec:decorative xmlns:adec="http://schemas.microsoft.com/office/drawing/2017/decorative" val="1"/>
+                <adec:decorative xmlns:adec="http://schemas.microsoft.com/office/drawing/2017/decorative" xmlns="" val="1"/>
               </a:ext>
             </a:extLst>
           </p:cNvPr>
@@ -10556,7 +10567,7 @@
           <p:nvPr>
             <p:extLst>
               <p:ext uri="{386F3935-93C4-4BCD-93E2-E3B085C9AB24}">
-                <p16:designElem xmlns:p16="http://schemas.microsoft.com/office/powerpoint/2015/main" val="1"/>
+                <p16:designElem xmlns:p16="http://schemas.microsoft.com/office/powerpoint/2015/main" xmlns="" val="1"/>
               </p:ext>
             </p:extLst>
           </p:nvPr>
@@ -10603,10 +10614,10 @@
           <p:cNvPr id="50" name="Straight Connector 30">
             <a:extLst>
               <a:ext uri="{FF2B5EF4-FFF2-40B4-BE49-F238E27FC236}">
-                <a16:creationId xmlns:a16="http://schemas.microsoft.com/office/drawing/2014/main" id="{381B4579-E2EA-4BD7-94FF-0A0BEE135C6B}"/>
+                <a16:creationId xmlns:a16="http://schemas.microsoft.com/office/drawing/2014/main" xmlns="" id="{381B4579-E2EA-4BD7-94FF-0A0BEE135C6B}"/>
               </a:ext>
               <a:ext uri="{C183D7F6-B498-43B3-948B-1728B52AA6E4}">
-                <adec:decorative xmlns:adec="http://schemas.microsoft.com/office/drawing/2017/decorative" val="1"/>
+                <adec:decorative xmlns:adec="http://schemas.microsoft.com/office/drawing/2017/decorative" xmlns="" val="1"/>
               </a:ext>
             </a:extLst>
           </p:cNvPr>
@@ -10616,7 +10627,7 @@
           <p:nvPr>
             <p:extLst>
               <p:ext uri="{386F3935-93C4-4BCD-93E2-E3B085C9AB24}">
-                <p16:designElem xmlns:p16="http://schemas.microsoft.com/office/powerpoint/2015/main" val="1"/>
+                <p16:designElem xmlns:p16="http://schemas.microsoft.com/office/powerpoint/2015/main" xmlns="" val="1"/>
               </p:ext>
             </p:extLst>
           </p:nvPr>
@@ -10651,7 +10662,7 @@
           <p:cNvPr id="2" name="Title 1">
             <a:extLst>
               <a:ext uri="{FF2B5EF4-FFF2-40B4-BE49-F238E27FC236}">
-                <a16:creationId xmlns:a16="http://schemas.microsoft.com/office/drawing/2014/main" id="{795DB3BF-3CE7-4BD2-B84B-21AA455D263D}"/>
+                <a16:creationId xmlns:a16="http://schemas.microsoft.com/office/drawing/2014/main" xmlns="" id="{795DB3BF-3CE7-4BD2-B84B-21AA455D263D}"/>
               </a:ext>
             </a:extLst>
           </p:cNvPr>
@@ -10686,10 +10697,10 @@
           <p:cNvPr id="51" name="Rectangle 32">
             <a:extLst>
               <a:ext uri="{FF2B5EF4-FFF2-40B4-BE49-F238E27FC236}">
-                <a16:creationId xmlns:a16="http://schemas.microsoft.com/office/drawing/2014/main" id="{81958111-BC13-4D45-AB27-0C2C83F9BA64}"/>
+                <a16:creationId xmlns:a16="http://schemas.microsoft.com/office/drawing/2014/main" xmlns="" id="{81958111-BC13-4D45-AB27-0C2C83F9BA64}"/>
               </a:ext>
               <a:ext uri="{C183D7F6-B498-43B3-948B-1728B52AA6E4}">
-                <adec:decorative xmlns:adec="http://schemas.microsoft.com/office/drawing/2017/decorative" val="1"/>
+                <adec:decorative xmlns:adec="http://schemas.microsoft.com/office/drawing/2017/decorative" xmlns="" val="1"/>
               </a:ext>
             </a:extLst>
           </p:cNvPr>
@@ -10699,7 +10710,7 @@
           <p:nvPr>
             <p:extLst>
               <p:ext uri="{386F3935-93C4-4BCD-93E2-E3B085C9AB24}">
-                <p16:designElem xmlns:p16="http://schemas.microsoft.com/office/powerpoint/2015/main" val="1"/>
+                <p16:designElem xmlns:p16="http://schemas.microsoft.com/office/powerpoint/2015/main" xmlns="" val="1"/>
               </p:ext>
             </p:extLst>
           </p:nvPr>
@@ -10760,7 +10771,7 @@
           <p:cNvPr id="26" name="Content Placeholder 25">
             <a:extLst>
               <a:ext uri="{FF2B5EF4-FFF2-40B4-BE49-F238E27FC236}">
-                <a16:creationId xmlns:a16="http://schemas.microsoft.com/office/drawing/2014/main" id="{EEEC9B65-B358-AE16-2919-517F7129E7C2}"/>
+                <a16:creationId xmlns:a16="http://schemas.microsoft.com/office/drawing/2014/main" xmlns="" id="{EEEC9B65-B358-AE16-2919-517F7129E7C2}"/>
               </a:ext>
             </a:extLst>
           </p:cNvPr>
@@ -10805,10 +10816,10 @@
           <p:cNvPr id="52" name="Group 34">
             <a:extLst>
               <a:ext uri="{FF2B5EF4-FFF2-40B4-BE49-F238E27FC236}">
-                <a16:creationId xmlns:a16="http://schemas.microsoft.com/office/drawing/2014/main" id="{82188758-E18A-4CE5-9D03-F4BF5D887C3F}"/>
+                <a16:creationId xmlns:a16="http://schemas.microsoft.com/office/drawing/2014/main" xmlns="" id="{82188758-E18A-4CE5-9D03-F4BF5D887C3F}"/>
               </a:ext>
               <a:ext uri="{C183D7F6-B498-43B3-948B-1728B52AA6E4}">
-                <adec:decorative xmlns:adec="http://schemas.microsoft.com/office/drawing/2017/decorative" val="1"/>
+                <adec:decorative xmlns:adec="http://schemas.microsoft.com/office/drawing/2017/decorative" xmlns="" val="1"/>
               </a:ext>
             </a:extLst>
           </p:cNvPr>
@@ -10818,7 +10829,7 @@
           <p:nvPr>
             <p:extLst>
               <p:ext uri="{386F3935-93C4-4BCD-93E2-E3B085C9AB24}">
-                <p16:designElem xmlns:p16="http://schemas.microsoft.com/office/powerpoint/2015/main" val="1"/>
+                <p16:designElem xmlns:p16="http://schemas.microsoft.com/office/powerpoint/2015/main" xmlns="" val="1"/>
               </p:ext>
             </p:extLst>
           </p:nvPr>
@@ -10836,10 +10847,10 @@
             <p:cNvPr id="36" name="Rectangle 35">
               <a:extLst>
                 <a:ext uri="{FF2B5EF4-FFF2-40B4-BE49-F238E27FC236}">
-                  <a16:creationId xmlns:a16="http://schemas.microsoft.com/office/drawing/2014/main" id="{821513DD-C15F-4381-AEA6-ED9E5E218CA6}"/>
+                  <a16:creationId xmlns:a16="http://schemas.microsoft.com/office/drawing/2014/main" xmlns="" id="{821513DD-C15F-4381-AEA6-ED9E5E218CA6}"/>
                 </a:ext>
                 <a:ext uri="{C183D7F6-B498-43B3-948B-1728B52AA6E4}">
-                  <adec:decorative xmlns:adec="http://schemas.microsoft.com/office/drawing/2017/decorative" val="1"/>
+                  <adec:decorative xmlns:adec="http://schemas.microsoft.com/office/drawing/2017/decorative" xmlns="" val="1"/>
                 </a:ext>
               </a:extLst>
             </p:cNvPr>
@@ -10847,7 +10858,7 @@
             <p:nvPr>
               <p:extLst>
                 <p:ext uri="{386F3935-93C4-4BCD-93E2-E3B085C9AB24}">
-                  <p16:designElem xmlns:p16="http://schemas.microsoft.com/office/powerpoint/2015/main" val="1"/>
+                  <p16:designElem xmlns:p16="http://schemas.microsoft.com/office/powerpoint/2015/main" xmlns="" val="1"/>
                 </p:ext>
               </p:extLst>
             </p:nvPr>
@@ -10917,10 +10928,10 @@
             <p:cNvPr id="53" name="Rectangle 36">
               <a:extLst>
                 <a:ext uri="{FF2B5EF4-FFF2-40B4-BE49-F238E27FC236}">
-                  <a16:creationId xmlns:a16="http://schemas.microsoft.com/office/drawing/2014/main" id="{CED2DE01-7F43-4858-85FC-27022DA78120}"/>
+                  <a16:creationId xmlns:a16="http://schemas.microsoft.com/office/drawing/2014/main" xmlns="" id="{CED2DE01-7F43-4858-85FC-27022DA78120}"/>
                 </a:ext>
                 <a:ext uri="{C183D7F6-B498-43B3-948B-1728B52AA6E4}">
-                  <adec:decorative xmlns:adec="http://schemas.microsoft.com/office/drawing/2017/decorative" val="1"/>
+                  <adec:decorative xmlns:adec="http://schemas.microsoft.com/office/drawing/2017/decorative" xmlns="" val="1"/>
                 </a:ext>
               </a:extLst>
             </p:cNvPr>
@@ -10928,7 +10939,7 @@
             <p:nvPr>
               <p:extLst>
                 <p:ext uri="{386F3935-93C4-4BCD-93E2-E3B085C9AB24}">
-                  <p16:designElem xmlns:p16="http://schemas.microsoft.com/office/powerpoint/2015/main" val="1"/>
+                  <p16:designElem xmlns:p16="http://schemas.microsoft.com/office/powerpoint/2015/main" xmlns="" val="1"/>
                 </p:ext>
               </p:extLst>
             </p:nvPr>
@@ -11002,7 +11013,7 @@
           <p:cNvPr id="22" name="Content Placeholder 21" descr="A picture containing text&#10;&#10;Description automatically generated">
             <a:extLst>
               <a:ext uri="{FF2B5EF4-FFF2-40B4-BE49-F238E27FC236}">
-                <a16:creationId xmlns:a16="http://schemas.microsoft.com/office/drawing/2014/main" id="{55AF8C6B-0C2F-4026-9EEF-FA2E5DFAE417}"/>
+                <a16:creationId xmlns:a16="http://schemas.microsoft.com/office/drawing/2014/main" xmlns="" id="{55AF8C6B-0C2F-4026-9EEF-FA2E5DFAE417}"/>
               </a:ext>
             </a:extLst>
           </p:cNvPr>
@@ -11037,10 +11048,10 @@
           <p:cNvPr id="54" name="Picture 38">
             <a:extLst>
               <a:ext uri="{FF2B5EF4-FFF2-40B4-BE49-F238E27FC236}">
-                <a16:creationId xmlns:a16="http://schemas.microsoft.com/office/drawing/2014/main" id="{D42F4933-2ECF-4EE5-BCE4-F19E3CA609FE}"/>
+                <a16:creationId xmlns:a16="http://schemas.microsoft.com/office/drawing/2014/main" xmlns="" id="{D42F4933-2ECF-4EE5-BCE4-F19E3CA609FE}"/>
               </a:ext>
               <a:ext uri="{C183D7F6-B498-43B3-948B-1728B52AA6E4}">
-                <adec:decorative xmlns:adec="http://schemas.microsoft.com/office/drawing/2017/decorative" val="1"/>
+                <adec:decorative xmlns:adec="http://schemas.microsoft.com/office/drawing/2017/decorative" xmlns="" val="1"/>
               </a:ext>
             </a:extLst>
           </p:cNvPr>
@@ -11050,7 +11061,7 @@
           <p:nvPr>
             <p:extLst>
               <p:ext uri="{386F3935-93C4-4BCD-93E2-E3B085C9AB24}">
-                <p16:designElem xmlns:p16="http://schemas.microsoft.com/office/powerpoint/2015/main" val="1"/>
+                <p16:designElem xmlns:p16="http://schemas.microsoft.com/office/powerpoint/2015/main" xmlns="" val="1"/>
               </p:ext>
             </p:extLst>
           </p:nvPr>
@@ -11081,10 +11092,10 @@
           <p:cNvPr id="55" name="Straight Connector 40">
             <a:extLst>
               <a:ext uri="{FF2B5EF4-FFF2-40B4-BE49-F238E27FC236}">
-                <a16:creationId xmlns:a16="http://schemas.microsoft.com/office/drawing/2014/main" id="{C6FAC23C-014D-4AC5-AD1B-36F7D0E7EF32}"/>
+                <a16:creationId xmlns:a16="http://schemas.microsoft.com/office/drawing/2014/main" xmlns="" id="{C6FAC23C-014D-4AC5-AD1B-36F7D0E7EF32}"/>
               </a:ext>
               <a:ext uri="{C183D7F6-B498-43B3-948B-1728B52AA6E4}">
-                <adec:decorative xmlns:adec="http://schemas.microsoft.com/office/drawing/2017/decorative" val="1"/>
+                <adec:decorative xmlns:adec="http://schemas.microsoft.com/office/drawing/2017/decorative" xmlns="" val="1"/>
               </a:ext>
             </a:extLst>
           </p:cNvPr>
@@ -11094,7 +11105,7 @@
           <p:nvPr>
             <p:extLst>
               <p:ext uri="{386F3935-93C4-4BCD-93E2-E3B085C9AB24}">
-                <p16:designElem xmlns:p16="http://schemas.microsoft.com/office/powerpoint/2015/main" val="1"/>
+                <p16:designElem xmlns:p16="http://schemas.microsoft.com/office/powerpoint/2015/main" xmlns="" val="1"/>
               </p:ext>
             </p:extLst>
           </p:nvPr>
@@ -11189,10 +11200,10 @@
           <p:cNvPr id="7" name="Rectangle 6">
             <a:extLst>
               <a:ext uri="{FF2B5EF4-FFF2-40B4-BE49-F238E27FC236}">
-                <a16:creationId xmlns:a16="http://schemas.microsoft.com/office/drawing/2014/main" id="{23522FE7-5A29-4EF6-B1EF-2CA55748A772}"/>
+                <a16:creationId xmlns:a16="http://schemas.microsoft.com/office/drawing/2014/main" xmlns="" id="{23522FE7-5A29-4EF6-B1EF-2CA55748A772}"/>
               </a:ext>
               <a:ext uri="{C183D7F6-B498-43B3-948B-1728B52AA6E4}">
-                <adec:decorative xmlns:adec="http://schemas.microsoft.com/office/drawing/2017/decorative" val="1"/>
+                <adec:decorative xmlns:adec="http://schemas.microsoft.com/office/drawing/2017/decorative" xmlns="" val="1"/>
               </a:ext>
             </a:extLst>
           </p:cNvPr>
@@ -11202,7 +11213,7 @@
           <p:nvPr>
             <p:extLst>
               <p:ext uri="{386F3935-93C4-4BCD-93E2-E3B085C9AB24}">
-                <p16:designElem xmlns:p16="http://schemas.microsoft.com/office/powerpoint/2015/main" val="1"/>
+                <p16:designElem xmlns:p16="http://schemas.microsoft.com/office/powerpoint/2015/main" xmlns="" val="1"/>
               </p:ext>
             </p:extLst>
           </p:nvPr>
@@ -11255,10 +11266,10 @@
           <p:cNvPr id="9" name="Picture 8">
             <a:extLst>
               <a:ext uri="{FF2B5EF4-FFF2-40B4-BE49-F238E27FC236}">
-                <a16:creationId xmlns:a16="http://schemas.microsoft.com/office/drawing/2014/main" id="{C2192E09-EBC7-416C-B887-DFF915D7F43D}"/>
+                <a16:creationId xmlns:a16="http://schemas.microsoft.com/office/drawing/2014/main" xmlns="" id="{C2192E09-EBC7-416C-B887-DFF915D7F43D}"/>
               </a:ext>
               <a:ext uri="{C183D7F6-B498-43B3-948B-1728B52AA6E4}">
-                <adec:decorative xmlns:adec="http://schemas.microsoft.com/office/drawing/2017/decorative" val="1"/>
+                <adec:decorative xmlns:adec="http://schemas.microsoft.com/office/drawing/2017/decorative" xmlns="" val="1"/>
               </a:ext>
             </a:extLst>
           </p:cNvPr>
@@ -11268,7 +11279,7 @@
           <p:nvPr>
             <p:extLst>
               <p:ext uri="{386F3935-93C4-4BCD-93E2-E3B085C9AB24}">
-                <p16:designElem xmlns:p16="http://schemas.microsoft.com/office/powerpoint/2015/main" val="1"/>
+                <p16:designElem xmlns:p16="http://schemas.microsoft.com/office/powerpoint/2015/main" xmlns="" val="1"/>
               </p:ext>
             </p:extLst>
           </p:nvPr>
@@ -11299,10 +11310,10 @@
           <p:cNvPr id="11" name="Straight Connector 10">
             <a:extLst>
               <a:ext uri="{FF2B5EF4-FFF2-40B4-BE49-F238E27FC236}">
-                <a16:creationId xmlns:a16="http://schemas.microsoft.com/office/drawing/2014/main" id="{2924498D-E084-44BE-A196-CFCE35564350}"/>
+                <a16:creationId xmlns:a16="http://schemas.microsoft.com/office/drawing/2014/main" xmlns="" id="{2924498D-E084-44BE-A196-CFCE35564350}"/>
               </a:ext>
               <a:ext uri="{C183D7F6-B498-43B3-948B-1728B52AA6E4}">
-                <adec:decorative xmlns:adec="http://schemas.microsoft.com/office/drawing/2017/decorative" val="1"/>
+                <adec:decorative xmlns:adec="http://schemas.microsoft.com/office/drawing/2017/decorative" xmlns="" val="1"/>
               </a:ext>
             </a:extLst>
           </p:cNvPr>
@@ -11312,7 +11323,7 @@
           <p:nvPr>
             <p:extLst>
               <p:ext uri="{386F3935-93C4-4BCD-93E2-E3B085C9AB24}">
-                <p16:designElem xmlns:p16="http://schemas.microsoft.com/office/powerpoint/2015/main" val="1"/>
+                <p16:designElem xmlns:p16="http://schemas.microsoft.com/office/powerpoint/2015/main" xmlns="" val="1"/>
               </p:ext>
             </p:extLst>
           </p:nvPr>
@@ -11353,10 +11364,10 @@
           <p:cNvPr id="13" name="Straight Connector 12">
             <a:extLst>
               <a:ext uri="{FF2B5EF4-FFF2-40B4-BE49-F238E27FC236}">
-                <a16:creationId xmlns:a16="http://schemas.microsoft.com/office/drawing/2014/main" id="{3BBC7667-C352-4842-9AFD-E5C16AD002F4}"/>
+                <a16:creationId xmlns:a16="http://schemas.microsoft.com/office/drawing/2014/main" xmlns="" id="{3BBC7667-C352-4842-9AFD-E5C16AD002F4}"/>
               </a:ext>
               <a:ext uri="{C183D7F6-B498-43B3-948B-1728B52AA6E4}">
-                <adec:decorative xmlns:adec="http://schemas.microsoft.com/office/drawing/2017/decorative" val="1"/>
+                <adec:decorative xmlns:adec="http://schemas.microsoft.com/office/drawing/2017/decorative" xmlns="" val="1"/>
               </a:ext>
             </a:extLst>
           </p:cNvPr>
@@ -11366,7 +11377,7 @@
           <p:nvPr>
             <p:extLst>
               <p:ext uri="{386F3935-93C4-4BCD-93E2-E3B085C9AB24}">
-                <p16:designElem xmlns:p16="http://schemas.microsoft.com/office/powerpoint/2015/main" val="1"/>
+                <p16:designElem xmlns:p16="http://schemas.microsoft.com/office/powerpoint/2015/main" xmlns="" val="1"/>
               </p:ext>
             </p:extLst>
           </p:nvPr>
@@ -11401,10 +11412,10 @@
           <p:cNvPr id="15" name="Rectangle 14">
             <a:extLst>
               <a:ext uri="{FF2B5EF4-FFF2-40B4-BE49-F238E27FC236}">
-                <a16:creationId xmlns:a16="http://schemas.microsoft.com/office/drawing/2014/main" id="{F0AB17F6-592B-45CB-96F6-705C9825AFBC}"/>
+                <a16:creationId xmlns:a16="http://schemas.microsoft.com/office/drawing/2014/main" xmlns="" id="{F0AB17F6-592B-45CB-96F6-705C9825AFBC}"/>
               </a:ext>
               <a:ext uri="{C183D7F6-B498-43B3-948B-1728B52AA6E4}">
-                <adec:decorative xmlns:adec="http://schemas.microsoft.com/office/drawing/2017/decorative" val="1"/>
+                <adec:decorative xmlns:adec="http://schemas.microsoft.com/office/drawing/2017/decorative" xmlns="" val="1"/>
               </a:ext>
             </a:extLst>
           </p:cNvPr>
@@ -11414,7 +11425,7 @@
           <p:nvPr>
             <p:extLst>
               <p:ext uri="{386F3935-93C4-4BCD-93E2-E3B085C9AB24}">
-                <p16:designElem xmlns:p16="http://schemas.microsoft.com/office/powerpoint/2015/main" val="1"/>
+                <p16:designElem xmlns:p16="http://schemas.microsoft.com/office/powerpoint/2015/main" xmlns="" val="1"/>
               </p:ext>
             </p:extLst>
           </p:nvPr>
@@ -11461,7 +11472,7 @@
           <p:cNvPr id="2" name="Title 1">
             <a:extLst>
               <a:ext uri="{FF2B5EF4-FFF2-40B4-BE49-F238E27FC236}">
-                <a16:creationId xmlns:a16="http://schemas.microsoft.com/office/drawing/2014/main" id="{6FC29038-DDBC-4BFF-89F4-CE1EC9E6EEB3}"/>
+                <a16:creationId xmlns:a16="http://schemas.microsoft.com/office/drawing/2014/main" xmlns="" id="{6FC29038-DDBC-4BFF-89F4-CE1EC9E6EEB3}"/>
               </a:ext>
             </a:extLst>
           </p:cNvPr>
@@ -11508,10 +11519,10 @@
           <p:cNvPr id="17" name="Straight Connector 16">
             <a:extLst>
               <a:ext uri="{FF2B5EF4-FFF2-40B4-BE49-F238E27FC236}">
-                <a16:creationId xmlns:a16="http://schemas.microsoft.com/office/drawing/2014/main" id="{5A9284E7-0823-472D-9963-18D89DFEB8B4}"/>
+                <a16:creationId xmlns:a16="http://schemas.microsoft.com/office/drawing/2014/main" xmlns="" id="{5A9284E7-0823-472D-9963-18D89DFEB8B4}"/>
               </a:ext>
               <a:ext uri="{C183D7F6-B498-43B3-948B-1728B52AA6E4}">
-                <adec:decorative xmlns:adec="http://schemas.microsoft.com/office/drawing/2017/decorative" val="1"/>
+                <adec:decorative xmlns:adec="http://schemas.microsoft.com/office/drawing/2017/decorative" xmlns="" val="1"/>
               </a:ext>
             </a:extLst>
           </p:cNvPr>
@@ -11521,7 +11532,7 @@
           <p:nvPr>
             <p:extLst>
               <p:ext uri="{386F3935-93C4-4BCD-93E2-E3B085C9AB24}">
-                <p16:designElem xmlns:p16="http://schemas.microsoft.com/office/powerpoint/2015/main" val="1"/>
+                <p16:designElem xmlns:p16="http://schemas.microsoft.com/office/powerpoint/2015/main" xmlns="" val="1"/>
               </p:ext>
             </p:extLst>
           </p:nvPr>
@@ -11610,10 +11621,10 @@
           <p:cNvPr id="10" name="Rectangle 9">
             <a:extLst>
               <a:ext uri="{FF2B5EF4-FFF2-40B4-BE49-F238E27FC236}">
-                <a16:creationId xmlns:a16="http://schemas.microsoft.com/office/drawing/2014/main" id="{3193BA5C-B8F3-4972-BA54-014C48FAFA42}"/>
+                <a16:creationId xmlns:a16="http://schemas.microsoft.com/office/drawing/2014/main" xmlns="" id="{3193BA5C-B8F3-4972-BA54-014C48FAFA42}"/>
               </a:ext>
               <a:ext uri="{C183D7F6-B498-43B3-948B-1728B52AA6E4}">
-                <adec:decorative xmlns:adec="http://schemas.microsoft.com/office/drawing/2017/decorative" val="1"/>
+                <adec:decorative xmlns:adec="http://schemas.microsoft.com/office/drawing/2017/decorative" xmlns="" val="1"/>
               </a:ext>
             </a:extLst>
           </p:cNvPr>
@@ -11623,7 +11634,7 @@
           <p:nvPr>
             <p:extLst>
               <p:ext uri="{386F3935-93C4-4BCD-93E2-E3B085C9AB24}">
-                <p16:designElem xmlns:p16="http://schemas.microsoft.com/office/powerpoint/2015/main" val="1"/>
+                <p16:designElem xmlns:p16="http://schemas.microsoft.com/office/powerpoint/2015/main" xmlns="" val="1"/>
               </p:ext>
             </p:extLst>
           </p:nvPr>
@@ -11670,10 +11681,10 @@
           <p:cNvPr id="12" name="Straight Connector 11">
             <a:extLst>
               <a:ext uri="{FF2B5EF4-FFF2-40B4-BE49-F238E27FC236}">
-                <a16:creationId xmlns:a16="http://schemas.microsoft.com/office/drawing/2014/main" id="{D7162BAB-C25E-4CE9-B87C-F118DC7E7C22}"/>
+                <a16:creationId xmlns:a16="http://schemas.microsoft.com/office/drawing/2014/main" xmlns="" id="{D7162BAB-C25E-4CE9-B87C-F118DC7E7C22}"/>
               </a:ext>
               <a:ext uri="{C183D7F6-B498-43B3-948B-1728B52AA6E4}">
-                <adec:decorative xmlns:adec="http://schemas.microsoft.com/office/drawing/2017/decorative" val="1"/>
+                <adec:decorative xmlns:adec="http://schemas.microsoft.com/office/drawing/2017/decorative" xmlns="" val="1"/>
               </a:ext>
             </a:extLst>
           </p:cNvPr>
@@ -11683,7 +11694,7 @@
           <p:nvPr>
             <p:extLst>
               <p:ext uri="{386F3935-93C4-4BCD-93E2-E3B085C9AB24}">
-                <p16:designElem xmlns:p16="http://schemas.microsoft.com/office/powerpoint/2015/main" val="1"/>
+                <p16:designElem xmlns:p16="http://schemas.microsoft.com/office/powerpoint/2015/main" xmlns="" val="1"/>
               </p:ext>
             </p:extLst>
           </p:nvPr>
@@ -11718,7 +11729,7 @@
           <p:cNvPr id="2" name="Title 1">
             <a:extLst>
               <a:ext uri="{FF2B5EF4-FFF2-40B4-BE49-F238E27FC236}">
-                <a16:creationId xmlns:a16="http://schemas.microsoft.com/office/drawing/2014/main" id="{9C888BC2-5FB8-4A00-9D2C-ABE5250D796C}"/>
+                <a16:creationId xmlns:a16="http://schemas.microsoft.com/office/drawing/2014/main" xmlns="" id="{9C888BC2-5FB8-4A00-9D2C-ABE5250D796C}"/>
               </a:ext>
             </a:extLst>
           </p:cNvPr>
@@ -11760,10 +11771,10 @@
           <p:cNvPr id="14" name="Rectangle 13">
             <a:extLst>
               <a:ext uri="{FF2B5EF4-FFF2-40B4-BE49-F238E27FC236}">
-                <a16:creationId xmlns:a16="http://schemas.microsoft.com/office/drawing/2014/main" id="{05B93327-222A-4DAC-9163-371BF44CDB0C}"/>
+                <a16:creationId xmlns:a16="http://schemas.microsoft.com/office/drawing/2014/main" xmlns="" id="{05B93327-222A-4DAC-9163-371BF44CDB0C}"/>
               </a:ext>
               <a:ext uri="{C183D7F6-B498-43B3-948B-1728B52AA6E4}">
-                <adec:decorative xmlns:adec="http://schemas.microsoft.com/office/drawing/2017/decorative" val="1"/>
+                <adec:decorative xmlns:adec="http://schemas.microsoft.com/office/drawing/2017/decorative" xmlns="" val="1"/>
               </a:ext>
             </a:extLst>
           </p:cNvPr>
@@ -11773,7 +11784,7 @@
           <p:nvPr>
             <p:extLst>
               <p:ext uri="{386F3935-93C4-4BCD-93E2-E3B085C9AB24}">
-                <p16:designElem xmlns:p16="http://schemas.microsoft.com/office/powerpoint/2015/main" val="1"/>
+                <p16:designElem xmlns:p16="http://schemas.microsoft.com/office/powerpoint/2015/main" xmlns="" val="1"/>
               </p:ext>
             </p:extLst>
           </p:nvPr>
@@ -11834,7 +11845,7 @@
           <p:cNvPr id="3" name="Content Placeholder 2">
             <a:extLst>
               <a:ext uri="{FF2B5EF4-FFF2-40B4-BE49-F238E27FC236}">
-                <a16:creationId xmlns:a16="http://schemas.microsoft.com/office/drawing/2014/main" id="{9E6039AD-E8AC-4ACC-89A2-926D9DB406F5}"/>
+                <a16:creationId xmlns:a16="http://schemas.microsoft.com/office/drawing/2014/main" xmlns="" id="{9E6039AD-E8AC-4ACC-89A2-926D9DB406F5}"/>
               </a:ext>
             </a:extLst>
           </p:cNvPr>
@@ -11886,10 +11897,10 @@
           <p:cNvPr id="16" name="Group 15">
             <a:extLst>
               <a:ext uri="{FF2B5EF4-FFF2-40B4-BE49-F238E27FC236}">
-                <a16:creationId xmlns:a16="http://schemas.microsoft.com/office/drawing/2014/main" id="{14EE34E3-F117-4487-8ACF-33DA65FA11B3}"/>
+                <a16:creationId xmlns:a16="http://schemas.microsoft.com/office/drawing/2014/main" xmlns="" id="{14EE34E3-F117-4487-8ACF-33DA65FA11B3}"/>
               </a:ext>
               <a:ext uri="{C183D7F6-B498-43B3-948B-1728B52AA6E4}">
-                <adec:decorative xmlns:adec="http://schemas.microsoft.com/office/drawing/2017/decorative" val="1"/>
+                <adec:decorative xmlns:adec="http://schemas.microsoft.com/office/drawing/2017/decorative" xmlns="" val="1"/>
               </a:ext>
             </a:extLst>
           </p:cNvPr>
@@ -11899,7 +11910,7 @@
           <p:nvPr>
             <p:extLst>
               <p:ext uri="{386F3935-93C4-4BCD-93E2-E3B085C9AB24}">
-                <p16:designElem xmlns:p16="http://schemas.microsoft.com/office/powerpoint/2015/main" val="1"/>
+                <p16:designElem xmlns:p16="http://schemas.microsoft.com/office/powerpoint/2015/main" xmlns="" val="1"/>
               </p:ext>
             </p:extLst>
           </p:nvPr>
@@ -11917,10 +11928,10 @@
             <p:cNvPr id="17" name="Rectangle 16">
               <a:extLst>
                 <a:ext uri="{FF2B5EF4-FFF2-40B4-BE49-F238E27FC236}">
-                  <a16:creationId xmlns:a16="http://schemas.microsoft.com/office/drawing/2014/main" id="{39ACC02C-6424-4165-93C4-E83C8E81D462}"/>
+                  <a16:creationId xmlns:a16="http://schemas.microsoft.com/office/drawing/2014/main" xmlns="" id="{39ACC02C-6424-4165-93C4-E83C8E81D462}"/>
                 </a:ext>
                 <a:ext uri="{C183D7F6-B498-43B3-948B-1728B52AA6E4}">
-                  <adec:decorative xmlns:adec="http://schemas.microsoft.com/office/drawing/2017/decorative" val="1"/>
+                  <adec:decorative xmlns:adec="http://schemas.microsoft.com/office/drawing/2017/decorative" xmlns="" val="1"/>
                 </a:ext>
               </a:extLst>
             </p:cNvPr>
@@ -11928,7 +11939,7 @@
             <p:nvPr>
               <p:extLst>
                 <p:ext uri="{386F3935-93C4-4BCD-93E2-E3B085C9AB24}">
-                  <p16:designElem xmlns:p16="http://schemas.microsoft.com/office/powerpoint/2015/main" val="1"/>
+                  <p16:designElem xmlns:p16="http://schemas.microsoft.com/office/powerpoint/2015/main" xmlns="" val="1"/>
                 </p:ext>
               </p:extLst>
             </p:nvPr>
@@ -11998,10 +12009,10 @@
             <p:cNvPr id="18" name="Rectangle 17">
               <a:extLst>
                 <a:ext uri="{FF2B5EF4-FFF2-40B4-BE49-F238E27FC236}">
-                  <a16:creationId xmlns:a16="http://schemas.microsoft.com/office/drawing/2014/main" id="{C182CB9C-C978-4C9B-9AAD-8B1341897550}"/>
+                  <a16:creationId xmlns:a16="http://schemas.microsoft.com/office/drawing/2014/main" xmlns="" id="{C182CB9C-C978-4C9B-9AAD-8B1341897550}"/>
                 </a:ext>
                 <a:ext uri="{C183D7F6-B498-43B3-948B-1728B52AA6E4}">
-                  <adec:decorative xmlns:adec="http://schemas.microsoft.com/office/drawing/2017/decorative" val="1"/>
+                  <adec:decorative xmlns:adec="http://schemas.microsoft.com/office/drawing/2017/decorative" xmlns="" val="1"/>
                 </a:ext>
               </a:extLst>
             </p:cNvPr>
@@ -12009,7 +12020,7 @@
             <p:nvPr>
               <p:extLst>
                 <p:ext uri="{386F3935-93C4-4BCD-93E2-E3B085C9AB24}">
-                  <p16:designElem xmlns:p16="http://schemas.microsoft.com/office/powerpoint/2015/main" val="1"/>
+                  <p16:designElem xmlns:p16="http://schemas.microsoft.com/office/powerpoint/2015/main" xmlns="" val="1"/>
                 </p:ext>
               </p:extLst>
             </p:nvPr>
@@ -12083,10 +12094,10 @@
           <p:cNvPr id="20" name="Rectangle 19">
             <a:extLst>
               <a:ext uri="{FF2B5EF4-FFF2-40B4-BE49-F238E27FC236}">
-                <a16:creationId xmlns:a16="http://schemas.microsoft.com/office/drawing/2014/main" id="{56388820-A63D-463C-9DBC-060A5ABE33B6}"/>
+                <a16:creationId xmlns:a16="http://schemas.microsoft.com/office/drawing/2014/main" xmlns="" id="{56388820-A63D-463C-9DBC-060A5ABE33B6}"/>
               </a:ext>
               <a:ext uri="{C183D7F6-B498-43B3-948B-1728B52AA6E4}">
-                <adec:decorative xmlns:adec="http://schemas.microsoft.com/office/drawing/2017/decorative" val="1"/>
+                <adec:decorative xmlns:adec="http://schemas.microsoft.com/office/drawing/2017/decorative" xmlns="" val="1"/>
               </a:ext>
             </a:extLst>
           </p:cNvPr>
@@ -12096,7 +12107,7 @@
           <p:nvPr>
             <p:extLst>
               <p:ext uri="{386F3935-93C4-4BCD-93E2-E3B085C9AB24}">
-                <p16:designElem xmlns:p16="http://schemas.microsoft.com/office/powerpoint/2015/main" val="1"/>
+                <p16:designElem xmlns:p16="http://schemas.microsoft.com/office/powerpoint/2015/main" xmlns="" val="1"/>
               </p:ext>
             </p:extLst>
           </p:nvPr>
@@ -12148,7 +12159,7 @@
           <p:cNvPr id="5" name="Picture 4" descr="Chart, line chart&#10;&#10;Description automatically generated">
             <a:extLst>
               <a:ext uri="{FF2B5EF4-FFF2-40B4-BE49-F238E27FC236}">
-                <a16:creationId xmlns:a16="http://schemas.microsoft.com/office/drawing/2014/main" id="{EFB2BA66-CE5C-498F-99C7-457081A9781B}"/>
+                <a16:creationId xmlns:a16="http://schemas.microsoft.com/office/drawing/2014/main" xmlns="" id="{EFB2BA66-CE5C-498F-99C7-457081A9781B}"/>
               </a:ext>
             </a:extLst>
           </p:cNvPr>
@@ -12184,10 +12195,10 @@
           <p:cNvPr id="22" name="Picture 21">
             <a:extLst>
               <a:ext uri="{FF2B5EF4-FFF2-40B4-BE49-F238E27FC236}">
-                <a16:creationId xmlns:a16="http://schemas.microsoft.com/office/drawing/2014/main" id="{C04ED70F-D6FD-4EB1-A171-D30F885FE73E}"/>
+                <a16:creationId xmlns:a16="http://schemas.microsoft.com/office/drawing/2014/main" xmlns="" id="{C04ED70F-D6FD-4EB1-A171-D30F885FE73E}"/>
               </a:ext>
               <a:ext uri="{C183D7F6-B498-43B3-948B-1728B52AA6E4}">
-                <adec:decorative xmlns:adec="http://schemas.microsoft.com/office/drawing/2017/decorative" val="1"/>
+                <adec:decorative xmlns:adec="http://schemas.microsoft.com/office/drawing/2017/decorative" xmlns="" val="1"/>
               </a:ext>
             </a:extLst>
           </p:cNvPr>
@@ -12197,7 +12208,7 @@
           <p:nvPr>
             <p:extLst>
               <p:ext uri="{386F3935-93C4-4BCD-93E2-E3B085C9AB24}">
-                <p16:designElem xmlns:p16="http://schemas.microsoft.com/office/powerpoint/2015/main" val="1"/>
+                <p16:designElem xmlns:p16="http://schemas.microsoft.com/office/powerpoint/2015/main" xmlns="" val="1"/>
               </p:ext>
             </p:extLst>
           </p:nvPr>
@@ -12228,10 +12239,10 @@
           <p:cNvPr id="24" name="Straight Connector 23">
             <a:extLst>
               <a:ext uri="{FF2B5EF4-FFF2-40B4-BE49-F238E27FC236}">
-                <a16:creationId xmlns:a16="http://schemas.microsoft.com/office/drawing/2014/main" id="{DA26CAE9-74C4-4EDD-8A80-77F79EAA86F4}"/>
+                <a16:creationId xmlns:a16="http://schemas.microsoft.com/office/drawing/2014/main" xmlns="" id="{DA26CAE9-74C4-4EDD-8A80-77F79EAA86F4}"/>
               </a:ext>
               <a:ext uri="{C183D7F6-B498-43B3-948B-1728B52AA6E4}">
-                <adec:decorative xmlns:adec="http://schemas.microsoft.com/office/drawing/2017/decorative" val="1"/>
+                <adec:decorative xmlns:adec="http://schemas.microsoft.com/office/drawing/2017/decorative" xmlns="" val="1"/>
               </a:ext>
             </a:extLst>
           </p:cNvPr>
@@ -12241,7 +12252,7 @@
           <p:nvPr>
             <p:extLst>
               <p:ext uri="{386F3935-93C4-4BCD-93E2-E3B085C9AB24}">
-                <p16:designElem xmlns:p16="http://schemas.microsoft.com/office/powerpoint/2015/main" val="1"/>
+                <p16:designElem xmlns:p16="http://schemas.microsoft.com/office/powerpoint/2015/main" xmlns="" val="1"/>
               </p:ext>
             </p:extLst>
           </p:nvPr>
@@ -12336,10 +12347,10 @@
           <p:cNvPr id="23" name="Rectangle 12">
             <a:extLst>
               <a:ext uri="{FF2B5EF4-FFF2-40B4-BE49-F238E27FC236}">
-                <a16:creationId xmlns:a16="http://schemas.microsoft.com/office/drawing/2014/main" id="{EED2B910-B28F-4A54-B17C-8B7E5893AABB}"/>
+                <a16:creationId xmlns:a16="http://schemas.microsoft.com/office/drawing/2014/main" xmlns="" id="{EED2B910-B28F-4A54-B17C-8B7E5893AABB}"/>
               </a:ext>
               <a:ext uri="{C183D7F6-B498-43B3-948B-1728B52AA6E4}">
-                <adec:decorative xmlns:adec="http://schemas.microsoft.com/office/drawing/2017/decorative" val="1"/>
+                <adec:decorative xmlns:adec="http://schemas.microsoft.com/office/drawing/2017/decorative" xmlns="" val="1"/>
               </a:ext>
             </a:extLst>
           </p:cNvPr>
@@ -12349,7 +12360,7 @@
           <p:nvPr>
             <p:extLst>
               <p:ext uri="{386F3935-93C4-4BCD-93E2-E3B085C9AB24}">
-                <p16:designElem xmlns:p16="http://schemas.microsoft.com/office/powerpoint/2015/main" val="1"/>
+                <p16:designElem xmlns:p16="http://schemas.microsoft.com/office/powerpoint/2015/main" xmlns="" val="1"/>
               </p:ext>
             </p:extLst>
           </p:nvPr>
@@ -12396,10 +12407,10 @@
           <p:cNvPr id="24" name="Straight Connector 14">
             <a:extLst>
               <a:ext uri="{FF2B5EF4-FFF2-40B4-BE49-F238E27FC236}">
-                <a16:creationId xmlns:a16="http://schemas.microsoft.com/office/drawing/2014/main" id="{C545F118-1DF8-46A9-8A77-B3D9422CEA4A}"/>
+                <a16:creationId xmlns:a16="http://schemas.microsoft.com/office/drawing/2014/main" xmlns="" id="{C545F118-1DF8-46A9-8A77-B3D9422CEA4A}"/>
               </a:ext>
               <a:ext uri="{C183D7F6-B498-43B3-948B-1728B52AA6E4}">
-                <adec:decorative xmlns:adec="http://schemas.microsoft.com/office/drawing/2017/decorative" val="1"/>
+                <adec:decorative xmlns:adec="http://schemas.microsoft.com/office/drawing/2017/decorative" xmlns="" val="1"/>
               </a:ext>
             </a:extLst>
           </p:cNvPr>
@@ -12409,7 +12420,7 @@
           <p:nvPr>
             <p:extLst>
               <p:ext uri="{386F3935-93C4-4BCD-93E2-E3B085C9AB24}">
-                <p16:designElem xmlns:p16="http://schemas.microsoft.com/office/powerpoint/2015/main" val="1"/>
+                <p16:designElem xmlns:p16="http://schemas.microsoft.com/office/powerpoint/2015/main" xmlns="" val="1"/>
               </p:ext>
             </p:extLst>
           </p:nvPr>
@@ -12444,7 +12455,7 @@
           <p:cNvPr id="2" name="Title 1">
             <a:extLst>
               <a:ext uri="{FF2B5EF4-FFF2-40B4-BE49-F238E27FC236}">
-                <a16:creationId xmlns:a16="http://schemas.microsoft.com/office/drawing/2014/main" id="{9C888BC2-5FB8-4A00-9D2C-ABE5250D796C}"/>
+                <a16:creationId xmlns:a16="http://schemas.microsoft.com/office/drawing/2014/main" xmlns="" id="{9C888BC2-5FB8-4A00-9D2C-ABE5250D796C}"/>
               </a:ext>
             </a:extLst>
           </p:cNvPr>
@@ -12474,12 +12485,26 @@
               </a:rPr>
               <a:t>Social Media Fact Sheet – from Pew Research center</a:t>
             </a:r>
+            <a:r>
+              <a:rPr lang="en-US" sz="1500" b="1" i="0" dirty="0">
+                <a:effectLst/>
+                <a:latin typeface="abril-text"/>
+              </a:rPr>
+              <a:t/>
+            </a:r>
             <a:br>
               <a:rPr lang="en-US" sz="1500" b="1" i="0" dirty="0">
                 <a:effectLst/>
                 <a:latin typeface="abril-text"/>
               </a:rPr>
             </a:br>
+            <a:r>
+              <a:rPr lang="en-US" sz="1500" b="1" i="0" dirty="0">
+                <a:effectLst/>
+                <a:latin typeface="-apple-system"/>
+              </a:rPr>
+              <a:t/>
+            </a:r>
             <a:br>
               <a:rPr lang="en-US" sz="1500" b="1" i="0" dirty="0">
                 <a:effectLst/>
@@ -12495,10 +12520,10 @@
           <p:cNvPr id="25" name="Rectangle 16">
             <a:extLst>
               <a:ext uri="{FF2B5EF4-FFF2-40B4-BE49-F238E27FC236}">
-                <a16:creationId xmlns:a16="http://schemas.microsoft.com/office/drawing/2014/main" id="{7CAB7D27-148D-4082-B160-72FAD580D663}"/>
+                <a16:creationId xmlns:a16="http://schemas.microsoft.com/office/drawing/2014/main" xmlns="" id="{7CAB7D27-148D-4082-B160-72FAD580D663}"/>
               </a:ext>
               <a:ext uri="{C183D7F6-B498-43B3-948B-1728B52AA6E4}">
-                <adec:decorative xmlns:adec="http://schemas.microsoft.com/office/drawing/2017/decorative" val="1"/>
+                <adec:decorative xmlns:adec="http://schemas.microsoft.com/office/drawing/2017/decorative" xmlns="" val="1"/>
               </a:ext>
             </a:extLst>
           </p:cNvPr>
@@ -12508,7 +12533,7 @@
           <p:nvPr>
             <p:extLst>
               <p:ext uri="{386F3935-93C4-4BCD-93E2-E3B085C9AB24}">
-                <p16:designElem xmlns:p16="http://schemas.microsoft.com/office/powerpoint/2015/main" val="1"/>
+                <p16:designElem xmlns:p16="http://schemas.microsoft.com/office/powerpoint/2015/main" xmlns="" val="1"/>
               </p:ext>
             </p:extLst>
           </p:nvPr>
@@ -12569,7 +12594,7 @@
           <p:cNvPr id="6" name="Picture 5" descr="Chart, line chart&#10;&#10;Description automatically generated">
             <a:extLst>
               <a:ext uri="{FF2B5EF4-FFF2-40B4-BE49-F238E27FC236}">
-                <a16:creationId xmlns:a16="http://schemas.microsoft.com/office/drawing/2014/main" id="{BB35D74C-E7AE-4A1E-9B7D-C4DAA04B970D}"/>
+                <a16:creationId xmlns:a16="http://schemas.microsoft.com/office/drawing/2014/main" xmlns="" id="{BB35D74C-E7AE-4A1E-9B7D-C4DAA04B970D}"/>
               </a:ext>
             </a:extLst>
           </p:cNvPr>
@@ -12604,7 +12629,7 @@
           <p:cNvPr id="8" name="Picture 7" descr="Chart, line chart&#10;&#10;Description automatically generated">
             <a:extLst>
               <a:ext uri="{FF2B5EF4-FFF2-40B4-BE49-F238E27FC236}">
-                <a16:creationId xmlns:a16="http://schemas.microsoft.com/office/drawing/2014/main" id="{968B214E-5401-4E7B-B9A8-C9F24A157A5C}"/>
+                <a16:creationId xmlns:a16="http://schemas.microsoft.com/office/drawing/2014/main" xmlns="" id="{968B214E-5401-4E7B-B9A8-C9F24A157A5C}"/>
               </a:ext>
             </a:extLst>
           </p:cNvPr>
@@ -12639,7 +12664,7 @@
           <p:cNvPr id="3" name="Content Placeholder 2">
             <a:extLst>
               <a:ext uri="{FF2B5EF4-FFF2-40B4-BE49-F238E27FC236}">
-                <a16:creationId xmlns:a16="http://schemas.microsoft.com/office/drawing/2014/main" id="{9E6039AD-E8AC-4ACC-89A2-926D9DB406F5}"/>
+                <a16:creationId xmlns:a16="http://schemas.microsoft.com/office/drawing/2014/main" xmlns="" id="{9E6039AD-E8AC-4ACC-89A2-926D9DB406F5}"/>
               </a:ext>
             </a:extLst>
           </p:cNvPr>
@@ -12686,10 +12711,10 @@
           <p:cNvPr id="26" name="Picture 18">
             <a:extLst>
               <a:ext uri="{FF2B5EF4-FFF2-40B4-BE49-F238E27FC236}">
-                <a16:creationId xmlns:a16="http://schemas.microsoft.com/office/drawing/2014/main" id="{CD88FC76-F691-462A-BCF9-0BA4F5DE6D71}"/>
+                <a16:creationId xmlns:a16="http://schemas.microsoft.com/office/drawing/2014/main" xmlns="" id="{CD88FC76-F691-462A-BCF9-0BA4F5DE6D71}"/>
               </a:ext>
               <a:ext uri="{C183D7F6-B498-43B3-948B-1728B52AA6E4}">
-                <adec:decorative xmlns:adec="http://schemas.microsoft.com/office/drawing/2017/decorative" val="1"/>
+                <adec:decorative xmlns:adec="http://schemas.microsoft.com/office/drawing/2017/decorative" xmlns="" val="1"/>
               </a:ext>
             </a:extLst>
           </p:cNvPr>
@@ -12699,7 +12724,7 @@
           <p:nvPr>
             <p:extLst>
               <p:ext uri="{386F3935-93C4-4BCD-93E2-E3B085C9AB24}">
-                <p16:designElem xmlns:p16="http://schemas.microsoft.com/office/powerpoint/2015/main" val="1"/>
+                <p16:designElem xmlns:p16="http://schemas.microsoft.com/office/powerpoint/2015/main" xmlns="" val="1"/>
               </p:ext>
             </p:extLst>
           </p:nvPr>
@@ -12730,10 +12755,10 @@
           <p:cNvPr id="27" name="Straight Connector 20">
             <a:extLst>
               <a:ext uri="{FF2B5EF4-FFF2-40B4-BE49-F238E27FC236}">
-                <a16:creationId xmlns:a16="http://schemas.microsoft.com/office/drawing/2014/main" id="{33204A7E-B7E9-42D0-9DC4-B82FDC8C4BCC}"/>
+                <a16:creationId xmlns:a16="http://schemas.microsoft.com/office/drawing/2014/main" xmlns="" id="{33204A7E-B7E9-42D0-9DC4-B82FDC8C4BCC}"/>
               </a:ext>
               <a:ext uri="{C183D7F6-B498-43B3-948B-1728B52AA6E4}">
-                <adec:decorative xmlns:adec="http://schemas.microsoft.com/office/drawing/2017/decorative" val="1"/>
+                <adec:decorative xmlns:adec="http://schemas.microsoft.com/office/drawing/2017/decorative" xmlns="" val="1"/>
               </a:ext>
             </a:extLst>
           </p:cNvPr>
@@ -12743,7 +12768,7 @@
           <p:nvPr>
             <p:extLst>
               <p:ext uri="{386F3935-93C4-4BCD-93E2-E3B085C9AB24}">
-                <p16:designElem xmlns:p16="http://schemas.microsoft.com/office/powerpoint/2015/main" val="1"/>
+                <p16:designElem xmlns:p16="http://schemas.microsoft.com/office/powerpoint/2015/main" xmlns="" val="1"/>
               </p:ext>
             </p:extLst>
           </p:nvPr>
@@ -12838,10 +12863,10 @@
           <p:cNvPr id="7" name="Rectangle 6">
             <a:extLst>
               <a:ext uri="{FF2B5EF4-FFF2-40B4-BE49-F238E27FC236}">
-                <a16:creationId xmlns:a16="http://schemas.microsoft.com/office/drawing/2014/main" id="{23522FE7-5A29-4EF6-B1EF-2CA55748A772}"/>
+                <a16:creationId xmlns:a16="http://schemas.microsoft.com/office/drawing/2014/main" xmlns="" id="{23522FE7-5A29-4EF6-B1EF-2CA55748A772}"/>
               </a:ext>
               <a:ext uri="{C183D7F6-B498-43B3-948B-1728B52AA6E4}">
-                <adec:decorative xmlns:adec="http://schemas.microsoft.com/office/drawing/2017/decorative" val="1"/>
+                <adec:decorative xmlns:adec="http://schemas.microsoft.com/office/drawing/2017/decorative" xmlns="" val="1"/>
               </a:ext>
             </a:extLst>
           </p:cNvPr>
@@ -12851,7 +12876,7 @@
           <p:nvPr>
             <p:extLst>
               <p:ext uri="{386F3935-93C4-4BCD-93E2-E3B085C9AB24}">
-                <p16:designElem xmlns:p16="http://schemas.microsoft.com/office/powerpoint/2015/main" val="1"/>
+                <p16:designElem xmlns:p16="http://schemas.microsoft.com/office/powerpoint/2015/main" xmlns="" val="1"/>
               </p:ext>
             </p:extLst>
           </p:nvPr>
@@ -12904,10 +12929,10 @@
           <p:cNvPr id="9" name="Picture 8">
             <a:extLst>
               <a:ext uri="{FF2B5EF4-FFF2-40B4-BE49-F238E27FC236}">
-                <a16:creationId xmlns:a16="http://schemas.microsoft.com/office/drawing/2014/main" id="{C2192E09-EBC7-416C-B887-DFF915D7F43D}"/>
+                <a16:creationId xmlns:a16="http://schemas.microsoft.com/office/drawing/2014/main" xmlns="" id="{C2192E09-EBC7-416C-B887-DFF915D7F43D}"/>
               </a:ext>
               <a:ext uri="{C183D7F6-B498-43B3-948B-1728B52AA6E4}">
-                <adec:decorative xmlns:adec="http://schemas.microsoft.com/office/drawing/2017/decorative" val="1"/>
+                <adec:decorative xmlns:adec="http://schemas.microsoft.com/office/drawing/2017/decorative" xmlns="" val="1"/>
               </a:ext>
             </a:extLst>
           </p:cNvPr>
@@ -12917,7 +12942,7 @@
           <p:nvPr>
             <p:extLst>
               <p:ext uri="{386F3935-93C4-4BCD-93E2-E3B085C9AB24}">
-                <p16:designElem xmlns:p16="http://schemas.microsoft.com/office/powerpoint/2015/main" val="1"/>
+                <p16:designElem xmlns:p16="http://schemas.microsoft.com/office/powerpoint/2015/main" xmlns="" val="1"/>
               </p:ext>
             </p:extLst>
           </p:nvPr>
@@ -12948,10 +12973,10 @@
           <p:cNvPr id="11" name="Straight Connector 10">
             <a:extLst>
               <a:ext uri="{FF2B5EF4-FFF2-40B4-BE49-F238E27FC236}">
-                <a16:creationId xmlns:a16="http://schemas.microsoft.com/office/drawing/2014/main" id="{2924498D-E084-44BE-A196-CFCE35564350}"/>
+                <a16:creationId xmlns:a16="http://schemas.microsoft.com/office/drawing/2014/main" xmlns="" id="{2924498D-E084-44BE-A196-CFCE35564350}"/>
               </a:ext>
               <a:ext uri="{C183D7F6-B498-43B3-948B-1728B52AA6E4}">
-                <adec:decorative xmlns:adec="http://schemas.microsoft.com/office/drawing/2017/decorative" val="1"/>
+                <adec:decorative xmlns:adec="http://schemas.microsoft.com/office/drawing/2017/decorative" xmlns="" val="1"/>
               </a:ext>
             </a:extLst>
           </p:cNvPr>
@@ -12961,7 +12986,7 @@
           <p:nvPr>
             <p:extLst>
               <p:ext uri="{386F3935-93C4-4BCD-93E2-E3B085C9AB24}">
-                <p16:designElem xmlns:p16="http://schemas.microsoft.com/office/powerpoint/2015/main" val="1"/>
+                <p16:designElem xmlns:p16="http://schemas.microsoft.com/office/powerpoint/2015/main" xmlns="" val="1"/>
               </p:ext>
             </p:extLst>
           </p:nvPr>
@@ -13002,10 +13027,10 @@
           <p:cNvPr id="13" name="Straight Connector 12">
             <a:extLst>
               <a:ext uri="{FF2B5EF4-FFF2-40B4-BE49-F238E27FC236}">
-                <a16:creationId xmlns:a16="http://schemas.microsoft.com/office/drawing/2014/main" id="{3BBC7667-C352-4842-9AFD-E5C16AD002F4}"/>
+                <a16:creationId xmlns:a16="http://schemas.microsoft.com/office/drawing/2014/main" xmlns="" id="{3BBC7667-C352-4842-9AFD-E5C16AD002F4}"/>
               </a:ext>
               <a:ext uri="{C183D7F6-B498-43B3-948B-1728B52AA6E4}">
-                <adec:decorative xmlns:adec="http://schemas.microsoft.com/office/drawing/2017/decorative" val="1"/>
+                <adec:decorative xmlns:adec="http://schemas.microsoft.com/office/drawing/2017/decorative" xmlns="" val="1"/>
               </a:ext>
             </a:extLst>
           </p:cNvPr>
@@ -13015,7 +13040,7 @@
           <p:nvPr>
             <p:extLst>
               <p:ext uri="{386F3935-93C4-4BCD-93E2-E3B085C9AB24}">
-                <p16:designElem xmlns:p16="http://schemas.microsoft.com/office/powerpoint/2015/main" val="1"/>
+                <p16:designElem xmlns:p16="http://schemas.microsoft.com/office/powerpoint/2015/main" xmlns="" val="1"/>
               </p:ext>
             </p:extLst>
           </p:nvPr>
@@ -13050,10 +13075,10 @@
           <p:cNvPr id="15" name="Rectangle 14">
             <a:extLst>
               <a:ext uri="{FF2B5EF4-FFF2-40B4-BE49-F238E27FC236}">
-                <a16:creationId xmlns:a16="http://schemas.microsoft.com/office/drawing/2014/main" id="{F0AB17F6-592B-45CB-96F6-705C9825AFBC}"/>
+                <a16:creationId xmlns:a16="http://schemas.microsoft.com/office/drawing/2014/main" xmlns="" id="{F0AB17F6-592B-45CB-96F6-705C9825AFBC}"/>
               </a:ext>
               <a:ext uri="{C183D7F6-B498-43B3-948B-1728B52AA6E4}">
-                <adec:decorative xmlns:adec="http://schemas.microsoft.com/office/drawing/2017/decorative" val="1"/>
+                <adec:decorative xmlns:adec="http://schemas.microsoft.com/office/drawing/2017/decorative" xmlns="" val="1"/>
               </a:ext>
             </a:extLst>
           </p:cNvPr>
@@ -13063,7 +13088,7 @@
           <p:nvPr>
             <p:extLst>
               <p:ext uri="{386F3935-93C4-4BCD-93E2-E3B085C9AB24}">
-                <p16:designElem xmlns:p16="http://schemas.microsoft.com/office/powerpoint/2015/main" val="1"/>
+                <p16:designElem xmlns:p16="http://schemas.microsoft.com/office/powerpoint/2015/main" xmlns="" val="1"/>
               </p:ext>
             </p:extLst>
           </p:nvPr>
@@ -13110,7 +13135,7 @@
           <p:cNvPr id="2" name="Title 1">
             <a:extLst>
               <a:ext uri="{FF2B5EF4-FFF2-40B4-BE49-F238E27FC236}">
-                <a16:creationId xmlns:a16="http://schemas.microsoft.com/office/drawing/2014/main" id="{6FC29038-DDBC-4BFF-89F4-CE1EC9E6EEB3}"/>
+                <a16:creationId xmlns:a16="http://schemas.microsoft.com/office/drawing/2014/main" xmlns="" id="{6FC29038-DDBC-4BFF-89F4-CE1EC9E6EEB3}"/>
               </a:ext>
             </a:extLst>
           </p:cNvPr>
@@ -13150,10 +13175,10 @@
           <p:cNvPr id="17" name="Straight Connector 16">
             <a:extLst>
               <a:ext uri="{FF2B5EF4-FFF2-40B4-BE49-F238E27FC236}">
-                <a16:creationId xmlns:a16="http://schemas.microsoft.com/office/drawing/2014/main" id="{5A9284E7-0823-472D-9963-18D89DFEB8B4}"/>
+                <a16:creationId xmlns:a16="http://schemas.microsoft.com/office/drawing/2014/main" xmlns="" id="{5A9284E7-0823-472D-9963-18D89DFEB8B4}"/>
               </a:ext>
               <a:ext uri="{C183D7F6-B498-43B3-948B-1728B52AA6E4}">
-                <adec:decorative xmlns:adec="http://schemas.microsoft.com/office/drawing/2017/decorative" val="1"/>
+                <adec:decorative xmlns:adec="http://schemas.microsoft.com/office/drawing/2017/decorative" xmlns="" val="1"/>
               </a:ext>
             </a:extLst>
           </p:cNvPr>
@@ -13163,7 +13188,7 @@
           <p:nvPr>
             <p:extLst>
               <p:ext uri="{386F3935-93C4-4BCD-93E2-E3B085C9AB24}">
-                <p16:designElem xmlns:p16="http://schemas.microsoft.com/office/powerpoint/2015/main" val="1"/>
+                <p16:designElem xmlns:p16="http://schemas.microsoft.com/office/powerpoint/2015/main" xmlns="" val="1"/>
               </p:ext>
             </p:extLst>
           </p:nvPr>
@@ -13252,7 +13277,7 @@
           <p:cNvPr id="2" name="Title 1">
             <a:extLst>
               <a:ext uri="{FF2B5EF4-FFF2-40B4-BE49-F238E27FC236}">
-                <a16:creationId xmlns:a16="http://schemas.microsoft.com/office/drawing/2014/main" id="{8889499D-19E6-427B-B727-0C2FA93DD911}"/>
+                <a16:creationId xmlns:a16="http://schemas.microsoft.com/office/drawing/2014/main" xmlns="" id="{8889499D-19E6-427B-B727-0C2FA93DD911}"/>
               </a:ext>
             </a:extLst>
           </p:cNvPr>
@@ -13287,7 +13312,7 @@
           <p:cNvPr id="3" name="Content Placeholder 2">
             <a:extLst>
               <a:ext uri="{FF2B5EF4-FFF2-40B4-BE49-F238E27FC236}">
-                <a16:creationId xmlns:a16="http://schemas.microsoft.com/office/drawing/2014/main" id="{D5267366-8BC9-4150-9547-80CF723798F3}"/>
+                <a16:creationId xmlns:a16="http://schemas.microsoft.com/office/drawing/2014/main" xmlns="" id="{D5267366-8BC9-4150-9547-80CF723798F3}"/>
               </a:ext>
             </a:extLst>
           </p:cNvPr>
@@ -13306,7 +13331,7 @@
         </p:spPr>
         <p:txBody>
           <a:bodyPr>
-            <a:normAutofit/>
+            <a:normAutofit lnSpcReduction="10000"/>
           </a:bodyPr>
           <a:lstStyle/>
           <a:p>
@@ -13334,7 +13359,7 @@
           <p:cNvPr id="5" name="Picture 4" descr="Chart, line chart&#10;&#10;Description automatically generated">
             <a:extLst>
               <a:ext uri="{FF2B5EF4-FFF2-40B4-BE49-F238E27FC236}">
-                <a16:creationId xmlns:a16="http://schemas.microsoft.com/office/drawing/2014/main" id="{6AFBE7AF-C1DD-4418-96F5-8CDF47DBE8B4}"/>
+                <a16:creationId xmlns:a16="http://schemas.microsoft.com/office/drawing/2014/main" xmlns="" id="{6AFBE7AF-C1DD-4418-96F5-8CDF47DBE8B4}"/>
               </a:ext>
             </a:extLst>
           </p:cNvPr>
@@ -13375,6 +13400,13 @@
   <p:clrMapOvr>
     <a:masterClrMapping/>
   </p:clrMapOvr>
+  <p:timing>
+    <p:tnLst>
+      <p:par>
+        <p:cTn id="1" dur="indefinite" restart="never" nodeType="tmRoot"/>
+      </p:par>
+    </p:tnLst>
+  </p:timing>
 </p:sld>
 </file>
 
@@ -13625,7 +13657,7 @@
   <a:extraClrSchemeLst/>
   <a:extLst>
     <a:ext uri="{05A4C25C-085E-4340-85A3-A5531E510DB2}">
-      <thm15:themeFamily xmlns:thm15="http://schemas.microsoft.com/office/thememl/2012/main" name="Gallery" id="{BBFCD31E-59A1-489D-B089-A3EAD7CAE12E}" vid="{F5E91637-A7B6-4E27-B710-77DA7014EE1E}"/>
+      <thm15:themeFamily xmlns:thm15="http://schemas.microsoft.com/office/thememl/2012/main" xmlns="" name="Gallery" id="{BBFCD31E-59A1-489D-B089-A3EAD7CAE12E}" vid="{F5E91637-A7B6-4E27-B710-77DA7014EE1E}"/>
     </a:ext>
   </a:extLst>
 </a:theme>

--- a/Presentation/Social_Media_Impact_final_ppt.pptx
+++ b/Presentation/Social_Media_Impact_final_ppt.pptx
@@ -12,17 +12,17 @@
     <p:sldId id="267" r:id="rId6"/>
     <p:sldId id="260" r:id="rId7"/>
     <p:sldId id="262" r:id="rId8"/>
-    <p:sldId id="268" r:id="rId9"/>
-    <p:sldId id="269" r:id="rId10"/>
-    <p:sldId id="273" r:id="rId11"/>
-    <p:sldId id="281" r:id="rId12"/>
-    <p:sldId id="282" r:id="rId13"/>
-    <p:sldId id="270" r:id="rId14"/>
-    <p:sldId id="264" r:id="rId15"/>
-    <p:sldId id="283" r:id="rId16"/>
-    <p:sldId id="284" r:id="rId17"/>
-    <p:sldId id="274" r:id="rId18"/>
-    <p:sldId id="261" r:id="rId19"/>
+    <p:sldId id="274" r:id="rId9"/>
+    <p:sldId id="261" r:id="rId10"/>
+    <p:sldId id="268" r:id="rId11"/>
+    <p:sldId id="269" r:id="rId12"/>
+    <p:sldId id="273" r:id="rId13"/>
+    <p:sldId id="281" r:id="rId14"/>
+    <p:sldId id="282" r:id="rId15"/>
+    <p:sldId id="270" r:id="rId16"/>
+    <p:sldId id="264" r:id="rId17"/>
+    <p:sldId id="283" r:id="rId18"/>
+    <p:sldId id="284" r:id="rId19"/>
     <p:sldId id="275" r:id="rId20"/>
     <p:sldId id="276" r:id="rId21"/>
     <p:sldId id="277" r:id="rId22"/>
@@ -129,7 +129,18 @@
   </p:defaultTextStyle>
   <p:extLst>
     <p:ext uri="{EFAFB233-063F-42B5-8137-9DF3F51BA10A}">
-      <p15:sldGuideLst xmlns:p15="http://schemas.microsoft.com/office/powerpoint/2012/main" xmlns=""/>
+      <p15:sldGuideLst xmlns:p15="http://schemas.microsoft.com/office/powerpoint/2012/main">
+        <p15:guide id="1" orient="horz" pos="2160">
+          <p15:clr>
+            <a:srgbClr val="A4A3A4"/>
+          </p15:clr>
+        </p15:guide>
+        <p15:guide id="2" pos="3840">
+          <p15:clr>
+            <a:srgbClr val="A4A3A4"/>
+          </p15:clr>
+        </p15:guide>
+      </p15:sldGuideLst>
     </p:ext>
   </p:extLst>
 </p:presentation>
@@ -276,7 +287,7 @@
             <a:fld id="{3F9AFA87-1417-4992-ABD9-27C3BC8CC883}" type="datetimeFigureOut">
               <a:rPr lang="en-US" smtClean="0"/>
               <a:pPr algn="r"/>
-              <a:t>4/2/2022</a:t>
+              <a:t>2022-04-05</a:t>
             </a:fld>
             <a:endParaRPr lang="en-US" dirty="0"/>
           </a:p>
@@ -488,7 +499,7 @@
           <a:p>
             <a:fld id="{3F9AFA87-1417-4992-ABD9-27C3BC8CC883}" type="datetimeFigureOut">
               <a:rPr lang="en-US" smtClean="0"/>
-              <a:t>4/2/2022</a:t>
+              <a:t>2022-04-05</a:t>
             </a:fld>
             <a:endParaRPr lang="en-US"/>
           </a:p>
@@ -703,7 +714,7 @@
           <a:p>
             <a:fld id="{3F9AFA87-1417-4992-ABD9-27C3BC8CC883}" type="datetimeFigureOut">
               <a:rPr lang="en-US" smtClean="0"/>
-              <a:t>4/2/2022</a:t>
+              <a:t>2022-04-05</a:t>
             </a:fld>
             <a:endParaRPr lang="en-US"/>
           </a:p>
@@ -904,7 +915,7 @@
           <a:p>
             <a:fld id="{3F9AFA87-1417-4992-ABD9-27C3BC8CC883}" type="datetimeFigureOut">
               <a:rPr lang="en-US" smtClean="0"/>
-              <a:t>4/2/2022</a:t>
+              <a:t>2022-04-05</a:t>
             </a:fld>
             <a:endParaRPr lang="en-US"/>
           </a:p>
@@ -1183,7 +1194,7 @@
           <a:p>
             <a:fld id="{3F9AFA87-1417-4992-ABD9-27C3BC8CC883}" type="datetimeFigureOut">
               <a:rPr lang="en-US" smtClean="0"/>
-              <a:t>4/2/2022</a:t>
+              <a:t>2022-04-05</a:t>
             </a:fld>
             <a:endParaRPr lang="en-US"/>
           </a:p>
@@ -1451,7 +1462,7 @@
           <a:p>
             <a:fld id="{3F9AFA87-1417-4992-ABD9-27C3BC8CC883}" type="datetimeFigureOut">
               <a:rPr lang="en-US" smtClean="0"/>
-              <a:t>4/2/2022</a:t>
+              <a:t>2022-04-05</a:t>
             </a:fld>
             <a:endParaRPr lang="en-US" dirty="0"/>
           </a:p>
@@ -1867,7 +1878,7 @@
           <a:p>
             <a:fld id="{3F9AFA87-1417-4992-ABD9-27C3BC8CC883}" type="datetimeFigureOut">
               <a:rPr lang="en-US" smtClean="0"/>
-              <a:t>4/2/2022</a:t>
+              <a:t>2022-04-05</a:t>
             </a:fld>
             <a:endParaRPr lang="en-US"/>
           </a:p>
@@ -2016,7 +2027,7 @@
           <a:p>
             <a:fld id="{3F9AFA87-1417-4992-ABD9-27C3BC8CC883}" type="datetimeFigureOut">
               <a:rPr lang="en-US" smtClean="0"/>
-              <a:t>4/2/2022</a:t>
+              <a:t>2022-04-05</a:t>
             </a:fld>
             <a:endParaRPr lang="en-US"/>
           </a:p>
@@ -2142,7 +2153,7 @@
           <a:p>
             <a:fld id="{3F9AFA87-1417-4992-ABD9-27C3BC8CC883}" type="datetimeFigureOut">
               <a:rPr lang="en-US" smtClean="0"/>
-              <a:t>4/2/2022</a:t>
+              <a:t>2022-04-05</a:t>
             </a:fld>
             <a:endParaRPr lang="en-US"/>
           </a:p>
@@ -2393,7 +2404,7 @@
           <a:p>
             <a:fld id="{3F9AFA87-1417-4992-ABD9-27C3BC8CC883}" type="datetimeFigureOut">
               <a:rPr lang="en-US" smtClean="0"/>
-              <a:t>4/2/2022</a:t>
+              <a:t>2022-04-05</a:t>
             </a:fld>
             <a:endParaRPr lang="en-US"/>
           </a:p>
@@ -2838,7 +2849,7 @@
           <a:p>
             <a:fld id="{3F9AFA87-1417-4992-ABD9-27C3BC8CC883}" type="datetimeFigureOut">
               <a:rPr lang="en-US" smtClean="0"/>
-              <a:t>4/2/2022</a:t>
+              <a:t>2022-04-05</a:t>
             </a:fld>
             <a:endParaRPr lang="en-US"/>
           </a:p>
@@ -3167,7 +3178,7 @@
             <a:fld id="{3F9AFA87-1417-4992-ABD9-27C3BC8CC883}" type="datetimeFigureOut">
               <a:rPr lang="en-US" smtClean="0"/>
               <a:pPr algn="r"/>
-              <a:t>4/2/2022</a:t>
+              <a:t>2022-04-05</a:t>
             </a:fld>
             <a:endParaRPr lang="en-US" dirty="0"/>
           </a:p>
@@ -3683,10 +3694,10 @@
           <p:cNvPr id="7" name="Rectangle 6">
             <a:extLst>
               <a:ext uri="{FF2B5EF4-FFF2-40B4-BE49-F238E27FC236}">
-                <a16:creationId xmlns:a16="http://schemas.microsoft.com/office/drawing/2014/main" xmlns="" id="{23522FE7-5A29-4EF6-B1EF-2CA55748A772}"/>
+                <a16:creationId xmlns:a16="http://schemas.microsoft.com/office/drawing/2014/main" id="{23522FE7-5A29-4EF6-B1EF-2CA55748A772}"/>
               </a:ext>
               <a:ext uri="{C183D7F6-B498-43B3-948B-1728B52AA6E4}">
-                <adec:decorative xmlns:adec="http://schemas.microsoft.com/office/drawing/2017/decorative" xmlns="" val="1"/>
+                <adec:decorative xmlns:adec="http://schemas.microsoft.com/office/drawing/2017/decorative" val="1"/>
               </a:ext>
             </a:extLst>
           </p:cNvPr>
@@ -3696,7 +3707,7 @@
           <p:nvPr>
             <p:extLst>
               <p:ext uri="{386F3935-93C4-4BCD-93E2-E3B085C9AB24}">
-                <p16:designElem xmlns:p16="http://schemas.microsoft.com/office/powerpoint/2015/main" xmlns="" val="1"/>
+                <p16:designElem xmlns:p16="http://schemas.microsoft.com/office/powerpoint/2015/main" val="1"/>
               </p:ext>
             </p:extLst>
           </p:nvPr>
@@ -3749,10 +3760,10 @@
           <p:cNvPr id="9" name="Picture 8">
             <a:extLst>
               <a:ext uri="{FF2B5EF4-FFF2-40B4-BE49-F238E27FC236}">
-                <a16:creationId xmlns:a16="http://schemas.microsoft.com/office/drawing/2014/main" xmlns="" id="{C2192E09-EBC7-416C-B887-DFF915D7F43D}"/>
+                <a16:creationId xmlns:a16="http://schemas.microsoft.com/office/drawing/2014/main" id="{C2192E09-EBC7-416C-B887-DFF915D7F43D}"/>
               </a:ext>
               <a:ext uri="{C183D7F6-B498-43B3-948B-1728B52AA6E4}">
-                <adec:decorative xmlns:adec="http://schemas.microsoft.com/office/drawing/2017/decorative" xmlns="" val="1"/>
+                <adec:decorative xmlns:adec="http://schemas.microsoft.com/office/drawing/2017/decorative" val="1"/>
               </a:ext>
             </a:extLst>
           </p:cNvPr>
@@ -3762,7 +3773,7 @@
           <p:nvPr>
             <p:extLst>
               <p:ext uri="{386F3935-93C4-4BCD-93E2-E3B085C9AB24}">
-                <p16:designElem xmlns:p16="http://schemas.microsoft.com/office/powerpoint/2015/main" xmlns="" val="1"/>
+                <p16:designElem xmlns:p16="http://schemas.microsoft.com/office/powerpoint/2015/main" val="1"/>
               </p:ext>
             </p:extLst>
           </p:nvPr>
@@ -3793,10 +3804,10 @@
           <p:cNvPr id="11" name="Straight Connector 10">
             <a:extLst>
               <a:ext uri="{FF2B5EF4-FFF2-40B4-BE49-F238E27FC236}">
-                <a16:creationId xmlns:a16="http://schemas.microsoft.com/office/drawing/2014/main" xmlns="" id="{2924498D-E084-44BE-A196-CFCE35564350}"/>
+                <a16:creationId xmlns:a16="http://schemas.microsoft.com/office/drawing/2014/main" id="{2924498D-E084-44BE-A196-CFCE35564350}"/>
               </a:ext>
               <a:ext uri="{C183D7F6-B498-43B3-948B-1728B52AA6E4}">
-                <adec:decorative xmlns:adec="http://schemas.microsoft.com/office/drawing/2017/decorative" xmlns="" val="1"/>
+                <adec:decorative xmlns:adec="http://schemas.microsoft.com/office/drawing/2017/decorative" val="1"/>
               </a:ext>
             </a:extLst>
           </p:cNvPr>
@@ -3806,7 +3817,7 @@
           <p:nvPr>
             <p:extLst>
               <p:ext uri="{386F3935-93C4-4BCD-93E2-E3B085C9AB24}">
-                <p16:designElem xmlns:p16="http://schemas.microsoft.com/office/powerpoint/2015/main" xmlns="" val="1"/>
+                <p16:designElem xmlns:p16="http://schemas.microsoft.com/office/powerpoint/2015/main" val="1"/>
               </p:ext>
             </p:extLst>
           </p:nvPr>
@@ -3847,10 +3858,10 @@
           <p:cNvPr id="13" name="Straight Connector 12">
             <a:extLst>
               <a:ext uri="{FF2B5EF4-FFF2-40B4-BE49-F238E27FC236}">
-                <a16:creationId xmlns:a16="http://schemas.microsoft.com/office/drawing/2014/main" xmlns="" id="{3BBC7667-C352-4842-9AFD-E5C16AD002F4}"/>
+                <a16:creationId xmlns:a16="http://schemas.microsoft.com/office/drawing/2014/main" id="{3BBC7667-C352-4842-9AFD-E5C16AD002F4}"/>
               </a:ext>
               <a:ext uri="{C183D7F6-B498-43B3-948B-1728B52AA6E4}">
-                <adec:decorative xmlns:adec="http://schemas.microsoft.com/office/drawing/2017/decorative" xmlns="" val="1"/>
+                <adec:decorative xmlns:adec="http://schemas.microsoft.com/office/drawing/2017/decorative" val="1"/>
               </a:ext>
             </a:extLst>
           </p:cNvPr>
@@ -3860,7 +3871,7 @@
           <p:nvPr>
             <p:extLst>
               <p:ext uri="{386F3935-93C4-4BCD-93E2-E3B085C9AB24}">
-                <p16:designElem xmlns:p16="http://schemas.microsoft.com/office/powerpoint/2015/main" xmlns="" val="1"/>
+                <p16:designElem xmlns:p16="http://schemas.microsoft.com/office/powerpoint/2015/main" val="1"/>
               </p:ext>
             </p:extLst>
           </p:nvPr>
@@ -3895,10 +3906,10 @@
           <p:cNvPr id="15" name="Rectangle 14">
             <a:extLst>
               <a:ext uri="{FF2B5EF4-FFF2-40B4-BE49-F238E27FC236}">
-                <a16:creationId xmlns:a16="http://schemas.microsoft.com/office/drawing/2014/main" xmlns="" id="{F0AB17F6-592B-45CB-96F6-705C9825AFBC}"/>
+                <a16:creationId xmlns:a16="http://schemas.microsoft.com/office/drawing/2014/main" id="{F0AB17F6-592B-45CB-96F6-705C9825AFBC}"/>
               </a:ext>
               <a:ext uri="{C183D7F6-B498-43B3-948B-1728B52AA6E4}">
-                <adec:decorative xmlns:adec="http://schemas.microsoft.com/office/drawing/2017/decorative" xmlns="" val="1"/>
+                <adec:decorative xmlns:adec="http://schemas.microsoft.com/office/drawing/2017/decorative" val="1"/>
               </a:ext>
             </a:extLst>
           </p:cNvPr>
@@ -3908,7 +3919,7 @@
           <p:nvPr>
             <p:extLst>
               <p:ext uri="{386F3935-93C4-4BCD-93E2-E3B085C9AB24}">
-                <p16:designElem xmlns:p16="http://schemas.microsoft.com/office/powerpoint/2015/main" xmlns="" val="1"/>
+                <p16:designElem xmlns:p16="http://schemas.microsoft.com/office/powerpoint/2015/main" val="1"/>
               </p:ext>
             </p:extLst>
           </p:nvPr>
@@ -3955,7 +3966,7 @@
           <p:cNvPr id="2" name="Title 1">
             <a:extLst>
               <a:ext uri="{FF2B5EF4-FFF2-40B4-BE49-F238E27FC236}">
-                <a16:creationId xmlns:a16="http://schemas.microsoft.com/office/drawing/2014/main" xmlns="" id="{6FC29038-DDBC-4BFF-89F4-CE1EC9E6EEB3}"/>
+                <a16:creationId xmlns:a16="http://schemas.microsoft.com/office/drawing/2014/main" id="{6FC29038-DDBC-4BFF-89F4-CE1EC9E6EEB3}"/>
               </a:ext>
             </a:extLst>
           </p:cNvPr>
@@ -3991,10 +4002,10 @@
           <p:cNvPr id="17" name="Straight Connector 16">
             <a:extLst>
               <a:ext uri="{FF2B5EF4-FFF2-40B4-BE49-F238E27FC236}">
-                <a16:creationId xmlns:a16="http://schemas.microsoft.com/office/drawing/2014/main" xmlns="" id="{5A9284E7-0823-472D-9963-18D89DFEB8B4}"/>
+                <a16:creationId xmlns:a16="http://schemas.microsoft.com/office/drawing/2014/main" id="{5A9284E7-0823-472D-9963-18D89DFEB8B4}"/>
               </a:ext>
               <a:ext uri="{C183D7F6-B498-43B3-948B-1728B52AA6E4}">
-                <adec:decorative xmlns:adec="http://schemas.microsoft.com/office/drawing/2017/decorative" xmlns="" val="1"/>
+                <adec:decorative xmlns:adec="http://schemas.microsoft.com/office/drawing/2017/decorative" val="1"/>
               </a:ext>
             </a:extLst>
           </p:cNvPr>
@@ -4004,7 +4015,7 @@
           <p:nvPr>
             <p:extLst>
               <p:ext uri="{386F3935-93C4-4BCD-93E2-E3B085C9AB24}">
-                <p16:designElem xmlns:p16="http://schemas.microsoft.com/office/powerpoint/2015/main" xmlns="" val="1"/>
+                <p16:designElem xmlns:p16="http://schemas.microsoft.com/office/powerpoint/2015/main" val="1"/>
               </p:ext>
             </p:extLst>
           </p:nvPr>
@@ -4093,10 +4104,10 @@
           <p:cNvPr id="7" name="Rectangle 6">
             <a:extLst>
               <a:ext uri="{FF2B5EF4-FFF2-40B4-BE49-F238E27FC236}">
-                <a16:creationId xmlns:a16="http://schemas.microsoft.com/office/drawing/2014/main" xmlns="" id="{23522FE7-5A29-4EF6-B1EF-2CA55748A772}"/>
+                <a16:creationId xmlns:a16="http://schemas.microsoft.com/office/drawing/2014/main" id="{23522FE7-5A29-4EF6-B1EF-2CA55748A772}"/>
               </a:ext>
               <a:ext uri="{C183D7F6-B498-43B3-948B-1728B52AA6E4}">
-                <adec:decorative xmlns:adec="http://schemas.microsoft.com/office/drawing/2017/decorative" xmlns="" val="1"/>
+                <adec:decorative xmlns:adec="http://schemas.microsoft.com/office/drawing/2017/decorative" val="1"/>
               </a:ext>
             </a:extLst>
           </p:cNvPr>
@@ -4106,7 +4117,7 @@
           <p:nvPr>
             <p:extLst>
               <p:ext uri="{386F3935-93C4-4BCD-93E2-E3B085C9AB24}">
-                <p16:designElem xmlns:p16="http://schemas.microsoft.com/office/powerpoint/2015/main" xmlns="" val="1"/>
+                <p16:designElem xmlns:p16="http://schemas.microsoft.com/office/powerpoint/2015/main" val="1"/>
               </p:ext>
             </p:extLst>
           </p:nvPr>
@@ -4159,10 +4170,10 @@
           <p:cNvPr id="9" name="Picture 8">
             <a:extLst>
               <a:ext uri="{FF2B5EF4-FFF2-40B4-BE49-F238E27FC236}">
-                <a16:creationId xmlns:a16="http://schemas.microsoft.com/office/drawing/2014/main" xmlns="" id="{C2192E09-EBC7-416C-B887-DFF915D7F43D}"/>
+                <a16:creationId xmlns:a16="http://schemas.microsoft.com/office/drawing/2014/main" id="{C2192E09-EBC7-416C-B887-DFF915D7F43D}"/>
               </a:ext>
               <a:ext uri="{C183D7F6-B498-43B3-948B-1728B52AA6E4}">
-                <adec:decorative xmlns:adec="http://schemas.microsoft.com/office/drawing/2017/decorative" xmlns="" val="1"/>
+                <adec:decorative xmlns:adec="http://schemas.microsoft.com/office/drawing/2017/decorative" val="1"/>
               </a:ext>
             </a:extLst>
           </p:cNvPr>
@@ -4172,7 +4183,7 @@
           <p:nvPr>
             <p:extLst>
               <p:ext uri="{386F3935-93C4-4BCD-93E2-E3B085C9AB24}">
-                <p16:designElem xmlns:p16="http://schemas.microsoft.com/office/powerpoint/2015/main" xmlns="" val="1"/>
+                <p16:designElem xmlns:p16="http://schemas.microsoft.com/office/powerpoint/2015/main" val="1"/>
               </p:ext>
             </p:extLst>
           </p:nvPr>
@@ -4203,10 +4214,10 @@
           <p:cNvPr id="11" name="Straight Connector 10">
             <a:extLst>
               <a:ext uri="{FF2B5EF4-FFF2-40B4-BE49-F238E27FC236}">
-                <a16:creationId xmlns:a16="http://schemas.microsoft.com/office/drawing/2014/main" xmlns="" id="{2924498D-E084-44BE-A196-CFCE35564350}"/>
+                <a16:creationId xmlns:a16="http://schemas.microsoft.com/office/drawing/2014/main" id="{2924498D-E084-44BE-A196-CFCE35564350}"/>
               </a:ext>
               <a:ext uri="{C183D7F6-B498-43B3-948B-1728B52AA6E4}">
-                <adec:decorative xmlns:adec="http://schemas.microsoft.com/office/drawing/2017/decorative" xmlns="" val="1"/>
+                <adec:decorative xmlns:adec="http://schemas.microsoft.com/office/drawing/2017/decorative" val="1"/>
               </a:ext>
             </a:extLst>
           </p:cNvPr>
@@ -4216,7 +4227,7 @@
           <p:nvPr>
             <p:extLst>
               <p:ext uri="{386F3935-93C4-4BCD-93E2-E3B085C9AB24}">
-                <p16:designElem xmlns:p16="http://schemas.microsoft.com/office/powerpoint/2015/main" xmlns="" val="1"/>
+                <p16:designElem xmlns:p16="http://schemas.microsoft.com/office/powerpoint/2015/main" val="1"/>
               </p:ext>
             </p:extLst>
           </p:nvPr>
@@ -4257,10 +4268,10 @@
           <p:cNvPr id="13" name="Straight Connector 12">
             <a:extLst>
               <a:ext uri="{FF2B5EF4-FFF2-40B4-BE49-F238E27FC236}">
-                <a16:creationId xmlns:a16="http://schemas.microsoft.com/office/drawing/2014/main" xmlns="" id="{3BBC7667-C352-4842-9AFD-E5C16AD002F4}"/>
+                <a16:creationId xmlns:a16="http://schemas.microsoft.com/office/drawing/2014/main" id="{3BBC7667-C352-4842-9AFD-E5C16AD002F4}"/>
               </a:ext>
               <a:ext uri="{C183D7F6-B498-43B3-948B-1728B52AA6E4}">
-                <adec:decorative xmlns:adec="http://schemas.microsoft.com/office/drawing/2017/decorative" xmlns="" val="1"/>
+                <adec:decorative xmlns:adec="http://schemas.microsoft.com/office/drawing/2017/decorative" val="1"/>
               </a:ext>
             </a:extLst>
           </p:cNvPr>
@@ -4270,7 +4281,7 @@
           <p:nvPr>
             <p:extLst>
               <p:ext uri="{386F3935-93C4-4BCD-93E2-E3B085C9AB24}">
-                <p16:designElem xmlns:p16="http://schemas.microsoft.com/office/powerpoint/2015/main" xmlns="" val="1"/>
+                <p16:designElem xmlns:p16="http://schemas.microsoft.com/office/powerpoint/2015/main" val="1"/>
               </p:ext>
             </p:extLst>
           </p:nvPr>
@@ -4305,10 +4316,10 @@
           <p:cNvPr id="15" name="Rectangle 14">
             <a:extLst>
               <a:ext uri="{FF2B5EF4-FFF2-40B4-BE49-F238E27FC236}">
-                <a16:creationId xmlns:a16="http://schemas.microsoft.com/office/drawing/2014/main" xmlns="" id="{F0AB17F6-592B-45CB-96F6-705C9825AFBC}"/>
+                <a16:creationId xmlns:a16="http://schemas.microsoft.com/office/drawing/2014/main" id="{F0AB17F6-592B-45CB-96F6-705C9825AFBC}"/>
               </a:ext>
               <a:ext uri="{C183D7F6-B498-43B3-948B-1728B52AA6E4}">
-                <adec:decorative xmlns:adec="http://schemas.microsoft.com/office/drawing/2017/decorative" xmlns="" val="1"/>
+                <adec:decorative xmlns:adec="http://schemas.microsoft.com/office/drawing/2017/decorative" val="1"/>
               </a:ext>
             </a:extLst>
           </p:cNvPr>
@@ -4318,7 +4329,7 @@
           <p:nvPr>
             <p:extLst>
               <p:ext uri="{386F3935-93C4-4BCD-93E2-E3B085C9AB24}">
-                <p16:designElem xmlns:p16="http://schemas.microsoft.com/office/powerpoint/2015/main" xmlns="" val="1"/>
+                <p16:designElem xmlns:p16="http://schemas.microsoft.com/office/powerpoint/2015/main" val="1"/>
               </p:ext>
             </p:extLst>
           </p:nvPr>
@@ -4365,7 +4376,7 @@
           <p:cNvPr id="2" name="Title 1">
             <a:extLst>
               <a:ext uri="{FF2B5EF4-FFF2-40B4-BE49-F238E27FC236}">
-                <a16:creationId xmlns:a16="http://schemas.microsoft.com/office/drawing/2014/main" xmlns="" id="{6FC29038-DDBC-4BFF-89F4-CE1EC9E6EEB3}"/>
+                <a16:creationId xmlns:a16="http://schemas.microsoft.com/office/drawing/2014/main" id="{6FC29038-DDBC-4BFF-89F4-CE1EC9E6EEB3}"/>
               </a:ext>
             </a:extLst>
           </p:cNvPr>
@@ -4378,8 +4389,8 @@
         </p:nvSpPr>
         <p:spPr>
           <a:xfrm>
-            <a:off x="4880114" y="802298"/>
-            <a:ext cx="6261652" cy="5116985"/>
+            <a:off x="5039066" y="802298"/>
+            <a:ext cx="6015784" cy="5116985"/>
           </a:xfrm>
         </p:spPr>
         <p:txBody>
@@ -4391,15 +4402,11 @@
             <a:pPr marL="1143000" indent="-1143000"/>
             <a:r>
               <a:rPr lang="en-US" sz="6600" dirty="0"/>
-              <a:t>5</a:t>
-            </a:r>
-            <a:r>
-              <a:rPr lang="en-US" sz="6600" dirty="0" smtClean="0"/>
-              <a:t>. </a:t>
+              <a:t>5. </a:t>
             </a:r>
             <a:r>
               <a:rPr lang="en-US" sz="5800" dirty="0"/>
-              <a:t>Data exploration</a:t>
+              <a:t>Analytical objectives</a:t>
             </a:r>
           </a:p>
         </p:txBody>
@@ -4409,10 +4416,10 @@
           <p:cNvPr id="17" name="Straight Connector 16">
             <a:extLst>
               <a:ext uri="{FF2B5EF4-FFF2-40B4-BE49-F238E27FC236}">
-                <a16:creationId xmlns:a16="http://schemas.microsoft.com/office/drawing/2014/main" xmlns="" id="{5A9284E7-0823-472D-9963-18D89DFEB8B4}"/>
+                <a16:creationId xmlns:a16="http://schemas.microsoft.com/office/drawing/2014/main" id="{5A9284E7-0823-472D-9963-18D89DFEB8B4}"/>
               </a:ext>
               <a:ext uri="{C183D7F6-B498-43B3-948B-1728B52AA6E4}">
-                <adec:decorative xmlns:adec="http://schemas.microsoft.com/office/drawing/2017/decorative" xmlns="" val="1"/>
+                <adec:decorative xmlns:adec="http://schemas.microsoft.com/office/drawing/2017/decorative" val="1"/>
               </a:ext>
             </a:extLst>
           </p:cNvPr>
@@ -4422,7 +4429,7 @@
           <p:nvPr>
             <p:extLst>
               <p:ext uri="{386F3935-93C4-4BCD-93E2-E3B085C9AB24}">
-                <p16:designElem xmlns:p16="http://schemas.microsoft.com/office/powerpoint/2015/main" xmlns="" val="1"/>
+                <p16:designElem xmlns:p16="http://schemas.microsoft.com/office/powerpoint/2015/main" val="1"/>
               </p:ext>
             </p:extLst>
           </p:nvPr>
@@ -4455,26 +4462,43 @@
     </p:spTree>
     <p:extLst>
       <p:ext uri="{BB962C8B-B14F-4D97-AF65-F5344CB8AC3E}">
-        <p14:creationId xmlns:p14="http://schemas.microsoft.com/office/powerpoint/2010/main" val="3962991913"/>
+        <p14:creationId xmlns:p14="http://schemas.microsoft.com/office/powerpoint/2010/main" val="3351353499"/>
       </p:ext>
     </p:extLst>
   </p:cSld>
   <p:clrMapOvr>
     <a:overrideClrMapping bg1="dk1" tx1="lt1" bg2="dk2" tx2="lt2" accent1="accent1" accent2="accent2" accent3="accent3" accent4="accent4" accent5="accent5" accent6="accent6" hlink="hlink" folHlink="folHlink"/>
   </p:clrMapOvr>
-  <p:timing>
-    <p:tnLst>
-      <p:par>
-        <p:cTn id="1" dur="indefinite" restart="never" nodeType="tmRoot"/>
-      </p:par>
-    </p:tnLst>
-  </p:timing>
 </p:sld>
 </file>
 
 <file path=ppt/slides/slide11.xml><?xml version="1.0" encoding="utf-8"?>
 <p:sld xmlns:a="http://schemas.openxmlformats.org/drawingml/2006/main" xmlns:r="http://schemas.openxmlformats.org/officeDocument/2006/relationships" xmlns:p="http://schemas.openxmlformats.org/presentationml/2006/main">
   <p:cSld>
+    <p:bg>
+      <p:bgPr>
+        <a:gradFill rotWithShape="1">
+          <a:gsLst>
+            <a:gs pos="0">
+              <a:schemeClr val="bg2">
+                <a:tint val="94000"/>
+                <a:satMod val="80000"/>
+                <a:lumMod val="106000"/>
+              </a:schemeClr>
+            </a:gs>
+            <a:gs pos="100000">
+              <a:schemeClr val="bg2">
+                <a:shade val="80000"/>
+              </a:schemeClr>
+            </a:gs>
+          </a:gsLst>
+          <a:path path="circle">
+            <a:fillToRect l="43000" r="43000" b="100000"/>
+          </a:path>
+        </a:gradFill>
+        <a:effectLst/>
+      </p:bgPr>
+    </p:bg>
     <p:spTree>
       <p:nvGrpSpPr>
         <p:cNvPr id="1" name=""/>
@@ -4494,7 +4518,7 @@
           <p:cNvPr id="2" name="Title 1">
             <a:extLst>
               <a:ext uri="{FF2B5EF4-FFF2-40B4-BE49-F238E27FC236}">
-                <a16:creationId xmlns:a16="http://schemas.microsoft.com/office/drawing/2014/main" xmlns="" id="{8889499D-19E6-427B-B727-0C2FA93DD911}"/>
+                <a16:creationId xmlns:a16="http://schemas.microsoft.com/office/drawing/2014/main" id="{8889499D-19E6-427B-B727-0C2FA93DD911}"/>
               </a:ext>
             </a:extLst>
           </p:cNvPr>
@@ -4517,20 +4541,71 @@
           </a:bodyPr>
           <a:lstStyle/>
           <a:p>
-            <a:pPr algn="ctr"/>
             <a:r>
-              <a:rPr lang="en-US" dirty="0" smtClean="0"/>
-              <a:t>Pandas Info and describe Functions</a:t>
+              <a:rPr lang="en-US" dirty="0"/>
+              <a:t>Questions we hope to answer with data</a:t>
             </a:r>
+          </a:p>
+        </p:txBody>
+      </p:sp>
+      <p:sp>
+        <p:nvSpPr>
+          <p:cNvPr id="3" name="Content Placeholder 2">
+            <a:extLst>
+              <a:ext uri="{FF2B5EF4-FFF2-40B4-BE49-F238E27FC236}">
+                <a16:creationId xmlns:a16="http://schemas.microsoft.com/office/drawing/2014/main" id="{D5267366-8BC9-4150-9547-80CF723798F3}"/>
+              </a:ext>
+            </a:extLst>
+          </p:cNvPr>
+          <p:cNvSpPr>
+            <a:spLocks noGrp="1"/>
+          </p:cNvSpPr>
+          <p:nvPr>
+            <p:ph idx="1"/>
+          </p:nvPr>
+        </p:nvSpPr>
+        <p:spPr>
+          <a:xfrm>
+            <a:off x="1451579" y="2015734"/>
+            <a:ext cx="4034821" cy="3450613"/>
+          </a:xfrm>
+        </p:spPr>
+        <p:txBody>
+          <a:bodyPr>
+            <a:normAutofit/>
+          </a:bodyPr>
+          <a:lstStyle/>
+          <a:p>
+            <a:pPr marL="0" indent="0">
+              <a:buNone/>
+            </a:pPr>
+            <a:r>
+              <a:rPr lang="en-US" b="0" i="0" dirty="0">
+                <a:effectLst/>
+                <a:latin typeface="-apple-system"/>
+              </a:rPr>
+              <a:t>We wanted to determine whether an uptick in social media use in recent years overlaps with an increase in suicide rates, particularly among younger cohorts who use social media in the greatest numbers. To determine correlation, we plan to visualize U.S. suicide rates and social media use over time.</a:t>
+            </a:r>
+          </a:p>
+          <a:p>
+            <a:pPr marL="0" indent="0">
+              <a:buNone/>
+            </a:pPr>
             <a:endParaRPr lang="en-US" dirty="0"/>
           </a:p>
         </p:txBody>
       </p:sp>
       <p:pic>
         <p:nvPicPr>
-          <p:cNvPr id="1026" name="Picture 2" descr="C:\Users\quang\Desktop\Class\Social_media_impact\Jupyter_Notebook\analysis\info.PNG"/>
+          <p:cNvPr id="5" name="Picture 4" descr="Chart, line chart&#10;&#10;Description automatically generated">
+            <a:extLst>
+              <a:ext uri="{FF2B5EF4-FFF2-40B4-BE49-F238E27FC236}">
+                <a16:creationId xmlns:a16="http://schemas.microsoft.com/office/drawing/2014/main" id="{6AFBE7AF-C1DD-4418-96F5-8CDF47DBE8B4}"/>
+              </a:ext>
+            </a:extLst>
+          </p:cNvPr>
           <p:cNvPicPr>
-            <a:picLocks noChangeAspect="1" noChangeArrowheads="1"/>
+            <a:picLocks noChangeAspect="1"/>
           </p:cNvPicPr>
           <p:nvPr/>
         </p:nvPicPr>
@@ -4542,195 +4617,34 @@
               </a:ext>
             </a:extLst>
           </a:blip>
-          <a:srcRect/>
           <a:stretch>
             <a:fillRect/>
           </a:stretch>
         </p:blipFill>
-        <p:spPr bwMode="auto">
-          <a:xfrm>
-            <a:off x="206208" y="2010246"/>
-            <a:ext cx="3954463" cy="3154362"/>
+        <p:spPr>
+          <a:xfrm>
+            <a:off x="5486400" y="2015733"/>
+            <a:ext cx="5587999" cy="3450613"/>
           </a:xfrm>
           <a:prstGeom prst="rect">
             <a:avLst/>
           </a:prstGeom>
-          <a:noFill/>
-          <a:extLst>
-            <a:ext uri="{909E8E84-426E-40DD-AFC4-6F175D3DCCD1}">
-              <a14:hiddenFill xmlns:a14="http://schemas.microsoft.com/office/drawing/2010/main">
-                <a:solidFill>
-                  <a:srgbClr val="FFFFFF"/>
-                </a:solidFill>
-              </a14:hiddenFill>
-            </a:ext>
-          </a:extLst>
-        </p:spPr>
-      </p:pic>
-      <p:pic>
-        <p:nvPicPr>
-          <p:cNvPr id="1027" name="Picture 3" descr="C:\Users\quang\Desktop\Class\Social_media_impact\Images\df_describe.png"/>
-          <p:cNvPicPr>
-            <a:picLocks noChangeAspect="1" noChangeArrowheads="1"/>
-          </p:cNvPicPr>
-          <p:nvPr/>
-        </p:nvPicPr>
-        <p:blipFill>
-          <a:blip r:embed="rId3">
-            <a:extLst>
-              <a:ext uri="{28A0092B-C50C-407E-A947-70E740481C1C}">
-                <a14:useLocalDpi xmlns:a14="http://schemas.microsoft.com/office/drawing/2010/main" val="0"/>
-              </a:ext>
-            </a:extLst>
-          </a:blip>
-          <a:srcRect/>
-          <a:stretch>
-            <a:fillRect/>
-          </a:stretch>
-        </p:blipFill>
-        <p:spPr bwMode="auto">
-          <a:xfrm>
-            <a:off x="4389669" y="2277777"/>
-            <a:ext cx="7589838" cy="2312988"/>
-          </a:xfrm>
-          <a:prstGeom prst="rect">
-            <a:avLst/>
-          </a:prstGeom>
-          <a:noFill/>
-          <a:extLst>
-            <a:ext uri="{909E8E84-426E-40DD-AFC4-6F175D3DCCD1}">
-              <a14:hiddenFill xmlns:a14="http://schemas.microsoft.com/office/drawing/2010/main">
-                <a:solidFill>
-                  <a:srgbClr val="FFFFFF"/>
-                </a:solidFill>
-              </a14:hiddenFill>
-            </a:ext>
-          </a:extLst>
         </p:spPr>
       </p:pic>
     </p:spTree>
     <p:extLst>
       <p:ext uri="{BB962C8B-B14F-4D97-AF65-F5344CB8AC3E}">
-        <p14:creationId xmlns:p14="http://schemas.microsoft.com/office/powerpoint/2010/main" val="3825090282"/>
+        <p14:creationId xmlns:p14="http://schemas.microsoft.com/office/powerpoint/2010/main" val="3557065428"/>
       </p:ext>
     </p:extLst>
   </p:cSld>
   <p:clrMapOvr>
     <a:masterClrMapping/>
   </p:clrMapOvr>
-  <p:timing>
-    <p:tnLst>
-      <p:par>
-        <p:cTn id="1" dur="indefinite" restart="never" nodeType="tmRoot"/>
-      </p:par>
-    </p:tnLst>
-  </p:timing>
 </p:sld>
 </file>
 
 <file path=ppt/slides/slide12.xml><?xml version="1.0" encoding="utf-8"?>
-<p:sld xmlns:a="http://schemas.openxmlformats.org/drawingml/2006/main" xmlns:r="http://schemas.openxmlformats.org/officeDocument/2006/relationships" xmlns:p="http://schemas.openxmlformats.org/presentationml/2006/main">
-  <p:cSld>
-    <p:spTree>
-      <p:nvGrpSpPr>
-        <p:cNvPr id="1" name=""/>
-        <p:cNvGrpSpPr/>
-        <p:nvPr/>
-      </p:nvGrpSpPr>
-      <p:grpSpPr>
-        <a:xfrm>
-          <a:off x="0" y="0"/>
-          <a:ext cx="0" cy="0"/>
-          <a:chOff x="0" y="0"/>
-          <a:chExt cx="0" cy="0"/>
-        </a:xfrm>
-      </p:grpSpPr>
-      <p:sp>
-        <p:nvSpPr>
-          <p:cNvPr id="2" name="Title 1"/>
-          <p:cNvSpPr>
-            <a:spLocks noGrp="1"/>
-          </p:cNvSpPr>
-          <p:nvPr>
-            <p:ph type="title"/>
-          </p:nvPr>
-        </p:nvSpPr>
-        <p:spPr/>
-        <p:txBody>
-          <a:bodyPr/>
-          <a:lstStyle/>
-          <a:p>
-            <a:pPr algn="ctr"/>
-            <a:r>
-              <a:rPr lang="en-US" dirty="0" smtClean="0"/>
-              <a:t>Visual Exploratory data Analysis</a:t>
-            </a:r>
-            <a:endParaRPr lang="en-US" dirty="0"/>
-          </a:p>
-        </p:txBody>
-      </p:sp>
-      <p:pic>
-        <p:nvPicPr>
-          <p:cNvPr id="2050" name="Picture 2" descr="C:\Users\quang\Desktop\Class\Social_media_impact\Jupyter_Notebook\analysis\Fig1.png"/>
-          <p:cNvPicPr>
-            <a:picLocks noChangeAspect="1" noChangeArrowheads="1"/>
-          </p:cNvPicPr>
-          <p:nvPr/>
-        </p:nvPicPr>
-        <p:blipFill>
-          <a:blip r:embed="rId2">
-            <a:extLst>
-              <a:ext uri="{28A0092B-C50C-407E-A947-70E740481C1C}">
-                <a14:useLocalDpi xmlns:a14="http://schemas.microsoft.com/office/drawing/2010/main" val="0"/>
-              </a:ext>
-            </a:extLst>
-          </a:blip>
-          <a:srcRect/>
-          <a:stretch>
-            <a:fillRect/>
-          </a:stretch>
-        </p:blipFill>
-        <p:spPr bwMode="auto">
-          <a:xfrm>
-            <a:off x="3026535" y="2026379"/>
-            <a:ext cx="5798690" cy="3865793"/>
-          </a:xfrm>
-          <a:prstGeom prst="rect">
-            <a:avLst/>
-          </a:prstGeom>
-          <a:noFill/>
-          <a:extLst>
-            <a:ext uri="{909E8E84-426E-40DD-AFC4-6F175D3DCCD1}">
-              <a14:hiddenFill xmlns:a14="http://schemas.microsoft.com/office/drawing/2010/main">
-                <a:solidFill>
-                  <a:srgbClr val="FFFFFF"/>
-                </a:solidFill>
-              </a14:hiddenFill>
-            </a:ext>
-          </a:extLst>
-        </p:spPr>
-      </p:pic>
-    </p:spTree>
-    <p:extLst>
-      <p:ext uri="{BB962C8B-B14F-4D97-AF65-F5344CB8AC3E}">
-        <p14:creationId xmlns:p14="http://schemas.microsoft.com/office/powerpoint/2010/main" val="1773768050"/>
-      </p:ext>
-    </p:extLst>
-  </p:cSld>
-  <p:clrMapOvr>
-    <a:masterClrMapping/>
-  </p:clrMapOvr>
-  <p:timing>
-    <p:tnLst>
-      <p:par>
-        <p:cTn id="1" dur="indefinite" restart="never" nodeType="tmRoot"/>
-      </p:par>
-    </p:tnLst>
-  </p:timing>
-</p:sld>
-</file>
-
-<file path=ppt/slides/slide13.xml><?xml version="1.0" encoding="utf-8"?>
 <p:sld xmlns:a="http://schemas.openxmlformats.org/drawingml/2006/main" xmlns:r="http://schemas.openxmlformats.org/officeDocument/2006/relationships" xmlns:p="http://schemas.openxmlformats.org/presentationml/2006/main">
   <p:cSld>
     <p:bg>
@@ -4776,10 +4690,10 @@
           <p:cNvPr id="7" name="Rectangle 6">
             <a:extLst>
               <a:ext uri="{FF2B5EF4-FFF2-40B4-BE49-F238E27FC236}">
-                <a16:creationId xmlns:a16="http://schemas.microsoft.com/office/drawing/2014/main" xmlns="" id="{23522FE7-5A29-4EF6-B1EF-2CA55748A772}"/>
+                <a16:creationId xmlns:a16="http://schemas.microsoft.com/office/drawing/2014/main" id="{23522FE7-5A29-4EF6-B1EF-2CA55748A772}"/>
               </a:ext>
               <a:ext uri="{C183D7F6-B498-43B3-948B-1728B52AA6E4}">
-                <adec:decorative xmlns:adec="http://schemas.microsoft.com/office/drawing/2017/decorative" xmlns="" val="1"/>
+                <adec:decorative xmlns:adec="http://schemas.microsoft.com/office/drawing/2017/decorative" val="1"/>
               </a:ext>
             </a:extLst>
           </p:cNvPr>
@@ -4789,7 +4703,7 @@
           <p:nvPr>
             <p:extLst>
               <p:ext uri="{386F3935-93C4-4BCD-93E2-E3B085C9AB24}">
-                <p16:designElem xmlns:p16="http://schemas.microsoft.com/office/powerpoint/2015/main" xmlns="" val="1"/>
+                <p16:designElem xmlns:p16="http://schemas.microsoft.com/office/powerpoint/2015/main" val="1"/>
               </p:ext>
             </p:extLst>
           </p:nvPr>
@@ -4842,10 +4756,10 @@
           <p:cNvPr id="9" name="Picture 8">
             <a:extLst>
               <a:ext uri="{FF2B5EF4-FFF2-40B4-BE49-F238E27FC236}">
-                <a16:creationId xmlns:a16="http://schemas.microsoft.com/office/drawing/2014/main" xmlns="" id="{C2192E09-EBC7-416C-B887-DFF915D7F43D}"/>
+                <a16:creationId xmlns:a16="http://schemas.microsoft.com/office/drawing/2014/main" id="{C2192E09-EBC7-416C-B887-DFF915D7F43D}"/>
               </a:ext>
               <a:ext uri="{C183D7F6-B498-43B3-948B-1728B52AA6E4}">
-                <adec:decorative xmlns:adec="http://schemas.microsoft.com/office/drawing/2017/decorative" xmlns="" val="1"/>
+                <adec:decorative xmlns:adec="http://schemas.microsoft.com/office/drawing/2017/decorative" val="1"/>
               </a:ext>
             </a:extLst>
           </p:cNvPr>
@@ -4855,7 +4769,7 @@
           <p:nvPr>
             <p:extLst>
               <p:ext uri="{386F3935-93C4-4BCD-93E2-E3B085C9AB24}">
-                <p16:designElem xmlns:p16="http://schemas.microsoft.com/office/powerpoint/2015/main" xmlns="" val="1"/>
+                <p16:designElem xmlns:p16="http://schemas.microsoft.com/office/powerpoint/2015/main" val="1"/>
               </p:ext>
             </p:extLst>
           </p:nvPr>
@@ -4886,10 +4800,10 @@
           <p:cNvPr id="11" name="Straight Connector 10">
             <a:extLst>
               <a:ext uri="{FF2B5EF4-FFF2-40B4-BE49-F238E27FC236}">
-                <a16:creationId xmlns:a16="http://schemas.microsoft.com/office/drawing/2014/main" xmlns="" id="{2924498D-E084-44BE-A196-CFCE35564350}"/>
+                <a16:creationId xmlns:a16="http://schemas.microsoft.com/office/drawing/2014/main" id="{2924498D-E084-44BE-A196-CFCE35564350}"/>
               </a:ext>
               <a:ext uri="{C183D7F6-B498-43B3-948B-1728B52AA6E4}">
-                <adec:decorative xmlns:adec="http://schemas.microsoft.com/office/drawing/2017/decorative" xmlns="" val="1"/>
+                <adec:decorative xmlns:adec="http://schemas.microsoft.com/office/drawing/2017/decorative" val="1"/>
               </a:ext>
             </a:extLst>
           </p:cNvPr>
@@ -4899,7 +4813,7 @@
           <p:nvPr>
             <p:extLst>
               <p:ext uri="{386F3935-93C4-4BCD-93E2-E3B085C9AB24}">
-                <p16:designElem xmlns:p16="http://schemas.microsoft.com/office/powerpoint/2015/main" xmlns="" val="1"/>
+                <p16:designElem xmlns:p16="http://schemas.microsoft.com/office/powerpoint/2015/main" val="1"/>
               </p:ext>
             </p:extLst>
           </p:nvPr>
@@ -4940,10 +4854,10 @@
           <p:cNvPr id="13" name="Straight Connector 12">
             <a:extLst>
               <a:ext uri="{FF2B5EF4-FFF2-40B4-BE49-F238E27FC236}">
-                <a16:creationId xmlns:a16="http://schemas.microsoft.com/office/drawing/2014/main" xmlns="" id="{3BBC7667-C352-4842-9AFD-E5C16AD002F4}"/>
+                <a16:creationId xmlns:a16="http://schemas.microsoft.com/office/drawing/2014/main" id="{3BBC7667-C352-4842-9AFD-E5C16AD002F4}"/>
               </a:ext>
               <a:ext uri="{C183D7F6-B498-43B3-948B-1728B52AA6E4}">
-                <adec:decorative xmlns:adec="http://schemas.microsoft.com/office/drawing/2017/decorative" xmlns="" val="1"/>
+                <adec:decorative xmlns:adec="http://schemas.microsoft.com/office/drawing/2017/decorative" val="1"/>
               </a:ext>
             </a:extLst>
           </p:cNvPr>
@@ -4953,7 +4867,7 @@
           <p:nvPr>
             <p:extLst>
               <p:ext uri="{386F3935-93C4-4BCD-93E2-E3B085C9AB24}">
-                <p16:designElem xmlns:p16="http://schemas.microsoft.com/office/powerpoint/2015/main" xmlns="" val="1"/>
+                <p16:designElem xmlns:p16="http://schemas.microsoft.com/office/powerpoint/2015/main" val="1"/>
               </p:ext>
             </p:extLst>
           </p:nvPr>
@@ -4988,10 +4902,10 @@
           <p:cNvPr id="15" name="Rectangle 14">
             <a:extLst>
               <a:ext uri="{FF2B5EF4-FFF2-40B4-BE49-F238E27FC236}">
-                <a16:creationId xmlns:a16="http://schemas.microsoft.com/office/drawing/2014/main" xmlns="" id="{F0AB17F6-592B-45CB-96F6-705C9825AFBC}"/>
+                <a16:creationId xmlns:a16="http://schemas.microsoft.com/office/drawing/2014/main" id="{F0AB17F6-592B-45CB-96F6-705C9825AFBC}"/>
               </a:ext>
               <a:ext uri="{C183D7F6-B498-43B3-948B-1728B52AA6E4}">
-                <adec:decorative xmlns:adec="http://schemas.microsoft.com/office/drawing/2017/decorative" xmlns="" val="1"/>
+                <adec:decorative xmlns:adec="http://schemas.microsoft.com/office/drawing/2017/decorative" val="1"/>
               </a:ext>
             </a:extLst>
           </p:cNvPr>
@@ -5001,7 +4915,7 @@
           <p:nvPr>
             <p:extLst>
               <p:ext uri="{386F3935-93C4-4BCD-93E2-E3B085C9AB24}">
-                <p16:designElem xmlns:p16="http://schemas.microsoft.com/office/powerpoint/2015/main" xmlns="" val="1"/>
+                <p16:designElem xmlns:p16="http://schemas.microsoft.com/office/powerpoint/2015/main" val="1"/>
               </p:ext>
             </p:extLst>
           </p:nvPr>
@@ -5048,7 +4962,7 @@
           <p:cNvPr id="2" name="Title 1">
             <a:extLst>
               <a:ext uri="{FF2B5EF4-FFF2-40B4-BE49-F238E27FC236}">
-                <a16:creationId xmlns:a16="http://schemas.microsoft.com/office/drawing/2014/main" xmlns="" id="{6FC29038-DDBC-4BFF-89F4-CE1EC9E6EEB3}"/>
+                <a16:creationId xmlns:a16="http://schemas.microsoft.com/office/drawing/2014/main" id="{6FC29038-DDBC-4BFF-89F4-CE1EC9E6EEB3}"/>
               </a:ext>
             </a:extLst>
           </p:cNvPr>
@@ -5074,11 +4988,663 @@
             <a:pPr marL="1143000" indent="-1143000"/>
             <a:r>
               <a:rPr lang="en-US" sz="6600" dirty="0"/>
-              <a:t>6</a:t>
+              <a:t>6. </a:t>
             </a:r>
             <a:r>
-              <a:rPr lang="en-US" sz="6600" dirty="0" smtClean="0"/>
-              <a:t>. </a:t>
+              <a:rPr lang="en-US" sz="5800" dirty="0"/>
+              <a:t>Data exploration</a:t>
+            </a:r>
+          </a:p>
+        </p:txBody>
+      </p:sp>
+      <p:cxnSp>
+        <p:nvCxnSpPr>
+          <p:cNvPr id="17" name="Straight Connector 16">
+            <a:extLst>
+              <a:ext uri="{FF2B5EF4-FFF2-40B4-BE49-F238E27FC236}">
+                <a16:creationId xmlns:a16="http://schemas.microsoft.com/office/drawing/2014/main" id="{5A9284E7-0823-472D-9963-18D89DFEB8B4}"/>
+              </a:ext>
+              <a:ext uri="{C183D7F6-B498-43B3-948B-1728B52AA6E4}">
+                <adec:decorative xmlns:adec="http://schemas.microsoft.com/office/drawing/2017/decorative" val="1"/>
+              </a:ext>
+            </a:extLst>
+          </p:cNvPr>
+          <p:cNvCxnSpPr>
+            <a:cxnSpLocks noGrp="1" noRot="1" noChangeAspect="1" noMove="1" noResize="1" noEditPoints="1" noAdjustHandles="1" noChangeArrowheads="1" noChangeShapeType="1"/>
+          </p:cNvCxnSpPr>
+          <p:nvPr>
+            <p:extLst>
+              <p:ext uri="{386F3935-93C4-4BCD-93E2-E3B085C9AB24}">
+                <p16:designElem xmlns:p16="http://schemas.microsoft.com/office/powerpoint/2015/main" val="1"/>
+              </p:ext>
+            </p:extLst>
+          </p:nvPr>
+        </p:nvCxnSpPr>
+        <p:spPr>
+          <a:xfrm>
+            <a:off x="4654296" y="1760590"/>
+            <a:ext cx="0" cy="3200400"/>
+          </a:xfrm>
+          <a:prstGeom prst="line">
+            <a:avLst/>
+          </a:prstGeom>
+          <a:ln w="34925"/>
+        </p:spPr>
+        <p:style>
+          <a:lnRef idx="1">
+            <a:schemeClr val="accent1"/>
+          </a:lnRef>
+          <a:fillRef idx="0">
+            <a:schemeClr val="accent1"/>
+          </a:fillRef>
+          <a:effectRef idx="0">
+            <a:schemeClr val="accent1"/>
+          </a:effectRef>
+          <a:fontRef idx="minor">
+            <a:schemeClr val="tx1"/>
+          </a:fontRef>
+        </p:style>
+      </p:cxnSp>
+    </p:spTree>
+    <p:extLst>
+      <p:ext uri="{BB962C8B-B14F-4D97-AF65-F5344CB8AC3E}">
+        <p14:creationId xmlns:p14="http://schemas.microsoft.com/office/powerpoint/2010/main" val="3962991913"/>
+      </p:ext>
+    </p:extLst>
+  </p:cSld>
+  <p:clrMapOvr>
+    <a:overrideClrMapping bg1="dk1" tx1="lt1" bg2="dk2" tx2="lt2" accent1="accent1" accent2="accent2" accent3="accent3" accent4="accent4" accent5="accent5" accent6="accent6" hlink="hlink" folHlink="folHlink"/>
+  </p:clrMapOvr>
+</p:sld>
+</file>
+
+<file path=ppt/slides/slide13.xml><?xml version="1.0" encoding="utf-8"?>
+<p:sld xmlns:a="http://schemas.openxmlformats.org/drawingml/2006/main" xmlns:r="http://schemas.openxmlformats.org/officeDocument/2006/relationships" xmlns:p="http://schemas.openxmlformats.org/presentationml/2006/main">
+  <p:cSld>
+    <p:spTree>
+      <p:nvGrpSpPr>
+        <p:cNvPr id="1" name=""/>
+        <p:cNvGrpSpPr/>
+        <p:nvPr/>
+      </p:nvGrpSpPr>
+      <p:grpSpPr>
+        <a:xfrm>
+          <a:off x="0" y="0"/>
+          <a:ext cx="0" cy="0"/>
+          <a:chOff x="0" y="0"/>
+          <a:chExt cx="0" cy="0"/>
+        </a:xfrm>
+      </p:grpSpPr>
+      <p:sp>
+        <p:nvSpPr>
+          <p:cNvPr id="2" name="Title 1">
+            <a:extLst>
+              <a:ext uri="{FF2B5EF4-FFF2-40B4-BE49-F238E27FC236}">
+                <a16:creationId xmlns:a16="http://schemas.microsoft.com/office/drawing/2014/main" id="{8889499D-19E6-427B-B727-0C2FA93DD911}"/>
+              </a:ext>
+            </a:extLst>
+          </p:cNvPr>
+          <p:cNvSpPr>
+            <a:spLocks noGrp="1"/>
+          </p:cNvSpPr>
+          <p:nvPr>
+            <p:ph type="title"/>
+          </p:nvPr>
+        </p:nvSpPr>
+        <p:spPr>
+          <a:xfrm>
+            <a:off x="1451579" y="804519"/>
+            <a:ext cx="9603275" cy="1049235"/>
+          </a:xfrm>
+        </p:spPr>
+        <p:txBody>
+          <a:bodyPr>
+            <a:normAutofit/>
+          </a:bodyPr>
+          <a:lstStyle/>
+          <a:p>
+            <a:pPr algn="ctr"/>
+            <a:r>
+              <a:rPr lang="en-US" dirty="0"/>
+              <a:t>Pandas Info and describe Functions</a:t>
+            </a:r>
+          </a:p>
+        </p:txBody>
+      </p:sp>
+      <p:pic>
+        <p:nvPicPr>
+          <p:cNvPr id="1026" name="Picture 2" descr="C:\Users\quang\Desktop\Class\Social_media_impact\Jupyter_Notebook\analysis\info.PNG"/>
+          <p:cNvPicPr>
+            <a:picLocks noChangeAspect="1" noChangeArrowheads="1"/>
+          </p:cNvPicPr>
+          <p:nvPr/>
+        </p:nvPicPr>
+        <p:blipFill>
+          <a:blip r:embed="rId2">
+            <a:extLst>
+              <a:ext uri="{28A0092B-C50C-407E-A947-70E740481C1C}">
+                <a14:useLocalDpi xmlns:a14="http://schemas.microsoft.com/office/drawing/2010/main" val="0"/>
+              </a:ext>
+            </a:extLst>
+          </a:blip>
+          <a:srcRect/>
+          <a:stretch>
+            <a:fillRect/>
+          </a:stretch>
+        </p:blipFill>
+        <p:spPr bwMode="auto">
+          <a:xfrm>
+            <a:off x="206208" y="2010246"/>
+            <a:ext cx="3954463" cy="3154362"/>
+          </a:xfrm>
+          <a:prstGeom prst="rect">
+            <a:avLst/>
+          </a:prstGeom>
+          <a:noFill/>
+          <a:extLst>
+            <a:ext uri="{909E8E84-426E-40DD-AFC4-6F175D3DCCD1}">
+              <a14:hiddenFill xmlns:a14="http://schemas.microsoft.com/office/drawing/2010/main">
+                <a:solidFill>
+                  <a:srgbClr val="FFFFFF"/>
+                </a:solidFill>
+              </a14:hiddenFill>
+            </a:ext>
+          </a:extLst>
+        </p:spPr>
+      </p:pic>
+      <p:pic>
+        <p:nvPicPr>
+          <p:cNvPr id="1027" name="Picture 3" descr="C:\Users\quang\Desktop\Class\Social_media_impact\Images\df_describe.png"/>
+          <p:cNvPicPr>
+            <a:picLocks noChangeAspect="1" noChangeArrowheads="1"/>
+          </p:cNvPicPr>
+          <p:nvPr/>
+        </p:nvPicPr>
+        <p:blipFill>
+          <a:blip r:embed="rId3">
+            <a:extLst>
+              <a:ext uri="{28A0092B-C50C-407E-A947-70E740481C1C}">
+                <a14:useLocalDpi xmlns:a14="http://schemas.microsoft.com/office/drawing/2010/main" val="0"/>
+              </a:ext>
+            </a:extLst>
+          </a:blip>
+          <a:srcRect/>
+          <a:stretch>
+            <a:fillRect/>
+          </a:stretch>
+        </p:blipFill>
+        <p:spPr bwMode="auto">
+          <a:xfrm>
+            <a:off x="4389669" y="2277777"/>
+            <a:ext cx="7589838" cy="2312988"/>
+          </a:xfrm>
+          <a:prstGeom prst="rect">
+            <a:avLst/>
+          </a:prstGeom>
+          <a:noFill/>
+          <a:extLst>
+            <a:ext uri="{909E8E84-426E-40DD-AFC4-6F175D3DCCD1}">
+              <a14:hiddenFill xmlns:a14="http://schemas.microsoft.com/office/drawing/2010/main">
+                <a:solidFill>
+                  <a:srgbClr val="FFFFFF"/>
+                </a:solidFill>
+              </a14:hiddenFill>
+            </a:ext>
+          </a:extLst>
+        </p:spPr>
+      </p:pic>
+    </p:spTree>
+    <p:extLst>
+      <p:ext uri="{BB962C8B-B14F-4D97-AF65-F5344CB8AC3E}">
+        <p14:creationId xmlns:p14="http://schemas.microsoft.com/office/powerpoint/2010/main" val="3825090282"/>
+      </p:ext>
+    </p:extLst>
+  </p:cSld>
+  <p:clrMapOvr>
+    <a:masterClrMapping/>
+  </p:clrMapOvr>
+</p:sld>
+</file>
+
+<file path=ppt/slides/slide14.xml><?xml version="1.0" encoding="utf-8"?>
+<p:sld xmlns:a="http://schemas.openxmlformats.org/drawingml/2006/main" xmlns:r="http://schemas.openxmlformats.org/officeDocument/2006/relationships" xmlns:p="http://schemas.openxmlformats.org/presentationml/2006/main">
+  <p:cSld>
+    <p:spTree>
+      <p:nvGrpSpPr>
+        <p:cNvPr id="1" name=""/>
+        <p:cNvGrpSpPr/>
+        <p:nvPr/>
+      </p:nvGrpSpPr>
+      <p:grpSpPr>
+        <a:xfrm>
+          <a:off x="0" y="0"/>
+          <a:ext cx="0" cy="0"/>
+          <a:chOff x="0" y="0"/>
+          <a:chExt cx="0" cy="0"/>
+        </a:xfrm>
+      </p:grpSpPr>
+      <p:sp>
+        <p:nvSpPr>
+          <p:cNvPr id="2" name="Title 1"/>
+          <p:cNvSpPr>
+            <a:spLocks noGrp="1"/>
+          </p:cNvSpPr>
+          <p:nvPr>
+            <p:ph type="title"/>
+          </p:nvPr>
+        </p:nvSpPr>
+        <p:spPr/>
+        <p:txBody>
+          <a:bodyPr/>
+          <a:lstStyle/>
+          <a:p>
+            <a:pPr algn="ctr"/>
+            <a:r>
+              <a:rPr lang="en-US" dirty="0"/>
+              <a:t>Visual Exploratory data Analysis</a:t>
+            </a:r>
+          </a:p>
+        </p:txBody>
+      </p:sp>
+      <p:pic>
+        <p:nvPicPr>
+          <p:cNvPr id="2050" name="Picture 2" descr="C:\Users\quang\Desktop\Class\Social_media_impact\Jupyter_Notebook\analysis\Fig1.png"/>
+          <p:cNvPicPr>
+            <a:picLocks noChangeAspect="1" noChangeArrowheads="1"/>
+          </p:cNvPicPr>
+          <p:nvPr/>
+        </p:nvPicPr>
+        <p:blipFill>
+          <a:blip r:embed="rId2">
+            <a:extLst>
+              <a:ext uri="{28A0092B-C50C-407E-A947-70E740481C1C}">
+                <a14:useLocalDpi xmlns:a14="http://schemas.microsoft.com/office/drawing/2010/main" val="0"/>
+              </a:ext>
+            </a:extLst>
+          </a:blip>
+          <a:srcRect/>
+          <a:stretch>
+            <a:fillRect/>
+          </a:stretch>
+        </p:blipFill>
+        <p:spPr bwMode="auto">
+          <a:xfrm>
+            <a:off x="3026535" y="2026379"/>
+            <a:ext cx="5798690" cy="3865793"/>
+          </a:xfrm>
+          <a:prstGeom prst="rect">
+            <a:avLst/>
+          </a:prstGeom>
+          <a:noFill/>
+          <a:extLst>
+            <a:ext uri="{909E8E84-426E-40DD-AFC4-6F175D3DCCD1}">
+              <a14:hiddenFill xmlns:a14="http://schemas.microsoft.com/office/drawing/2010/main">
+                <a:solidFill>
+                  <a:srgbClr val="FFFFFF"/>
+                </a:solidFill>
+              </a14:hiddenFill>
+            </a:ext>
+          </a:extLst>
+        </p:spPr>
+      </p:pic>
+    </p:spTree>
+    <p:extLst>
+      <p:ext uri="{BB962C8B-B14F-4D97-AF65-F5344CB8AC3E}">
+        <p14:creationId xmlns:p14="http://schemas.microsoft.com/office/powerpoint/2010/main" val="1773768050"/>
+      </p:ext>
+    </p:extLst>
+  </p:cSld>
+  <p:clrMapOvr>
+    <a:masterClrMapping/>
+  </p:clrMapOvr>
+</p:sld>
+</file>
+
+<file path=ppt/slides/slide15.xml><?xml version="1.0" encoding="utf-8"?>
+<p:sld xmlns:a="http://schemas.openxmlformats.org/drawingml/2006/main" xmlns:r="http://schemas.openxmlformats.org/officeDocument/2006/relationships" xmlns:p="http://schemas.openxmlformats.org/presentationml/2006/main">
+  <p:cSld>
+    <p:bg>
+      <p:bgPr>
+        <a:gradFill rotWithShape="1">
+          <a:gsLst>
+            <a:gs pos="0">
+              <a:schemeClr val="bg1">
+                <a:tint val="94000"/>
+                <a:satMod val="80000"/>
+                <a:lumMod val="106000"/>
+              </a:schemeClr>
+            </a:gs>
+            <a:gs pos="100000">
+              <a:schemeClr val="bg1">
+                <a:shade val="80000"/>
+              </a:schemeClr>
+            </a:gs>
+          </a:gsLst>
+          <a:path path="circle">
+            <a:fillToRect l="50000" t="50000" r="50000" b="50000"/>
+          </a:path>
+        </a:gradFill>
+        <a:effectLst/>
+      </p:bgPr>
+    </p:bg>
+    <p:spTree>
+      <p:nvGrpSpPr>
+        <p:cNvPr id="1" name=""/>
+        <p:cNvGrpSpPr/>
+        <p:nvPr/>
+      </p:nvGrpSpPr>
+      <p:grpSpPr>
+        <a:xfrm>
+          <a:off x="0" y="0"/>
+          <a:ext cx="0" cy="0"/>
+          <a:chOff x="0" y="0"/>
+          <a:chExt cx="0" cy="0"/>
+        </a:xfrm>
+      </p:grpSpPr>
+      <p:sp>
+        <p:nvSpPr>
+          <p:cNvPr id="7" name="Rectangle 6">
+            <a:extLst>
+              <a:ext uri="{FF2B5EF4-FFF2-40B4-BE49-F238E27FC236}">
+                <a16:creationId xmlns:a16="http://schemas.microsoft.com/office/drawing/2014/main" id="{23522FE7-5A29-4EF6-B1EF-2CA55748A772}"/>
+              </a:ext>
+              <a:ext uri="{C183D7F6-B498-43B3-948B-1728B52AA6E4}">
+                <adec:decorative xmlns:adec="http://schemas.microsoft.com/office/drawing/2017/decorative" val="1"/>
+              </a:ext>
+            </a:extLst>
+          </p:cNvPr>
+          <p:cNvSpPr>
+            <a:spLocks noGrp="1" noRot="1" noChangeAspect="1" noMove="1" noResize="1" noEditPoints="1" noAdjustHandles="1" noChangeArrowheads="1" noChangeShapeType="1" noTextEdit="1"/>
+          </p:cNvSpPr>
+          <p:nvPr>
+            <p:extLst>
+              <p:ext uri="{386F3935-93C4-4BCD-93E2-E3B085C9AB24}">
+                <p16:designElem xmlns:p16="http://schemas.microsoft.com/office/powerpoint/2015/main" val="1"/>
+              </p:ext>
+            </p:extLst>
+          </p:nvPr>
+        </p:nvSpPr>
+        <p:spPr>
+          <a:xfrm>
+            <a:off x="0" y="2019476"/>
+            <a:ext cx="12192000" cy="4105941"/>
+          </a:xfrm>
+          <a:prstGeom prst="rect">
+            <a:avLst/>
+          </a:prstGeom>
+          <a:gradFill flip="none" rotWithShape="1">
+            <a:gsLst>
+              <a:gs pos="0">
+                <a:schemeClr val="bg2">
+                  <a:alpha val="0"/>
+                </a:schemeClr>
+              </a:gs>
+              <a:gs pos="100000">
+                <a:schemeClr val="bg2"/>
+              </a:gs>
+            </a:gsLst>
+            <a:lin ang="5400000" scaled="0"/>
+            <a:tileRect/>
+          </a:gradFill>
+          <a:ln>
+            <a:noFill/>
+          </a:ln>
+        </p:spPr>
+        <p:style>
+          <a:lnRef idx="2">
+            <a:schemeClr val="accent1">
+              <a:shade val="50000"/>
+            </a:schemeClr>
+          </a:lnRef>
+          <a:fillRef idx="1">
+            <a:schemeClr val="accent1"/>
+          </a:fillRef>
+          <a:effectRef idx="0">
+            <a:schemeClr val="accent1"/>
+          </a:effectRef>
+          <a:fontRef idx="minor">
+            <a:schemeClr val="lt1"/>
+          </a:fontRef>
+        </p:style>
+      </p:sp>
+      <p:pic>
+        <p:nvPicPr>
+          <p:cNvPr id="9" name="Picture 8">
+            <a:extLst>
+              <a:ext uri="{FF2B5EF4-FFF2-40B4-BE49-F238E27FC236}">
+                <a16:creationId xmlns:a16="http://schemas.microsoft.com/office/drawing/2014/main" id="{C2192E09-EBC7-416C-B887-DFF915D7F43D}"/>
+              </a:ext>
+              <a:ext uri="{C183D7F6-B498-43B3-948B-1728B52AA6E4}">
+                <adec:decorative xmlns:adec="http://schemas.microsoft.com/office/drawing/2017/decorative" val="1"/>
+              </a:ext>
+            </a:extLst>
+          </p:cNvPr>
+          <p:cNvPicPr>
+            <a:picLocks noGrp="1" noRot="1" noChangeAspect="1" noMove="1" noResize="1" noEditPoints="1" noAdjustHandles="1" noChangeArrowheads="1" noChangeShapeType="1" noCrop="1"/>
+          </p:cNvPicPr>
+          <p:nvPr>
+            <p:extLst>
+              <p:ext uri="{386F3935-93C4-4BCD-93E2-E3B085C9AB24}">
+                <p16:designElem xmlns:p16="http://schemas.microsoft.com/office/powerpoint/2015/main" val="1"/>
+              </p:ext>
+            </p:extLst>
+          </p:nvPr>
+        </p:nvPicPr>
+        <p:blipFill rotWithShape="1">
+          <a:blip r:embed="rId2">
+            <a:extLst>
+              <a:ext uri="{28A0092B-C50C-407E-A947-70E740481C1C}">
+                <a14:useLocalDpi xmlns:a14="http://schemas.microsoft.com/office/drawing/2010/main" val="0"/>
+              </a:ext>
+            </a:extLst>
+          </a:blip>
+          <a:srcRect t="1538" b="-1538"/>
+          <a:stretch/>
+        </p:blipFill>
+        <p:spPr bwMode="black">
+          <a:xfrm>
+            <a:off x="0" y="6126480"/>
+            <a:ext cx="12192000" cy="742950"/>
+          </a:xfrm>
+          <a:prstGeom prst="rect">
+            <a:avLst/>
+          </a:prstGeom>
+        </p:spPr>
+      </p:pic>
+      <p:cxnSp>
+        <p:nvCxnSpPr>
+          <p:cNvPr id="11" name="Straight Connector 10">
+            <a:extLst>
+              <a:ext uri="{FF2B5EF4-FFF2-40B4-BE49-F238E27FC236}">
+                <a16:creationId xmlns:a16="http://schemas.microsoft.com/office/drawing/2014/main" id="{2924498D-E084-44BE-A196-CFCE35564350}"/>
+              </a:ext>
+              <a:ext uri="{C183D7F6-B498-43B3-948B-1728B52AA6E4}">
+                <adec:decorative xmlns:adec="http://schemas.microsoft.com/office/drawing/2017/decorative" val="1"/>
+              </a:ext>
+            </a:extLst>
+          </p:cNvPr>
+          <p:cNvCxnSpPr>
+            <a:cxnSpLocks noGrp="1" noRot="1" noChangeAspect="1" noMove="1" noResize="1" noEditPoints="1" noAdjustHandles="1" noChangeArrowheads="1" noChangeShapeType="1"/>
+          </p:cNvCxnSpPr>
+          <p:nvPr>
+            <p:extLst>
+              <p:ext uri="{386F3935-93C4-4BCD-93E2-E3B085C9AB24}">
+                <p16:designElem xmlns:p16="http://schemas.microsoft.com/office/powerpoint/2015/main" val="1"/>
+              </p:ext>
+            </p:extLst>
+          </p:nvPr>
+        </p:nvCxnSpPr>
+        <p:spPr>
+          <a:xfrm>
+            <a:off x="0" y="6128413"/>
+            <a:ext cx="12192000" cy="0"/>
+          </a:xfrm>
+          <a:prstGeom prst="line">
+            <a:avLst/>
+          </a:prstGeom>
+          <a:ln w="12700">
+            <a:solidFill>
+              <a:srgbClr val="000001">
+                <a:alpha val="20000"/>
+              </a:srgbClr>
+            </a:solidFill>
+          </a:ln>
+        </p:spPr>
+        <p:style>
+          <a:lnRef idx="1">
+            <a:schemeClr val="accent1"/>
+          </a:lnRef>
+          <a:fillRef idx="0">
+            <a:schemeClr val="accent1"/>
+          </a:fillRef>
+          <a:effectRef idx="0">
+            <a:schemeClr val="accent1"/>
+          </a:effectRef>
+          <a:fontRef idx="minor">
+            <a:schemeClr val="tx1"/>
+          </a:fontRef>
+        </p:style>
+      </p:cxnSp>
+      <p:cxnSp>
+        <p:nvCxnSpPr>
+          <p:cNvPr id="13" name="Straight Connector 12">
+            <a:extLst>
+              <a:ext uri="{FF2B5EF4-FFF2-40B4-BE49-F238E27FC236}">
+                <a16:creationId xmlns:a16="http://schemas.microsoft.com/office/drawing/2014/main" id="{3BBC7667-C352-4842-9AFD-E5C16AD002F4}"/>
+              </a:ext>
+              <a:ext uri="{C183D7F6-B498-43B3-948B-1728B52AA6E4}">
+                <adec:decorative xmlns:adec="http://schemas.microsoft.com/office/drawing/2017/decorative" val="1"/>
+              </a:ext>
+            </a:extLst>
+          </p:cNvPr>
+          <p:cNvCxnSpPr>
+            <a:cxnSpLocks noGrp="1" noRot="1" noChangeAspect="1" noMove="1" noResize="1" noEditPoints="1" noAdjustHandles="1" noChangeArrowheads="1" noChangeShapeType="1"/>
+          </p:cNvCxnSpPr>
+          <p:nvPr>
+            <p:extLst>
+              <p:ext uri="{386F3935-93C4-4BCD-93E2-E3B085C9AB24}">
+                <p16:designElem xmlns:p16="http://schemas.microsoft.com/office/powerpoint/2015/main" val="1"/>
+              </p:ext>
+            </p:extLst>
+          </p:nvPr>
+        </p:nvCxnSpPr>
+        <p:spPr>
+          <a:xfrm>
+            <a:off x="2417780" y="3528542"/>
+            <a:ext cx="8637072" cy="0"/>
+          </a:xfrm>
+          <a:prstGeom prst="line">
+            <a:avLst/>
+          </a:prstGeom>
+          <a:ln w="31750"/>
+        </p:spPr>
+        <p:style>
+          <a:lnRef idx="3">
+            <a:schemeClr val="accent1"/>
+          </a:lnRef>
+          <a:fillRef idx="0">
+            <a:schemeClr val="accent1"/>
+          </a:fillRef>
+          <a:effectRef idx="2">
+            <a:schemeClr val="accent1"/>
+          </a:effectRef>
+          <a:fontRef idx="minor">
+            <a:schemeClr val="tx1"/>
+          </a:fontRef>
+        </p:style>
+      </p:cxnSp>
+      <p:sp useBgFill="1">
+        <p:nvSpPr>
+          <p:cNvPr id="15" name="Rectangle 14">
+            <a:extLst>
+              <a:ext uri="{FF2B5EF4-FFF2-40B4-BE49-F238E27FC236}">
+                <a16:creationId xmlns:a16="http://schemas.microsoft.com/office/drawing/2014/main" id="{F0AB17F6-592B-45CB-96F6-705C9825AFBC}"/>
+              </a:ext>
+              <a:ext uri="{C183D7F6-B498-43B3-948B-1728B52AA6E4}">
+                <adec:decorative xmlns:adec="http://schemas.microsoft.com/office/drawing/2017/decorative" val="1"/>
+              </a:ext>
+            </a:extLst>
+          </p:cNvPr>
+          <p:cNvSpPr>
+            <a:spLocks noGrp="1" noRot="1" noChangeAspect="1" noMove="1" noResize="1" noEditPoints="1" noAdjustHandles="1" noChangeArrowheads="1" noChangeShapeType="1" noTextEdit="1"/>
+          </p:cNvSpPr>
+          <p:nvPr>
+            <p:extLst>
+              <p:ext uri="{386F3935-93C4-4BCD-93E2-E3B085C9AB24}">
+                <p16:designElem xmlns:p16="http://schemas.microsoft.com/office/powerpoint/2015/main" val="1"/>
+              </p:ext>
+            </p:extLst>
+          </p:nvPr>
+        </p:nvSpPr>
+        <p:spPr>
+          <a:xfrm>
+            <a:off x="2" y="0"/>
+            <a:ext cx="12191695" cy="6858000"/>
+          </a:xfrm>
+          <a:prstGeom prst="rect">
+            <a:avLst/>
+          </a:prstGeom>
+          <a:ln>
+            <a:noFill/>
+          </a:ln>
+        </p:spPr>
+        <p:style>
+          <a:lnRef idx="2">
+            <a:schemeClr val="accent1">
+              <a:shade val="50000"/>
+            </a:schemeClr>
+          </a:lnRef>
+          <a:fillRef idx="1">
+            <a:schemeClr val="accent1"/>
+          </a:fillRef>
+          <a:effectRef idx="0">
+            <a:schemeClr val="accent1"/>
+          </a:effectRef>
+          <a:fontRef idx="minor">
+            <a:schemeClr val="lt1"/>
+          </a:fontRef>
+        </p:style>
+        <p:txBody>
+          <a:bodyPr rtlCol="0" anchor="ctr"/>
+          <a:lstStyle/>
+          <a:p>
+            <a:pPr algn="ctr"/>
+            <a:endParaRPr lang="en-US"/>
+          </a:p>
+        </p:txBody>
+      </p:sp>
+      <p:sp>
+        <p:nvSpPr>
+          <p:cNvPr id="2" name="Title 1">
+            <a:extLst>
+              <a:ext uri="{FF2B5EF4-FFF2-40B4-BE49-F238E27FC236}">
+                <a16:creationId xmlns:a16="http://schemas.microsoft.com/office/drawing/2014/main" id="{6FC29038-DDBC-4BFF-89F4-CE1EC9E6EEB3}"/>
+              </a:ext>
+            </a:extLst>
+          </p:cNvPr>
+          <p:cNvSpPr>
+            <a:spLocks noGrp="1"/>
+          </p:cNvSpPr>
+          <p:nvPr>
+            <p:ph type="title"/>
+          </p:nvPr>
+        </p:nvSpPr>
+        <p:spPr>
+          <a:xfrm>
+            <a:off x="4880114" y="802298"/>
+            <a:ext cx="6261652" cy="5116985"/>
+          </a:xfrm>
+        </p:spPr>
+        <p:txBody>
+          <a:bodyPr vert="horz" lIns="91440" tIns="45720" rIns="91440" bIns="0" rtlCol="0" anchor="ctr">
+            <a:normAutofit/>
+          </a:bodyPr>
+          <a:lstStyle/>
+          <a:p>
+            <a:pPr marL="1143000" indent="-1143000"/>
+            <a:r>
+              <a:rPr lang="en-US" sz="6600" dirty="0"/>
+              <a:t>7. </a:t>
             </a:r>
             <a:r>
               <a:rPr lang="en-US" sz="5800" dirty="0"/>
@@ -5092,10 +5658,10 @@
           <p:cNvPr id="17" name="Straight Connector 16">
             <a:extLst>
               <a:ext uri="{FF2B5EF4-FFF2-40B4-BE49-F238E27FC236}">
-                <a16:creationId xmlns:a16="http://schemas.microsoft.com/office/drawing/2014/main" xmlns="" id="{5A9284E7-0823-472D-9963-18D89DFEB8B4}"/>
+                <a16:creationId xmlns:a16="http://schemas.microsoft.com/office/drawing/2014/main" id="{5A9284E7-0823-472D-9963-18D89DFEB8B4}"/>
               </a:ext>
               <a:ext uri="{C183D7F6-B498-43B3-948B-1728B52AA6E4}">
-                <adec:decorative xmlns:adec="http://schemas.microsoft.com/office/drawing/2017/decorative" xmlns="" val="1"/>
+                <adec:decorative xmlns:adec="http://schemas.microsoft.com/office/drawing/2017/decorative" val="1"/>
               </a:ext>
             </a:extLst>
           </p:cNvPr>
@@ -5105,7 +5671,7 @@
           <p:nvPr>
             <p:extLst>
               <p:ext uri="{386F3935-93C4-4BCD-93E2-E3B085C9AB24}">
-                <p16:designElem xmlns:p16="http://schemas.microsoft.com/office/powerpoint/2015/main" xmlns="" val="1"/>
+                <p16:designElem xmlns:p16="http://schemas.microsoft.com/office/powerpoint/2015/main" val="1"/>
               </p:ext>
             </p:extLst>
           </p:nvPr>
@@ -5145,17 +5711,10 @@
   <p:clrMapOvr>
     <a:overrideClrMapping bg1="dk1" tx1="lt1" bg2="dk2" tx2="lt2" accent1="accent1" accent2="accent2" accent3="accent3" accent4="accent4" accent5="accent5" accent6="accent6" hlink="hlink" folHlink="folHlink"/>
   </p:clrMapOvr>
-  <p:timing>
-    <p:tnLst>
-      <p:par>
-        <p:cTn id="1" dur="indefinite" restart="never" nodeType="tmRoot"/>
-      </p:par>
-    </p:tnLst>
-  </p:timing>
 </p:sld>
 </file>
 
-<file path=ppt/slides/slide14.xml><?xml version="1.0" encoding="utf-8"?>
+<file path=ppt/slides/slide16.xml><?xml version="1.0" encoding="utf-8"?>
 <p:sld xmlns:a="http://schemas.openxmlformats.org/drawingml/2006/main" xmlns:r="http://schemas.openxmlformats.org/officeDocument/2006/relationships" xmlns:p="http://schemas.openxmlformats.org/presentationml/2006/main">
   <p:cSld>
     <p:bg>
@@ -5201,7 +5760,7 @@
           <p:cNvPr id="2" name="Title 1">
             <a:extLst>
               <a:ext uri="{FF2B5EF4-FFF2-40B4-BE49-F238E27FC236}">
-                <a16:creationId xmlns:a16="http://schemas.microsoft.com/office/drawing/2014/main" xmlns="" id="{F01D79B6-8945-4B13-8E99-94D3944484CC}"/>
+                <a16:creationId xmlns:a16="http://schemas.microsoft.com/office/drawing/2014/main" id="{F01D79B6-8945-4B13-8E99-94D3944484CC}"/>
               </a:ext>
             </a:extLst>
           </p:cNvPr>
@@ -5227,15 +5786,7 @@
             <a:pPr algn="ctr"/>
             <a:r>
               <a:rPr lang="en-US" dirty="0"/>
-              <a:t>Machine </a:t>
-            </a:r>
-            <a:r>
-              <a:rPr lang="en-US" dirty="0" smtClean="0"/>
-              <a:t>learning - linear </a:t>
-            </a:r>
-            <a:r>
-              <a:rPr lang="en-US" dirty="0"/>
-              <a:t>Regression Model</a:t>
+              <a:t>Machine learning - linear Regression Model</a:t>
             </a:r>
           </a:p>
         </p:txBody>
@@ -5245,7 +5796,7 @@
           <p:cNvPr id="62" name="Content Placeholder 61">
             <a:extLst>
               <a:ext uri="{FF2B5EF4-FFF2-40B4-BE49-F238E27FC236}">
-                <a16:creationId xmlns:a16="http://schemas.microsoft.com/office/drawing/2014/main" xmlns="" id="{197D4776-45F9-93C9-A54F-76CB03469F81}"/>
+                <a16:creationId xmlns:a16="http://schemas.microsoft.com/office/drawing/2014/main" id="{197D4776-45F9-93C9-A54F-76CB03469F81}"/>
               </a:ext>
             </a:extLst>
           </p:cNvPr>
@@ -5269,7 +5820,7 @@
           <a:lstStyle/>
           <a:p>
             <a:r>
-              <a:rPr lang="en-US" dirty="0" smtClean="0">
+              <a:rPr lang="en-US" dirty="0">
                 <a:latin typeface="-apple-system"/>
               </a:rPr>
               <a:t>“Best Fit” line through all data points</a:t>
@@ -5277,7 +5828,7 @@
           </a:p>
           <a:p>
             <a:r>
-              <a:rPr lang="en-US" dirty="0" smtClean="0">
+              <a:rPr lang="en-US" dirty="0">
                 <a:latin typeface="-apple-system"/>
               </a:rPr>
               <a:t>MSE: 24.55</a:t>
@@ -5285,7 +5836,7 @@
           </a:p>
           <a:p>
             <a:r>
-              <a:rPr lang="en-US" dirty="0" smtClean="0">
+              <a:rPr lang="en-US" dirty="0">
                 <a:latin typeface="-apple-system"/>
               </a:rPr>
               <a:t>R-squared: 0.8315</a:t>
@@ -5293,7 +5844,7 @@
           </a:p>
           <a:p>
             <a:r>
-              <a:rPr lang="en-US" dirty="0" smtClean="0">
+              <a:rPr lang="en-US" dirty="0">
                 <a:latin typeface="-apple-system"/>
               </a:rPr>
               <a:t>Training Score: 0.9120</a:t>
@@ -5301,7 +5852,7 @@
           </a:p>
           <a:p>
             <a:r>
-              <a:rPr lang="en-US" dirty="0" smtClean="0">
+              <a:rPr lang="en-US" dirty="0">
                 <a:latin typeface="-apple-system"/>
               </a:rPr>
               <a:t>Testing Score: 0.8315</a:t>
@@ -5361,17 +5912,10 @@
   <p:clrMapOvr>
     <a:masterClrMapping/>
   </p:clrMapOvr>
-  <p:timing>
-    <p:tnLst>
-      <p:par>
-        <p:cTn id="1" dur="indefinite" restart="never" nodeType="tmRoot"/>
-      </p:par>
-    </p:tnLst>
-  </p:timing>
 </p:sld>
 </file>
 
-<file path=ppt/slides/slide15.xml><?xml version="1.0" encoding="utf-8"?>
+<file path=ppt/slides/slide17.xml><?xml version="1.0" encoding="utf-8"?>
 <p:sld xmlns:a="http://schemas.openxmlformats.org/drawingml/2006/main" xmlns:r="http://schemas.openxmlformats.org/officeDocument/2006/relationships" xmlns:p="http://schemas.openxmlformats.org/presentationml/2006/main">
   <p:cSld>
     <p:spTree>
@@ -5393,7 +5937,7 @@
           <p:cNvPr id="2" name="Title 1">
             <a:extLst>
               <a:ext uri="{FF2B5EF4-FFF2-40B4-BE49-F238E27FC236}">
-                <a16:creationId xmlns:a16="http://schemas.microsoft.com/office/drawing/2014/main" xmlns="" id="{F01D79B6-8945-4B13-8E99-94D3944484CC}"/>
+                <a16:creationId xmlns:a16="http://schemas.microsoft.com/office/drawing/2014/main" id="{F01D79B6-8945-4B13-8E99-94D3944484CC}"/>
               </a:ext>
             </a:extLst>
           </p:cNvPr>
@@ -5419,21 +5963,16 @@
             <a:pPr algn="ctr"/>
             <a:r>
               <a:rPr lang="en-US" dirty="0"/>
-              <a:t>Machine </a:t>
+              <a:t>Machine learning - random forest </a:t>
             </a:r>
             <a:r>
-              <a:rPr lang="en-US" dirty="0" smtClean="0"/>
-              <a:t>learning - random forest </a:t>
-            </a:r>
-            <a:r>
-              <a:rPr lang="en-US" dirty="0" err="1" smtClean="0"/>
+              <a:rPr lang="en-US" dirty="0" err="1"/>
               <a:t>regressor</a:t>
             </a:r>
             <a:r>
-              <a:rPr lang="en-US" dirty="0" smtClean="0"/>
+              <a:rPr lang="en-US" dirty="0"/>
               <a:t> Model</a:t>
             </a:r>
-            <a:endParaRPr lang="en-US" dirty="0"/>
           </a:p>
         </p:txBody>
       </p:sp>
@@ -5442,7 +5981,7 @@
           <p:cNvPr id="62" name="Content Placeholder 61">
             <a:extLst>
               <a:ext uri="{FF2B5EF4-FFF2-40B4-BE49-F238E27FC236}">
-                <a16:creationId xmlns:a16="http://schemas.microsoft.com/office/drawing/2014/main" xmlns="" id="{197D4776-45F9-93C9-A54F-76CB03469F81}"/>
+                <a16:creationId xmlns:a16="http://schemas.microsoft.com/office/drawing/2014/main" id="{197D4776-45F9-93C9-A54F-76CB03469F81}"/>
               </a:ext>
             </a:extLst>
           </p:cNvPr>
@@ -5466,18 +6005,15 @@
           <a:lstStyle/>
           <a:p>
             <a:r>
-              <a:rPr lang="en-US" dirty="0" smtClean="0">
+              <a:rPr lang="en-US" dirty="0">
                 <a:latin typeface="-apple-system"/>
               </a:rPr>
               <a:t>Averages of weaker Decision Trees</a:t>
             </a:r>
-            <a:endParaRPr lang="en-US" dirty="0" smtClean="0">
-              <a:latin typeface="-apple-system"/>
-            </a:endParaRPr>
           </a:p>
           <a:p>
             <a:r>
-              <a:rPr lang="en-US" dirty="0" smtClean="0">
+              <a:rPr lang="en-US" dirty="0">
                 <a:latin typeface="-apple-system"/>
               </a:rPr>
               <a:t>MSE: 0.8826</a:t>
@@ -5485,7 +6021,7 @@
           </a:p>
           <a:p>
             <a:r>
-              <a:rPr lang="en-US" dirty="0" smtClean="0">
+              <a:rPr lang="en-US" dirty="0">
                 <a:latin typeface="-apple-system"/>
               </a:rPr>
               <a:t>R-squared: 0.9939</a:t>
@@ -5493,7 +6029,7 @@
           </a:p>
           <a:p>
             <a:r>
-              <a:rPr lang="en-US" dirty="0" smtClean="0">
+              <a:rPr lang="en-US" dirty="0">
                 <a:latin typeface="-apple-system"/>
               </a:rPr>
               <a:t>Training Score: 0.9994</a:t>
@@ -5501,7 +6037,7 @@
           </a:p>
           <a:p>
             <a:r>
-              <a:rPr lang="en-US" dirty="0" smtClean="0">
+              <a:rPr lang="en-US" dirty="0">
                 <a:latin typeface="-apple-system"/>
               </a:rPr>
               <a:t>Testing Score: 0.9939</a:t>
@@ -5561,17 +6097,10 @@
   <p:clrMapOvr>
     <a:masterClrMapping/>
   </p:clrMapOvr>
-  <p:timing>
-    <p:tnLst>
-      <p:par>
-        <p:cTn id="1" dur="indefinite" restart="never" nodeType="tmRoot"/>
-      </p:par>
-    </p:tnLst>
-  </p:timing>
 </p:sld>
 </file>
 
-<file path=ppt/slides/slide16.xml><?xml version="1.0" encoding="utf-8"?>
+<file path=ppt/slides/slide18.xml><?xml version="1.0" encoding="utf-8"?>
 <p:sld xmlns:a="http://schemas.openxmlformats.org/drawingml/2006/main" xmlns:r="http://schemas.openxmlformats.org/officeDocument/2006/relationships" xmlns:p="http://schemas.openxmlformats.org/presentationml/2006/main">
   <p:cSld>
     <p:spTree>
@@ -5593,7 +6122,7 @@
           <p:cNvPr id="2" name="Title 1">
             <a:extLst>
               <a:ext uri="{FF2B5EF4-FFF2-40B4-BE49-F238E27FC236}">
-                <a16:creationId xmlns:a16="http://schemas.microsoft.com/office/drawing/2014/main" xmlns="" id="{F01D79B6-8945-4B13-8E99-94D3944484CC}"/>
+                <a16:creationId xmlns:a16="http://schemas.microsoft.com/office/drawing/2014/main" id="{F01D79B6-8945-4B13-8E99-94D3944484CC}"/>
               </a:ext>
             </a:extLst>
           </p:cNvPr>
@@ -5618,18 +6147,17 @@
           <a:p>
             <a:pPr algn="ctr"/>
             <a:r>
-              <a:rPr lang="en-US" dirty="0" smtClean="0"/>
+              <a:rPr lang="en-US" dirty="0"/>
               <a:t>random forest </a:t>
             </a:r>
             <a:r>
-              <a:rPr lang="en-US" dirty="0" err="1" smtClean="0"/>
+              <a:rPr lang="en-US" dirty="0" err="1"/>
               <a:t>regressor</a:t>
             </a:r>
             <a:r>
-              <a:rPr lang="en-US" dirty="0" smtClean="0"/>
+              <a:rPr lang="en-US" dirty="0"/>
               <a:t> feature Importance</a:t>
             </a:r>
-            <a:endParaRPr lang="en-US" dirty="0"/>
           </a:p>
         </p:txBody>
       </p:sp>
@@ -5684,1220 +6212,6 @@
   <p:clrMapOvr>
     <a:masterClrMapping/>
   </p:clrMapOvr>
-  <p:timing>
-    <p:tnLst>
-      <p:par>
-        <p:cTn id="1" dur="indefinite" restart="never" nodeType="tmRoot"/>
-      </p:par>
-    </p:tnLst>
-  </p:timing>
-</p:sld>
-</file>
-
-<file path=ppt/slides/slide17.xml><?xml version="1.0" encoding="utf-8"?>
-<p:sld xmlns:a="http://schemas.openxmlformats.org/drawingml/2006/main" xmlns:r="http://schemas.openxmlformats.org/officeDocument/2006/relationships" xmlns:p="http://schemas.openxmlformats.org/presentationml/2006/main">
-  <p:cSld>
-    <p:bg>
-      <p:bgPr>
-        <a:gradFill rotWithShape="1">
-          <a:gsLst>
-            <a:gs pos="0">
-              <a:schemeClr val="bg1">
-                <a:tint val="94000"/>
-                <a:satMod val="80000"/>
-                <a:lumMod val="106000"/>
-              </a:schemeClr>
-            </a:gs>
-            <a:gs pos="100000">
-              <a:schemeClr val="bg1">
-                <a:shade val="80000"/>
-              </a:schemeClr>
-            </a:gs>
-          </a:gsLst>
-          <a:path path="circle">
-            <a:fillToRect l="50000" t="50000" r="50000" b="50000"/>
-          </a:path>
-        </a:gradFill>
-        <a:effectLst/>
-      </p:bgPr>
-    </p:bg>
-    <p:spTree>
-      <p:nvGrpSpPr>
-        <p:cNvPr id="1" name=""/>
-        <p:cNvGrpSpPr/>
-        <p:nvPr/>
-      </p:nvGrpSpPr>
-      <p:grpSpPr>
-        <a:xfrm>
-          <a:off x="0" y="0"/>
-          <a:ext cx="0" cy="0"/>
-          <a:chOff x="0" y="0"/>
-          <a:chExt cx="0" cy="0"/>
-        </a:xfrm>
-      </p:grpSpPr>
-      <p:sp>
-        <p:nvSpPr>
-          <p:cNvPr id="7" name="Rectangle 6">
-            <a:extLst>
-              <a:ext uri="{FF2B5EF4-FFF2-40B4-BE49-F238E27FC236}">
-                <a16:creationId xmlns:a16="http://schemas.microsoft.com/office/drawing/2014/main" xmlns="" id="{23522FE7-5A29-4EF6-B1EF-2CA55748A772}"/>
-              </a:ext>
-              <a:ext uri="{C183D7F6-B498-43B3-948B-1728B52AA6E4}">
-                <adec:decorative xmlns:adec="http://schemas.microsoft.com/office/drawing/2017/decorative" xmlns="" val="1"/>
-              </a:ext>
-            </a:extLst>
-          </p:cNvPr>
-          <p:cNvSpPr>
-            <a:spLocks noGrp="1" noRot="1" noChangeAspect="1" noMove="1" noResize="1" noEditPoints="1" noAdjustHandles="1" noChangeArrowheads="1" noChangeShapeType="1" noTextEdit="1"/>
-          </p:cNvSpPr>
-          <p:nvPr>
-            <p:extLst>
-              <p:ext uri="{386F3935-93C4-4BCD-93E2-E3B085C9AB24}">
-                <p16:designElem xmlns:p16="http://schemas.microsoft.com/office/powerpoint/2015/main" xmlns="" val="1"/>
-              </p:ext>
-            </p:extLst>
-          </p:nvPr>
-        </p:nvSpPr>
-        <p:spPr>
-          <a:xfrm>
-            <a:off x="0" y="2019476"/>
-            <a:ext cx="12192000" cy="4105941"/>
-          </a:xfrm>
-          <a:prstGeom prst="rect">
-            <a:avLst/>
-          </a:prstGeom>
-          <a:gradFill flip="none" rotWithShape="1">
-            <a:gsLst>
-              <a:gs pos="0">
-                <a:schemeClr val="bg2">
-                  <a:alpha val="0"/>
-                </a:schemeClr>
-              </a:gs>
-              <a:gs pos="100000">
-                <a:schemeClr val="bg2"/>
-              </a:gs>
-            </a:gsLst>
-            <a:lin ang="5400000" scaled="0"/>
-            <a:tileRect/>
-          </a:gradFill>
-          <a:ln>
-            <a:noFill/>
-          </a:ln>
-        </p:spPr>
-        <p:style>
-          <a:lnRef idx="2">
-            <a:schemeClr val="accent1">
-              <a:shade val="50000"/>
-            </a:schemeClr>
-          </a:lnRef>
-          <a:fillRef idx="1">
-            <a:schemeClr val="accent1"/>
-          </a:fillRef>
-          <a:effectRef idx="0">
-            <a:schemeClr val="accent1"/>
-          </a:effectRef>
-          <a:fontRef idx="minor">
-            <a:schemeClr val="lt1"/>
-          </a:fontRef>
-        </p:style>
-      </p:sp>
-      <p:pic>
-        <p:nvPicPr>
-          <p:cNvPr id="9" name="Picture 8">
-            <a:extLst>
-              <a:ext uri="{FF2B5EF4-FFF2-40B4-BE49-F238E27FC236}">
-                <a16:creationId xmlns:a16="http://schemas.microsoft.com/office/drawing/2014/main" xmlns="" id="{C2192E09-EBC7-416C-B887-DFF915D7F43D}"/>
-              </a:ext>
-              <a:ext uri="{C183D7F6-B498-43B3-948B-1728B52AA6E4}">
-                <adec:decorative xmlns:adec="http://schemas.microsoft.com/office/drawing/2017/decorative" xmlns="" val="1"/>
-              </a:ext>
-            </a:extLst>
-          </p:cNvPr>
-          <p:cNvPicPr>
-            <a:picLocks noGrp="1" noRot="1" noChangeAspect="1" noMove="1" noResize="1" noEditPoints="1" noAdjustHandles="1" noChangeArrowheads="1" noChangeShapeType="1" noCrop="1"/>
-          </p:cNvPicPr>
-          <p:nvPr>
-            <p:extLst>
-              <p:ext uri="{386F3935-93C4-4BCD-93E2-E3B085C9AB24}">
-                <p16:designElem xmlns:p16="http://schemas.microsoft.com/office/powerpoint/2015/main" xmlns="" val="1"/>
-              </p:ext>
-            </p:extLst>
-          </p:nvPr>
-        </p:nvPicPr>
-        <p:blipFill rotWithShape="1">
-          <a:blip r:embed="rId2">
-            <a:extLst>
-              <a:ext uri="{28A0092B-C50C-407E-A947-70E740481C1C}">
-                <a14:useLocalDpi xmlns:a14="http://schemas.microsoft.com/office/drawing/2010/main" val="0"/>
-              </a:ext>
-            </a:extLst>
-          </a:blip>
-          <a:srcRect t="1538" b="-1538"/>
-          <a:stretch/>
-        </p:blipFill>
-        <p:spPr bwMode="black">
-          <a:xfrm>
-            <a:off x="0" y="6126480"/>
-            <a:ext cx="12192000" cy="742950"/>
-          </a:xfrm>
-          <a:prstGeom prst="rect">
-            <a:avLst/>
-          </a:prstGeom>
-        </p:spPr>
-      </p:pic>
-      <p:cxnSp>
-        <p:nvCxnSpPr>
-          <p:cNvPr id="11" name="Straight Connector 10">
-            <a:extLst>
-              <a:ext uri="{FF2B5EF4-FFF2-40B4-BE49-F238E27FC236}">
-                <a16:creationId xmlns:a16="http://schemas.microsoft.com/office/drawing/2014/main" xmlns="" id="{2924498D-E084-44BE-A196-CFCE35564350}"/>
-              </a:ext>
-              <a:ext uri="{C183D7F6-B498-43B3-948B-1728B52AA6E4}">
-                <adec:decorative xmlns:adec="http://schemas.microsoft.com/office/drawing/2017/decorative" xmlns="" val="1"/>
-              </a:ext>
-            </a:extLst>
-          </p:cNvPr>
-          <p:cNvCxnSpPr>
-            <a:cxnSpLocks noGrp="1" noRot="1" noChangeAspect="1" noMove="1" noResize="1" noEditPoints="1" noAdjustHandles="1" noChangeArrowheads="1" noChangeShapeType="1"/>
-          </p:cNvCxnSpPr>
-          <p:nvPr>
-            <p:extLst>
-              <p:ext uri="{386F3935-93C4-4BCD-93E2-E3B085C9AB24}">
-                <p16:designElem xmlns:p16="http://schemas.microsoft.com/office/powerpoint/2015/main" xmlns="" val="1"/>
-              </p:ext>
-            </p:extLst>
-          </p:nvPr>
-        </p:nvCxnSpPr>
-        <p:spPr>
-          <a:xfrm>
-            <a:off x="0" y="6128413"/>
-            <a:ext cx="12192000" cy="0"/>
-          </a:xfrm>
-          <a:prstGeom prst="line">
-            <a:avLst/>
-          </a:prstGeom>
-          <a:ln w="12700">
-            <a:solidFill>
-              <a:srgbClr val="000001">
-                <a:alpha val="20000"/>
-              </a:srgbClr>
-            </a:solidFill>
-          </a:ln>
-        </p:spPr>
-        <p:style>
-          <a:lnRef idx="1">
-            <a:schemeClr val="accent1"/>
-          </a:lnRef>
-          <a:fillRef idx="0">
-            <a:schemeClr val="accent1"/>
-          </a:fillRef>
-          <a:effectRef idx="0">
-            <a:schemeClr val="accent1"/>
-          </a:effectRef>
-          <a:fontRef idx="minor">
-            <a:schemeClr val="tx1"/>
-          </a:fontRef>
-        </p:style>
-      </p:cxnSp>
-      <p:cxnSp>
-        <p:nvCxnSpPr>
-          <p:cNvPr id="13" name="Straight Connector 12">
-            <a:extLst>
-              <a:ext uri="{FF2B5EF4-FFF2-40B4-BE49-F238E27FC236}">
-                <a16:creationId xmlns:a16="http://schemas.microsoft.com/office/drawing/2014/main" xmlns="" id="{3BBC7667-C352-4842-9AFD-E5C16AD002F4}"/>
-              </a:ext>
-              <a:ext uri="{C183D7F6-B498-43B3-948B-1728B52AA6E4}">
-                <adec:decorative xmlns:adec="http://schemas.microsoft.com/office/drawing/2017/decorative" xmlns="" val="1"/>
-              </a:ext>
-            </a:extLst>
-          </p:cNvPr>
-          <p:cNvCxnSpPr>
-            <a:cxnSpLocks noGrp="1" noRot="1" noChangeAspect="1" noMove="1" noResize="1" noEditPoints="1" noAdjustHandles="1" noChangeArrowheads="1" noChangeShapeType="1"/>
-          </p:cNvCxnSpPr>
-          <p:nvPr>
-            <p:extLst>
-              <p:ext uri="{386F3935-93C4-4BCD-93E2-E3B085C9AB24}">
-                <p16:designElem xmlns:p16="http://schemas.microsoft.com/office/powerpoint/2015/main" xmlns="" val="1"/>
-              </p:ext>
-            </p:extLst>
-          </p:nvPr>
-        </p:nvCxnSpPr>
-        <p:spPr>
-          <a:xfrm>
-            <a:off x="2417780" y="3528542"/>
-            <a:ext cx="8637072" cy="0"/>
-          </a:xfrm>
-          <a:prstGeom prst="line">
-            <a:avLst/>
-          </a:prstGeom>
-          <a:ln w="31750"/>
-        </p:spPr>
-        <p:style>
-          <a:lnRef idx="3">
-            <a:schemeClr val="accent1"/>
-          </a:lnRef>
-          <a:fillRef idx="0">
-            <a:schemeClr val="accent1"/>
-          </a:fillRef>
-          <a:effectRef idx="2">
-            <a:schemeClr val="accent1"/>
-          </a:effectRef>
-          <a:fontRef idx="minor">
-            <a:schemeClr val="tx1"/>
-          </a:fontRef>
-        </p:style>
-      </p:cxnSp>
-      <p:sp useBgFill="1">
-        <p:nvSpPr>
-          <p:cNvPr id="15" name="Rectangle 14">
-            <a:extLst>
-              <a:ext uri="{FF2B5EF4-FFF2-40B4-BE49-F238E27FC236}">
-                <a16:creationId xmlns:a16="http://schemas.microsoft.com/office/drawing/2014/main" xmlns="" id="{F0AB17F6-592B-45CB-96F6-705C9825AFBC}"/>
-              </a:ext>
-              <a:ext uri="{C183D7F6-B498-43B3-948B-1728B52AA6E4}">
-                <adec:decorative xmlns:adec="http://schemas.microsoft.com/office/drawing/2017/decorative" xmlns="" val="1"/>
-              </a:ext>
-            </a:extLst>
-          </p:cNvPr>
-          <p:cNvSpPr>
-            <a:spLocks noGrp="1" noRot="1" noChangeAspect="1" noMove="1" noResize="1" noEditPoints="1" noAdjustHandles="1" noChangeArrowheads="1" noChangeShapeType="1" noTextEdit="1"/>
-          </p:cNvSpPr>
-          <p:nvPr>
-            <p:extLst>
-              <p:ext uri="{386F3935-93C4-4BCD-93E2-E3B085C9AB24}">
-                <p16:designElem xmlns:p16="http://schemas.microsoft.com/office/powerpoint/2015/main" xmlns="" val="1"/>
-              </p:ext>
-            </p:extLst>
-          </p:nvPr>
-        </p:nvSpPr>
-        <p:spPr>
-          <a:xfrm>
-            <a:off x="2" y="0"/>
-            <a:ext cx="12191695" cy="6858000"/>
-          </a:xfrm>
-          <a:prstGeom prst="rect">
-            <a:avLst/>
-          </a:prstGeom>
-          <a:ln>
-            <a:noFill/>
-          </a:ln>
-        </p:spPr>
-        <p:style>
-          <a:lnRef idx="2">
-            <a:schemeClr val="accent1">
-              <a:shade val="50000"/>
-            </a:schemeClr>
-          </a:lnRef>
-          <a:fillRef idx="1">
-            <a:schemeClr val="accent1"/>
-          </a:fillRef>
-          <a:effectRef idx="0">
-            <a:schemeClr val="accent1"/>
-          </a:effectRef>
-          <a:fontRef idx="minor">
-            <a:schemeClr val="lt1"/>
-          </a:fontRef>
-        </p:style>
-        <p:txBody>
-          <a:bodyPr rtlCol="0" anchor="ctr"/>
-          <a:lstStyle/>
-          <a:p>
-            <a:pPr algn="ctr"/>
-            <a:endParaRPr lang="en-US"/>
-          </a:p>
-        </p:txBody>
-      </p:sp>
-      <p:sp>
-        <p:nvSpPr>
-          <p:cNvPr id="2" name="Title 1">
-            <a:extLst>
-              <a:ext uri="{FF2B5EF4-FFF2-40B4-BE49-F238E27FC236}">
-                <a16:creationId xmlns:a16="http://schemas.microsoft.com/office/drawing/2014/main" xmlns="" id="{6FC29038-DDBC-4BFF-89F4-CE1EC9E6EEB3}"/>
-              </a:ext>
-            </a:extLst>
-          </p:cNvPr>
-          <p:cNvSpPr>
-            <a:spLocks noGrp="1"/>
-          </p:cNvSpPr>
-          <p:nvPr>
-            <p:ph type="title"/>
-          </p:nvPr>
-        </p:nvSpPr>
-        <p:spPr>
-          <a:xfrm>
-            <a:off x="4750904" y="802298"/>
-            <a:ext cx="6639329" cy="5116985"/>
-          </a:xfrm>
-        </p:spPr>
-        <p:txBody>
-          <a:bodyPr vert="horz" lIns="91440" tIns="45720" rIns="91440" bIns="0" rtlCol="0" anchor="ctr">
-            <a:normAutofit/>
-          </a:bodyPr>
-          <a:lstStyle/>
-          <a:p>
-            <a:pPr marL="1143000" indent="-1143000"/>
-            <a:r>
-              <a:rPr lang="en-US" sz="6600" dirty="0"/>
-              <a:t>7. </a:t>
-            </a:r>
-            <a:r>
-              <a:rPr lang="en-US" sz="5600" dirty="0"/>
-              <a:t>Applied technologies</a:t>
-            </a:r>
-          </a:p>
-        </p:txBody>
-      </p:sp>
-      <p:cxnSp>
-        <p:nvCxnSpPr>
-          <p:cNvPr id="17" name="Straight Connector 16">
-            <a:extLst>
-              <a:ext uri="{FF2B5EF4-FFF2-40B4-BE49-F238E27FC236}">
-                <a16:creationId xmlns:a16="http://schemas.microsoft.com/office/drawing/2014/main" xmlns="" id="{5A9284E7-0823-472D-9963-18D89DFEB8B4}"/>
-              </a:ext>
-              <a:ext uri="{C183D7F6-B498-43B3-948B-1728B52AA6E4}">
-                <adec:decorative xmlns:adec="http://schemas.microsoft.com/office/drawing/2017/decorative" xmlns="" val="1"/>
-              </a:ext>
-            </a:extLst>
-          </p:cNvPr>
-          <p:cNvCxnSpPr>
-            <a:cxnSpLocks noGrp="1" noRot="1" noChangeAspect="1" noMove="1" noResize="1" noEditPoints="1" noAdjustHandles="1" noChangeArrowheads="1" noChangeShapeType="1"/>
-          </p:cNvCxnSpPr>
-          <p:nvPr>
-            <p:extLst>
-              <p:ext uri="{386F3935-93C4-4BCD-93E2-E3B085C9AB24}">
-                <p16:designElem xmlns:p16="http://schemas.microsoft.com/office/powerpoint/2015/main" xmlns="" val="1"/>
-              </p:ext>
-            </p:extLst>
-          </p:nvPr>
-        </p:nvCxnSpPr>
-        <p:spPr>
-          <a:xfrm>
-            <a:off x="4654296" y="1760590"/>
-            <a:ext cx="0" cy="3200400"/>
-          </a:xfrm>
-          <a:prstGeom prst="line">
-            <a:avLst/>
-          </a:prstGeom>
-          <a:ln w="34925"/>
-        </p:spPr>
-        <p:style>
-          <a:lnRef idx="1">
-            <a:schemeClr val="accent1"/>
-          </a:lnRef>
-          <a:fillRef idx="0">
-            <a:schemeClr val="accent1"/>
-          </a:fillRef>
-          <a:effectRef idx="0">
-            <a:schemeClr val="accent1"/>
-          </a:effectRef>
-          <a:fontRef idx="minor">
-            <a:schemeClr val="tx1"/>
-          </a:fontRef>
-        </p:style>
-      </p:cxnSp>
-    </p:spTree>
-    <p:extLst>
-      <p:ext uri="{BB962C8B-B14F-4D97-AF65-F5344CB8AC3E}">
-        <p14:creationId xmlns:p14="http://schemas.microsoft.com/office/powerpoint/2010/main" val="259698725"/>
-      </p:ext>
-    </p:extLst>
-  </p:cSld>
-  <p:clrMapOvr>
-    <a:overrideClrMapping bg1="dk1" tx1="lt1" bg2="dk2" tx2="lt2" accent1="accent1" accent2="accent2" accent3="accent3" accent4="accent4" accent5="accent5" accent6="accent6" hlink="hlink" folHlink="folHlink"/>
-  </p:clrMapOvr>
-  <p:timing>
-    <p:tnLst>
-      <p:par>
-        <p:cTn id="1" dur="indefinite" restart="never" nodeType="tmRoot"/>
-      </p:par>
-    </p:tnLst>
-  </p:timing>
-</p:sld>
-</file>
-
-<file path=ppt/slides/slide18.xml><?xml version="1.0" encoding="utf-8"?>
-<p:sld xmlns:a="http://schemas.openxmlformats.org/drawingml/2006/main" xmlns:r="http://schemas.openxmlformats.org/officeDocument/2006/relationships" xmlns:p="http://schemas.openxmlformats.org/presentationml/2006/main">
-  <p:cSld>
-    <p:bg>
-      <p:bgPr>
-        <a:gradFill rotWithShape="1">
-          <a:gsLst>
-            <a:gs pos="0">
-              <a:schemeClr val="bg2">
-                <a:tint val="94000"/>
-                <a:satMod val="80000"/>
-                <a:lumMod val="106000"/>
-              </a:schemeClr>
-            </a:gs>
-            <a:gs pos="100000">
-              <a:schemeClr val="bg2">
-                <a:shade val="80000"/>
-              </a:schemeClr>
-            </a:gs>
-          </a:gsLst>
-          <a:path path="circle">
-            <a:fillToRect l="43000" r="43000" b="100000"/>
-          </a:path>
-        </a:gradFill>
-        <a:effectLst/>
-      </p:bgPr>
-    </p:bg>
-    <p:spTree>
-      <p:nvGrpSpPr>
-        <p:cNvPr id="1" name=""/>
-        <p:cNvGrpSpPr/>
-        <p:nvPr/>
-      </p:nvGrpSpPr>
-      <p:grpSpPr>
-        <a:xfrm>
-          <a:off x="0" y="0"/>
-          <a:ext cx="0" cy="0"/>
-          <a:chOff x="0" y="0"/>
-          <a:chExt cx="0" cy="0"/>
-        </a:xfrm>
-      </p:grpSpPr>
-      <p:sp>
-        <p:nvSpPr>
-          <p:cNvPr id="64" name="Rectangle 63">
-            <a:extLst>
-              <a:ext uri="{FF2B5EF4-FFF2-40B4-BE49-F238E27FC236}">
-                <a16:creationId xmlns:a16="http://schemas.microsoft.com/office/drawing/2014/main" xmlns="" id="{84C75E2B-CACA-478C-B26B-182AF87A18E3}"/>
-              </a:ext>
-              <a:ext uri="{C183D7F6-B498-43B3-948B-1728B52AA6E4}">
-                <adec:decorative xmlns:adec="http://schemas.microsoft.com/office/drawing/2017/decorative" xmlns="" val="1"/>
-              </a:ext>
-            </a:extLst>
-          </p:cNvPr>
-          <p:cNvSpPr>
-            <a:spLocks noGrp="1" noRot="1" noChangeAspect="1" noMove="1" noResize="1" noEditPoints="1" noAdjustHandles="1" noChangeArrowheads="1" noChangeShapeType="1" noTextEdit="1"/>
-          </p:cNvSpPr>
-          <p:nvPr>
-            <p:extLst>
-              <p:ext uri="{386F3935-93C4-4BCD-93E2-E3B085C9AB24}">
-                <p16:designElem xmlns:p16="http://schemas.microsoft.com/office/powerpoint/2015/main" xmlns="" val="1"/>
-              </p:ext>
-            </p:extLst>
-          </p:nvPr>
-        </p:nvSpPr>
-        <p:spPr>
-          <a:xfrm>
-            <a:off x="0" y="2019476"/>
-            <a:ext cx="12192000" cy="4105941"/>
-          </a:xfrm>
-          <a:prstGeom prst="rect">
-            <a:avLst/>
-          </a:prstGeom>
-          <a:gradFill flip="none" rotWithShape="1">
-            <a:gsLst>
-              <a:gs pos="0">
-                <a:schemeClr val="bg2">
-                  <a:alpha val="0"/>
-                </a:schemeClr>
-              </a:gs>
-              <a:gs pos="100000">
-                <a:schemeClr val="bg2"/>
-              </a:gs>
-            </a:gsLst>
-            <a:lin ang="5400000" scaled="0"/>
-            <a:tileRect/>
-          </a:gradFill>
-          <a:ln>
-            <a:noFill/>
-          </a:ln>
-        </p:spPr>
-        <p:style>
-          <a:lnRef idx="2">
-            <a:schemeClr val="accent1">
-              <a:shade val="50000"/>
-            </a:schemeClr>
-          </a:lnRef>
-          <a:fillRef idx="1">
-            <a:schemeClr val="accent1"/>
-          </a:fillRef>
-          <a:effectRef idx="0">
-            <a:schemeClr val="accent1"/>
-          </a:effectRef>
-          <a:fontRef idx="minor">
-            <a:schemeClr val="lt1"/>
-          </a:fontRef>
-        </p:style>
-      </p:sp>
-      <p:pic>
-        <p:nvPicPr>
-          <p:cNvPr id="66" name="Picture 65">
-            <a:extLst>
-              <a:ext uri="{FF2B5EF4-FFF2-40B4-BE49-F238E27FC236}">
-                <a16:creationId xmlns:a16="http://schemas.microsoft.com/office/drawing/2014/main" xmlns="" id="{50FF2874-547C-4D14-9E18-28B19002FB8C}"/>
-              </a:ext>
-              <a:ext uri="{C183D7F6-B498-43B3-948B-1728B52AA6E4}">
-                <adec:decorative xmlns:adec="http://schemas.microsoft.com/office/drawing/2017/decorative" xmlns="" val="1"/>
-              </a:ext>
-            </a:extLst>
-          </p:cNvPr>
-          <p:cNvPicPr>
-            <a:picLocks noGrp="1" noRot="1" noChangeAspect="1" noMove="1" noResize="1" noEditPoints="1" noAdjustHandles="1" noChangeArrowheads="1" noChangeShapeType="1" noCrop="1"/>
-          </p:cNvPicPr>
-          <p:nvPr>
-            <p:extLst>
-              <p:ext uri="{386F3935-93C4-4BCD-93E2-E3B085C9AB24}">
-                <p16:designElem xmlns:p16="http://schemas.microsoft.com/office/powerpoint/2015/main" xmlns="" val="1"/>
-              </p:ext>
-            </p:extLst>
-          </p:nvPr>
-        </p:nvPicPr>
-        <p:blipFill rotWithShape="1">
-          <a:blip r:embed="rId2">
-            <a:extLst>
-              <a:ext uri="{28A0092B-C50C-407E-A947-70E740481C1C}">
-                <a14:useLocalDpi xmlns:a14="http://schemas.microsoft.com/office/drawing/2010/main" val="0"/>
-              </a:ext>
-            </a:extLst>
-          </a:blip>
-          <a:srcRect t="1538" b="-1538"/>
-          <a:stretch/>
-        </p:blipFill>
-        <p:spPr bwMode="black">
-          <a:xfrm>
-            <a:off x="0" y="6126480"/>
-            <a:ext cx="12192000" cy="742950"/>
-          </a:xfrm>
-          <a:prstGeom prst="rect">
-            <a:avLst/>
-          </a:prstGeom>
-        </p:spPr>
-      </p:pic>
-      <p:cxnSp>
-        <p:nvCxnSpPr>
-          <p:cNvPr id="68" name="Straight Connector 67">
-            <a:extLst>
-              <a:ext uri="{FF2B5EF4-FFF2-40B4-BE49-F238E27FC236}">
-                <a16:creationId xmlns:a16="http://schemas.microsoft.com/office/drawing/2014/main" xmlns="" id="{36CF827D-A163-47F7-BD87-34EB4FA7D696}"/>
-              </a:ext>
-              <a:ext uri="{C183D7F6-B498-43B3-948B-1728B52AA6E4}">
-                <adec:decorative xmlns:adec="http://schemas.microsoft.com/office/drawing/2017/decorative" xmlns="" val="1"/>
-              </a:ext>
-            </a:extLst>
-          </p:cNvPr>
-          <p:cNvCxnSpPr>
-            <a:cxnSpLocks noGrp="1" noRot="1" noChangeAspect="1" noMove="1" noResize="1" noEditPoints="1" noAdjustHandles="1" noChangeArrowheads="1" noChangeShapeType="1"/>
-          </p:cNvCxnSpPr>
-          <p:nvPr>
-            <p:extLst>
-              <p:ext uri="{386F3935-93C4-4BCD-93E2-E3B085C9AB24}">
-                <p16:designElem xmlns:p16="http://schemas.microsoft.com/office/powerpoint/2015/main" xmlns="" val="1"/>
-              </p:ext>
-            </p:extLst>
-          </p:nvPr>
-        </p:nvCxnSpPr>
-        <p:spPr>
-          <a:xfrm>
-            <a:off x="0" y="6128413"/>
-            <a:ext cx="12192000" cy="0"/>
-          </a:xfrm>
-          <a:prstGeom prst="line">
-            <a:avLst/>
-          </a:prstGeom>
-          <a:ln w="12700">
-            <a:solidFill>
-              <a:srgbClr val="000001">
-                <a:alpha val="20000"/>
-              </a:srgbClr>
-            </a:solidFill>
-          </a:ln>
-        </p:spPr>
-        <p:style>
-          <a:lnRef idx="1">
-            <a:schemeClr val="accent1"/>
-          </a:lnRef>
-          <a:fillRef idx="0">
-            <a:schemeClr val="accent1"/>
-          </a:fillRef>
-          <a:effectRef idx="0">
-            <a:schemeClr val="accent1"/>
-          </a:effectRef>
-          <a:fontRef idx="minor">
-            <a:schemeClr val="tx1"/>
-          </a:fontRef>
-        </p:style>
-      </p:cxnSp>
-      <p:cxnSp>
-        <p:nvCxnSpPr>
-          <p:cNvPr id="70" name="Straight Connector 69">
-            <a:extLst>
-              <a:ext uri="{FF2B5EF4-FFF2-40B4-BE49-F238E27FC236}">
-                <a16:creationId xmlns:a16="http://schemas.microsoft.com/office/drawing/2014/main" xmlns="" id="{D299D9A9-1DA8-433D-A9BC-FB48D93D4217}"/>
-              </a:ext>
-              <a:ext uri="{C183D7F6-B498-43B3-948B-1728B52AA6E4}">
-                <adec:decorative xmlns:adec="http://schemas.microsoft.com/office/drawing/2017/decorative" xmlns="" val="1"/>
-              </a:ext>
-            </a:extLst>
-          </p:cNvPr>
-          <p:cNvCxnSpPr>
-            <a:cxnSpLocks noGrp="1" noRot="1" noChangeAspect="1" noMove="1" noResize="1" noEditPoints="1" noAdjustHandles="1" noChangeArrowheads="1" noChangeShapeType="1"/>
-          </p:cNvCxnSpPr>
-          <p:nvPr>
-            <p:extLst>
-              <p:ext uri="{386F3935-93C4-4BCD-93E2-E3B085C9AB24}">
-                <p16:designElem xmlns:p16="http://schemas.microsoft.com/office/powerpoint/2015/main" xmlns="" val="1"/>
-              </p:ext>
-            </p:extLst>
-          </p:nvPr>
-        </p:nvCxnSpPr>
-        <p:spPr>
-          <a:xfrm>
-            <a:off x="1453896" y="1847088"/>
-            <a:ext cx="9607522" cy="0"/>
-          </a:xfrm>
-          <a:prstGeom prst="line">
-            <a:avLst/>
-          </a:prstGeom>
-          <a:ln w="31750"/>
-        </p:spPr>
-        <p:style>
-          <a:lnRef idx="3">
-            <a:schemeClr val="accent1"/>
-          </a:lnRef>
-          <a:fillRef idx="0">
-            <a:schemeClr val="accent1"/>
-          </a:fillRef>
-          <a:effectRef idx="2">
-            <a:schemeClr val="accent1"/>
-          </a:effectRef>
-          <a:fontRef idx="minor">
-            <a:schemeClr val="tx1"/>
-          </a:fontRef>
-        </p:style>
-      </p:cxnSp>
-      <p:sp useBgFill="1">
-        <p:nvSpPr>
-          <p:cNvPr id="72" name="Rectangle 71">
-            <a:extLst>
-              <a:ext uri="{FF2B5EF4-FFF2-40B4-BE49-F238E27FC236}">
-                <a16:creationId xmlns:a16="http://schemas.microsoft.com/office/drawing/2014/main" xmlns="" id="{593D0D1F-C0CE-416A-883C-BF1E03F63B4B}"/>
-              </a:ext>
-              <a:ext uri="{C183D7F6-B498-43B3-948B-1728B52AA6E4}">
-                <adec:decorative xmlns:adec="http://schemas.microsoft.com/office/drawing/2017/decorative" xmlns="" val="1"/>
-              </a:ext>
-            </a:extLst>
-          </p:cNvPr>
-          <p:cNvSpPr>
-            <a:spLocks noGrp="1" noRot="1" noChangeAspect="1" noMove="1" noResize="1" noEditPoints="1" noAdjustHandles="1" noChangeArrowheads="1" noChangeShapeType="1" noTextEdit="1"/>
-          </p:cNvSpPr>
-          <p:nvPr>
-            <p:extLst>
-              <p:ext uri="{386F3935-93C4-4BCD-93E2-E3B085C9AB24}">
-                <p16:designElem xmlns:p16="http://schemas.microsoft.com/office/powerpoint/2015/main" xmlns="" val="1"/>
-              </p:ext>
-            </p:extLst>
-          </p:nvPr>
-        </p:nvSpPr>
-        <p:spPr>
-          <a:xfrm>
-            <a:off x="2" y="0"/>
-            <a:ext cx="12191695" cy="6858000"/>
-          </a:xfrm>
-          <a:prstGeom prst="rect">
-            <a:avLst/>
-          </a:prstGeom>
-          <a:ln>
-            <a:noFill/>
-          </a:ln>
-        </p:spPr>
-        <p:style>
-          <a:lnRef idx="2">
-            <a:schemeClr val="accent1">
-              <a:shade val="50000"/>
-            </a:schemeClr>
-          </a:lnRef>
-          <a:fillRef idx="1">
-            <a:schemeClr val="accent1"/>
-          </a:fillRef>
-          <a:effectRef idx="0">
-            <a:schemeClr val="accent1"/>
-          </a:effectRef>
-          <a:fontRef idx="minor">
-            <a:schemeClr val="lt1"/>
-          </a:fontRef>
-        </p:style>
-        <p:txBody>
-          <a:bodyPr rtlCol="0" anchor="ctr"/>
-          <a:lstStyle/>
-          <a:p>
-            <a:pPr algn="ctr"/>
-            <a:endParaRPr lang="en-US"/>
-          </a:p>
-        </p:txBody>
-      </p:sp>
-      <p:sp>
-        <p:nvSpPr>
-          <p:cNvPr id="74" name="Rectangle 73">
-            <a:extLst>
-              <a:ext uri="{FF2B5EF4-FFF2-40B4-BE49-F238E27FC236}">
-                <a16:creationId xmlns:a16="http://schemas.microsoft.com/office/drawing/2014/main" xmlns="" id="{94BB6862-3393-46CC-9A80-E400B3206A09}"/>
-              </a:ext>
-              <a:ext uri="{C183D7F6-B498-43B3-948B-1728B52AA6E4}">
-                <adec:decorative xmlns:adec="http://schemas.microsoft.com/office/drawing/2017/decorative" xmlns="" val="1"/>
-              </a:ext>
-            </a:extLst>
-          </p:cNvPr>
-          <p:cNvSpPr>
-            <a:spLocks noGrp="1" noRot="1" noChangeAspect="1" noMove="1" noResize="1" noEditPoints="1" noAdjustHandles="1" noChangeArrowheads="1" noChangeShapeType="1" noTextEdit="1"/>
-          </p:cNvSpPr>
-          <p:nvPr>
-            <p:extLst>
-              <p:ext uri="{386F3935-93C4-4BCD-93E2-E3B085C9AB24}">
-                <p16:designElem xmlns:p16="http://schemas.microsoft.com/office/powerpoint/2015/main" xmlns="" val="1"/>
-              </p:ext>
-            </p:extLst>
-          </p:nvPr>
-        </p:nvSpPr>
-        <p:spPr>
-          <a:xfrm>
-            <a:off x="0" y="2019476"/>
-            <a:ext cx="12192000" cy="4105941"/>
-          </a:xfrm>
-          <a:prstGeom prst="rect">
-            <a:avLst/>
-          </a:prstGeom>
-          <a:gradFill flip="none" rotWithShape="1">
-            <a:gsLst>
-              <a:gs pos="0">
-                <a:schemeClr val="bg2">
-                  <a:alpha val="0"/>
-                </a:schemeClr>
-              </a:gs>
-              <a:gs pos="100000">
-                <a:schemeClr val="bg2"/>
-              </a:gs>
-            </a:gsLst>
-            <a:lin ang="5400000" scaled="0"/>
-            <a:tileRect/>
-          </a:gradFill>
-          <a:ln>
-            <a:noFill/>
-          </a:ln>
-        </p:spPr>
-        <p:style>
-          <a:lnRef idx="2">
-            <a:schemeClr val="accent1">
-              <a:shade val="50000"/>
-            </a:schemeClr>
-          </a:lnRef>
-          <a:fillRef idx="1">
-            <a:schemeClr val="accent1"/>
-          </a:fillRef>
-          <a:effectRef idx="0">
-            <a:schemeClr val="accent1"/>
-          </a:effectRef>
-          <a:fontRef idx="minor">
-            <a:schemeClr val="lt1"/>
-          </a:fontRef>
-        </p:style>
-        <p:txBody>
-          <a:bodyPr rtlCol="0" anchor="ctr"/>
-          <a:lstStyle/>
-          <a:p>
-            <a:pPr lvl="0" algn="ctr"/>
-            <a:endParaRPr lang="en-US"/>
-          </a:p>
-        </p:txBody>
-      </p:sp>
-      <p:sp>
-        <p:nvSpPr>
-          <p:cNvPr id="2" name="Title 1">
-            <a:extLst>
-              <a:ext uri="{FF2B5EF4-FFF2-40B4-BE49-F238E27FC236}">
-                <a16:creationId xmlns:a16="http://schemas.microsoft.com/office/drawing/2014/main" xmlns="" id="{9C888BC2-5FB8-4A00-9D2C-ABE5250D796C}"/>
-              </a:ext>
-            </a:extLst>
-          </p:cNvPr>
-          <p:cNvSpPr>
-            <a:spLocks noGrp="1"/>
-          </p:cNvSpPr>
-          <p:nvPr>
-            <p:ph type="title"/>
-          </p:nvPr>
-        </p:nvSpPr>
-        <p:spPr>
-          <a:xfrm>
-            <a:off x="661251" y="1474970"/>
-            <a:ext cx="2821967" cy="3144914"/>
-          </a:xfrm>
-        </p:spPr>
-        <p:txBody>
-          <a:bodyPr vert="horz" lIns="91440" tIns="45720" rIns="91440" bIns="45720" rtlCol="0" anchor="ctr">
-            <a:normAutofit/>
-          </a:bodyPr>
-          <a:lstStyle/>
-          <a:p>
-            <a:r>
-              <a:rPr lang="en-US" sz="2200"/>
-              <a:t>Technologies, languages, tools, and algorithms used throughout the project</a:t>
-            </a:r>
-            <a:br>
-              <a:rPr lang="en-US" sz="2200"/>
-            </a:br>
-            <a:r>
-              <a:rPr lang="en-US" sz="2200"/>
-              <a:t/>
-            </a:r>
-            <a:br>
-              <a:rPr lang="en-US" sz="2200"/>
-            </a:br>
-            <a:endParaRPr lang="en-US" sz="2200"/>
-          </a:p>
-        </p:txBody>
-      </p:sp>
-      <p:grpSp>
-        <p:nvGrpSpPr>
-          <p:cNvPr id="76" name="Group 75">
-            <a:extLst>
-              <a:ext uri="{FF2B5EF4-FFF2-40B4-BE49-F238E27FC236}">
-                <a16:creationId xmlns:a16="http://schemas.microsoft.com/office/drawing/2014/main" xmlns="" id="{ECD36A4A-123D-46E3-8A64-13B8B3F019BD}"/>
-              </a:ext>
-              <a:ext uri="{C183D7F6-B498-43B3-948B-1728B52AA6E4}">
-                <adec:decorative xmlns:adec="http://schemas.microsoft.com/office/drawing/2017/decorative" xmlns="" val="1"/>
-              </a:ext>
-            </a:extLst>
-          </p:cNvPr>
-          <p:cNvGrpSpPr>
-            <a:grpSpLocks noGrp="1" noUngrp="1" noRot="1" noChangeAspect="1" noMove="1" noResize="1"/>
-          </p:cNvGrpSpPr>
-          <p:nvPr>
-            <p:extLst>
-              <p:ext uri="{386F3935-93C4-4BCD-93E2-E3B085C9AB24}">
-                <p16:designElem xmlns:p16="http://schemas.microsoft.com/office/powerpoint/2015/main" xmlns="" val="1"/>
-              </p:ext>
-            </p:extLst>
-          </p:nvPr>
-        </p:nvGrpSpPr>
-        <p:grpSpPr>
-          <a:xfrm>
-            <a:off x="3979388" y="482170"/>
-            <a:ext cx="7560115" cy="5149101"/>
-            <a:chOff x="7463258" y="583365"/>
-            <a:chExt cx="7560115" cy="5181928"/>
-          </a:xfrm>
-        </p:grpSpPr>
-        <p:sp>
-          <p:nvSpPr>
-            <p:cNvPr id="77" name="Rectangle 76">
-              <a:extLst>
-                <a:ext uri="{FF2B5EF4-FFF2-40B4-BE49-F238E27FC236}">
-                  <a16:creationId xmlns:a16="http://schemas.microsoft.com/office/drawing/2014/main" xmlns="" id="{612E2361-DAF1-4420-BBBD-218F4138ED2F}"/>
-                </a:ext>
-                <a:ext uri="{C183D7F6-B498-43B3-948B-1728B52AA6E4}">
-                  <adec:decorative xmlns:adec="http://schemas.microsoft.com/office/drawing/2017/decorative" xmlns="" val="1"/>
-                </a:ext>
-              </a:extLst>
-            </p:cNvPr>
-            <p:cNvSpPr/>
-            <p:nvPr>
-              <p:extLst>
-                <p:ext uri="{386F3935-93C4-4BCD-93E2-E3B085C9AB24}">
-                  <p16:designElem xmlns:p16="http://schemas.microsoft.com/office/powerpoint/2015/main" xmlns="" val="1"/>
-                </p:ext>
-              </p:extLst>
-            </p:nvPr>
-          </p:nvSpPr>
-          <p:spPr>
-            <a:xfrm>
-              <a:off x="7463258" y="583365"/>
-              <a:ext cx="7560115" cy="5181928"/>
-            </a:xfrm>
-            <a:prstGeom prst="rect">
-              <a:avLst/>
-            </a:prstGeom>
-            <a:gradFill>
-              <a:gsLst>
-                <a:gs pos="0">
-                  <a:srgbClr val="000001"/>
-                </a:gs>
-                <a:gs pos="100000">
-                  <a:srgbClr val="191919"/>
-                </a:gs>
-              </a:gsLst>
-            </a:gradFill>
-            <a:ln w="76200" cmpd="sng">
-              <a:noFill/>
-              <a:miter lim="800000"/>
-            </a:ln>
-            <a:effectLst>
-              <a:outerShdw blurRad="127000" dist="228600" dir="4740000" sx="98000" sy="98000" algn="tl" rotWithShape="0">
-                <a:srgbClr val="000000">
-                  <a:alpha val="34000"/>
-                </a:srgbClr>
-              </a:outerShdw>
-            </a:effectLst>
-            <a:scene3d>
-              <a:camera prst="orthographicFront"/>
-              <a:lightRig rig="threePt" dir="t"/>
-            </a:scene3d>
-            <a:sp3d>
-              <a:bevelT w="152400" h="50800" prst="softRound"/>
-            </a:sp3d>
-          </p:spPr>
-          <p:style>
-            <a:lnRef idx="1">
-              <a:schemeClr val="accent1"/>
-            </a:lnRef>
-            <a:fillRef idx="3">
-              <a:schemeClr val="accent1"/>
-            </a:fillRef>
-            <a:effectRef idx="2">
-              <a:schemeClr val="accent1"/>
-            </a:effectRef>
-            <a:fontRef idx="minor">
-              <a:schemeClr val="lt1"/>
-            </a:fontRef>
-          </p:style>
-          <p:txBody>
-            <a:bodyPr rtlCol="0" anchor="ctr"/>
-            <a:lstStyle/>
-            <a:p>
-              <a:pPr algn="ctr"/>
-              <a:endParaRPr lang="en-US"/>
-            </a:p>
-          </p:txBody>
-        </p:sp>
-        <p:sp>
-          <p:nvSpPr>
-            <p:cNvPr id="78" name="Rectangle 77">
-              <a:extLst>
-                <a:ext uri="{FF2B5EF4-FFF2-40B4-BE49-F238E27FC236}">
-                  <a16:creationId xmlns:a16="http://schemas.microsoft.com/office/drawing/2014/main" xmlns="" id="{1D6F994B-14BC-49BA-B34D-17DF3069A404}"/>
-                </a:ext>
-                <a:ext uri="{C183D7F6-B498-43B3-948B-1728B52AA6E4}">
-                  <adec:decorative xmlns:adec="http://schemas.microsoft.com/office/drawing/2017/decorative" xmlns="" val="1"/>
-                </a:ext>
-              </a:extLst>
-            </p:cNvPr>
-            <p:cNvSpPr/>
-            <p:nvPr>
-              <p:extLst>
-                <p:ext uri="{386F3935-93C4-4BCD-93E2-E3B085C9AB24}">
-                  <p16:designElem xmlns:p16="http://schemas.microsoft.com/office/powerpoint/2015/main" xmlns="" val="1"/>
-                </p:ext>
-              </p:extLst>
-            </p:nvPr>
-          </p:nvSpPr>
-          <p:spPr>
-            <a:xfrm>
-              <a:off x="7776317" y="915807"/>
-              <a:ext cx="6928279" cy="4494927"/>
-            </a:xfrm>
-            <a:prstGeom prst="rect">
-              <a:avLst/>
-            </a:prstGeom>
-            <a:gradFill>
-              <a:gsLst>
-                <a:gs pos="0">
-                  <a:srgbClr val="DADADA"/>
-                </a:gs>
-                <a:gs pos="100000">
-                  <a:srgbClr val="FFFFFE"/>
-                </a:gs>
-              </a:gsLst>
-              <a:lin ang="16200000" scaled="0"/>
-            </a:gradFill>
-            <a:ln w="50800" cmpd="sng">
-              <a:solidFill>
-                <a:srgbClr val="191919"/>
-              </a:solidFill>
-              <a:miter lim="800000"/>
-            </a:ln>
-            <a:effectLst>
-              <a:innerShdw blurRad="63500" dist="88900" dir="14100000">
-                <a:srgbClr val="000000">
-                  <a:alpha val="30000"/>
-                </a:srgbClr>
-              </a:innerShdw>
-            </a:effectLst>
-            <a:scene3d>
-              <a:camera prst="orthographicFront"/>
-              <a:lightRig rig="threePt" dir="t"/>
-            </a:scene3d>
-            <a:sp3d>
-              <a:bevelT prst="relaxedInset"/>
-            </a:sp3d>
-          </p:spPr>
-          <p:style>
-            <a:lnRef idx="1">
-              <a:schemeClr val="accent1"/>
-            </a:lnRef>
-            <a:fillRef idx="3">
-              <a:schemeClr val="accent1"/>
-            </a:fillRef>
-            <a:effectRef idx="2">
-              <a:schemeClr val="accent1"/>
-            </a:effectRef>
-            <a:fontRef idx="minor">
-              <a:schemeClr val="lt1"/>
-            </a:fontRef>
-          </p:style>
-          <p:txBody>
-            <a:bodyPr rtlCol="0" anchor="ctr"/>
-            <a:lstStyle/>
-            <a:p>
-              <a:pPr algn="ctr"/>
-              <a:endParaRPr lang="en-US"/>
-            </a:p>
-          </p:txBody>
-        </p:sp>
-      </p:grpSp>
-      <p:pic>
-        <p:nvPicPr>
-          <p:cNvPr id="5" name="Content Placeholder 4" descr="Graphical user interface, website&#10;&#10;Description automatically generated">
-            <a:extLst>
-              <a:ext uri="{FF2B5EF4-FFF2-40B4-BE49-F238E27FC236}">
-                <a16:creationId xmlns:a16="http://schemas.microsoft.com/office/drawing/2014/main" xmlns="" id="{7384D192-A3C5-452B-AF13-8700E7B80ADF}"/>
-              </a:ext>
-            </a:extLst>
-          </p:cNvPr>
-          <p:cNvPicPr>
-            <a:picLocks noGrp="1" noChangeAspect="1"/>
-          </p:cNvPicPr>
-          <p:nvPr>
-            <p:ph idx="1"/>
-          </p:nvPr>
-        </p:nvPicPr>
-        <p:blipFill>
-          <a:blip r:embed="rId3" cstate="print">
-            <a:extLst>
-              <a:ext uri="{28A0092B-C50C-407E-A947-70E740481C1C}">
-                <a14:useLocalDpi xmlns:a14="http://schemas.microsoft.com/office/drawing/2010/main" val="0"/>
-              </a:ext>
-            </a:extLst>
-          </a:blip>
-          <a:stretch>
-            <a:fillRect/>
-          </a:stretch>
-        </p:blipFill>
-        <p:spPr>
-          <a:xfrm>
-            <a:off x="4618374" y="1274506"/>
-            <a:ext cx="6282919" cy="3549849"/>
-          </a:xfrm>
-          <a:prstGeom prst="rect">
-            <a:avLst/>
-          </a:prstGeom>
-        </p:spPr>
-      </p:pic>
-      <p:pic>
-        <p:nvPicPr>
-          <p:cNvPr id="80" name="Picture 79">
-            <a:extLst>
-              <a:ext uri="{FF2B5EF4-FFF2-40B4-BE49-F238E27FC236}">
-                <a16:creationId xmlns:a16="http://schemas.microsoft.com/office/drawing/2014/main" xmlns="" id="{55EC7096-D0A6-471D-AE28-B68D70388E32}"/>
-              </a:ext>
-              <a:ext uri="{C183D7F6-B498-43B3-948B-1728B52AA6E4}">
-                <adec:decorative xmlns:adec="http://schemas.microsoft.com/office/drawing/2017/decorative" xmlns="" val="1"/>
-              </a:ext>
-            </a:extLst>
-          </p:cNvPr>
-          <p:cNvPicPr>
-            <a:picLocks noGrp="1" noRot="1" noChangeAspect="1" noMove="1" noResize="1" noEditPoints="1" noAdjustHandles="1" noChangeArrowheads="1" noChangeShapeType="1" noCrop="1"/>
-          </p:cNvPicPr>
-          <p:nvPr>
-            <p:extLst>
-              <p:ext uri="{386F3935-93C4-4BCD-93E2-E3B085C9AB24}">
-                <p16:designElem xmlns:p16="http://schemas.microsoft.com/office/powerpoint/2015/main" xmlns="" val="1"/>
-              </p:ext>
-            </p:extLst>
-          </p:nvPr>
-        </p:nvPicPr>
-        <p:blipFill rotWithShape="1">
-          <a:blip r:embed="rId2">
-            <a:extLst>
-              <a:ext uri="{28A0092B-C50C-407E-A947-70E740481C1C}">
-                <a14:useLocalDpi xmlns:a14="http://schemas.microsoft.com/office/drawing/2010/main" val="0"/>
-              </a:ext>
-            </a:extLst>
-          </a:blip>
-          <a:srcRect t="1538" b="-1538"/>
-          <a:stretch/>
-        </p:blipFill>
-        <p:spPr bwMode="black">
-          <a:xfrm>
-            <a:off x="0" y="6126480"/>
-            <a:ext cx="12192000" cy="742950"/>
-          </a:xfrm>
-          <a:prstGeom prst="rect">
-            <a:avLst/>
-          </a:prstGeom>
-        </p:spPr>
-      </p:pic>
-      <p:cxnSp>
-        <p:nvCxnSpPr>
-          <p:cNvPr id="82" name="Straight Connector 81">
-            <a:extLst>
-              <a:ext uri="{FF2B5EF4-FFF2-40B4-BE49-F238E27FC236}">
-                <a16:creationId xmlns:a16="http://schemas.microsoft.com/office/drawing/2014/main" xmlns="" id="{2E98EB88-99B6-483D-B203-0D5D63100504}"/>
-              </a:ext>
-              <a:ext uri="{C183D7F6-B498-43B3-948B-1728B52AA6E4}">
-                <adec:decorative xmlns:adec="http://schemas.microsoft.com/office/drawing/2017/decorative" xmlns="" val="1"/>
-              </a:ext>
-            </a:extLst>
-          </p:cNvPr>
-          <p:cNvCxnSpPr>
-            <a:cxnSpLocks noGrp="1" noRot="1" noChangeAspect="1" noMove="1" noResize="1" noEditPoints="1" noAdjustHandles="1" noChangeArrowheads="1" noChangeShapeType="1"/>
-          </p:cNvCxnSpPr>
-          <p:nvPr>
-            <p:extLst>
-              <p:ext uri="{386F3935-93C4-4BCD-93E2-E3B085C9AB24}">
-                <p16:designElem xmlns:p16="http://schemas.microsoft.com/office/powerpoint/2015/main" xmlns="" val="1"/>
-              </p:ext>
-            </p:extLst>
-          </p:nvPr>
-        </p:nvCxnSpPr>
-        <p:spPr>
-          <a:xfrm>
-            <a:off x="0" y="6128413"/>
-            <a:ext cx="12192000" cy="0"/>
-          </a:xfrm>
-          <a:prstGeom prst="line">
-            <a:avLst/>
-          </a:prstGeom>
-          <a:ln w="12700">
-            <a:solidFill>
-              <a:srgbClr val="000001">
-                <a:alpha val="20000"/>
-              </a:srgbClr>
-            </a:solidFill>
-          </a:ln>
-        </p:spPr>
-        <p:style>
-          <a:lnRef idx="1">
-            <a:schemeClr val="accent1"/>
-          </a:lnRef>
-          <a:fillRef idx="0">
-            <a:schemeClr val="accent1"/>
-          </a:fillRef>
-          <a:effectRef idx="0">
-            <a:schemeClr val="accent1"/>
-          </a:effectRef>
-          <a:fontRef idx="minor">
-            <a:schemeClr val="tx1"/>
-          </a:fontRef>
-        </p:style>
-      </p:cxnSp>
-    </p:spTree>
-    <p:extLst>
-      <p:ext uri="{BB962C8B-B14F-4D97-AF65-F5344CB8AC3E}">
-        <p14:creationId xmlns:p14="http://schemas.microsoft.com/office/powerpoint/2010/main" val="288336247"/>
-      </p:ext>
-    </p:extLst>
-  </p:cSld>
-  <p:clrMapOvr>
-    <a:masterClrMapping/>
-  </p:clrMapOvr>
-  <p:timing>
-    <p:tnLst>
-      <p:par>
-        <p:cTn id="1" dur="indefinite" restart="never" nodeType="tmRoot"/>
-      </p:par>
-    </p:tnLst>
-  </p:timing>
 </p:sld>
 </file>
 
@@ -6947,10 +6261,10 @@
           <p:cNvPr id="7" name="Rectangle 6">
             <a:extLst>
               <a:ext uri="{FF2B5EF4-FFF2-40B4-BE49-F238E27FC236}">
-                <a16:creationId xmlns:a16="http://schemas.microsoft.com/office/drawing/2014/main" xmlns="" id="{23522FE7-5A29-4EF6-B1EF-2CA55748A772}"/>
+                <a16:creationId xmlns:a16="http://schemas.microsoft.com/office/drawing/2014/main" id="{23522FE7-5A29-4EF6-B1EF-2CA55748A772}"/>
               </a:ext>
               <a:ext uri="{C183D7F6-B498-43B3-948B-1728B52AA6E4}">
-                <adec:decorative xmlns:adec="http://schemas.microsoft.com/office/drawing/2017/decorative" xmlns="" val="1"/>
+                <adec:decorative xmlns:adec="http://schemas.microsoft.com/office/drawing/2017/decorative" val="1"/>
               </a:ext>
             </a:extLst>
           </p:cNvPr>
@@ -6960,7 +6274,7 @@
           <p:nvPr>
             <p:extLst>
               <p:ext uri="{386F3935-93C4-4BCD-93E2-E3B085C9AB24}">
-                <p16:designElem xmlns:p16="http://schemas.microsoft.com/office/powerpoint/2015/main" xmlns="" val="1"/>
+                <p16:designElem xmlns:p16="http://schemas.microsoft.com/office/powerpoint/2015/main" val="1"/>
               </p:ext>
             </p:extLst>
           </p:nvPr>
@@ -7013,10 +6327,10 @@
           <p:cNvPr id="9" name="Picture 8">
             <a:extLst>
               <a:ext uri="{FF2B5EF4-FFF2-40B4-BE49-F238E27FC236}">
-                <a16:creationId xmlns:a16="http://schemas.microsoft.com/office/drawing/2014/main" xmlns="" id="{C2192E09-EBC7-416C-B887-DFF915D7F43D}"/>
+                <a16:creationId xmlns:a16="http://schemas.microsoft.com/office/drawing/2014/main" id="{C2192E09-EBC7-416C-B887-DFF915D7F43D}"/>
               </a:ext>
               <a:ext uri="{C183D7F6-B498-43B3-948B-1728B52AA6E4}">
-                <adec:decorative xmlns:adec="http://schemas.microsoft.com/office/drawing/2017/decorative" xmlns="" val="1"/>
+                <adec:decorative xmlns:adec="http://schemas.microsoft.com/office/drawing/2017/decorative" val="1"/>
               </a:ext>
             </a:extLst>
           </p:cNvPr>
@@ -7026,7 +6340,7 @@
           <p:nvPr>
             <p:extLst>
               <p:ext uri="{386F3935-93C4-4BCD-93E2-E3B085C9AB24}">
-                <p16:designElem xmlns:p16="http://schemas.microsoft.com/office/powerpoint/2015/main" xmlns="" val="1"/>
+                <p16:designElem xmlns:p16="http://schemas.microsoft.com/office/powerpoint/2015/main" val="1"/>
               </p:ext>
             </p:extLst>
           </p:nvPr>
@@ -7057,10 +6371,10 @@
           <p:cNvPr id="11" name="Straight Connector 10">
             <a:extLst>
               <a:ext uri="{FF2B5EF4-FFF2-40B4-BE49-F238E27FC236}">
-                <a16:creationId xmlns:a16="http://schemas.microsoft.com/office/drawing/2014/main" xmlns="" id="{2924498D-E084-44BE-A196-CFCE35564350}"/>
+                <a16:creationId xmlns:a16="http://schemas.microsoft.com/office/drawing/2014/main" id="{2924498D-E084-44BE-A196-CFCE35564350}"/>
               </a:ext>
               <a:ext uri="{C183D7F6-B498-43B3-948B-1728B52AA6E4}">
-                <adec:decorative xmlns:adec="http://schemas.microsoft.com/office/drawing/2017/decorative" xmlns="" val="1"/>
+                <adec:decorative xmlns:adec="http://schemas.microsoft.com/office/drawing/2017/decorative" val="1"/>
               </a:ext>
             </a:extLst>
           </p:cNvPr>
@@ -7070,7 +6384,7 @@
           <p:nvPr>
             <p:extLst>
               <p:ext uri="{386F3935-93C4-4BCD-93E2-E3B085C9AB24}">
-                <p16:designElem xmlns:p16="http://schemas.microsoft.com/office/powerpoint/2015/main" xmlns="" val="1"/>
+                <p16:designElem xmlns:p16="http://schemas.microsoft.com/office/powerpoint/2015/main" val="1"/>
               </p:ext>
             </p:extLst>
           </p:nvPr>
@@ -7111,10 +6425,10 @@
           <p:cNvPr id="13" name="Straight Connector 12">
             <a:extLst>
               <a:ext uri="{FF2B5EF4-FFF2-40B4-BE49-F238E27FC236}">
-                <a16:creationId xmlns:a16="http://schemas.microsoft.com/office/drawing/2014/main" xmlns="" id="{3BBC7667-C352-4842-9AFD-E5C16AD002F4}"/>
+                <a16:creationId xmlns:a16="http://schemas.microsoft.com/office/drawing/2014/main" id="{3BBC7667-C352-4842-9AFD-E5C16AD002F4}"/>
               </a:ext>
               <a:ext uri="{C183D7F6-B498-43B3-948B-1728B52AA6E4}">
-                <adec:decorative xmlns:adec="http://schemas.microsoft.com/office/drawing/2017/decorative" xmlns="" val="1"/>
+                <adec:decorative xmlns:adec="http://schemas.microsoft.com/office/drawing/2017/decorative" val="1"/>
               </a:ext>
             </a:extLst>
           </p:cNvPr>
@@ -7124,7 +6438,7 @@
           <p:nvPr>
             <p:extLst>
               <p:ext uri="{386F3935-93C4-4BCD-93E2-E3B085C9AB24}">
-                <p16:designElem xmlns:p16="http://schemas.microsoft.com/office/powerpoint/2015/main" xmlns="" val="1"/>
+                <p16:designElem xmlns:p16="http://schemas.microsoft.com/office/powerpoint/2015/main" val="1"/>
               </p:ext>
             </p:extLst>
           </p:nvPr>
@@ -7159,10 +6473,10 @@
           <p:cNvPr id="15" name="Rectangle 14">
             <a:extLst>
               <a:ext uri="{FF2B5EF4-FFF2-40B4-BE49-F238E27FC236}">
-                <a16:creationId xmlns:a16="http://schemas.microsoft.com/office/drawing/2014/main" xmlns="" id="{F0AB17F6-592B-45CB-96F6-705C9825AFBC}"/>
+                <a16:creationId xmlns:a16="http://schemas.microsoft.com/office/drawing/2014/main" id="{F0AB17F6-592B-45CB-96F6-705C9825AFBC}"/>
               </a:ext>
               <a:ext uri="{C183D7F6-B498-43B3-948B-1728B52AA6E4}">
-                <adec:decorative xmlns:adec="http://schemas.microsoft.com/office/drawing/2017/decorative" xmlns="" val="1"/>
+                <adec:decorative xmlns:adec="http://schemas.microsoft.com/office/drawing/2017/decorative" val="1"/>
               </a:ext>
             </a:extLst>
           </p:cNvPr>
@@ -7172,7 +6486,7 @@
           <p:nvPr>
             <p:extLst>
               <p:ext uri="{386F3935-93C4-4BCD-93E2-E3B085C9AB24}">
-                <p16:designElem xmlns:p16="http://schemas.microsoft.com/office/powerpoint/2015/main" xmlns="" val="1"/>
+                <p16:designElem xmlns:p16="http://schemas.microsoft.com/office/powerpoint/2015/main" val="1"/>
               </p:ext>
             </p:extLst>
           </p:nvPr>
@@ -7219,7 +6533,7 @@
           <p:cNvPr id="2" name="Title 1">
             <a:extLst>
               <a:ext uri="{FF2B5EF4-FFF2-40B4-BE49-F238E27FC236}">
-                <a16:creationId xmlns:a16="http://schemas.microsoft.com/office/drawing/2014/main" xmlns="" id="{6FC29038-DDBC-4BFF-89F4-CE1EC9E6EEB3}"/>
+                <a16:creationId xmlns:a16="http://schemas.microsoft.com/office/drawing/2014/main" id="{6FC29038-DDBC-4BFF-89F4-CE1EC9E6EEB3}"/>
               </a:ext>
             </a:extLst>
           </p:cNvPr>
@@ -7259,10 +6573,10 @@
           <p:cNvPr id="17" name="Straight Connector 16">
             <a:extLst>
               <a:ext uri="{FF2B5EF4-FFF2-40B4-BE49-F238E27FC236}">
-                <a16:creationId xmlns:a16="http://schemas.microsoft.com/office/drawing/2014/main" xmlns="" id="{5A9284E7-0823-472D-9963-18D89DFEB8B4}"/>
+                <a16:creationId xmlns:a16="http://schemas.microsoft.com/office/drawing/2014/main" id="{5A9284E7-0823-472D-9963-18D89DFEB8B4}"/>
               </a:ext>
               <a:ext uri="{C183D7F6-B498-43B3-948B-1728B52AA6E4}">
-                <adec:decorative xmlns:adec="http://schemas.microsoft.com/office/drawing/2017/decorative" xmlns="" val="1"/>
+                <adec:decorative xmlns:adec="http://schemas.microsoft.com/office/drawing/2017/decorative" val="1"/>
               </a:ext>
             </a:extLst>
           </p:cNvPr>
@@ -7272,7 +6586,7 @@
           <p:nvPr>
             <p:extLst>
               <p:ext uri="{386F3935-93C4-4BCD-93E2-E3B085C9AB24}">
-                <p16:designElem xmlns:p16="http://schemas.microsoft.com/office/powerpoint/2015/main" xmlns="" val="1"/>
+                <p16:designElem xmlns:p16="http://schemas.microsoft.com/office/powerpoint/2015/main" val="1"/>
               </p:ext>
             </p:extLst>
           </p:nvPr>
@@ -7312,13 +6626,6 @@
   <p:clrMapOvr>
     <a:overrideClrMapping bg1="dk1" tx1="lt1" bg2="dk2" tx2="lt2" accent1="accent1" accent2="accent2" accent3="accent3" accent4="accent4" accent5="accent5" accent6="accent6" hlink="hlink" folHlink="folHlink"/>
   </p:clrMapOvr>
-  <p:timing>
-    <p:tnLst>
-      <p:par>
-        <p:cTn id="1" dur="indefinite" restart="never" nodeType="tmRoot"/>
-      </p:par>
-    </p:tnLst>
-  </p:timing>
 </p:sld>
 </file>
 
@@ -7368,10 +6675,10 @@
           <p:cNvPr id="90" name="Rectangle 89">
             <a:extLst>
               <a:ext uri="{FF2B5EF4-FFF2-40B4-BE49-F238E27FC236}">
-                <a16:creationId xmlns:a16="http://schemas.microsoft.com/office/drawing/2014/main" xmlns="" id="{9AB26DBC-1F7F-4AC0-A88C-69712701E629}"/>
+                <a16:creationId xmlns:a16="http://schemas.microsoft.com/office/drawing/2014/main" id="{9AB26DBC-1F7F-4AC0-A88C-69712701E629}"/>
               </a:ext>
               <a:ext uri="{C183D7F6-B498-43B3-948B-1728B52AA6E4}">
-                <adec:decorative xmlns:adec="http://schemas.microsoft.com/office/drawing/2017/decorative" xmlns="" val="1"/>
+                <adec:decorative xmlns:adec="http://schemas.microsoft.com/office/drawing/2017/decorative" val="1"/>
               </a:ext>
             </a:extLst>
           </p:cNvPr>
@@ -7381,7 +6688,7 @@
           <p:nvPr>
             <p:extLst>
               <p:ext uri="{386F3935-93C4-4BCD-93E2-E3B085C9AB24}">
-                <p16:designElem xmlns:p16="http://schemas.microsoft.com/office/powerpoint/2015/main" xmlns="" val="1"/>
+                <p16:designElem xmlns:p16="http://schemas.microsoft.com/office/powerpoint/2015/main" val="1"/>
               </p:ext>
             </p:extLst>
           </p:nvPr>
@@ -7428,10 +6735,10 @@
           <p:cNvPr id="92" name="Rectangle 91">
             <a:extLst>
               <a:ext uri="{FF2B5EF4-FFF2-40B4-BE49-F238E27FC236}">
-                <a16:creationId xmlns:a16="http://schemas.microsoft.com/office/drawing/2014/main" xmlns="" id="{6F099884-7695-4976-8EBD-ECB5AF05355F}"/>
+                <a16:creationId xmlns:a16="http://schemas.microsoft.com/office/drawing/2014/main" id="{6F099884-7695-4976-8EBD-ECB5AF05355F}"/>
               </a:ext>
               <a:ext uri="{C183D7F6-B498-43B3-948B-1728B52AA6E4}">
-                <adec:decorative xmlns:adec="http://schemas.microsoft.com/office/drawing/2017/decorative" xmlns="" val="1"/>
+                <adec:decorative xmlns:adec="http://schemas.microsoft.com/office/drawing/2017/decorative" val="1"/>
               </a:ext>
             </a:extLst>
           </p:cNvPr>
@@ -7441,7 +6748,7 @@
           <p:nvPr>
             <p:extLst>
               <p:ext uri="{386F3935-93C4-4BCD-93E2-E3B085C9AB24}">
-                <p16:designElem xmlns:p16="http://schemas.microsoft.com/office/powerpoint/2015/main" xmlns="" val="1"/>
+                <p16:designElem xmlns:p16="http://schemas.microsoft.com/office/powerpoint/2015/main" val="1"/>
               </p:ext>
             </p:extLst>
           </p:nvPr>
@@ -7502,7 +6809,7 @@
           <p:cNvPr id="2" name="Title 1">
             <a:extLst>
               <a:ext uri="{FF2B5EF4-FFF2-40B4-BE49-F238E27FC236}">
-                <a16:creationId xmlns:a16="http://schemas.microsoft.com/office/drawing/2014/main" xmlns="" id="{2E025604-A81D-4F18-82B3-98894BAF829C}"/>
+                <a16:creationId xmlns:a16="http://schemas.microsoft.com/office/drawing/2014/main" id="{2E025604-A81D-4F18-82B3-98894BAF829C}"/>
               </a:ext>
             </a:extLst>
           </p:cNvPr>
@@ -7538,7 +6845,7 @@
           <p:cNvPr id="3" name="Subtitle 2">
             <a:extLst>
               <a:ext uri="{FF2B5EF4-FFF2-40B4-BE49-F238E27FC236}">
-                <a16:creationId xmlns:a16="http://schemas.microsoft.com/office/drawing/2014/main" xmlns="" id="{E9D15432-801C-4592-9DCE-0CB4042BB4CA}"/>
+                <a16:creationId xmlns:a16="http://schemas.microsoft.com/office/drawing/2014/main" id="{E9D15432-801C-4592-9DCE-0CB4042BB4CA}"/>
               </a:ext>
             </a:extLst>
           </p:cNvPr>
@@ -7663,10 +6970,10 @@
           <p:cNvPr id="94" name="Group 93">
             <a:extLst>
               <a:ext uri="{FF2B5EF4-FFF2-40B4-BE49-F238E27FC236}">
-                <a16:creationId xmlns:a16="http://schemas.microsoft.com/office/drawing/2014/main" xmlns="" id="{32F6B6B9-C579-41A6-A7D1-A7AB4AA6D233}"/>
+                <a16:creationId xmlns:a16="http://schemas.microsoft.com/office/drawing/2014/main" id="{32F6B6B9-C579-41A6-A7D1-A7AB4AA6D233}"/>
               </a:ext>
               <a:ext uri="{C183D7F6-B498-43B3-948B-1728B52AA6E4}">
-                <adec:decorative xmlns:adec="http://schemas.microsoft.com/office/drawing/2017/decorative" xmlns="" val="1"/>
+                <adec:decorative xmlns:adec="http://schemas.microsoft.com/office/drawing/2017/decorative" val="1"/>
               </a:ext>
             </a:extLst>
           </p:cNvPr>
@@ -7676,7 +6983,7 @@
           <p:nvPr>
             <p:extLst>
               <p:ext uri="{386F3935-93C4-4BCD-93E2-E3B085C9AB24}">
-                <p16:designElem xmlns:p16="http://schemas.microsoft.com/office/powerpoint/2015/main" xmlns="" val="1"/>
+                <p16:designElem xmlns:p16="http://schemas.microsoft.com/office/powerpoint/2015/main" val="1"/>
               </p:ext>
             </p:extLst>
           </p:nvPr>
@@ -7694,10 +7001,10 @@
             <p:cNvPr id="95" name="Rectangle 94">
               <a:extLst>
                 <a:ext uri="{FF2B5EF4-FFF2-40B4-BE49-F238E27FC236}">
-                  <a16:creationId xmlns:a16="http://schemas.microsoft.com/office/drawing/2014/main" xmlns="" id="{DC0B55B5-5A26-423B-ACDC-B151A280A1D6}"/>
+                  <a16:creationId xmlns:a16="http://schemas.microsoft.com/office/drawing/2014/main" id="{DC0B55B5-5A26-423B-ACDC-B151A280A1D6}"/>
                 </a:ext>
                 <a:ext uri="{C183D7F6-B498-43B3-948B-1728B52AA6E4}">
-                  <adec:decorative xmlns:adec="http://schemas.microsoft.com/office/drawing/2017/decorative" xmlns="" val="1"/>
+                  <adec:decorative xmlns:adec="http://schemas.microsoft.com/office/drawing/2017/decorative" val="1"/>
                 </a:ext>
               </a:extLst>
             </p:cNvPr>
@@ -7705,7 +7012,7 @@
             <p:nvPr>
               <p:extLst>
                 <p:ext uri="{386F3935-93C4-4BCD-93E2-E3B085C9AB24}">
-                  <p16:designElem xmlns:p16="http://schemas.microsoft.com/office/powerpoint/2015/main" xmlns="" val="1"/>
+                  <p16:designElem xmlns:p16="http://schemas.microsoft.com/office/powerpoint/2015/main" val="1"/>
                 </p:ext>
               </p:extLst>
             </p:nvPr>
@@ -7775,10 +7082,10 @@
             <p:cNvPr id="96" name="Rectangle 95">
               <a:extLst>
                 <a:ext uri="{FF2B5EF4-FFF2-40B4-BE49-F238E27FC236}">
-                  <a16:creationId xmlns:a16="http://schemas.microsoft.com/office/drawing/2014/main" xmlns="" id="{8AD2DF8D-6B65-43EB-86A8-9DB52572A032}"/>
+                  <a16:creationId xmlns:a16="http://schemas.microsoft.com/office/drawing/2014/main" id="{8AD2DF8D-6B65-43EB-86A8-9DB52572A032}"/>
                 </a:ext>
                 <a:ext uri="{C183D7F6-B498-43B3-948B-1728B52AA6E4}">
-                  <adec:decorative xmlns:adec="http://schemas.microsoft.com/office/drawing/2017/decorative" xmlns="" val="1"/>
+                  <adec:decorative xmlns:adec="http://schemas.microsoft.com/office/drawing/2017/decorative" val="1"/>
                 </a:ext>
               </a:extLst>
             </p:cNvPr>
@@ -7786,7 +7093,7 @@
             <p:nvPr>
               <p:extLst>
                 <p:ext uri="{386F3935-93C4-4BCD-93E2-E3B085C9AB24}">
-                  <p16:designElem xmlns:p16="http://schemas.microsoft.com/office/powerpoint/2015/main" xmlns="" val="1"/>
+                  <p16:designElem xmlns:p16="http://schemas.microsoft.com/office/powerpoint/2015/main" val="1"/>
                 </p:ext>
               </p:extLst>
             </p:nvPr>
@@ -7860,10 +7167,10 @@
           <p:cNvPr id="98" name="Rectangle 97">
             <a:extLst>
               <a:ext uri="{FF2B5EF4-FFF2-40B4-BE49-F238E27FC236}">
-                <a16:creationId xmlns:a16="http://schemas.microsoft.com/office/drawing/2014/main" xmlns="" id="{74163961-0280-48BA-BC84-97E03B009955}"/>
+                <a16:creationId xmlns:a16="http://schemas.microsoft.com/office/drawing/2014/main" id="{74163961-0280-48BA-BC84-97E03B009955}"/>
               </a:ext>
               <a:ext uri="{C183D7F6-B498-43B3-948B-1728B52AA6E4}">
-                <adec:decorative xmlns:adec="http://schemas.microsoft.com/office/drawing/2017/decorative" xmlns="" val="1"/>
+                <adec:decorative xmlns:adec="http://schemas.microsoft.com/office/drawing/2017/decorative" val="1"/>
               </a:ext>
             </a:extLst>
           </p:cNvPr>
@@ -7873,7 +7180,7 @@
           <p:nvPr>
             <p:extLst>
               <p:ext uri="{386F3935-93C4-4BCD-93E2-E3B085C9AB24}">
-                <p16:designElem xmlns:p16="http://schemas.microsoft.com/office/powerpoint/2015/main" xmlns="" val="1"/>
+                <p16:designElem xmlns:p16="http://schemas.microsoft.com/office/powerpoint/2015/main" val="1"/>
               </p:ext>
             </p:extLst>
           </p:nvPr>
@@ -7925,7 +7232,7 @@
           <p:cNvPr id="31" name="Picture 3" descr="Scribbles on a notebook">
             <a:extLst>
               <a:ext uri="{FF2B5EF4-FFF2-40B4-BE49-F238E27FC236}">
-                <a16:creationId xmlns:a16="http://schemas.microsoft.com/office/drawing/2014/main" xmlns="" id="{552BC37F-B83E-0A14-C568-9D7AF3908C92}"/>
+                <a16:creationId xmlns:a16="http://schemas.microsoft.com/office/drawing/2014/main" id="{552BC37F-B83E-0A14-C568-9D7AF3908C92}"/>
               </a:ext>
             </a:extLst>
           </p:cNvPr>
@@ -7954,10 +7261,10 @@
           <p:cNvPr id="100" name="Straight Connector 99">
             <a:extLst>
               <a:ext uri="{FF2B5EF4-FFF2-40B4-BE49-F238E27FC236}">
-                <a16:creationId xmlns:a16="http://schemas.microsoft.com/office/drawing/2014/main" xmlns="" id="{BFAC20BB-5902-4D8F-9A2A-E4B516EF39DE}"/>
+                <a16:creationId xmlns:a16="http://schemas.microsoft.com/office/drawing/2014/main" id="{BFAC20BB-5902-4D8F-9A2A-E4B516EF39DE}"/>
               </a:ext>
               <a:ext uri="{C183D7F6-B498-43B3-948B-1728B52AA6E4}">
-                <adec:decorative xmlns:adec="http://schemas.microsoft.com/office/drawing/2017/decorative" xmlns="" val="1"/>
+                <adec:decorative xmlns:adec="http://schemas.microsoft.com/office/drawing/2017/decorative" val="1"/>
               </a:ext>
             </a:extLst>
           </p:cNvPr>
@@ -7967,7 +7274,7 @@
           <p:nvPr>
             <p:extLst>
               <p:ext uri="{386F3935-93C4-4BCD-93E2-E3B085C9AB24}">
-                <p16:designElem xmlns:p16="http://schemas.microsoft.com/office/powerpoint/2015/main" xmlns="" val="1"/>
+                <p16:designElem xmlns:p16="http://schemas.microsoft.com/office/powerpoint/2015/main" val="1"/>
               </p:ext>
             </p:extLst>
           </p:nvPr>
@@ -8002,10 +7309,10 @@
           <p:cNvPr id="159" name="Picture 101">
             <a:extLst>
               <a:ext uri="{FF2B5EF4-FFF2-40B4-BE49-F238E27FC236}">
-                <a16:creationId xmlns:a16="http://schemas.microsoft.com/office/drawing/2014/main" xmlns="" id="{FC7852F8-6371-4D0E-ADF1-AD67B8FD8F9E}"/>
+                <a16:creationId xmlns:a16="http://schemas.microsoft.com/office/drawing/2014/main" id="{FC7852F8-6371-4D0E-ADF1-AD67B8FD8F9E}"/>
               </a:ext>
               <a:ext uri="{C183D7F6-B498-43B3-948B-1728B52AA6E4}">
-                <adec:decorative xmlns:adec="http://schemas.microsoft.com/office/drawing/2017/decorative" xmlns="" val="1"/>
+                <adec:decorative xmlns:adec="http://schemas.microsoft.com/office/drawing/2017/decorative" val="1"/>
               </a:ext>
             </a:extLst>
           </p:cNvPr>
@@ -8015,7 +7322,7 @@
           <p:nvPr>
             <p:extLst>
               <p:ext uri="{386F3935-93C4-4BCD-93E2-E3B085C9AB24}">
-                <p16:designElem xmlns:p16="http://schemas.microsoft.com/office/powerpoint/2015/main" xmlns="" val="1"/>
+                <p16:designElem xmlns:p16="http://schemas.microsoft.com/office/powerpoint/2015/main" val="1"/>
               </p:ext>
             </p:extLst>
           </p:nvPr>
@@ -8046,10 +7353,10 @@
           <p:cNvPr id="160" name="Straight Connector 103">
             <a:extLst>
               <a:ext uri="{FF2B5EF4-FFF2-40B4-BE49-F238E27FC236}">
-                <a16:creationId xmlns:a16="http://schemas.microsoft.com/office/drawing/2014/main" xmlns="" id="{60356817-A471-4572-AE96-579F6D6BFD9B}"/>
+                <a16:creationId xmlns:a16="http://schemas.microsoft.com/office/drawing/2014/main" id="{60356817-A471-4572-AE96-579F6D6BFD9B}"/>
               </a:ext>
               <a:ext uri="{C183D7F6-B498-43B3-948B-1728B52AA6E4}">
-                <adec:decorative xmlns:adec="http://schemas.microsoft.com/office/drawing/2017/decorative" xmlns="" val="1"/>
+                <adec:decorative xmlns:adec="http://schemas.microsoft.com/office/drawing/2017/decorative" val="1"/>
               </a:ext>
             </a:extLst>
           </p:cNvPr>
@@ -8059,7 +7366,7 @@
           <p:nvPr>
             <p:extLst>
               <p:ext uri="{386F3935-93C4-4BCD-93E2-E3B085C9AB24}">
-                <p16:designElem xmlns:p16="http://schemas.microsoft.com/office/powerpoint/2015/main" xmlns="" val="1"/>
+                <p16:designElem xmlns:p16="http://schemas.microsoft.com/office/powerpoint/2015/main" val="1"/>
               </p:ext>
             </p:extLst>
           </p:nvPr>
@@ -8589,7 +7896,7 @@
           <p:cNvPr id="2" name="Title 1">
             <a:extLst>
               <a:ext uri="{FF2B5EF4-FFF2-40B4-BE49-F238E27FC236}">
-                <a16:creationId xmlns:a16="http://schemas.microsoft.com/office/drawing/2014/main" xmlns="" id="{427A07C9-2785-487F-8E6F-0A9136FD3D69}"/>
+                <a16:creationId xmlns:a16="http://schemas.microsoft.com/office/drawing/2014/main" id="{427A07C9-2785-487F-8E6F-0A9136FD3D69}"/>
               </a:ext>
             </a:extLst>
           </p:cNvPr>
@@ -8626,7 +7933,7 @@
           <p:cNvPr id="5" name="Content Placeholder 4" descr="Chart, line chart&#10;&#10;Description automatically generated">
             <a:extLst>
               <a:ext uri="{FF2B5EF4-FFF2-40B4-BE49-F238E27FC236}">
-                <a16:creationId xmlns:a16="http://schemas.microsoft.com/office/drawing/2014/main" xmlns="" id="{34E48286-229E-4067-B2AB-1D5904998C9A}"/>
+                <a16:creationId xmlns:a16="http://schemas.microsoft.com/office/drawing/2014/main" id="{34E48286-229E-4067-B2AB-1D5904998C9A}"/>
               </a:ext>
             </a:extLst>
           </p:cNvPr>
@@ -8661,7 +7968,7 @@
           <p:cNvPr id="9" name="Picture 8" descr="Chart, bar chart&#10;&#10;Description automatically generated">
             <a:extLst>
               <a:ext uri="{FF2B5EF4-FFF2-40B4-BE49-F238E27FC236}">
-                <a16:creationId xmlns:a16="http://schemas.microsoft.com/office/drawing/2014/main" xmlns="" id="{8CAC0F8C-D838-45EB-A2C8-129EFE843693}"/>
+                <a16:creationId xmlns:a16="http://schemas.microsoft.com/office/drawing/2014/main" id="{8CAC0F8C-D838-45EB-A2C8-129EFE843693}"/>
               </a:ext>
             </a:extLst>
           </p:cNvPr>
@@ -8751,10 +8058,10 @@
           <p:cNvPr id="7" name="Rectangle 6">
             <a:extLst>
               <a:ext uri="{FF2B5EF4-FFF2-40B4-BE49-F238E27FC236}">
-                <a16:creationId xmlns:a16="http://schemas.microsoft.com/office/drawing/2014/main" xmlns="" id="{23522FE7-5A29-4EF6-B1EF-2CA55748A772}"/>
+                <a16:creationId xmlns:a16="http://schemas.microsoft.com/office/drawing/2014/main" id="{23522FE7-5A29-4EF6-B1EF-2CA55748A772}"/>
               </a:ext>
               <a:ext uri="{C183D7F6-B498-43B3-948B-1728B52AA6E4}">
-                <adec:decorative xmlns:adec="http://schemas.microsoft.com/office/drawing/2017/decorative" xmlns="" val="1"/>
+                <adec:decorative xmlns:adec="http://schemas.microsoft.com/office/drawing/2017/decorative" val="1"/>
               </a:ext>
             </a:extLst>
           </p:cNvPr>
@@ -8764,7 +8071,7 @@
           <p:nvPr>
             <p:extLst>
               <p:ext uri="{386F3935-93C4-4BCD-93E2-E3B085C9AB24}">
-                <p16:designElem xmlns:p16="http://schemas.microsoft.com/office/powerpoint/2015/main" xmlns="" val="1"/>
+                <p16:designElem xmlns:p16="http://schemas.microsoft.com/office/powerpoint/2015/main" val="1"/>
               </p:ext>
             </p:extLst>
           </p:nvPr>
@@ -8817,10 +8124,10 @@
           <p:cNvPr id="9" name="Picture 8">
             <a:extLst>
               <a:ext uri="{FF2B5EF4-FFF2-40B4-BE49-F238E27FC236}">
-                <a16:creationId xmlns:a16="http://schemas.microsoft.com/office/drawing/2014/main" xmlns="" id="{C2192E09-EBC7-416C-B887-DFF915D7F43D}"/>
+                <a16:creationId xmlns:a16="http://schemas.microsoft.com/office/drawing/2014/main" id="{C2192E09-EBC7-416C-B887-DFF915D7F43D}"/>
               </a:ext>
               <a:ext uri="{C183D7F6-B498-43B3-948B-1728B52AA6E4}">
-                <adec:decorative xmlns:adec="http://schemas.microsoft.com/office/drawing/2017/decorative" xmlns="" val="1"/>
+                <adec:decorative xmlns:adec="http://schemas.microsoft.com/office/drawing/2017/decorative" val="1"/>
               </a:ext>
             </a:extLst>
           </p:cNvPr>
@@ -8830,7 +8137,7 @@
           <p:nvPr>
             <p:extLst>
               <p:ext uri="{386F3935-93C4-4BCD-93E2-E3B085C9AB24}">
-                <p16:designElem xmlns:p16="http://schemas.microsoft.com/office/powerpoint/2015/main" xmlns="" val="1"/>
+                <p16:designElem xmlns:p16="http://schemas.microsoft.com/office/powerpoint/2015/main" val="1"/>
               </p:ext>
             </p:extLst>
           </p:nvPr>
@@ -8861,10 +8168,10 @@
           <p:cNvPr id="11" name="Straight Connector 10">
             <a:extLst>
               <a:ext uri="{FF2B5EF4-FFF2-40B4-BE49-F238E27FC236}">
-                <a16:creationId xmlns:a16="http://schemas.microsoft.com/office/drawing/2014/main" xmlns="" id="{2924498D-E084-44BE-A196-CFCE35564350}"/>
+                <a16:creationId xmlns:a16="http://schemas.microsoft.com/office/drawing/2014/main" id="{2924498D-E084-44BE-A196-CFCE35564350}"/>
               </a:ext>
               <a:ext uri="{C183D7F6-B498-43B3-948B-1728B52AA6E4}">
-                <adec:decorative xmlns:adec="http://schemas.microsoft.com/office/drawing/2017/decorative" xmlns="" val="1"/>
+                <adec:decorative xmlns:adec="http://schemas.microsoft.com/office/drawing/2017/decorative" val="1"/>
               </a:ext>
             </a:extLst>
           </p:cNvPr>
@@ -8874,7 +8181,7 @@
           <p:nvPr>
             <p:extLst>
               <p:ext uri="{386F3935-93C4-4BCD-93E2-E3B085C9AB24}">
-                <p16:designElem xmlns:p16="http://schemas.microsoft.com/office/powerpoint/2015/main" xmlns="" val="1"/>
+                <p16:designElem xmlns:p16="http://schemas.microsoft.com/office/powerpoint/2015/main" val="1"/>
               </p:ext>
             </p:extLst>
           </p:nvPr>
@@ -8915,10 +8222,10 @@
           <p:cNvPr id="13" name="Straight Connector 12">
             <a:extLst>
               <a:ext uri="{FF2B5EF4-FFF2-40B4-BE49-F238E27FC236}">
-                <a16:creationId xmlns:a16="http://schemas.microsoft.com/office/drawing/2014/main" xmlns="" id="{3BBC7667-C352-4842-9AFD-E5C16AD002F4}"/>
+                <a16:creationId xmlns:a16="http://schemas.microsoft.com/office/drawing/2014/main" id="{3BBC7667-C352-4842-9AFD-E5C16AD002F4}"/>
               </a:ext>
               <a:ext uri="{C183D7F6-B498-43B3-948B-1728B52AA6E4}">
-                <adec:decorative xmlns:adec="http://schemas.microsoft.com/office/drawing/2017/decorative" xmlns="" val="1"/>
+                <adec:decorative xmlns:adec="http://schemas.microsoft.com/office/drawing/2017/decorative" val="1"/>
               </a:ext>
             </a:extLst>
           </p:cNvPr>
@@ -8928,7 +8235,7 @@
           <p:nvPr>
             <p:extLst>
               <p:ext uri="{386F3935-93C4-4BCD-93E2-E3B085C9AB24}">
-                <p16:designElem xmlns:p16="http://schemas.microsoft.com/office/powerpoint/2015/main" xmlns="" val="1"/>
+                <p16:designElem xmlns:p16="http://schemas.microsoft.com/office/powerpoint/2015/main" val="1"/>
               </p:ext>
             </p:extLst>
           </p:nvPr>
@@ -8963,10 +8270,10 @@
           <p:cNvPr id="15" name="Rectangle 14">
             <a:extLst>
               <a:ext uri="{FF2B5EF4-FFF2-40B4-BE49-F238E27FC236}">
-                <a16:creationId xmlns:a16="http://schemas.microsoft.com/office/drawing/2014/main" xmlns="" id="{F0AB17F6-592B-45CB-96F6-705C9825AFBC}"/>
+                <a16:creationId xmlns:a16="http://schemas.microsoft.com/office/drawing/2014/main" id="{F0AB17F6-592B-45CB-96F6-705C9825AFBC}"/>
               </a:ext>
               <a:ext uri="{C183D7F6-B498-43B3-948B-1728B52AA6E4}">
-                <adec:decorative xmlns:adec="http://schemas.microsoft.com/office/drawing/2017/decorative" xmlns="" val="1"/>
+                <adec:decorative xmlns:adec="http://schemas.microsoft.com/office/drawing/2017/decorative" val="1"/>
               </a:ext>
             </a:extLst>
           </p:cNvPr>
@@ -8976,7 +8283,7 @@
           <p:nvPr>
             <p:extLst>
               <p:ext uri="{386F3935-93C4-4BCD-93E2-E3B085C9AB24}">
-                <p16:designElem xmlns:p16="http://schemas.microsoft.com/office/powerpoint/2015/main" xmlns="" val="1"/>
+                <p16:designElem xmlns:p16="http://schemas.microsoft.com/office/powerpoint/2015/main" val="1"/>
               </p:ext>
             </p:extLst>
           </p:nvPr>
@@ -9023,7 +8330,7 @@
           <p:cNvPr id="2" name="Title 1">
             <a:extLst>
               <a:ext uri="{FF2B5EF4-FFF2-40B4-BE49-F238E27FC236}">
-                <a16:creationId xmlns:a16="http://schemas.microsoft.com/office/drawing/2014/main" xmlns="" id="{6FC29038-DDBC-4BFF-89F4-CE1EC9E6EEB3}"/>
+                <a16:creationId xmlns:a16="http://schemas.microsoft.com/office/drawing/2014/main" id="{6FC29038-DDBC-4BFF-89F4-CE1EC9E6EEB3}"/>
               </a:ext>
             </a:extLst>
           </p:cNvPr>
@@ -9063,10 +8370,10 @@
           <p:cNvPr id="17" name="Straight Connector 16">
             <a:extLst>
               <a:ext uri="{FF2B5EF4-FFF2-40B4-BE49-F238E27FC236}">
-                <a16:creationId xmlns:a16="http://schemas.microsoft.com/office/drawing/2014/main" xmlns="" id="{5A9284E7-0823-472D-9963-18D89DFEB8B4}"/>
+                <a16:creationId xmlns:a16="http://schemas.microsoft.com/office/drawing/2014/main" id="{5A9284E7-0823-472D-9963-18D89DFEB8B4}"/>
               </a:ext>
               <a:ext uri="{C183D7F6-B498-43B3-948B-1728B52AA6E4}">
-                <adec:decorative xmlns:adec="http://schemas.microsoft.com/office/drawing/2017/decorative" xmlns="" val="1"/>
+                <adec:decorative xmlns:adec="http://schemas.microsoft.com/office/drawing/2017/decorative" val="1"/>
               </a:ext>
             </a:extLst>
           </p:cNvPr>
@@ -9076,7 +8383,7 @@
           <p:nvPr>
             <p:extLst>
               <p:ext uri="{386F3935-93C4-4BCD-93E2-E3B085C9AB24}">
-                <p16:designElem xmlns:p16="http://schemas.microsoft.com/office/powerpoint/2015/main" xmlns="" val="1"/>
+                <p16:designElem xmlns:p16="http://schemas.microsoft.com/office/powerpoint/2015/main" val="1"/>
               </p:ext>
             </p:extLst>
           </p:nvPr>
@@ -9165,10 +8472,10 @@
           <p:cNvPr id="54" name="Rectangle 53">
             <a:extLst>
               <a:ext uri="{FF2B5EF4-FFF2-40B4-BE49-F238E27FC236}">
-                <a16:creationId xmlns:a16="http://schemas.microsoft.com/office/drawing/2014/main" xmlns="" id="{2FAC8C30-93FA-4F99-80C4-C952D83A4950}"/>
+                <a16:creationId xmlns:a16="http://schemas.microsoft.com/office/drawing/2014/main" id="{2FAC8C30-93FA-4F99-80C4-C952D83A4950}"/>
               </a:ext>
               <a:ext uri="{C183D7F6-B498-43B3-948B-1728B52AA6E4}">
-                <adec:decorative xmlns:adec="http://schemas.microsoft.com/office/drawing/2017/decorative" xmlns="" val="1"/>
+                <adec:decorative xmlns:adec="http://schemas.microsoft.com/office/drawing/2017/decorative" val="1"/>
               </a:ext>
             </a:extLst>
           </p:cNvPr>
@@ -9178,7 +8485,7 @@
           <p:nvPr>
             <p:extLst>
               <p:ext uri="{386F3935-93C4-4BCD-93E2-E3B085C9AB24}">
-                <p16:designElem xmlns:p16="http://schemas.microsoft.com/office/powerpoint/2015/main" xmlns="" val="1"/>
+                <p16:designElem xmlns:p16="http://schemas.microsoft.com/office/powerpoint/2015/main" val="1"/>
               </p:ext>
             </p:extLst>
           </p:nvPr>
@@ -9231,10 +8538,10 @@
           <p:cNvPr id="56" name="Picture 55">
             <a:extLst>
               <a:ext uri="{FF2B5EF4-FFF2-40B4-BE49-F238E27FC236}">
-                <a16:creationId xmlns:a16="http://schemas.microsoft.com/office/drawing/2014/main" xmlns="" id="{F3ACDE2A-6BC1-4786-87B1-F7DA35351E7A}"/>
+                <a16:creationId xmlns:a16="http://schemas.microsoft.com/office/drawing/2014/main" id="{F3ACDE2A-6BC1-4786-87B1-F7DA35351E7A}"/>
               </a:ext>
               <a:ext uri="{C183D7F6-B498-43B3-948B-1728B52AA6E4}">
-                <adec:decorative xmlns:adec="http://schemas.microsoft.com/office/drawing/2017/decorative" xmlns="" val="1"/>
+                <adec:decorative xmlns:adec="http://schemas.microsoft.com/office/drawing/2017/decorative" val="1"/>
               </a:ext>
             </a:extLst>
           </p:cNvPr>
@@ -9244,7 +8551,7 @@
           <p:nvPr>
             <p:extLst>
               <p:ext uri="{386F3935-93C4-4BCD-93E2-E3B085C9AB24}">
-                <p16:designElem xmlns:p16="http://schemas.microsoft.com/office/powerpoint/2015/main" xmlns="" val="1"/>
+                <p16:designElem xmlns:p16="http://schemas.microsoft.com/office/powerpoint/2015/main" val="1"/>
               </p:ext>
             </p:extLst>
           </p:nvPr>
@@ -9275,10 +8582,10 @@
           <p:cNvPr id="58" name="Straight Connector 57">
             <a:extLst>
               <a:ext uri="{FF2B5EF4-FFF2-40B4-BE49-F238E27FC236}">
-                <a16:creationId xmlns:a16="http://schemas.microsoft.com/office/drawing/2014/main" xmlns="" id="{0A2CC8B5-9886-4AFA-BE09-6178A4ED301A}"/>
+                <a16:creationId xmlns:a16="http://schemas.microsoft.com/office/drawing/2014/main" id="{0A2CC8B5-9886-4AFA-BE09-6178A4ED301A}"/>
               </a:ext>
               <a:ext uri="{C183D7F6-B498-43B3-948B-1728B52AA6E4}">
-                <adec:decorative xmlns:adec="http://schemas.microsoft.com/office/drawing/2017/decorative" xmlns="" val="1"/>
+                <adec:decorative xmlns:adec="http://schemas.microsoft.com/office/drawing/2017/decorative" val="1"/>
               </a:ext>
             </a:extLst>
           </p:cNvPr>
@@ -9288,7 +8595,7 @@
           <p:nvPr>
             <p:extLst>
               <p:ext uri="{386F3935-93C4-4BCD-93E2-E3B085C9AB24}">
-                <p16:designElem xmlns:p16="http://schemas.microsoft.com/office/powerpoint/2015/main" xmlns="" val="1"/>
+                <p16:designElem xmlns:p16="http://schemas.microsoft.com/office/powerpoint/2015/main" val="1"/>
               </p:ext>
             </p:extLst>
           </p:nvPr>
@@ -9329,7 +8636,7 @@
           <p:cNvPr id="5" name="Content Placeholder 4" descr="Chart, bar chart&#10;&#10;Description automatically generated">
             <a:extLst>
               <a:ext uri="{FF2B5EF4-FFF2-40B4-BE49-F238E27FC236}">
-                <a16:creationId xmlns:a16="http://schemas.microsoft.com/office/drawing/2014/main" xmlns="" id="{547E7EDD-C720-46E5-AC32-ED481B39FEE0}"/>
+                <a16:creationId xmlns:a16="http://schemas.microsoft.com/office/drawing/2014/main" id="{547E7EDD-C720-46E5-AC32-ED481B39FEE0}"/>
               </a:ext>
             </a:extLst>
           </p:cNvPr>
@@ -9374,7 +8681,7 @@
           <p:cNvPr id="7" name="Picture 6" descr="Text&#10;&#10;Description automatically generated">
             <a:extLst>
               <a:ext uri="{FF2B5EF4-FFF2-40B4-BE49-F238E27FC236}">
-                <a16:creationId xmlns:a16="http://schemas.microsoft.com/office/drawing/2014/main" xmlns="" id="{332F66FF-0952-48DF-9EB1-159C6F78CC00}"/>
+                <a16:creationId xmlns:a16="http://schemas.microsoft.com/office/drawing/2014/main" id="{332F66FF-0952-48DF-9EB1-159C6F78CC00}"/>
               </a:ext>
             </a:extLst>
           </p:cNvPr>
@@ -9471,10 +8778,10 @@
           <p:cNvPr id="7" name="Rectangle 6">
             <a:extLst>
               <a:ext uri="{FF2B5EF4-FFF2-40B4-BE49-F238E27FC236}">
-                <a16:creationId xmlns:a16="http://schemas.microsoft.com/office/drawing/2014/main" xmlns="" id="{23522FE7-5A29-4EF6-B1EF-2CA55748A772}"/>
+                <a16:creationId xmlns:a16="http://schemas.microsoft.com/office/drawing/2014/main" id="{23522FE7-5A29-4EF6-B1EF-2CA55748A772}"/>
               </a:ext>
               <a:ext uri="{C183D7F6-B498-43B3-948B-1728B52AA6E4}">
-                <adec:decorative xmlns:adec="http://schemas.microsoft.com/office/drawing/2017/decorative" xmlns="" val="1"/>
+                <adec:decorative xmlns:adec="http://schemas.microsoft.com/office/drawing/2017/decorative" val="1"/>
               </a:ext>
             </a:extLst>
           </p:cNvPr>
@@ -9484,7 +8791,7 @@
           <p:nvPr>
             <p:extLst>
               <p:ext uri="{386F3935-93C4-4BCD-93E2-E3B085C9AB24}">
-                <p16:designElem xmlns:p16="http://schemas.microsoft.com/office/powerpoint/2015/main" xmlns="" val="1"/>
+                <p16:designElem xmlns:p16="http://schemas.microsoft.com/office/powerpoint/2015/main" val="1"/>
               </p:ext>
             </p:extLst>
           </p:nvPr>
@@ -9537,10 +8844,10 @@
           <p:cNvPr id="9" name="Picture 8">
             <a:extLst>
               <a:ext uri="{FF2B5EF4-FFF2-40B4-BE49-F238E27FC236}">
-                <a16:creationId xmlns:a16="http://schemas.microsoft.com/office/drawing/2014/main" xmlns="" id="{C2192E09-EBC7-416C-B887-DFF915D7F43D}"/>
+                <a16:creationId xmlns:a16="http://schemas.microsoft.com/office/drawing/2014/main" id="{C2192E09-EBC7-416C-B887-DFF915D7F43D}"/>
               </a:ext>
               <a:ext uri="{C183D7F6-B498-43B3-948B-1728B52AA6E4}">
-                <adec:decorative xmlns:adec="http://schemas.microsoft.com/office/drawing/2017/decorative" xmlns="" val="1"/>
+                <adec:decorative xmlns:adec="http://schemas.microsoft.com/office/drawing/2017/decorative" val="1"/>
               </a:ext>
             </a:extLst>
           </p:cNvPr>
@@ -9550,7 +8857,7 @@
           <p:nvPr>
             <p:extLst>
               <p:ext uri="{386F3935-93C4-4BCD-93E2-E3B085C9AB24}">
-                <p16:designElem xmlns:p16="http://schemas.microsoft.com/office/powerpoint/2015/main" xmlns="" val="1"/>
+                <p16:designElem xmlns:p16="http://schemas.microsoft.com/office/powerpoint/2015/main" val="1"/>
               </p:ext>
             </p:extLst>
           </p:nvPr>
@@ -9581,10 +8888,10 @@
           <p:cNvPr id="11" name="Straight Connector 10">
             <a:extLst>
               <a:ext uri="{FF2B5EF4-FFF2-40B4-BE49-F238E27FC236}">
-                <a16:creationId xmlns:a16="http://schemas.microsoft.com/office/drawing/2014/main" xmlns="" id="{2924498D-E084-44BE-A196-CFCE35564350}"/>
+                <a16:creationId xmlns:a16="http://schemas.microsoft.com/office/drawing/2014/main" id="{2924498D-E084-44BE-A196-CFCE35564350}"/>
               </a:ext>
               <a:ext uri="{C183D7F6-B498-43B3-948B-1728B52AA6E4}">
-                <adec:decorative xmlns:adec="http://schemas.microsoft.com/office/drawing/2017/decorative" xmlns="" val="1"/>
+                <adec:decorative xmlns:adec="http://schemas.microsoft.com/office/drawing/2017/decorative" val="1"/>
               </a:ext>
             </a:extLst>
           </p:cNvPr>
@@ -9594,7 +8901,7 @@
           <p:nvPr>
             <p:extLst>
               <p:ext uri="{386F3935-93C4-4BCD-93E2-E3B085C9AB24}">
-                <p16:designElem xmlns:p16="http://schemas.microsoft.com/office/powerpoint/2015/main" xmlns="" val="1"/>
+                <p16:designElem xmlns:p16="http://schemas.microsoft.com/office/powerpoint/2015/main" val="1"/>
               </p:ext>
             </p:extLst>
           </p:nvPr>
@@ -9635,10 +8942,10 @@
           <p:cNvPr id="13" name="Straight Connector 12">
             <a:extLst>
               <a:ext uri="{FF2B5EF4-FFF2-40B4-BE49-F238E27FC236}">
-                <a16:creationId xmlns:a16="http://schemas.microsoft.com/office/drawing/2014/main" xmlns="" id="{3BBC7667-C352-4842-9AFD-E5C16AD002F4}"/>
+                <a16:creationId xmlns:a16="http://schemas.microsoft.com/office/drawing/2014/main" id="{3BBC7667-C352-4842-9AFD-E5C16AD002F4}"/>
               </a:ext>
               <a:ext uri="{C183D7F6-B498-43B3-948B-1728B52AA6E4}">
-                <adec:decorative xmlns:adec="http://schemas.microsoft.com/office/drawing/2017/decorative" xmlns="" val="1"/>
+                <adec:decorative xmlns:adec="http://schemas.microsoft.com/office/drawing/2017/decorative" val="1"/>
               </a:ext>
             </a:extLst>
           </p:cNvPr>
@@ -9648,7 +8955,7 @@
           <p:nvPr>
             <p:extLst>
               <p:ext uri="{386F3935-93C4-4BCD-93E2-E3B085C9AB24}">
-                <p16:designElem xmlns:p16="http://schemas.microsoft.com/office/powerpoint/2015/main" xmlns="" val="1"/>
+                <p16:designElem xmlns:p16="http://schemas.microsoft.com/office/powerpoint/2015/main" val="1"/>
               </p:ext>
             </p:extLst>
           </p:nvPr>
@@ -9683,10 +8990,10 @@
           <p:cNvPr id="15" name="Rectangle 14">
             <a:extLst>
               <a:ext uri="{FF2B5EF4-FFF2-40B4-BE49-F238E27FC236}">
-                <a16:creationId xmlns:a16="http://schemas.microsoft.com/office/drawing/2014/main" xmlns="" id="{F0AB17F6-592B-45CB-96F6-705C9825AFBC}"/>
+                <a16:creationId xmlns:a16="http://schemas.microsoft.com/office/drawing/2014/main" id="{F0AB17F6-592B-45CB-96F6-705C9825AFBC}"/>
               </a:ext>
               <a:ext uri="{C183D7F6-B498-43B3-948B-1728B52AA6E4}">
-                <adec:decorative xmlns:adec="http://schemas.microsoft.com/office/drawing/2017/decorative" xmlns="" val="1"/>
+                <adec:decorative xmlns:adec="http://schemas.microsoft.com/office/drawing/2017/decorative" val="1"/>
               </a:ext>
             </a:extLst>
           </p:cNvPr>
@@ -9696,7 +9003,7 @@
           <p:nvPr>
             <p:extLst>
               <p:ext uri="{386F3935-93C4-4BCD-93E2-E3B085C9AB24}">
-                <p16:designElem xmlns:p16="http://schemas.microsoft.com/office/powerpoint/2015/main" xmlns="" val="1"/>
+                <p16:designElem xmlns:p16="http://schemas.microsoft.com/office/powerpoint/2015/main" val="1"/>
               </p:ext>
             </p:extLst>
           </p:nvPr>
@@ -9743,7 +9050,7 @@
           <p:cNvPr id="2" name="Title 1">
             <a:extLst>
               <a:ext uri="{FF2B5EF4-FFF2-40B4-BE49-F238E27FC236}">
-                <a16:creationId xmlns:a16="http://schemas.microsoft.com/office/drawing/2014/main" xmlns="" id="{6FC29038-DDBC-4BFF-89F4-CE1EC9E6EEB3}"/>
+                <a16:creationId xmlns:a16="http://schemas.microsoft.com/office/drawing/2014/main" id="{6FC29038-DDBC-4BFF-89F4-CE1EC9E6EEB3}"/>
               </a:ext>
             </a:extLst>
           </p:cNvPr>
@@ -9773,7 +9080,7 @@
             </a:r>
             <a:r>
               <a:rPr lang="en-US" sz="6000" dirty="0"/>
-              <a:t>On contrary</a:t>
+              <a:t>limitations</a:t>
             </a:r>
           </a:p>
         </p:txBody>
@@ -9783,10 +9090,10 @@
           <p:cNvPr id="17" name="Straight Connector 16">
             <a:extLst>
               <a:ext uri="{FF2B5EF4-FFF2-40B4-BE49-F238E27FC236}">
-                <a16:creationId xmlns:a16="http://schemas.microsoft.com/office/drawing/2014/main" xmlns="" id="{5A9284E7-0823-472D-9963-18D89DFEB8B4}"/>
+                <a16:creationId xmlns:a16="http://schemas.microsoft.com/office/drawing/2014/main" id="{5A9284E7-0823-472D-9963-18D89DFEB8B4}"/>
               </a:ext>
               <a:ext uri="{C183D7F6-B498-43B3-948B-1728B52AA6E4}">
-                <adec:decorative xmlns:adec="http://schemas.microsoft.com/office/drawing/2017/decorative" xmlns="" val="1"/>
+                <adec:decorative xmlns:adec="http://schemas.microsoft.com/office/drawing/2017/decorative" val="1"/>
               </a:ext>
             </a:extLst>
           </p:cNvPr>
@@ -9796,7 +9103,7 @@
           <p:nvPr>
             <p:extLst>
               <p:ext uri="{386F3935-93C4-4BCD-93E2-E3B085C9AB24}">
-                <p16:designElem xmlns:p16="http://schemas.microsoft.com/office/powerpoint/2015/main" xmlns="" val="1"/>
+                <p16:designElem xmlns:p16="http://schemas.microsoft.com/office/powerpoint/2015/main" val="1"/>
               </p:ext>
             </p:extLst>
           </p:nvPr>
@@ -9882,13 +9189,13 @@
       </p:grpSpPr>
       <p:sp>
         <p:nvSpPr>
-          <p:cNvPr id="11" name="Rectangle 10">
-            <a:extLst>
-              <a:ext uri="{FF2B5EF4-FFF2-40B4-BE49-F238E27FC236}">
-                <a16:creationId xmlns:a16="http://schemas.microsoft.com/office/drawing/2014/main" xmlns="" id="{6738F172-08B9-4BA5-B753-7D93472C0B11}"/>
+          <p:cNvPr id="20" name="Rectangle 19">
+            <a:extLst>
+              <a:ext uri="{FF2B5EF4-FFF2-40B4-BE49-F238E27FC236}">
+                <a16:creationId xmlns:a16="http://schemas.microsoft.com/office/drawing/2014/main" id="{8D11E4C3-B2CB-4105-9B42-B5E438A1910F}"/>
               </a:ext>
               <a:ext uri="{C183D7F6-B498-43B3-948B-1728B52AA6E4}">
-                <adec:decorative xmlns:adec="http://schemas.microsoft.com/office/drawing/2017/decorative" xmlns="" val="1"/>
+                <adec:decorative xmlns:adec="http://schemas.microsoft.com/office/drawing/2017/decorative" val="1"/>
               </a:ext>
             </a:extLst>
           </p:cNvPr>
@@ -9898,7 +9205,7 @@
           <p:nvPr>
             <p:extLst>
               <p:ext uri="{386F3935-93C4-4BCD-93E2-E3B085C9AB24}">
-                <p16:designElem xmlns:p16="http://schemas.microsoft.com/office/powerpoint/2015/main" xmlns="" val="1"/>
+                <p16:designElem xmlns:p16="http://schemas.microsoft.com/office/powerpoint/2015/main" val="1"/>
               </p:ext>
             </p:extLst>
           </p:nvPr>
@@ -9948,13 +9255,13 @@
       </p:sp>
       <p:pic>
         <p:nvPicPr>
-          <p:cNvPr id="13" name="Picture 12">
-            <a:extLst>
-              <a:ext uri="{FF2B5EF4-FFF2-40B4-BE49-F238E27FC236}">
-                <a16:creationId xmlns:a16="http://schemas.microsoft.com/office/drawing/2014/main" xmlns="" id="{C900681B-C4FD-40B3-B5BC-C33231614C91}"/>
+          <p:cNvPr id="22" name="Picture 21">
+            <a:extLst>
+              <a:ext uri="{FF2B5EF4-FFF2-40B4-BE49-F238E27FC236}">
+                <a16:creationId xmlns:a16="http://schemas.microsoft.com/office/drawing/2014/main" id="{D801A41D-49C4-4F95-AA12-FE7B943A5079}"/>
               </a:ext>
               <a:ext uri="{C183D7F6-B498-43B3-948B-1728B52AA6E4}">
-                <adec:decorative xmlns:adec="http://schemas.microsoft.com/office/drawing/2017/decorative" xmlns="" val="1"/>
+                <adec:decorative xmlns:adec="http://schemas.microsoft.com/office/drawing/2017/decorative" val="1"/>
               </a:ext>
             </a:extLst>
           </p:cNvPr>
@@ -9964,7 +9271,7 @@
           <p:nvPr>
             <p:extLst>
               <p:ext uri="{386F3935-93C4-4BCD-93E2-E3B085C9AB24}">
-                <p16:designElem xmlns:p16="http://schemas.microsoft.com/office/powerpoint/2015/main" xmlns="" val="1"/>
+                <p16:designElem xmlns:p16="http://schemas.microsoft.com/office/powerpoint/2015/main" val="1"/>
               </p:ext>
             </p:extLst>
           </p:nvPr>
@@ -9992,13 +9299,13 @@
       </p:pic>
       <p:cxnSp>
         <p:nvCxnSpPr>
-          <p:cNvPr id="15" name="Straight Connector 14">
-            <a:extLst>
-              <a:ext uri="{FF2B5EF4-FFF2-40B4-BE49-F238E27FC236}">
-                <a16:creationId xmlns:a16="http://schemas.microsoft.com/office/drawing/2014/main" xmlns="" id="{FEAACD67-2FB5-4530-9B74-8D946F1CE9E3}"/>
+          <p:cNvPr id="24" name="Straight Connector 23">
+            <a:extLst>
+              <a:ext uri="{FF2B5EF4-FFF2-40B4-BE49-F238E27FC236}">
+                <a16:creationId xmlns:a16="http://schemas.microsoft.com/office/drawing/2014/main" id="{0073EB83-C81E-44B9-8EF1-2975C77B947D}"/>
               </a:ext>
               <a:ext uri="{C183D7F6-B498-43B3-948B-1728B52AA6E4}">
-                <adec:decorative xmlns:adec="http://schemas.microsoft.com/office/drawing/2017/decorative" xmlns="" val="1"/>
+                <adec:decorative xmlns:adec="http://schemas.microsoft.com/office/drawing/2017/decorative" val="1"/>
               </a:ext>
             </a:extLst>
           </p:cNvPr>
@@ -10008,7 +9315,7 @@
           <p:nvPr>
             <p:extLst>
               <p:ext uri="{386F3935-93C4-4BCD-93E2-E3B085C9AB24}">
-                <p16:designElem xmlns:p16="http://schemas.microsoft.com/office/powerpoint/2015/main" xmlns="" val="1"/>
+                <p16:designElem xmlns:p16="http://schemas.microsoft.com/office/powerpoint/2015/main" val="1"/>
               </p:ext>
             </p:extLst>
           </p:nvPr>
@@ -10044,12 +9351,110 @@
           </a:fontRef>
         </p:style>
       </p:cxnSp>
+      <p:sp useBgFill="1">
+        <p:nvSpPr>
+          <p:cNvPr id="26" name="Rectangle 25">
+            <a:extLst>
+              <a:ext uri="{FF2B5EF4-FFF2-40B4-BE49-F238E27FC236}">
+                <a16:creationId xmlns:a16="http://schemas.microsoft.com/office/drawing/2014/main" id="{5E2F33F9-B3D5-437B-AB8D-7624445EBD3B}"/>
+              </a:ext>
+              <a:ext uri="{C183D7F6-B498-43B3-948B-1728B52AA6E4}">
+                <adec:decorative xmlns:adec="http://schemas.microsoft.com/office/drawing/2017/decorative" val="1"/>
+              </a:ext>
+            </a:extLst>
+          </p:cNvPr>
+          <p:cNvSpPr>
+            <a:spLocks noGrp="1" noRot="1" noChangeAspect="1" noMove="1" noResize="1" noEditPoints="1" noAdjustHandles="1" noChangeArrowheads="1" noChangeShapeType="1" noTextEdit="1"/>
+          </p:cNvSpPr>
+          <p:nvPr>
+            <p:extLst>
+              <p:ext uri="{386F3935-93C4-4BCD-93E2-E3B085C9AB24}">
+                <p16:designElem xmlns:p16="http://schemas.microsoft.com/office/powerpoint/2015/main" val="1"/>
+              </p:ext>
+            </p:extLst>
+          </p:nvPr>
+        </p:nvSpPr>
+        <p:spPr>
+          <a:xfrm>
+            <a:off x="0" y="0"/>
+            <a:ext cx="12192000" cy="6858000"/>
+          </a:xfrm>
+          <a:prstGeom prst="rect">
+            <a:avLst/>
+          </a:prstGeom>
+          <a:solidFill>
+            <a:srgbClr val="2A2E73"/>
+          </a:solidFill>
+          <a:ln>
+            <a:noFill/>
+          </a:ln>
+        </p:spPr>
+        <p:style>
+          <a:lnRef idx="2">
+            <a:schemeClr val="accent1">
+              <a:shade val="50000"/>
+            </a:schemeClr>
+          </a:lnRef>
+          <a:fillRef idx="1">
+            <a:schemeClr val="accent1"/>
+          </a:fillRef>
+          <a:effectRef idx="0">
+            <a:schemeClr val="accent1"/>
+          </a:effectRef>
+          <a:fontRef idx="minor">
+            <a:schemeClr val="lt1"/>
+          </a:fontRef>
+        </p:style>
+        <p:txBody>
+          <a:bodyPr rtlCol="0" anchor="ctr"/>
+          <a:lstStyle/>
+          <a:p>
+            <a:pPr algn="ctr"/>
+            <a:endParaRPr lang="en-US"/>
+          </a:p>
+        </p:txBody>
+      </p:sp>
+      <p:pic>
+        <p:nvPicPr>
+          <p:cNvPr id="3" name="Picture 2" descr="A picture containing electronics&#10;&#10;Description automatically generated">
+            <a:extLst>
+              <a:ext uri="{FF2B5EF4-FFF2-40B4-BE49-F238E27FC236}">
+                <a16:creationId xmlns:a16="http://schemas.microsoft.com/office/drawing/2014/main" id="{EAC95AA0-7569-48A2-9169-44F3C43EC0E2}"/>
+              </a:ext>
+            </a:extLst>
+          </p:cNvPr>
+          <p:cNvPicPr>
+            <a:picLocks noChangeAspect="1"/>
+          </p:cNvPicPr>
+          <p:nvPr/>
+        </p:nvPicPr>
+        <p:blipFill rotWithShape="1">
+          <a:blip r:embed="rId3">
+            <a:extLst>
+              <a:ext uri="{28A0092B-C50C-407E-A947-70E740481C1C}">
+                <a14:useLocalDpi xmlns:a14="http://schemas.microsoft.com/office/drawing/2010/main" val="0"/>
+              </a:ext>
+            </a:extLst>
+          </a:blip>
+          <a:srcRect t="10871" b="2922"/>
+          <a:stretch/>
+        </p:blipFill>
+        <p:spPr>
+          <a:xfrm>
+            <a:off x="20" y="10"/>
+            <a:ext cx="12191980" cy="6857990"/>
+          </a:xfrm>
+          <a:prstGeom prst="rect">
+            <a:avLst/>
+          </a:prstGeom>
+        </p:spPr>
+      </p:pic>
       <p:pic>
         <p:nvPicPr>
           <p:cNvPr id="6" name="Content Placeholder 5" descr="Icon&#10;&#10;Description automatically generated">
             <a:extLst>
               <a:ext uri="{FF2B5EF4-FFF2-40B4-BE49-F238E27FC236}">
-                <a16:creationId xmlns:a16="http://schemas.microsoft.com/office/drawing/2014/main" xmlns="" id="{4B369CB3-9EB4-40BF-BFE9-4CD7D398D1E6}"/>
+                <a16:creationId xmlns:a16="http://schemas.microsoft.com/office/drawing/2014/main" id="{4B369CB3-9EB4-40BF-BFE9-4CD7D398D1E6}"/>
               </a:ext>
             </a:extLst>
           </p:cNvPr>
@@ -10061,24 +9466,30 @@
           </p:nvPr>
         </p:nvPicPr>
         <p:blipFill rotWithShape="1">
-          <a:blip r:embed="rId3">
+          <a:blip r:embed="rId4">
             <a:extLst>
               <a:ext uri="{28A0092B-C50C-407E-A947-70E740481C1C}">
                 <a14:useLocalDpi xmlns:a14="http://schemas.microsoft.com/office/drawing/2010/main" val="0"/>
               </a:ext>
             </a:extLst>
           </a:blip>
-          <a:srcRect/>
+          <a:srcRect l="13419" r="7777" b="-1"/>
           <a:stretch/>
         </p:blipFill>
         <p:spPr>
           <a:xfrm>
-            <a:off x="20" y="10"/>
-            <a:ext cx="12191980" cy="6857990"/>
+            <a:off x="1141411" y="1113710"/>
+            <a:ext cx="5542156" cy="3955999"/>
           </a:xfrm>
           <a:prstGeom prst="rect">
             <a:avLst/>
           </a:prstGeom>
+          <a:ln w="152400">
+            <a:solidFill>
+              <a:srgbClr val="FFFFFF"/>
+            </a:solidFill>
+            <a:miter lim="800000"/>
+          </a:ln>
         </p:spPr>
       </p:pic>
     </p:spTree>
@@ -10140,10 +9551,10 @@
           <p:cNvPr id="7" name="Rectangle 6">
             <a:extLst>
               <a:ext uri="{FF2B5EF4-FFF2-40B4-BE49-F238E27FC236}">
-                <a16:creationId xmlns:a16="http://schemas.microsoft.com/office/drawing/2014/main" xmlns="" id="{23522FE7-5A29-4EF6-B1EF-2CA55748A772}"/>
+                <a16:creationId xmlns:a16="http://schemas.microsoft.com/office/drawing/2014/main" id="{23522FE7-5A29-4EF6-B1EF-2CA55748A772}"/>
               </a:ext>
               <a:ext uri="{C183D7F6-B498-43B3-948B-1728B52AA6E4}">
-                <adec:decorative xmlns:adec="http://schemas.microsoft.com/office/drawing/2017/decorative" xmlns="" val="1"/>
+                <adec:decorative xmlns:adec="http://schemas.microsoft.com/office/drawing/2017/decorative" val="1"/>
               </a:ext>
             </a:extLst>
           </p:cNvPr>
@@ -10153,7 +9564,7 @@
           <p:nvPr>
             <p:extLst>
               <p:ext uri="{386F3935-93C4-4BCD-93E2-E3B085C9AB24}">
-                <p16:designElem xmlns:p16="http://schemas.microsoft.com/office/powerpoint/2015/main" xmlns="" val="1"/>
+                <p16:designElem xmlns:p16="http://schemas.microsoft.com/office/powerpoint/2015/main" val="1"/>
               </p:ext>
             </p:extLst>
           </p:nvPr>
@@ -10206,10 +9617,10 @@
           <p:cNvPr id="9" name="Picture 8">
             <a:extLst>
               <a:ext uri="{FF2B5EF4-FFF2-40B4-BE49-F238E27FC236}">
-                <a16:creationId xmlns:a16="http://schemas.microsoft.com/office/drawing/2014/main" xmlns="" id="{C2192E09-EBC7-416C-B887-DFF915D7F43D}"/>
+                <a16:creationId xmlns:a16="http://schemas.microsoft.com/office/drawing/2014/main" id="{C2192E09-EBC7-416C-B887-DFF915D7F43D}"/>
               </a:ext>
               <a:ext uri="{C183D7F6-B498-43B3-948B-1728B52AA6E4}">
-                <adec:decorative xmlns:adec="http://schemas.microsoft.com/office/drawing/2017/decorative" xmlns="" val="1"/>
+                <adec:decorative xmlns:adec="http://schemas.microsoft.com/office/drawing/2017/decorative" val="1"/>
               </a:ext>
             </a:extLst>
           </p:cNvPr>
@@ -10219,7 +9630,7 @@
           <p:nvPr>
             <p:extLst>
               <p:ext uri="{386F3935-93C4-4BCD-93E2-E3B085C9AB24}">
-                <p16:designElem xmlns:p16="http://schemas.microsoft.com/office/powerpoint/2015/main" xmlns="" val="1"/>
+                <p16:designElem xmlns:p16="http://schemas.microsoft.com/office/powerpoint/2015/main" val="1"/>
               </p:ext>
             </p:extLst>
           </p:nvPr>
@@ -10250,10 +9661,10 @@
           <p:cNvPr id="11" name="Straight Connector 10">
             <a:extLst>
               <a:ext uri="{FF2B5EF4-FFF2-40B4-BE49-F238E27FC236}">
-                <a16:creationId xmlns:a16="http://schemas.microsoft.com/office/drawing/2014/main" xmlns="" id="{2924498D-E084-44BE-A196-CFCE35564350}"/>
+                <a16:creationId xmlns:a16="http://schemas.microsoft.com/office/drawing/2014/main" id="{2924498D-E084-44BE-A196-CFCE35564350}"/>
               </a:ext>
               <a:ext uri="{C183D7F6-B498-43B3-948B-1728B52AA6E4}">
-                <adec:decorative xmlns:adec="http://schemas.microsoft.com/office/drawing/2017/decorative" xmlns="" val="1"/>
+                <adec:decorative xmlns:adec="http://schemas.microsoft.com/office/drawing/2017/decorative" val="1"/>
               </a:ext>
             </a:extLst>
           </p:cNvPr>
@@ -10263,7 +9674,7 @@
           <p:nvPr>
             <p:extLst>
               <p:ext uri="{386F3935-93C4-4BCD-93E2-E3B085C9AB24}">
-                <p16:designElem xmlns:p16="http://schemas.microsoft.com/office/powerpoint/2015/main" xmlns="" val="1"/>
+                <p16:designElem xmlns:p16="http://schemas.microsoft.com/office/powerpoint/2015/main" val="1"/>
               </p:ext>
             </p:extLst>
           </p:nvPr>
@@ -10304,10 +9715,10 @@
           <p:cNvPr id="13" name="Straight Connector 12">
             <a:extLst>
               <a:ext uri="{FF2B5EF4-FFF2-40B4-BE49-F238E27FC236}">
-                <a16:creationId xmlns:a16="http://schemas.microsoft.com/office/drawing/2014/main" xmlns="" id="{3BBC7667-C352-4842-9AFD-E5C16AD002F4}"/>
+                <a16:creationId xmlns:a16="http://schemas.microsoft.com/office/drawing/2014/main" id="{3BBC7667-C352-4842-9AFD-E5C16AD002F4}"/>
               </a:ext>
               <a:ext uri="{C183D7F6-B498-43B3-948B-1728B52AA6E4}">
-                <adec:decorative xmlns:adec="http://schemas.microsoft.com/office/drawing/2017/decorative" xmlns="" val="1"/>
+                <adec:decorative xmlns:adec="http://schemas.microsoft.com/office/drawing/2017/decorative" val="1"/>
               </a:ext>
             </a:extLst>
           </p:cNvPr>
@@ -10317,7 +9728,7 @@
           <p:nvPr>
             <p:extLst>
               <p:ext uri="{386F3935-93C4-4BCD-93E2-E3B085C9AB24}">
-                <p16:designElem xmlns:p16="http://schemas.microsoft.com/office/powerpoint/2015/main" xmlns="" val="1"/>
+                <p16:designElem xmlns:p16="http://schemas.microsoft.com/office/powerpoint/2015/main" val="1"/>
               </p:ext>
             </p:extLst>
           </p:nvPr>
@@ -10352,10 +9763,10 @@
           <p:cNvPr id="15" name="Rectangle 14">
             <a:extLst>
               <a:ext uri="{FF2B5EF4-FFF2-40B4-BE49-F238E27FC236}">
-                <a16:creationId xmlns:a16="http://schemas.microsoft.com/office/drawing/2014/main" xmlns="" id="{F0AB17F6-592B-45CB-96F6-705C9825AFBC}"/>
+                <a16:creationId xmlns:a16="http://schemas.microsoft.com/office/drawing/2014/main" id="{F0AB17F6-592B-45CB-96F6-705C9825AFBC}"/>
               </a:ext>
               <a:ext uri="{C183D7F6-B498-43B3-948B-1728B52AA6E4}">
-                <adec:decorative xmlns:adec="http://schemas.microsoft.com/office/drawing/2017/decorative" xmlns="" val="1"/>
+                <adec:decorative xmlns:adec="http://schemas.microsoft.com/office/drawing/2017/decorative" val="1"/>
               </a:ext>
             </a:extLst>
           </p:cNvPr>
@@ -10365,7 +9776,7 @@
           <p:nvPr>
             <p:extLst>
               <p:ext uri="{386F3935-93C4-4BCD-93E2-E3B085C9AB24}">
-                <p16:designElem xmlns:p16="http://schemas.microsoft.com/office/powerpoint/2015/main" xmlns="" val="1"/>
+                <p16:designElem xmlns:p16="http://schemas.microsoft.com/office/powerpoint/2015/main" val="1"/>
               </p:ext>
             </p:extLst>
           </p:nvPr>
@@ -10412,7 +9823,7 @@
           <p:cNvPr id="2" name="Title 1">
             <a:extLst>
               <a:ext uri="{FF2B5EF4-FFF2-40B4-BE49-F238E27FC236}">
-                <a16:creationId xmlns:a16="http://schemas.microsoft.com/office/drawing/2014/main" xmlns="" id="{6FC29038-DDBC-4BFF-89F4-CE1EC9E6EEB3}"/>
+                <a16:creationId xmlns:a16="http://schemas.microsoft.com/office/drawing/2014/main" id="{6FC29038-DDBC-4BFF-89F4-CE1EC9E6EEB3}"/>
               </a:ext>
             </a:extLst>
           </p:cNvPr>
@@ -10452,10 +9863,10 @@
           <p:cNvPr id="17" name="Straight Connector 16">
             <a:extLst>
               <a:ext uri="{FF2B5EF4-FFF2-40B4-BE49-F238E27FC236}">
-                <a16:creationId xmlns:a16="http://schemas.microsoft.com/office/drawing/2014/main" xmlns="" id="{5A9284E7-0823-472D-9963-18D89DFEB8B4}"/>
+                <a16:creationId xmlns:a16="http://schemas.microsoft.com/office/drawing/2014/main" id="{5A9284E7-0823-472D-9963-18D89DFEB8B4}"/>
               </a:ext>
               <a:ext uri="{C183D7F6-B498-43B3-948B-1728B52AA6E4}">
-                <adec:decorative xmlns:adec="http://schemas.microsoft.com/office/drawing/2017/decorative" xmlns="" val="1"/>
+                <adec:decorative xmlns:adec="http://schemas.microsoft.com/office/drawing/2017/decorative" val="1"/>
               </a:ext>
             </a:extLst>
           </p:cNvPr>
@@ -10465,7 +9876,7 @@
           <p:nvPr>
             <p:extLst>
               <p:ext uri="{386F3935-93C4-4BCD-93E2-E3B085C9AB24}">
-                <p16:designElem xmlns:p16="http://schemas.microsoft.com/office/powerpoint/2015/main" xmlns="" val="1"/>
+                <p16:designElem xmlns:p16="http://schemas.microsoft.com/office/powerpoint/2015/main" val="1"/>
               </p:ext>
             </p:extLst>
           </p:nvPr>
@@ -10554,10 +9965,10 @@
           <p:cNvPr id="49" name="Rectangle 28">
             <a:extLst>
               <a:ext uri="{FF2B5EF4-FFF2-40B4-BE49-F238E27FC236}">
-                <a16:creationId xmlns:a16="http://schemas.microsoft.com/office/drawing/2014/main" xmlns="" id="{021A4066-B261-49FE-952E-A0FE3EE75CD2}"/>
+                <a16:creationId xmlns:a16="http://schemas.microsoft.com/office/drawing/2014/main" id="{021A4066-B261-49FE-952E-A0FE3EE75CD2}"/>
               </a:ext>
               <a:ext uri="{C183D7F6-B498-43B3-948B-1728B52AA6E4}">
-                <adec:decorative xmlns:adec="http://schemas.microsoft.com/office/drawing/2017/decorative" xmlns="" val="1"/>
+                <adec:decorative xmlns:adec="http://schemas.microsoft.com/office/drawing/2017/decorative" val="1"/>
               </a:ext>
             </a:extLst>
           </p:cNvPr>
@@ -10567,7 +9978,7 @@
           <p:nvPr>
             <p:extLst>
               <p:ext uri="{386F3935-93C4-4BCD-93E2-E3B085C9AB24}">
-                <p16:designElem xmlns:p16="http://schemas.microsoft.com/office/powerpoint/2015/main" xmlns="" val="1"/>
+                <p16:designElem xmlns:p16="http://schemas.microsoft.com/office/powerpoint/2015/main" val="1"/>
               </p:ext>
             </p:extLst>
           </p:nvPr>
@@ -10614,10 +10025,10 @@
           <p:cNvPr id="50" name="Straight Connector 30">
             <a:extLst>
               <a:ext uri="{FF2B5EF4-FFF2-40B4-BE49-F238E27FC236}">
-                <a16:creationId xmlns:a16="http://schemas.microsoft.com/office/drawing/2014/main" xmlns="" id="{381B4579-E2EA-4BD7-94FF-0A0BEE135C6B}"/>
+                <a16:creationId xmlns:a16="http://schemas.microsoft.com/office/drawing/2014/main" id="{381B4579-E2EA-4BD7-94FF-0A0BEE135C6B}"/>
               </a:ext>
               <a:ext uri="{C183D7F6-B498-43B3-948B-1728B52AA6E4}">
-                <adec:decorative xmlns:adec="http://schemas.microsoft.com/office/drawing/2017/decorative" xmlns="" val="1"/>
+                <adec:decorative xmlns:adec="http://schemas.microsoft.com/office/drawing/2017/decorative" val="1"/>
               </a:ext>
             </a:extLst>
           </p:cNvPr>
@@ -10627,7 +10038,7 @@
           <p:nvPr>
             <p:extLst>
               <p:ext uri="{386F3935-93C4-4BCD-93E2-E3B085C9AB24}">
-                <p16:designElem xmlns:p16="http://schemas.microsoft.com/office/powerpoint/2015/main" xmlns="" val="1"/>
+                <p16:designElem xmlns:p16="http://schemas.microsoft.com/office/powerpoint/2015/main" val="1"/>
               </p:ext>
             </p:extLst>
           </p:nvPr>
@@ -10662,7 +10073,7 @@
           <p:cNvPr id="2" name="Title 1">
             <a:extLst>
               <a:ext uri="{FF2B5EF4-FFF2-40B4-BE49-F238E27FC236}">
-                <a16:creationId xmlns:a16="http://schemas.microsoft.com/office/drawing/2014/main" xmlns="" id="{795DB3BF-3CE7-4BD2-B84B-21AA455D263D}"/>
+                <a16:creationId xmlns:a16="http://schemas.microsoft.com/office/drawing/2014/main" id="{795DB3BF-3CE7-4BD2-B84B-21AA455D263D}"/>
               </a:ext>
             </a:extLst>
           </p:cNvPr>
@@ -10697,10 +10108,10 @@
           <p:cNvPr id="51" name="Rectangle 32">
             <a:extLst>
               <a:ext uri="{FF2B5EF4-FFF2-40B4-BE49-F238E27FC236}">
-                <a16:creationId xmlns:a16="http://schemas.microsoft.com/office/drawing/2014/main" xmlns="" id="{81958111-BC13-4D45-AB27-0C2C83F9BA64}"/>
+                <a16:creationId xmlns:a16="http://schemas.microsoft.com/office/drawing/2014/main" id="{81958111-BC13-4D45-AB27-0C2C83F9BA64}"/>
               </a:ext>
               <a:ext uri="{C183D7F6-B498-43B3-948B-1728B52AA6E4}">
-                <adec:decorative xmlns:adec="http://schemas.microsoft.com/office/drawing/2017/decorative" xmlns="" val="1"/>
+                <adec:decorative xmlns:adec="http://schemas.microsoft.com/office/drawing/2017/decorative" val="1"/>
               </a:ext>
             </a:extLst>
           </p:cNvPr>
@@ -10710,7 +10121,7 @@
           <p:nvPr>
             <p:extLst>
               <p:ext uri="{386F3935-93C4-4BCD-93E2-E3B085C9AB24}">
-                <p16:designElem xmlns:p16="http://schemas.microsoft.com/office/powerpoint/2015/main" xmlns="" val="1"/>
+                <p16:designElem xmlns:p16="http://schemas.microsoft.com/office/powerpoint/2015/main" val="1"/>
               </p:ext>
             </p:extLst>
           </p:nvPr>
@@ -10771,7 +10182,7 @@
           <p:cNvPr id="26" name="Content Placeholder 25">
             <a:extLst>
               <a:ext uri="{FF2B5EF4-FFF2-40B4-BE49-F238E27FC236}">
-                <a16:creationId xmlns:a16="http://schemas.microsoft.com/office/drawing/2014/main" xmlns="" id="{EEEC9B65-B358-AE16-2919-517F7129E7C2}"/>
+                <a16:creationId xmlns:a16="http://schemas.microsoft.com/office/drawing/2014/main" id="{EEEC9B65-B358-AE16-2919-517F7129E7C2}"/>
               </a:ext>
             </a:extLst>
           </p:cNvPr>
@@ -10816,10 +10227,10 @@
           <p:cNvPr id="52" name="Group 34">
             <a:extLst>
               <a:ext uri="{FF2B5EF4-FFF2-40B4-BE49-F238E27FC236}">
-                <a16:creationId xmlns:a16="http://schemas.microsoft.com/office/drawing/2014/main" xmlns="" id="{82188758-E18A-4CE5-9D03-F4BF5D887C3F}"/>
+                <a16:creationId xmlns:a16="http://schemas.microsoft.com/office/drawing/2014/main" id="{82188758-E18A-4CE5-9D03-F4BF5D887C3F}"/>
               </a:ext>
               <a:ext uri="{C183D7F6-B498-43B3-948B-1728B52AA6E4}">
-                <adec:decorative xmlns:adec="http://schemas.microsoft.com/office/drawing/2017/decorative" xmlns="" val="1"/>
+                <adec:decorative xmlns:adec="http://schemas.microsoft.com/office/drawing/2017/decorative" val="1"/>
               </a:ext>
             </a:extLst>
           </p:cNvPr>
@@ -10829,7 +10240,7 @@
           <p:nvPr>
             <p:extLst>
               <p:ext uri="{386F3935-93C4-4BCD-93E2-E3B085C9AB24}">
-                <p16:designElem xmlns:p16="http://schemas.microsoft.com/office/powerpoint/2015/main" xmlns="" val="1"/>
+                <p16:designElem xmlns:p16="http://schemas.microsoft.com/office/powerpoint/2015/main" val="1"/>
               </p:ext>
             </p:extLst>
           </p:nvPr>
@@ -10847,10 +10258,10 @@
             <p:cNvPr id="36" name="Rectangle 35">
               <a:extLst>
                 <a:ext uri="{FF2B5EF4-FFF2-40B4-BE49-F238E27FC236}">
-                  <a16:creationId xmlns:a16="http://schemas.microsoft.com/office/drawing/2014/main" xmlns="" id="{821513DD-C15F-4381-AEA6-ED9E5E218CA6}"/>
+                  <a16:creationId xmlns:a16="http://schemas.microsoft.com/office/drawing/2014/main" id="{821513DD-C15F-4381-AEA6-ED9E5E218CA6}"/>
                 </a:ext>
                 <a:ext uri="{C183D7F6-B498-43B3-948B-1728B52AA6E4}">
-                  <adec:decorative xmlns:adec="http://schemas.microsoft.com/office/drawing/2017/decorative" xmlns="" val="1"/>
+                  <adec:decorative xmlns:adec="http://schemas.microsoft.com/office/drawing/2017/decorative" val="1"/>
                 </a:ext>
               </a:extLst>
             </p:cNvPr>
@@ -10858,7 +10269,7 @@
             <p:nvPr>
               <p:extLst>
                 <p:ext uri="{386F3935-93C4-4BCD-93E2-E3B085C9AB24}">
-                  <p16:designElem xmlns:p16="http://schemas.microsoft.com/office/powerpoint/2015/main" xmlns="" val="1"/>
+                  <p16:designElem xmlns:p16="http://schemas.microsoft.com/office/powerpoint/2015/main" val="1"/>
                 </p:ext>
               </p:extLst>
             </p:nvPr>
@@ -10928,10 +10339,10 @@
             <p:cNvPr id="53" name="Rectangle 36">
               <a:extLst>
                 <a:ext uri="{FF2B5EF4-FFF2-40B4-BE49-F238E27FC236}">
-                  <a16:creationId xmlns:a16="http://schemas.microsoft.com/office/drawing/2014/main" xmlns="" id="{CED2DE01-7F43-4858-85FC-27022DA78120}"/>
+                  <a16:creationId xmlns:a16="http://schemas.microsoft.com/office/drawing/2014/main" id="{CED2DE01-7F43-4858-85FC-27022DA78120}"/>
                 </a:ext>
                 <a:ext uri="{C183D7F6-B498-43B3-948B-1728B52AA6E4}">
-                  <adec:decorative xmlns:adec="http://schemas.microsoft.com/office/drawing/2017/decorative" xmlns="" val="1"/>
+                  <adec:decorative xmlns:adec="http://schemas.microsoft.com/office/drawing/2017/decorative" val="1"/>
                 </a:ext>
               </a:extLst>
             </p:cNvPr>
@@ -10939,7 +10350,7 @@
             <p:nvPr>
               <p:extLst>
                 <p:ext uri="{386F3935-93C4-4BCD-93E2-E3B085C9AB24}">
-                  <p16:designElem xmlns:p16="http://schemas.microsoft.com/office/powerpoint/2015/main" xmlns="" val="1"/>
+                  <p16:designElem xmlns:p16="http://schemas.microsoft.com/office/powerpoint/2015/main" val="1"/>
                 </p:ext>
               </p:extLst>
             </p:nvPr>
@@ -11013,7 +10424,7 @@
           <p:cNvPr id="22" name="Content Placeholder 21" descr="A picture containing text&#10;&#10;Description automatically generated">
             <a:extLst>
               <a:ext uri="{FF2B5EF4-FFF2-40B4-BE49-F238E27FC236}">
-                <a16:creationId xmlns:a16="http://schemas.microsoft.com/office/drawing/2014/main" xmlns="" id="{55AF8C6B-0C2F-4026-9EEF-FA2E5DFAE417}"/>
+                <a16:creationId xmlns:a16="http://schemas.microsoft.com/office/drawing/2014/main" id="{55AF8C6B-0C2F-4026-9EEF-FA2E5DFAE417}"/>
               </a:ext>
             </a:extLst>
           </p:cNvPr>
@@ -11048,10 +10459,10 @@
           <p:cNvPr id="54" name="Picture 38">
             <a:extLst>
               <a:ext uri="{FF2B5EF4-FFF2-40B4-BE49-F238E27FC236}">
-                <a16:creationId xmlns:a16="http://schemas.microsoft.com/office/drawing/2014/main" xmlns="" id="{D42F4933-2ECF-4EE5-BCE4-F19E3CA609FE}"/>
+                <a16:creationId xmlns:a16="http://schemas.microsoft.com/office/drawing/2014/main" id="{D42F4933-2ECF-4EE5-BCE4-F19E3CA609FE}"/>
               </a:ext>
               <a:ext uri="{C183D7F6-B498-43B3-948B-1728B52AA6E4}">
-                <adec:decorative xmlns:adec="http://schemas.microsoft.com/office/drawing/2017/decorative" xmlns="" val="1"/>
+                <adec:decorative xmlns:adec="http://schemas.microsoft.com/office/drawing/2017/decorative" val="1"/>
               </a:ext>
             </a:extLst>
           </p:cNvPr>
@@ -11061,7 +10472,7 @@
           <p:nvPr>
             <p:extLst>
               <p:ext uri="{386F3935-93C4-4BCD-93E2-E3B085C9AB24}">
-                <p16:designElem xmlns:p16="http://schemas.microsoft.com/office/powerpoint/2015/main" xmlns="" val="1"/>
+                <p16:designElem xmlns:p16="http://schemas.microsoft.com/office/powerpoint/2015/main" val="1"/>
               </p:ext>
             </p:extLst>
           </p:nvPr>
@@ -11092,10 +10503,10 @@
           <p:cNvPr id="55" name="Straight Connector 40">
             <a:extLst>
               <a:ext uri="{FF2B5EF4-FFF2-40B4-BE49-F238E27FC236}">
-                <a16:creationId xmlns:a16="http://schemas.microsoft.com/office/drawing/2014/main" xmlns="" id="{C6FAC23C-014D-4AC5-AD1B-36F7D0E7EF32}"/>
+                <a16:creationId xmlns:a16="http://schemas.microsoft.com/office/drawing/2014/main" id="{C6FAC23C-014D-4AC5-AD1B-36F7D0E7EF32}"/>
               </a:ext>
               <a:ext uri="{C183D7F6-B498-43B3-948B-1728B52AA6E4}">
-                <adec:decorative xmlns:adec="http://schemas.microsoft.com/office/drawing/2017/decorative" xmlns="" val="1"/>
+                <adec:decorative xmlns:adec="http://schemas.microsoft.com/office/drawing/2017/decorative" val="1"/>
               </a:ext>
             </a:extLst>
           </p:cNvPr>
@@ -11105,7 +10516,7 @@
           <p:nvPr>
             <p:extLst>
               <p:ext uri="{386F3935-93C4-4BCD-93E2-E3B085C9AB24}">
-                <p16:designElem xmlns:p16="http://schemas.microsoft.com/office/powerpoint/2015/main" xmlns="" val="1"/>
+                <p16:designElem xmlns:p16="http://schemas.microsoft.com/office/powerpoint/2015/main" val="1"/>
               </p:ext>
             </p:extLst>
           </p:nvPr>
@@ -11200,10 +10611,10 @@
           <p:cNvPr id="7" name="Rectangle 6">
             <a:extLst>
               <a:ext uri="{FF2B5EF4-FFF2-40B4-BE49-F238E27FC236}">
-                <a16:creationId xmlns:a16="http://schemas.microsoft.com/office/drawing/2014/main" xmlns="" id="{23522FE7-5A29-4EF6-B1EF-2CA55748A772}"/>
+                <a16:creationId xmlns:a16="http://schemas.microsoft.com/office/drawing/2014/main" id="{23522FE7-5A29-4EF6-B1EF-2CA55748A772}"/>
               </a:ext>
               <a:ext uri="{C183D7F6-B498-43B3-948B-1728B52AA6E4}">
-                <adec:decorative xmlns:adec="http://schemas.microsoft.com/office/drawing/2017/decorative" xmlns="" val="1"/>
+                <adec:decorative xmlns:adec="http://schemas.microsoft.com/office/drawing/2017/decorative" val="1"/>
               </a:ext>
             </a:extLst>
           </p:cNvPr>
@@ -11213,7 +10624,7 @@
           <p:nvPr>
             <p:extLst>
               <p:ext uri="{386F3935-93C4-4BCD-93E2-E3B085C9AB24}">
-                <p16:designElem xmlns:p16="http://schemas.microsoft.com/office/powerpoint/2015/main" xmlns="" val="1"/>
+                <p16:designElem xmlns:p16="http://schemas.microsoft.com/office/powerpoint/2015/main" val="1"/>
               </p:ext>
             </p:extLst>
           </p:nvPr>
@@ -11266,10 +10677,10 @@
           <p:cNvPr id="9" name="Picture 8">
             <a:extLst>
               <a:ext uri="{FF2B5EF4-FFF2-40B4-BE49-F238E27FC236}">
-                <a16:creationId xmlns:a16="http://schemas.microsoft.com/office/drawing/2014/main" xmlns="" id="{C2192E09-EBC7-416C-B887-DFF915D7F43D}"/>
+                <a16:creationId xmlns:a16="http://schemas.microsoft.com/office/drawing/2014/main" id="{C2192E09-EBC7-416C-B887-DFF915D7F43D}"/>
               </a:ext>
               <a:ext uri="{C183D7F6-B498-43B3-948B-1728B52AA6E4}">
-                <adec:decorative xmlns:adec="http://schemas.microsoft.com/office/drawing/2017/decorative" xmlns="" val="1"/>
+                <adec:decorative xmlns:adec="http://schemas.microsoft.com/office/drawing/2017/decorative" val="1"/>
               </a:ext>
             </a:extLst>
           </p:cNvPr>
@@ -11279,7 +10690,7 @@
           <p:nvPr>
             <p:extLst>
               <p:ext uri="{386F3935-93C4-4BCD-93E2-E3B085C9AB24}">
-                <p16:designElem xmlns:p16="http://schemas.microsoft.com/office/powerpoint/2015/main" xmlns="" val="1"/>
+                <p16:designElem xmlns:p16="http://schemas.microsoft.com/office/powerpoint/2015/main" val="1"/>
               </p:ext>
             </p:extLst>
           </p:nvPr>
@@ -11310,10 +10721,10 @@
           <p:cNvPr id="11" name="Straight Connector 10">
             <a:extLst>
               <a:ext uri="{FF2B5EF4-FFF2-40B4-BE49-F238E27FC236}">
-                <a16:creationId xmlns:a16="http://schemas.microsoft.com/office/drawing/2014/main" xmlns="" id="{2924498D-E084-44BE-A196-CFCE35564350}"/>
+                <a16:creationId xmlns:a16="http://schemas.microsoft.com/office/drawing/2014/main" id="{2924498D-E084-44BE-A196-CFCE35564350}"/>
               </a:ext>
               <a:ext uri="{C183D7F6-B498-43B3-948B-1728B52AA6E4}">
-                <adec:decorative xmlns:adec="http://schemas.microsoft.com/office/drawing/2017/decorative" xmlns="" val="1"/>
+                <adec:decorative xmlns:adec="http://schemas.microsoft.com/office/drawing/2017/decorative" val="1"/>
               </a:ext>
             </a:extLst>
           </p:cNvPr>
@@ -11323,7 +10734,7 @@
           <p:nvPr>
             <p:extLst>
               <p:ext uri="{386F3935-93C4-4BCD-93E2-E3B085C9AB24}">
-                <p16:designElem xmlns:p16="http://schemas.microsoft.com/office/powerpoint/2015/main" xmlns="" val="1"/>
+                <p16:designElem xmlns:p16="http://schemas.microsoft.com/office/powerpoint/2015/main" val="1"/>
               </p:ext>
             </p:extLst>
           </p:nvPr>
@@ -11364,10 +10775,10 @@
           <p:cNvPr id="13" name="Straight Connector 12">
             <a:extLst>
               <a:ext uri="{FF2B5EF4-FFF2-40B4-BE49-F238E27FC236}">
-                <a16:creationId xmlns:a16="http://schemas.microsoft.com/office/drawing/2014/main" xmlns="" id="{3BBC7667-C352-4842-9AFD-E5C16AD002F4}"/>
+                <a16:creationId xmlns:a16="http://schemas.microsoft.com/office/drawing/2014/main" id="{3BBC7667-C352-4842-9AFD-E5C16AD002F4}"/>
               </a:ext>
               <a:ext uri="{C183D7F6-B498-43B3-948B-1728B52AA6E4}">
-                <adec:decorative xmlns:adec="http://schemas.microsoft.com/office/drawing/2017/decorative" xmlns="" val="1"/>
+                <adec:decorative xmlns:adec="http://schemas.microsoft.com/office/drawing/2017/decorative" val="1"/>
               </a:ext>
             </a:extLst>
           </p:cNvPr>
@@ -11377,7 +10788,7 @@
           <p:nvPr>
             <p:extLst>
               <p:ext uri="{386F3935-93C4-4BCD-93E2-E3B085C9AB24}">
-                <p16:designElem xmlns:p16="http://schemas.microsoft.com/office/powerpoint/2015/main" xmlns="" val="1"/>
+                <p16:designElem xmlns:p16="http://schemas.microsoft.com/office/powerpoint/2015/main" val="1"/>
               </p:ext>
             </p:extLst>
           </p:nvPr>
@@ -11412,10 +10823,10 @@
           <p:cNvPr id="15" name="Rectangle 14">
             <a:extLst>
               <a:ext uri="{FF2B5EF4-FFF2-40B4-BE49-F238E27FC236}">
-                <a16:creationId xmlns:a16="http://schemas.microsoft.com/office/drawing/2014/main" xmlns="" id="{F0AB17F6-592B-45CB-96F6-705C9825AFBC}"/>
+                <a16:creationId xmlns:a16="http://schemas.microsoft.com/office/drawing/2014/main" id="{F0AB17F6-592B-45CB-96F6-705C9825AFBC}"/>
               </a:ext>
               <a:ext uri="{C183D7F6-B498-43B3-948B-1728B52AA6E4}">
-                <adec:decorative xmlns:adec="http://schemas.microsoft.com/office/drawing/2017/decorative" xmlns="" val="1"/>
+                <adec:decorative xmlns:adec="http://schemas.microsoft.com/office/drawing/2017/decorative" val="1"/>
               </a:ext>
             </a:extLst>
           </p:cNvPr>
@@ -11425,7 +10836,7 @@
           <p:nvPr>
             <p:extLst>
               <p:ext uri="{386F3935-93C4-4BCD-93E2-E3B085C9AB24}">
-                <p16:designElem xmlns:p16="http://schemas.microsoft.com/office/powerpoint/2015/main" xmlns="" val="1"/>
+                <p16:designElem xmlns:p16="http://schemas.microsoft.com/office/powerpoint/2015/main" val="1"/>
               </p:ext>
             </p:extLst>
           </p:nvPr>
@@ -11472,7 +10883,7 @@
           <p:cNvPr id="2" name="Title 1">
             <a:extLst>
               <a:ext uri="{FF2B5EF4-FFF2-40B4-BE49-F238E27FC236}">
-                <a16:creationId xmlns:a16="http://schemas.microsoft.com/office/drawing/2014/main" xmlns="" id="{6FC29038-DDBC-4BFF-89F4-CE1EC9E6EEB3}"/>
+                <a16:creationId xmlns:a16="http://schemas.microsoft.com/office/drawing/2014/main" id="{6FC29038-DDBC-4BFF-89F4-CE1EC9E6EEB3}"/>
               </a:ext>
             </a:extLst>
           </p:cNvPr>
@@ -11519,10 +10930,10 @@
           <p:cNvPr id="17" name="Straight Connector 16">
             <a:extLst>
               <a:ext uri="{FF2B5EF4-FFF2-40B4-BE49-F238E27FC236}">
-                <a16:creationId xmlns:a16="http://schemas.microsoft.com/office/drawing/2014/main" xmlns="" id="{5A9284E7-0823-472D-9963-18D89DFEB8B4}"/>
+                <a16:creationId xmlns:a16="http://schemas.microsoft.com/office/drawing/2014/main" id="{5A9284E7-0823-472D-9963-18D89DFEB8B4}"/>
               </a:ext>
               <a:ext uri="{C183D7F6-B498-43B3-948B-1728B52AA6E4}">
-                <adec:decorative xmlns:adec="http://schemas.microsoft.com/office/drawing/2017/decorative" xmlns="" val="1"/>
+                <adec:decorative xmlns:adec="http://schemas.microsoft.com/office/drawing/2017/decorative" val="1"/>
               </a:ext>
             </a:extLst>
           </p:cNvPr>
@@ -11532,7 +10943,7 @@
           <p:nvPr>
             <p:extLst>
               <p:ext uri="{386F3935-93C4-4BCD-93E2-E3B085C9AB24}">
-                <p16:designElem xmlns:p16="http://schemas.microsoft.com/office/powerpoint/2015/main" xmlns="" val="1"/>
+                <p16:designElem xmlns:p16="http://schemas.microsoft.com/office/powerpoint/2015/main" val="1"/>
               </p:ext>
             </p:extLst>
           </p:nvPr>
@@ -11621,10 +11032,10 @@
           <p:cNvPr id="10" name="Rectangle 9">
             <a:extLst>
               <a:ext uri="{FF2B5EF4-FFF2-40B4-BE49-F238E27FC236}">
-                <a16:creationId xmlns:a16="http://schemas.microsoft.com/office/drawing/2014/main" xmlns="" id="{3193BA5C-B8F3-4972-BA54-014C48FAFA42}"/>
+                <a16:creationId xmlns:a16="http://schemas.microsoft.com/office/drawing/2014/main" id="{3193BA5C-B8F3-4972-BA54-014C48FAFA42}"/>
               </a:ext>
               <a:ext uri="{C183D7F6-B498-43B3-948B-1728B52AA6E4}">
-                <adec:decorative xmlns:adec="http://schemas.microsoft.com/office/drawing/2017/decorative" xmlns="" val="1"/>
+                <adec:decorative xmlns:adec="http://schemas.microsoft.com/office/drawing/2017/decorative" val="1"/>
               </a:ext>
             </a:extLst>
           </p:cNvPr>
@@ -11634,7 +11045,7 @@
           <p:nvPr>
             <p:extLst>
               <p:ext uri="{386F3935-93C4-4BCD-93E2-E3B085C9AB24}">
-                <p16:designElem xmlns:p16="http://schemas.microsoft.com/office/powerpoint/2015/main" xmlns="" val="1"/>
+                <p16:designElem xmlns:p16="http://schemas.microsoft.com/office/powerpoint/2015/main" val="1"/>
               </p:ext>
             </p:extLst>
           </p:nvPr>
@@ -11681,10 +11092,10 @@
           <p:cNvPr id="12" name="Straight Connector 11">
             <a:extLst>
               <a:ext uri="{FF2B5EF4-FFF2-40B4-BE49-F238E27FC236}">
-                <a16:creationId xmlns:a16="http://schemas.microsoft.com/office/drawing/2014/main" xmlns="" id="{D7162BAB-C25E-4CE9-B87C-F118DC7E7C22}"/>
+                <a16:creationId xmlns:a16="http://schemas.microsoft.com/office/drawing/2014/main" id="{D7162BAB-C25E-4CE9-B87C-F118DC7E7C22}"/>
               </a:ext>
               <a:ext uri="{C183D7F6-B498-43B3-948B-1728B52AA6E4}">
-                <adec:decorative xmlns:adec="http://schemas.microsoft.com/office/drawing/2017/decorative" xmlns="" val="1"/>
+                <adec:decorative xmlns:adec="http://schemas.microsoft.com/office/drawing/2017/decorative" val="1"/>
               </a:ext>
             </a:extLst>
           </p:cNvPr>
@@ -11694,7 +11105,7 @@
           <p:nvPr>
             <p:extLst>
               <p:ext uri="{386F3935-93C4-4BCD-93E2-E3B085C9AB24}">
-                <p16:designElem xmlns:p16="http://schemas.microsoft.com/office/powerpoint/2015/main" xmlns="" val="1"/>
+                <p16:designElem xmlns:p16="http://schemas.microsoft.com/office/powerpoint/2015/main" val="1"/>
               </p:ext>
             </p:extLst>
           </p:nvPr>
@@ -11729,7 +11140,7 @@
           <p:cNvPr id="2" name="Title 1">
             <a:extLst>
               <a:ext uri="{FF2B5EF4-FFF2-40B4-BE49-F238E27FC236}">
-                <a16:creationId xmlns:a16="http://schemas.microsoft.com/office/drawing/2014/main" xmlns="" id="{9C888BC2-5FB8-4A00-9D2C-ABE5250D796C}"/>
+                <a16:creationId xmlns:a16="http://schemas.microsoft.com/office/drawing/2014/main" id="{9C888BC2-5FB8-4A00-9D2C-ABE5250D796C}"/>
               </a:ext>
             </a:extLst>
           </p:cNvPr>
@@ -11771,10 +11182,10 @@
           <p:cNvPr id="14" name="Rectangle 13">
             <a:extLst>
               <a:ext uri="{FF2B5EF4-FFF2-40B4-BE49-F238E27FC236}">
-                <a16:creationId xmlns:a16="http://schemas.microsoft.com/office/drawing/2014/main" xmlns="" id="{05B93327-222A-4DAC-9163-371BF44CDB0C}"/>
+                <a16:creationId xmlns:a16="http://schemas.microsoft.com/office/drawing/2014/main" id="{05B93327-222A-4DAC-9163-371BF44CDB0C}"/>
               </a:ext>
               <a:ext uri="{C183D7F6-B498-43B3-948B-1728B52AA6E4}">
-                <adec:decorative xmlns:adec="http://schemas.microsoft.com/office/drawing/2017/decorative" xmlns="" val="1"/>
+                <adec:decorative xmlns:adec="http://schemas.microsoft.com/office/drawing/2017/decorative" val="1"/>
               </a:ext>
             </a:extLst>
           </p:cNvPr>
@@ -11784,7 +11195,7 @@
           <p:nvPr>
             <p:extLst>
               <p:ext uri="{386F3935-93C4-4BCD-93E2-E3B085C9AB24}">
-                <p16:designElem xmlns:p16="http://schemas.microsoft.com/office/powerpoint/2015/main" xmlns="" val="1"/>
+                <p16:designElem xmlns:p16="http://schemas.microsoft.com/office/powerpoint/2015/main" val="1"/>
               </p:ext>
             </p:extLst>
           </p:nvPr>
@@ -11845,7 +11256,7 @@
           <p:cNvPr id="3" name="Content Placeholder 2">
             <a:extLst>
               <a:ext uri="{FF2B5EF4-FFF2-40B4-BE49-F238E27FC236}">
-                <a16:creationId xmlns:a16="http://schemas.microsoft.com/office/drawing/2014/main" xmlns="" id="{9E6039AD-E8AC-4ACC-89A2-926D9DB406F5}"/>
+                <a16:creationId xmlns:a16="http://schemas.microsoft.com/office/drawing/2014/main" id="{9E6039AD-E8AC-4ACC-89A2-926D9DB406F5}"/>
               </a:ext>
             </a:extLst>
           </p:cNvPr>
@@ -11897,10 +11308,10 @@
           <p:cNvPr id="16" name="Group 15">
             <a:extLst>
               <a:ext uri="{FF2B5EF4-FFF2-40B4-BE49-F238E27FC236}">
-                <a16:creationId xmlns:a16="http://schemas.microsoft.com/office/drawing/2014/main" xmlns="" id="{14EE34E3-F117-4487-8ACF-33DA65FA11B3}"/>
+                <a16:creationId xmlns:a16="http://schemas.microsoft.com/office/drawing/2014/main" id="{14EE34E3-F117-4487-8ACF-33DA65FA11B3}"/>
               </a:ext>
               <a:ext uri="{C183D7F6-B498-43B3-948B-1728B52AA6E4}">
-                <adec:decorative xmlns:adec="http://schemas.microsoft.com/office/drawing/2017/decorative" xmlns="" val="1"/>
+                <adec:decorative xmlns:adec="http://schemas.microsoft.com/office/drawing/2017/decorative" val="1"/>
               </a:ext>
             </a:extLst>
           </p:cNvPr>
@@ -11910,7 +11321,7 @@
           <p:nvPr>
             <p:extLst>
               <p:ext uri="{386F3935-93C4-4BCD-93E2-E3B085C9AB24}">
-                <p16:designElem xmlns:p16="http://schemas.microsoft.com/office/powerpoint/2015/main" xmlns="" val="1"/>
+                <p16:designElem xmlns:p16="http://schemas.microsoft.com/office/powerpoint/2015/main" val="1"/>
               </p:ext>
             </p:extLst>
           </p:nvPr>
@@ -11928,10 +11339,10 @@
             <p:cNvPr id="17" name="Rectangle 16">
               <a:extLst>
                 <a:ext uri="{FF2B5EF4-FFF2-40B4-BE49-F238E27FC236}">
-                  <a16:creationId xmlns:a16="http://schemas.microsoft.com/office/drawing/2014/main" xmlns="" id="{39ACC02C-6424-4165-93C4-E83C8E81D462}"/>
+                  <a16:creationId xmlns:a16="http://schemas.microsoft.com/office/drawing/2014/main" id="{39ACC02C-6424-4165-93C4-E83C8E81D462}"/>
                 </a:ext>
                 <a:ext uri="{C183D7F6-B498-43B3-948B-1728B52AA6E4}">
-                  <adec:decorative xmlns:adec="http://schemas.microsoft.com/office/drawing/2017/decorative" xmlns="" val="1"/>
+                  <adec:decorative xmlns:adec="http://schemas.microsoft.com/office/drawing/2017/decorative" val="1"/>
                 </a:ext>
               </a:extLst>
             </p:cNvPr>
@@ -11939,7 +11350,7 @@
             <p:nvPr>
               <p:extLst>
                 <p:ext uri="{386F3935-93C4-4BCD-93E2-E3B085C9AB24}">
-                  <p16:designElem xmlns:p16="http://schemas.microsoft.com/office/powerpoint/2015/main" xmlns="" val="1"/>
+                  <p16:designElem xmlns:p16="http://schemas.microsoft.com/office/powerpoint/2015/main" val="1"/>
                 </p:ext>
               </p:extLst>
             </p:nvPr>
@@ -12009,10 +11420,10 @@
             <p:cNvPr id="18" name="Rectangle 17">
               <a:extLst>
                 <a:ext uri="{FF2B5EF4-FFF2-40B4-BE49-F238E27FC236}">
-                  <a16:creationId xmlns:a16="http://schemas.microsoft.com/office/drawing/2014/main" xmlns="" id="{C182CB9C-C978-4C9B-9AAD-8B1341897550}"/>
+                  <a16:creationId xmlns:a16="http://schemas.microsoft.com/office/drawing/2014/main" id="{C182CB9C-C978-4C9B-9AAD-8B1341897550}"/>
                 </a:ext>
                 <a:ext uri="{C183D7F6-B498-43B3-948B-1728B52AA6E4}">
-                  <adec:decorative xmlns:adec="http://schemas.microsoft.com/office/drawing/2017/decorative" xmlns="" val="1"/>
+                  <adec:decorative xmlns:adec="http://schemas.microsoft.com/office/drawing/2017/decorative" val="1"/>
                 </a:ext>
               </a:extLst>
             </p:cNvPr>
@@ -12020,7 +11431,7 @@
             <p:nvPr>
               <p:extLst>
                 <p:ext uri="{386F3935-93C4-4BCD-93E2-E3B085C9AB24}">
-                  <p16:designElem xmlns:p16="http://schemas.microsoft.com/office/powerpoint/2015/main" xmlns="" val="1"/>
+                  <p16:designElem xmlns:p16="http://schemas.microsoft.com/office/powerpoint/2015/main" val="1"/>
                 </p:ext>
               </p:extLst>
             </p:nvPr>
@@ -12094,10 +11505,10 @@
           <p:cNvPr id="20" name="Rectangle 19">
             <a:extLst>
               <a:ext uri="{FF2B5EF4-FFF2-40B4-BE49-F238E27FC236}">
-                <a16:creationId xmlns:a16="http://schemas.microsoft.com/office/drawing/2014/main" xmlns="" id="{56388820-A63D-463C-9DBC-060A5ABE33B6}"/>
+                <a16:creationId xmlns:a16="http://schemas.microsoft.com/office/drawing/2014/main" id="{56388820-A63D-463C-9DBC-060A5ABE33B6}"/>
               </a:ext>
               <a:ext uri="{C183D7F6-B498-43B3-948B-1728B52AA6E4}">
-                <adec:decorative xmlns:adec="http://schemas.microsoft.com/office/drawing/2017/decorative" xmlns="" val="1"/>
+                <adec:decorative xmlns:adec="http://schemas.microsoft.com/office/drawing/2017/decorative" val="1"/>
               </a:ext>
             </a:extLst>
           </p:cNvPr>
@@ -12107,7 +11518,7 @@
           <p:nvPr>
             <p:extLst>
               <p:ext uri="{386F3935-93C4-4BCD-93E2-E3B085C9AB24}">
-                <p16:designElem xmlns:p16="http://schemas.microsoft.com/office/powerpoint/2015/main" xmlns="" val="1"/>
+                <p16:designElem xmlns:p16="http://schemas.microsoft.com/office/powerpoint/2015/main" val="1"/>
               </p:ext>
             </p:extLst>
           </p:nvPr>
@@ -12159,7 +11570,7 @@
           <p:cNvPr id="5" name="Picture 4" descr="Chart, line chart&#10;&#10;Description automatically generated">
             <a:extLst>
               <a:ext uri="{FF2B5EF4-FFF2-40B4-BE49-F238E27FC236}">
-                <a16:creationId xmlns:a16="http://schemas.microsoft.com/office/drawing/2014/main" xmlns="" id="{EFB2BA66-CE5C-498F-99C7-457081A9781B}"/>
+                <a16:creationId xmlns:a16="http://schemas.microsoft.com/office/drawing/2014/main" id="{EFB2BA66-CE5C-498F-99C7-457081A9781B}"/>
               </a:ext>
             </a:extLst>
           </p:cNvPr>
@@ -12195,10 +11606,10 @@
           <p:cNvPr id="22" name="Picture 21">
             <a:extLst>
               <a:ext uri="{FF2B5EF4-FFF2-40B4-BE49-F238E27FC236}">
-                <a16:creationId xmlns:a16="http://schemas.microsoft.com/office/drawing/2014/main" xmlns="" id="{C04ED70F-D6FD-4EB1-A171-D30F885FE73E}"/>
+                <a16:creationId xmlns:a16="http://schemas.microsoft.com/office/drawing/2014/main" id="{C04ED70F-D6FD-4EB1-A171-D30F885FE73E}"/>
               </a:ext>
               <a:ext uri="{C183D7F6-B498-43B3-948B-1728B52AA6E4}">
-                <adec:decorative xmlns:adec="http://schemas.microsoft.com/office/drawing/2017/decorative" xmlns="" val="1"/>
+                <adec:decorative xmlns:adec="http://schemas.microsoft.com/office/drawing/2017/decorative" val="1"/>
               </a:ext>
             </a:extLst>
           </p:cNvPr>
@@ -12208,7 +11619,7 @@
           <p:nvPr>
             <p:extLst>
               <p:ext uri="{386F3935-93C4-4BCD-93E2-E3B085C9AB24}">
-                <p16:designElem xmlns:p16="http://schemas.microsoft.com/office/powerpoint/2015/main" xmlns="" val="1"/>
+                <p16:designElem xmlns:p16="http://schemas.microsoft.com/office/powerpoint/2015/main" val="1"/>
               </p:ext>
             </p:extLst>
           </p:nvPr>
@@ -12239,10 +11650,10 @@
           <p:cNvPr id="24" name="Straight Connector 23">
             <a:extLst>
               <a:ext uri="{FF2B5EF4-FFF2-40B4-BE49-F238E27FC236}">
-                <a16:creationId xmlns:a16="http://schemas.microsoft.com/office/drawing/2014/main" xmlns="" id="{DA26CAE9-74C4-4EDD-8A80-77F79EAA86F4}"/>
+                <a16:creationId xmlns:a16="http://schemas.microsoft.com/office/drawing/2014/main" id="{DA26CAE9-74C4-4EDD-8A80-77F79EAA86F4}"/>
               </a:ext>
               <a:ext uri="{C183D7F6-B498-43B3-948B-1728B52AA6E4}">
-                <adec:decorative xmlns:adec="http://schemas.microsoft.com/office/drawing/2017/decorative" xmlns="" val="1"/>
+                <adec:decorative xmlns:adec="http://schemas.microsoft.com/office/drawing/2017/decorative" val="1"/>
               </a:ext>
             </a:extLst>
           </p:cNvPr>
@@ -12252,7 +11663,7 @@
           <p:nvPr>
             <p:extLst>
               <p:ext uri="{386F3935-93C4-4BCD-93E2-E3B085C9AB24}">
-                <p16:designElem xmlns:p16="http://schemas.microsoft.com/office/powerpoint/2015/main" xmlns="" val="1"/>
+                <p16:designElem xmlns:p16="http://schemas.microsoft.com/office/powerpoint/2015/main" val="1"/>
               </p:ext>
             </p:extLst>
           </p:nvPr>
@@ -12347,10 +11758,10 @@
           <p:cNvPr id="23" name="Rectangle 12">
             <a:extLst>
               <a:ext uri="{FF2B5EF4-FFF2-40B4-BE49-F238E27FC236}">
-                <a16:creationId xmlns:a16="http://schemas.microsoft.com/office/drawing/2014/main" xmlns="" id="{EED2B910-B28F-4A54-B17C-8B7E5893AABB}"/>
+                <a16:creationId xmlns:a16="http://schemas.microsoft.com/office/drawing/2014/main" id="{EED2B910-B28F-4A54-B17C-8B7E5893AABB}"/>
               </a:ext>
               <a:ext uri="{C183D7F6-B498-43B3-948B-1728B52AA6E4}">
-                <adec:decorative xmlns:adec="http://schemas.microsoft.com/office/drawing/2017/decorative" xmlns="" val="1"/>
+                <adec:decorative xmlns:adec="http://schemas.microsoft.com/office/drawing/2017/decorative" val="1"/>
               </a:ext>
             </a:extLst>
           </p:cNvPr>
@@ -12360,7 +11771,7 @@
           <p:nvPr>
             <p:extLst>
               <p:ext uri="{386F3935-93C4-4BCD-93E2-E3B085C9AB24}">
-                <p16:designElem xmlns:p16="http://schemas.microsoft.com/office/powerpoint/2015/main" xmlns="" val="1"/>
+                <p16:designElem xmlns:p16="http://schemas.microsoft.com/office/powerpoint/2015/main" val="1"/>
               </p:ext>
             </p:extLst>
           </p:nvPr>
@@ -12407,10 +11818,10 @@
           <p:cNvPr id="24" name="Straight Connector 14">
             <a:extLst>
               <a:ext uri="{FF2B5EF4-FFF2-40B4-BE49-F238E27FC236}">
-                <a16:creationId xmlns:a16="http://schemas.microsoft.com/office/drawing/2014/main" xmlns="" id="{C545F118-1DF8-46A9-8A77-B3D9422CEA4A}"/>
+                <a16:creationId xmlns:a16="http://schemas.microsoft.com/office/drawing/2014/main" id="{C545F118-1DF8-46A9-8A77-B3D9422CEA4A}"/>
               </a:ext>
               <a:ext uri="{C183D7F6-B498-43B3-948B-1728B52AA6E4}">
-                <adec:decorative xmlns:adec="http://schemas.microsoft.com/office/drawing/2017/decorative" xmlns="" val="1"/>
+                <adec:decorative xmlns:adec="http://schemas.microsoft.com/office/drawing/2017/decorative" val="1"/>
               </a:ext>
             </a:extLst>
           </p:cNvPr>
@@ -12420,7 +11831,7 @@
           <p:nvPr>
             <p:extLst>
               <p:ext uri="{386F3935-93C4-4BCD-93E2-E3B085C9AB24}">
-                <p16:designElem xmlns:p16="http://schemas.microsoft.com/office/powerpoint/2015/main" xmlns="" val="1"/>
+                <p16:designElem xmlns:p16="http://schemas.microsoft.com/office/powerpoint/2015/main" val="1"/>
               </p:ext>
             </p:extLst>
           </p:nvPr>
@@ -12455,7 +11866,7 @@
           <p:cNvPr id="2" name="Title 1">
             <a:extLst>
               <a:ext uri="{FF2B5EF4-FFF2-40B4-BE49-F238E27FC236}">
-                <a16:creationId xmlns:a16="http://schemas.microsoft.com/office/drawing/2014/main" xmlns="" id="{9C888BC2-5FB8-4A00-9D2C-ABE5250D796C}"/>
+                <a16:creationId xmlns:a16="http://schemas.microsoft.com/office/drawing/2014/main" id="{9C888BC2-5FB8-4A00-9D2C-ABE5250D796C}"/>
               </a:ext>
             </a:extLst>
           </p:cNvPr>
@@ -12485,26 +11896,12 @@
               </a:rPr>
               <a:t>Social Media Fact Sheet – from Pew Research center</a:t>
             </a:r>
-            <a:r>
-              <a:rPr lang="en-US" sz="1500" b="1" i="0" dirty="0">
-                <a:effectLst/>
-                <a:latin typeface="abril-text"/>
-              </a:rPr>
-              <a:t/>
-            </a:r>
             <a:br>
               <a:rPr lang="en-US" sz="1500" b="1" i="0" dirty="0">
                 <a:effectLst/>
                 <a:latin typeface="abril-text"/>
               </a:rPr>
             </a:br>
-            <a:r>
-              <a:rPr lang="en-US" sz="1500" b="1" i="0" dirty="0">
-                <a:effectLst/>
-                <a:latin typeface="-apple-system"/>
-              </a:rPr>
-              <a:t/>
-            </a:r>
             <a:br>
               <a:rPr lang="en-US" sz="1500" b="1" i="0" dirty="0">
                 <a:effectLst/>
@@ -12520,10 +11917,10 @@
           <p:cNvPr id="25" name="Rectangle 16">
             <a:extLst>
               <a:ext uri="{FF2B5EF4-FFF2-40B4-BE49-F238E27FC236}">
-                <a16:creationId xmlns:a16="http://schemas.microsoft.com/office/drawing/2014/main" xmlns="" id="{7CAB7D27-148D-4082-B160-72FAD580D663}"/>
+                <a16:creationId xmlns:a16="http://schemas.microsoft.com/office/drawing/2014/main" id="{7CAB7D27-148D-4082-B160-72FAD580D663}"/>
               </a:ext>
               <a:ext uri="{C183D7F6-B498-43B3-948B-1728B52AA6E4}">
-                <adec:decorative xmlns:adec="http://schemas.microsoft.com/office/drawing/2017/decorative" xmlns="" val="1"/>
+                <adec:decorative xmlns:adec="http://schemas.microsoft.com/office/drawing/2017/decorative" val="1"/>
               </a:ext>
             </a:extLst>
           </p:cNvPr>
@@ -12533,7 +11930,7 @@
           <p:nvPr>
             <p:extLst>
               <p:ext uri="{386F3935-93C4-4BCD-93E2-E3B085C9AB24}">
-                <p16:designElem xmlns:p16="http://schemas.microsoft.com/office/powerpoint/2015/main" xmlns="" val="1"/>
+                <p16:designElem xmlns:p16="http://schemas.microsoft.com/office/powerpoint/2015/main" val="1"/>
               </p:ext>
             </p:extLst>
           </p:nvPr>
@@ -12594,7 +11991,7 @@
           <p:cNvPr id="6" name="Picture 5" descr="Chart, line chart&#10;&#10;Description automatically generated">
             <a:extLst>
               <a:ext uri="{FF2B5EF4-FFF2-40B4-BE49-F238E27FC236}">
-                <a16:creationId xmlns:a16="http://schemas.microsoft.com/office/drawing/2014/main" xmlns="" id="{BB35D74C-E7AE-4A1E-9B7D-C4DAA04B970D}"/>
+                <a16:creationId xmlns:a16="http://schemas.microsoft.com/office/drawing/2014/main" id="{BB35D74C-E7AE-4A1E-9B7D-C4DAA04B970D}"/>
               </a:ext>
             </a:extLst>
           </p:cNvPr>
@@ -12629,7 +12026,7 @@
           <p:cNvPr id="8" name="Picture 7" descr="Chart, line chart&#10;&#10;Description automatically generated">
             <a:extLst>
               <a:ext uri="{FF2B5EF4-FFF2-40B4-BE49-F238E27FC236}">
-                <a16:creationId xmlns:a16="http://schemas.microsoft.com/office/drawing/2014/main" xmlns="" id="{968B214E-5401-4E7B-B9A8-C9F24A157A5C}"/>
+                <a16:creationId xmlns:a16="http://schemas.microsoft.com/office/drawing/2014/main" id="{968B214E-5401-4E7B-B9A8-C9F24A157A5C}"/>
               </a:ext>
             </a:extLst>
           </p:cNvPr>
@@ -12664,7 +12061,7 @@
           <p:cNvPr id="3" name="Content Placeholder 2">
             <a:extLst>
               <a:ext uri="{FF2B5EF4-FFF2-40B4-BE49-F238E27FC236}">
-                <a16:creationId xmlns:a16="http://schemas.microsoft.com/office/drawing/2014/main" xmlns="" id="{9E6039AD-E8AC-4ACC-89A2-926D9DB406F5}"/>
+                <a16:creationId xmlns:a16="http://schemas.microsoft.com/office/drawing/2014/main" id="{9E6039AD-E8AC-4ACC-89A2-926D9DB406F5}"/>
               </a:ext>
             </a:extLst>
           </p:cNvPr>
@@ -12711,10 +12108,10 @@
           <p:cNvPr id="26" name="Picture 18">
             <a:extLst>
               <a:ext uri="{FF2B5EF4-FFF2-40B4-BE49-F238E27FC236}">
-                <a16:creationId xmlns:a16="http://schemas.microsoft.com/office/drawing/2014/main" xmlns="" id="{CD88FC76-F691-462A-BCF9-0BA4F5DE6D71}"/>
+                <a16:creationId xmlns:a16="http://schemas.microsoft.com/office/drawing/2014/main" id="{CD88FC76-F691-462A-BCF9-0BA4F5DE6D71}"/>
               </a:ext>
               <a:ext uri="{C183D7F6-B498-43B3-948B-1728B52AA6E4}">
-                <adec:decorative xmlns:adec="http://schemas.microsoft.com/office/drawing/2017/decorative" xmlns="" val="1"/>
+                <adec:decorative xmlns:adec="http://schemas.microsoft.com/office/drawing/2017/decorative" val="1"/>
               </a:ext>
             </a:extLst>
           </p:cNvPr>
@@ -12724,7 +12121,7 @@
           <p:nvPr>
             <p:extLst>
               <p:ext uri="{386F3935-93C4-4BCD-93E2-E3B085C9AB24}">
-                <p16:designElem xmlns:p16="http://schemas.microsoft.com/office/powerpoint/2015/main" xmlns="" val="1"/>
+                <p16:designElem xmlns:p16="http://schemas.microsoft.com/office/powerpoint/2015/main" val="1"/>
               </p:ext>
             </p:extLst>
           </p:nvPr>
@@ -12755,10 +12152,10 @@
           <p:cNvPr id="27" name="Straight Connector 20">
             <a:extLst>
               <a:ext uri="{FF2B5EF4-FFF2-40B4-BE49-F238E27FC236}">
-                <a16:creationId xmlns:a16="http://schemas.microsoft.com/office/drawing/2014/main" xmlns="" id="{33204A7E-B7E9-42D0-9DC4-B82FDC8C4BCC}"/>
+                <a16:creationId xmlns:a16="http://schemas.microsoft.com/office/drawing/2014/main" id="{33204A7E-B7E9-42D0-9DC4-B82FDC8C4BCC}"/>
               </a:ext>
               <a:ext uri="{C183D7F6-B498-43B3-948B-1728B52AA6E4}">
-                <adec:decorative xmlns:adec="http://schemas.microsoft.com/office/drawing/2017/decorative" xmlns="" val="1"/>
+                <adec:decorative xmlns:adec="http://schemas.microsoft.com/office/drawing/2017/decorative" val="1"/>
               </a:ext>
             </a:extLst>
           </p:cNvPr>
@@ -12768,7 +12165,7 @@
           <p:nvPr>
             <p:extLst>
               <p:ext uri="{386F3935-93C4-4BCD-93E2-E3B085C9AB24}">
-                <p16:designElem xmlns:p16="http://schemas.microsoft.com/office/powerpoint/2015/main" xmlns="" val="1"/>
+                <p16:designElem xmlns:p16="http://schemas.microsoft.com/office/powerpoint/2015/main" val="1"/>
               </p:ext>
             </p:extLst>
           </p:nvPr>
@@ -12863,10 +12260,10 @@
           <p:cNvPr id="7" name="Rectangle 6">
             <a:extLst>
               <a:ext uri="{FF2B5EF4-FFF2-40B4-BE49-F238E27FC236}">
-                <a16:creationId xmlns:a16="http://schemas.microsoft.com/office/drawing/2014/main" xmlns="" id="{23522FE7-5A29-4EF6-B1EF-2CA55748A772}"/>
+                <a16:creationId xmlns:a16="http://schemas.microsoft.com/office/drawing/2014/main" id="{23522FE7-5A29-4EF6-B1EF-2CA55748A772}"/>
               </a:ext>
               <a:ext uri="{C183D7F6-B498-43B3-948B-1728B52AA6E4}">
-                <adec:decorative xmlns:adec="http://schemas.microsoft.com/office/drawing/2017/decorative" xmlns="" val="1"/>
+                <adec:decorative xmlns:adec="http://schemas.microsoft.com/office/drawing/2017/decorative" val="1"/>
               </a:ext>
             </a:extLst>
           </p:cNvPr>
@@ -12876,7 +12273,7 @@
           <p:nvPr>
             <p:extLst>
               <p:ext uri="{386F3935-93C4-4BCD-93E2-E3B085C9AB24}">
-                <p16:designElem xmlns:p16="http://schemas.microsoft.com/office/powerpoint/2015/main" xmlns="" val="1"/>
+                <p16:designElem xmlns:p16="http://schemas.microsoft.com/office/powerpoint/2015/main" val="1"/>
               </p:ext>
             </p:extLst>
           </p:nvPr>
@@ -12929,10 +12326,10 @@
           <p:cNvPr id="9" name="Picture 8">
             <a:extLst>
               <a:ext uri="{FF2B5EF4-FFF2-40B4-BE49-F238E27FC236}">
-                <a16:creationId xmlns:a16="http://schemas.microsoft.com/office/drawing/2014/main" xmlns="" id="{C2192E09-EBC7-416C-B887-DFF915D7F43D}"/>
+                <a16:creationId xmlns:a16="http://schemas.microsoft.com/office/drawing/2014/main" id="{C2192E09-EBC7-416C-B887-DFF915D7F43D}"/>
               </a:ext>
               <a:ext uri="{C183D7F6-B498-43B3-948B-1728B52AA6E4}">
-                <adec:decorative xmlns:adec="http://schemas.microsoft.com/office/drawing/2017/decorative" xmlns="" val="1"/>
+                <adec:decorative xmlns:adec="http://schemas.microsoft.com/office/drawing/2017/decorative" val="1"/>
               </a:ext>
             </a:extLst>
           </p:cNvPr>
@@ -12942,7 +12339,7 @@
           <p:nvPr>
             <p:extLst>
               <p:ext uri="{386F3935-93C4-4BCD-93E2-E3B085C9AB24}">
-                <p16:designElem xmlns:p16="http://schemas.microsoft.com/office/powerpoint/2015/main" xmlns="" val="1"/>
+                <p16:designElem xmlns:p16="http://schemas.microsoft.com/office/powerpoint/2015/main" val="1"/>
               </p:ext>
             </p:extLst>
           </p:nvPr>
@@ -12973,10 +12370,10 @@
           <p:cNvPr id="11" name="Straight Connector 10">
             <a:extLst>
               <a:ext uri="{FF2B5EF4-FFF2-40B4-BE49-F238E27FC236}">
-                <a16:creationId xmlns:a16="http://schemas.microsoft.com/office/drawing/2014/main" xmlns="" id="{2924498D-E084-44BE-A196-CFCE35564350}"/>
+                <a16:creationId xmlns:a16="http://schemas.microsoft.com/office/drawing/2014/main" id="{2924498D-E084-44BE-A196-CFCE35564350}"/>
               </a:ext>
               <a:ext uri="{C183D7F6-B498-43B3-948B-1728B52AA6E4}">
-                <adec:decorative xmlns:adec="http://schemas.microsoft.com/office/drawing/2017/decorative" xmlns="" val="1"/>
+                <adec:decorative xmlns:adec="http://schemas.microsoft.com/office/drawing/2017/decorative" val="1"/>
               </a:ext>
             </a:extLst>
           </p:cNvPr>
@@ -12986,7 +12383,7 @@
           <p:nvPr>
             <p:extLst>
               <p:ext uri="{386F3935-93C4-4BCD-93E2-E3B085C9AB24}">
-                <p16:designElem xmlns:p16="http://schemas.microsoft.com/office/powerpoint/2015/main" xmlns="" val="1"/>
+                <p16:designElem xmlns:p16="http://schemas.microsoft.com/office/powerpoint/2015/main" val="1"/>
               </p:ext>
             </p:extLst>
           </p:nvPr>
@@ -13027,10 +12424,10 @@
           <p:cNvPr id="13" name="Straight Connector 12">
             <a:extLst>
               <a:ext uri="{FF2B5EF4-FFF2-40B4-BE49-F238E27FC236}">
-                <a16:creationId xmlns:a16="http://schemas.microsoft.com/office/drawing/2014/main" xmlns="" id="{3BBC7667-C352-4842-9AFD-E5C16AD002F4}"/>
+                <a16:creationId xmlns:a16="http://schemas.microsoft.com/office/drawing/2014/main" id="{3BBC7667-C352-4842-9AFD-E5C16AD002F4}"/>
               </a:ext>
               <a:ext uri="{C183D7F6-B498-43B3-948B-1728B52AA6E4}">
-                <adec:decorative xmlns:adec="http://schemas.microsoft.com/office/drawing/2017/decorative" xmlns="" val="1"/>
+                <adec:decorative xmlns:adec="http://schemas.microsoft.com/office/drawing/2017/decorative" val="1"/>
               </a:ext>
             </a:extLst>
           </p:cNvPr>
@@ -13040,7 +12437,7 @@
           <p:nvPr>
             <p:extLst>
               <p:ext uri="{386F3935-93C4-4BCD-93E2-E3B085C9AB24}">
-                <p16:designElem xmlns:p16="http://schemas.microsoft.com/office/powerpoint/2015/main" xmlns="" val="1"/>
+                <p16:designElem xmlns:p16="http://schemas.microsoft.com/office/powerpoint/2015/main" val="1"/>
               </p:ext>
             </p:extLst>
           </p:nvPr>
@@ -13075,10 +12472,10 @@
           <p:cNvPr id="15" name="Rectangle 14">
             <a:extLst>
               <a:ext uri="{FF2B5EF4-FFF2-40B4-BE49-F238E27FC236}">
-                <a16:creationId xmlns:a16="http://schemas.microsoft.com/office/drawing/2014/main" xmlns="" id="{F0AB17F6-592B-45CB-96F6-705C9825AFBC}"/>
+                <a16:creationId xmlns:a16="http://schemas.microsoft.com/office/drawing/2014/main" id="{F0AB17F6-592B-45CB-96F6-705C9825AFBC}"/>
               </a:ext>
               <a:ext uri="{C183D7F6-B498-43B3-948B-1728B52AA6E4}">
-                <adec:decorative xmlns:adec="http://schemas.microsoft.com/office/drawing/2017/decorative" xmlns="" val="1"/>
+                <adec:decorative xmlns:adec="http://schemas.microsoft.com/office/drawing/2017/decorative" val="1"/>
               </a:ext>
             </a:extLst>
           </p:cNvPr>
@@ -13088,7 +12485,7 @@
           <p:nvPr>
             <p:extLst>
               <p:ext uri="{386F3935-93C4-4BCD-93E2-E3B085C9AB24}">
-                <p16:designElem xmlns:p16="http://schemas.microsoft.com/office/powerpoint/2015/main" xmlns="" val="1"/>
+                <p16:designElem xmlns:p16="http://schemas.microsoft.com/office/powerpoint/2015/main" val="1"/>
               </p:ext>
             </p:extLst>
           </p:nvPr>
@@ -13135,7 +12532,7 @@
           <p:cNvPr id="2" name="Title 1">
             <a:extLst>
               <a:ext uri="{FF2B5EF4-FFF2-40B4-BE49-F238E27FC236}">
-                <a16:creationId xmlns:a16="http://schemas.microsoft.com/office/drawing/2014/main" xmlns="" id="{6FC29038-DDBC-4BFF-89F4-CE1EC9E6EEB3}"/>
+                <a16:creationId xmlns:a16="http://schemas.microsoft.com/office/drawing/2014/main" id="{6FC29038-DDBC-4BFF-89F4-CE1EC9E6EEB3}"/>
               </a:ext>
             </a:extLst>
           </p:cNvPr>
@@ -13148,8 +12545,8 @@
         </p:nvSpPr>
         <p:spPr>
           <a:xfrm>
-            <a:off x="5039066" y="802298"/>
-            <a:ext cx="6015784" cy="5116985"/>
+            <a:off x="4750904" y="802298"/>
+            <a:ext cx="6639329" cy="5116985"/>
           </a:xfrm>
         </p:spPr>
         <p:txBody>
@@ -13164,8 +12561,8 @@
               <a:t>4. </a:t>
             </a:r>
             <a:r>
-              <a:rPr lang="en-US" sz="5800" dirty="0"/>
-              <a:t>Analytical objectives</a:t>
+              <a:rPr lang="en-US" sz="5600" dirty="0"/>
+              <a:t>Applied technologies</a:t>
             </a:r>
           </a:p>
         </p:txBody>
@@ -13175,10 +12572,10 @@
           <p:cNvPr id="17" name="Straight Connector 16">
             <a:extLst>
               <a:ext uri="{FF2B5EF4-FFF2-40B4-BE49-F238E27FC236}">
-                <a16:creationId xmlns:a16="http://schemas.microsoft.com/office/drawing/2014/main" xmlns="" id="{5A9284E7-0823-472D-9963-18D89DFEB8B4}"/>
+                <a16:creationId xmlns:a16="http://schemas.microsoft.com/office/drawing/2014/main" id="{5A9284E7-0823-472D-9963-18D89DFEB8B4}"/>
               </a:ext>
               <a:ext uri="{C183D7F6-B498-43B3-948B-1728B52AA6E4}">
-                <adec:decorative xmlns:adec="http://schemas.microsoft.com/office/drawing/2017/decorative" xmlns="" val="1"/>
+                <adec:decorative xmlns:adec="http://schemas.microsoft.com/office/drawing/2017/decorative" val="1"/>
               </a:ext>
             </a:extLst>
           </p:cNvPr>
@@ -13188,7 +12585,7 @@
           <p:nvPr>
             <p:extLst>
               <p:ext uri="{386F3935-93C4-4BCD-93E2-E3B085C9AB24}">
-                <p16:designElem xmlns:p16="http://schemas.microsoft.com/office/powerpoint/2015/main" xmlns="" val="1"/>
+                <p16:designElem xmlns:p16="http://schemas.microsoft.com/office/powerpoint/2015/main" val="1"/>
               </p:ext>
             </p:extLst>
           </p:nvPr>
@@ -13221,7 +12618,7 @@
     </p:spTree>
     <p:extLst>
       <p:ext uri="{BB962C8B-B14F-4D97-AF65-F5344CB8AC3E}">
-        <p14:creationId xmlns:p14="http://schemas.microsoft.com/office/powerpoint/2010/main" val="3351353499"/>
+        <p14:creationId xmlns:p14="http://schemas.microsoft.com/office/powerpoint/2010/main" val="259698725"/>
       </p:ext>
     </p:extLst>
   </p:cSld>
@@ -13274,45 +12671,356 @@
       </p:grpSpPr>
       <p:sp>
         <p:nvSpPr>
-          <p:cNvPr id="2" name="Title 1">
-            <a:extLst>
-              <a:ext uri="{FF2B5EF4-FFF2-40B4-BE49-F238E27FC236}">
-                <a16:creationId xmlns:a16="http://schemas.microsoft.com/office/drawing/2014/main" xmlns="" id="{8889499D-19E6-427B-B727-0C2FA93DD911}"/>
+          <p:cNvPr id="64" name="Rectangle 63">
+            <a:extLst>
+              <a:ext uri="{FF2B5EF4-FFF2-40B4-BE49-F238E27FC236}">
+                <a16:creationId xmlns:a16="http://schemas.microsoft.com/office/drawing/2014/main" id="{84C75E2B-CACA-478C-B26B-182AF87A18E3}"/>
+              </a:ext>
+              <a:ext uri="{C183D7F6-B498-43B3-948B-1728B52AA6E4}">
+                <adec:decorative xmlns:adec="http://schemas.microsoft.com/office/drawing/2017/decorative" val="1"/>
               </a:ext>
             </a:extLst>
           </p:cNvPr>
           <p:cNvSpPr>
-            <a:spLocks noGrp="1"/>
+            <a:spLocks noGrp="1" noRot="1" noChangeAspect="1" noMove="1" noResize="1" noEditPoints="1" noAdjustHandles="1" noChangeArrowheads="1" noChangeShapeType="1" noTextEdit="1"/>
           </p:cNvSpPr>
           <p:nvPr>
-            <p:ph type="title"/>
+            <p:extLst>
+              <p:ext uri="{386F3935-93C4-4BCD-93E2-E3B085C9AB24}">
+                <p16:designElem xmlns:p16="http://schemas.microsoft.com/office/powerpoint/2015/main" val="1"/>
+              </p:ext>
+            </p:extLst>
           </p:nvPr>
         </p:nvSpPr>
         <p:spPr>
           <a:xfrm>
-            <a:off x="1451579" y="804519"/>
-            <a:ext cx="9603275" cy="1049235"/>
-          </a:xfrm>
-        </p:spPr>
+            <a:off x="0" y="2019476"/>
+            <a:ext cx="12192000" cy="4105941"/>
+          </a:xfrm>
+          <a:prstGeom prst="rect">
+            <a:avLst/>
+          </a:prstGeom>
+          <a:gradFill flip="none" rotWithShape="1">
+            <a:gsLst>
+              <a:gs pos="0">
+                <a:schemeClr val="bg2">
+                  <a:alpha val="0"/>
+                </a:schemeClr>
+              </a:gs>
+              <a:gs pos="100000">
+                <a:schemeClr val="bg2"/>
+              </a:gs>
+            </a:gsLst>
+            <a:lin ang="5400000" scaled="0"/>
+            <a:tileRect/>
+          </a:gradFill>
+          <a:ln>
+            <a:noFill/>
+          </a:ln>
+        </p:spPr>
+        <p:style>
+          <a:lnRef idx="2">
+            <a:schemeClr val="accent1">
+              <a:shade val="50000"/>
+            </a:schemeClr>
+          </a:lnRef>
+          <a:fillRef idx="1">
+            <a:schemeClr val="accent1"/>
+          </a:fillRef>
+          <a:effectRef idx="0">
+            <a:schemeClr val="accent1"/>
+          </a:effectRef>
+          <a:fontRef idx="minor">
+            <a:schemeClr val="lt1"/>
+          </a:fontRef>
+        </p:style>
+      </p:sp>
+      <p:pic>
+        <p:nvPicPr>
+          <p:cNvPr id="66" name="Picture 65">
+            <a:extLst>
+              <a:ext uri="{FF2B5EF4-FFF2-40B4-BE49-F238E27FC236}">
+                <a16:creationId xmlns:a16="http://schemas.microsoft.com/office/drawing/2014/main" id="{50FF2874-547C-4D14-9E18-28B19002FB8C}"/>
+              </a:ext>
+              <a:ext uri="{C183D7F6-B498-43B3-948B-1728B52AA6E4}">
+                <adec:decorative xmlns:adec="http://schemas.microsoft.com/office/drawing/2017/decorative" val="1"/>
+              </a:ext>
+            </a:extLst>
+          </p:cNvPr>
+          <p:cNvPicPr>
+            <a:picLocks noGrp="1" noRot="1" noChangeAspect="1" noMove="1" noResize="1" noEditPoints="1" noAdjustHandles="1" noChangeArrowheads="1" noChangeShapeType="1" noCrop="1"/>
+          </p:cNvPicPr>
+          <p:nvPr>
+            <p:extLst>
+              <p:ext uri="{386F3935-93C4-4BCD-93E2-E3B085C9AB24}">
+                <p16:designElem xmlns:p16="http://schemas.microsoft.com/office/powerpoint/2015/main" val="1"/>
+              </p:ext>
+            </p:extLst>
+          </p:nvPr>
+        </p:nvPicPr>
+        <p:blipFill rotWithShape="1">
+          <a:blip r:embed="rId2">
+            <a:extLst>
+              <a:ext uri="{28A0092B-C50C-407E-A947-70E740481C1C}">
+                <a14:useLocalDpi xmlns:a14="http://schemas.microsoft.com/office/drawing/2010/main" val="0"/>
+              </a:ext>
+            </a:extLst>
+          </a:blip>
+          <a:srcRect t="1538" b="-1538"/>
+          <a:stretch/>
+        </p:blipFill>
+        <p:spPr bwMode="black">
+          <a:xfrm>
+            <a:off x="0" y="6126480"/>
+            <a:ext cx="12192000" cy="742950"/>
+          </a:xfrm>
+          <a:prstGeom prst="rect">
+            <a:avLst/>
+          </a:prstGeom>
+        </p:spPr>
+      </p:pic>
+      <p:cxnSp>
+        <p:nvCxnSpPr>
+          <p:cNvPr id="68" name="Straight Connector 67">
+            <a:extLst>
+              <a:ext uri="{FF2B5EF4-FFF2-40B4-BE49-F238E27FC236}">
+                <a16:creationId xmlns:a16="http://schemas.microsoft.com/office/drawing/2014/main" id="{36CF827D-A163-47F7-BD87-34EB4FA7D696}"/>
+              </a:ext>
+              <a:ext uri="{C183D7F6-B498-43B3-948B-1728B52AA6E4}">
+                <adec:decorative xmlns:adec="http://schemas.microsoft.com/office/drawing/2017/decorative" val="1"/>
+              </a:ext>
+            </a:extLst>
+          </p:cNvPr>
+          <p:cNvCxnSpPr>
+            <a:cxnSpLocks noGrp="1" noRot="1" noChangeAspect="1" noMove="1" noResize="1" noEditPoints="1" noAdjustHandles="1" noChangeArrowheads="1" noChangeShapeType="1"/>
+          </p:cNvCxnSpPr>
+          <p:nvPr>
+            <p:extLst>
+              <p:ext uri="{386F3935-93C4-4BCD-93E2-E3B085C9AB24}">
+                <p16:designElem xmlns:p16="http://schemas.microsoft.com/office/powerpoint/2015/main" val="1"/>
+              </p:ext>
+            </p:extLst>
+          </p:nvPr>
+        </p:nvCxnSpPr>
+        <p:spPr>
+          <a:xfrm>
+            <a:off x="0" y="6128413"/>
+            <a:ext cx="12192000" cy="0"/>
+          </a:xfrm>
+          <a:prstGeom prst="line">
+            <a:avLst/>
+          </a:prstGeom>
+          <a:ln w="12700">
+            <a:solidFill>
+              <a:srgbClr val="000001">
+                <a:alpha val="20000"/>
+              </a:srgbClr>
+            </a:solidFill>
+          </a:ln>
+        </p:spPr>
+        <p:style>
+          <a:lnRef idx="1">
+            <a:schemeClr val="accent1"/>
+          </a:lnRef>
+          <a:fillRef idx="0">
+            <a:schemeClr val="accent1"/>
+          </a:fillRef>
+          <a:effectRef idx="0">
+            <a:schemeClr val="accent1"/>
+          </a:effectRef>
+          <a:fontRef idx="minor">
+            <a:schemeClr val="tx1"/>
+          </a:fontRef>
+        </p:style>
+      </p:cxnSp>
+      <p:cxnSp>
+        <p:nvCxnSpPr>
+          <p:cNvPr id="70" name="Straight Connector 69">
+            <a:extLst>
+              <a:ext uri="{FF2B5EF4-FFF2-40B4-BE49-F238E27FC236}">
+                <a16:creationId xmlns:a16="http://schemas.microsoft.com/office/drawing/2014/main" id="{D299D9A9-1DA8-433D-A9BC-FB48D93D4217}"/>
+              </a:ext>
+              <a:ext uri="{C183D7F6-B498-43B3-948B-1728B52AA6E4}">
+                <adec:decorative xmlns:adec="http://schemas.microsoft.com/office/drawing/2017/decorative" val="1"/>
+              </a:ext>
+            </a:extLst>
+          </p:cNvPr>
+          <p:cNvCxnSpPr>
+            <a:cxnSpLocks noGrp="1" noRot="1" noChangeAspect="1" noMove="1" noResize="1" noEditPoints="1" noAdjustHandles="1" noChangeArrowheads="1" noChangeShapeType="1"/>
+          </p:cNvCxnSpPr>
+          <p:nvPr>
+            <p:extLst>
+              <p:ext uri="{386F3935-93C4-4BCD-93E2-E3B085C9AB24}">
+                <p16:designElem xmlns:p16="http://schemas.microsoft.com/office/powerpoint/2015/main" val="1"/>
+              </p:ext>
+            </p:extLst>
+          </p:nvPr>
+        </p:nvCxnSpPr>
+        <p:spPr>
+          <a:xfrm>
+            <a:off x="1453896" y="1847088"/>
+            <a:ext cx="9607522" cy="0"/>
+          </a:xfrm>
+          <a:prstGeom prst="line">
+            <a:avLst/>
+          </a:prstGeom>
+          <a:ln w="31750"/>
+        </p:spPr>
+        <p:style>
+          <a:lnRef idx="3">
+            <a:schemeClr val="accent1"/>
+          </a:lnRef>
+          <a:fillRef idx="0">
+            <a:schemeClr val="accent1"/>
+          </a:fillRef>
+          <a:effectRef idx="2">
+            <a:schemeClr val="accent1"/>
+          </a:effectRef>
+          <a:fontRef idx="minor">
+            <a:schemeClr val="tx1"/>
+          </a:fontRef>
+        </p:style>
+      </p:cxnSp>
+      <p:sp useBgFill="1">
+        <p:nvSpPr>
+          <p:cNvPr id="72" name="Rectangle 71">
+            <a:extLst>
+              <a:ext uri="{FF2B5EF4-FFF2-40B4-BE49-F238E27FC236}">
+                <a16:creationId xmlns:a16="http://schemas.microsoft.com/office/drawing/2014/main" id="{593D0D1F-C0CE-416A-883C-BF1E03F63B4B}"/>
+              </a:ext>
+              <a:ext uri="{C183D7F6-B498-43B3-948B-1728B52AA6E4}">
+                <adec:decorative xmlns:adec="http://schemas.microsoft.com/office/drawing/2017/decorative" val="1"/>
+              </a:ext>
+            </a:extLst>
+          </p:cNvPr>
+          <p:cNvSpPr>
+            <a:spLocks noGrp="1" noRot="1" noChangeAspect="1" noMove="1" noResize="1" noEditPoints="1" noAdjustHandles="1" noChangeArrowheads="1" noChangeShapeType="1" noTextEdit="1"/>
+          </p:cNvSpPr>
+          <p:nvPr>
+            <p:extLst>
+              <p:ext uri="{386F3935-93C4-4BCD-93E2-E3B085C9AB24}">
+                <p16:designElem xmlns:p16="http://schemas.microsoft.com/office/powerpoint/2015/main" val="1"/>
+              </p:ext>
+            </p:extLst>
+          </p:nvPr>
+        </p:nvSpPr>
+        <p:spPr>
+          <a:xfrm>
+            <a:off x="2" y="0"/>
+            <a:ext cx="12191695" cy="6858000"/>
+          </a:xfrm>
+          <a:prstGeom prst="rect">
+            <a:avLst/>
+          </a:prstGeom>
+          <a:ln>
+            <a:noFill/>
+          </a:ln>
+        </p:spPr>
+        <p:style>
+          <a:lnRef idx="2">
+            <a:schemeClr val="accent1">
+              <a:shade val="50000"/>
+            </a:schemeClr>
+          </a:lnRef>
+          <a:fillRef idx="1">
+            <a:schemeClr val="accent1"/>
+          </a:fillRef>
+          <a:effectRef idx="0">
+            <a:schemeClr val="accent1"/>
+          </a:effectRef>
+          <a:fontRef idx="minor">
+            <a:schemeClr val="lt1"/>
+          </a:fontRef>
+        </p:style>
         <p:txBody>
-          <a:bodyPr>
-            <a:normAutofit/>
-          </a:bodyPr>
+          <a:bodyPr rtlCol="0" anchor="ctr"/>
           <a:lstStyle/>
           <a:p>
-            <a:r>
-              <a:rPr lang="en-US" dirty="0"/>
-              <a:t>Questions we hope to answer with data</a:t>
-            </a:r>
+            <a:pPr algn="ctr"/>
+            <a:endParaRPr lang="en-US"/>
           </a:p>
         </p:txBody>
       </p:sp>
       <p:sp>
         <p:nvSpPr>
-          <p:cNvPr id="3" name="Content Placeholder 2">
-            <a:extLst>
-              <a:ext uri="{FF2B5EF4-FFF2-40B4-BE49-F238E27FC236}">
-                <a16:creationId xmlns:a16="http://schemas.microsoft.com/office/drawing/2014/main" xmlns="" id="{D5267366-8BC9-4150-9547-80CF723798F3}"/>
+          <p:cNvPr id="74" name="Rectangle 73">
+            <a:extLst>
+              <a:ext uri="{FF2B5EF4-FFF2-40B4-BE49-F238E27FC236}">
+                <a16:creationId xmlns:a16="http://schemas.microsoft.com/office/drawing/2014/main" id="{94BB6862-3393-46CC-9A80-E400B3206A09}"/>
+              </a:ext>
+              <a:ext uri="{C183D7F6-B498-43B3-948B-1728B52AA6E4}">
+                <adec:decorative xmlns:adec="http://schemas.microsoft.com/office/drawing/2017/decorative" val="1"/>
+              </a:ext>
+            </a:extLst>
+          </p:cNvPr>
+          <p:cNvSpPr>
+            <a:spLocks noGrp="1" noRot="1" noChangeAspect="1" noMove="1" noResize="1" noEditPoints="1" noAdjustHandles="1" noChangeArrowheads="1" noChangeShapeType="1" noTextEdit="1"/>
+          </p:cNvSpPr>
+          <p:nvPr>
+            <p:extLst>
+              <p:ext uri="{386F3935-93C4-4BCD-93E2-E3B085C9AB24}">
+                <p16:designElem xmlns:p16="http://schemas.microsoft.com/office/powerpoint/2015/main" val="1"/>
+              </p:ext>
+            </p:extLst>
+          </p:nvPr>
+        </p:nvSpPr>
+        <p:spPr>
+          <a:xfrm>
+            <a:off x="0" y="2019476"/>
+            <a:ext cx="12192000" cy="4105941"/>
+          </a:xfrm>
+          <a:prstGeom prst="rect">
+            <a:avLst/>
+          </a:prstGeom>
+          <a:gradFill flip="none" rotWithShape="1">
+            <a:gsLst>
+              <a:gs pos="0">
+                <a:schemeClr val="bg2">
+                  <a:alpha val="0"/>
+                </a:schemeClr>
+              </a:gs>
+              <a:gs pos="100000">
+                <a:schemeClr val="bg2"/>
+              </a:gs>
+            </a:gsLst>
+            <a:lin ang="5400000" scaled="0"/>
+            <a:tileRect/>
+          </a:gradFill>
+          <a:ln>
+            <a:noFill/>
+          </a:ln>
+        </p:spPr>
+        <p:style>
+          <a:lnRef idx="2">
+            <a:schemeClr val="accent1">
+              <a:shade val="50000"/>
+            </a:schemeClr>
+          </a:lnRef>
+          <a:fillRef idx="1">
+            <a:schemeClr val="accent1"/>
+          </a:fillRef>
+          <a:effectRef idx="0">
+            <a:schemeClr val="accent1"/>
+          </a:effectRef>
+          <a:fontRef idx="minor">
+            <a:schemeClr val="lt1"/>
+          </a:fontRef>
+        </p:style>
+        <p:txBody>
+          <a:bodyPr rtlCol="0" anchor="ctr"/>
+          <a:lstStyle/>
+          <a:p>
+            <a:pPr lvl="0" algn="ctr"/>
+            <a:endParaRPr lang="en-US"/>
+          </a:p>
+        </p:txBody>
+      </p:sp>
+      <p:sp>
+        <p:nvSpPr>
+          <p:cNvPr id="2" name="Title 1">
+            <a:extLst>
+              <a:ext uri="{FF2B5EF4-FFF2-40B4-BE49-F238E27FC236}">
+                <a16:creationId xmlns:a16="http://schemas.microsoft.com/office/drawing/2014/main" id="{9C888BC2-5FB8-4A00-9D2C-ABE5250D796C}"/>
               </a:ext>
             </a:extLst>
           </p:cNvPr>
@@ -13320,56 +13028,348 @@
             <a:spLocks noGrp="1"/>
           </p:cNvSpPr>
           <p:nvPr>
-            <p:ph idx="1"/>
+            <p:ph type="title"/>
           </p:nvPr>
         </p:nvSpPr>
         <p:spPr>
           <a:xfrm>
-            <a:off x="1451579" y="2015734"/>
-            <a:ext cx="4034821" cy="3450613"/>
+            <a:off x="661251" y="1474970"/>
+            <a:ext cx="2821967" cy="3144914"/>
           </a:xfrm>
         </p:spPr>
         <p:txBody>
-          <a:bodyPr>
-            <a:normAutofit lnSpcReduction="10000"/>
+          <a:bodyPr vert="horz" lIns="91440" tIns="45720" rIns="91440" bIns="45720" rtlCol="0" anchor="ctr">
+            <a:normAutofit/>
           </a:bodyPr>
           <a:lstStyle/>
           <a:p>
-            <a:pPr marL="0" indent="0">
-              <a:buNone/>
-            </a:pPr>
             <a:r>
-              <a:rPr lang="en-US" b="0" i="0" dirty="0">
-                <a:effectLst/>
-                <a:latin typeface="-apple-system"/>
-              </a:rPr>
-              <a:t>We wanted to determine whether an uptick in social media use in recent years overlaps with an increase in suicide rates, particularly among younger cohorts who use social media in the greatest numbers. To determine correlation, we plan to visualize U.S. suicide rates and social media use over time.</a:t>
+              <a:rPr lang="en-US" sz="2200"/>
+              <a:t>Technologies, languages, tools, and algorithms used throughout the project</a:t>
             </a:r>
-          </a:p>
-          <a:p>
-            <a:pPr marL="0" indent="0">
-              <a:buNone/>
-            </a:pPr>
-            <a:endParaRPr lang="en-US" dirty="0"/>
+            <a:br>
+              <a:rPr lang="en-US" sz="2200"/>
+            </a:br>
+            <a:br>
+              <a:rPr lang="en-US" sz="2200"/>
+            </a:br>
+            <a:endParaRPr lang="en-US" sz="2200"/>
           </a:p>
         </p:txBody>
       </p:sp>
+      <p:grpSp>
+        <p:nvGrpSpPr>
+          <p:cNvPr id="76" name="Group 75">
+            <a:extLst>
+              <a:ext uri="{FF2B5EF4-FFF2-40B4-BE49-F238E27FC236}">
+                <a16:creationId xmlns:a16="http://schemas.microsoft.com/office/drawing/2014/main" id="{ECD36A4A-123D-46E3-8A64-13B8B3F019BD}"/>
+              </a:ext>
+              <a:ext uri="{C183D7F6-B498-43B3-948B-1728B52AA6E4}">
+                <adec:decorative xmlns:adec="http://schemas.microsoft.com/office/drawing/2017/decorative" val="1"/>
+              </a:ext>
+            </a:extLst>
+          </p:cNvPr>
+          <p:cNvGrpSpPr>
+            <a:grpSpLocks noGrp="1" noUngrp="1" noRot="1" noChangeAspect="1" noMove="1" noResize="1"/>
+          </p:cNvGrpSpPr>
+          <p:nvPr>
+            <p:extLst>
+              <p:ext uri="{386F3935-93C4-4BCD-93E2-E3B085C9AB24}">
+                <p16:designElem xmlns:p16="http://schemas.microsoft.com/office/powerpoint/2015/main" val="1"/>
+              </p:ext>
+            </p:extLst>
+          </p:nvPr>
+        </p:nvGrpSpPr>
+        <p:grpSpPr>
+          <a:xfrm>
+            <a:off x="3979388" y="482170"/>
+            <a:ext cx="7560115" cy="5149101"/>
+            <a:chOff x="7463258" y="583365"/>
+            <a:chExt cx="7560115" cy="5181928"/>
+          </a:xfrm>
+        </p:grpSpPr>
+        <p:sp>
+          <p:nvSpPr>
+            <p:cNvPr id="77" name="Rectangle 76">
+              <a:extLst>
+                <a:ext uri="{FF2B5EF4-FFF2-40B4-BE49-F238E27FC236}">
+                  <a16:creationId xmlns:a16="http://schemas.microsoft.com/office/drawing/2014/main" id="{612E2361-DAF1-4420-BBBD-218F4138ED2F}"/>
+                </a:ext>
+                <a:ext uri="{C183D7F6-B498-43B3-948B-1728B52AA6E4}">
+                  <adec:decorative xmlns:adec="http://schemas.microsoft.com/office/drawing/2017/decorative" val="1"/>
+                </a:ext>
+              </a:extLst>
+            </p:cNvPr>
+            <p:cNvSpPr/>
+            <p:nvPr>
+              <p:extLst>
+                <p:ext uri="{386F3935-93C4-4BCD-93E2-E3B085C9AB24}">
+                  <p16:designElem xmlns:p16="http://schemas.microsoft.com/office/powerpoint/2015/main" val="1"/>
+                </p:ext>
+              </p:extLst>
+            </p:nvPr>
+          </p:nvSpPr>
+          <p:spPr>
+            <a:xfrm>
+              <a:off x="7463258" y="583365"/>
+              <a:ext cx="7560115" cy="5181928"/>
+            </a:xfrm>
+            <a:prstGeom prst="rect">
+              <a:avLst/>
+            </a:prstGeom>
+            <a:gradFill>
+              <a:gsLst>
+                <a:gs pos="0">
+                  <a:srgbClr val="000001"/>
+                </a:gs>
+                <a:gs pos="100000">
+                  <a:srgbClr val="191919"/>
+                </a:gs>
+              </a:gsLst>
+            </a:gradFill>
+            <a:ln w="76200" cmpd="sng">
+              <a:noFill/>
+              <a:miter lim="800000"/>
+            </a:ln>
+            <a:effectLst>
+              <a:outerShdw blurRad="127000" dist="228600" dir="4740000" sx="98000" sy="98000" algn="tl" rotWithShape="0">
+                <a:srgbClr val="000000">
+                  <a:alpha val="34000"/>
+                </a:srgbClr>
+              </a:outerShdw>
+            </a:effectLst>
+            <a:scene3d>
+              <a:camera prst="orthographicFront"/>
+              <a:lightRig rig="threePt" dir="t"/>
+            </a:scene3d>
+            <a:sp3d>
+              <a:bevelT w="152400" h="50800" prst="softRound"/>
+            </a:sp3d>
+          </p:spPr>
+          <p:style>
+            <a:lnRef idx="1">
+              <a:schemeClr val="accent1"/>
+            </a:lnRef>
+            <a:fillRef idx="3">
+              <a:schemeClr val="accent1"/>
+            </a:fillRef>
+            <a:effectRef idx="2">
+              <a:schemeClr val="accent1"/>
+            </a:effectRef>
+            <a:fontRef idx="minor">
+              <a:schemeClr val="lt1"/>
+            </a:fontRef>
+          </p:style>
+          <p:txBody>
+            <a:bodyPr rtlCol="0" anchor="ctr"/>
+            <a:lstStyle/>
+            <a:p>
+              <a:pPr algn="ctr"/>
+              <a:endParaRPr lang="en-US"/>
+            </a:p>
+          </p:txBody>
+        </p:sp>
+        <p:sp>
+          <p:nvSpPr>
+            <p:cNvPr id="78" name="Rectangle 77">
+              <a:extLst>
+                <a:ext uri="{FF2B5EF4-FFF2-40B4-BE49-F238E27FC236}">
+                  <a16:creationId xmlns:a16="http://schemas.microsoft.com/office/drawing/2014/main" id="{1D6F994B-14BC-49BA-B34D-17DF3069A404}"/>
+                </a:ext>
+                <a:ext uri="{C183D7F6-B498-43B3-948B-1728B52AA6E4}">
+                  <adec:decorative xmlns:adec="http://schemas.microsoft.com/office/drawing/2017/decorative" val="1"/>
+                </a:ext>
+              </a:extLst>
+            </p:cNvPr>
+            <p:cNvSpPr/>
+            <p:nvPr>
+              <p:extLst>
+                <p:ext uri="{386F3935-93C4-4BCD-93E2-E3B085C9AB24}">
+                  <p16:designElem xmlns:p16="http://schemas.microsoft.com/office/powerpoint/2015/main" val="1"/>
+                </p:ext>
+              </p:extLst>
+            </p:nvPr>
+          </p:nvSpPr>
+          <p:spPr>
+            <a:xfrm>
+              <a:off x="7776317" y="915807"/>
+              <a:ext cx="6928279" cy="4494927"/>
+            </a:xfrm>
+            <a:prstGeom prst="rect">
+              <a:avLst/>
+            </a:prstGeom>
+            <a:gradFill>
+              <a:gsLst>
+                <a:gs pos="0">
+                  <a:srgbClr val="DADADA"/>
+                </a:gs>
+                <a:gs pos="100000">
+                  <a:srgbClr val="FFFFFE"/>
+                </a:gs>
+              </a:gsLst>
+              <a:lin ang="16200000" scaled="0"/>
+            </a:gradFill>
+            <a:ln w="50800" cmpd="sng">
+              <a:solidFill>
+                <a:srgbClr val="191919"/>
+              </a:solidFill>
+              <a:miter lim="800000"/>
+            </a:ln>
+            <a:effectLst>
+              <a:innerShdw blurRad="63500" dist="88900" dir="14100000">
+                <a:srgbClr val="000000">
+                  <a:alpha val="30000"/>
+                </a:srgbClr>
+              </a:innerShdw>
+            </a:effectLst>
+            <a:scene3d>
+              <a:camera prst="orthographicFront"/>
+              <a:lightRig rig="threePt" dir="t"/>
+            </a:scene3d>
+            <a:sp3d>
+              <a:bevelT prst="relaxedInset"/>
+            </a:sp3d>
+          </p:spPr>
+          <p:style>
+            <a:lnRef idx="1">
+              <a:schemeClr val="accent1"/>
+            </a:lnRef>
+            <a:fillRef idx="3">
+              <a:schemeClr val="accent1"/>
+            </a:fillRef>
+            <a:effectRef idx="2">
+              <a:schemeClr val="accent1"/>
+            </a:effectRef>
+            <a:fontRef idx="minor">
+              <a:schemeClr val="lt1"/>
+            </a:fontRef>
+          </p:style>
+          <p:txBody>
+            <a:bodyPr rtlCol="0" anchor="ctr"/>
+            <a:lstStyle/>
+            <a:p>
+              <a:pPr algn="ctr"/>
+              <a:endParaRPr lang="en-US"/>
+            </a:p>
+          </p:txBody>
+        </p:sp>
+      </p:grpSp>
       <p:pic>
         <p:nvPicPr>
-          <p:cNvPr id="5" name="Picture 4" descr="Chart, line chart&#10;&#10;Description automatically generated">
-            <a:extLst>
-              <a:ext uri="{FF2B5EF4-FFF2-40B4-BE49-F238E27FC236}">
-                <a16:creationId xmlns:a16="http://schemas.microsoft.com/office/drawing/2014/main" xmlns="" id="{6AFBE7AF-C1DD-4418-96F5-8CDF47DBE8B4}"/>
+          <p:cNvPr id="80" name="Picture 79">
+            <a:extLst>
+              <a:ext uri="{FF2B5EF4-FFF2-40B4-BE49-F238E27FC236}">
+                <a16:creationId xmlns:a16="http://schemas.microsoft.com/office/drawing/2014/main" id="{55EC7096-D0A6-471D-AE28-B68D70388E32}"/>
+              </a:ext>
+              <a:ext uri="{C183D7F6-B498-43B3-948B-1728B52AA6E4}">
+                <adec:decorative xmlns:adec="http://schemas.microsoft.com/office/drawing/2017/decorative" val="1"/>
               </a:ext>
             </a:extLst>
           </p:cNvPr>
           <p:cNvPicPr>
-            <a:picLocks noChangeAspect="1"/>
+            <a:picLocks noGrp="1" noRot="1" noChangeAspect="1" noMove="1" noResize="1" noEditPoints="1" noAdjustHandles="1" noChangeArrowheads="1" noChangeShapeType="1" noCrop="1"/>
           </p:cNvPicPr>
-          <p:nvPr/>
+          <p:nvPr>
+            <p:extLst>
+              <p:ext uri="{386F3935-93C4-4BCD-93E2-E3B085C9AB24}">
+                <p16:designElem xmlns:p16="http://schemas.microsoft.com/office/powerpoint/2015/main" val="1"/>
+              </p:ext>
+            </p:extLst>
+          </p:nvPr>
+        </p:nvPicPr>
+        <p:blipFill rotWithShape="1">
+          <a:blip r:embed="rId2">
+            <a:extLst>
+              <a:ext uri="{28A0092B-C50C-407E-A947-70E740481C1C}">
+                <a14:useLocalDpi xmlns:a14="http://schemas.microsoft.com/office/drawing/2010/main" val="0"/>
+              </a:ext>
+            </a:extLst>
+          </a:blip>
+          <a:srcRect t="1538" b="-1538"/>
+          <a:stretch/>
+        </p:blipFill>
+        <p:spPr bwMode="black">
+          <a:xfrm>
+            <a:off x="0" y="6126480"/>
+            <a:ext cx="12192000" cy="742950"/>
+          </a:xfrm>
+          <a:prstGeom prst="rect">
+            <a:avLst/>
+          </a:prstGeom>
+        </p:spPr>
+      </p:pic>
+      <p:cxnSp>
+        <p:nvCxnSpPr>
+          <p:cNvPr id="82" name="Straight Connector 81">
+            <a:extLst>
+              <a:ext uri="{FF2B5EF4-FFF2-40B4-BE49-F238E27FC236}">
+                <a16:creationId xmlns:a16="http://schemas.microsoft.com/office/drawing/2014/main" id="{2E98EB88-99B6-483D-B203-0D5D63100504}"/>
+              </a:ext>
+              <a:ext uri="{C183D7F6-B498-43B3-948B-1728B52AA6E4}">
+                <adec:decorative xmlns:adec="http://schemas.microsoft.com/office/drawing/2017/decorative" val="1"/>
+              </a:ext>
+            </a:extLst>
+          </p:cNvPr>
+          <p:cNvCxnSpPr>
+            <a:cxnSpLocks noGrp="1" noRot="1" noChangeAspect="1" noMove="1" noResize="1" noEditPoints="1" noAdjustHandles="1" noChangeArrowheads="1" noChangeShapeType="1"/>
+          </p:cNvCxnSpPr>
+          <p:nvPr>
+            <p:extLst>
+              <p:ext uri="{386F3935-93C4-4BCD-93E2-E3B085C9AB24}">
+                <p16:designElem xmlns:p16="http://schemas.microsoft.com/office/powerpoint/2015/main" val="1"/>
+              </p:ext>
+            </p:extLst>
+          </p:nvPr>
+        </p:nvCxnSpPr>
+        <p:spPr>
+          <a:xfrm>
+            <a:off x="0" y="6128413"/>
+            <a:ext cx="12192000" cy="0"/>
+          </a:xfrm>
+          <a:prstGeom prst="line">
+            <a:avLst/>
+          </a:prstGeom>
+          <a:ln w="12700">
+            <a:solidFill>
+              <a:srgbClr val="000001">
+                <a:alpha val="20000"/>
+              </a:srgbClr>
+            </a:solidFill>
+          </a:ln>
+        </p:spPr>
+        <p:style>
+          <a:lnRef idx="1">
+            <a:schemeClr val="accent1"/>
+          </a:lnRef>
+          <a:fillRef idx="0">
+            <a:schemeClr val="accent1"/>
+          </a:fillRef>
+          <a:effectRef idx="0">
+            <a:schemeClr val="accent1"/>
+          </a:effectRef>
+          <a:fontRef idx="minor">
+            <a:schemeClr val="tx1"/>
+          </a:fontRef>
+        </p:style>
+      </p:cxnSp>
+      <p:pic>
+        <p:nvPicPr>
+          <p:cNvPr id="7" name="Content Placeholder 6" descr="Graphical user interface, application, website&#10;&#10;Description automatically generated">
+            <a:extLst>
+              <a:ext uri="{FF2B5EF4-FFF2-40B4-BE49-F238E27FC236}">
+                <a16:creationId xmlns:a16="http://schemas.microsoft.com/office/drawing/2014/main" id="{7DD458F4-B6EB-4D33-90FE-EAF5AEB25C5C}"/>
+              </a:ext>
+            </a:extLst>
+          </p:cNvPr>
+          <p:cNvPicPr>
+            <a:picLocks noGrp="1" noChangeAspect="1"/>
+          </p:cNvPicPr>
+          <p:nvPr>
+            <p:ph idx="1"/>
+          </p:nvPr>
         </p:nvPicPr>
         <p:blipFill>
-          <a:blip r:embed="rId2">
+          <a:blip r:embed="rId3">
             <a:extLst>
               <a:ext uri="{28A0092B-C50C-407E-A947-70E740481C1C}">
                 <a14:useLocalDpi xmlns:a14="http://schemas.microsoft.com/office/drawing/2010/main" val="0"/>
@@ -13382,31 +13382,21 @@
         </p:blipFill>
         <p:spPr>
           <a:xfrm>
-            <a:off x="5486400" y="2015733"/>
-            <a:ext cx="5587999" cy="3450613"/>
-          </a:xfrm>
-          <a:prstGeom prst="rect">
-            <a:avLst/>
-          </a:prstGeom>
+            <a:off x="4412512" y="923965"/>
+            <a:ext cx="6695435" cy="4264723"/>
+          </a:xfrm>
         </p:spPr>
       </p:pic>
     </p:spTree>
     <p:extLst>
       <p:ext uri="{BB962C8B-B14F-4D97-AF65-F5344CB8AC3E}">
-        <p14:creationId xmlns:p14="http://schemas.microsoft.com/office/powerpoint/2010/main" val="3557065428"/>
+        <p14:creationId xmlns:p14="http://schemas.microsoft.com/office/powerpoint/2010/main" val="288336247"/>
       </p:ext>
     </p:extLst>
   </p:cSld>
   <p:clrMapOvr>
     <a:masterClrMapping/>
   </p:clrMapOvr>
-  <p:timing>
-    <p:tnLst>
-      <p:par>
-        <p:cTn id="1" dur="indefinite" restart="never" nodeType="tmRoot"/>
-      </p:par>
-    </p:tnLst>
-  </p:timing>
 </p:sld>
 </file>
 
@@ -13657,7 +13647,7 @@
   <a:extraClrSchemeLst/>
   <a:extLst>
     <a:ext uri="{05A4C25C-085E-4340-85A3-A5531E510DB2}">
-      <thm15:themeFamily xmlns:thm15="http://schemas.microsoft.com/office/thememl/2012/main" xmlns="" name="Gallery" id="{BBFCD31E-59A1-489D-B089-A3EAD7CAE12E}" vid="{F5E91637-A7B6-4E27-B710-77DA7014EE1E}"/>
+      <thm15:themeFamily xmlns:thm15="http://schemas.microsoft.com/office/thememl/2012/main" name="Gallery" id="{BBFCD31E-59A1-489D-B089-A3EAD7CAE12E}" vid="{F5E91637-A7B6-4E27-B710-77DA7014EE1E}"/>
     </a:ext>
   </a:extLst>
 </a:theme>

--- a/Presentation/Social_Media_Impact_final_ppt.pptx
+++ b/Presentation/Social_Media_Impact_final_ppt.pptx
@@ -130,7 +130,7 @@
   </p:defaultTextStyle>
   <p:extLst>
     <p:ext uri="{EFAFB233-063F-42B5-8137-9DF3F51BA10A}">
-      <p15:sldGuideLst xmlns:p15="http://schemas.microsoft.com/office/powerpoint/2012/main">
+      <p15:sldGuideLst xmlns:p15="http://schemas.microsoft.com/office/powerpoint/2012/main" xmlns="">
         <p15:guide id="1" orient="horz" pos="2160">
           <p15:clr>
             <a:srgbClr val="A4A3A4"/>
@@ -288,7 +288,7 @@
             <a:fld id="{3F9AFA87-1417-4992-ABD9-27C3BC8CC883}" type="datetimeFigureOut">
               <a:rPr lang="en-US" smtClean="0"/>
               <a:pPr algn="r"/>
-              <a:t>2022-04-07</a:t>
+              <a:t>4/7/2022</a:t>
             </a:fld>
             <a:endParaRPr lang="en-US" dirty="0"/>
           </a:p>
@@ -500,7 +500,7 @@
           <a:p>
             <a:fld id="{3F9AFA87-1417-4992-ABD9-27C3BC8CC883}" type="datetimeFigureOut">
               <a:rPr lang="en-US" smtClean="0"/>
-              <a:t>2022-04-07</a:t>
+              <a:t>4/7/2022</a:t>
             </a:fld>
             <a:endParaRPr lang="en-US"/>
           </a:p>
@@ -715,7 +715,7 @@
           <a:p>
             <a:fld id="{3F9AFA87-1417-4992-ABD9-27C3BC8CC883}" type="datetimeFigureOut">
               <a:rPr lang="en-US" smtClean="0"/>
-              <a:t>2022-04-07</a:t>
+              <a:t>4/7/2022</a:t>
             </a:fld>
             <a:endParaRPr lang="en-US"/>
           </a:p>
@@ -916,7 +916,7 @@
           <a:p>
             <a:fld id="{3F9AFA87-1417-4992-ABD9-27C3BC8CC883}" type="datetimeFigureOut">
               <a:rPr lang="en-US" smtClean="0"/>
-              <a:t>2022-04-07</a:t>
+              <a:t>4/7/2022</a:t>
             </a:fld>
             <a:endParaRPr lang="en-US"/>
           </a:p>
@@ -1195,7 +1195,7 @@
           <a:p>
             <a:fld id="{3F9AFA87-1417-4992-ABD9-27C3BC8CC883}" type="datetimeFigureOut">
               <a:rPr lang="en-US" smtClean="0"/>
-              <a:t>2022-04-07</a:t>
+              <a:t>4/7/2022</a:t>
             </a:fld>
             <a:endParaRPr lang="en-US"/>
           </a:p>
@@ -1463,7 +1463,7 @@
           <a:p>
             <a:fld id="{3F9AFA87-1417-4992-ABD9-27C3BC8CC883}" type="datetimeFigureOut">
               <a:rPr lang="en-US" smtClean="0"/>
-              <a:t>2022-04-07</a:t>
+              <a:t>4/7/2022</a:t>
             </a:fld>
             <a:endParaRPr lang="en-US" dirty="0"/>
           </a:p>
@@ -1879,7 +1879,7 @@
           <a:p>
             <a:fld id="{3F9AFA87-1417-4992-ABD9-27C3BC8CC883}" type="datetimeFigureOut">
               <a:rPr lang="en-US" smtClean="0"/>
-              <a:t>2022-04-07</a:t>
+              <a:t>4/7/2022</a:t>
             </a:fld>
             <a:endParaRPr lang="en-US"/>
           </a:p>
@@ -2028,7 +2028,7 @@
           <a:p>
             <a:fld id="{3F9AFA87-1417-4992-ABD9-27C3BC8CC883}" type="datetimeFigureOut">
               <a:rPr lang="en-US" smtClean="0"/>
-              <a:t>2022-04-07</a:t>
+              <a:t>4/7/2022</a:t>
             </a:fld>
             <a:endParaRPr lang="en-US"/>
           </a:p>
@@ -2154,7 +2154,7 @@
           <a:p>
             <a:fld id="{3F9AFA87-1417-4992-ABD9-27C3BC8CC883}" type="datetimeFigureOut">
               <a:rPr lang="en-US" smtClean="0"/>
-              <a:t>2022-04-07</a:t>
+              <a:t>4/7/2022</a:t>
             </a:fld>
             <a:endParaRPr lang="en-US"/>
           </a:p>
@@ -2405,7 +2405,7 @@
           <a:p>
             <a:fld id="{3F9AFA87-1417-4992-ABD9-27C3BC8CC883}" type="datetimeFigureOut">
               <a:rPr lang="en-US" smtClean="0"/>
-              <a:t>2022-04-07</a:t>
+              <a:t>4/7/2022</a:t>
             </a:fld>
             <a:endParaRPr lang="en-US"/>
           </a:p>
@@ -2850,7 +2850,7 @@
           <a:p>
             <a:fld id="{3F9AFA87-1417-4992-ABD9-27C3BC8CC883}" type="datetimeFigureOut">
               <a:rPr lang="en-US" smtClean="0"/>
-              <a:t>2022-04-07</a:t>
+              <a:t>4/7/2022</a:t>
             </a:fld>
             <a:endParaRPr lang="en-US"/>
           </a:p>
@@ -3179,7 +3179,7 @@
             <a:fld id="{3F9AFA87-1417-4992-ABD9-27C3BC8CC883}" type="datetimeFigureOut">
               <a:rPr lang="en-US" smtClean="0"/>
               <a:pPr algn="r"/>
-              <a:t>2022-04-07</a:t>
+              <a:t>4/7/2022</a:t>
             </a:fld>
             <a:endParaRPr lang="en-US" dirty="0"/>
           </a:p>
@@ -3695,10 +3695,10 @@
           <p:cNvPr id="7" name="Rectangle 6">
             <a:extLst>
               <a:ext uri="{FF2B5EF4-FFF2-40B4-BE49-F238E27FC236}">
-                <a16:creationId xmlns:a16="http://schemas.microsoft.com/office/drawing/2014/main" id="{23522FE7-5A29-4EF6-B1EF-2CA55748A772}"/>
+                <a16:creationId xmlns:a16="http://schemas.microsoft.com/office/drawing/2014/main" xmlns="" id="{23522FE7-5A29-4EF6-B1EF-2CA55748A772}"/>
               </a:ext>
               <a:ext uri="{C183D7F6-B498-43B3-948B-1728B52AA6E4}">
-                <adec:decorative xmlns:adec="http://schemas.microsoft.com/office/drawing/2017/decorative" val="1"/>
+                <adec:decorative xmlns:adec="http://schemas.microsoft.com/office/drawing/2017/decorative" xmlns="" val="1"/>
               </a:ext>
             </a:extLst>
           </p:cNvPr>
@@ -3708,7 +3708,7 @@
           <p:nvPr>
             <p:extLst>
               <p:ext uri="{386F3935-93C4-4BCD-93E2-E3B085C9AB24}">
-                <p16:designElem xmlns:p16="http://schemas.microsoft.com/office/powerpoint/2015/main" val="1"/>
+                <p16:designElem xmlns:p16="http://schemas.microsoft.com/office/powerpoint/2015/main" xmlns="" val="1"/>
               </p:ext>
             </p:extLst>
           </p:nvPr>
@@ -3761,10 +3761,10 @@
           <p:cNvPr id="9" name="Picture 8">
             <a:extLst>
               <a:ext uri="{FF2B5EF4-FFF2-40B4-BE49-F238E27FC236}">
-                <a16:creationId xmlns:a16="http://schemas.microsoft.com/office/drawing/2014/main" id="{C2192E09-EBC7-416C-B887-DFF915D7F43D}"/>
+                <a16:creationId xmlns:a16="http://schemas.microsoft.com/office/drawing/2014/main" xmlns="" id="{C2192E09-EBC7-416C-B887-DFF915D7F43D}"/>
               </a:ext>
               <a:ext uri="{C183D7F6-B498-43B3-948B-1728B52AA6E4}">
-                <adec:decorative xmlns:adec="http://schemas.microsoft.com/office/drawing/2017/decorative" val="1"/>
+                <adec:decorative xmlns:adec="http://schemas.microsoft.com/office/drawing/2017/decorative" xmlns="" val="1"/>
               </a:ext>
             </a:extLst>
           </p:cNvPr>
@@ -3774,7 +3774,7 @@
           <p:nvPr>
             <p:extLst>
               <p:ext uri="{386F3935-93C4-4BCD-93E2-E3B085C9AB24}">
-                <p16:designElem xmlns:p16="http://schemas.microsoft.com/office/powerpoint/2015/main" val="1"/>
+                <p16:designElem xmlns:p16="http://schemas.microsoft.com/office/powerpoint/2015/main" xmlns="" val="1"/>
               </p:ext>
             </p:extLst>
           </p:nvPr>
@@ -3805,10 +3805,10 @@
           <p:cNvPr id="11" name="Straight Connector 10">
             <a:extLst>
               <a:ext uri="{FF2B5EF4-FFF2-40B4-BE49-F238E27FC236}">
-                <a16:creationId xmlns:a16="http://schemas.microsoft.com/office/drawing/2014/main" id="{2924498D-E084-44BE-A196-CFCE35564350}"/>
+                <a16:creationId xmlns:a16="http://schemas.microsoft.com/office/drawing/2014/main" xmlns="" id="{2924498D-E084-44BE-A196-CFCE35564350}"/>
               </a:ext>
               <a:ext uri="{C183D7F6-B498-43B3-948B-1728B52AA6E4}">
-                <adec:decorative xmlns:adec="http://schemas.microsoft.com/office/drawing/2017/decorative" val="1"/>
+                <adec:decorative xmlns:adec="http://schemas.microsoft.com/office/drawing/2017/decorative" xmlns="" val="1"/>
               </a:ext>
             </a:extLst>
           </p:cNvPr>
@@ -3818,7 +3818,7 @@
           <p:nvPr>
             <p:extLst>
               <p:ext uri="{386F3935-93C4-4BCD-93E2-E3B085C9AB24}">
-                <p16:designElem xmlns:p16="http://schemas.microsoft.com/office/powerpoint/2015/main" val="1"/>
+                <p16:designElem xmlns:p16="http://schemas.microsoft.com/office/powerpoint/2015/main" xmlns="" val="1"/>
               </p:ext>
             </p:extLst>
           </p:nvPr>
@@ -3859,10 +3859,10 @@
           <p:cNvPr id="13" name="Straight Connector 12">
             <a:extLst>
               <a:ext uri="{FF2B5EF4-FFF2-40B4-BE49-F238E27FC236}">
-                <a16:creationId xmlns:a16="http://schemas.microsoft.com/office/drawing/2014/main" id="{3BBC7667-C352-4842-9AFD-E5C16AD002F4}"/>
+                <a16:creationId xmlns:a16="http://schemas.microsoft.com/office/drawing/2014/main" xmlns="" id="{3BBC7667-C352-4842-9AFD-E5C16AD002F4}"/>
               </a:ext>
               <a:ext uri="{C183D7F6-B498-43B3-948B-1728B52AA6E4}">
-                <adec:decorative xmlns:adec="http://schemas.microsoft.com/office/drawing/2017/decorative" val="1"/>
+                <adec:decorative xmlns:adec="http://schemas.microsoft.com/office/drawing/2017/decorative" xmlns="" val="1"/>
               </a:ext>
             </a:extLst>
           </p:cNvPr>
@@ -3872,7 +3872,7 @@
           <p:nvPr>
             <p:extLst>
               <p:ext uri="{386F3935-93C4-4BCD-93E2-E3B085C9AB24}">
-                <p16:designElem xmlns:p16="http://schemas.microsoft.com/office/powerpoint/2015/main" val="1"/>
+                <p16:designElem xmlns:p16="http://schemas.microsoft.com/office/powerpoint/2015/main" xmlns="" val="1"/>
               </p:ext>
             </p:extLst>
           </p:nvPr>
@@ -3907,10 +3907,10 @@
           <p:cNvPr id="15" name="Rectangle 14">
             <a:extLst>
               <a:ext uri="{FF2B5EF4-FFF2-40B4-BE49-F238E27FC236}">
-                <a16:creationId xmlns:a16="http://schemas.microsoft.com/office/drawing/2014/main" id="{F0AB17F6-592B-45CB-96F6-705C9825AFBC}"/>
+                <a16:creationId xmlns:a16="http://schemas.microsoft.com/office/drawing/2014/main" xmlns="" id="{F0AB17F6-592B-45CB-96F6-705C9825AFBC}"/>
               </a:ext>
               <a:ext uri="{C183D7F6-B498-43B3-948B-1728B52AA6E4}">
-                <adec:decorative xmlns:adec="http://schemas.microsoft.com/office/drawing/2017/decorative" val="1"/>
+                <adec:decorative xmlns:adec="http://schemas.microsoft.com/office/drawing/2017/decorative" xmlns="" val="1"/>
               </a:ext>
             </a:extLst>
           </p:cNvPr>
@@ -3920,7 +3920,7 @@
           <p:nvPr>
             <p:extLst>
               <p:ext uri="{386F3935-93C4-4BCD-93E2-E3B085C9AB24}">
-                <p16:designElem xmlns:p16="http://schemas.microsoft.com/office/powerpoint/2015/main" val="1"/>
+                <p16:designElem xmlns:p16="http://schemas.microsoft.com/office/powerpoint/2015/main" xmlns="" val="1"/>
               </p:ext>
             </p:extLst>
           </p:nvPr>
@@ -3967,7 +3967,7 @@
           <p:cNvPr id="2" name="Title 1">
             <a:extLst>
               <a:ext uri="{FF2B5EF4-FFF2-40B4-BE49-F238E27FC236}">
-                <a16:creationId xmlns:a16="http://schemas.microsoft.com/office/drawing/2014/main" id="{6FC29038-DDBC-4BFF-89F4-CE1EC9E6EEB3}"/>
+                <a16:creationId xmlns:a16="http://schemas.microsoft.com/office/drawing/2014/main" xmlns="" id="{6FC29038-DDBC-4BFF-89F4-CE1EC9E6EEB3}"/>
               </a:ext>
             </a:extLst>
           </p:cNvPr>
@@ -4003,10 +4003,10 @@
           <p:cNvPr id="17" name="Straight Connector 16">
             <a:extLst>
               <a:ext uri="{FF2B5EF4-FFF2-40B4-BE49-F238E27FC236}">
-                <a16:creationId xmlns:a16="http://schemas.microsoft.com/office/drawing/2014/main" id="{5A9284E7-0823-472D-9963-18D89DFEB8B4}"/>
+                <a16:creationId xmlns:a16="http://schemas.microsoft.com/office/drawing/2014/main" xmlns="" id="{5A9284E7-0823-472D-9963-18D89DFEB8B4}"/>
               </a:ext>
               <a:ext uri="{C183D7F6-B498-43B3-948B-1728B52AA6E4}">
-                <adec:decorative xmlns:adec="http://schemas.microsoft.com/office/drawing/2017/decorative" val="1"/>
+                <adec:decorative xmlns:adec="http://schemas.microsoft.com/office/drawing/2017/decorative" xmlns="" val="1"/>
               </a:ext>
             </a:extLst>
           </p:cNvPr>
@@ -4016,7 +4016,7 @@
           <p:nvPr>
             <p:extLst>
               <p:ext uri="{386F3935-93C4-4BCD-93E2-E3B085C9AB24}">
-                <p16:designElem xmlns:p16="http://schemas.microsoft.com/office/powerpoint/2015/main" val="1"/>
+                <p16:designElem xmlns:p16="http://schemas.microsoft.com/office/powerpoint/2015/main" xmlns="" val="1"/>
               </p:ext>
             </p:extLst>
           </p:nvPr>
@@ -4105,10 +4105,10 @@
           <p:cNvPr id="7" name="Rectangle 6">
             <a:extLst>
               <a:ext uri="{FF2B5EF4-FFF2-40B4-BE49-F238E27FC236}">
-                <a16:creationId xmlns:a16="http://schemas.microsoft.com/office/drawing/2014/main" id="{23522FE7-5A29-4EF6-B1EF-2CA55748A772}"/>
+                <a16:creationId xmlns:a16="http://schemas.microsoft.com/office/drawing/2014/main" xmlns="" id="{23522FE7-5A29-4EF6-B1EF-2CA55748A772}"/>
               </a:ext>
               <a:ext uri="{C183D7F6-B498-43B3-948B-1728B52AA6E4}">
-                <adec:decorative xmlns:adec="http://schemas.microsoft.com/office/drawing/2017/decorative" val="1"/>
+                <adec:decorative xmlns:adec="http://schemas.microsoft.com/office/drawing/2017/decorative" xmlns="" val="1"/>
               </a:ext>
             </a:extLst>
           </p:cNvPr>
@@ -4118,7 +4118,7 @@
           <p:nvPr>
             <p:extLst>
               <p:ext uri="{386F3935-93C4-4BCD-93E2-E3B085C9AB24}">
-                <p16:designElem xmlns:p16="http://schemas.microsoft.com/office/powerpoint/2015/main" val="1"/>
+                <p16:designElem xmlns:p16="http://schemas.microsoft.com/office/powerpoint/2015/main" xmlns="" val="1"/>
               </p:ext>
             </p:extLst>
           </p:nvPr>
@@ -4171,10 +4171,10 @@
           <p:cNvPr id="9" name="Picture 8">
             <a:extLst>
               <a:ext uri="{FF2B5EF4-FFF2-40B4-BE49-F238E27FC236}">
-                <a16:creationId xmlns:a16="http://schemas.microsoft.com/office/drawing/2014/main" id="{C2192E09-EBC7-416C-B887-DFF915D7F43D}"/>
+                <a16:creationId xmlns:a16="http://schemas.microsoft.com/office/drawing/2014/main" xmlns="" id="{C2192E09-EBC7-416C-B887-DFF915D7F43D}"/>
               </a:ext>
               <a:ext uri="{C183D7F6-B498-43B3-948B-1728B52AA6E4}">
-                <adec:decorative xmlns:adec="http://schemas.microsoft.com/office/drawing/2017/decorative" val="1"/>
+                <adec:decorative xmlns:adec="http://schemas.microsoft.com/office/drawing/2017/decorative" xmlns="" val="1"/>
               </a:ext>
             </a:extLst>
           </p:cNvPr>
@@ -4184,7 +4184,7 @@
           <p:nvPr>
             <p:extLst>
               <p:ext uri="{386F3935-93C4-4BCD-93E2-E3B085C9AB24}">
-                <p16:designElem xmlns:p16="http://schemas.microsoft.com/office/powerpoint/2015/main" val="1"/>
+                <p16:designElem xmlns:p16="http://schemas.microsoft.com/office/powerpoint/2015/main" xmlns="" val="1"/>
               </p:ext>
             </p:extLst>
           </p:nvPr>
@@ -4215,10 +4215,10 @@
           <p:cNvPr id="11" name="Straight Connector 10">
             <a:extLst>
               <a:ext uri="{FF2B5EF4-FFF2-40B4-BE49-F238E27FC236}">
-                <a16:creationId xmlns:a16="http://schemas.microsoft.com/office/drawing/2014/main" id="{2924498D-E084-44BE-A196-CFCE35564350}"/>
+                <a16:creationId xmlns:a16="http://schemas.microsoft.com/office/drawing/2014/main" xmlns="" id="{2924498D-E084-44BE-A196-CFCE35564350}"/>
               </a:ext>
               <a:ext uri="{C183D7F6-B498-43B3-948B-1728B52AA6E4}">
-                <adec:decorative xmlns:adec="http://schemas.microsoft.com/office/drawing/2017/decorative" val="1"/>
+                <adec:decorative xmlns:adec="http://schemas.microsoft.com/office/drawing/2017/decorative" xmlns="" val="1"/>
               </a:ext>
             </a:extLst>
           </p:cNvPr>
@@ -4228,7 +4228,7 @@
           <p:nvPr>
             <p:extLst>
               <p:ext uri="{386F3935-93C4-4BCD-93E2-E3B085C9AB24}">
-                <p16:designElem xmlns:p16="http://schemas.microsoft.com/office/powerpoint/2015/main" val="1"/>
+                <p16:designElem xmlns:p16="http://schemas.microsoft.com/office/powerpoint/2015/main" xmlns="" val="1"/>
               </p:ext>
             </p:extLst>
           </p:nvPr>
@@ -4269,10 +4269,10 @@
           <p:cNvPr id="13" name="Straight Connector 12">
             <a:extLst>
               <a:ext uri="{FF2B5EF4-FFF2-40B4-BE49-F238E27FC236}">
-                <a16:creationId xmlns:a16="http://schemas.microsoft.com/office/drawing/2014/main" id="{3BBC7667-C352-4842-9AFD-E5C16AD002F4}"/>
+                <a16:creationId xmlns:a16="http://schemas.microsoft.com/office/drawing/2014/main" xmlns="" id="{3BBC7667-C352-4842-9AFD-E5C16AD002F4}"/>
               </a:ext>
               <a:ext uri="{C183D7F6-B498-43B3-948B-1728B52AA6E4}">
-                <adec:decorative xmlns:adec="http://schemas.microsoft.com/office/drawing/2017/decorative" val="1"/>
+                <adec:decorative xmlns:adec="http://schemas.microsoft.com/office/drawing/2017/decorative" xmlns="" val="1"/>
               </a:ext>
             </a:extLst>
           </p:cNvPr>
@@ -4282,7 +4282,7 @@
           <p:nvPr>
             <p:extLst>
               <p:ext uri="{386F3935-93C4-4BCD-93E2-E3B085C9AB24}">
-                <p16:designElem xmlns:p16="http://schemas.microsoft.com/office/powerpoint/2015/main" val="1"/>
+                <p16:designElem xmlns:p16="http://schemas.microsoft.com/office/powerpoint/2015/main" xmlns="" val="1"/>
               </p:ext>
             </p:extLst>
           </p:nvPr>
@@ -4317,10 +4317,10 @@
           <p:cNvPr id="15" name="Rectangle 14">
             <a:extLst>
               <a:ext uri="{FF2B5EF4-FFF2-40B4-BE49-F238E27FC236}">
-                <a16:creationId xmlns:a16="http://schemas.microsoft.com/office/drawing/2014/main" id="{F0AB17F6-592B-45CB-96F6-705C9825AFBC}"/>
+                <a16:creationId xmlns:a16="http://schemas.microsoft.com/office/drawing/2014/main" xmlns="" id="{F0AB17F6-592B-45CB-96F6-705C9825AFBC}"/>
               </a:ext>
               <a:ext uri="{C183D7F6-B498-43B3-948B-1728B52AA6E4}">
-                <adec:decorative xmlns:adec="http://schemas.microsoft.com/office/drawing/2017/decorative" val="1"/>
+                <adec:decorative xmlns:adec="http://schemas.microsoft.com/office/drawing/2017/decorative" xmlns="" val="1"/>
               </a:ext>
             </a:extLst>
           </p:cNvPr>
@@ -4330,7 +4330,7 @@
           <p:nvPr>
             <p:extLst>
               <p:ext uri="{386F3935-93C4-4BCD-93E2-E3B085C9AB24}">
-                <p16:designElem xmlns:p16="http://schemas.microsoft.com/office/powerpoint/2015/main" val="1"/>
+                <p16:designElem xmlns:p16="http://schemas.microsoft.com/office/powerpoint/2015/main" xmlns="" val="1"/>
               </p:ext>
             </p:extLst>
           </p:nvPr>
@@ -4377,7 +4377,7 @@
           <p:cNvPr id="2" name="Title 1">
             <a:extLst>
               <a:ext uri="{FF2B5EF4-FFF2-40B4-BE49-F238E27FC236}">
-                <a16:creationId xmlns:a16="http://schemas.microsoft.com/office/drawing/2014/main" id="{6FC29038-DDBC-4BFF-89F4-CE1EC9E6EEB3}"/>
+                <a16:creationId xmlns:a16="http://schemas.microsoft.com/office/drawing/2014/main" xmlns="" id="{6FC29038-DDBC-4BFF-89F4-CE1EC9E6EEB3}"/>
               </a:ext>
             </a:extLst>
           </p:cNvPr>
@@ -4417,10 +4417,10 @@
           <p:cNvPr id="17" name="Straight Connector 16">
             <a:extLst>
               <a:ext uri="{FF2B5EF4-FFF2-40B4-BE49-F238E27FC236}">
-                <a16:creationId xmlns:a16="http://schemas.microsoft.com/office/drawing/2014/main" id="{5A9284E7-0823-472D-9963-18D89DFEB8B4}"/>
+                <a16:creationId xmlns:a16="http://schemas.microsoft.com/office/drawing/2014/main" xmlns="" id="{5A9284E7-0823-472D-9963-18D89DFEB8B4}"/>
               </a:ext>
               <a:ext uri="{C183D7F6-B498-43B3-948B-1728B52AA6E4}">
-                <adec:decorative xmlns:adec="http://schemas.microsoft.com/office/drawing/2017/decorative" val="1"/>
+                <adec:decorative xmlns:adec="http://schemas.microsoft.com/office/drawing/2017/decorative" xmlns="" val="1"/>
               </a:ext>
             </a:extLst>
           </p:cNvPr>
@@ -4430,7 +4430,7 @@
           <p:nvPr>
             <p:extLst>
               <p:ext uri="{386F3935-93C4-4BCD-93E2-E3B085C9AB24}">
-                <p16:designElem xmlns:p16="http://schemas.microsoft.com/office/powerpoint/2015/main" val="1"/>
+                <p16:designElem xmlns:p16="http://schemas.microsoft.com/office/powerpoint/2015/main" xmlns="" val="1"/>
               </p:ext>
             </p:extLst>
           </p:nvPr>
@@ -4519,7 +4519,7 @@
           <p:cNvPr id="2" name="Title 1">
             <a:extLst>
               <a:ext uri="{FF2B5EF4-FFF2-40B4-BE49-F238E27FC236}">
-                <a16:creationId xmlns:a16="http://schemas.microsoft.com/office/drawing/2014/main" id="{8889499D-19E6-427B-B727-0C2FA93DD911}"/>
+                <a16:creationId xmlns:a16="http://schemas.microsoft.com/office/drawing/2014/main" xmlns="" id="{8889499D-19E6-427B-B727-0C2FA93DD911}"/>
               </a:ext>
             </a:extLst>
           </p:cNvPr>
@@ -4554,7 +4554,7 @@
           <p:cNvPr id="3" name="Content Placeholder 2">
             <a:extLst>
               <a:ext uri="{FF2B5EF4-FFF2-40B4-BE49-F238E27FC236}">
-                <a16:creationId xmlns:a16="http://schemas.microsoft.com/office/drawing/2014/main" id="{D5267366-8BC9-4150-9547-80CF723798F3}"/>
+                <a16:creationId xmlns:a16="http://schemas.microsoft.com/office/drawing/2014/main" xmlns="" id="{D5267366-8BC9-4150-9547-80CF723798F3}"/>
               </a:ext>
             </a:extLst>
           </p:cNvPr>
@@ -4573,7 +4573,7 @@
         </p:spPr>
         <p:txBody>
           <a:bodyPr>
-            <a:normAutofit/>
+            <a:normAutofit lnSpcReduction="10000"/>
           </a:bodyPr>
           <a:lstStyle/>
           <a:p>
@@ -4601,7 +4601,7 @@
           <p:cNvPr id="5" name="Picture 4" descr="Chart, line chart&#10;&#10;Description automatically generated">
             <a:extLst>
               <a:ext uri="{FF2B5EF4-FFF2-40B4-BE49-F238E27FC236}">
-                <a16:creationId xmlns:a16="http://schemas.microsoft.com/office/drawing/2014/main" id="{6AFBE7AF-C1DD-4418-96F5-8CDF47DBE8B4}"/>
+                <a16:creationId xmlns:a16="http://schemas.microsoft.com/office/drawing/2014/main" xmlns="" id="{6AFBE7AF-C1DD-4418-96F5-8CDF47DBE8B4}"/>
               </a:ext>
             </a:extLst>
           </p:cNvPr>
@@ -4691,10 +4691,10 @@
           <p:cNvPr id="7" name="Rectangle 6">
             <a:extLst>
               <a:ext uri="{FF2B5EF4-FFF2-40B4-BE49-F238E27FC236}">
-                <a16:creationId xmlns:a16="http://schemas.microsoft.com/office/drawing/2014/main" id="{23522FE7-5A29-4EF6-B1EF-2CA55748A772}"/>
+                <a16:creationId xmlns:a16="http://schemas.microsoft.com/office/drawing/2014/main" xmlns="" id="{23522FE7-5A29-4EF6-B1EF-2CA55748A772}"/>
               </a:ext>
               <a:ext uri="{C183D7F6-B498-43B3-948B-1728B52AA6E4}">
-                <adec:decorative xmlns:adec="http://schemas.microsoft.com/office/drawing/2017/decorative" val="1"/>
+                <adec:decorative xmlns:adec="http://schemas.microsoft.com/office/drawing/2017/decorative" xmlns="" val="1"/>
               </a:ext>
             </a:extLst>
           </p:cNvPr>
@@ -4704,7 +4704,7 @@
           <p:nvPr>
             <p:extLst>
               <p:ext uri="{386F3935-93C4-4BCD-93E2-E3B085C9AB24}">
-                <p16:designElem xmlns:p16="http://schemas.microsoft.com/office/powerpoint/2015/main" val="1"/>
+                <p16:designElem xmlns:p16="http://schemas.microsoft.com/office/powerpoint/2015/main" xmlns="" val="1"/>
               </p:ext>
             </p:extLst>
           </p:nvPr>
@@ -4757,10 +4757,10 @@
           <p:cNvPr id="9" name="Picture 8">
             <a:extLst>
               <a:ext uri="{FF2B5EF4-FFF2-40B4-BE49-F238E27FC236}">
-                <a16:creationId xmlns:a16="http://schemas.microsoft.com/office/drawing/2014/main" id="{C2192E09-EBC7-416C-B887-DFF915D7F43D}"/>
+                <a16:creationId xmlns:a16="http://schemas.microsoft.com/office/drawing/2014/main" xmlns="" id="{C2192E09-EBC7-416C-B887-DFF915D7F43D}"/>
               </a:ext>
               <a:ext uri="{C183D7F6-B498-43B3-948B-1728B52AA6E4}">
-                <adec:decorative xmlns:adec="http://schemas.microsoft.com/office/drawing/2017/decorative" val="1"/>
+                <adec:decorative xmlns:adec="http://schemas.microsoft.com/office/drawing/2017/decorative" xmlns="" val="1"/>
               </a:ext>
             </a:extLst>
           </p:cNvPr>
@@ -4770,7 +4770,7 @@
           <p:nvPr>
             <p:extLst>
               <p:ext uri="{386F3935-93C4-4BCD-93E2-E3B085C9AB24}">
-                <p16:designElem xmlns:p16="http://schemas.microsoft.com/office/powerpoint/2015/main" val="1"/>
+                <p16:designElem xmlns:p16="http://schemas.microsoft.com/office/powerpoint/2015/main" xmlns="" val="1"/>
               </p:ext>
             </p:extLst>
           </p:nvPr>
@@ -4801,10 +4801,10 @@
           <p:cNvPr id="11" name="Straight Connector 10">
             <a:extLst>
               <a:ext uri="{FF2B5EF4-FFF2-40B4-BE49-F238E27FC236}">
-                <a16:creationId xmlns:a16="http://schemas.microsoft.com/office/drawing/2014/main" id="{2924498D-E084-44BE-A196-CFCE35564350}"/>
+                <a16:creationId xmlns:a16="http://schemas.microsoft.com/office/drawing/2014/main" xmlns="" id="{2924498D-E084-44BE-A196-CFCE35564350}"/>
               </a:ext>
               <a:ext uri="{C183D7F6-B498-43B3-948B-1728B52AA6E4}">
-                <adec:decorative xmlns:adec="http://schemas.microsoft.com/office/drawing/2017/decorative" val="1"/>
+                <adec:decorative xmlns:adec="http://schemas.microsoft.com/office/drawing/2017/decorative" xmlns="" val="1"/>
               </a:ext>
             </a:extLst>
           </p:cNvPr>
@@ -4814,7 +4814,7 @@
           <p:nvPr>
             <p:extLst>
               <p:ext uri="{386F3935-93C4-4BCD-93E2-E3B085C9AB24}">
-                <p16:designElem xmlns:p16="http://schemas.microsoft.com/office/powerpoint/2015/main" val="1"/>
+                <p16:designElem xmlns:p16="http://schemas.microsoft.com/office/powerpoint/2015/main" xmlns="" val="1"/>
               </p:ext>
             </p:extLst>
           </p:nvPr>
@@ -4855,10 +4855,10 @@
           <p:cNvPr id="13" name="Straight Connector 12">
             <a:extLst>
               <a:ext uri="{FF2B5EF4-FFF2-40B4-BE49-F238E27FC236}">
-                <a16:creationId xmlns:a16="http://schemas.microsoft.com/office/drawing/2014/main" id="{3BBC7667-C352-4842-9AFD-E5C16AD002F4}"/>
+                <a16:creationId xmlns:a16="http://schemas.microsoft.com/office/drawing/2014/main" xmlns="" id="{3BBC7667-C352-4842-9AFD-E5C16AD002F4}"/>
               </a:ext>
               <a:ext uri="{C183D7F6-B498-43B3-948B-1728B52AA6E4}">
-                <adec:decorative xmlns:adec="http://schemas.microsoft.com/office/drawing/2017/decorative" val="1"/>
+                <adec:decorative xmlns:adec="http://schemas.microsoft.com/office/drawing/2017/decorative" xmlns="" val="1"/>
               </a:ext>
             </a:extLst>
           </p:cNvPr>
@@ -4868,7 +4868,7 @@
           <p:nvPr>
             <p:extLst>
               <p:ext uri="{386F3935-93C4-4BCD-93E2-E3B085C9AB24}">
-                <p16:designElem xmlns:p16="http://schemas.microsoft.com/office/powerpoint/2015/main" val="1"/>
+                <p16:designElem xmlns:p16="http://schemas.microsoft.com/office/powerpoint/2015/main" xmlns="" val="1"/>
               </p:ext>
             </p:extLst>
           </p:nvPr>
@@ -4903,10 +4903,10 @@
           <p:cNvPr id="15" name="Rectangle 14">
             <a:extLst>
               <a:ext uri="{FF2B5EF4-FFF2-40B4-BE49-F238E27FC236}">
-                <a16:creationId xmlns:a16="http://schemas.microsoft.com/office/drawing/2014/main" id="{F0AB17F6-592B-45CB-96F6-705C9825AFBC}"/>
+                <a16:creationId xmlns:a16="http://schemas.microsoft.com/office/drawing/2014/main" xmlns="" id="{F0AB17F6-592B-45CB-96F6-705C9825AFBC}"/>
               </a:ext>
               <a:ext uri="{C183D7F6-B498-43B3-948B-1728B52AA6E4}">
-                <adec:decorative xmlns:adec="http://schemas.microsoft.com/office/drawing/2017/decorative" val="1"/>
+                <adec:decorative xmlns:adec="http://schemas.microsoft.com/office/drawing/2017/decorative" xmlns="" val="1"/>
               </a:ext>
             </a:extLst>
           </p:cNvPr>
@@ -4916,7 +4916,7 @@
           <p:nvPr>
             <p:extLst>
               <p:ext uri="{386F3935-93C4-4BCD-93E2-E3B085C9AB24}">
-                <p16:designElem xmlns:p16="http://schemas.microsoft.com/office/powerpoint/2015/main" val="1"/>
+                <p16:designElem xmlns:p16="http://schemas.microsoft.com/office/powerpoint/2015/main" xmlns="" val="1"/>
               </p:ext>
             </p:extLst>
           </p:nvPr>
@@ -4963,7 +4963,7 @@
           <p:cNvPr id="2" name="Title 1">
             <a:extLst>
               <a:ext uri="{FF2B5EF4-FFF2-40B4-BE49-F238E27FC236}">
-                <a16:creationId xmlns:a16="http://schemas.microsoft.com/office/drawing/2014/main" id="{6FC29038-DDBC-4BFF-89F4-CE1EC9E6EEB3}"/>
+                <a16:creationId xmlns:a16="http://schemas.microsoft.com/office/drawing/2014/main" xmlns="" id="{6FC29038-DDBC-4BFF-89F4-CE1EC9E6EEB3}"/>
               </a:ext>
             </a:extLst>
           </p:cNvPr>
@@ -5003,10 +5003,10 @@
           <p:cNvPr id="17" name="Straight Connector 16">
             <a:extLst>
               <a:ext uri="{FF2B5EF4-FFF2-40B4-BE49-F238E27FC236}">
-                <a16:creationId xmlns:a16="http://schemas.microsoft.com/office/drawing/2014/main" id="{5A9284E7-0823-472D-9963-18D89DFEB8B4}"/>
+                <a16:creationId xmlns:a16="http://schemas.microsoft.com/office/drawing/2014/main" xmlns="" id="{5A9284E7-0823-472D-9963-18D89DFEB8B4}"/>
               </a:ext>
               <a:ext uri="{C183D7F6-B498-43B3-948B-1728B52AA6E4}">
-                <adec:decorative xmlns:adec="http://schemas.microsoft.com/office/drawing/2017/decorative" val="1"/>
+                <adec:decorative xmlns:adec="http://schemas.microsoft.com/office/drawing/2017/decorative" xmlns="" val="1"/>
               </a:ext>
             </a:extLst>
           </p:cNvPr>
@@ -5016,7 +5016,7 @@
           <p:nvPr>
             <p:extLst>
               <p:ext uri="{386F3935-93C4-4BCD-93E2-E3B085C9AB24}">
-                <p16:designElem xmlns:p16="http://schemas.microsoft.com/office/powerpoint/2015/main" val="1"/>
+                <p16:designElem xmlns:p16="http://schemas.microsoft.com/office/powerpoint/2015/main" xmlns="" val="1"/>
               </p:ext>
             </p:extLst>
           </p:nvPr>
@@ -5081,7 +5081,7 @@
           <p:cNvPr id="2" name="Title 1">
             <a:extLst>
               <a:ext uri="{FF2B5EF4-FFF2-40B4-BE49-F238E27FC236}">
-                <a16:creationId xmlns:a16="http://schemas.microsoft.com/office/drawing/2014/main" id="{8889499D-19E6-427B-B727-0C2FA93DD911}"/>
+                <a16:creationId xmlns:a16="http://schemas.microsoft.com/office/drawing/2014/main" xmlns="" id="{8889499D-19E6-427B-B727-0C2FA93DD911}"/>
               </a:ext>
             </a:extLst>
           </p:cNvPr>
@@ -5347,10 +5347,10 @@
           <p:cNvPr id="7" name="Rectangle 6">
             <a:extLst>
               <a:ext uri="{FF2B5EF4-FFF2-40B4-BE49-F238E27FC236}">
-                <a16:creationId xmlns:a16="http://schemas.microsoft.com/office/drawing/2014/main" id="{23522FE7-5A29-4EF6-B1EF-2CA55748A772}"/>
+                <a16:creationId xmlns:a16="http://schemas.microsoft.com/office/drawing/2014/main" xmlns="" id="{23522FE7-5A29-4EF6-B1EF-2CA55748A772}"/>
               </a:ext>
               <a:ext uri="{C183D7F6-B498-43B3-948B-1728B52AA6E4}">
-                <adec:decorative xmlns:adec="http://schemas.microsoft.com/office/drawing/2017/decorative" val="1"/>
+                <adec:decorative xmlns:adec="http://schemas.microsoft.com/office/drawing/2017/decorative" xmlns="" val="1"/>
               </a:ext>
             </a:extLst>
           </p:cNvPr>
@@ -5360,7 +5360,7 @@
           <p:nvPr>
             <p:extLst>
               <p:ext uri="{386F3935-93C4-4BCD-93E2-E3B085C9AB24}">
-                <p16:designElem xmlns:p16="http://schemas.microsoft.com/office/powerpoint/2015/main" val="1"/>
+                <p16:designElem xmlns:p16="http://schemas.microsoft.com/office/powerpoint/2015/main" xmlns="" val="1"/>
               </p:ext>
             </p:extLst>
           </p:nvPr>
@@ -5413,10 +5413,10 @@
           <p:cNvPr id="9" name="Picture 8">
             <a:extLst>
               <a:ext uri="{FF2B5EF4-FFF2-40B4-BE49-F238E27FC236}">
-                <a16:creationId xmlns:a16="http://schemas.microsoft.com/office/drawing/2014/main" id="{C2192E09-EBC7-416C-B887-DFF915D7F43D}"/>
+                <a16:creationId xmlns:a16="http://schemas.microsoft.com/office/drawing/2014/main" xmlns="" id="{C2192E09-EBC7-416C-B887-DFF915D7F43D}"/>
               </a:ext>
               <a:ext uri="{C183D7F6-B498-43B3-948B-1728B52AA6E4}">
-                <adec:decorative xmlns:adec="http://schemas.microsoft.com/office/drawing/2017/decorative" val="1"/>
+                <adec:decorative xmlns:adec="http://schemas.microsoft.com/office/drawing/2017/decorative" xmlns="" val="1"/>
               </a:ext>
             </a:extLst>
           </p:cNvPr>
@@ -5426,7 +5426,7 @@
           <p:nvPr>
             <p:extLst>
               <p:ext uri="{386F3935-93C4-4BCD-93E2-E3B085C9AB24}">
-                <p16:designElem xmlns:p16="http://schemas.microsoft.com/office/powerpoint/2015/main" val="1"/>
+                <p16:designElem xmlns:p16="http://schemas.microsoft.com/office/powerpoint/2015/main" xmlns="" val="1"/>
               </p:ext>
             </p:extLst>
           </p:nvPr>
@@ -5457,10 +5457,10 @@
           <p:cNvPr id="11" name="Straight Connector 10">
             <a:extLst>
               <a:ext uri="{FF2B5EF4-FFF2-40B4-BE49-F238E27FC236}">
-                <a16:creationId xmlns:a16="http://schemas.microsoft.com/office/drawing/2014/main" id="{2924498D-E084-44BE-A196-CFCE35564350}"/>
+                <a16:creationId xmlns:a16="http://schemas.microsoft.com/office/drawing/2014/main" xmlns="" id="{2924498D-E084-44BE-A196-CFCE35564350}"/>
               </a:ext>
               <a:ext uri="{C183D7F6-B498-43B3-948B-1728B52AA6E4}">
-                <adec:decorative xmlns:adec="http://schemas.microsoft.com/office/drawing/2017/decorative" val="1"/>
+                <adec:decorative xmlns:adec="http://schemas.microsoft.com/office/drawing/2017/decorative" xmlns="" val="1"/>
               </a:ext>
             </a:extLst>
           </p:cNvPr>
@@ -5470,7 +5470,7 @@
           <p:nvPr>
             <p:extLst>
               <p:ext uri="{386F3935-93C4-4BCD-93E2-E3B085C9AB24}">
-                <p16:designElem xmlns:p16="http://schemas.microsoft.com/office/powerpoint/2015/main" val="1"/>
+                <p16:designElem xmlns:p16="http://schemas.microsoft.com/office/powerpoint/2015/main" xmlns="" val="1"/>
               </p:ext>
             </p:extLst>
           </p:nvPr>
@@ -5511,10 +5511,10 @@
           <p:cNvPr id="13" name="Straight Connector 12">
             <a:extLst>
               <a:ext uri="{FF2B5EF4-FFF2-40B4-BE49-F238E27FC236}">
-                <a16:creationId xmlns:a16="http://schemas.microsoft.com/office/drawing/2014/main" id="{3BBC7667-C352-4842-9AFD-E5C16AD002F4}"/>
+                <a16:creationId xmlns:a16="http://schemas.microsoft.com/office/drawing/2014/main" xmlns="" id="{3BBC7667-C352-4842-9AFD-E5C16AD002F4}"/>
               </a:ext>
               <a:ext uri="{C183D7F6-B498-43B3-948B-1728B52AA6E4}">
-                <adec:decorative xmlns:adec="http://schemas.microsoft.com/office/drawing/2017/decorative" val="1"/>
+                <adec:decorative xmlns:adec="http://schemas.microsoft.com/office/drawing/2017/decorative" xmlns="" val="1"/>
               </a:ext>
             </a:extLst>
           </p:cNvPr>
@@ -5524,7 +5524,7 @@
           <p:nvPr>
             <p:extLst>
               <p:ext uri="{386F3935-93C4-4BCD-93E2-E3B085C9AB24}">
-                <p16:designElem xmlns:p16="http://schemas.microsoft.com/office/powerpoint/2015/main" val="1"/>
+                <p16:designElem xmlns:p16="http://schemas.microsoft.com/office/powerpoint/2015/main" xmlns="" val="1"/>
               </p:ext>
             </p:extLst>
           </p:nvPr>
@@ -5559,10 +5559,10 @@
           <p:cNvPr id="15" name="Rectangle 14">
             <a:extLst>
               <a:ext uri="{FF2B5EF4-FFF2-40B4-BE49-F238E27FC236}">
-                <a16:creationId xmlns:a16="http://schemas.microsoft.com/office/drawing/2014/main" id="{F0AB17F6-592B-45CB-96F6-705C9825AFBC}"/>
+                <a16:creationId xmlns:a16="http://schemas.microsoft.com/office/drawing/2014/main" xmlns="" id="{F0AB17F6-592B-45CB-96F6-705C9825AFBC}"/>
               </a:ext>
               <a:ext uri="{C183D7F6-B498-43B3-948B-1728B52AA6E4}">
-                <adec:decorative xmlns:adec="http://schemas.microsoft.com/office/drawing/2017/decorative" val="1"/>
+                <adec:decorative xmlns:adec="http://schemas.microsoft.com/office/drawing/2017/decorative" xmlns="" val="1"/>
               </a:ext>
             </a:extLst>
           </p:cNvPr>
@@ -5572,7 +5572,7 @@
           <p:nvPr>
             <p:extLst>
               <p:ext uri="{386F3935-93C4-4BCD-93E2-E3B085C9AB24}">
-                <p16:designElem xmlns:p16="http://schemas.microsoft.com/office/powerpoint/2015/main" val="1"/>
+                <p16:designElem xmlns:p16="http://schemas.microsoft.com/office/powerpoint/2015/main" xmlns="" val="1"/>
               </p:ext>
             </p:extLst>
           </p:nvPr>
@@ -5619,7 +5619,7 @@
           <p:cNvPr id="2" name="Title 1">
             <a:extLst>
               <a:ext uri="{FF2B5EF4-FFF2-40B4-BE49-F238E27FC236}">
-                <a16:creationId xmlns:a16="http://schemas.microsoft.com/office/drawing/2014/main" id="{6FC29038-DDBC-4BFF-89F4-CE1EC9E6EEB3}"/>
+                <a16:creationId xmlns:a16="http://schemas.microsoft.com/office/drawing/2014/main" xmlns="" id="{6FC29038-DDBC-4BFF-89F4-CE1EC9E6EEB3}"/>
               </a:ext>
             </a:extLst>
           </p:cNvPr>
@@ -5659,10 +5659,10 @@
           <p:cNvPr id="17" name="Straight Connector 16">
             <a:extLst>
               <a:ext uri="{FF2B5EF4-FFF2-40B4-BE49-F238E27FC236}">
-                <a16:creationId xmlns:a16="http://schemas.microsoft.com/office/drawing/2014/main" id="{5A9284E7-0823-472D-9963-18D89DFEB8B4}"/>
+                <a16:creationId xmlns:a16="http://schemas.microsoft.com/office/drawing/2014/main" xmlns="" id="{5A9284E7-0823-472D-9963-18D89DFEB8B4}"/>
               </a:ext>
               <a:ext uri="{C183D7F6-B498-43B3-948B-1728B52AA6E4}">
-                <adec:decorative xmlns:adec="http://schemas.microsoft.com/office/drawing/2017/decorative" val="1"/>
+                <adec:decorative xmlns:adec="http://schemas.microsoft.com/office/drawing/2017/decorative" xmlns="" val="1"/>
               </a:ext>
             </a:extLst>
           </p:cNvPr>
@@ -5672,7 +5672,7 @@
           <p:nvPr>
             <p:extLst>
               <p:ext uri="{386F3935-93C4-4BCD-93E2-E3B085C9AB24}">
-                <p16:designElem xmlns:p16="http://schemas.microsoft.com/office/powerpoint/2015/main" val="1"/>
+                <p16:designElem xmlns:p16="http://schemas.microsoft.com/office/powerpoint/2015/main" xmlns="" val="1"/>
               </p:ext>
             </p:extLst>
           </p:nvPr>
@@ -5761,7 +5761,7 @@
           <p:cNvPr id="2" name="Title 1">
             <a:extLst>
               <a:ext uri="{FF2B5EF4-FFF2-40B4-BE49-F238E27FC236}">
-                <a16:creationId xmlns:a16="http://schemas.microsoft.com/office/drawing/2014/main" id="{F01D79B6-8945-4B13-8E99-94D3944484CC}"/>
+                <a16:creationId xmlns:a16="http://schemas.microsoft.com/office/drawing/2014/main" xmlns="" id="{F01D79B6-8945-4B13-8E99-94D3944484CC}"/>
               </a:ext>
             </a:extLst>
           </p:cNvPr>
@@ -5797,7 +5797,7 @@
           <p:cNvPr id="62" name="Content Placeholder 61">
             <a:extLst>
               <a:ext uri="{FF2B5EF4-FFF2-40B4-BE49-F238E27FC236}">
-                <a16:creationId xmlns:a16="http://schemas.microsoft.com/office/drawing/2014/main" id="{197D4776-45F9-93C9-A54F-76CB03469F81}"/>
+                <a16:creationId xmlns:a16="http://schemas.microsoft.com/office/drawing/2014/main" xmlns="" id="{197D4776-45F9-93C9-A54F-76CB03469F81}"/>
               </a:ext>
             </a:extLst>
           </p:cNvPr>
@@ -5864,7 +5864,7 @@
       </p:sp>
       <p:pic>
         <p:nvPicPr>
-          <p:cNvPr id="3074" name="Picture 2" descr="C:\Users\quang\Desktop\Class\Social_media_impact\Jupyter_Notebook\analysis\Fig2.png"/>
+          <p:cNvPr id="1026" name="Picture 2" descr="C:\Users\quang\Desktop\Class\Social_media_impact\Jupyter_Notebook\analysis\Fig2.png"/>
           <p:cNvPicPr>
             <a:picLocks noChangeAspect="1" noChangeArrowheads="1"/>
           </p:cNvPicPr>
@@ -5885,7 +5885,7 @@
         </p:blipFill>
         <p:spPr bwMode="auto">
           <a:xfrm>
-            <a:off x="5602065" y="1970734"/>
+            <a:off x="5581530" y="1992157"/>
             <a:ext cx="5486400" cy="3657600"/>
           </a:xfrm>
           <a:prstGeom prst="rect">
@@ -5938,7 +5938,7 @@
           <p:cNvPr id="2" name="Title 1">
             <a:extLst>
               <a:ext uri="{FF2B5EF4-FFF2-40B4-BE49-F238E27FC236}">
-                <a16:creationId xmlns:a16="http://schemas.microsoft.com/office/drawing/2014/main" id="{F01D79B6-8945-4B13-8E99-94D3944484CC}"/>
+                <a16:creationId xmlns:a16="http://schemas.microsoft.com/office/drawing/2014/main" xmlns="" id="{F01D79B6-8945-4B13-8E99-94D3944484CC}"/>
               </a:ext>
             </a:extLst>
           </p:cNvPr>
@@ -5982,7 +5982,7 @@
           <p:cNvPr id="62" name="Content Placeholder 61">
             <a:extLst>
               <a:ext uri="{FF2B5EF4-FFF2-40B4-BE49-F238E27FC236}">
-                <a16:creationId xmlns:a16="http://schemas.microsoft.com/office/drawing/2014/main" id="{197D4776-45F9-93C9-A54F-76CB03469F81}"/>
+                <a16:creationId xmlns:a16="http://schemas.microsoft.com/office/drawing/2014/main" xmlns="" id="{197D4776-45F9-93C9-A54F-76CB03469F81}"/>
               </a:ext>
             </a:extLst>
           </p:cNvPr>
@@ -6049,7 +6049,7 @@
       </p:sp>
       <p:pic>
         <p:nvPicPr>
-          <p:cNvPr id="4098" name="Picture 2" descr="C:\Users\quang\Desktop\Class\Social_media_impact\Jupyter_Notebook\analysis\Fig3.png"/>
+          <p:cNvPr id="2050" name="Picture 2" descr="C:\Users\quang\Desktop\Class\Social_media_impact\Jupyter_Notebook\analysis\Fig3.png"/>
           <p:cNvPicPr>
             <a:picLocks noChangeAspect="1" noChangeArrowheads="1"/>
           </p:cNvPicPr>
@@ -6070,7 +6070,7 @@
         </p:blipFill>
         <p:spPr bwMode="auto">
           <a:xfrm>
-            <a:off x="5582657" y="1970712"/>
+            <a:off x="5580871" y="1992756"/>
             <a:ext cx="5486400" cy="3657600"/>
           </a:xfrm>
           <a:prstGeom prst="rect">
@@ -6123,7 +6123,7 @@
           <p:cNvPr id="2" name="Title 1">
             <a:extLst>
               <a:ext uri="{FF2B5EF4-FFF2-40B4-BE49-F238E27FC236}">
-                <a16:creationId xmlns:a16="http://schemas.microsoft.com/office/drawing/2014/main" id="{F01D79B6-8945-4B13-8E99-94D3944484CC}"/>
+                <a16:creationId xmlns:a16="http://schemas.microsoft.com/office/drawing/2014/main" xmlns="" id="{F01D79B6-8945-4B13-8E99-94D3944484CC}"/>
               </a:ext>
             </a:extLst>
           </p:cNvPr>
@@ -6156,7 +6156,7 @@
       </p:sp>
       <p:pic>
         <p:nvPicPr>
-          <p:cNvPr id="5122" name="Picture 2" descr="C:\Users\quang\Desktop\Class\Social_media_impact\Jupyter_Notebook\analysis\Fig4.png"/>
+          <p:cNvPr id="3075" name="Picture 3" descr="C:\Users\quang\Desktop\Class\Social_media_impact\Jupyter_Notebook\analysis\Fig4.png"/>
           <p:cNvPicPr>
             <a:picLocks noChangeAspect="1" noChangeArrowheads="1"/>
           </p:cNvPicPr>
@@ -6177,8 +6177,8 @@
         </p:blipFill>
         <p:spPr bwMode="auto">
           <a:xfrm>
-            <a:off x="3258356" y="1971236"/>
-            <a:ext cx="5785386" cy="3856924"/>
+            <a:off x="2311878" y="1988742"/>
+            <a:ext cx="7962121" cy="3981061"/>
           </a:xfrm>
           <a:prstGeom prst="rect">
             <a:avLst/>
@@ -6254,10 +6254,10 @@
           <p:cNvPr id="7" name="Rectangle 6">
             <a:extLst>
               <a:ext uri="{FF2B5EF4-FFF2-40B4-BE49-F238E27FC236}">
-                <a16:creationId xmlns:a16="http://schemas.microsoft.com/office/drawing/2014/main" id="{23522FE7-5A29-4EF6-B1EF-2CA55748A772}"/>
+                <a16:creationId xmlns:a16="http://schemas.microsoft.com/office/drawing/2014/main" xmlns="" id="{23522FE7-5A29-4EF6-B1EF-2CA55748A772}"/>
               </a:ext>
               <a:ext uri="{C183D7F6-B498-43B3-948B-1728B52AA6E4}">
-                <adec:decorative xmlns:adec="http://schemas.microsoft.com/office/drawing/2017/decorative" val="1"/>
+                <adec:decorative xmlns:adec="http://schemas.microsoft.com/office/drawing/2017/decorative" xmlns="" val="1"/>
               </a:ext>
             </a:extLst>
           </p:cNvPr>
@@ -6267,7 +6267,7 @@
           <p:nvPr>
             <p:extLst>
               <p:ext uri="{386F3935-93C4-4BCD-93E2-E3B085C9AB24}">
-                <p16:designElem xmlns:p16="http://schemas.microsoft.com/office/powerpoint/2015/main" val="1"/>
+                <p16:designElem xmlns:p16="http://schemas.microsoft.com/office/powerpoint/2015/main" xmlns="" val="1"/>
               </p:ext>
             </p:extLst>
           </p:nvPr>
@@ -6320,10 +6320,10 @@
           <p:cNvPr id="9" name="Picture 8">
             <a:extLst>
               <a:ext uri="{FF2B5EF4-FFF2-40B4-BE49-F238E27FC236}">
-                <a16:creationId xmlns:a16="http://schemas.microsoft.com/office/drawing/2014/main" id="{C2192E09-EBC7-416C-B887-DFF915D7F43D}"/>
+                <a16:creationId xmlns:a16="http://schemas.microsoft.com/office/drawing/2014/main" xmlns="" id="{C2192E09-EBC7-416C-B887-DFF915D7F43D}"/>
               </a:ext>
               <a:ext uri="{C183D7F6-B498-43B3-948B-1728B52AA6E4}">
-                <adec:decorative xmlns:adec="http://schemas.microsoft.com/office/drawing/2017/decorative" val="1"/>
+                <adec:decorative xmlns:adec="http://schemas.microsoft.com/office/drawing/2017/decorative" xmlns="" val="1"/>
               </a:ext>
             </a:extLst>
           </p:cNvPr>
@@ -6333,7 +6333,7 @@
           <p:nvPr>
             <p:extLst>
               <p:ext uri="{386F3935-93C4-4BCD-93E2-E3B085C9AB24}">
-                <p16:designElem xmlns:p16="http://schemas.microsoft.com/office/powerpoint/2015/main" val="1"/>
+                <p16:designElem xmlns:p16="http://schemas.microsoft.com/office/powerpoint/2015/main" xmlns="" val="1"/>
               </p:ext>
             </p:extLst>
           </p:nvPr>
@@ -6364,10 +6364,10 @@
           <p:cNvPr id="11" name="Straight Connector 10">
             <a:extLst>
               <a:ext uri="{FF2B5EF4-FFF2-40B4-BE49-F238E27FC236}">
-                <a16:creationId xmlns:a16="http://schemas.microsoft.com/office/drawing/2014/main" id="{2924498D-E084-44BE-A196-CFCE35564350}"/>
+                <a16:creationId xmlns:a16="http://schemas.microsoft.com/office/drawing/2014/main" xmlns="" id="{2924498D-E084-44BE-A196-CFCE35564350}"/>
               </a:ext>
               <a:ext uri="{C183D7F6-B498-43B3-948B-1728B52AA6E4}">
-                <adec:decorative xmlns:adec="http://schemas.microsoft.com/office/drawing/2017/decorative" val="1"/>
+                <adec:decorative xmlns:adec="http://schemas.microsoft.com/office/drawing/2017/decorative" xmlns="" val="1"/>
               </a:ext>
             </a:extLst>
           </p:cNvPr>
@@ -6377,7 +6377,7 @@
           <p:nvPr>
             <p:extLst>
               <p:ext uri="{386F3935-93C4-4BCD-93E2-E3B085C9AB24}">
-                <p16:designElem xmlns:p16="http://schemas.microsoft.com/office/powerpoint/2015/main" val="1"/>
+                <p16:designElem xmlns:p16="http://schemas.microsoft.com/office/powerpoint/2015/main" xmlns="" val="1"/>
               </p:ext>
             </p:extLst>
           </p:nvPr>
@@ -6418,10 +6418,10 @@
           <p:cNvPr id="13" name="Straight Connector 12">
             <a:extLst>
               <a:ext uri="{FF2B5EF4-FFF2-40B4-BE49-F238E27FC236}">
-                <a16:creationId xmlns:a16="http://schemas.microsoft.com/office/drawing/2014/main" id="{3BBC7667-C352-4842-9AFD-E5C16AD002F4}"/>
+                <a16:creationId xmlns:a16="http://schemas.microsoft.com/office/drawing/2014/main" xmlns="" id="{3BBC7667-C352-4842-9AFD-E5C16AD002F4}"/>
               </a:ext>
               <a:ext uri="{C183D7F6-B498-43B3-948B-1728B52AA6E4}">
-                <adec:decorative xmlns:adec="http://schemas.microsoft.com/office/drawing/2017/decorative" val="1"/>
+                <adec:decorative xmlns:adec="http://schemas.microsoft.com/office/drawing/2017/decorative" xmlns="" val="1"/>
               </a:ext>
             </a:extLst>
           </p:cNvPr>
@@ -6431,7 +6431,7 @@
           <p:nvPr>
             <p:extLst>
               <p:ext uri="{386F3935-93C4-4BCD-93E2-E3B085C9AB24}">
-                <p16:designElem xmlns:p16="http://schemas.microsoft.com/office/powerpoint/2015/main" val="1"/>
+                <p16:designElem xmlns:p16="http://schemas.microsoft.com/office/powerpoint/2015/main" xmlns="" val="1"/>
               </p:ext>
             </p:extLst>
           </p:nvPr>
@@ -6466,10 +6466,10 @@
           <p:cNvPr id="15" name="Rectangle 14">
             <a:extLst>
               <a:ext uri="{FF2B5EF4-FFF2-40B4-BE49-F238E27FC236}">
-                <a16:creationId xmlns:a16="http://schemas.microsoft.com/office/drawing/2014/main" id="{F0AB17F6-592B-45CB-96F6-705C9825AFBC}"/>
+                <a16:creationId xmlns:a16="http://schemas.microsoft.com/office/drawing/2014/main" xmlns="" id="{F0AB17F6-592B-45CB-96F6-705C9825AFBC}"/>
               </a:ext>
               <a:ext uri="{C183D7F6-B498-43B3-948B-1728B52AA6E4}">
-                <adec:decorative xmlns:adec="http://schemas.microsoft.com/office/drawing/2017/decorative" val="1"/>
+                <adec:decorative xmlns:adec="http://schemas.microsoft.com/office/drawing/2017/decorative" xmlns="" val="1"/>
               </a:ext>
             </a:extLst>
           </p:cNvPr>
@@ -6479,7 +6479,7 @@
           <p:nvPr>
             <p:extLst>
               <p:ext uri="{386F3935-93C4-4BCD-93E2-E3B085C9AB24}">
-                <p16:designElem xmlns:p16="http://schemas.microsoft.com/office/powerpoint/2015/main" val="1"/>
+                <p16:designElem xmlns:p16="http://schemas.microsoft.com/office/powerpoint/2015/main" xmlns="" val="1"/>
               </p:ext>
             </p:extLst>
           </p:nvPr>
@@ -6526,7 +6526,7 @@
           <p:cNvPr id="2" name="Title 1">
             <a:extLst>
               <a:ext uri="{FF2B5EF4-FFF2-40B4-BE49-F238E27FC236}">
-                <a16:creationId xmlns:a16="http://schemas.microsoft.com/office/drawing/2014/main" id="{6FC29038-DDBC-4BFF-89F4-CE1EC9E6EEB3}"/>
+                <a16:creationId xmlns:a16="http://schemas.microsoft.com/office/drawing/2014/main" xmlns="" id="{6FC29038-DDBC-4BFF-89F4-CE1EC9E6EEB3}"/>
               </a:ext>
             </a:extLst>
           </p:cNvPr>
@@ -6566,10 +6566,10 @@
           <p:cNvPr id="17" name="Straight Connector 16">
             <a:extLst>
               <a:ext uri="{FF2B5EF4-FFF2-40B4-BE49-F238E27FC236}">
-                <a16:creationId xmlns:a16="http://schemas.microsoft.com/office/drawing/2014/main" id="{5A9284E7-0823-472D-9963-18D89DFEB8B4}"/>
+                <a16:creationId xmlns:a16="http://schemas.microsoft.com/office/drawing/2014/main" xmlns="" id="{5A9284E7-0823-472D-9963-18D89DFEB8B4}"/>
               </a:ext>
               <a:ext uri="{C183D7F6-B498-43B3-948B-1728B52AA6E4}">
-                <adec:decorative xmlns:adec="http://schemas.microsoft.com/office/drawing/2017/decorative" val="1"/>
+                <adec:decorative xmlns:adec="http://schemas.microsoft.com/office/drawing/2017/decorative" xmlns="" val="1"/>
               </a:ext>
             </a:extLst>
           </p:cNvPr>
@@ -6579,7 +6579,7 @@
           <p:nvPr>
             <p:extLst>
               <p:ext uri="{386F3935-93C4-4BCD-93E2-E3B085C9AB24}">
-                <p16:designElem xmlns:p16="http://schemas.microsoft.com/office/powerpoint/2015/main" val="1"/>
+                <p16:designElem xmlns:p16="http://schemas.microsoft.com/office/powerpoint/2015/main" xmlns="" val="1"/>
               </p:ext>
             </p:extLst>
           </p:nvPr>
@@ -6668,10 +6668,10 @@
           <p:cNvPr id="90" name="Rectangle 89">
             <a:extLst>
               <a:ext uri="{FF2B5EF4-FFF2-40B4-BE49-F238E27FC236}">
-                <a16:creationId xmlns:a16="http://schemas.microsoft.com/office/drawing/2014/main" id="{9AB26DBC-1F7F-4AC0-A88C-69712701E629}"/>
+                <a16:creationId xmlns:a16="http://schemas.microsoft.com/office/drawing/2014/main" xmlns="" id="{9AB26DBC-1F7F-4AC0-A88C-69712701E629}"/>
               </a:ext>
               <a:ext uri="{C183D7F6-B498-43B3-948B-1728B52AA6E4}">
-                <adec:decorative xmlns:adec="http://schemas.microsoft.com/office/drawing/2017/decorative" val="1"/>
+                <adec:decorative xmlns:adec="http://schemas.microsoft.com/office/drawing/2017/decorative" xmlns="" val="1"/>
               </a:ext>
             </a:extLst>
           </p:cNvPr>
@@ -6681,7 +6681,7 @@
           <p:nvPr>
             <p:extLst>
               <p:ext uri="{386F3935-93C4-4BCD-93E2-E3B085C9AB24}">
-                <p16:designElem xmlns:p16="http://schemas.microsoft.com/office/powerpoint/2015/main" val="1"/>
+                <p16:designElem xmlns:p16="http://schemas.microsoft.com/office/powerpoint/2015/main" xmlns="" val="1"/>
               </p:ext>
             </p:extLst>
           </p:nvPr>
@@ -6728,10 +6728,10 @@
           <p:cNvPr id="92" name="Rectangle 91">
             <a:extLst>
               <a:ext uri="{FF2B5EF4-FFF2-40B4-BE49-F238E27FC236}">
-                <a16:creationId xmlns:a16="http://schemas.microsoft.com/office/drawing/2014/main" id="{6F099884-7695-4976-8EBD-ECB5AF05355F}"/>
+                <a16:creationId xmlns:a16="http://schemas.microsoft.com/office/drawing/2014/main" xmlns="" id="{6F099884-7695-4976-8EBD-ECB5AF05355F}"/>
               </a:ext>
               <a:ext uri="{C183D7F6-B498-43B3-948B-1728B52AA6E4}">
-                <adec:decorative xmlns:adec="http://schemas.microsoft.com/office/drawing/2017/decorative" val="1"/>
+                <adec:decorative xmlns:adec="http://schemas.microsoft.com/office/drawing/2017/decorative" xmlns="" val="1"/>
               </a:ext>
             </a:extLst>
           </p:cNvPr>
@@ -6741,7 +6741,7 @@
           <p:nvPr>
             <p:extLst>
               <p:ext uri="{386F3935-93C4-4BCD-93E2-E3B085C9AB24}">
-                <p16:designElem xmlns:p16="http://schemas.microsoft.com/office/powerpoint/2015/main" val="1"/>
+                <p16:designElem xmlns:p16="http://schemas.microsoft.com/office/powerpoint/2015/main" xmlns="" val="1"/>
               </p:ext>
             </p:extLst>
           </p:nvPr>
@@ -6802,7 +6802,7 @@
           <p:cNvPr id="2" name="Title 1">
             <a:extLst>
               <a:ext uri="{FF2B5EF4-FFF2-40B4-BE49-F238E27FC236}">
-                <a16:creationId xmlns:a16="http://schemas.microsoft.com/office/drawing/2014/main" id="{2E025604-A81D-4F18-82B3-98894BAF829C}"/>
+                <a16:creationId xmlns:a16="http://schemas.microsoft.com/office/drawing/2014/main" xmlns="" id="{2E025604-A81D-4F18-82B3-98894BAF829C}"/>
               </a:ext>
             </a:extLst>
           </p:cNvPr>
@@ -6837,7 +6837,7 @@
           <p:cNvPr id="3" name="Subtitle 2">
             <a:extLst>
               <a:ext uri="{FF2B5EF4-FFF2-40B4-BE49-F238E27FC236}">
-                <a16:creationId xmlns:a16="http://schemas.microsoft.com/office/drawing/2014/main" id="{E9D15432-801C-4592-9DCE-0CB4042BB4CA}"/>
+                <a16:creationId xmlns:a16="http://schemas.microsoft.com/office/drawing/2014/main" xmlns="" id="{E9D15432-801C-4592-9DCE-0CB4042BB4CA}"/>
               </a:ext>
             </a:extLst>
           </p:cNvPr>
@@ -6962,10 +6962,10 @@
           <p:cNvPr id="94" name="Group 93">
             <a:extLst>
               <a:ext uri="{FF2B5EF4-FFF2-40B4-BE49-F238E27FC236}">
-                <a16:creationId xmlns:a16="http://schemas.microsoft.com/office/drawing/2014/main" id="{32F6B6B9-C579-41A6-A7D1-A7AB4AA6D233}"/>
+                <a16:creationId xmlns:a16="http://schemas.microsoft.com/office/drawing/2014/main" xmlns="" id="{32F6B6B9-C579-41A6-A7D1-A7AB4AA6D233}"/>
               </a:ext>
               <a:ext uri="{C183D7F6-B498-43B3-948B-1728B52AA6E4}">
-                <adec:decorative xmlns:adec="http://schemas.microsoft.com/office/drawing/2017/decorative" val="1"/>
+                <adec:decorative xmlns:adec="http://schemas.microsoft.com/office/drawing/2017/decorative" xmlns="" val="1"/>
               </a:ext>
             </a:extLst>
           </p:cNvPr>
@@ -6975,7 +6975,7 @@
           <p:nvPr>
             <p:extLst>
               <p:ext uri="{386F3935-93C4-4BCD-93E2-E3B085C9AB24}">
-                <p16:designElem xmlns:p16="http://schemas.microsoft.com/office/powerpoint/2015/main" val="1"/>
+                <p16:designElem xmlns:p16="http://schemas.microsoft.com/office/powerpoint/2015/main" xmlns="" val="1"/>
               </p:ext>
             </p:extLst>
           </p:nvPr>
@@ -6993,10 +6993,10 @@
             <p:cNvPr id="95" name="Rectangle 94">
               <a:extLst>
                 <a:ext uri="{FF2B5EF4-FFF2-40B4-BE49-F238E27FC236}">
-                  <a16:creationId xmlns:a16="http://schemas.microsoft.com/office/drawing/2014/main" id="{DC0B55B5-5A26-423B-ACDC-B151A280A1D6}"/>
+                  <a16:creationId xmlns:a16="http://schemas.microsoft.com/office/drawing/2014/main" xmlns="" id="{DC0B55B5-5A26-423B-ACDC-B151A280A1D6}"/>
                 </a:ext>
                 <a:ext uri="{C183D7F6-B498-43B3-948B-1728B52AA6E4}">
-                  <adec:decorative xmlns:adec="http://schemas.microsoft.com/office/drawing/2017/decorative" val="1"/>
+                  <adec:decorative xmlns:adec="http://schemas.microsoft.com/office/drawing/2017/decorative" xmlns="" val="1"/>
                 </a:ext>
               </a:extLst>
             </p:cNvPr>
@@ -7004,7 +7004,7 @@
             <p:nvPr>
               <p:extLst>
                 <p:ext uri="{386F3935-93C4-4BCD-93E2-E3B085C9AB24}">
-                  <p16:designElem xmlns:p16="http://schemas.microsoft.com/office/powerpoint/2015/main" val="1"/>
+                  <p16:designElem xmlns:p16="http://schemas.microsoft.com/office/powerpoint/2015/main" xmlns="" val="1"/>
                 </p:ext>
               </p:extLst>
             </p:nvPr>
@@ -7074,10 +7074,10 @@
             <p:cNvPr id="96" name="Rectangle 95">
               <a:extLst>
                 <a:ext uri="{FF2B5EF4-FFF2-40B4-BE49-F238E27FC236}">
-                  <a16:creationId xmlns:a16="http://schemas.microsoft.com/office/drawing/2014/main" id="{8AD2DF8D-6B65-43EB-86A8-9DB52572A032}"/>
+                  <a16:creationId xmlns:a16="http://schemas.microsoft.com/office/drawing/2014/main" xmlns="" id="{8AD2DF8D-6B65-43EB-86A8-9DB52572A032}"/>
                 </a:ext>
                 <a:ext uri="{C183D7F6-B498-43B3-948B-1728B52AA6E4}">
-                  <adec:decorative xmlns:adec="http://schemas.microsoft.com/office/drawing/2017/decorative" val="1"/>
+                  <adec:decorative xmlns:adec="http://schemas.microsoft.com/office/drawing/2017/decorative" xmlns="" val="1"/>
                 </a:ext>
               </a:extLst>
             </p:cNvPr>
@@ -7085,7 +7085,7 @@
             <p:nvPr>
               <p:extLst>
                 <p:ext uri="{386F3935-93C4-4BCD-93E2-E3B085C9AB24}">
-                  <p16:designElem xmlns:p16="http://schemas.microsoft.com/office/powerpoint/2015/main" val="1"/>
+                  <p16:designElem xmlns:p16="http://schemas.microsoft.com/office/powerpoint/2015/main" xmlns="" val="1"/>
                 </p:ext>
               </p:extLst>
             </p:nvPr>
@@ -7159,10 +7159,10 @@
           <p:cNvPr id="98" name="Rectangle 97">
             <a:extLst>
               <a:ext uri="{FF2B5EF4-FFF2-40B4-BE49-F238E27FC236}">
-                <a16:creationId xmlns:a16="http://schemas.microsoft.com/office/drawing/2014/main" id="{74163961-0280-48BA-BC84-97E03B009955}"/>
+                <a16:creationId xmlns:a16="http://schemas.microsoft.com/office/drawing/2014/main" xmlns="" id="{74163961-0280-48BA-BC84-97E03B009955}"/>
               </a:ext>
               <a:ext uri="{C183D7F6-B498-43B3-948B-1728B52AA6E4}">
-                <adec:decorative xmlns:adec="http://schemas.microsoft.com/office/drawing/2017/decorative" val="1"/>
+                <adec:decorative xmlns:adec="http://schemas.microsoft.com/office/drawing/2017/decorative" xmlns="" val="1"/>
               </a:ext>
             </a:extLst>
           </p:cNvPr>
@@ -7172,7 +7172,7 @@
           <p:nvPr>
             <p:extLst>
               <p:ext uri="{386F3935-93C4-4BCD-93E2-E3B085C9AB24}">
-                <p16:designElem xmlns:p16="http://schemas.microsoft.com/office/powerpoint/2015/main" val="1"/>
+                <p16:designElem xmlns:p16="http://schemas.microsoft.com/office/powerpoint/2015/main" xmlns="" val="1"/>
               </p:ext>
             </p:extLst>
           </p:nvPr>
@@ -7224,7 +7224,7 @@
           <p:cNvPr id="31" name="Picture 3" descr="Scribbles on a notebook">
             <a:extLst>
               <a:ext uri="{FF2B5EF4-FFF2-40B4-BE49-F238E27FC236}">
-                <a16:creationId xmlns:a16="http://schemas.microsoft.com/office/drawing/2014/main" id="{552BC37F-B83E-0A14-C568-9D7AF3908C92}"/>
+                <a16:creationId xmlns:a16="http://schemas.microsoft.com/office/drawing/2014/main" xmlns="" id="{552BC37F-B83E-0A14-C568-9D7AF3908C92}"/>
               </a:ext>
             </a:extLst>
           </p:cNvPr>
@@ -7253,10 +7253,10 @@
           <p:cNvPr id="100" name="Straight Connector 99">
             <a:extLst>
               <a:ext uri="{FF2B5EF4-FFF2-40B4-BE49-F238E27FC236}">
-                <a16:creationId xmlns:a16="http://schemas.microsoft.com/office/drawing/2014/main" id="{BFAC20BB-5902-4D8F-9A2A-E4B516EF39DE}"/>
+                <a16:creationId xmlns:a16="http://schemas.microsoft.com/office/drawing/2014/main" xmlns="" id="{BFAC20BB-5902-4D8F-9A2A-E4B516EF39DE}"/>
               </a:ext>
               <a:ext uri="{C183D7F6-B498-43B3-948B-1728B52AA6E4}">
-                <adec:decorative xmlns:adec="http://schemas.microsoft.com/office/drawing/2017/decorative" val="1"/>
+                <adec:decorative xmlns:adec="http://schemas.microsoft.com/office/drawing/2017/decorative" xmlns="" val="1"/>
               </a:ext>
             </a:extLst>
           </p:cNvPr>
@@ -7266,7 +7266,7 @@
           <p:nvPr>
             <p:extLst>
               <p:ext uri="{386F3935-93C4-4BCD-93E2-E3B085C9AB24}">
-                <p16:designElem xmlns:p16="http://schemas.microsoft.com/office/powerpoint/2015/main" val="1"/>
+                <p16:designElem xmlns:p16="http://schemas.microsoft.com/office/powerpoint/2015/main" xmlns="" val="1"/>
               </p:ext>
             </p:extLst>
           </p:nvPr>
@@ -7301,10 +7301,10 @@
           <p:cNvPr id="159" name="Picture 101">
             <a:extLst>
               <a:ext uri="{FF2B5EF4-FFF2-40B4-BE49-F238E27FC236}">
-                <a16:creationId xmlns:a16="http://schemas.microsoft.com/office/drawing/2014/main" id="{FC7852F8-6371-4D0E-ADF1-AD67B8FD8F9E}"/>
+                <a16:creationId xmlns:a16="http://schemas.microsoft.com/office/drawing/2014/main" xmlns="" id="{FC7852F8-6371-4D0E-ADF1-AD67B8FD8F9E}"/>
               </a:ext>
               <a:ext uri="{C183D7F6-B498-43B3-948B-1728B52AA6E4}">
-                <adec:decorative xmlns:adec="http://schemas.microsoft.com/office/drawing/2017/decorative" val="1"/>
+                <adec:decorative xmlns:adec="http://schemas.microsoft.com/office/drawing/2017/decorative" xmlns="" val="1"/>
               </a:ext>
             </a:extLst>
           </p:cNvPr>
@@ -7314,7 +7314,7 @@
           <p:nvPr>
             <p:extLst>
               <p:ext uri="{386F3935-93C4-4BCD-93E2-E3B085C9AB24}">
-                <p16:designElem xmlns:p16="http://schemas.microsoft.com/office/powerpoint/2015/main" val="1"/>
+                <p16:designElem xmlns:p16="http://schemas.microsoft.com/office/powerpoint/2015/main" xmlns="" val="1"/>
               </p:ext>
             </p:extLst>
           </p:nvPr>
@@ -7345,10 +7345,10 @@
           <p:cNvPr id="160" name="Straight Connector 103">
             <a:extLst>
               <a:ext uri="{FF2B5EF4-FFF2-40B4-BE49-F238E27FC236}">
-                <a16:creationId xmlns:a16="http://schemas.microsoft.com/office/drawing/2014/main" id="{60356817-A471-4572-AE96-579F6D6BFD9B}"/>
+                <a16:creationId xmlns:a16="http://schemas.microsoft.com/office/drawing/2014/main" xmlns="" id="{60356817-A471-4572-AE96-579F6D6BFD9B}"/>
               </a:ext>
               <a:ext uri="{C183D7F6-B498-43B3-948B-1728B52AA6E4}">
-                <adec:decorative xmlns:adec="http://schemas.microsoft.com/office/drawing/2017/decorative" val="1"/>
+                <adec:decorative xmlns:adec="http://schemas.microsoft.com/office/drawing/2017/decorative" xmlns="" val="1"/>
               </a:ext>
             </a:extLst>
           </p:cNvPr>
@@ -7358,7 +7358,7 @@
           <p:nvPr>
             <p:extLst>
               <p:ext uri="{386F3935-93C4-4BCD-93E2-E3B085C9AB24}">
-                <p16:designElem xmlns:p16="http://schemas.microsoft.com/office/powerpoint/2015/main" val="1"/>
+                <p16:designElem xmlns:p16="http://schemas.microsoft.com/office/powerpoint/2015/main" xmlns="" val="1"/>
               </p:ext>
             </p:extLst>
           </p:nvPr>
@@ -7453,10 +7453,10 @@
           <p:cNvPr id="95" name="Rectangle 79">
             <a:extLst>
               <a:ext uri="{FF2B5EF4-FFF2-40B4-BE49-F238E27FC236}">
-                <a16:creationId xmlns:a16="http://schemas.microsoft.com/office/drawing/2014/main" id="{1669046F-5838-4C7A-BBE8-A77F40FD9C7F}"/>
+                <a16:creationId xmlns:a16="http://schemas.microsoft.com/office/drawing/2014/main" xmlns="" id="{1669046F-5838-4C7A-BBE8-A77F40FD9C7F}"/>
               </a:ext>
               <a:ext uri="{C183D7F6-B498-43B3-948B-1728B52AA6E4}">
-                <adec:decorative xmlns:adec="http://schemas.microsoft.com/office/drawing/2017/decorative" val="1"/>
+                <adec:decorative xmlns:adec="http://schemas.microsoft.com/office/drawing/2017/decorative" xmlns="" val="1"/>
               </a:ext>
             </a:extLst>
           </p:cNvPr>
@@ -7466,7 +7466,7 @@
           <p:nvPr>
             <p:extLst>
               <p:ext uri="{386F3935-93C4-4BCD-93E2-E3B085C9AB24}">
-                <p16:designElem xmlns:p16="http://schemas.microsoft.com/office/powerpoint/2015/main" val="1"/>
+                <p16:designElem xmlns:p16="http://schemas.microsoft.com/office/powerpoint/2015/main" xmlns="" val="1"/>
               </p:ext>
             </p:extLst>
           </p:nvPr>
@@ -7513,10 +7513,10 @@
           <p:cNvPr id="96" name="Rectangle 81">
             <a:extLst>
               <a:ext uri="{FF2B5EF4-FFF2-40B4-BE49-F238E27FC236}">
-                <a16:creationId xmlns:a16="http://schemas.microsoft.com/office/drawing/2014/main" id="{2D5E6CDB-92ED-43A1-9491-C46E2C8E9956}"/>
+                <a16:creationId xmlns:a16="http://schemas.microsoft.com/office/drawing/2014/main" xmlns="" id="{2D5E6CDB-92ED-43A1-9491-C46E2C8E9956}"/>
               </a:ext>
               <a:ext uri="{C183D7F6-B498-43B3-948B-1728B52AA6E4}">
-                <adec:decorative xmlns:adec="http://schemas.microsoft.com/office/drawing/2017/decorative" val="1"/>
+                <adec:decorative xmlns:adec="http://schemas.microsoft.com/office/drawing/2017/decorative" xmlns="" val="1"/>
               </a:ext>
             </a:extLst>
           </p:cNvPr>
@@ -7526,7 +7526,7 @@
           <p:nvPr>
             <p:extLst>
               <p:ext uri="{386F3935-93C4-4BCD-93E2-E3B085C9AB24}">
-                <p16:designElem xmlns:p16="http://schemas.microsoft.com/office/powerpoint/2015/main" val="1"/>
+                <p16:designElem xmlns:p16="http://schemas.microsoft.com/office/powerpoint/2015/main" xmlns="" val="1"/>
               </p:ext>
             </p:extLst>
           </p:nvPr>
@@ -7587,10 +7587,10 @@
           <p:cNvPr id="97" name="Group 83">
             <a:extLst>
               <a:ext uri="{FF2B5EF4-FFF2-40B4-BE49-F238E27FC236}">
-                <a16:creationId xmlns:a16="http://schemas.microsoft.com/office/drawing/2014/main" id="{EBB966BC-DC49-4138-8DEF-B1CD13033926}"/>
+                <a16:creationId xmlns:a16="http://schemas.microsoft.com/office/drawing/2014/main" xmlns="" id="{EBB966BC-DC49-4138-8DEF-B1CD13033926}"/>
               </a:ext>
               <a:ext uri="{C183D7F6-B498-43B3-948B-1728B52AA6E4}">
-                <adec:decorative xmlns:adec="http://schemas.microsoft.com/office/drawing/2017/decorative" val="1"/>
+                <adec:decorative xmlns:adec="http://schemas.microsoft.com/office/drawing/2017/decorative" xmlns="" val="1"/>
               </a:ext>
             </a:extLst>
           </p:cNvPr>
@@ -7600,7 +7600,7 @@
           <p:nvPr>
             <p:extLst>
               <p:ext uri="{386F3935-93C4-4BCD-93E2-E3B085C9AB24}">
-                <p16:designElem xmlns:p16="http://schemas.microsoft.com/office/powerpoint/2015/main" val="1"/>
+                <p16:designElem xmlns:p16="http://schemas.microsoft.com/office/powerpoint/2015/main" xmlns="" val="1"/>
               </p:ext>
             </p:extLst>
           </p:nvPr>
@@ -7618,10 +7618,10 @@
             <p:cNvPr id="85" name="Rectangle 84">
               <a:extLst>
                 <a:ext uri="{FF2B5EF4-FFF2-40B4-BE49-F238E27FC236}">
-                  <a16:creationId xmlns:a16="http://schemas.microsoft.com/office/drawing/2014/main" id="{EDD0BD06-EC5B-4F0E-A221-562BC2BA69B2}"/>
+                  <a16:creationId xmlns:a16="http://schemas.microsoft.com/office/drawing/2014/main" xmlns="" id="{EDD0BD06-EC5B-4F0E-A221-562BC2BA69B2}"/>
                 </a:ext>
                 <a:ext uri="{C183D7F6-B498-43B3-948B-1728B52AA6E4}">
-                  <adec:decorative xmlns:adec="http://schemas.microsoft.com/office/drawing/2017/decorative" val="1"/>
+                  <adec:decorative xmlns:adec="http://schemas.microsoft.com/office/drawing/2017/decorative" xmlns="" val="1"/>
                 </a:ext>
               </a:extLst>
             </p:cNvPr>
@@ -7629,7 +7629,7 @@
             <p:nvPr>
               <p:extLst>
                 <p:ext uri="{386F3935-93C4-4BCD-93E2-E3B085C9AB24}">
-                  <p16:designElem xmlns:p16="http://schemas.microsoft.com/office/powerpoint/2015/main" val="1"/>
+                  <p16:designElem xmlns:p16="http://schemas.microsoft.com/office/powerpoint/2015/main" xmlns="" val="1"/>
                 </p:ext>
               </p:extLst>
             </p:nvPr>
@@ -7699,10 +7699,10 @@
             <p:cNvPr id="98" name="Rectangle 85">
               <a:extLst>
                 <a:ext uri="{FF2B5EF4-FFF2-40B4-BE49-F238E27FC236}">
-                  <a16:creationId xmlns:a16="http://schemas.microsoft.com/office/drawing/2014/main" id="{634200B3-EC47-4A5B-A640-7118BF6AD272}"/>
+                  <a16:creationId xmlns:a16="http://schemas.microsoft.com/office/drawing/2014/main" xmlns="" id="{634200B3-EC47-4A5B-A640-7118BF6AD272}"/>
                 </a:ext>
                 <a:ext uri="{C183D7F6-B498-43B3-948B-1728B52AA6E4}">
-                  <adec:decorative xmlns:adec="http://schemas.microsoft.com/office/drawing/2017/decorative" val="1"/>
+                  <adec:decorative xmlns:adec="http://schemas.microsoft.com/office/drawing/2017/decorative" xmlns="" val="1"/>
                 </a:ext>
               </a:extLst>
             </p:cNvPr>
@@ -7710,7 +7710,7 @@
             <p:nvPr>
               <p:extLst>
                 <p:ext uri="{386F3935-93C4-4BCD-93E2-E3B085C9AB24}">
-                  <p16:designElem xmlns:p16="http://schemas.microsoft.com/office/powerpoint/2015/main" val="1"/>
+                  <p16:designElem xmlns:p16="http://schemas.microsoft.com/office/powerpoint/2015/main" xmlns="" val="1"/>
                 </p:ext>
               </p:extLst>
             </p:nvPr>
@@ -7784,10 +7784,10 @@
           <p:cNvPr id="99" name="Rectangle 87">
             <a:extLst>
               <a:ext uri="{FF2B5EF4-FFF2-40B4-BE49-F238E27FC236}">
-                <a16:creationId xmlns:a16="http://schemas.microsoft.com/office/drawing/2014/main" id="{23B9DAF8-7DB4-40CB-85F8-7E02F95C6CA7}"/>
+                <a16:creationId xmlns:a16="http://schemas.microsoft.com/office/drawing/2014/main" xmlns="" id="{23B9DAF8-7DB4-40CB-85F8-7E02F95C6CA7}"/>
               </a:ext>
               <a:ext uri="{C183D7F6-B498-43B3-948B-1728B52AA6E4}">
-                <adec:decorative xmlns:adec="http://schemas.microsoft.com/office/drawing/2017/decorative" val="1"/>
+                <adec:decorative xmlns:adec="http://schemas.microsoft.com/office/drawing/2017/decorative" xmlns="" val="1"/>
               </a:ext>
             </a:extLst>
           </p:cNvPr>
@@ -7797,7 +7797,7 @@
           <p:nvPr>
             <p:extLst>
               <p:ext uri="{386F3935-93C4-4BCD-93E2-E3B085C9AB24}">
-                <p16:designElem xmlns:p16="http://schemas.microsoft.com/office/powerpoint/2015/main" val="1"/>
+                <p16:designElem xmlns:p16="http://schemas.microsoft.com/office/powerpoint/2015/main" xmlns="" val="1"/>
               </p:ext>
             </p:extLst>
           </p:nvPr>
@@ -7849,10 +7849,10 @@
           <p:cNvPr id="100" name="Straight Connector 89">
             <a:extLst>
               <a:ext uri="{FF2B5EF4-FFF2-40B4-BE49-F238E27FC236}">
-                <a16:creationId xmlns:a16="http://schemas.microsoft.com/office/drawing/2014/main" id="{606AED2C-61BA-485C-9DD4-B23B6280F9D8}"/>
+                <a16:creationId xmlns:a16="http://schemas.microsoft.com/office/drawing/2014/main" xmlns="" id="{606AED2C-61BA-485C-9DD4-B23B6280F9D8}"/>
               </a:ext>
               <a:ext uri="{C183D7F6-B498-43B3-948B-1728B52AA6E4}">
-                <adec:decorative xmlns:adec="http://schemas.microsoft.com/office/drawing/2017/decorative" val="1"/>
+                <adec:decorative xmlns:adec="http://schemas.microsoft.com/office/drawing/2017/decorative" xmlns="" val="1"/>
               </a:ext>
             </a:extLst>
           </p:cNvPr>
@@ -7862,7 +7862,7 @@
           <p:nvPr>
             <p:extLst>
               <p:ext uri="{386F3935-93C4-4BCD-93E2-E3B085C9AB24}">
-                <p16:designElem xmlns:p16="http://schemas.microsoft.com/office/powerpoint/2015/main" val="1"/>
+                <p16:designElem xmlns:p16="http://schemas.microsoft.com/office/powerpoint/2015/main" xmlns="" val="1"/>
               </p:ext>
             </p:extLst>
           </p:nvPr>
@@ -7897,7 +7897,7 @@
           <p:cNvPr id="2" name="Title 1">
             <a:extLst>
               <a:ext uri="{FF2B5EF4-FFF2-40B4-BE49-F238E27FC236}">
-                <a16:creationId xmlns:a16="http://schemas.microsoft.com/office/drawing/2014/main" id="{427A07C9-2785-487F-8E6F-0A9136FD3D69}"/>
+                <a16:creationId xmlns:a16="http://schemas.microsoft.com/office/drawing/2014/main" xmlns="" id="{427A07C9-2785-487F-8E6F-0A9136FD3D69}"/>
               </a:ext>
             </a:extLst>
           </p:cNvPr>
@@ -7932,7 +7932,7 @@
           <p:cNvPr id="10" name="Picture 9" descr="Chart, histogram&#10;&#10;Description automatically generated">
             <a:extLst>
               <a:ext uri="{FF2B5EF4-FFF2-40B4-BE49-F238E27FC236}">
-                <a16:creationId xmlns:a16="http://schemas.microsoft.com/office/drawing/2014/main" id="{36420580-8C8E-455B-9542-38C01AC627AB}"/>
+                <a16:creationId xmlns:a16="http://schemas.microsoft.com/office/drawing/2014/main" xmlns="" id="{36420580-8C8E-455B-9542-38C01AC627AB}"/>
               </a:ext>
             </a:extLst>
           </p:cNvPr>
@@ -7942,7 +7942,7 @@
           <p:nvPr/>
         </p:nvPicPr>
         <p:blipFill>
-          <a:blip r:embed="rId2">
+          <a:blip r:embed="rId2" cstate="print">
             <a:extLst>
               <a:ext uri="{28A0092B-C50C-407E-A947-70E740481C1C}">
                 <a14:useLocalDpi xmlns:a14="http://schemas.microsoft.com/office/drawing/2010/main" val="0"/>
@@ -7968,7 +7968,7 @@
           <p:cNvPr id="4" name="Content Placeholder 3">
             <a:extLst>
               <a:ext uri="{FF2B5EF4-FFF2-40B4-BE49-F238E27FC236}">
-                <a16:creationId xmlns:a16="http://schemas.microsoft.com/office/drawing/2014/main" id="{1300C3DD-F88F-42DA-AC1D-6CC4CC4119CA}"/>
+                <a16:creationId xmlns:a16="http://schemas.microsoft.com/office/drawing/2014/main" xmlns="" id="{1300C3DD-F88F-42DA-AC1D-6CC4CC4119CA}"/>
               </a:ext>
             </a:extLst>
           </p:cNvPr>
@@ -8027,10 +8027,10 @@
           <p:cNvPr id="101" name="Picture 91">
             <a:extLst>
               <a:ext uri="{FF2B5EF4-FFF2-40B4-BE49-F238E27FC236}">
-                <a16:creationId xmlns:a16="http://schemas.microsoft.com/office/drawing/2014/main" id="{7EFCF05C-6070-460B-8E60-12BE3EFD19F0}"/>
+                <a16:creationId xmlns:a16="http://schemas.microsoft.com/office/drawing/2014/main" xmlns="" id="{7EFCF05C-6070-460B-8E60-12BE3EFD19F0}"/>
               </a:ext>
               <a:ext uri="{C183D7F6-B498-43B3-948B-1728B52AA6E4}">
-                <adec:decorative xmlns:adec="http://schemas.microsoft.com/office/drawing/2017/decorative" val="1"/>
+                <adec:decorative xmlns:adec="http://schemas.microsoft.com/office/drawing/2017/decorative" xmlns="" val="1"/>
               </a:ext>
             </a:extLst>
           </p:cNvPr>
@@ -8040,7 +8040,7 @@
           <p:nvPr>
             <p:extLst>
               <p:ext uri="{386F3935-93C4-4BCD-93E2-E3B085C9AB24}">
-                <p16:designElem xmlns:p16="http://schemas.microsoft.com/office/powerpoint/2015/main" val="1"/>
+                <p16:designElem xmlns:p16="http://schemas.microsoft.com/office/powerpoint/2015/main" xmlns="" val="1"/>
               </p:ext>
             </p:extLst>
           </p:nvPr>
@@ -8071,10 +8071,10 @@
           <p:cNvPr id="94" name="Straight Connector 93">
             <a:extLst>
               <a:ext uri="{FF2B5EF4-FFF2-40B4-BE49-F238E27FC236}">
-                <a16:creationId xmlns:a16="http://schemas.microsoft.com/office/drawing/2014/main" id="{CFD731F1-726F-453E-9516-3058095DE995}"/>
+                <a16:creationId xmlns:a16="http://schemas.microsoft.com/office/drawing/2014/main" xmlns="" id="{CFD731F1-726F-453E-9516-3058095DE995}"/>
               </a:ext>
               <a:ext uri="{C183D7F6-B498-43B3-948B-1728B52AA6E4}">
-                <adec:decorative xmlns:adec="http://schemas.microsoft.com/office/drawing/2017/decorative" val="1"/>
+                <adec:decorative xmlns:adec="http://schemas.microsoft.com/office/drawing/2017/decorative" xmlns="" val="1"/>
               </a:ext>
             </a:extLst>
           </p:cNvPr>
@@ -8084,7 +8084,7 @@
           <p:nvPr>
             <p:extLst>
               <p:ext uri="{386F3935-93C4-4BCD-93E2-E3B085C9AB24}">
-                <p16:designElem xmlns:p16="http://schemas.microsoft.com/office/powerpoint/2015/main" val="1"/>
+                <p16:designElem xmlns:p16="http://schemas.microsoft.com/office/powerpoint/2015/main" xmlns="" val="1"/>
               </p:ext>
             </p:extLst>
           </p:nvPr>
@@ -8179,10 +8179,10 @@
           <p:cNvPr id="7" name="Rectangle 6">
             <a:extLst>
               <a:ext uri="{FF2B5EF4-FFF2-40B4-BE49-F238E27FC236}">
-                <a16:creationId xmlns:a16="http://schemas.microsoft.com/office/drawing/2014/main" id="{23522FE7-5A29-4EF6-B1EF-2CA55748A772}"/>
+                <a16:creationId xmlns:a16="http://schemas.microsoft.com/office/drawing/2014/main" xmlns="" id="{23522FE7-5A29-4EF6-B1EF-2CA55748A772}"/>
               </a:ext>
               <a:ext uri="{C183D7F6-B498-43B3-948B-1728B52AA6E4}">
-                <adec:decorative xmlns:adec="http://schemas.microsoft.com/office/drawing/2017/decorative" val="1"/>
+                <adec:decorative xmlns:adec="http://schemas.microsoft.com/office/drawing/2017/decorative" xmlns="" val="1"/>
               </a:ext>
             </a:extLst>
           </p:cNvPr>
@@ -8192,7 +8192,7 @@
           <p:nvPr>
             <p:extLst>
               <p:ext uri="{386F3935-93C4-4BCD-93E2-E3B085C9AB24}">
-                <p16:designElem xmlns:p16="http://schemas.microsoft.com/office/powerpoint/2015/main" val="1"/>
+                <p16:designElem xmlns:p16="http://schemas.microsoft.com/office/powerpoint/2015/main" xmlns="" val="1"/>
               </p:ext>
             </p:extLst>
           </p:nvPr>
@@ -8245,10 +8245,10 @@
           <p:cNvPr id="9" name="Picture 8">
             <a:extLst>
               <a:ext uri="{FF2B5EF4-FFF2-40B4-BE49-F238E27FC236}">
-                <a16:creationId xmlns:a16="http://schemas.microsoft.com/office/drawing/2014/main" id="{C2192E09-EBC7-416C-B887-DFF915D7F43D}"/>
+                <a16:creationId xmlns:a16="http://schemas.microsoft.com/office/drawing/2014/main" xmlns="" id="{C2192E09-EBC7-416C-B887-DFF915D7F43D}"/>
               </a:ext>
               <a:ext uri="{C183D7F6-B498-43B3-948B-1728B52AA6E4}">
-                <adec:decorative xmlns:adec="http://schemas.microsoft.com/office/drawing/2017/decorative" val="1"/>
+                <adec:decorative xmlns:adec="http://schemas.microsoft.com/office/drawing/2017/decorative" xmlns="" val="1"/>
               </a:ext>
             </a:extLst>
           </p:cNvPr>
@@ -8258,7 +8258,7 @@
           <p:nvPr>
             <p:extLst>
               <p:ext uri="{386F3935-93C4-4BCD-93E2-E3B085C9AB24}">
-                <p16:designElem xmlns:p16="http://schemas.microsoft.com/office/powerpoint/2015/main" val="1"/>
+                <p16:designElem xmlns:p16="http://schemas.microsoft.com/office/powerpoint/2015/main" xmlns="" val="1"/>
               </p:ext>
             </p:extLst>
           </p:nvPr>
@@ -8289,10 +8289,10 @@
           <p:cNvPr id="11" name="Straight Connector 10">
             <a:extLst>
               <a:ext uri="{FF2B5EF4-FFF2-40B4-BE49-F238E27FC236}">
-                <a16:creationId xmlns:a16="http://schemas.microsoft.com/office/drawing/2014/main" id="{2924498D-E084-44BE-A196-CFCE35564350}"/>
+                <a16:creationId xmlns:a16="http://schemas.microsoft.com/office/drawing/2014/main" xmlns="" id="{2924498D-E084-44BE-A196-CFCE35564350}"/>
               </a:ext>
               <a:ext uri="{C183D7F6-B498-43B3-948B-1728B52AA6E4}">
-                <adec:decorative xmlns:adec="http://schemas.microsoft.com/office/drawing/2017/decorative" val="1"/>
+                <adec:decorative xmlns:adec="http://schemas.microsoft.com/office/drawing/2017/decorative" xmlns="" val="1"/>
               </a:ext>
             </a:extLst>
           </p:cNvPr>
@@ -8302,7 +8302,7 @@
           <p:nvPr>
             <p:extLst>
               <p:ext uri="{386F3935-93C4-4BCD-93E2-E3B085C9AB24}">
-                <p16:designElem xmlns:p16="http://schemas.microsoft.com/office/powerpoint/2015/main" val="1"/>
+                <p16:designElem xmlns:p16="http://schemas.microsoft.com/office/powerpoint/2015/main" xmlns="" val="1"/>
               </p:ext>
             </p:extLst>
           </p:nvPr>
@@ -8343,10 +8343,10 @@
           <p:cNvPr id="13" name="Straight Connector 12">
             <a:extLst>
               <a:ext uri="{FF2B5EF4-FFF2-40B4-BE49-F238E27FC236}">
-                <a16:creationId xmlns:a16="http://schemas.microsoft.com/office/drawing/2014/main" id="{3BBC7667-C352-4842-9AFD-E5C16AD002F4}"/>
+                <a16:creationId xmlns:a16="http://schemas.microsoft.com/office/drawing/2014/main" xmlns="" id="{3BBC7667-C352-4842-9AFD-E5C16AD002F4}"/>
               </a:ext>
               <a:ext uri="{C183D7F6-B498-43B3-948B-1728B52AA6E4}">
-                <adec:decorative xmlns:adec="http://schemas.microsoft.com/office/drawing/2017/decorative" val="1"/>
+                <adec:decorative xmlns:adec="http://schemas.microsoft.com/office/drawing/2017/decorative" xmlns="" val="1"/>
               </a:ext>
             </a:extLst>
           </p:cNvPr>
@@ -8356,7 +8356,7 @@
           <p:nvPr>
             <p:extLst>
               <p:ext uri="{386F3935-93C4-4BCD-93E2-E3B085C9AB24}">
-                <p16:designElem xmlns:p16="http://schemas.microsoft.com/office/powerpoint/2015/main" val="1"/>
+                <p16:designElem xmlns:p16="http://schemas.microsoft.com/office/powerpoint/2015/main" xmlns="" val="1"/>
               </p:ext>
             </p:extLst>
           </p:nvPr>
@@ -8391,10 +8391,10 @@
           <p:cNvPr id="15" name="Rectangle 14">
             <a:extLst>
               <a:ext uri="{FF2B5EF4-FFF2-40B4-BE49-F238E27FC236}">
-                <a16:creationId xmlns:a16="http://schemas.microsoft.com/office/drawing/2014/main" id="{F0AB17F6-592B-45CB-96F6-705C9825AFBC}"/>
+                <a16:creationId xmlns:a16="http://schemas.microsoft.com/office/drawing/2014/main" xmlns="" id="{F0AB17F6-592B-45CB-96F6-705C9825AFBC}"/>
               </a:ext>
               <a:ext uri="{C183D7F6-B498-43B3-948B-1728B52AA6E4}">
-                <adec:decorative xmlns:adec="http://schemas.microsoft.com/office/drawing/2017/decorative" val="1"/>
+                <adec:decorative xmlns:adec="http://schemas.microsoft.com/office/drawing/2017/decorative" xmlns="" val="1"/>
               </a:ext>
             </a:extLst>
           </p:cNvPr>
@@ -8404,7 +8404,7 @@
           <p:nvPr>
             <p:extLst>
               <p:ext uri="{386F3935-93C4-4BCD-93E2-E3B085C9AB24}">
-                <p16:designElem xmlns:p16="http://schemas.microsoft.com/office/powerpoint/2015/main" val="1"/>
+                <p16:designElem xmlns:p16="http://schemas.microsoft.com/office/powerpoint/2015/main" xmlns="" val="1"/>
               </p:ext>
             </p:extLst>
           </p:nvPr>
@@ -8451,7 +8451,7 @@
           <p:cNvPr id="2" name="Title 1">
             <a:extLst>
               <a:ext uri="{FF2B5EF4-FFF2-40B4-BE49-F238E27FC236}">
-                <a16:creationId xmlns:a16="http://schemas.microsoft.com/office/drawing/2014/main" id="{6FC29038-DDBC-4BFF-89F4-CE1EC9E6EEB3}"/>
+                <a16:creationId xmlns:a16="http://schemas.microsoft.com/office/drawing/2014/main" xmlns="" id="{6FC29038-DDBC-4BFF-89F4-CE1EC9E6EEB3}"/>
               </a:ext>
             </a:extLst>
           </p:cNvPr>
@@ -8491,10 +8491,10 @@
           <p:cNvPr id="17" name="Straight Connector 16">
             <a:extLst>
               <a:ext uri="{FF2B5EF4-FFF2-40B4-BE49-F238E27FC236}">
-                <a16:creationId xmlns:a16="http://schemas.microsoft.com/office/drawing/2014/main" id="{5A9284E7-0823-472D-9963-18D89DFEB8B4}"/>
+                <a16:creationId xmlns:a16="http://schemas.microsoft.com/office/drawing/2014/main" xmlns="" id="{5A9284E7-0823-472D-9963-18D89DFEB8B4}"/>
               </a:ext>
               <a:ext uri="{C183D7F6-B498-43B3-948B-1728B52AA6E4}">
-                <adec:decorative xmlns:adec="http://schemas.microsoft.com/office/drawing/2017/decorative" val="1"/>
+                <adec:decorative xmlns:adec="http://schemas.microsoft.com/office/drawing/2017/decorative" xmlns="" val="1"/>
               </a:ext>
             </a:extLst>
           </p:cNvPr>
@@ -8504,7 +8504,7 @@
           <p:nvPr>
             <p:extLst>
               <p:ext uri="{386F3935-93C4-4BCD-93E2-E3B085C9AB24}">
-                <p16:designElem xmlns:p16="http://schemas.microsoft.com/office/powerpoint/2015/main" val="1"/>
+                <p16:designElem xmlns:p16="http://schemas.microsoft.com/office/powerpoint/2015/main" xmlns="" val="1"/>
               </p:ext>
             </p:extLst>
           </p:nvPr>
@@ -8593,10 +8593,10 @@
           <p:cNvPr id="54" name="Rectangle 53">
             <a:extLst>
               <a:ext uri="{FF2B5EF4-FFF2-40B4-BE49-F238E27FC236}">
-                <a16:creationId xmlns:a16="http://schemas.microsoft.com/office/drawing/2014/main" id="{2FAC8C30-93FA-4F99-80C4-C952D83A4950}"/>
+                <a16:creationId xmlns:a16="http://schemas.microsoft.com/office/drawing/2014/main" xmlns="" id="{2FAC8C30-93FA-4F99-80C4-C952D83A4950}"/>
               </a:ext>
               <a:ext uri="{C183D7F6-B498-43B3-948B-1728B52AA6E4}">
-                <adec:decorative xmlns:adec="http://schemas.microsoft.com/office/drawing/2017/decorative" val="1"/>
+                <adec:decorative xmlns:adec="http://schemas.microsoft.com/office/drawing/2017/decorative" xmlns="" val="1"/>
               </a:ext>
             </a:extLst>
           </p:cNvPr>
@@ -8606,7 +8606,7 @@
           <p:nvPr>
             <p:extLst>
               <p:ext uri="{386F3935-93C4-4BCD-93E2-E3B085C9AB24}">
-                <p16:designElem xmlns:p16="http://schemas.microsoft.com/office/powerpoint/2015/main" val="1"/>
+                <p16:designElem xmlns:p16="http://schemas.microsoft.com/office/powerpoint/2015/main" xmlns="" val="1"/>
               </p:ext>
             </p:extLst>
           </p:nvPr>
@@ -8659,10 +8659,10 @@
           <p:cNvPr id="56" name="Picture 55">
             <a:extLst>
               <a:ext uri="{FF2B5EF4-FFF2-40B4-BE49-F238E27FC236}">
-                <a16:creationId xmlns:a16="http://schemas.microsoft.com/office/drawing/2014/main" id="{F3ACDE2A-6BC1-4786-87B1-F7DA35351E7A}"/>
+                <a16:creationId xmlns:a16="http://schemas.microsoft.com/office/drawing/2014/main" xmlns="" id="{F3ACDE2A-6BC1-4786-87B1-F7DA35351E7A}"/>
               </a:ext>
               <a:ext uri="{C183D7F6-B498-43B3-948B-1728B52AA6E4}">
-                <adec:decorative xmlns:adec="http://schemas.microsoft.com/office/drawing/2017/decorative" val="1"/>
+                <adec:decorative xmlns:adec="http://schemas.microsoft.com/office/drawing/2017/decorative" xmlns="" val="1"/>
               </a:ext>
             </a:extLst>
           </p:cNvPr>
@@ -8672,7 +8672,7 @@
           <p:nvPr>
             <p:extLst>
               <p:ext uri="{386F3935-93C4-4BCD-93E2-E3B085C9AB24}">
-                <p16:designElem xmlns:p16="http://schemas.microsoft.com/office/powerpoint/2015/main" val="1"/>
+                <p16:designElem xmlns:p16="http://schemas.microsoft.com/office/powerpoint/2015/main" xmlns="" val="1"/>
               </p:ext>
             </p:extLst>
           </p:nvPr>
@@ -8703,10 +8703,10 @@
           <p:cNvPr id="58" name="Straight Connector 57">
             <a:extLst>
               <a:ext uri="{FF2B5EF4-FFF2-40B4-BE49-F238E27FC236}">
-                <a16:creationId xmlns:a16="http://schemas.microsoft.com/office/drawing/2014/main" id="{0A2CC8B5-9886-4AFA-BE09-6178A4ED301A}"/>
+                <a16:creationId xmlns:a16="http://schemas.microsoft.com/office/drawing/2014/main" xmlns="" id="{0A2CC8B5-9886-4AFA-BE09-6178A4ED301A}"/>
               </a:ext>
               <a:ext uri="{C183D7F6-B498-43B3-948B-1728B52AA6E4}">
-                <adec:decorative xmlns:adec="http://schemas.microsoft.com/office/drawing/2017/decorative" val="1"/>
+                <adec:decorative xmlns:adec="http://schemas.microsoft.com/office/drawing/2017/decorative" xmlns="" val="1"/>
               </a:ext>
             </a:extLst>
           </p:cNvPr>
@@ -8716,7 +8716,7 @@
           <p:nvPr>
             <p:extLst>
               <p:ext uri="{386F3935-93C4-4BCD-93E2-E3B085C9AB24}">
-                <p16:designElem xmlns:p16="http://schemas.microsoft.com/office/powerpoint/2015/main" val="1"/>
+                <p16:designElem xmlns:p16="http://schemas.microsoft.com/office/powerpoint/2015/main" xmlns="" val="1"/>
               </p:ext>
             </p:extLst>
           </p:nvPr>
@@ -8757,7 +8757,7 @@
           <p:cNvPr id="5" name="Content Placeholder 4" descr="Chart, bar chart&#10;&#10;Description automatically generated">
             <a:extLst>
               <a:ext uri="{FF2B5EF4-FFF2-40B4-BE49-F238E27FC236}">
-                <a16:creationId xmlns:a16="http://schemas.microsoft.com/office/drawing/2014/main" id="{547E7EDD-C720-46E5-AC32-ED481B39FEE0}"/>
+                <a16:creationId xmlns:a16="http://schemas.microsoft.com/office/drawing/2014/main" xmlns="" id="{547E7EDD-C720-46E5-AC32-ED481B39FEE0}"/>
               </a:ext>
             </a:extLst>
           </p:cNvPr>
@@ -8802,7 +8802,7 @@
           <p:cNvPr id="7" name="Picture 6" descr="Text&#10;&#10;Description automatically generated">
             <a:extLst>
               <a:ext uri="{FF2B5EF4-FFF2-40B4-BE49-F238E27FC236}">
-                <a16:creationId xmlns:a16="http://schemas.microsoft.com/office/drawing/2014/main" id="{332F66FF-0952-48DF-9EB1-159C6F78CC00}"/>
+                <a16:creationId xmlns:a16="http://schemas.microsoft.com/office/drawing/2014/main" xmlns="" id="{332F66FF-0952-48DF-9EB1-159C6F78CC00}"/>
               </a:ext>
             </a:extLst>
           </p:cNvPr>
@@ -8899,10 +8899,10 @@
           <p:cNvPr id="7" name="Rectangle 6">
             <a:extLst>
               <a:ext uri="{FF2B5EF4-FFF2-40B4-BE49-F238E27FC236}">
-                <a16:creationId xmlns:a16="http://schemas.microsoft.com/office/drawing/2014/main" id="{23522FE7-5A29-4EF6-B1EF-2CA55748A772}"/>
+                <a16:creationId xmlns:a16="http://schemas.microsoft.com/office/drawing/2014/main" xmlns="" id="{23522FE7-5A29-4EF6-B1EF-2CA55748A772}"/>
               </a:ext>
               <a:ext uri="{C183D7F6-B498-43B3-948B-1728B52AA6E4}">
-                <adec:decorative xmlns:adec="http://schemas.microsoft.com/office/drawing/2017/decorative" val="1"/>
+                <adec:decorative xmlns:adec="http://schemas.microsoft.com/office/drawing/2017/decorative" xmlns="" val="1"/>
               </a:ext>
             </a:extLst>
           </p:cNvPr>
@@ -8912,7 +8912,7 @@
           <p:nvPr>
             <p:extLst>
               <p:ext uri="{386F3935-93C4-4BCD-93E2-E3B085C9AB24}">
-                <p16:designElem xmlns:p16="http://schemas.microsoft.com/office/powerpoint/2015/main" val="1"/>
+                <p16:designElem xmlns:p16="http://schemas.microsoft.com/office/powerpoint/2015/main" xmlns="" val="1"/>
               </p:ext>
             </p:extLst>
           </p:nvPr>
@@ -8965,10 +8965,10 @@
           <p:cNvPr id="9" name="Picture 8">
             <a:extLst>
               <a:ext uri="{FF2B5EF4-FFF2-40B4-BE49-F238E27FC236}">
-                <a16:creationId xmlns:a16="http://schemas.microsoft.com/office/drawing/2014/main" id="{C2192E09-EBC7-416C-B887-DFF915D7F43D}"/>
+                <a16:creationId xmlns:a16="http://schemas.microsoft.com/office/drawing/2014/main" xmlns="" id="{C2192E09-EBC7-416C-B887-DFF915D7F43D}"/>
               </a:ext>
               <a:ext uri="{C183D7F6-B498-43B3-948B-1728B52AA6E4}">
-                <adec:decorative xmlns:adec="http://schemas.microsoft.com/office/drawing/2017/decorative" val="1"/>
+                <adec:decorative xmlns:adec="http://schemas.microsoft.com/office/drawing/2017/decorative" xmlns="" val="1"/>
               </a:ext>
             </a:extLst>
           </p:cNvPr>
@@ -8978,7 +8978,7 @@
           <p:nvPr>
             <p:extLst>
               <p:ext uri="{386F3935-93C4-4BCD-93E2-E3B085C9AB24}">
-                <p16:designElem xmlns:p16="http://schemas.microsoft.com/office/powerpoint/2015/main" val="1"/>
+                <p16:designElem xmlns:p16="http://schemas.microsoft.com/office/powerpoint/2015/main" xmlns="" val="1"/>
               </p:ext>
             </p:extLst>
           </p:nvPr>
@@ -9009,10 +9009,10 @@
           <p:cNvPr id="11" name="Straight Connector 10">
             <a:extLst>
               <a:ext uri="{FF2B5EF4-FFF2-40B4-BE49-F238E27FC236}">
-                <a16:creationId xmlns:a16="http://schemas.microsoft.com/office/drawing/2014/main" id="{2924498D-E084-44BE-A196-CFCE35564350}"/>
+                <a16:creationId xmlns:a16="http://schemas.microsoft.com/office/drawing/2014/main" xmlns="" id="{2924498D-E084-44BE-A196-CFCE35564350}"/>
               </a:ext>
               <a:ext uri="{C183D7F6-B498-43B3-948B-1728B52AA6E4}">
-                <adec:decorative xmlns:adec="http://schemas.microsoft.com/office/drawing/2017/decorative" val="1"/>
+                <adec:decorative xmlns:adec="http://schemas.microsoft.com/office/drawing/2017/decorative" xmlns="" val="1"/>
               </a:ext>
             </a:extLst>
           </p:cNvPr>
@@ -9022,7 +9022,7 @@
           <p:nvPr>
             <p:extLst>
               <p:ext uri="{386F3935-93C4-4BCD-93E2-E3B085C9AB24}">
-                <p16:designElem xmlns:p16="http://schemas.microsoft.com/office/powerpoint/2015/main" val="1"/>
+                <p16:designElem xmlns:p16="http://schemas.microsoft.com/office/powerpoint/2015/main" xmlns="" val="1"/>
               </p:ext>
             </p:extLst>
           </p:nvPr>
@@ -9063,10 +9063,10 @@
           <p:cNvPr id="13" name="Straight Connector 12">
             <a:extLst>
               <a:ext uri="{FF2B5EF4-FFF2-40B4-BE49-F238E27FC236}">
-                <a16:creationId xmlns:a16="http://schemas.microsoft.com/office/drawing/2014/main" id="{3BBC7667-C352-4842-9AFD-E5C16AD002F4}"/>
+                <a16:creationId xmlns:a16="http://schemas.microsoft.com/office/drawing/2014/main" xmlns="" id="{3BBC7667-C352-4842-9AFD-E5C16AD002F4}"/>
               </a:ext>
               <a:ext uri="{C183D7F6-B498-43B3-948B-1728B52AA6E4}">
-                <adec:decorative xmlns:adec="http://schemas.microsoft.com/office/drawing/2017/decorative" val="1"/>
+                <adec:decorative xmlns:adec="http://schemas.microsoft.com/office/drawing/2017/decorative" xmlns="" val="1"/>
               </a:ext>
             </a:extLst>
           </p:cNvPr>
@@ -9076,7 +9076,7 @@
           <p:nvPr>
             <p:extLst>
               <p:ext uri="{386F3935-93C4-4BCD-93E2-E3B085C9AB24}">
-                <p16:designElem xmlns:p16="http://schemas.microsoft.com/office/powerpoint/2015/main" val="1"/>
+                <p16:designElem xmlns:p16="http://schemas.microsoft.com/office/powerpoint/2015/main" xmlns="" val="1"/>
               </p:ext>
             </p:extLst>
           </p:nvPr>
@@ -9111,10 +9111,10 @@
           <p:cNvPr id="15" name="Rectangle 14">
             <a:extLst>
               <a:ext uri="{FF2B5EF4-FFF2-40B4-BE49-F238E27FC236}">
-                <a16:creationId xmlns:a16="http://schemas.microsoft.com/office/drawing/2014/main" id="{F0AB17F6-592B-45CB-96F6-705C9825AFBC}"/>
+                <a16:creationId xmlns:a16="http://schemas.microsoft.com/office/drawing/2014/main" xmlns="" id="{F0AB17F6-592B-45CB-96F6-705C9825AFBC}"/>
               </a:ext>
               <a:ext uri="{C183D7F6-B498-43B3-948B-1728B52AA6E4}">
-                <adec:decorative xmlns:adec="http://schemas.microsoft.com/office/drawing/2017/decorative" val="1"/>
+                <adec:decorative xmlns:adec="http://schemas.microsoft.com/office/drawing/2017/decorative" xmlns="" val="1"/>
               </a:ext>
             </a:extLst>
           </p:cNvPr>
@@ -9124,7 +9124,7 @@
           <p:nvPr>
             <p:extLst>
               <p:ext uri="{386F3935-93C4-4BCD-93E2-E3B085C9AB24}">
-                <p16:designElem xmlns:p16="http://schemas.microsoft.com/office/powerpoint/2015/main" val="1"/>
+                <p16:designElem xmlns:p16="http://schemas.microsoft.com/office/powerpoint/2015/main" xmlns="" val="1"/>
               </p:ext>
             </p:extLst>
           </p:nvPr>
@@ -9171,7 +9171,7 @@
           <p:cNvPr id="2" name="Title 1">
             <a:extLst>
               <a:ext uri="{FF2B5EF4-FFF2-40B4-BE49-F238E27FC236}">
-                <a16:creationId xmlns:a16="http://schemas.microsoft.com/office/drawing/2014/main" id="{6FC29038-DDBC-4BFF-89F4-CE1EC9E6EEB3}"/>
+                <a16:creationId xmlns:a16="http://schemas.microsoft.com/office/drawing/2014/main" xmlns="" id="{6FC29038-DDBC-4BFF-89F4-CE1EC9E6EEB3}"/>
               </a:ext>
             </a:extLst>
           </p:cNvPr>
@@ -9211,10 +9211,10 @@
           <p:cNvPr id="17" name="Straight Connector 16">
             <a:extLst>
               <a:ext uri="{FF2B5EF4-FFF2-40B4-BE49-F238E27FC236}">
-                <a16:creationId xmlns:a16="http://schemas.microsoft.com/office/drawing/2014/main" id="{5A9284E7-0823-472D-9963-18D89DFEB8B4}"/>
+                <a16:creationId xmlns:a16="http://schemas.microsoft.com/office/drawing/2014/main" xmlns="" id="{5A9284E7-0823-472D-9963-18D89DFEB8B4}"/>
               </a:ext>
               <a:ext uri="{C183D7F6-B498-43B3-948B-1728B52AA6E4}">
-                <adec:decorative xmlns:adec="http://schemas.microsoft.com/office/drawing/2017/decorative" val="1"/>
+                <adec:decorative xmlns:adec="http://schemas.microsoft.com/office/drawing/2017/decorative" xmlns="" val="1"/>
               </a:ext>
             </a:extLst>
           </p:cNvPr>
@@ -9224,7 +9224,7 @@
           <p:nvPr>
             <p:extLst>
               <p:ext uri="{386F3935-93C4-4BCD-93E2-E3B085C9AB24}">
-                <p16:designElem xmlns:p16="http://schemas.microsoft.com/office/powerpoint/2015/main" val="1"/>
+                <p16:designElem xmlns:p16="http://schemas.microsoft.com/office/powerpoint/2015/main" xmlns="" val="1"/>
               </p:ext>
             </p:extLst>
           </p:nvPr>
@@ -9313,10 +9313,10 @@
           <p:cNvPr id="20" name="Rectangle 19">
             <a:extLst>
               <a:ext uri="{FF2B5EF4-FFF2-40B4-BE49-F238E27FC236}">
-                <a16:creationId xmlns:a16="http://schemas.microsoft.com/office/drawing/2014/main" id="{8D11E4C3-B2CB-4105-9B42-B5E438A1910F}"/>
+                <a16:creationId xmlns:a16="http://schemas.microsoft.com/office/drawing/2014/main" xmlns="" id="{8D11E4C3-B2CB-4105-9B42-B5E438A1910F}"/>
               </a:ext>
               <a:ext uri="{C183D7F6-B498-43B3-948B-1728B52AA6E4}">
-                <adec:decorative xmlns:adec="http://schemas.microsoft.com/office/drawing/2017/decorative" val="1"/>
+                <adec:decorative xmlns:adec="http://schemas.microsoft.com/office/drawing/2017/decorative" xmlns="" val="1"/>
               </a:ext>
             </a:extLst>
           </p:cNvPr>
@@ -9326,7 +9326,7 @@
           <p:nvPr>
             <p:extLst>
               <p:ext uri="{386F3935-93C4-4BCD-93E2-E3B085C9AB24}">
-                <p16:designElem xmlns:p16="http://schemas.microsoft.com/office/powerpoint/2015/main" val="1"/>
+                <p16:designElem xmlns:p16="http://schemas.microsoft.com/office/powerpoint/2015/main" xmlns="" val="1"/>
               </p:ext>
             </p:extLst>
           </p:nvPr>
@@ -9379,10 +9379,10 @@
           <p:cNvPr id="22" name="Picture 21">
             <a:extLst>
               <a:ext uri="{FF2B5EF4-FFF2-40B4-BE49-F238E27FC236}">
-                <a16:creationId xmlns:a16="http://schemas.microsoft.com/office/drawing/2014/main" id="{D801A41D-49C4-4F95-AA12-FE7B943A5079}"/>
+                <a16:creationId xmlns:a16="http://schemas.microsoft.com/office/drawing/2014/main" xmlns="" id="{D801A41D-49C4-4F95-AA12-FE7B943A5079}"/>
               </a:ext>
               <a:ext uri="{C183D7F6-B498-43B3-948B-1728B52AA6E4}">
-                <adec:decorative xmlns:adec="http://schemas.microsoft.com/office/drawing/2017/decorative" val="1"/>
+                <adec:decorative xmlns:adec="http://schemas.microsoft.com/office/drawing/2017/decorative" xmlns="" val="1"/>
               </a:ext>
             </a:extLst>
           </p:cNvPr>
@@ -9392,7 +9392,7 @@
           <p:nvPr>
             <p:extLst>
               <p:ext uri="{386F3935-93C4-4BCD-93E2-E3B085C9AB24}">
-                <p16:designElem xmlns:p16="http://schemas.microsoft.com/office/powerpoint/2015/main" val="1"/>
+                <p16:designElem xmlns:p16="http://schemas.microsoft.com/office/powerpoint/2015/main" xmlns="" val="1"/>
               </p:ext>
             </p:extLst>
           </p:nvPr>
@@ -9423,10 +9423,10 @@
           <p:cNvPr id="24" name="Straight Connector 23">
             <a:extLst>
               <a:ext uri="{FF2B5EF4-FFF2-40B4-BE49-F238E27FC236}">
-                <a16:creationId xmlns:a16="http://schemas.microsoft.com/office/drawing/2014/main" id="{0073EB83-C81E-44B9-8EF1-2975C77B947D}"/>
+                <a16:creationId xmlns:a16="http://schemas.microsoft.com/office/drawing/2014/main" xmlns="" id="{0073EB83-C81E-44B9-8EF1-2975C77B947D}"/>
               </a:ext>
               <a:ext uri="{C183D7F6-B498-43B3-948B-1728B52AA6E4}">
-                <adec:decorative xmlns:adec="http://schemas.microsoft.com/office/drawing/2017/decorative" val="1"/>
+                <adec:decorative xmlns:adec="http://schemas.microsoft.com/office/drawing/2017/decorative" xmlns="" val="1"/>
               </a:ext>
             </a:extLst>
           </p:cNvPr>
@@ -9436,7 +9436,7 @@
           <p:nvPr>
             <p:extLst>
               <p:ext uri="{386F3935-93C4-4BCD-93E2-E3B085C9AB24}">
-                <p16:designElem xmlns:p16="http://schemas.microsoft.com/office/powerpoint/2015/main" val="1"/>
+                <p16:designElem xmlns:p16="http://schemas.microsoft.com/office/powerpoint/2015/main" xmlns="" val="1"/>
               </p:ext>
             </p:extLst>
           </p:nvPr>
@@ -9477,10 +9477,10 @@
           <p:cNvPr id="26" name="Rectangle 25">
             <a:extLst>
               <a:ext uri="{FF2B5EF4-FFF2-40B4-BE49-F238E27FC236}">
-                <a16:creationId xmlns:a16="http://schemas.microsoft.com/office/drawing/2014/main" id="{5E2F33F9-B3D5-437B-AB8D-7624445EBD3B}"/>
+                <a16:creationId xmlns:a16="http://schemas.microsoft.com/office/drawing/2014/main" xmlns="" id="{5E2F33F9-B3D5-437B-AB8D-7624445EBD3B}"/>
               </a:ext>
               <a:ext uri="{C183D7F6-B498-43B3-948B-1728B52AA6E4}">
-                <adec:decorative xmlns:adec="http://schemas.microsoft.com/office/drawing/2017/decorative" val="1"/>
+                <adec:decorative xmlns:adec="http://schemas.microsoft.com/office/drawing/2017/decorative" xmlns="" val="1"/>
               </a:ext>
             </a:extLst>
           </p:cNvPr>
@@ -9490,7 +9490,7 @@
           <p:nvPr>
             <p:extLst>
               <p:ext uri="{386F3935-93C4-4BCD-93E2-E3B085C9AB24}">
-                <p16:designElem xmlns:p16="http://schemas.microsoft.com/office/powerpoint/2015/main" val="1"/>
+                <p16:designElem xmlns:p16="http://schemas.microsoft.com/office/powerpoint/2015/main" xmlns="" val="1"/>
               </p:ext>
             </p:extLst>
           </p:nvPr>
@@ -9540,7 +9540,7 @@
           <p:cNvPr id="3" name="Picture 2" descr="A picture containing electronics&#10;&#10;Description automatically generated">
             <a:extLst>
               <a:ext uri="{FF2B5EF4-FFF2-40B4-BE49-F238E27FC236}">
-                <a16:creationId xmlns:a16="http://schemas.microsoft.com/office/drawing/2014/main" id="{EAC95AA0-7569-48A2-9169-44F3C43EC0E2}"/>
+                <a16:creationId xmlns:a16="http://schemas.microsoft.com/office/drawing/2014/main" xmlns="" id="{EAC95AA0-7569-48A2-9169-44F3C43EC0E2}"/>
               </a:ext>
             </a:extLst>
           </p:cNvPr>
@@ -9575,7 +9575,7 @@
           <p:cNvPr id="6" name="Content Placeholder 5" descr="Icon&#10;&#10;Description automatically generated">
             <a:extLst>
               <a:ext uri="{FF2B5EF4-FFF2-40B4-BE49-F238E27FC236}">
-                <a16:creationId xmlns:a16="http://schemas.microsoft.com/office/drawing/2014/main" id="{4B369CB3-9EB4-40BF-BFE9-4CD7D398D1E6}"/>
+                <a16:creationId xmlns:a16="http://schemas.microsoft.com/office/drawing/2014/main" xmlns="" id="{4B369CB3-9EB4-40BF-BFE9-4CD7D398D1E6}"/>
               </a:ext>
             </a:extLst>
           </p:cNvPr>
@@ -9672,10 +9672,10 @@
           <p:cNvPr id="24" name="Rectangle 23">
             <a:extLst>
               <a:ext uri="{FF2B5EF4-FFF2-40B4-BE49-F238E27FC236}">
-                <a16:creationId xmlns:a16="http://schemas.microsoft.com/office/drawing/2014/main" id="{1CE580D1-F917-4567-AFB4-99AA9B52ADF0}"/>
+                <a16:creationId xmlns:a16="http://schemas.microsoft.com/office/drawing/2014/main" xmlns="" id="{1CE580D1-F917-4567-AFB4-99AA9B52ADF0}"/>
               </a:ext>
               <a:ext uri="{C183D7F6-B498-43B3-948B-1728B52AA6E4}">
-                <adec:decorative xmlns:adec="http://schemas.microsoft.com/office/drawing/2017/decorative" val="1"/>
+                <adec:decorative xmlns:adec="http://schemas.microsoft.com/office/drawing/2017/decorative" xmlns="" val="1"/>
               </a:ext>
             </a:extLst>
           </p:cNvPr>
@@ -9685,7 +9685,7 @@
           <p:nvPr>
             <p:extLst>
               <p:ext uri="{386F3935-93C4-4BCD-93E2-E3B085C9AB24}">
-                <p16:designElem xmlns:p16="http://schemas.microsoft.com/office/powerpoint/2015/main" val="1"/>
+                <p16:designElem xmlns:p16="http://schemas.microsoft.com/office/powerpoint/2015/main" xmlns="" val="1"/>
               </p:ext>
             </p:extLst>
           </p:nvPr>
@@ -9738,10 +9738,10 @@
           <p:cNvPr id="26" name="Picture 25">
             <a:extLst>
               <a:ext uri="{FF2B5EF4-FFF2-40B4-BE49-F238E27FC236}">
-                <a16:creationId xmlns:a16="http://schemas.microsoft.com/office/drawing/2014/main" id="{1F5620B8-A2D8-4568-B566-F0453A0D9167}"/>
+                <a16:creationId xmlns:a16="http://schemas.microsoft.com/office/drawing/2014/main" xmlns="" id="{1F5620B8-A2D8-4568-B566-F0453A0D9167}"/>
               </a:ext>
               <a:ext uri="{C183D7F6-B498-43B3-948B-1728B52AA6E4}">
-                <adec:decorative xmlns:adec="http://schemas.microsoft.com/office/drawing/2017/decorative" val="1"/>
+                <adec:decorative xmlns:adec="http://schemas.microsoft.com/office/drawing/2017/decorative" xmlns="" val="1"/>
               </a:ext>
             </a:extLst>
           </p:cNvPr>
@@ -9751,7 +9751,7 @@
           <p:nvPr>
             <p:extLst>
               <p:ext uri="{386F3935-93C4-4BCD-93E2-E3B085C9AB24}">
-                <p16:designElem xmlns:p16="http://schemas.microsoft.com/office/powerpoint/2015/main" val="1"/>
+                <p16:designElem xmlns:p16="http://schemas.microsoft.com/office/powerpoint/2015/main" xmlns="" val="1"/>
               </p:ext>
             </p:extLst>
           </p:nvPr>
@@ -9782,10 +9782,10 @@
           <p:cNvPr id="28" name="Straight Connector 27">
             <a:extLst>
               <a:ext uri="{FF2B5EF4-FFF2-40B4-BE49-F238E27FC236}">
-                <a16:creationId xmlns:a16="http://schemas.microsoft.com/office/drawing/2014/main" id="{1C7D2BA4-4B7A-4596-8BCC-5CF715423894}"/>
+                <a16:creationId xmlns:a16="http://schemas.microsoft.com/office/drawing/2014/main" xmlns="" id="{1C7D2BA4-4B7A-4596-8BCC-5CF715423894}"/>
               </a:ext>
               <a:ext uri="{C183D7F6-B498-43B3-948B-1728B52AA6E4}">
-                <adec:decorative xmlns:adec="http://schemas.microsoft.com/office/drawing/2017/decorative" val="1"/>
+                <adec:decorative xmlns:adec="http://schemas.microsoft.com/office/drawing/2017/decorative" xmlns="" val="1"/>
               </a:ext>
             </a:extLst>
           </p:cNvPr>
@@ -9795,7 +9795,7 @@
           <p:nvPr>
             <p:extLst>
               <p:ext uri="{386F3935-93C4-4BCD-93E2-E3B085C9AB24}">
-                <p16:designElem xmlns:p16="http://schemas.microsoft.com/office/powerpoint/2015/main" val="1"/>
+                <p16:designElem xmlns:p16="http://schemas.microsoft.com/office/powerpoint/2015/main" xmlns="" val="1"/>
               </p:ext>
             </p:extLst>
           </p:nvPr>
@@ -9836,10 +9836,10 @@
           <p:cNvPr id="30" name="Straight Connector 29">
             <a:extLst>
               <a:ext uri="{FF2B5EF4-FFF2-40B4-BE49-F238E27FC236}">
-                <a16:creationId xmlns:a16="http://schemas.microsoft.com/office/drawing/2014/main" id="{4977F1E1-2B6F-4BB6-899F-67D8764D83C5}"/>
+                <a16:creationId xmlns:a16="http://schemas.microsoft.com/office/drawing/2014/main" xmlns="" id="{4977F1E1-2B6F-4BB6-899F-67D8764D83C5}"/>
               </a:ext>
               <a:ext uri="{C183D7F6-B498-43B3-948B-1728B52AA6E4}">
-                <adec:decorative xmlns:adec="http://schemas.microsoft.com/office/drawing/2017/decorative" val="1"/>
+                <adec:decorative xmlns:adec="http://schemas.microsoft.com/office/drawing/2017/decorative" xmlns="" val="1"/>
               </a:ext>
             </a:extLst>
           </p:cNvPr>
@@ -9849,7 +9849,7 @@
           <p:nvPr>
             <p:extLst>
               <p:ext uri="{386F3935-93C4-4BCD-93E2-E3B085C9AB24}">
-                <p16:designElem xmlns:p16="http://schemas.microsoft.com/office/powerpoint/2015/main" val="1"/>
+                <p16:designElem xmlns:p16="http://schemas.microsoft.com/office/powerpoint/2015/main" xmlns="" val="1"/>
               </p:ext>
             </p:extLst>
           </p:nvPr>
@@ -9884,7 +9884,7 @@
           <p:cNvPr id="4" name="Picture 3" descr="A picture containing text, vector graphics&#10;&#10;Description automatically generated">
             <a:extLst>
               <a:ext uri="{FF2B5EF4-FFF2-40B4-BE49-F238E27FC236}">
-                <a16:creationId xmlns:a16="http://schemas.microsoft.com/office/drawing/2014/main" id="{D65BEFA9-CCE3-4E53-9CF9-7E3EEAC54E8E}"/>
+                <a16:creationId xmlns:a16="http://schemas.microsoft.com/office/drawing/2014/main" xmlns="" id="{D65BEFA9-CCE3-4E53-9CF9-7E3EEAC54E8E}"/>
               </a:ext>
             </a:extLst>
           </p:cNvPr>
@@ -9919,10 +9919,10 @@
           <p:cNvPr id="32" name="Rectangle 31">
             <a:extLst>
               <a:ext uri="{FF2B5EF4-FFF2-40B4-BE49-F238E27FC236}">
-                <a16:creationId xmlns:a16="http://schemas.microsoft.com/office/drawing/2014/main" id="{A4092ECB-D375-4A85-AD6E-85644D2A99E5}"/>
+                <a16:creationId xmlns:a16="http://schemas.microsoft.com/office/drawing/2014/main" xmlns="" id="{A4092ECB-D375-4A85-AD6E-85644D2A99E5}"/>
               </a:ext>
               <a:ext uri="{C183D7F6-B498-43B3-948B-1728B52AA6E4}">
-                <adec:decorative xmlns:adec="http://schemas.microsoft.com/office/drawing/2017/decorative" val="1"/>
+                <adec:decorative xmlns:adec="http://schemas.microsoft.com/office/drawing/2017/decorative" xmlns="" val="1"/>
               </a:ext>
             </a:extLst>
           </p:cNvPr>
@@ -9932,7 +9932,7 @@
           <p:nvPr>
             <p:extLst>
               <p:ext uri="{386F3935-93C4-4BCD-93E2-E3B085C9AB24}">
-                <p16:designElem xmlns:p16="http://schemas.microsoft.com/office/powerpoint/2015/main" val="1"/>
+                <p16:designElem xmlns:p16="http://schemas.microsoft.com/office/powerpoint/2015/main" xmlns="" val="1"/>
               </p:ext>
             </p:extLst>
           </p:nvPr>
@@ -9982,7 +9982,7 @@
           <p:cNvPr id="2" name="Title 1">
             <a:extLst>
               <a:ext uri="{FF2B5EF4-FFF2-40B4-BE49-F238E27FC236}">
-                <a16:creationId xmlns:a16="http://schemas.microsoft.com/office/drawing/2014/main" id="{1A5D062A-AC8A-4ACD-8909-22A198F00884}"/>
+                <a16:creationId xmlns:a16="http://schemas.microsoft.com/office/drawing/2014/main" xmlns="" id="{1A5D062A-AC8A-4ACD-8909-22A198F00884}"/>
               </a:ext>
             </a:extLst>
           </p:cNvPr>
@@ -10022,10 +10022,10 @@
           <p:cNvPr id="34" name="Straight Connector 33">
             <a:extLst>
               <a:ext uri="{FF2B5EF4-FFF2-40B4-BE49-F238E27FC236}">
-                <a16:creationId xmlns:a16="http://schemas.microsoft.com/office/drawing/2014/main" id="{B6C1711D-6DAC-4FE1-B7B6-AC8A81B84C08}"/>
+                <a16:creationId xmlns:a16="http://schemas.microsoft.com/office/drawing/2014/main" xmlns="" id="{B6C1711D-6DAC-4FE1-B7B6-AC8A81B84C08}"/>
               </a:ext>
               <a:ext uri="{C183D7F6-B498-43B3-948B-1728B52AA6E4}">
-                <adec:decorative xmlns:adec="http://schemas.microsoft.com/office/drawing/2017/decorative" val="1"/>
+                <adec:decorative xmlns:adec="http://schemas.microsoft.com/office/drawing/2017/decorative" xmlns="" val="1"/>
               </a:ext>
             </a:extLst>
           </p:cNvPr>
@@ -10035,7 +10035,7 @@
           <p:nvPr>
             <p:extLst>
               <p:ext uri="{386F3935-93C4-4BCD-93E2-E3B085C9AB24}">
-                <p16:designElem xmlns:p16="http://schemas.microsoft.com/office/powerpoint/2015/main" val="1"/>
+                <p16:designElem xmlns:p16="http://schemas.microsoft.com/office/powerpoint/2015/main" xmlns="" val="1"/>
               </p:ext>
             </p:extLst>
           </p:nvPr>
@@ -10128,10 +10128,10 @@
           <p:cNvPr id="7" name="Rectangle 6">
             <a:extLst>
               <a:ext uri="{FF2B5EF4-FFF2-40B4-BE49-F238E27FC236}">
-                <a16:creationId xmlns:a16="http://schemas.microsoft.com/office/drawing/2014/main" id="{23522FE7-5A29-4EF6-B1EF-2CA55748A772}"/>
+                <a16:creationId xmlns:a16="http://schemas.microsoft.com/office/drawing/2014/main" xmlns="" id="{23522FE7-5A29-4EF6-B1EF-2CA55748A772}"/>
               </a:ext>
               <a:ext uri="{C183D7F6-B498-43B3-948B-1728B52AA6E4}">
-                <adec:decorative xmlns:adec="http://schemas.microsoft.com/office/drawing/2017/decorative" val="1"/>
+                <adec:decorative xmlns:adec="http://schemas.microsoft.com/office/drawing/2017/decorative" xmlns="" val="1"/>
               </a:ext>
             </a:extLst>
           </p:cNvPr>
@@ -10141,7 +10141,7 @@
           <p:nvPr>
             <p:extLst>
               <p:ext uri="{386F3935-93C4-4BCD-93E2-E3B085C9AB24}">
-                <p16:designElem xmlns:p16="http://schemas.microsoft.com/office/powerpoint/2015/main" val="1"/>
+                <p16:designElem xmlns:p16="http://schemas.microsoft.com/office/powerpoint/2015/main" xmlns="" val="1"/>
               </p:ext>
             </p:extLst>
           </p:nvPr>
@@ -10194,10 +10194,10 @@
           <p:cNvPr id="9" name="Picture 8">
             <a:extLst>
               <a:ext uri="{FF2B5EF4-FFF2-40B4-BE49-F238E27FC236}">
-                <a16:creationId xmlns:a16="http://schemas.microsoft.com/office/drawing/2014/main" id="{C2192E09-EBC7-416C-B887-DFF915D7F43D}"/>
+                <a16:creationId xmlns:a16="http://schemas.microsoft.com/office/drawing/2014/main" xmlns="" id="{C2192E09-EBC7-416C-B887-DFF915D7F43D}"/>
               </a:ext>
               <a:ext uri="{C183D7F6-B498-43B3-948B-1728B52AA6E4}">
-                <adec:decorative xmlns:adec="http://schemas.microsoft.com/office/drawing/2017/decorative" val="1"/>
+                <adec:decorative xmlns:adec="http://schemas.microsoft.com/office/drawing/2017/decorative" xmlns="" val="1"/>
               </a:ext>
             </a:extLst>
           </p:cNvPr>
@@ -10207,7 +10207,7 @@
           <p:nvPr>
             <p:extLst>
               <p:ext uri="{386F3935-93C4-4BCD-93E2-E3B085C9AB24}">
-                <p16:designElem xmlns:p16="http://schemas.microsoft.com/office/powerpoint/2015/main" val="1"/>
+                <p16:designElem xmlns:p16="http://schemas.microsoft.com/office/powerpoint/2015/main" xmlns="" val="1"/>
               </p:ext>
             </p:extLst>
           </p:nvPr>
@@ -10238,10 +10238,10 @@
           <p:cNvPr id="11" name="Straight Connector 10">
             <a:extLst>
               <a:ext uri="{FF2B5EF4-FFF2-40B4-BE49-F238E27FC236}">
-                <a16:creationId xmlns:a16="http://schemas.microsoft.com/office/drawing/2014/main" id="{2924498D-E084-44BE-A196-CFCE35564350}"/>
+                <a16:creationId xmlns:a16="http://schemas.microsoft.com/office/drawing/2014/main" xmlns="" id="{2924498D-E084-44BE-A196-CFCE35564350}"/>
               </a:ext>
               <a:ext uri="{C183D7F6-B498-43B3-948B-1728B52AA6E4}">
-                <adec:decorative xmlns:adec="http://schemas.microsoft.com/office/drawing/2017/decorative" val="1"/>
+                <adec:decorative xmlns:adec="http://schemas.microsoft.com/office/drawing/2017/decorative" xmlns="" val="1"/>
               </a:ext>
             </a:extLst>
           </p:cNvPr>
@@ -10251,7 +10251,7 @@
           <p:nvPr>
             <p:extLst>
               <p:ext uri="{386F3935-93C4-4BCD-93E2-E3B085C9AB24}">
-                <p16:designElem xmlns:p16="http://schemas.microsoft.com/office/powerpoint/2015/main" val="1"/>
+                <p16:designElem xmlns:p16="http://schemas.microsoft.com/office/powerpoint/2015/main" xmlns="" val="1"/>
               </p:ext>
             </p:extLst>
           </p:nvPr>
@@ -10292,10 +10292,10 @@
           <p:cNvPr id="13" name="Straight Connector 12">
             <a:extLst>
               <a:ext uri="{FF2B5EF4-FFF2-40B4-BE49-F238E27FC236}">
-                <a16:creationId xmlns:a16="http://schemas.microsoft.com/office/drawing/2014/main" id="{3BBC7667-C352-4842-9AFD-E5C16AD002F4}"/>
+                <a16:creationId xmlns:a16="http://schemas.microsoft.com/office/drawing/2014/main" xmlns="" id="{3BBC7667-C352-4842-9AFD-E5C16AD002F4}"/>
               </a:ext>
               <a:ext uri="{C183D7F6-B498-43B3-948B-1728B52AA6E4}">
-                <adec:decorative xmlns:adec="http://schemas.microsoft.com/office/drawing/2017/decorative" val="1"/>
+                <adec:decorative xmlns:adec="http://schemas.microsoft.com/office/drawing/2017/decorative" xmlns="" val="1"/>
               </a:ext>
             </a:extLst>
           </p:cNvPr>
@@ -10305,7 +10305,7 @@
           <p:nvPr>
             <p:extLst>
               <p:ext uri="{386F3935-93C4-4BCD-93E2-E3B085C9AB24}">
-                <p16:designElem xmlns:p16="http://schemas.microsoft.com/office/powerpoint/2015/main" val="1"/>
+                <p16:designElem xmlns:p16="http://schemas.microsoft.com/office/powerpoint/2015/main" xmlns="" val="1"/>
               </p:ext>
             </p:extLst>
           </p:nvPr>
@@ -10340,10 +10340,10 @@
           <p:cNvPr id="15" name="Rectangle 14">
             <a:extLst>
               <a:ext uri="{FF2B5EF4-FFF2-40B4-BE49-F238E27FC236}">
-                <a16:creationId xmlns:a16="http://schemas.microsoft.com/office/drawing/2014/main" id="{F0AB17F6-592B-45CB-96F6-705C9825AFBC}"/>
+                <a16:creationId xmlns:a16="http://schemas.microsoft.com/office/drawing/2014/main" xmlns="" id="{F0AB17F6-592B-45CB-96F6-705C9825AFBC}"/>
               </a:ext>
               <a:ext uri="{C183D7F6-B498-43B3-948B-1728B52AA6E4}">
-                <adec:decorative xmlns:adec="http://schemas.microsoft.com/office/drawing/2017/decorative" val="1"/>
+                <adec:decorative xmlns:adec="http://schemas.microsoft.com/office/drawing/2017/decorative" xmlns="" val="1"/>
               </a:ext>
             </a:extLst>
           </p:cNvPr>
@@ -10353,7 +10353,7 @@
           <p:nvPr>
             <p:extLst>
               <p:ext uri="{386F3935-93C4-4BCD-93E2-E3B085C9AB24}">
-                <p16:designElem xmlns:p16="http://schemas.microsoft.com/office/powerpoint/2015/main" val="1"/>
+                <p16:designElem xmlns:p16="http://schemas.microsoft.com/office/powerpoint/2015/main" xmlns="" val="1"/>
               </p:ext>
             </p:extLst>
           </p:nvPr>
@@ -10400,7 +10400,7 @@
           <p:cNvPr id="2" name="Title 1">
             <a:extLst>
               <a:ext uri="{FF2B5EF4-FFF2-40B4-BE49-F238E27FC236}">
-                <a16:creationId xmlns:a16="http://schemas.microsoft.com/office/drawing/2014/main" id="{6FC29038-DDBC-4BFF-89F4-CE1EC9E6EEB3}"/>
+                <a16:creationId xmlns:a16="http://schemas.microsoft.com/office/drawing/2014/main" xmlns="" id="{6FC29038-DDBC-4BFF-89F4-CE1EC9E6EEB3}"/>
               </a:ext>
             </a:extLst>
           </p:cNvPr>
@@ -10440,10 +10440,10 @@
           <p:cNvPr id="17" name="Straight Connector 16">
             <a:extLst>
               <a:ext uri="{FF2B5EF4-FFF2-40B4-BE49-F238E27FC236}">
-                <a16:creationId xmlns:a16="http://schemas.microsoft.com/office/drawing/2014/main" id="{5A9284E7-0823-472D-9963-18D89DFEB8B4}"/>
+                <a16:creationId xmlns:a16="http://schemas.microsoft.com/office/drawing/2014/main" xmlns="" id="{5A9284E7-0823-472D-9963-18D89DFEB8B4}"/>
               </a:ext>
               <a:ext uri="{C183D7F6-B498-43B3-948B-1728B52AA6E4}">
-                <adec:decorative xmlns:adec="http://schemas.microsoft.com/office/drawing/2017/decorative" val="1"/>
+                <adec:decorative xmlns:adec="http://schemas.microsoft.com/office/drawing/2017/decorative" xmlns="" val="1"/>
               </a:ext>
             </a:extLst>
           </p:cNvPr>
@@ -10453,7 +10453,7 @@
           <p:nvPr>
             <p:extLst>
               <p:ext uri="{386F3935-93C4-4BCD-93E2-E3B085C9AB24}">
-                <p16:designElem xmlns:p16="http://schemas.microsoft.com/office/powerpoint/2015/main" val="1"/>
+                <p16:designElem xmlns:p16="http://schemas.microsoft.com/office/powerpoint/2015/main" xmlns="" val="1"/>
               </p:ext>
             </p:extLst>
           </p:nvPr>
@@ -10542,10 +10542,10 @@
           <p:cNvPr id="49" name="Rectangle 28">
             <a:extLst>
               <a:ext uri="{FF2B5EF4-FFF2-40B4-BE49-F238E27FC236}">
-                <a16:creationId xmlns:a16="http://schemas.microsoft.com/office/drawing/2014/main" id="{021A4066-B261-49FE-952E-A0FE3EE75CD2}"/>
+                <a16:creationId xmlns:a16="http://schemas.microsoft.com/office/drawing/2014/main" xmlns="" id="{021A4066-B261-49FE-952E-A0FE3EE75CD2}"/>
               </a:ext>
               <a:ext uri="{C183D7F6-B498-43B3-948B-1728B52AA6E4}">
-                <adec:decorative xmlns:adec="http://schemas.microsoft.com/office/drawing/2017/decorative" val="1"/>
+                <adec:decorative xmlns:adec="http://schemas.microsoft.com/office/drawing/2017/decorative" xmlns="" val="1"/>
               </a:ext>
             </a:extLst>
           </p:cNvPr>
@@ -10555,7 +10555,7 @@
           <p:nvPr>
             <p:extLst>
               <p:ext uri="{386F3935-93C4-4BCD-93E2-E3B085C9AB24}">
-                <p16:designElem xmlns:p16="http://schemas.microsoft.com/office/powerpoint/2015/main" val="1"/>
+                <p16:designElem xmlns:p16="http://schemas.microsoft.com/office/powerpoint/2015/main" xmlns="" val="1"/>
               </p:ext>
             </p:extLst>
           </p:nvPr>
@@ -10602,10 +10602,10 @@
           <p:cNvPr id="50" name="Straight Connector 30">
             <a:extLst>
               <a:ext uri="{FF2B5EF4-FFF2-40B4-BE49-F238E27FC236}">
-                <a16:creationId xmlns:a16="http://schemas.microsoft.com/office/drawing/2014/main" id="{381B4579-E2EA-4BD7-94FF-0A0BEE135C6B}"/>
+                <a16:creationId xmlns:a16="http://schemas.microsoft.com/office/drawing/2014/main" xmlns="" id="{381B4579-E2EA-4BD7-94FF-0A0BEE135C6B}"/>
               </a:ext>
               <a:ext uri="{C183D7F6-B498-43B3-948B-1728B52AA6E4}">
-                <adec:decorative xmlns:adec="http://schemas.microsoft.com/office/drawing/2017/decorative" val="1"/>
+                <adec:decorative xmlns:adec="http://schemas.microsoft.com/office/drawing/2017/decorative" xmlns="" val="1"/>
               </a:ext>
             </a:extLst>
           </p:cNvPr>
@@ -10615,7 +10615,7 @@
           <p:nvPr>
             <p:extLst>
               <p:ext uri="{386F3935-93C4-4BCD-93E2-E3B085C9AB24}">
-                <p16:designElem xmlns:p16="http://schemas.microsoft.com/office/powerpoint/2015/main" val="1"/>
+                <p16:designElem xmlns:p16="http://schemas.microsoft.com/office/powerpoint/2015/main" xmlns="" val="1"/>
               </p:ext>
             </p:extLst>
           </p:nvPr>
@@ -10650,7 +10650,7 @@
           <p:cNvPr id="2" name="Title 1">
             <a:extLst>
               <a:ext uri="{FF2B5EF4-FFF2-40B4-BE49-F238E27FC236}">
-                <a16:creationId xmlns:a16="http://schemas.microsoft.com/office/drawing/2014/main" id="{795DB3BF-3CE7-4BD2-B84B-21AA455D263D}"/>
+                <a16:creationId xmlns:a16="http://schemas.microsoft.com/office/drawing/2014/main" xmlns="" id="{795DB3BF-3CE7-4BD2-B84B-21AA455D263D}"/>
               </a:ext>
             </a:extLst>
           </p:cNvPr>
@@ -10685,10 +10685,10 @@
           <p:cNvPr id="51" name="Rectangle 32">
             <a:extLst>
               <a:ext uri="{FF2B5EF4-FFF2-40B4-BE49-F238E27FC236}">
-                <a16:creationId xmlns:a16="http://schemas.microsoft.com/office/drawing/2014/main" id="{81958111-BC13-4D45-AB27-0C2C83F9BA64}"/>
+                <a16:creationId xmlns:a16="http://schemas.microsoft.com/office/drawing/2014/main" xmlns="" id="{81958111-BC13-4D45-AB27-0C2C83F9BA64}"/>
               </a:ext>
               <a:ext uri="{C183D7F6-B498-43B3-948B-1728B52AA6E4}">
-                <adec:decorative xmlns:adec="http://schemas.microsoft.com/office/drawing/2017/decorative" val="1"/>
+                <adec:decorative xmlns:adec="http://schemas.microsoft.com/office/drawing/2017/decorative" xmlns="" val="1"/>
               </a:ext>
             </a:extLst>
           </p:cNvPr>
@@ -10698,7 +10698,7 @@
           <p:nvPr>
             <p:extLst>
               <p:ext uri="{386F3935-93C4-4BCD-93E2-E3B085C9AB24}">
-                <p16:designElem xmlns:p16="http://schemas.microsoft.com/office/powerpoint/2015/main" val="1"/>
+                <p16:designElem xmlns:p16="http://schemas.microsoft.com/office/powerpoint/2015/main" xmlns="" val="1"/>
               </p:ext>
             </p:extLst>
           </p:nvPr>
@@ -10759,7 +10759,7 @@
           <p:cNvPr id="26" name="Content Placeholder 25">
             <a:extLst>
               <a:ext uri="{FF2B5EF4-FFF2-40B4-BE49-F238E27FC236}">
-                <a16:creationId xmlns:a16="http://schemas.microsoft.com/office/drawing/2014/main" id="{EEEC9B65-B358-AE16-2919-517F7129E7C2}"/>
+                <a16:creationId xmlns:a16="http://schemas.microsoft.com/office/drawing/2014/main" xmlns="" id="{EEEC9B65-B358-AE16-2919-517F7129E7C2}"/>
               </a:ext>
             </a:extLst>
           </p:cNvPr>
@@ -10804,10 +10804,10 @@
           <p:cNvPr id="52" name="Group 34">
             <a:extLst>
               <a:ext uri="{FF2B5EF4-FFF2-40B4-BE49-F238E27FC236}">
-                <a16:creationId xmlns:a16="http://schemas.microsoft.com/office/drawing/2014/main" id="{82188758-E18A-4CE5-9D03-F4BF5D887C3F}"/>
+                <a16:creationId xmlns:a16="http://schemas.microsoft.com/office/drawing/2014/main" xmlns="" id="{82188758-E18A-4CE5-9D03-F4BF5D887C3F}"/>
               </a:ext>
               <a:ext uri="{C183D7F6-B498-43B3-948B-1728B52AA6E4}">
-                <adec:decorative xmlns:adec="http://schemas.microsoft.com/office/drawing/2017/decorative" val="1"/>
+                <adec:decorative xmlns:adec="http://schemas.microsoft.com/office/drawing/2017/decorative" xmlns="" val="1"/>
               </a:ext>
             </a:extLst>
           </p:cNvPr>
@@ -10817,7 +10817,7 @@
           <p:nvPr>
             <p:extLst>
               <p:ext uri="{386F3935-93C4-4BCD-93E2-E3B085C9AB24}">
-                <p16:designElem xmlns:p16="http://schemas.microsoft.com/office/powerpoint/2015/main" val="1"/>
+                <p16:designElem xmlns:p16="http://schemas.microsoft.com/office/powerpoint/2015/main" xmlns="" val="1"/>
               </p:ext>
             </p:extLst>
           </p:nvPr>
@@ -10835,10 +10835,10 @@
             <p:cNvPr id="36" name="Rectangle 35">
               <a:extLst>
                 <a:ext uri="{FF2B5EF4-FFF2-40B4-BE49-F238E27FC236}">
-                  <a16:creationId xmlns:a16="http://schemas.microsoft.com/office/drawing/2014/main" id="{821513DD-C15F-4381-AEA6-ED9E5E218CA6}"/>
+                  <a16:creationId xmlns:a16="http://schemas.microsoft.com/office/drawing/2014/main" xmlns="" id="{821513DD-C15F-4381-AEA6-ED9E5E218CA6}"/>
                 </a:ext>
                 <a:ext uri="{C183D7F6-B498-43B3-948B-1728B52AA6E4}">
-                  <adec:decorative xmlns:adec="http://schemas.microsoft.com/office/drawing/2017/decorative" val="1"/>
+                  <adec:decorative xmlns:adec="http://schemas.microsoft.com/office/drawing/2017/decorative" xmlns="" val="1"/>
                 </a:ext>
               </a:extLst>
             </p:cNvPr>
@@ -10846,7 +10846,7 @@
             <p:nvPr>
               <p:extLst>
                 <p:ext uri="{386F3935-93C4-4BCD-93E2-E3B085C9AB24}">
-                  <p16:designElem xmlns:p16="http://schemas.microsoft.com/office/powerpoint/2015/main" val="1"/>
+                  <p16:designElem xmlns:p16="http://schemas.microsoft.com/office/powerpoint/2015/main" xmlns="" val="1"/>
                 </p:ext>
               </p:extLst>
             </p:nvPr>
@@ -10916,10 +10916,10 @@
             <p:cNvPr id="53" name="Rectangle 36">
               <a:extLst>
                 <a:ext uri="{FF2B5EF4-FFF2-40B4-BE49-F238E27FC236}">
-                  <a16:creationId xmlns:a16="http://schemas.microsoft.com/office/drawing/2014/main" id="{CED2DE01-7F43-4858-85FC-27022DA78120}"/>
+                  <a16:creationId xmlns:a16="http://schemas.microsoft.com/office/drawing/2014/main" xmlns="" id="{CED2DE01-7F43-4858-85FC-27022DA78120}"/>
                 </a:ext>
                 <a:ext uri="{C183D7F6-B498-43B3-948B-1728B52AA6E4}">
-                  <adec:decorative xmlns:adec="http://schemas.microsoft.com/office/drawing/2017/decorative" val="1"/>
+                  <adec:decorative xmlns:adec="http://schemas.microsoft.com/office/drawing/2017/decorative" xmlns="" val="1"/>
                 </a:ext>
               </a:extLst>
             </p:cNvPr>
@@ -10927,7 +10927,7 @@
             <p:nvPr>
               <p:extLst>
                 <p:ext uri="{386F3935-93C4-4BCD-93E2-E3B085C9AB24}">
-                  <p16:designElem xmlns:p16="http://schemas.microsoft.com/office/powerpoint/2015/main" val="1"/>
+                  <p16:designElem xmlns:p16="http://schemas.microsoft.com/office/powerpoint/2015/main" xmlns="" val="1"/>
                 </p:ext>
               </p:extLst>
             </p:nvPr>
@@ -11001,7 +11001,7 @@
           <p:cNvPr id="22" name="Content Placeholder 21" descr="A picture containing text&#10;&#10;Description automatically generated">
             <a:extLst>
               <a:ext uri="{FF2B5EF4-FFF2-40B4-BE49-F238E27FC236}">
-                <a16:creationId xmlns:a16="http://schemas.microsoft.com/office/drawing/2014/main" id="{55AF8C6B-0C2F-4026-9EEF-FA2E5DFAE417}"/>
+                <a16:creationId xmlns:a16="http://schemas.microsoft.com/office/drawing/2014/main" xmlns="" id="{55AF8C6B-0C2F-4026-9EEF-FA2E5DFAE417}"/>
               </a:ext>
             </a:extLst>
           </p:cNvPr>
@@ -11036,10 +11036,10 @@
           <p:cNvPr id="54" name="Picture 38">
             <a:extLst>
               <a:ext uri="{FF2B5EF4-FFF2-40B4-BE49-F238E27FC236}">
-                <a16:creationId xmlns:a16="http://schemas.microsoft.com/office/drawing/2014/main" id="{D42F4933-2ECF-4EE5-BCE4-F19E3CA609FE}"/>
+                <a16:creationId xmlns:a16="http://schemas.microsoft.com/office/drawing/2014/main" xmlns="" id="{D42F4933-2ECF-4EE5-BCE4-F19E3CA609FE}"/>
               </a:ext>
               <a:ext uri="{C183D7F6-B498-43B3-948B-1728B52AA6E4}">
-                <adec:decorative xmlns:adec="http://schemas.microsoft.com/office/drawing/2017/decorative" val="1"/>
+                <adec:decorative xmlns:adec="http://schemas.microsoft.com/office/drawing/2017/decorative" xmlns="" val="1"/>
               </a:ext>
             </a:extLst>
           </p:cNvPr>
@@ -11049,7 +11049,7 @@
           <p:nvPr>
             <p:extLst>
               <p:ext uri="{386F3935-93C4-4BCD-93E2-E3B085C9AB24}">
-                <p16:designElem xmlns:p16="http://schemas.microsoft.com/office/powerpoint/2015/main" val="1"/>
+                <p16:designElem xmlns:p16="http://schemas.microsoft.com/office/powerpoint/2015/main" xmlns="" val="1"/>
               </p:ext>
             </p:extLst>
           </p:nvPr>
@@ -11080,10 +11080,10 @@
           <p:cNvPr id="55" name="Straight Connector 40">
             <a:extLst>
               <a:ext uri="{FF2B5EF4-FFF2-40B4-BE49-F238E27FC236}">
-                <a16:creationId xmlns:a16="http://schemas.microsoft.com/office/drawing/2014/main" id="{C6FAC23C-014D-4AC5-AD1B-36F7D0E7EF32}"/>
+                <a16:creationId xmlns:a16="http://schemas.microsoft.com/office/drawing/2014/main" xmlns="" id="{C6FAC23C-014D-4AC5-AD1B-36F7D0E7EF32}"/>
               </a:ext>
               <a:ext uri="{C183D7F6-B498-43B3-948B-1728B52AA6E4}">
-                <adec:decorative xmlns:adec="http://schemas.microsoft.com/office/drawing/2017/decorative" val="1"/>
+                <adec:decorative xmlns:adec="http://schemas.microsoft.com/office/drawing/2017/decorative" xmlns="" val="1"/>
               </a:ext>
             </a:extLst>
           </p:cNvPr>
@@ -11093,7 +11093,7 @@
           <p:nvPr>
             <p:extLst>
               <p:ext uri="{386F3935-93C4-4BCD-93E2-E3B085C9AB24}">
-                <p16:designElem xmlns:p16="http://schemas.microsoft.com/office/powerpoint/2015/main" val="1"/>
+                <p16:designElem xmlns:p16="http://schemas.microsoft.com/office/powerpoint/2015/main" xmlns="" val="1"/>
               </p:ext>
             </p:extLst>
           </p:nvPr>
@@ -11188,10 +11188,10 @@
           <p:cNvPr id="7" name="Rectangle 6">
             <a:extLst>
               <a:ext uri="{FF2B5EF4-FFF2-40B4-BE49-F238E27FC236}">
-                <a16:creationId xmlns:a16="http://schemas.microsoft.com/office/drawing/2014/main" id="{23522FE7-5A29-4EF6-B1EF-2CA55748A772}"/>
+                <a16:creationId xmlns:a16="http://schemas.microsoft.com/office/drawing/2014/main" xmlns="" id="{23522FE7-5A29-4EF6-B1EF-2CA55748A772}"/>
               </a:ext>
               <a:ext uri="{C183D7F6-B498-43B3-948B-1728B52AA6E4}">
-                <adec:decorative xmlns:adec="http://schemas.microsoft.com/office/drawing/2017/decorative" val="1"/>
+                <adec:decorative xmlns:adec="http://schemas.microsoft.com/office/drawing/2017/decorative" xmlns="" val="1"/>
               </a:ext>
             </a:extLst>
           </p:cNvPr>
@@ -11201,7 +11201,7 @@
           <p:nvPr>
             <p:extLst>
               <p:ext uri="{386F3935-93C4-4BCD-93E2-E3B085C9AB24}">
-                <p16:designElem xmlns:p16="http://schemas.microsoft.com/office/powerpoint/2015/main" val="1"/>
+                <p16:designElem xmlns:p16="http://schemas.microsoft.com/office/powerpoint/2015/main" xmlns="" val="1"/>
               </p:ext>
             </p:extLst>
           </p:nvPr>
@@ -11254,10 +11254,10 @@
           <p:cNvPr id="9" name="Picture 8">
             <a:extLst>
               <a:ext uri="{FF2B5EF4-FFF2-40B4-BE49-F238E27FC236}">
-                <a16:creationId xmlns:a16="http://schemas.microsoft.com/office/drawing/2014/main" id="{C2192E09-EBC7-416C-B887-DFF915D7F43D}"/>
+                <a16:creationId xmlns:a16="http://schemas.microsoft.com/office/drawing/2014/main" xmlns="" id="{C2192E09-EBC7-416C-B887-DFF915D7F43D}"/>
               </a:ext>
               <a:ext uri="{C183D7F6-B498-43B3-948B-1728B52AA6E4}">
-                <adec:decorative xmlns:adec="http://schemas.microsoft.com/office/drawing/2017/decorative" val="1"/>
+                <adec:decorative xmlns:adec="http://schemas.microsoft.com/office/drawing/2017/decorative" xmlns="" val="1"/>
               </a:ext>
             </a:extLst>
           </p:cNvPr>
@@ -11267,7 +11267,7 @@
           <p:nvPr>
             <p:extLst>
               <p:ext uri="{386F3935-93C4-4BCD-93E2-E3B085C9AB24}">
-                <p16:designElem xmlns:p16="http://schemas.microsoft.com/office/powerpoint/2015/main" val="1"/>
+                <p16:designElem xmlns:p16="http://schemas.microsoft.com/office/powerpoint/2015/main" xmlns="" val="1"/>
               </p:ext>
             </p:extLst>
           </p:nvPr>
@@ -11298,10 +11298,10 @@
           <p:cNvPr id="11" name="Straight Connector 10">
             <a:extLst>
               <a:ext uri="{FF2B5EF4-FFF2-40B4-BE49-F238E27FC236}">
-                <a16:creationId xmlns:a16="http://schemas.microsoft.com/office/drawing/2014/main" id="{2924498D-E084-44BE-A196-CFCE35564350}"/>
+                <a16:creationId xmlns:a16="http://schemas.microsoft.com/office/drawing/2014/main" xmlns="" id="{2924498D-E084-44BE-A196-CFCE35564350}"/>
               </a:ext>
               <a:ext uri="{C183D7F6-B498-43B3-948B-1728B52AA6E4}">
-                <adec:decorative xmlns:adec="http://schemas.microsoft.com/office/drawing/2017/decorative" val="1"/>
+                <adec:decorative xmlns:adec="http://schemas.microsoft.com/office/drawing/2017/decorative" xmlns="" val="1"/>
               </a:ext>
             </a:extLst>
           </p:cNvPr>
@@ -11311,7 +11311,7 @@
           <p:nvPr>
             <p:extLst>
               <p:ext uri="{386F3935-93C4-4BCD-93E2-E3B085C9AB24}">
-                <p16:designElem xmlns:p16="http://schemas.microsoft.com/office/powerpoint/2015/main" val="1"/>
+                <p16:designElem xmlns:p16="http://schemas.microsoft.com/office/powerpoint/2015/main" xmlns="" val="1"/>
               </p:ext>
             </p:extLst>
           </p:nvPr>
@@ -11352,10 +11352,10 @@
           <p:cNvPr id="13" name="Straight Connector 12">
             <a:extLst>
               <a:ext uri="{FF2B5EF4-FFF2-40B4-BE49-F238E27FC236}">
-                <a16:creationId xmlns:a16="http://schemas.microsoft.com/office/drawing/2014/main" id="{3BBC7667-C352-4842-9AFD-E5C16AD002F4}"/>
+                <a16:creationId xmlns:a16="http://schemas.microsoft.com/office/drawing/2014/main" xmlns="" id="{3BBC7667-C352-4842-9AFD-E5C16AD002F4}"/>
               </a:ext>
               <a:ext uri="{C183D7F6-B498-43B3-948B-1728B52AA6E4}">
-                <adec:decorative xmlns:adec="http://schemas.microsoft.com/office/drawing/2017/decorative" val="1"/>
+                <adec:decorative xmlns:adec="http://schemas.microsoft.com/office/drawing/2017/decorative" xmlns="" val="1"/>
               </a:ext>
             </a:extLst>
           </p:cNvPr>
@@ -11365,7 +11365,7 @@
           <p:nvPr>
             <p:extLst>
               <p:ext uri="{386F3935-93C4-4BCD-93E2-E3B085C9AB24}">
-                <p16:designElem xmlns:p16="http://schemas.microsoft.com/office/powerpoint/2015/main" val="1"/>
+                <p16:designElem xmlns:p16="http://schemas.microsoft.com/office/powerpoint/2015/main" xmlns="" val="1"/>
               </p:ext>
             </p:extLst>
           </p:nvPr>
@@ -11400,10 +11400,10 @@
           <p:cNvPr id="15" name="Rectangle 14">
             <a:extLst>
               <a:ext uri="{FF2B5EF4-FFF2-40B4-BE49-F238E27FC236}">
-                <a16:creationId xmlns:a16="http://schemas.microsoft.com/office/drawing/2014/main" id="{F0AB17F6-592B-45CB-96F6-705C9825AFBC}"/>
+                <a16:creationId xmlns:a16="http://schemas.microsoft.com/office/drawing/2014/main" xmlns="" id="{F0AB17F6-592B-45CB-96F6-705C9825AFBC}"/>
               </a:ext>
               <a:ext uri="{C183D7F6-B498-43B3-948B-1728B52AA6E4}">
-                <adec:decorative xmlns:adec="http://schemas.microsoft.com/office/drawing/2017/decorative" val="1"/>
+                <adec:decorative xmlns:adec="http://schemas.microsoft.com/office/drawing/2017/decorative" xmlns="" val="1"/>
               </a:ext>
             </a:extLst>
           </p:cNvPr>
@@ -11413,7 +11413,7 @@
           <p:nvPr>
             <p:extLst>
               <p:ext uri="{386F3935-93C4-4BCD-93E2-E3B085C9AB24}">
-                <p16:designElem xmlns:p16="http://schemas.microsoft.com/office/powerpoint/2015/main" val="1"/>
+                <p16:designElem xmlns:p16="http://schemas.microsoft.com/office/powerpoint/2015/main" xmlns="" val="1"/>
               </p:ext>
             </p:extLst>
           </p:nvPr>
@@ -11460,7 +11460,7 @@
           <p:cNvPr id="2" name="Title 1">
             <a:extLst>
               <a:ext uri="{FF2B5EF4-FFF2-40B4-BE49-F238E27FC236}">
-                <a16:creationId xmlns:a16="http://schemas.microsoft.com/office/drawing/2014/main" id="{6FC29038-DDBC-4BFF-89F4-CE1EC9E6EEB3}"/>
+                <a16:creationId xmlns:a16="http://schemas.microsoft.com/office/drawing/2014/main" xmlns="" id="{6FC29038-DDBC-4BFF-89F4-CE1EC9E6EEB3}"/>
               </a:ext>
             </a:extLst>
           </p:cNvPr>
@@ -11507,10 +11507,10 @@
           <p:cNvPr id="17" name="Straight Connector 16">
             <a:extLst>
               <a:ext uri="{FF2B5EF4-FFF2-40B4-BE49-F238E27FC236}">
-                <a16:creationId xmlns:a16="http://schemas.microsoft.com/office/drawing/2014/main" id="{5A9284E7-0823-472D-9963-18D89DFEB8B4}"/>
+                <a16:creationId xmlns:a16="http://schemas.microsoft.com/office/drawing/2014/main" xmlns="" id="{5A9284E7-0823-472D-9963-18D89DFEB8B4}"/>
               </a:ext>
               <a:ext uri="{C183D7F6-B498-43B3-948B-1728B52AA6E4}">
-                <adec:decorative xmlns:adec="http://schemas.microsoft.com/office/drawing/2017/decorative" val="1"/>
+                <adec:decorative xmlns:adec="http://schemas.microsoft.com/office/drawing/2017/decorative" xmlns="" val="1"/>
               </a:ext>
             </a:extLst>
           </p:cNvPr>
@@ -11520,7 +11520,7 @@
           <p:nvPr>
             <p:extLst>
               <p:ext uri="{386F3935-93C4-4BCD-93E2-E3B085C9AB24}">
-                <p16:designElem xmlns:p16="http://schemas.microsoft.com/office/powerpoint/2015/main" val="1"/>
+                <p16:designElem xmlns:p16="http://schemas.microsoft.com/office/powerpoint/2015/main" xmlns="" val="1"/>
               </p:ext>
             </p:extLst>
           </p:nvPr>
@@ -11609,10 +11609,10 @@
           <p:cNvPr id="10" name="Rectangle 9">
             <a:extLst>
               <a:ext uri="{FF2B5EF4-FFF2-40B4-BE49-F238E27FC236}">
-                <a16:creationId xmlns:a16="http://schemas.microsoft.com/office/drawing/2014/main" id="{3193BA5C-B8F3-4972-BA54-014C48FAFA42}"/>
+                <a16:creationId xmlns:a16="http://schemas.microsoft.com/office/drawing/2014/main" xmlns="" id="{3193BA5C-B8F3-4972-BA54-014C48FAFA42}"/>
               </a:ext>
               <a:ext uri="{C183D7F6-B498-43B3-948B-1728B52AA6E4}">
-                <adec:decorative xmlns:adec="http://schemas.microsoft.com/office/drawing/2017/decorative" val="1"/>
+                <adec:decorative xmlns:adec="http://schemas.microsoft.com/office/drawing/2017/decorative" xmlns="" val="1"/>
               </a:ext>
             </a:extLst>
           </p:cNvPr>
@@ -11622,7 +11622,7 @@
           <p:nvPr>
             <p:extLst>
               <p:ext uri="{386F3935-93C4-4BCD-93E2-E3B085C9AB24}">
-                <p16:designElem xmlns:p16="http://schemas.microsoft.com/office/powerpoint/2015/main" val="1"/>
+                <p16:designElem xmlns:p16="http://schemas.microsoft.com/office/powerpoint/2015/main" xmlns="" val="1"/>
               </p:ext>
             </p:extLst>
           </p:nvPr>
@@ -11669,10 +11669,10 @@
           <p:cNvPr id="12" name="Straight Connector 11">
             <a:extLst>
               <a:ext uri="{FF2B5EF4-FFF2-40B4-BE49-F238E27FC236}">
-                <a16:creationId xmlns:a16="http://schemas.microsoft.com/office/drawing/2014/main" id="{D7162BAB-C25E-4CE9-B87C-F118DC7E7C22}"/>
+                <a16:creationId xmlns:a16="http://schemas.microsoft.com/office/drawing/2014/main" xmlns="" id="{D7162BAB-C25E-4CE9-B87C-F118DC7E7C22}"/>
               </a:ext>
               <a:ext uri="{C183D7F6-B498-43B3-948B-1728B52AA6E4}">
-                <adec:decorative xmlns:adec="http://schemas.microsoft.com/office/drawing/2017/decorative" val="1"/>
+                <adec:decorative xmlns:adec="http://schemas.microsoft.com/office/drawing/2017/decorative" xmlns="" val="1"/>
               </a:ext>
             </a:extLst>
           </p:cNvPr>
@@ -11682,7 +11682,7 @@
           <p:nvPr>
             <p:extLst>
               <p:ext uri="{386F3935-93C4-4BCD-93E2-E3B085C9AB24}">
-                <p16:designElem xmlns:p16="http://schemas.microsoft.com/office/powerpoint/2015/main" val="1"/>
+                <p16:designElem xmlns:p16="http://schemas.microsoft.com/office/powerpoint/2015/main" xmlns="" val="1"/>
               </p:ext>
             </p:extLst>
           </p:nvPr>
@@ -11717,7 +11717,7 @@
           <p:cNvPr id="2" name="Title 1">
             <a:extLst>
               <a:ext uri="{FF2B5EF4-FFF2-40B4-BE49-F238E27FC236}">
-                <a16:creationId xmlns:a16="http://schemas.microsoft.com/office/drawing/2014/main" id="{9C888BC2-5FB8-4A00-9D2C-ABE5250D796C}"/>
+                <a16:creationId xmlns:a16="http://schemas.microsoft.com/office/drawing/2014/main" xmlns="" id="{9C888BC2-5FB8-4A00-9D2C-ABE5250D796C}"/>
               </a:ext>
             </a:extLst>
           </p:cNvPr>
@@ -11759,10 +11759,10 @@
           <p:cNvPr id="14" name="Rectangle 13">
             <a:extLst>
               <a:ext uri="{FF2B5EF4-FFF2-40B4-BE49-F238E27FC236}">
-                <a16:creationId xmlns:a16="http://schemas.microsoft.com/office/drawing/2014/main" id="{05B93327-222A-4DAC-9163-371BF44CDB0C}"/>
+                <a16:creationId xmlns:a16="http://schemas.microsoft.com/office/drawing/2014/main" xmlns="" id="{05B93327-222A-4DAC-9163-371BF44CDB0C}"/>
               </a:ext>
               <a:ext uri="{C183D7F6-B498-43B3-948B-1728B52AA6E4}">
-                <adec:decorative xmlns:adec="http://schemas.microsoft.com/office/drawing/2017/decorative" val="1"/>
+                <adec:decorative xmlns:adec="http://schemas.microsoft.com/office/drawing/2017/decorative" xmlns="" val="1"/>
               </a:ext>
             </a:extLst>
           </p:cNvPr>
@@ -11772,7 +11772,7 @@
           <p:nvPr>
             <p:extLst>
               <p:ext uri="{386F3935-93C4-4BCD-93E2-E3B085C9AB24}">
-                <p16:designElem xmlns:p16="http://schemas.microsoft.com/office/powerpoint/2015/main" val="1"/>
+                <p16:designElem xmlns:p16="http://schemas.microsoft.com/office/powerpoint/2015/main" xmlns="" val="1"/>
               </p:ext>
             </p:extLst>
           </p:nvPr>
@@ -11833,7 +11833,7 @@
           <p:cNvPr id="3" name="Content Placeholder 2">
             <a:extLst>
               <a:ext uri="{FF2B5EF4-FFF2-40B4-BE49-F238E27FC236}">
-                <a16:creationId xmlns:a16="http://schemas.microsoft.com/office/drawing/2014/main" id="{9E6039AD-E8AC-4ACC-89A2-926D9DB406F5}"/>
+                <a16:creationId xmlns:a16="http://schemas.microsoft.com/office/drawing/2014/main" xmlns="" id="{9E6039AD-E8AC-4ACC-89A2-926D9DB406F5}"/>
               </a:ext>
             </a:extLst>
           </p:cNvPr>
@@ -11885,10 +11885,10 @@
           <p:cNvPr id="16" name="Group 15">
             <a:extLst>
               <a:ext uri="{FF2B5EF4-FFF2-40B4-BE49-F238E27FC236}">
-                <a16:creationId xmlns:a16="http://schemas.microsoft.com/office/drawing/2014/main" id="{14EE34E3-F117-4487-8ACF-33DA65FA11B3}"/>
+                <a16:creationId xmlns:a16="http://schemas.microsoft.com/office/drawing/2014/main" xmlns="" id="{14EE34E3-F117-4487-8ACF-33DA65FA11B3}"/>
               </a:ext>
               <a:ext uri="{C183D7F6-B498-43B3-948B-1728B52AA6E4}">
-                <adec:decorative xmlns:adec="http://schemas.microsoft.com/office/drawing/2017/decorative" val="1"/>
+                <adec:decorative xmlns:adec="http://schemas.microsoft.com/office/drawing/2017/decorative" xmlns="" val="1"/>
               </a:ext>
             </a:extLst>
           </p:cNvPr>
@@ -11898,7 +11898,7 @@
           <p:nvPr>
             <p:extLst>
               <p:ext uri="{386F3935-93C4-4BCD-93E2-E3B085C9AB24}">
-                <p16:designElem xmlns:p16="http://schemas.microsoft.com/office/powerpoint/2015/main" val="1"/>
+                <p16:designElem xmlns:p16="http://schemas.microsoft.com/office/powerpoint/2015/main" xmlns="" val="1"/>
               </p:ext>
             </p:extLst>
           </p:nvPr>
@@ -11916,10 +11916,10 @@
             <p:cNvPr id="17" name="Rectangle 16">
               <a:extLst>
                 <a:ext uri="{FF2B5EF4-FFF2-40B4-BE49-F238E27FC236}">
-                  <a16:creationId xmlns:a16="http://schemas.microsoft.com/office/drawing/2014/main" id="{39ACC02C-6424-4165-93C4-E83C8E81D462}"/>
+                  <a16:creationId xmlns:a16="http://schemas.microsoft.com/office/drawing/2014/main" xmlns="" id="{39ACC02C-6424-4165-93C4-E83C8E81D462}"/>
                 </a:ext>
                 <a:ext uri="{C183D7F6-B498-43B3-948B-1728B52AA6E4}">
-                  <adec:decorative xmlns:adec="http://schemas.microsoft.com/office/drawing/2017/decorative" val="1"/>
+                  <adec:decorative xmlns:adec="http://schemas.microsoft.com/office/drawing/2017/decorative" xmlns="" val="1"/>
                 </a:ext>
               </a:extLst>
             </p:cNvPr>
@@ -11927,7 +11927,7 @@
             <p:nvPr>
               <p:extLst>
                 <p:ext uri="{386F3935-93C4-4BCD-93E2-E3B085C9AB24}">
-                  <p16:designElem xmlns:p16="http://schemas.microsoft.com/office/powerpoint/2015/main" val="1"/>
+                  <p16:designElem xmlns:p16="http://schemas.microsoft.com/office/powerpoint/2015/main" xmlns="" val="1"/>
                 </p:ext>
               </p:extLst>
             </p:nvPr>
@@ -11997,10 +11997,10 @@
             <p:cNvPr id="18" name="Rectangle 17">
               <a:extLst>
                 <a:ext uri="{FF2B5EF4-FFF2-40B4-BE49-F238E27FC236}">
-                  <a16:creationId xmlns:a16="http://schemas.microsoft.com/office/drawing/2014/main" id="{C182CB9C-C978-4C9B-9AAD-8B1341897550}"/>
+                  <a16:creationId xmlns:a16="http://schemas.microsoft.com/office/drawing/2014/main" xmlns="" id="{C182CB9C-C978-4C9B-9AAD-8B1341897550}"/>
                 </a:ext>
                 <a:ext uri="{C183D7F6-B498-43B3-948B-1728B52AA6E4}">
-                  <adec:decorative xmlns:adec="http://schemas.microsoft.com/office/drawing/2017/decorative" val="1"/>
+                  <adec:decorative xmlns:adec="http://schemas.microsoft.com/office/drawing/2017/decorative" xmlns="" val="1"/>
                 </a:ext>
               </a:extLst>
             </p:cNvPr>
@@ -12008,7 +12008,7 @@
             <p:nvPr>
               <p:extLst>
                 <p:ext uri="{386F3935-93C4-4BCD-93E2-E3B085C9AB24}">
-                  <p16:designElem xmlns:p16="http://schemas.microsoft.com/office/powerpoint/2015/main" val="1"/>
+                  <p16:designElem xmlns:p16="http://schemas.microsoft.com/office/powerpoint/2015/main" xmlns="" val="1"/>
                 </p:ext>
               </p:extLst>
             </p:nvPr>
@@ -12082,10 +12082,10 @@
           <p:cNvPr id="20" name="Rectangle 19">
             <a:extLst>
               <a:ext uri="{FF2B5EF4-FFF2-40B4-BE49-F238E27FC236}">
-                <a16:creationId xmlns:a16="http://schemas.microsoft.com/office/drawing/2014/main" id="{56388820-A63D-463C-9DBC-060A5ABE33B6}"/>
+                <a16:creationId xmlns:a16="http://schemas.microsoft.com/office/drawing/2014/main" xmlns="" id="{56388820-A63D-463C-9DBC-060A5ABE33B6}"/>
               </a:ext>
               <a:ext uri="{C183D7F6-B498-43B3-948B-1728B52AA6E4}">
-                <adec:decorative xmlns:adec="http://schemas.microsoft.com/office/drawing/2017/decorative" val="1"/>
+                <adec:decorative xmlns:adec="http://schemas.microsoft.com/office/drawing/2017/decorative" xmlns="" val="1"/>
               </a:ext>
             </a:extLst>
           </p:cNvPr>
@@ -12095,7 +12095,7 @@
           <p:nvPr>
             <p:extLst>
               <p:ext uri="{386F3935-93C4-4BCD-93E2-E3B085C9AB24}">
-                <p16:designElem xmlns:p16="http://schemas.microsoft.com/office/powerpoint/2015/main" val="1"/>
+                <p16:designElem xmlns:p16="http://schemas.microsoft.com/office/powerpoint/2015/main" xmlns="" val="1"/>
               </p:ext>
             </p:extLst>
           </p:nvPr>
@@ -12147,7 +12147,7 @@
           <p:cNvPr id="5" name="Picture 4" descr="Chart, line chart&#10;&#10;Description automatically generated">
             <a:extLst>
               <a:ext uri="{FF2B5EF4-FFF2-40B4-BE49-F238E27FC236}">
-                <a16:creationId xmlns:a16="http://schemas.microsoft.com/office/drawing/2014/main" id="{EFB2BA66-CE5C-498F-99C7-457081A9781B}"/>
+                <a16:creationId xmlns:a16="http://schemas.microsoft.com/office/drawing/2014/main" xmlns="" id="{EFB2BA66-CE5C-498F-99C7-457081A9781B}"/>
               </a:ext>
             </a:extLst>
           </p:cNvPr>
@@ -12183,10 +12183,10 @@
           <p:cNvPr id="22" name="Picture 21">
             <a:extLst>
               <a:ext uri="{FF2B5EF4-FFF2-40B4-BE49-F238E27FC236}">
-                <a16:creationId xmlns:a16="http://schemas.microsoft.com/office/drawing/2014/main" id="{C04ED70F-D6FD-4EB1-A171-D30F885FE73E}"/>
+                <a16:creationId xmlns:a16="http://schemas.microsoft.com/office/drawing/2014/main" xmlns="" id="{C04ED70F-D6FD-4EB1-A171-D30F885FE73E}"/>
               </a:ext>
               <a:ext uri="{C183D7F6-B498-43B3-948B-1728B52AA6E4}">
-                <adec:decorative xmlns:adec="http://schemas.microsoft.com/office/drawing/2017/decorative" val="1"/>
+                <adec:decorative xmlns:adec="http://schemas.microsoft.com/office/drawing/2017/decorative" xmlns="" val="1"/>
               </a:ext>
             </a:extLst>
           </p:cNvPr>
@@ -12196,7 +12196,7 @@
           <p:nvPr>
             <p:extLst>
               <p:ext uri="{386F3935-93C4-4BCD-93E2-E3B085C9AB24}">
-                <p16:designElem xmlns:p16="http://schemas.microsoft.com/office/powerpoint/2015/main" val="1"/>
+                <p16:designElem xmlns:p16="http://schemas.microsoft.com/office/powerpoint/2015/main" xmlns="" val="1"/>
               </p:ext>
             </p:extLst>
           </p:nvPr>
@@ -12227,10 +12227,10 @@
           <p:cNvPr id="24" name="Straight Connector 23">
             <a:extLst>
               <a:ext uri="{FF2B5EF4-FFF2-40B4-BE49-F238E27FC236}">
-                <a16:creationId xmlns:a16="http://schemas.microsoft.com/office/drawing/2014/main" id="{DA26CAE9-74C4-4EDD-8A80-77F79EAA86F4}"/>
+                <a16:creationId xmlns:a16="http://schemas.microsoft.com/office/drawing/2014/main" xmlns="" id="{DA26CAE9-74C4-4EDD-8A80-77F79EAA86F4}"/>
               </a:ext>
               <a:ext uri="{C183D7F6-B498-43B3-948B-1728B52AA6E4}">
-                <adec:decorative xmlns:adec="http://schemas.microsoft.com/office/drawing/2017/decorative" val="1"/>
+                <adec:decorative xmlns:adec="http://schemas.microsoft.com/office/drawing/2017/decorative" xmlns="" val="1"/>
               </a:ext>
             </a:extLst>
           </p:cNvPr>
@@ -12240,7 +12240,7 @@
           <p:nvPr>
             <p:extLst>
               <p:ext uri="{386F3935-93C4-4BCD-93E2-E3B085C9AB24}">
-                <p16:designElem xmlns:p16="http://schemas.microsoft.com/office/powerpoint/2015/main" val="1"/>
+                <p16:designElem xmlns:p16="http://schemas.microsoft.com/office/powerpoint/2015/main" xmlns="" val="1"/>
               </p:ext>
             </p:extLst>
           </p:nvPr>
@@ -12335,10 +12335,10 @@
           <p:cNvPr id="23" name="Rectangle 12">
             <a:extLst>
               <a:ext uri="{FF2B5EF4-FFF2-40B4-BE49-F238E27FC236}">
-                <a16:creationId xmlns:a16="http://schemas.microsoft.com/office/drawing/2014/main" id="{EED2B910-B28F-4A54-B17C-8B7E5893AABB}"/>
+                <a16:creationId xmlns:a16="http://schemas.microsoft.com/office/drawing/2014/main" xmlns="" id="{EED2B910-B28F-4A54-B17C-8B7E5893AABB}"/>
               </a:ext>
               <a:ext uri="{C183D7F6-B498-43B3-948B-1728B52AA6E4}">
-                <adec:decorative xmlns:adec="http://schemas.microsoft.com/office/drawing/2017/decorative" val="1"/>
+                <adec:decorative xmlns:adec="http://schemas.microsoft.com/office/drawing/2017/decorative" xmlns="" val="1"/>
               </a:ext>
             </a:extLst>
           </p:cNvPr>
@@ -12348,7 +12348,7 @@
           <p:nvPr>
             <p:extLst>
               <p:ext uri="{386F3935-93C4-4BCD-93E2-E3B085C9AB24}">
-                <p16:designElem xmlns:p16="http://schemas.microsoft.com/office/powerpoint/2015/main" val="1"/>
+                <p16:designElem xmlns:p16="http://schemas.microsoft.com/office/powerpoint/2015/main" xmlns="" val="1"/>
               </p:ext>
             </p:extLst>
           </p:nvPr>
@@ -12395,10 +12395,10 @@
           <p:cNvPr id="24" name="Straight Connector 14">
             <a:extLst>
               <a:ext uri="{FF2B5EF4-FFF2-40B4-BE49-F238E27FC236}">
-                <a16:creationId xmlns:a16="http://schemas.microsoft.com/office/drawing/2014/main" id="{C545F118-1DF8-46A9-8A77-B3D9422CEA4A}"/>
+                <a16:creationId xmlns:a16="http://schemas.microsoft.com/office/drawing/2014/main" xmlns="" id="{C545F118-1DF8-46A9-8A77-B3D9422CEA4A}"/>
               </a:ext>
               <a:ext uri="{C183D7F6-B498-43B3-948B-1728B52AA6E4}">
-                <adec:decorative xmlns:adec="http://schemas.microsoft.com/office/drawing/2017/decorative" val="1"/>
+                <adec:decorative xmlns:adec="http://schemas.microsoft.com/office/drawing/2017/decorative" xmlns="" val="1"/>
               </a:ext>
             </a:extLst>
           </p:cNvPr>
@@ -12408,7 +12408,7 @@
           <p:nvPr>
             <p:extLst>
               <p:ext uri="{386F3935-93C4-4BCD-93E2-E3B085C9AB24}">
-                <p16:designElem xmlns:p16="http://schemas.microsoft.com/office/powerpoint/2015/main" val="1"/>
+                <p16:designElem xmlns:p16="http://schemas.microsoft.com/office/powerpoint/2015/main" xmlns="" val="1"/>
               </p:ext>
             </p:extLst>
           </p:nvPr>
@@ -12443,7 +12443,7 @@
           <p:cNvPr id="2" name="Title 1">
             <a:extLst>
               <a:ext uri="{FF2B5EF4-FFF2-40B4-BE49-F238E27FC236}">
-                <a16:creationId xmlns:a16="http://schemas.microsoft.com/office/drawing/2014/main" id="{9C888BC2-5FB8-4A00-9D2C-ABE5250D796C}"/>
+                <a16:creationId xmlns:a16="http://schemas.microsoft.com/office/drawing/2014/main" xmlns="" id="{9C888BC2-5FB8-4A00-9D2C-ABE5250D796C}"/>
               </a:ext>
             </a:extLst>
           </p:cNvPr>
@@ -12473,12 +12473,26 @@
               </a:rPr>
               <a:t>Social Media Fact Sheet – from Pew Research center</a:t>
             </a:r>
+            <a:r>
+              <a:rPr lang="en-US" sz="1500" b="1" i="0" dirty="0">
+                <a:effectLst/>
+                <a:latin typeface="abril-text"/>
+              </a:rPr>
+              <a:t/>
+            </a:r>
             <a:br>
               <a:rPr lang="en-US" sz="1500" b="1" i="0" dirty="0">
                 <a:effectLst/>
                 <a:latin typeface="abril-text"/>
               </a:rPr>
             </a:br>
+            <a:r>
+              <a:rPr lang="en-US" sz="1500" b="1" i="0" dirty="0">
+                <a:effectLst/>
+                <a:latin typeface="-apple-system"/>
+              </a:rPr>
+              <a:t/>
+            </a:r>
             <a:br>
               <a:rPr lang="en-US" sz="1500" b="1" i="0" dirty="0">
                 <a:effectLst/>
@@ -12494,10 +12508,10 @@
           <p:cNvPr id="25" name="Rectangle 16">
             <a:extLst>
               <a:ext uri="{FF2B5EF4-FFF2-40B4-BE49-F238E27FC236}">
-                <a16:creationId xmlns:a16="http://schemas.microsoft.com/office/drawing/2014/main" id="{7CAB7D27-148D-4082-B160-72FAD580D663}"/>
+                <a16:creationId xmlns:a16="http://schemas.microsoft.com/office/drawing/2014/main" xmlns="" id="{7CAB7D27-148D-4082-B160-72FAD580D663}"/>
               </a:ext>
               <a:ext uri="{C183D7F6-B498-43B3-948B-1728B52AA6E4}">
-                <adec:decorative xmlns:adec="http://schemas.microsoft.com/office/drawing/2017/decorative" val="1"/>
+                <adec:decorative xmlns:adec="http://schemas.microsoft.com/office/drawing/2017/decorative" xmlns="" val="1"/>
               </a:ext>
             </a:extLst>
           </p:cNvPr>
@@ -12507,7 +12521,7 @@
           <p:nvPr>
             <p:extLst>
               <p:ext uri="{386F3935-93C4-4BCD-93E2-E3B085C9AB24}">
-                <p16:designElem xmlns:p16="http://schemas.microsoft.com/office/powerpoint/2015/main" val="1"/>
+                <p16:designElem xmlns:p16="http://schemas.microsoft.com/office/powerpoint/2015/main" xmlns="" val="1"/>
               </p:ext>
             </p:extLst>
           </p:nvPr>
@@ -12568,7 +12582,7 @@
           <p:cNvPr id="6" name="Picture 5" descr="Chart, line chart&#10;&#10;Description automatically generated">
             <a:extLst>
               <a:ext uri="{FF2B5EF4-FFF2-40B4-BE49-F238E27FC236}">
-                <a16:creationId xmlns:a16="http://schemas.microsoft.com/office/drawing/2014/main" id="{BB35D74C-E7AE-4A1E-9B7D-C4DAA04B970D}"/>
+                <a16:creationId xmlns:a16="http://schemas.microsoft.com/office/drawing/2014/main" xmlns="" id="{BB35D74C-E7AE-4A1E-9B7D-C4DAA04B970D}"/>
               </a:ext>
             </a:extLst>
           </p:cNvPr>
@@ -12603,7 +12617,7 @@
           <p:cNvPr id="8" name="Picture 7" descr="Chart, line chart&#10;&#10;Description automatically generated">
             <a:extLst>
               <a:ext uri="{FF2B5EF4-FFF2-40B4-BE49-F238E27FC236}">
-                <a16:creationId xmlns:a16="http://schemas.microsoft.com/office/drawing/2014/main" id="{968B214E-5401-4E7B-B9A8-C9F24A157A5C}"/>
+                <a16:creationId xmlns:a16="http://schemas.microsoft.com/office/drawing/2014/main" xmlns="" id="{968B214E-5401-4E7B-B9A8-C9F24A157A5C}"/>
               </a:ext>
             </a:extLst>
           </p:cNvPr>
@@ -12638,7 +12652,7 @@
           <p:cNvPr id="3" name="Content Placeholder 2">
             <a:extLst>
               <a:ext uri="{FF2B5EF4-FFF2-40B4-BE49-F238E27FC236}">
-                <a16:creationId xmlns:a16="http://schemas.microsoft.com/office/drawing/2014/main" id="{9E6039AD-E8AC-4ACC-89A2-926D9DB406F5}"/>
+                <a16:creationId xmlns:a16="http://schemas.microsoft.com/office/drawing/2014/main" xmlns="" id="{9E6039AD-E8AC-4ACC-89A2-926D9DB406F5}"/>
               </a:ext>
             </a:extLst>
           </p:cNvPr>
@@ -12685,10 +12699,10 @@
           <p:cNvPr id="26" name="Picture 18">
             <a:extLst>
               <a:ext uri="{FF2B5EF4-FFF2-40B4-BE49-F238E27FC236}">
-                <a16:creationId xmlns:a16="http://schemas.microsoft.com/office/drawing/2014/main" id="{CD88FC76-F691-462A-BCF9-0BA4F5DE6D71}"/>
+                <a16:creationId xmlns:a16="http://schemas.microsoft.com/office/drawing/2014/main" xmlns="" id="{CD88FC76-F691-462A-BCF9-0BA4F5DE6D71}"/>
               </a:ext>
               <a:ext uri="{C183D7F6-B498-43B3-948B-1728B52AA6E4}">
-                <adec:decorative xmlns:adec="http://schemas.microsoft.com/office/drawing/2017/decorative" val="1"/>
+                <adec:decorative xmlns:adec="http://schemas.microsoft.com/office/drawing/2017/decorative" xmlns="" val="1"/>
               </a:ext>
             </a:extLst>
           </p:cNvPr>
@@ -12698,7 +12712,7 @@
           <p:nvPr>
             <p:extLst>
               <p:ext uri="{386F3935-93C4-4BCD-93E2-E3B085C9AB24}">
-                <p16:designElem xmlns:p16="http://schemas.microsoft.com/office/powerpoint/2015/main" val="1"/>
+                <p16:designElem xmlns:p16="http://schemas.microsoft.com/office/powerpoint/2015/main" xmlns="" val="1"/>
               </p:ext>
             </p:extLst>
           </p:nvPr>
@@ -12729,10 +12743,10 @@
           <p:cNvPr id="27" name="Straight Connector 20">
             <a:extLst>
               <a:ext uri="{FF2B5EF4-FFF2-40B4-BE49-F238E27FC236}">
-                <a16:creationId xmlns:a16="http://schemas.microsoft.com/office/drawing/2014/main" id="{33204A7E-B7E9-42D0-9DC4-B82FDC8C4BCC}"/>
+                <a16:creationId xmlns:a16="http://schemas.microsoft.com/office/drawing/2014/main" xmlns="" id="{33204A7E-B7E9-42D0-9DC4-B82FDC8C4BCC}"/>
               </a:ext>
               <a:ext uri="{C183D7F6-B498-43B3-948B-1728B52AA6E4}">
-                <adec:decorative xmlns:adec="http://schemas.microsoft.com/office/drawing/2017/decorative" val="1"/>
+                <adec:decorative xmlns:adec="http://schemas.microsoft.com/office/drawing/2017/decorative" xmlns="" val="1"/>
               </a:ext>
             </a:extLst>
           </p:cNvPr>
@@ -12742,7 +12756,7 @@
           <p:nvPr>
             <p:extLst>
               <p:ext uri="{386F3935-93C4-4BCD-93E2-E3B085C9AB24}">
-                <p16:designElem xmlns:p16="http://schemas.microsoft.com/office/powerpoint/2015/main" val="1"/>
+                <p16:designElem xmlns:p16="http://schemas.microsoft.com/office/powerpoint/2015/main" xmlns="" val="1"/>
               </p:ext>
             </p:extLst>
           </p:nvPr>
@@ -12837,10 +12851,10 @@
           <p:cNvPr id="7" name="Rectangle 6">
             <a:extLst>
               <a:ext uri="{FF2B5EF4-FFF2-40B4-BE49-F238E27FC236}">
-                <a16:creationId xmlns:a16="http://schemas.microsoft.com/office/drawing/2014/main" id="{23522FE7-5A29-4EF6-B1EF-2CA55748A772}"/>
+                <a16:creationId xmlns:a16="http://schemas.microsoft.com/office/drawing/2014/main" xmlns="" id="{23522FE7-5A29-4EF6-B1EF-2CA55748A772}"/>
               </a:ext>
               <a:ext uri="{C183D7F6-B498-43B3-948B-1728B52AA6E4}">
-                <adec:decorative xmlns:adec="http://schemas.microsoft.com/office/drawing/2017/decorative" val="1"/>
+                <adec:decorative xmlns:adec="http://schemas.microsoft.com/office/drawing/2017/decorative" xmlns="" val="1"/>
               </a:ext>
             </a:extLst>
           </p:cNvPr>
@@ -12850,7 +12864,7 @@
           <p:nvPr>
             <p:extLst>
               <p:ext uri="{386F3935-93C4-4BCD-93E2-E3B085C9AB24}">
-                <p16:designElem xmlns:p16="http://schemas.microsoft.com/office/powerpoint/2015/main" val="1"/>
+                <p16:designElem xmlns:p16="http://schemas.microsoft.com/office/powerpoint/2015/main" xmlns="" val="1"/>
               </p:ext>
             </p:extLst>
           </p:nvPr>
@@ -12903,10 +12917,10 @@
           <p:cNvPr id="9" name="Picture 8">
             <a:extLst>
               <a:ext uri="{FF2B5EF4-FFF2-40B4-BE49-F238E27FC236}">
-                <a16:creationId xmlns:a16="http://schemas.microsoft.com/office/drawing/2014/main" id="{C2192E09-EBC7-416C-B887-DFF915D7F43D}"/>
+                <a16:creationId xmlns:a16="http://schemas.microsoft.com/office/drawing/2014/main" xmlns="" id="{C2192E09-EBC7-416C-B887-DFF915D7F43D}"/>
               </a:ext>
               <a:ext uri="{C183D7F6-B498-43B3-948B-1728B52AA6E4}">
-                <adec:decorative xmlns:adec="http://schemas.microsoft.com/office/drawing/2017/decorative" val="1"/>
+                <adec:decorative xmlns:adec="http://schemas.microsoft.com/office/drawing/2017/decorative" xmlns="" val="1"/>
               </a:ext>
             </a:extLst>
           </p:cNvPr>
@@ -12916,7 +12930,7 @@
           <p:nvPr>
             <p:extLst>
               <p:ext uri="{386F3935-93C4-4BCD-93E2-E3B085C9AB24}">
-                <p16:designElem xmlns:p16="http://schemas.microsoft.com/office/powerpoint/2015/main" val="1"/>
+                <p16:designElem xmlns:p16="http://schemas.microsoft.com/office/powerpoint/2015/main" xmlns="" val="1"/>
               </p:ext>
             </p:extLst>
           </p:nvPr>
@@ -12947,10 +12961,10 @@
           <p:cNvPr id="11" name="Straight Connector 10">
             <a:extLst>
               <a:ext uri="{FF2B5EF4-FFF2-40B4-BE49-F238E27FC236}">
-                <a16:creationId xmlns:a16="http://schemas.microsoft.com/office/drawing/2014/main" id="{2924498D-E084-44BE-A196-CFCE35564350}"/>
+                <a16:creationId xmlns:a16="http://schemas.microsoft.com/office/drawing/2014/main" xmlns="" id="{2924498D-E084-44BE-A196-CFCE35564350}"/>
               </a:ext>
               <a:ext uri="{C183D7F6-B498-43B3-948B-1728B52AA6E4}">
-                <adec:decorative xmlns:adec="http://schemas.microsoft.com/office/drawing/2017/decorative" val="1"/>
+                <adec:decorative xmlns:adec="http://schemas.microsoft.com/office/drawing/2017/decorative" xmlns="" val="1"/>
               </a:ext>
             </a:extLst>
           </p:cNvPr>
@@ -12960,7 +12974,7 @@
           <p:nvPr>
             <p:extLst>
               <p:ext uri="{386F3935-93C4-4BCD-93E2-E3B085C9AB24}">
-                <p16:designElem xmlns:p16="http://schemas.microsoft.com/office/powerpoint/2015/main" val="1"/>
+                <p16:designElem xmlns:p16="http://schemas.microsoft.com/office/powerpoint/2015/main" xmlns="" val="1"/>
               </p:ext>
             </p:extLst>
           </p:nvPr>
@@ -13001,10 +13015,10 @@
           <p:cNvPr id="13" name="Straight Connector 12">
             <a:extLst>
               <a:ext uri="{FF2B5EF4-FFF2-40B4-BE49-F238E27FC236}">
-                <a16:creationId xmlns:a16="http://schemas.microsoft.com/office/drawing/2014/main" id="{3BBC7667-C352-4842-9AFD-E5C16AD002F4}"/>
+                <a16:creationId xmlns:a16="http://schemas.microsoft.com/office/drawing/2014/main" xmlns="" id="{3BBC7667-C352-4842-9AFD-E5C16AD002F4}"/>
               </a:ext>
               <a:ext uri="{C183D7F6-B498-43B3-948B-1728B52AA6E4}">
-                <adec:decorative xmlns:adec="http://schemas.microsoft.com/office/drawing/2017/decorative" val="1"/>
+                <adec:decorative xmlns:adec="http://schemas.microsoft.com/office/drawing/2017/decorative" xmlns="" val="1"/>
               </a:ext>
             </a:extLst>
           </p:cNvPr>
@@ -13014,7 +13028,7 @@
           <p:nvPr>
             <p:extLst>
               <p:ext uri="{386F3935-93C4-4BCD-93E2-E3B085C9AB24}">
-                <p16:designElem xmlns:p16="http://schemas.microsoft.com/office/powerpoint/2015/main" val="1"/>
+                <p16:designElem xmlns:p16="http://schemas.microsoft.com/office/powerpoint/2015/main" xmlns="" val="1"/>
               </p:ext>
             </p:extLst>
           </p:nvPr>
@@ -13049,10 +13063,10 @@
           <p:cNvPr id="15" name="Rectangle 14">
             <a:extLst>
               <a:ext uri="{FF2B5EF4-FFF2-40B4-BE49-F238E27FC236}">
-                <a16:creationId xmlns:a16="http://schemas.microsoft.com/office/drawing/2014/main" id="{F0AB17F6-592B-45CB-96F6-705C9825AFBC}"/>
+                <a16:creationId xmlns:a16="http://schemas.microsoft.com/office/drawing/2014/main" xmlns="" id="{F0AB17F6-592B-45CB-96F6-705C9825AFBC}"/>
               </a:ext>
               <a:ext uri="{C183D7F6-B498-43B3-948B-1728B52AA6E4}">
-                <adec:decorative xmlns:adec="http://schemas.microsoft.com/office/drawing/2017/decorative" val="1"/>
+                <adec:decorative xmlns:adec="http://schemas.microsoft.com/office/drawing/2017/decorative" xmlns="" val="1"/>
               </a:ext>
             </a:extLst>
           </p:cNvPr>
@@ -13062,7 +13076,7 @@
           <p:nvPr>
             <p:extLst>
               <p:ext uri="{386F3935-93C4-4BCD-93E2-E3B085C9AB24}">
-                <p16:designElem xmlns:p16="http://schemas.microsoft.com/office/powerpoint/2015/main" val="1"/>
+                <p16:designElem xmlns:p16="http://schemas.microsoft.com/office/powerpoint/2015/main" xmlns="" val="1"/>
               </p:ext>
             </p:extLst>
           </p:nvPr>
@@ -13109,7 +13123,7 @@
           <p:cNvPr id="2" name="Title 1">
             <a:extLst>
               <a:ext uri="{FF2B5EF4-FFF2-40B4-BE49-F238E27FC236}">
-                <a16:creationId xmlns:a16="http://schemas.microsoft.com/office/drawing/2014/main" id="{6FC29038-DDBC-4BFF-89F4-CE1EC9E6EEB3}"/>
+                <a16:creationId xmlns:a16="http://schemas.microsoft.com/office/drawing/2014/main" xmlns="" id="{6FC29038-DDBC-4BFF-89F4-CE1EC9E6EEB3}"/>
               </a:ext>
             </a:extLst>
           </p:cNvPr>
@@ -13149,10 +13163,10 @@
           <p:cNvPr id="17" name="Straight Connector 16">
             <a:extLst>
               <a:ext uri="{FF2B5EF4-FFF2-40B4-BE49-F238E27FC236}">
-                <a16:creationId xmlns:a16="http://schemas.microsoft.com/office/drawing/2014/main" id="{5A9284E7-0823-472D-9963-18D89DFEB8B4}"/>
+                <a16:creationId xmlns:a16="http://schemas.microsoft.com/office/drawing/2014/main" xmlns="" id="{5A9284E7-0823-472D-9963-18D89DFEB8B4}"/>
               </a:ext>
               <a:ext uri="{C183D7F6-B498-43B3-948B-1728B52AA6E4}">
-                <adec:decorative xmlns:adec="http://schemas.microsoft.com/office/drawing/2017/decorative" val="1"/>
+                <adec:decorative xmlns:adec="http://schemas.microsoft.com/office/drawing/2017/decorative" xmlns="" val="1"/>
               </a:ext>
             </a:extLst>
           </p:cNvPr>
@@ -13162,7 +13176,7 @@
           <p:nvPr>
             <p:extLst>
               <p:ext uri="{386F3935-93C4-4BCD-93E2-E3B085C9AB24}">
-                <p16:designElem xmlns:p16="http://schemas.microsoft.com/office/powerpoint/2015/main" val="1"/>
+                <p16:designElem xmlns:p16="http://schemas.microsoft.com/office/powerpoint/2015/main" xmlns="" val="1"/>
               </p:ext>
             </p:extLst>
           </p:nvPr>
@@ -13251,10 +13265,10 @@
           <p:cNvPr id="64" name="Rectangle 63">
             <a:extLst>
               <a:ext uri="{FF2B5EF4-FFF2-40B4-BE49-F238E27FC236}">
-                <a16:creationId xmlns:a16="http://schemas.microsoft.com/office/drawing/2014/main" id="{84C75E2B-CACA-478C-B26B-182AF87A18E3}"/>
+                <a16:creationId xmlns:a16="http://schemas.microsoft.com/office/drawing/2014/main" xmlns="" id="{84C75E2B-CACA-478C-B26B-182AF87A18E3}"/>
               </a:ext>
               <a:ext uri="{C183D7F6-B498-43B3-948B-1728B52AA6E4}">
-                <adec:decorative xmlns:adec="http://schemas.microsoft.com/office/drawing/2017/decorative" val="1"/>
+                <adec:decorative xmlns:adec="http://schemas.microsoft.com/office/drawing/2017/decorative" xmlns="" val="1"/>
               </a:ext>
             </a:extLst>
           </p:cNvPr>
@@ -13264,7 +13278,7 @@
           <p:nvPr>
             <p:extLst>
               <p:ext uri="{386F3935-93C4-4BCD-93E2-E3B085C9AB24}">
-                <p16:designElem xmlns:p16="http://schemas.microsoft.com/office/powerpoint/2015/main" val="1"/>
+                <p16:designElem xmlns:p16="http://schemas.microsoft.com/office/powerpoint/2015/main" xmlns="" val="1"/>
               </p:ext>
             </p:extLst>
           </p:nvPr>
@@ -13317,10 +13331,10 @@
           <p:cNvPr id="66" name="Picture 65">
             <a:extLst>
               <a:ext uri="{FF2B5EF4-FFF2-40B4-BE49-F238E27FC236}">
-                <a16:creationId xmlns:a16="http://schemas.microsoft.com/office/drawing/2014/main" id="{50FF2874-547C-4D14-9E18-28B19002FB8C}"/>
+                <a16:creationId xmlns:a16="http://schemas.microsoft.com/office/drawing/2014/main" xmlns="" id="{50FF2874-547C-4D14-9E18-28B19002FB8C}"/>
               </a:ext>
               <a:ext uri="{C183D7F6-B498-43B3-948B-1728B52AA6E4}">
-                <adec:decorative xmlns:adec="http://schemas.microsoft.com/office/drawing/2017/decorative" val="1"/>
+                <adec:decorative xmlns:adec="http://schemas.microsoft.com/office/drawing/2017/decorative" xmlns="" val="1"/>
               </a:ext>
             </a:extLst>
           </p:cNvPr>
@@ -13330,7 +13344,7 @@
           <p:nvPr>
             <p:extLst>
               <p:ext uri="{386F3935-93C4-4BCD-93E2-E3B085C9AB24}">
-                <p16:designElem xmlns:p16="http://schemas.microsoft.com/office/powerpoint/2015/main" val="1"/>
+                <p16:designElem xmlns:p16="http://schemas.microsoft.com/office/powerpoint/2015/main" xmlns="" val="1"/>
               </p:ext>
             </p:extLst>
           </p:nvPr>
@@ -13361,10 +13375,10 @@
           <p:cNvPr id="68" name="Straight Connector 67">
             <a:extLst>
               <a:ext uri="{FF2B5EF4-FFF2-40B4-BE49-F238E27FC236}">
-                <a16:creationId xmlns:a16="http://schemas.microsoft.com/office/drawing/2014/main" id="{36CF827D-A163-47F7-BD87-34EB4FA7D696}"/>
+                <a16:creationId xmlns:a16="http://schemas.microsoft.com/office/drawing/2014/main" xmlns="" id="{36CF827D-A163-47F7-BD87-34EB4FA7D696}"/>
               </a:ext>
               <a:ext uri="{C183D7F6-B498-43B3-948B-1728B52AA6E4}">
-                <adec:decorative xmlns:adec="http://schemas.microsoft.com/office/drawing/2017/decorative" val="1"/>
+                <adec:decorative xmlns:adec="http://schemas.microsoft.com/office/drawing/2017/decorative" xmlns="" val="1"/>
               </a:ext>
             </a:extLst>
           </p:cNvPr>
@@ -13374,7 +13388,7 @@
           <p:nvPr>
             <p:extLst>
               <p:ext uri="{386F3935-93C4-4BCD-93E2-E3B085C9AB24}">
-                <p16:designElem xmlns:p16="http://schemas.microsoft.com/office/powerpoint/2015/main" val="1"/>
+                <p16:designElem xmlns:p16="http://schemas.microsoft.com/office/powerpoint/2015/main" xmlns="" val="1"/>
               </p:ext>
             </p:extLst>
           </p:nvPr>
@@ -13415,10 +13429,10 @@
           <p:cNvPr id="70" name="Straight Connector 69">
             <a:extLst>
               <a:ext uri="{FF2B5EF4-FFF2-40B4-BE49-F238E27FC236}">
-                <a16:creationId xmlns:a16="http://schemas.microsoft.com/office/drawing/2014/main" id="{D299D9A9-1DA8-433D-A9BC-FB48D93D4217}"/>
+                <a16:creationId xmlns:a16="http://schemas.microsoft.com/office/drawing/2014/main" xmlns="" id="{D299D9A9-1DA8-433D-A9BC-FB48D93D4217}"/>
               </a:ext>
               <a:ext uri="{C183D7F6-B498-43B3-948B-1728B52AA6E4}">
-                <adec:decorative xmlns:adec="http://schemas.microsoft.com/office/drawing/2017/decorative" val="1"/>
+                <adec:decorative xmlns:adec="http://schemas.microsoft.com/office/drawing/2017/decorative" xmlns="" val="1"/>
               </a:ext>
             </a:extLst>
           </p:cNvPr>
@@ -13428,7 +13442,7 @@
           <p:nvPr>
             <p:extLst>
               <p:ext uri="{386F3935-93C4-4BCD-93E2-E3B085C9AB24}">
-                <p16:designElem xmlns:p16="http://schemas.microsoft.com/office/powerpoint/2015/main" val="1"/>
+                <p16:designElem xmlns:p16="http://schemas.microsoft.com/office/powerpoint/2015/main" xmlns="" val="1"/>
               </p:ext>
             </p:extLst>
           </p:nvPr>
@@ -13463,10 +13477,10 @@
           <p:cNvPr id="72" name="Rectangle 71">
             <a:extLst>
               <a:ext uri="{FF2B5EF4-FFF2-40B4-BE49-F238E27FC236}">
-                <a16:creationId xmlns:a16="http://schemas.microsoft.com/office/drawing/2014/main" id="{593D0D1F-C0CE-416A-883C-BF1E03F63B4B}"/>
+                <a16:creationId xmlns:a16="http://schemas.microsoft.com/office/drawing/2014/main" xmlns="" id="{593D0D1F-C0CE-416A-883C-BF1E03F63B4B}"/>
               </a:ext>
               <a:ext uri="{C183D7F6-B498-43B3-948B-1728B52AA6E4}">
-                <adec:decorative xmlns:adec="http://schemas.microsoft.com/office/drawing/2017/decorative" val="1"/>
+                <adec:decorative xmlns:adec="http://schemas.microsoft.com/office/drawing/2017/decorative" xmlns="" val="1"/>
               </a:ext>
             </a:extLst>
           </p:cNvPr>
@@ -13476,7 +13490,7 @@
           <p:nvPr>
             <p:extLst>
               <p:ext uri="{386F3935-93C4-4BCD-93E2-E3B085C9AB24}">
-                <p16:designElem xmlns:p16="http://schemas.microsoft.com/office/powerpoint/2015/main" val="1"/>
+                <p16:designElem xmlns:p16="http://schemas.microsoft.com/office/powerpoint/2015/main" xmlns="" val="1"/>
               </p:ext>
             </p:extLst>
           </p:nvPr>
@@ -13523,10 +13537,10 @@
           <p:cNvPr id="74" name="Rectangle 73">
             <a:extLst>
               <a:ext uri="{FF2B5EF4-FFF2-40B4-BE49-F238E27FC236}">
-                <a16:creationId xmlns:a16="http://schemas.microsoft.com/office/drawing/2014/main" id="{94BB6862-3393-46CC-9A80-E400B3206A09}"/>
+                <a16:creationId xmlns:a16="http://schemas.microsoft.com/office/drawing/2014/main" xmlns="" id="{94BB6862-3393-46CC-9A80-E400B3206A09}"/>
               </a:ext>
               <a:ext uri="{C183D7F6-B498-43B3-948B-1728B52AA6E4}">
-                <adec:decorative xmlns:adec="http://schemas.microsoft.com/office/drawing/2017/decorative" val="1"/>
+                <adec:decorative xmlns:adec="http://schemas.microsoft.com/office/drawing/2017/decorative" xmlns="" val="1"/>
               </a:ext>
             </a:extLst>
           </p:cNvPr>
@@ -13536,7 +13550,7 @@
           <p:nvPr>
             <p:extLst>
               <p:ext uri="{386F3935-93C4-4BCD-93E2-E3B085C9AB24}">
-                <p16:designElem xmlns:p16="http://schemas.microsoft.com/office/powerpoint/2015/main" val="1"/>
+                <p16:designElem xmlns:p16="http://schemas.microsoft.com/office/powerpoint/2015/main" xmlns="" val="1"/>
               </p:ext>
             </p:extLst>
           </p:nvPr>
@@ -13597,7 +13611,7 @@
           <p:cNvPr id="2" name="Title 1">
             <a:extLst>
               <a:ext uri="{FF2B5EF4-FFF2-40B4-BE49-F238E27FC236}">
-                <a16:creationId xmlns:a16="http://schemas.microsoft.com/office/drawing/2014/main" id="{9C888BC2-5FB8-4A00-9D2C-ABE5250D796C}"/>
+                <a16:creationId xmlns:a16="http://schemas.microsoft.com/office/drawing/2014/main" xmlns="" id="{9C888BC2-5FB8-4A00-9D2C-ABE5250D796C}"/>
               </a:ext>
             </a:extLst>
           </p:cNvPr>
@@ -13627,6 +13641,10 @@
             <a:br>
               <a:rPr lang="en-US" sz="2200"/>
             </a:br>
+            <a:r>
+              <a:rPr lang="en-US" sz="2200"/>
+              <a:t/>
+            </a:r>
             <a:br>
               <a:rPr lang="en-US" sz="2200"/>
             </a:br>
@@ -13639,10 +13657,10 @@
           <p:cNvPr id="76" name="Group 75">
             <a:extLst>
               <a:ext uri="{FF2B5EF4-FFF2-40B4-BE49-F238E27FC236}">
-                <a16:creationId xmlns:a16="http://schemas.microsoft.com/office/drawing/2014/main" id="{ECD36A4A-123D-46E3-8A64-13B8B3F019BD}"/>
+                <a16:creationId xmlns:a16="http://schemas.microsoft.com/office/drawing/2014/main" xmlns="" id="{ECD36A4A-123D-46E3-8A64-13B8B3F019BD}"/>
               </a:ext>
               <a:ext uri="{C183D7F6-B498-43B3-948B-1728B52AA6E4}">
-                <adec:decorative xmlns:adec="http://schemas.microsoft.com/office/drawing/2017/decorative" val="1"/>
+                <adec:decorative xmlns:adec="http://schemas.microsoft.com/office/drawing/2017/decorative" xmlns="" val="1"/>
               </a:ext>
             </a:extLst>
           </p:cNvPr>
@@ -13652,7 +13670,7 @@
           <p:nvPr>
             <p:extLst>
               <p:ext uri="{386F3935-93C4-4BCD-93E2-E3B085C9AB24}">
-                <p16:designElem xmlns:p16="http://schemas.microsoft.com/office/powerpoint/2015/main" val="1"/>
+                <p16:designElem xmlns:p16="http://schemas.microsoft.com/office/powerpoint/2015/main" xmlns="" val="1"/>
               </p:ext>
             </p:extLst>
           </p:nvPr>
@@ -13670,10 +13688,10 @@
             <p:cNvPr id="77" name="Rectangle 76">
               <a:extLst>
                 <a:ext uri="{FF2B5EF4-FFF2-40B4-BE49-F238E27FC236}">
-                  <a16:creationId xmlns:a16="http://schemas.microsoft.com/office/drawing/2014/main" id="{612E2361-DAF1-4420-BBBD-218F4138ED2F}"/>
+                  <a16:creationId xmlns:a16="http://schemas.microsoft.com/office/drawing/2014/main" xmlns="" id="{612E2361-DAF1-4420-BBBD-218F4138ED2F}"/>
                 </a:ext>
                 <a:ext uri="{C183D7F6-B498-43B3-948B-1728B52AA6E4}">
-                  <adec:decorative xmlns:adec="http://schemas.microsoft.com/office/drawing/2017/decorative" val="1"/>
+                  <adec:decorative xmlns:adec="http://schemas.microsoft.com/office/drawing/2017/decorative" xmlns="" val="1"/>
                 </a:ext>
               </a:extLst>
             </p:cNvPr>
@@ -13681,7 +13699,7 @@
             <p:nvPr>
               <p:extLst>
                 <p:ext uri="{386F3935-93C4-4BCD-93E2-E3B085C9AB24}">
-                  <p16:designElem xmlns:p16="http://schemas.microsoft.com/office/powerpoint/2015/main" val="1"/>
+                  <p16:designElem xmlns:p16="http://schemas.microsoft.com/office/powerpoint/2015/main" xmlns="" val="1"/>
                 </p:ext>
               </p:extLst>
             </p:nvPr>
@@ -13751,10 +13769,10 @@
             <p:cNvPr id="78" name="Rectangle 77">
               <a:extLst>
                 <a:ext uri="{FF2B5EF4-FFF2-40B4-BE49-F238E27FC236}">
-                  <a16:creationId xmlns:a16="http://schemas.microsoft.com/office/drawing/2014/main" id="{1D6F994B-14BC-49BA-B34D-17DF3069A404}"/>
+                  <a16:creationId xmlns:a16="http://schemas.microsoft.com/office/drawing/2014/main" xmlns="" id="{1D6F994B-14BC-49BA-B34D-17DF3069A404}"/>
                 </a:ext>
                 <a:ext uri="{C183D7F6-B498-43B3-948B-1728B52AA6E4}">
-                  <adec:decorative xmlns:adec="http://schemas.microsoft.com/office/drawing/2017/decorative" val="1"/>
+                  <adec:decorative xmlns:adec="http://schemas.microsoft.com/office/drawing/2017/decorative" xmlns="" val="1"/>
                 </a:ext>
               </a:extLst>
             </p:cNvPr>
@@ -13762,7 +13780,7 @@
             <p:nvPr>
               <p:extLst>
                 <p:ext uri="{386F3935-93C4-4BCD-93E2-E3B085C9AB24}">
-                  <p16:designElem xmlns:p16="http://schemas.microsoft.com/office/powerpoint/2015/main" val="1"/>
+                  <p16:designElem xmlns:p16="http://schemas.microsoft.com/office/powerpoint/2015/main" xmlns="" val="1"/>
                 </p:ext>
               </p:extLst>
             </p:nvPr>
@@ -13836,10 +13854,10 @@
           <p:cNvPr id="80" name="Picture 79">
             <a:extLst>
               <a:ext uri="{FF2B5EF4-FFF2-40B4-BE49-F238E27FC236}">
-                <a16:creationId xmlns:a16="http://schemas.microsoft.com/office/drawing/2014/main" id="{55EC7096-D0A6-471D-AE28-B68D70388E32}"/>
+                <a16:creationId xmlns:a16="http://schemas.microsoft.com/office/drawing/2014/main" xmlns="" id="{55EC7096-D0A6-471D-AE28-B68D70388E32}"/>
               </a:ext>
               <a:ext uri="{C183D7F6-B498-43B3-948B-1728B52AA6E4}">
-                <adec:decorative xmlns:adec="http://schemas.microsoft.com/office/drawing/2017/decorative" val="1"/>
+                <adec:decorative xmlns:adec="http://schemas.microsoft.com/office/drawing/2017/decorative" xmlns="" val="1"/>
               </a:ext>
             </a:extLst>
           </p:cNvPr>
@@ -13849,7 +13867,7 @@
           <p:nvPr>
             <p:extLst>
               <p:ext uri="{386F3935-93C4-4BCD-93E2-E3B085C9AB24}">
-                <p16:designElem xmlns:p16="http://schemas.microsoft.com/office/powerpoint/2015/main" val="1"/>
+                <p16:designElem xmlns:p16="http://schemas.microsoft.com/office/powerpoint/2015/main" xmlns="" val="1"/>
               </p:ext>
             </p:extLst>
           </p:nvPr>
@@ -13880,10 +13898,10 @@
           <p:cNvPr id="82" name="Straight Connector 81">
             <a:extLst>
               <a:ext uri="{FF2B5EF4-FFF2-40B4-BE49-F238E27FC236}">
-                <a16:creationId xmlns:a16="http://schemas.microsoft.com/office/drawing/2014/main" id="{2E98EB88-99B6-483D-B203-0D5D63100504}"/>
+                <a16:creationId xmlns:a16="http://schemas.microsoft.com/office/drawing/2014/main" xmlns="" id="{2E98EB88-99B6-483D-B203-0D5D63100504}"/>
               </a:ext>
               <a:ext uri="{C183D7F6-B498-43B3-948B-1728B52AA6E4}">
-                <adec:decorative xmlns:adec="http://schemas.microsoft.com/office/drawing/2017/decorative" val="1"/>
+                <adec:decorative xmlns:adec="http://schemas.microsoft.com/office/drawing/2017/decorative" xmlns="" val="1"/>
               </a:ext>
             </a:extLst>
           </p:cNvPr>
@@ -13893,7 +13911,7 @@
           <p:nvPr>
             <p:extLst>
               <p:ext uri="{386F3935-93C4-4BCD-93E2-E3B085C9AB24}">
-                <p16:designElem xmlns:p16="http://schemas.microsoft.com/office/powerpoint/2015/main" val="1"/>
+                <p16:designElem xmlns:p16="http://schemas.microsoft.com/office/powerpoint/2015/main" xmlns="" val="1"/>
               </p:ext>
             </p:extLst>
           </p:nvPr>
@@ -13934,7 +13952,7 @@
           <p:cNvPr id="7" name="Content Placeholder 6" descr="Graphical user interface, application, website&#10;&#10;Description automatically generated">
             <a:extLst>
               <a:ext uri="{FF2B5EF4-FFF2-40B4-BE49-F238E27FC236}">
-                <a16:creationId xmlns:a16="http://schemas.microsoft.com/office/drawing/2014/main" id="{7DD458F4-B6EB-4D33-90FE-EAF5AEB25C5C}"/>
+                <a16:creationId xmlns:a16="http://schemas.microsoft.com/office/drawing/2014/main" xmlns="" id="{7DD458F4-B6EB-4D33-90FE-EAF5AEB25C5C}"/>
               </a:ext>
             </a:extLst>
           </p:cNvPr>
@@ -13946,7 +13964,7 @@
           </p:nvPr>
         </p:nvPicPr>
         <p:blipFill>
-          <a:blip r:embed="rId3">
+          <a:blip r:embed="rId3" cstate="print">
             <a:extLst>
               <a:ext uri="{28A0092B-C50C-407E-A947-70E740481C1C}">
                 <a14:useLocalDpi xmlns:a14="http://schemas.microsoft.com/office/drawing/2010/main" val="0"/>
@@ -14224,7 +14242,7 @@
   <a:extraClrSchemeLst/>
   <a:extLst>
     <a:ext uri="{05A4C25C-085E-4340-85A3-A5531E510DB2}">
-      <thm15:themeFamily xmlns:thm15="http://schemas.microsoft.com/office/thememl/2012/main" name="Gallery" id="{BBFCD31E-59A1-489D-B089-A3EAD7CAE12E}" vid="{F5E91637-A7B6-4E27-B710-77DA7014EE1E}"/>
+      <thm15:themeFamily xmlns:thm15="http://schemas.microsoft.com/office/thememl/2012/main" xmlns="" name="Gallery" id="{BBFCD31E-59A1-489D-B089-A3EAD7CAE12E}" vid="{F5E91637-A7B6-4E27-B710-77DA7014EE1E}"/>
     </a:ext>
   </a:extLst>
 </a:theme>
